--- a/shout yay.pptx
+++ b/shout yay.pptx
@@ -5,19 +5,21 @@
     <p:sldMasterId id="2147483648" r:id="rId2"/>
     <p:sldMasterId id="2147483661" r:id="rId3"/>
     <p:sldMasterId id="2147483674" r:id="rId4"/>
+    <p:sldMasterId id="2147483687" r:id="rId5"/>
+    <p:sldMasterId id="2147483700" r:id="rId6"/>
   </p:sldMasterIdLst>
   <p:sldIdLst>
-    <p:sldId id="256" r:id="rId5"/>
-    <p:sldId id="257" r:id="rId6"/>
-    <p:sldId id="258" r:id="rId7"/>
-    <p:sldId id="259" r:id="rId8"/>
-    <p:sldId id="260" r:id="rId9"/>
-    <p:sldId id="261" r:id="rId10"/>
-    <p:sldId id="262" r:id="rId11"/>
-    <p:sldId id="263" r:id="rId12"/>
-    <p:sldId id="264" r:id="rId13"/>
-    <p:sldId id="265" r:id="rId14"/>
-    <p:sldId id="266" r:id="rId15"/>
+    <p:sldId id="256" r:id="rId7"/>
+    <p:sldId id="257" r:id="rId8"/>
+    <p:sldId id="258" r:id="rId9"/>
+    <p:sldId id="259" r:id="rId10"/>
+    <p:sldId id="260" r:id="rId11"/>
+    <p:sldId id="261" r:id="rId12"/>
+    <p:sldId id="262" r:id="rId13"/>
+    <p:sldId id="263" r:id="rId14"/>
+    <p:sldId id="264" r:id="rId15"/>
+    <p:sldId id="265" r:id="rId16"/>
+    <p:sldId id="266" r:id="rId17"/>
   </p:sldIdLst>
   <p:sldSz cx="10080625" cy="7559675"/>
   <p:notesSz cx="7772400" cy="10058400"/>
@@ -76,7 +78,7 @@
         <p:spPr>
           <a:xfrm>
             <a:off x="504000" y="301320"/>
-            <a:ext cx="9070920" cy="636840"/>
+            <a:ext cx="9072000" cy="1261800"/>
           </a:xfrm>
           <a:prstGeom prst="rect">
             <a:avLst/>
@@ -87,9 +89,6 @@
           <a:p>
             <a:pPr algn="ctr"/>
             <a:endParaRPr b="0" lang="en-US" sz="4400" spc="-1" strike="noStrike">
-              <a:solidFill>
-                <a:srgbClr val="666666"/>
-              </a:solidFill>
               <a:latin typeface="Arial"/>
             </a:endParaRPr>
           </a:p>
@@ -107,8 +106,8 @@
         </p:nvSpPr>
         <p:spPr>
           <a:xfrm>
-            <a:off x="504000" y="1769040"/>
-            <a:ext cx="9070920" cy="2090880"/>
+            <a:off x="504000" y="1768680"/>
+            <a:ext cx="9072000" cy="2090880"/>
           </a:xfrm>
           <a:prstGeom prst="rect">
             <a:avLst/>
@@ -119,10 +118,7 @@
             <a:normAutofit/>
           </a:bodyPr>
           <a:p>
-            <a:endParaRPr b="0" lang="en-US" sz="2400" spc="-1" strike="noStrike">
-              <a:solidFill>
-                <a:srgbClr val="808080"/>
-              </a:solidFill>
+            <a:endParaRPr b="0" lang="en-US" sz="3200" spc="-1" strike="noStrike">
               <a:latin typeface="Arial"/>
             </a:endParaRPr>
           </a:p>
@@ -140,8 +136,8 @@
         </p:nvSpPr>
         <p:spPr>
           <a:xfrm>
-            <a:off x="504000" y="4059000"/>
-            <a:ext cx="9070920" cy="2090880"/>
+            <a:off x="504000" y="4058640"/>
+            <a:ext cx="9072000" cy="2090880"/>
           </a:xfrm>
           <a:prstGeom prst="rect">
             <a:avLst/>
@@ -152,10 +148,7 @@
             <a:normAutofit/>
           </a:bodyPr>
           <a:p>
-            <a:endParaRPr b="0" lang="en-US" sz="2400" spc="-1" strike="noStrike">
-              <a:solidFill>
-                <a:srgbClr val="808080"/>
-              </a:solidFill>
+            <a:endParaRPr b="0" lang="en-US" sz="3200" spc="-1" strike="noStrike">
               <a:latin typeface="Arial"/>
             </a:endParaRPr>
           </a:p>
@@ -196,7 +189,7 @@
         <p:spPr>
           <a:xfrm>
             <a:off x="504000" y="301320"/>
-            <a:ext cx="9070920" cy="636840"/>
+            <a:ext cx="9072000" cy="1261800"/>
           </a:xfrm>
           <a:prstGeom prst="rect">
             <a:avLst/>
@@ -207,9 +200,6 @@
           <a:p>
             <a:pPr algn="ctr"/>
             <a:endParaRPr b="0" lang="en-US" sz="4400" spc="-1" strike="noStrike">
-              <a:solidFill>
-                <a:srgbClr val="666666"/>
-              </a:solidFill>
               <a:latin typeface="Arial"/>
             </a:endParaRPr>
           </a:p>
@@ -227,8 +217,8 @@
         </p:nvSpPr>
         <p:spPr>
           <a:xfrm>
-            <a:off x="504000" y="1769040"/>
-            <a:ext cx="4426560" cy="2090880"/>
+            <a:off x="504000" y="1768680"/>
+            <a:ext cx="4426920" cy="2090880"/>
           </a:xfrm>
           <a:prstGeom prst="rect">
             <a:avLst/>
@@ -239,10 +229,7 @@
             <a:normAutofit/>
           </a:bodyPr>
           <a:p>
-            <a:endParaRPr b="0" lang="en-US" sz="2400" spc="-1" strike="noStrike">
-              <a:solidFill>
-                <a:srgbClr val="808080"/>
-              </a:solidFill>
+            <a:endParaRPr b="0" lang="en-US" sz="3200" spc="-1" strike="noStrike">
               <a:latin typeface="Arial"/>
             </a:endParaRPr>
           </a:p>
@@ -260,8 +247,8 @@
         </p:nvSpPr>
         <p:spPr>
           <a:xfrm>
-            <a:off x="5152320" y="1769040"/>
-            <a:ext cx="4426560" cy="2090880"/>
+            <a:off x="5152680" y="1768680"/>
+            <a:ext cx="4426920" cy="2090880"/>
           </a:xfrm>
           <a:prstGeom prst="rect">
             <a:avLst/>
@@ -272,10 +259,7 @@
             <a:normAutofit/>
           </a:bodyPr>
           <a:p>
-            <a:endParaRPr b="0" lang="en-US" sz="2400" spc="-1" strike="noStrike">
-              <a:solidFill>
-                <a:srgbClr val="808080"/>
-              </a:solidFill>
+            <a:endParaRPr b="0" lang="en-US" sz="3200" spc="-1" strike="noStrike">
               <a:latin typeface="Arial"/>
             </a:endParaRPr>
           </a:p>
@@ -293,8 +277,8 @@
         </p:nvSpPr>
         <p:spPr>
           <a:xfrm>
-            <a:off x="504000" y="4059000"/>
-            <a:ext cx="4426560" cy="2090880"/>
+            <a:off x="504000" y="4058640"/>
+            <a:ext cx="4426920" cy="2090880"/>
           </a:xfrm>
           <a:prstGeom prst="rect">
             <a:avLst/>
@@ -305,10 +289,7 @@
             <a:normAutofit/>
           </a:bodyPr>
           <a:p>
-            <a:endParaRPr b="0" lang="en-US" sz="2400" spc="-1" strike="noStrike">
-              <a:solidFill>
-                <a:srgbClr val="808080"/>
-              </a:solidFill>
+            <a:endParaRPr b="0" lang="en-US" sz="3200" spc="-1" strike="noStrike">
               <a:latin typeface="Arial"/>
             </a:endParaRPr>
           </a:p>
@@ -326,8 +307,8 @@
         </p:nvSpPr>
         <p:spPr>
           <a:xfrm>
-            <a:off x="5152320" y="4059000"/>
-            <a:ext cx="4426560" cy="2090880"/>
+            <a:off x="5152680" y="4058640"/>
+            <a:ext cx="4426920" cy="2090880"/>
           </a:xfrm>
           <a:prstGeom prst="rect">
             <a:avLst/>
@@ -338,10 +319,7 @@
             <a:normAutofit/>
           </a:bodyPr>
           <a:p>
-            <a:endParaRPr b="0" lang="en-US" sz="2400" spc="-1" strike="noStrike">
-              <a:solidFill>
-                <a:srgbClr val="808080"/>
-              </a:solidFill>
+            <a:endParaRPr b="0" lang="en-US" sz="3200" spc="-1" strike="noStrike">
               <a:latin typeface="Arial"/>
             </a:endParaRPr>
           </a:p>
@@ -382,7 +360,7 @@
         <p:spPr>
           <a:xfrm>
             <a:off x="504000" y="301320"/>
-            <a:ext cx="9070920" cy="636840"/>
+            <a:ext cx="9072000" cy="1261800"/>
           </a:xfrm>
           <a:prstGeom prst="rect">
             <a:avLst/>
@@ -393,9 +371,6 @@
           <a:p>
             <a:pPr algn="ctr"/>
             <a:endParaRPr b="0" lang="en-US" sz="4400" spc="-1" strike="noStrike">
-              <a:solidFill>
-                <a:srgbClr val="666666"/>
-              </a:solidFill>
               <a:latin typeface="Arial"/>
             </a:endParaRPr>
           </a:p>
@@ -413,8 +388,8 @@
         </p:nvSpPr>
         <p:spPr>
           <a:xfrm>
-            <a:off x="504000" y="1769040"/>
-            <a:ext cx="2920680" cy="2090880"/>
+            <a:off x="504000" y="1768680"/>
+            <a:ext cx="2921040" cy="2090880"/>
           </a:xfrm>
           <a:prstGeom prst="rect">
             <a:avLst/>
@@ -425,10 +400,7 @@
             <a:normAutofit/>
           </a:bodyPr>
           <a:p>
-            <a:endParaRPr b="0" lang="en-US" sz="2400" spc="-1" strike="noStrike">
-              <a:solidFill>
-                <a:srgbClr val="808080"/>
-              </a:solidFill>
+            <a:endParaRPr b="0" lang="en-US" sz="3200" spc="-1" strike="noStrike">
               <a:latin typeface="Arial"/>
             </a:endParaRPr>
           </a:p>
@@ -446,8 +418,8 @@
         </p:nvSpPr>
         <p:spPr>
           <a:xfrm>
-            <a:off x="3571200" y="1769040"/>
-            <a:ext cx="2920680" cy="2090880"/>
+            <a:off x="3571560" y="1768680"/>
+            <a:ext cx="2921040" cy="2090880"/>
           </a:xfrm>
           <a:prstGeom prst="rect">
             <a:avLst/>
@@ -458,10 +430,7 @@
             <a:normAutofit/>
           </a:bodyPr>
           <a:p>
-            <a:endParaRPr b="0" lang="en-US" sz="2400" spc="-1" strike="noStrike">
-              <a:solidFill>
-                <a:srgbClr val="808080"/>
-              </a:solidFill>
+            <a:endParaRPr b="0" lang="en-US" sz="3200" spc="-1" strike="noStrike">
               <a:latin typeface="Arial"/>
             </a:endParaRPr>
           </a:p>
@@ -479,8 +448,8 @@
         </p:nvSpPr>
         <p:spPr>
           <a:xfrm>
-            <a:off x="6638040" y="1769040"/>
-            <a:ext cx="2920680" cy="2090880"/>
+            <a:off x="6639120" y="1768680"/>
+            <a:ext cx="2921040" cy="2090880"/>
           </a:xfrm>
           <a:prstGeom prst="rect">
             <a:avLst/>
@@ -491,10 +460,7 @@
             <a:normAutofit/>
           </a:bodyPr>
           <a:p>
-            <a:endParaRPr b="0" lang="en-US" sz="2400" spc="-1" strike="noStrike">
-              <a:solidFill>
-                <a:srgbClr val="808080"/>
-              </a:solidFill>
+            <a:endParaRPr b="0" lang="en-US" sz="3200" spc="-1" strike="noStrike">
               <a:latin typeface="Arial"/>
             </a:endParaRPr>
           </a:p>
@@ -512,8 +478,8 @@
         </p:nvSpPr>
         <p:spPr>
           <a:xfrm>
-            <a:off x="504000" y="4059000"/>
-            <a:ext cx="2920680" cy="2090880"/>
+            <a:off x="504000" y="4058640"/>
+            <a:ext cx="2921040" cy="2090880"/>
           </a:xfrm>
           <a:prstGeom prst="rect">
             <a:avLst/>
@@ -524,10 +490,7 @@
             <a:normAutofit/>
           </a:bodyPr>
           <a:p>
-            <a:endParaRPr b="0" lang="en-US" sz="2400" spc="-1" strike="noStrike">
-              <a:solidFill>
-                <a:srgbClr val="808080"/>
-              </a:solidFill>
+            <a:endParaRPr b="0" lang="en-US" sz="3200" spc="-1" strike="noStrike">
               <a:latin typeface="Arial"/>
             </a:endParaRPr>
           </a:p>
@@ -545,8 +508,8 @@
         </p:nvSpPr>
         <p:spPr>
           <a:xfrm>
-            <a:off x="3571200" y="4059000"/>
-            <a:ext cx="2920680" cy="2090880"/>
+            <a:off x="3571560" y="4058640"/>
+            <a:ext cx="2921040" cy="2090880"/>
           </a:xfrm>
           <a:prstGeom prst="rect">
             <a:avLst/>
@@ -557,10 +520,7 @@
             <a:normAutofit/>
           </a:bodyPr>
           <a:p>
-            <a:endParaRPr b="0" lang="en-US" sz="2400" spc="-1" strike="noStrike">
-              <a:solidFill>
-                <a:srgbClr val="808080"/>
-              </a:solidFill>
+            <a:endParaRPr b="0" lang="en-US" sz="3200" spc="-1" strike="noStrike">
               <a:latin typeface="Arial"/>
             </a:endParaRPr>
           </a:p>
@@ -578,8 +538,8 @@
         </p:nvSpPr>
         <p:spPr>
           <a:xfrm>
-            <a:off x="6638040" y="4059000"/>
-            <a:ext cx="2920680" cy="2090880"/>
+            <a:off x="6639120" y="4058640"/>
+            <a:ext cx="2921040" cy="2090880"/>
           </a:xfrm>
           <a:prstGeom prst="rect">
             <a:avLst/>
@@ -590,10 +550,7 @@
             <a:normAutofit/>
           </a:bodyPr>
           <a:p>
-            <a:endParaRPr b="0" lang="en-US" sz="2400" spc="-1" strike="noStrike">
-              <a:solidFill>
-                <a:srgbClr val="808080"/>
-              </a:solidFill>
+            <a:endParaRPr b="0" lang="en-US" sz="3200" spc="-1" strike="noStrike">
               <a:latin typeface="Arial"/>
             </a:endParaRPr>
           </a:p>
@@ -656,7 +613,7 @@
         <p:spPr>
           <a:xfrm>
             <a:off x="504000" y="301320"/>
-            <a:ext cx="9070920" cy="636840"/>
+            <a:ext cx="9072000" cy="1261800"/>
           </a:xfrm>
           <a:prstGeom prst="rect">
             <a:avLst/>
@@ -667,9 +624,6 @@
           <a:p>
             <a:pPr algn="ctr"/>
             <a:endParaRPr b="0" lang="en-US" sz="4400" spc="-1" strike="noStrike">
-              <a:solidFill>
-                <a:srgbClr val="666666"/>
-              </a:solidFill>
               <a:latin typeface="Arial"/>
             </a:endParaRPr>
           </a:p>
@@ -687,8 +641,8 @@
         </p:nvSpPr>
         <p:spPr>
           <a:xfrm>
-            <a:off x="504000" y="1769040"/>
-            <a:ext cx="9070920" cy="4383720"/>
+            <a:off x="504000" y="1768680"/>
+            <a:ext cx="9072000" cy="4384080"/>
           </a:xfrm>
           <a:prstGeom prst="rect">
             <a:avLst/>
@@ -739,7 +693,7 @@
         <p:spPr>
           <a:xfrm>
             <a:off x="504000" y="301320"/>
-            <a:ext cx="9070920" cy="636840"/>
+            <a:ext cx="9072000" cy="1261800"/>
           </a:xfrm>
           <a:prstGeom prst="rect">
             <a:avLst/>
@@ -750,9 +704,6 @@
           <a:p>
             <a:pPr algn="ctr"/>
             <a:endParaRPr b="0" lang="en-US" sz="4400" spc="-1" strike="noStrike">
-              <a:solidFill>
-                <a:srgbClr val="666666"/>
-              </a:solidFill>
               <a:latin typeface="Arial"/>
             </a:endParaRPr>
           </a:p>
@@ -770,8 +721,8 @@
         </p:nvSpPr>
         <p:spPr>
           <a:xfrm>
-            <a:off x="504000" y="1769040"/>
-            <a:ext cx="9070920" cy="4383720"/>
+            <a:off x="504000" y="1768680"/>
+            <a:ext cx="9072000" cy="4384080"/>
           </a:xfrm>
           <a:prstGeom prst="rect">
             <a:avLst/>
@@ -782,10 +733,7 @@
             <a:normAutofit/>
           </a:bodyPr>
           <a:p>
-            <a:endParaRPr b="0" lang="en-US" sz="2400" spc="-1" strike="noStrike">
-              <a:solidFill>
-                <a:srgbClr val="808080"/>
-              </a:solidFill>
+            <a:endParaRPr b="0" lang="en-US" sz="3200" spc="-1" strike="noStrike">
               <a:latin typeface="Arial"/>
             </a:endParaRPr>
           </a:p>
@@ -826,7 +774,7 @@
         <p:spPr>
           <a:xfrm>
             <a:off x="504000" y="301320"/>
-            <a:ext cx="9070920" cy="636840"/>
+            <a:ext cx="9072000" cy="1261800"/>
           </a:xfrm>
           <a:prstGeom prst="rect">
             <a:avLst/>
@@ -837,9 +785,6 @@
           <a:p>
             <a:pPr algn="ctr"/>
             <a:endParaRPr b="0" lang="en-US" sz="4400" spc="-1" strike="noStrike">
-              <a:solidFill>
-                <a:srgbClr val="666666"/>
-              </a:solidFill>
               <a:latin typeface="Arial"/>
             </a:endParaRPr>
           </a:p>
@@ -857,8 +802,8 @@
         </p:nvSpPr>
         <p:spPr>
           <a:xfrm>
-            <a:off x="504000" y="1769040"/>
-            <a:ext cx="4426560" cy="4383720"/>
+            <a:off x="504000" y="1768680"/>
+            <a:ext cx="4426920" cy="4384080"/>
           </a:xfrm>
           <a:prstGeom prst="rect">
             <a:avLst/>
@@ -869,10 +814,7 @@
             <a:normAutofit/>
           </a:bodyPr>
           <a:p>
-            <a:endParaRPr b="0" lang="en-US" sz="2400" spc="-1" strike="noStrike">
-              <a:solidFill>
-                <a:srgbClr val="808080"/>
-              </a:solidFill>
+            <a:endParaRPr b="0" lang="en-US" sz="3200" spc="-1" strike="noStrike">
               <a:latin typeface="Arial"/>
             </a:endParaRPr>
           </a:p>
@@ -890,8 +832,8 @@
         </p:nvSpPr>
         <p:spPr>
           <a:xfrm>
-            <a:off x="5152320" y="1769040"/>
-            <a:ext cx="4426560" cy="4383720"/>
+            <a:off x="5152680" y="1768680"/>
+            <a:ext cx="4426920" cy="4384080"/>
           </a:xfrm>
           <a:prstGeom prst="rect">
             <a:avLst/>
@@ -902,10 +844,7 @@
             <a:normAutofit/>
           </a:bodyPr>
           <a:p>
-            <a:endParaRPr b="0" lang="en-US" sz="2400" spc="-1" strike="noStrike">
-              <a:solidFill>
-                <a:srgbClr val="808080"/>
-              </a:solidFill>
+            <a:endParaRPr b="0" lang="en-US" sz="3200" spc="-1" strike="noStrike">
               <a:latin typeface="Arial"/>
             </a:endParaRPr>
           </a:p>
@@ -946,7 +885,7 @@
         <p:spPr>
           <a:xfrm>
             <a:off x="504000" y="301320"/>
-            <a:ext cx="9070920" cy="636840"/>
+            <a:ext cx="9072000" cy="1261800"/>
           </a:xfrm>
           <a:prstGeom prst="rect">
             <a:avLst/>
@@ -957,9 +896,6 @@
           <a:p>
             <a:pPr algn="ctr"/>
             <a:endParaRPr b="0" lang="en-US" sz="4400" spc="-1" strike="noStrike">
-              <a:solidFill>
-                <a:srgbClr val="666666"/>
-              </a:solidFill>
               <a:latin typeface="Arial"/>
             </a:endParaRPr>
           </a:p>
@@ -1000,7 +936,7 @@
         <p:spPr>
           <a:xfrm>
             <a:off x="504000" y="301320"/>
-            <a:ext cx="9070920" cy="2953440"/>
+            <a:ext cx="9072000" cy="5850360"/>
           </a:xfrm>
           <a:prstGeom prst="rect">
             <a:avLst/>
@@ -1051,7 +987,7 @@
         <p:spPr>
           <a:xfrm>
             <a:off x="504000" y="301320"/>
-            <a:ext cx="9070920" cy="636840"/>
+            <a:ext cx="9072000" cy="1261800"/>
           </a:xfrm>
           <a:prstGeom prst="rect">
             <a:avLst/>
@@ -1062,9 +998,6 @@
           <a:p>
             <a:pPr algn="ctr"/>
             <a:endParaRPr b="0" lang="en-US" sz="4400" spc="-1" strike="noStrike">
-              <a:solidFill>
-                <a:srgbClr val="666666"/>
-              </a:solidFill>
               <a:latin typeface="Arial"/>
             </a:endParaRPr>
           </a:p>
@@ -1082,8 +1015,8 @@
         </p:nvSpPr>
         <p:spPr>
           <a:xfrm>
-            <a:off x="504000" y="1769040"/>
-            <a:ext cx="4426560" cy="2090880"/>
+            <a:off x="504000" y="1768680"/>
+            <a:ext cx="4426920" cy="2090880"/>
           </a:xfrm>
           <a:prstGeom prst="rect">
             <a:avLst/>
@@ -1094,10 +1027,7 @@
             <a:normAutofit/>
           </a:bodyPr>
           <a:p>
-            <a:endParaRPr b="0" lang="en-US" sz="2400" spc="-1" strike="noStrike">
-              <a:solidFill>
-                <a:srgbClr val="808080"/>
-              </a:solidFill>
+            <a:endParaRPr b="0" lang="en-US" sz="3200" spc="-1" strike="noStrike">
               <a:latin typeface="Arial"/>
             </a:endParaRPr>
           </a:p>
@@ -1115,8 +1045,8 @@
         </p:nvSpPr>
         <p:spPr>
           <a:xfrm>
-            <a:off x="5152320" y="1769040"/>
-            <a:ext cx="4426560" cy="4383720"/>
+            <a:off x="5152680" y="1768680"/>
+            <a:ext cx="4426920" cy="4384080"/>
           </a:xfrm>
           <a:prstGeom prst="rect">
             <a:avLst/>
@@ -1127,10 +1057,7 @@
             <a:normAutofit/>
           </a:bodyPr>
           <a:p>
-            <a:endParaRPr b="0" lang="en-US" sz="2400" spc="-1" strike="noStrike">
-              <a:solidFill>
-                <a:srgbClr val="808080"/>
-              </a:solidFill>
+            <a:endParaRPr b="0" lang="en-US" sz="3200" spc="-1" strike="noStrike">
               <a:latin typeface="Arial"/>
             </a:endParaRPr>
           </a:p>
@@ -1148,8 +1075,8 @@
         </p:nvSpPr>
         <p:spPr>
           <a:xfrm>
-            <a:off x="504000" y="4059000"/>
-            <a:ext cx="4426560" cy="2090880"/>
+            <a:off x="504000" y="4058640"/>
+            <a:ext cx="4426920" cy="2090880"/>
           </a:xfrm>
           <a:prstGeom prst="rect">
             <a:avLst/>
@@ -1160,10 +1087,7 @@
             <a:normAutofit/>
           </a:bodyPr>
           <a:p>
-            <a:endParaRPr b="0" lang="en-US" sz="2400" spc="-1" strike="noStrike">
-              <a:solidFill>
-                <a:srgbClr val="808080"/>
-              </a:solidFill>
+            <a:endParaRPr b="0" lang="en-US" sz="3200" spc="-1" strike="noStrike">
               <a:latin typeface="Arial"/>
             </a:endParaRPr>
           </a:p>
@@ -1204,7 +1128,7 @@
         <p:spPr>
           <a:xfrm>
             <a:off x="504000" y="301320"/>
-            <a:ext cx="9070920" cy="636840"/>
+            <a:ext cx="9072000" cy="1261800"/>
           </a:xfrm>
           <a:prstGeom prst="rect">
             <a:avLst/>
@@ -1215,9 +1139,6 @@
           <a:p>
             <a:pPr algn="ctr"/>
             <a:endParaRPr b="0" lang="en-US" sz="4400" spc="-1" strike="noStrike">
-              <a:solidFill>
-                <a:srgbClr val="666666"/>
-              </a:solidFill>
               <a:latin typeface="Arial"/>
             </a:endParaRPr>
           </a:p>
@@ -1235,8 +1156,8 @@
         </p:nvSpPr>
         <p:spPr>
           <a:xfrm>
-            <a:off x="504000" y="1769040"/>
-            <a:ext cx="9070920" cy="4383720"/>
+            <a:off x="504000" y="1768680"/>
+            <a:ext cx="9072000" cy="4384080"/>
           </a:xfrm>
           <a:prstGeom prst="rect">
             <a:avLst/>
@@ -1287,7 +1208,7 @@
         <p:spPr>
           <a:xfrm>
             <a:off x="504000" y="301320"/>
-            <a:ext cx="9070920" cy="636840"/>
+            <a:ext cx="9072000" cy="1261800"/>
           </a:xfrm>
           <a:prstGeom prst="rect">
             <a:avLst/>
@@ -1298,9 +1219,6 @@
           <a:p>
             <a:pPr algn="ctr"/>
             <a:endParaRPr b="0" lang="en-US" sz="4400" spc="-1" strike="noStrike">
-              <a:solidFill>
-                <a:srgbClr val="666666"/>
-              </a:solidFill>
               <a:latin typeface="Arial"/>
             </a:endParaRPr>
           </a:p>
@@ -1318,8 +1236,8 @@
         </p:nvSpPr>
         <p:spPr>
           <a:xfrm>
-            <a:off x="504000" y="1769040"/>
-            <a:ext cx="4426560" cy="4383720"/>
+            <a:off x="504000" y="1768680"/>
+            <a:ext cx="4426920" cy="4384080"/>
           </a:xfrm>
           <a:prstGeom prst="rect">
             <a:avLst/>
@@ -1330,10 +1248,7 @@
             <a:normAutofit/>
           </a:bodyPr>
           <a:p>
-            <a:endParaRPr b="0" lang="en-US" sz="2400" spc="-1" strike="noStrike">
-              <a:solidFill>
-                <a:srgbClr val="808080"/>
-              </a:solidFill>
+            <a:endParaRPr b="0" lang="en-US" sz="3200" spc="-1" strike="noStrike">
               <a:latin typeface="Arial"/>
             </a:endParaRPr>
           </a:p>
@@ -1351,8 +1266,8 @@
         </p:nvSpPr>
         <p:spPr>
           <a:xfrm>
-            <a:off x="5152320" y="1769040"/>
-            <a:ext cx="4426560" cy="2090880"/>
+            <a:off x="5152680" y="1768680"/>
+            <a:ext cx="4426920" cy="2090880"/>
           </a:xfrm>
           <a:prstGeom prst="rect">
             <a:avLst/>
@@ -1363,10 +1278,7 @@
             <a:normAutofit/>
           </a:bodyPr>
           <a:p>
-            <a:endParaRPr b="0" lang="en-US" sz="2400" spc="-1" strike="noStrike">
-              <a:solidFill>
-                <a:srgbClr val="808080"/>
-              </a:solidFill>
+            <a:endParaRPr b="0" lang="en-US" sz="3200" spc="-1" strike="noStrike">
               <a:latin typeface="Arial"/>
             </a:endParaRPr>
           </a:p>
@@ -1384,8 +1296,8 @@
         </p:nvSpPr>
         <p:spPr>
           <a:xfrm>
-            <a:off x="5152320" y="4059000"/>
-            <a:ext cx="4426560" cy="2090880"/>
+            <a:off x="5152680" y="4058640"/>
+            <a:ext cx="4426920" cy="2090880"/>
           </a:xfrm>
           <a:prstGeom prst="rect">
             <a:avLst/>
@@ -1396,10 +1308,7 @@
             <a:normAutofit/>
           </a:bodyPr>
           <a:p>
-            <a:endParaRPr b="0" lang="en-US" sz="2400" spc="-1" strike="noStrike">
-              <a:solidFill>
-                <a:srgbClr val="808080"/>
-              </a:solidFill>
+            <a:endParaRPr b="0" lang="en-US" sz="3200" spc="-1" strike="noStrike">
               <a:latin typeface="Arial"/>
             </a:endParaRPr>
           </a:p>
@@ -1440,7 +1349,7 @@
         <p:spPr>
           <a:xfrm>
             <a:off x="504000" y="301320"/>
-            <a:ext cx="9070920" cy="636840"/>
+            <a:ext cx="9072000" cy="1261800"/>
           </a:xfrm>
           <a:prstGeom prst="rect">
             <a:avLst/>
@@ -1451,9 +1360,6 @@
           <a:p>
             <a:pPr algn="ctr"/>
             <a:endParaRPr b="0" lang="en-US" sz="4400" spc="-1" strike="noStrike">
-              <a:solidFill>
-                <a:srgbClr val="666666"/>
-              </a:solidFill>
               <a:latin typeface="Arial"/>
             </a:endParaRPr>
           </a:p>
@@ -1471,8 +1377,8 @@
         </p:nvSpPr>
         <p:spPr>
           <a:xfrm>
-            <a:off x="504000" y="1769040"/>
-            <a:ext cx="4426560" cy="2090880"/>
+            <a:off x="504000" y="1768680"/>
+            <a:ext cx="4426920" cy="2090880"/>
           </a:xfrm>
           <a:prstGeom prst="rect">
             <a:avLst/>
@@ -1483,10 +1389,7 @@
             <a:normAutofit/>
           </a:bodyPr>
           <a:p>
-            <a:endParaRPr b="0" lang="en-US" sz="2400" spc="-1" strike="noStrike">
-              <a:solidFill>
-                <a:srgbClr val="808080"/>
-              </a:solidFill>
+            <a:endParaRPr b="0" lang="en-US" sz="3200" spc="-1" strike="noStrike">
               <a:latin typeface="Arial"/>
             </a:endParaRPr>
           </a:p>
@@ -1504,8 +1407,8 @@
         </p:nvSpPr>
         <p:spPr>
           <a:xfrm>
-            <a:off x="5152320" y="1769040"/>
-            <a:ext cx="4426560" cy="2090880"/>
+            <a:off x="5152680" y="1768680"/>
+            <a:ext cx="4426920" cy="2090880"/>
           </a:xfrm>
           <a:prstGeom prst="rect">
             <a:avLst/>
@@ -1516,10 +1419,7 @@
             <a:normAutofit/>
           </a:bodyPr>
           <a:p>
-            <a:endParaRPr b="0" lang="en-US" sz="2400" spc="-1" strike="noStrike">
-              <a:solidFill>
-                <a:srgbClr val="808080"/>
-              </a:solidFill>
+            <a:endParaRPr b="0" lang="en-US" sz="3200" spc="-1" strike="noStrike">
               <a:latin typeface="Arial"/>
             </a:endParaRPr>
           </a:p>
@@ -1537,8 +1437,8 @@
         </p:nvSpPr>
         <p:spPr>
           <a:xfrm>
-            <a:off x="504000" y="4059000"/>
-            <a:ext cx="9070920" cy="2090880"/>
+            <a:off x="504000" y="4058640"/>
+            <a:ext cx="9072000" cy="2090880"/>
           </a:xfrm>
           <a:prstGeom prst="rect">
             <a:avLst/>
@@ -1549,10 +1449,7 @@
             <a:normAutofit/>
           </a:bodyPr>
           <a:p>
-            <a:endParaRPr b="0" lang="en-US" sz="2400" spc="-1" strike="noStrike">
-              <a:solidFill>
-                <a:srgbClr val="808080"/>
-              </a:solidFill>
+            <a:endParaRPr b="0" lang="en-US" sz="3200" spc="-1" strike="noStrike">
               <a:latin typeface="Arial"/>
             </a:endParaRPr>
           </a:p>
@@ -1593,7 +1490,7 @@
         <p:spPr>
           <a:xfrm>
             <a:off x="504000" y="301320"/>
-            <a:ext cx="9070920" cy="636840"/>
+            <a:ext cx="9072000" cy="1261800"/>
           </a:xfrm>
           <a:prstGeom prst="rect">
             <a:avLst/>
@@ -1604,9 +1501,6 @@
           <a:p>
             <a:pPr algn="ctr"/>
             <a:endParaRPr b="0" lang="en-US" sz="4400" spc="-1" strike="noStrike">
-              <a:solidFill>
-                <a:srgbClr val="666666"/>
-              </a:solidFill>
               <a:latin typeface="Arial"/>
             </a:endParaRPr>
           </a:p>
@@ -1624,8 +1518,8 @@
         </p:nvSpPr>
         <p:spPr>
           <a:xfrm>
-            <a:off x="504000" y="1769040"/>
-            <a:ext cx="9070920" cy="2090880"/>
+            <a:off x="504000" y="1768680"/>
+            <a:ext cx="9072000" cy="2090880"/>
           </a:xfrm>
           <a:prstGeom prst="rect">
             <a:avLst/>
@@ -1636,10 +1530,7 @@
             <a:normAutofit/>
           </a:bodyPr>
           <a:p>
-            <a:endParaRPr b="0" lang="en-US" sz="2400" spc="-1" strike="noStrike">
-              <a:solidFill>
-                <a:srgbClr val="808080"/>
-              </a:solidFill>
+            <a:endParaRPr b="0" lang="en-US" sz="3200" spc="-1" strike="noStrike">
               <a:latin typeface="Arial"/>
             </a:endParaRPr>
           </a:p>
@@ -1657,8 +1548,8 @@
         </p:nvSpPr>
         <p:spPr>
           <a:xfrm>
-            <a:off x="504000" y="4059000"/>
-            <a:ext cx="9070920" cy="2090880"/>
+            <a:off x="504000" y="4058640"/>
+            <a:ext cx="9072000" cy="2090880"/>
           </a:xfrm>
           <a:prstGeom prst="rect">
             <a:avLst/>
@@ -1669,10 +1560,7 @@
             <a:normAutofit/>
           </a:bodyPr>
           <a:p>
-            <a:endParaRPr b="0" lang="en-US" sz="2400" spc="-1" strike="noStrike">
-              <a:solidFill>
-                <a:srgbClr val="808080"/>
-              </a:solidFill>
+            <a:endParaRPr b="0" lang="en-US" sz="3200" spc="-1" strike="noStrike">
               <a:latin typeface="Arial"/>
             </a:endParaRPr>
           </a:p>
@@ -1713,7 +1601,7 @@
         <p:spPr>
           <a:xfrm>
             <a:off x="504000" y="301320"/>
-            <a:ext cx="9070920" cy="636840"/>
+            <a:ext cx="9072000" cy="1261800"/>
           </a:xfrm>
           <a:prstGeom prst="rect">
             <a:avLst/>
@@ -1724,9 +1612,6 @@
           <a:p>
             <a:pPr algn="ctr"/>
             <a:endParaRPr b="0" lang="en-US" sz="4400" spc="-1" strike="noStrike">
-              <a:solidFill>
-                <a:srgbClr val="666666"/>
-              </a:solidFill>
               <a:latin typeface="Arial"/>
             </a:endParaRPr>
           </a:p>
@@ -1744,8 +1629,8 @@
         </p:nvSpPr>
         <p:spPr>
           <a:xfrm>
-            <a:off x="504000" y="1769040"/>
-            <a:ext cx="4426560" cy="2090880"/>
+            <a:off x="504000" y="1768680"/>
+            <a:ext cx="4426920" cy="2090880"/>
           </a:xfrm>
           <a:prstGeom prst="rect">
             <a:avLst/>
@@ -1756,10 +1641,7 @@
             <a:normAutofit/>
           </a:bodyPr>
           <a:p>
-            <a:endParaRPr b="0" lang="en-US" sz="2400" spc="-1" strike="noStrike">
-              <a:solidFill>
-                <a:srgbClr val="808080"/>
-              </a:solidFill>
+            <a:endParaRPr b="0" lang="en-US" sz="3200" spc="-1" strike="noStrike">
               <a:latin typeface="Arial"/>
             </a:endParaRPr>
           </a:p>
@@ -1777,8 +1659,8 @@
         </p:nvSpPr>
         <p:spPr>
           <a:xfrm>
-            <a:off x="5152320" y="1769040"/>
-            <a:ext cx="4426560" cy="2090880"/>
+            <a:off x="5152680" y="1768680"/>
+            <a:ext cx="4426920" cy="2090880"/>
           </a:xfrm>
           <a:prstGeom prst="rect">
             <a:avLst/>
@@ -1789,10 +1671,7 @@
             <a:normAutofit/>
           </a:bodyPr>
           <a:p>
-            <a:endParaRPr b="0" lang="en-US" sz="2400" spc="-1" strike="noStrike">
-              <a:solidFill>
-                <a:srgbClr val="808080"/>
-              </a:solidFill>
+            <a:endParaRPr b="0" lang="en-US" sz="3200" spc="-1" strike="noStrike">
               <a:latin typeface="Arial"/>
             </a:endParaRPr>
           </a:p>
@@ -1810,8 +1689,8 @@
         </p:nvSpPr>
         <p:spPr>
           <a:xfrm>
-            <a:off x="504000" y="4059000"/>
-            <a:ext cx="4426560" cy="2090880"/>
+            <a:off x="504000" y="4058640"/>
+            <a:ext cx="4426920" cy="2090880"/>
           </a:xfrm>
           <a:prstGeom prst="rect">
             <a:avLst/>
@@ -1822,10 +1701,7 @@
             <a:normAutofit/>
           </a:bodyPr>
           <a:p>
-            <a:endParaRPr b="0" lang="en-US" sz="2400" spc="-1" strike="noStrike">
-              <a:solidFill>
-                <a:srgbClr val="808080"/>
-              </a:solidFill>
+            <a:endParaRPr b="0" lang="en-US" sz="3200" spc="-1" strike="noStrike">
               <a:latin typeface="Arial"/>
             </a:endParaRPr>
           </a:p>
@@ -1843,8 +1719,8 @@
         </p:nvSpPr>
         <p:spPr>
           <a:xfrm>
-            <a:off x="5152320" y="4059000"/>
-            <a:ext cx="4426560" cy="2090880"/>
+            <a:off x="5152680" y="4058640"/>
+            <a:ext cx="4426920" cy="2090880"/>
           </a:xfrm>
           <a:prstGeom prst="rect">
             <a:avLst/>
@@ -1855,10 +1731,7 @@
             <a:normAutofit/>
           </a:bodyPr>
           <a:p>
-            <a:endParaRPr b="0" lang="en-US" sz="2400" spc="-1" strike="noStrike">
-              <a:solidFill>
-                <a:srgbClr val="808080"/>
-              </a:solidFill>
+            <a:endParaRPr b="0" lang="en-US" sz="3200" spc="-1" strike="noStrike">
               <a:latin typeface="Arial"/>
             </a:endParaRPr>
           </a:p>
@@ -1899,7 +1772,7 @@
         <p:spPr>
           <a:xfrm>
             <a:off x="504000" y="301320"/>
-            <a:ext cx="9070920" cy="636840"/>
+            <a:ext cx="9072000" cy="1261800"/>
           </a:xfrm>
           <a:prstGeom prst="rect">
             <a:avLst/>
@@ -1910,9 +1783,6 @@
           <a:p>
             <a:pPr algn="ctr"/>
             <a:endParaRPr b="0" lang="en-US" sz="4400" spc="-1" strike="noStrike">
-              <a:solidFill>
-                <a:srgbClr val="666666"/>
-              </a:solidFill>
               <a:latin typeface="Arial"/>
             </a:endParaRPr>
           </a:p>
@@ -1930,8 +1800,8 @@
         </p:nvSpPr>
         <p:spPr>
           <a:xfrm>
-            <a:off x="504000" y="1769040"/>
-            <a:ext cx="2920680" cy="2090880"/>
+            <a:off x="504000" y="1768680"/>
+            <a:ext cx="2921040" cy="2090880"/>
           </a:xfrm>
           <a:prstGeom prst="rect">
             <a:avLst/>
@@ -1942,10 +1812,7 @@
             <a:normAutofit/>
           </a:bodyPr>
           <a:p>
-            <a:endParaRPr b="0" lang="en-US" sz="2400" spc="-1" strike="noStrike">
-              <a:solidFill>
-                <a:srgbClr val="808080"/>
-              </a:solidFill>
+            <a:endParaRPr b="0" lang="en-US" sz="3200" spc="-1" strike="noStrike">
               <a:latin typeface="Arial"/>
             </a:endParaRPr>
           </a:p>
@@ -1963,8 +1830,8 @@
         </p:nvSpPr>
         <p:spPr>
           <a:xfrm>
-            <a:off x="3571200" y="1769040"/>
-            <a:ext cx="2920680" cy="2090880"/>
+            <a:off x="3571560" y="1768680"/>
+            <a:ext cx="2921040" cy="2090880"/>
           </a:xfrm>
           <a:prstGeom prst="rect">
             <a:avLst/>
@@ -1975,10 +1842,7 @@
             <a:normAutofit/>
           </a:bodyPr>
           <a:p>
-            <a:endParaRPr b="0" lang="en-US" sz="2400" spc="-1" strike="noStrike">
-              <a:solidFill>
-                <a:srgbClr val="808080"/>
-              </a:solidFill>
+            <a:endParaRPr b="0" lang="en-US" sz="3200" spc="-1" strike="noStrike">
               <a:latin typeface="Arial"/>
             </a:endParaRPr>
           </a:p>
@@ -1996,8 +1860,8 @@
         </p:nvSpPr>
         <p:spPr>
           <a:xfrm>
-            <a:off x="6638040" y="1769040"/>
-            <a:ext cx="2920680" cy="2090880"/>
+            <a:off x="6639120" y="1768680"/>
+            <a:ext cx="2921040" cy="2090880"/>
           </a:xfrm>
           <a:prstGeom prst="rect">
             <a:avLst/>
@@ -2008,10 +1872,7 @@
             <a:normAutofit/>
           </a:bodyPr>
           <a:p>
-            <a:endParaRPr b="0" lang="en-US" sz="2400" spc="-1" strike="noStrike">
-              <a:solidFill>
-                <a:srgbClr val="808080"/>
-              </a:solidFill>
+            <a:endParaRPr b="0" lang="en-US" sz="3200" spc="-1" strike="noStrike">
               <a:latin typeface="Arial"/>
             </a:endParaRPr>
           </a:p>
@@ -2029,8 +1890,8 @@
         </p:nvSpPr>
         <p:spPr>
           <a:xfrm>
-            <a:off x="504000" y="4059000"/>
-            <a:ext cx="2920680" cy="2090880"/>
+            <a:off x="504000" y="4058640"/>
+            <a:ext cx="2921040" cy="2090880"/>
           </a:xfrm>
           <a:prstGeom prst="rect">
             <a:avLst/>
@@ -2041,10 +1902,7 @@
             <a:normAutofit/>
           </a:bodyPr>
           <a:p>
-            <a:endParaRPr b="0" lang="en-US" sz="2400" spc="-1" strike="noStrike">
-              <a:solidFill>
-                <a:srgbClr val="808080"/>
-              </a:solidFill>
+            <a:endParaRPr b="0" lang="en-US" sz="3200" spc="-1" strike="noStrike">
               <a:latin typeface="Arial"/>
             </a:endParaRPr>
           </a:p>
@@ -2062,8 +1920,8 @@
         </p:nvSpPr>
         <p:spPr>
           <a:xfrm>
-            <a:off x="3571200" y="4059000"/>
-            <a:ext cx="2920680" cy="2090880"/>
+            <a:off x="3571560" y="4058640"/>
+            <a:ext cx="2921040" cy="2090880"/>
           </a:xfrm>
           <a:prstGeom prst="rect">
             <a:avLst/>
@@ -2074,10 +1932,7 @@
             <a:normAutofit/>
           </a:bodyPr>
           <a:p>
-            <a:endParaRPr b="0" lang="en-US" sz="2400" spc="-1" strike="noStrike">
-              <a:solidFill>
-                <a:srgbClr val="808080"/>
-              </a:solidFill>
+            <a:endParaRPr b="0" lang="en-US" sz="3200" spc="-1" strike="noStrike">
               <a:latin typeface="Arial"/>
             </a:endParaRPr>
           </a:p>
@@ -2095,8 +1950,8 @@
         </p:nvSpPr>
         <p:spPr>
           <a:xfrm>
-            <a:off x="6638040" y="4059000"/>
-            <a:ext cx="2920680" cy="2090880"/>
+            <a:off x="6639120" y="4058640"/>
+            <a:ext cx="2921040" cy="2090880"/>
           </a:xfrm>
           <a:prstGeom prst="rect">
             <a:avLst/>
@@ -2107,10 +1962,7 @@
             <a:normAutofit/>
           </a:bodyPr>
           <a:p>
-            <a:endParaRPr b="0" lang="en-US" sz="2400" spc="-1" strike="noStrike">
-              <a:solidFill>
-                <a:srgbClr val="808080"/>
-              </a:solidFill>
+            <a:endParaRPr b="0" lang="en-US" sz="3200" spc="-1" strike="noStrike">
               <a:latin typeface="Arial"/>
             </a:endParaRPr>
           </a:p>
@@ -2173,7 +2025,7 @@
         <p:spPr>
           <a:xfrm>
             <a:off x="504000" y="301320"/>
-            <a:ext cx="9070920" cy="636840"/>
+            <a:ext cx="9072000" cy="1261800"/>
           </a:xfrm>
           <a:prstGeom prst="rect">
             <a:avLst/>
@@ -2184,9 +2036,6 @@
           <a:p>
             <a:pPr algn="ctr"/>
             <a:endParaRPr b="0" lang="en-US" sz="4400" spc="-1" strike="noStrike">
-              <a:solidFill>
-                <a:srgbClr val="666666"/>
-              </a:solidFill>
               <a:latin typeface="Arial"/>
             </a:endParaRPr>
           </a:p>
@@ -2204,8 +2053,8 @@
         </p:nvSpPr>
         <p:spPr>
           <a:xfrm>
-            <a:off x="504000" y="1769040"/>
-            <a:ext cx="9070920" cy="4383720"/>
+            <a:off x="504000" y="1768680"/>
+            <a:ext cx="9072000" cy="4384080"/>
           </a:xfrm>
           <a:prstGeom prst="rect">
             <a:avLst/>
@@ -2256,7 +2105,7 @@
         <p:spPr>
           <a:xfrm>
             <a:off x="504000" y="301320"/>
-            <a:ext cx="9070920" cy="636840"/>
+            <a:ext cx="9072000" cy="1261800"/>
           </a:xfrm>
           <a:prstGeom prst="rect">
             <a:avLst/>
@@ -2267,9 +2116,6 @@
           <a:p>
             <a:pPr algn="ctr"/>
             <a:endParaRPr b="0" lang="en-US" sz="4400" spc="-1" strike="noStrike">
-              <a:solidFill>
-                <a:srgbClr val="666666"/>
-              </a:solidFill>
               <a:latin typeface="Arial"/>
             </a:endParaRPr>
           </a:p>
@@ -2287,8 +2133,8 @@
         </p:nvSpPr>
         <p:spPr>
           <a:xfrm>
-            <a:off x="504000" y="1769040"/>
-            <a:ext cx="9070920" cy="4383720"/>
+            <a:off x="504000" y="1768680"/>
+            <a:ext cx="9072000" cy="4384080"/>
           </a:xfrm>
           <a:prstGeom prst="rect">
             <a:avLst/>
@@ -2299,10 +2145,7 @@
             <a:normAutofit/>
           </a:bodyPr>
           <a:p>
-            <a:endParaRPr b="0" lang="en-US" sz="2400" spc="-1" strike="noStrike">
-              <a:solidFill>
-                <a:srgbClr val="808080"/>
-              </a:solidFill>
+            <a:endParaRPr b="0" lang="en-US" sz="3200" spc="-1" strike="noStrike">
               <a:latin typeface="Arial"/>
             </a:endParaRPr>
           </a:p>
@@ -2343,7 +2186,7 @@
         <p:spPr>
           <a:xfrm>
             <a:off x="504000" y="301320"/>
-            <a:ext cx="9070920" cy="636840"/>
+            <a:ext cx="9072000" cy="1261800"/>
           </a:xfrm>
           <a:prstGeom prst="rect">
             <a:avLst/>
@@ -2354,9 +2197,6 @@
           <a:p>
             <a:pPr algn="ctr"/>
             <a:endParaRPr b="0" lang="en-US" sz="4400" spc="-1" strike="noStrike">
-              <a:solidFill>
-                <a:srgbClr val="666666"/>
-              </a:solidFill>
               <a:latin typeface="Arial"/>
             </a:endParaRPr>
           </a:p>
@@ -2374,8 +2214,8 @@
         </p:nvSpPr>
         <p:spPr>
           <a:xfrm>
-            <a:off x="504000" y="1769040"/>
-            <a:ext cx="4426560" cy="4383720"/>
+            <a:off x="504000" y="1768680"/>
+            <a:ext cx="4426920" cy="4384080"/>
           </a:xfrm>
           <a:prstGeom prst="rect">
             <a:avLst/>
@@ -2386,10 +2226,7 @@
             <a:normAutofit/>
           </a:bodyPr>
           <a:p>
-            <a:endParaRPr b="0" lang="en-US" sz="2400" spc="-1" strike="noStrike">
-              <a:solidFill>
-                <a:srgbClr val="808080"/>
-              </a:solidFill>
+            <a:endParaRPr b="0" lang="en-US" sz="3200" spc="-1" strike="noStrike">
               <a:latin typeface="Arial"/>
             </a:endParaRPr>
           </a:p>
@@ -2407,8 +2244,8 @@
         </p:nvSpPr>
         <p:spPr>
           <a:xfrm>
-            <a:off x="5152320" y="1769040"/>
-            <a:ext cx="4426560" cy="4383720"/>
+            <a:off x="5152680" y="1768680"/>
+            <a:ext cx="4426920" cy="4384080"/>
           </a:xfrm>
           <a:prstGeom prst="rect">
             <a:avLst/>
@@ -2419,10 +2256,7 @@
             <a:normAutofit/>
           </a:bodyPr>
           <a:p>
-            <a:endParaRPr b="0" lang="en-US" sz="2400" spc="-1" strike="noStrike">
-              <a:solidFill>
-                <a:srgbClr val="808080"/>
-              </a:solidFill>
+            <a:endParaRPr b="0" lang="en-US" sz="3200" spc="-1" strike="noStrike">
               <a:latin typeface="Arial"/>
             </a:endParaRPr>
           </a:p>
@@ -2463,7 +2297,7 @@
         <p:spPr>
           <a:xfrm>
             <a:off x="504000" y="301320"/>
-            <a:ext cx="9070920" cy="636840"/>
+            <a:ext cx="9072000" cy="1261800"/>
           </a:xfrm>
           <a:prstGeom prst="rect">
             <a:avLst/>
@@ -2474,9 +2308,6 @@
           <a:p>
             <a:pPr algn="ctr"/>
             <a:endParaRPr b="0" lang="en-US" sz="4400" spc="-1" strike="noStrike">
-              <a:solidFill>
-                <a:srgbClr val="666666"/>
-              </a:solidFill>
               <a:latin typeface="Arial"/>
             </a:endParaRPr>
           </a:p>
@@ -2517,7 +2348,7 @@
         <p:spPr>
           <a:xfrm>
             <a:off x="504000" y="301320"/>
-            <a:ext cx="9070920" cy="636840"/>
+            <a:ext cx="9072000" cy="1261800"/>
           </a:xfrm>
           <a:prstGeom prst="rect">
             <a:avLst/>
@@ -2528,9 +2359,6 @@
           <a:p>
             <a:pPr algn="ctr"/>
             <a:endParaRPr b="0" lang="en-US" sz="4400" spc="-1" strike="noStrike">
-              <a:solidFill>
-                <a:srgbClr val="666666"/>
-              </a:solidFill>
               <a:latin typeface="Arial"/>
             </a:endParaRPr>
           </a:p>
@@ -2548,8 +2376,8 @@
         </p:nvSpPr>
         <p:spPr>
           <a:xfrm>
-            <a:off x="504000" y="1769040"/>
-            <a:ext cx="9070920" cy="4383720"/>
+            <a:off x="504000" y="1768680"/>
+            <a:ext cx="9072000" cy="4384080"/>
           </a:xfrm>
           <a:prstGeom prst="rect">
             <a:avLst/>
@@ -2560,10 +2388,7 @@
             <a:normAutofit/>
           </a:bodyPr>
           <a:p>
-            <a:endParaRPr b="0" lang="en-US" sz="2400" spc="-1" strike="noStrike">
-              <a:solidFill>
-                <a:srgbClr val="808080"/>
-              </a:solidFill>
+            <a:endParaRPr b="0" lang="en-US" sz="3200" spc="-1" strike="noStrike">
               <a:latin typeface="Arial"/>
             </a:endParaRPr>
           </a:p>
@@ -2604,7 +2429,7 @@
         <p:spPr>
           <a:xfrm>
             <a:off x="504000" y="301320"/>
-            <a:ext cx="9070920" cy="2953440"/>
+            <a:ext cx="9072000" cy="5850360"/>
           </a:xfrm>
           <a:prstGeom prst="rect">
             <a:avLst/>
@@ -2655,7 +2480,7 @@
         <p:spPr>
           <a:xfrm>
             <a:off x="504000" y="301320"/>
-            <a:ext cx="9070920" cy="636840"/>
+            <a:ext cx="9072000" cy="1261800"/>
           </a:xfrm>
           <a:prstGeom prst="rect">
             <a:avLst/>
@@ -2666,9 +2491,6 @@
           <a:p>
             <a:pPr algn="ctr"/>
             <a:endParaRPr b="0" lang="en-US" sz="4400" spc="-1" strike="noStrike">
-              <a:solidFill>
-                <a:srgbClr val="666666"/>
-              </a:solidFill>
               <a:latin typeface="Arial"/>
             </a:endParaRPr>
           </a:p>
@@ -2686,8 +2508,8 @@
         </p:nvSpPr>
         <p:spPr>
           <a:xfrm>
-            <a:off x="504000" y="1769040"/>
-            <a:ext cx="4426560" cy="2090880"/>
+            <a:off x="504000" y="1768680"/>
+            <a:ext cx="4426920" cy="2090880"/>
           </a:xfrm>
           <a:prstGeom prst="rect">
             <a:avLst/>
@@ -2698,10 +2520,7 @@
             <a:normAutofit/>
           </a:bodyPr>
           <a:p>
-            <a:endParaRPr b="0" lang="en-US" sz="2400" spc="-1" strike="noStrike">
-              <a:solidFill>
-                <a:srgbClr val="808080"/>
-              </a:solidFill>
+            <a:endParaRPr b="0" lang="en-US" sz="3200" spc="-1" strike="noStrike">
               <a:latin typeface="Arial"/>
             </a:endParaRPr>
           </a:p>
@@ -2719,8 +2538,8 @@
         </p:nvSpPr>
         <p:spPr>
           <a:xfrm>
-            <a:off x="5152320" y="1769040"/>
-            <a:ext cx="4426560" cy="4383720"/>
+            <a:off x="5152680" y="1768680"/>
+            <a:ext cx="4426920" cy="4384080"/>
           </a:xfrm>
           <a:prstGeom prst="rect">
             <a:avLst/>
@@ -2731,10 +2550,7 @@
             <a:normAutofit/>
           </a:bodyPr>
           <a:p>
-            <a:endParaRPr b="0" lang="en-US" sz="2400" spc="-1" strike="noStrike">
-              <a:solidFill>
-                <a:srgbClr val="808080"/>
-              </a:solidFill>
+            <a:endParaRPr b="0" lang="en-US" sz="3200" spc="-1" strike="noStrike">
               <a:latin typeface="Arial"/>
             </a:endParaRPr>
           </a:p>
@@ -2752,8 +2568,8 @@
         </p:nvSpPr>
         <p:spPr>
           <a:xfrm>
-            <a:off x="504000" y="4059000"/>
-            <a:ext cx="4426560" cy="2090880"/>
+            <a:off x="504000" y="4058640"/>
+            <a:ext cx="4426920" cy="2090880"/>
           </a:xfrm>
           <a:prstGeom prst="rect">
             <a:avLst/>
@@ -2764,10 +2580,7 @@
             <a:normAutofit/>
           </a:bodyPr>
           <a:p>
-            <a:endParaRPr b="0" lang="en-US" sz="2400" spc="-1" strike="noStrike">
-              <a:solidFill>
-                <a:srgbClr val="808080"/>
-              </a:solidFill>
+            <a:endParaRPr b="0" lang="en-US" sz="3200" spc="-1" strike="noStrike">
               <a:latin typeface="Arial"/>
             </a:endParaRPr>
           </a:p>
@@ -2808,7 +2621,7 @@
         <p:spPr>
           <a:xfrm>
             <a:off x="504000" y="301320"/>
-            <a:ext cx="9070920" cy="636840"/>
+            <a:ext cx="9072000" cy="1261800"/>
           </a:xfrm>
           <a:prstGeom prst="rect">
             <a:avLst/>
@@ -2819,9 +2632,6 @@
           <a:p>
             <a:pPr algn="ctr"/>
             <a:endParaRPr b="0" lang="en-US" sz="4400" spc="-1" strike="noStrike">
-              <a:solidFill>
-                <a:srgbClr val="666666"/>
-              </a:solidFill>
               <a:latin typeface="Arial"/>
             </a:endParaRPr>
           </a:p>
@@ -2839,8 +2649,8 @@
         </p:nvSpPr>
         <p:spPr>
           <a:xfrm>
-            <a:off x="504000" y="1769040"/>
-            <a:ext cx="4426560" cy="4383720"/>
+            <a:off x="504000" y="1768680"/>
+            <a:ext cx="4426920" cy="4384080"/>
           </a:xfrm>
           <a:prstGeom prst="rect">
             <a:avLst/>
@@ -2851,10 +2661,7 @@
             <a:normAutofit/>
           </a:bodyPr>
           <a:p>
-            <a:endParaRPr b="0" lang="en-US" sz="2400" spc="-1" strike="noStrike">
-              <a:solidFill>
-                <a:srgbClr val="808080"/>
-              </a:solidFill>
+            <a:endParaRPr b="0" lang="en-US" sz="3200" spc="-1" strike="noStrike">
               <a:latin typeface="Arial"/>
             </a:endParaRPr>
           </a:p>
@@ -2872,8 +2679,8 @@
         </p:nvSpPr>
         <p:spPr>
           <a:xfrm>
-            <a:off x="5152320" y="1769040"/>
-            <a:ext cx="4426560" cy="2090880"/>
+            <a:off x="5152680" y="1768680"/>
+            <a:ext cx="4426920" cy="2090880"/>
           </a:xfrm>
           <a:prstGeom prst="rect">
             <a:avLst/>
@@ -2884,10 +2691,7 @@
             <a:normAutofit/>
           </a:bodyPr>
           <a:p>
-            <a:endParaRPr b="0" lang="en-US" sz="2400" spc="-1" strike="noStrike">
-              <a:solidFill>
-                <a:srgbClr val="808080"/>
-              </a:solidFill>
+            <a:endParaRPr b="0" lang="en-US" sz="3200" spc="-1" strike="noStrike">
               <a:latin typeface="Arial"/>
             </a:endParaRPr>
           </a:p>
@@ -2905,8 +2709,8 @@
         </p:nvSpPr>
         <p:spPr>
           <a:xfrm>
-            <a:off x="5152320" y="4059000"/>
-            <a:ext cx="4426560" cy="2090880"/>
+            <a:off x="5152680" y="4058640"/>
+            <a:ext cx="4426920" cy="2090880"/>
           </a:xfrm>
           <a:prstGeom prst="rect">
             <a:avLst/>
@@ -2917,10 +2721,7 @@
             <a:normAutofit/>
           </a:bodyPr>
           <a:p>
-            <a:endParaRPr b="0" lang="en-US" sz="2400" spc="-1" strike="noStrike">
-              <a:solidFill>
-                <a:srgbClr val="808080"/>
-              </a:solidFill>
+            <a:endParaRPr b="0" lang="en-US" sz="3200" spc="-1" strike="noStrike">
               <a:latin typeface="Arial"/>
             </a:endParaRPr>
           </a:p>
@@ -2961,7 +2762,7 @@
         <p:spPr>
           <a:xfrm>
             <a:off x="504000" y="301320"/>
-            <a:ext cx="9070920" cy="636840"/>
+            <a:ext cx="9072000" cy="1261800"/>
           </a:xfrm>
           <a:prstGeom prst="rect">
             <a:avLst/>
@@ -2972,9 +2773,6 @@
           <a:p>
             <a:pPr algn="ctr"/>
             <a:endParaRPr b="0" lang="en-US" sz="4400" spc="-1" strike="noStrike">
-              <a:solidFill>
-                <a:srgbClr val="666666"/>
-              </a:solidFill>
               <a:latin typeface="Arial"/>
             </a:endParaRPr>
           </a:p>
@@ -2992,8 +2790,8 @@
         </p:nvSpPr>
         <p:spPr>
           <a:xfrm>
-            <a:off x="504000" y="1769040"/>
-            <a:ext cx="4426560" cy="2090880"/>
+            <a:off x="504000" y="1768680"/>
+            <a:ext cx="4426920" cy="2090880"/>
           </a:xfrm>
           <a:prstGeom prst="rect">
             <a:avLst/>
@@ -3004,10 +2802,7 @@
             <a:normAutofit/>
           </a:bodyPr>
           <a:p>
-            <a:endParaRPr b="0" lang="en-US" sz="2400" spc="-1" strike="noStrike">
-              <a:solidFill>
-                <a:srgbClr val="808080"/>
-              </a:solidFill>
+            <a:endParaRPr b="0" lang="en-US" sz="3200" spc="-1" strike="noStrike">
               <a:latin typeface="Arial"/>
             </a:endParaRPr>
           </a:p>
@@ -3025,8 +2820,8 @@
         </p:nvSpPr>
         <p:spPr>
           <a:xfrm>
-            <a:off x="5152320" y="1769040"/>
-            <a:ext cx="4426560" cy="2090880"/>
+            <a:off x="5152680" y="1768680"/>
+            <a:ext cx="4426920" cy="2090880"/>
           </a:xfrm>
           <a:prstGeom prst="rect">
             <a:avLst/>
@@ -3037,10 +2832,7 @@
             <a:normAutofit/>
           </a:bodyPr>
           <a:p>
-            <a:endParaRPr b="0" lang="en-US" sz="2400" spc="-1" strike="noStrike">
-              <a:solidFill>
-                <a:srgbClr val="808080"/>
-              </a:solidFill>
+            <a:endParaRPr b="0" lang="en-US" sz="3200" spc="-1" strike="noStrike">
               <a:latin typeface="Arial"/>
             </a:endParaRPr>
           </a:p>
@@ -3058,8 +2850,8 @@
         </p:nvSpPr>
         <p:spPr>
           <a:xfrm>
-            <a:off x="504000" y="4059000"/>
-            <a:ext cx="9070920" cy="2090880"/>
+            <a:off x="504000" y="4058640"/>
+            <a:ext cx="9072000" cy="2090880"/>
           </a:xfrm>
           <a:prstGeom prst="rect">
             <a:avLst/>
@@ -3070,10 +2862,7 @@
             <a:normAutofit/>
           </a:bodyPr>
           <a:p>
-            <a:endParaRPr b="0" lang="en-US" sz="2400" spc="-1" strike="noStrike">
-              <a:solidFill>
-                <a:srgbClr val="808080"/>
-              </a:solidFill>
+            <a:endParaRPr b="0" lang="en-US" sz="3200" spc="-1" strike="noStrike">
               <a:latin typeface="Arial"/>
             </a:endParaRPr>
           </a:p>
@@ -3114,7 +2903,7 @@
         <p:spPr>
           <a:xfrm>
             <a:off x="504000" y="301320"/>
-            <a:ext cx="9070920" cy="636840"/>
+            <a:ext cx="9072000" cy="1261800"/>
           </a:xfrm>
           <a:prstGeom prst="rect">
             <a:avLst/>
@@ -3125,9 +2914,6 @@
           <a:p>
             <a:pPr algn="ctr"/>
             <a:endParaRPr b="0" lang="en-US" sz="4400" spc="-1" strike="noStrike">
-              <a:solidFill>
-                <a:srgbClr val="666666"/>
-              </a:solidFill>
               <a:latin typeface="Arial"/>
             </a:endParaRPr>
           </a:p>
@@ -3145,8 +2931,8 @@
         </p:nvSpPr>
         <p:spPr>
           <a:xfrm>
-            <a:off x="504000" y="1769040"/>
-            <a:ext cx="9070920" cy="2090880"/>
+            <a:off x="504000" y="1768680"/>
+            <a:ext cx="9072000" cy="2090880"/>
           </a:xfrm>
           <a:prstGeom prst="rect">
             <a:avLst/>
@@ -3157,10 +2943,7 @@
             <a:normAutofit/>
           </a:bodyPr>
           <a:p>
-            <a:endParaRPr b="0" lang="en-US" sz="2400" spc="-1" strike="noStrike">
-              <a:solidFill>
-                <a:srgbClr val="808080"/>
-              </a:solidFill>
+            <a:endParaRPr b="0" lang="en-US" sz="3200" spc="-1" strike="noStrike">
               <a:latin typeface="Arial"/>
             </a:endParaRPr>
           </a:p>
@@ -3178,8 +2961,8 @@
         </p:nvSpPr>
         <p:spPr>
           <a:xfrm>
-            <a:off x="504000" y="4059000"/>
-            <a:ext cx="9070920" cy="2090880"/>
+            <a:off x="504000" y="4058640"/>
+            <a:ext cx="9072000" cy="2090880"/>
           </a:xfrm>
           <a:prstGeom prst="rect">
             <a:avLst/>
@@ -3190,10 +2973,7 @@
             <a:normAutofit/>
           </a:bodyPr>
           <a:p>
-            <a:endParaRPr b="0" lang="en-US" sz="2400" spc="-1" strike="noStrike">
-              <a:solidFill>
-                <a:srgbClr val="808080"/>
-              </a:solidFill>
+            <a:endParaRPr b="0" lang="en-US" sz="3200" spc="-1" strike="noStrike">
               <a:latin typeface="Arial"/>
             </a:endParaRPr>
           </a:p>
@@ -3234,7 +3014,7 @@
         <p:spPr>
           <a:xfrm>
             <a:off x="504000" y="301320"/>
-            <a:ext cx="9070920" cy="636840"/>
+            <a:ext cx="9072000" cy="1261800"/>
           </a:xfrm>
           <a:prstGeom prst="rect">
             <a:avLst/>
@@ -3245,9 +3025,6 @@
           <a:p>
             <a:pPr algn="ctr"/>
             <a:endParaRPr b="0" lang="en-US" sz="4400" spc="-1" strike="noStrike">
-              <a:solidFill>
-                <a:srgbClr val="666666"/>
-              </a:solidFill>
               <a:latin typeface="Arial"/>
             </a:endParaRPr>
           </a:p>
@@ -3265,8 +3042,8 @@
         </p:nvSpPr>
         <p:spPr>
           <a:xfrm>
-            <a:off x="504000" y="1769040"/>
-            <a:ext cx="4426560" cy="2090880"/>
+            <a:off x="504000" y="1768680"/>
+            <a:ext cx="4426920" cy="2090880"/>
           </a:xfrm>
           <a:prstGeom prst="rect">
             <a:avLst/>
@@ -3277,10 +3054,7 @@
             <a:normAutofit/>
           </a:bodyPr>
           <a:p>
-            <a:endParaRPr b="0" lang="en-US" sz="2400" spc="-1" strike="noStrike">
-              <a:solidFill>
-                <a:srgbClr val="808080"/>
-              </a:solidFill>
+            <a:endParaRPr b="0" lang="en-US" sz="3200" spc="-1" strike="noStrike">
               <a:latin typeface="Arial"/>
             </a:endParaRPr>
           </a:p>
@@ -3298,8 +3072,8 @@
         </p:nvSpPr>
         <p:spPr>
           <a:xfrm>
-            <a:off x="5152320" y="1769040"/>
-            <a:ext cx="4426560" cy="2090880"/>
+            <a:off x="5152680" y="1768680"/>
+            <a:ext cx="4426920" cy="2090880"/>
           </a:xfrm>
           <a:prstGeom prst="rect">
             <a:avLst/>
@@ -3310,10 +3084,7 @@
             <a:normAutofit/>
           </a:bodyPr>
           <a:p>
-            <a:endParaRPr b="0" lang="en-US" sz="2400" spc="-1" strike="noStrike">
-              <a:solidFill>
-                <a:srgbClr val="808080"/>
-              </a:solidFill>
+            <a:endParaRPr b="0" lang="en-US" sz="3200" spc="-1" strike="noStrike">
               <a:latin typeface="Arial"/>
             </a:endParaRPr>
           </a:p>
@@ -3331,8 +3102,8 @@
         </p:nvSpPr>
         <p:spPr>
           <a:xfrm>
-            <a:off x="504000" y="4059000"/>
-            <a:ext cx="4426560" cy="2090880"/>
+            <a:off x="504000" y="4058640"/>
+            <a:ext cx="4426920" cy="2090880"/>
           </a:xfrm>
           <a:prstGeom prst="rect">
             <a:avLst/>
@@ -3343,10 +3114,7 @@
             <a:normAutofit/>
           </a:bodyPr>
           <a:p>
-            <a:endParaRPr b="0" lang="en-US" sz="2400" spc="-1" strike="noStrike">
-              <a:solidFill>
-                <a:srgbClr val="808080"/>
-              </a:solidFill>
+            <a:endParaRPr b="0" lang="en-US" sz="3200" spc="-1" strike="noStrike">
               <a:latin typeface="Arial"/>
             </a:endParaRPr>
           </a:p>
@@ -3364,8 +3132,8 @@
         </p:nvSpPr>
         <p:spPr>
           <a:xfrm>
-            <a:off x="5152320" y="4059000"/>
-            <a:ext cx="4426560" cy="2090880"/>
+            <a:off x="5152680" y="4058640"/>
+            <a:ext cx="4426920" cy="2090880"/>
           </a:xfrm>
           <a:prstGeom prst="rect">
             <a:avLst/>
@@ -3376,10 +3144,7 @@
             <a:normAutofit/>
           </a:bodyPr>
           <a:p>
-            <a:endParaRPr b="0" lang="en-US" sz="2400" spc="-1" strike="noStrike">
-              <a:solidFill>
-                <a:srgbClr val="808080"/>
-              </a:solidFill>
+            <a:endParaRPr b="0" lang="en-US" sz="3200" spc="-1" strike="noStrike">
               <a:latin typeface="Arial"/>
             </a:endParaRPr>
           </a:p>
@@ -3420,7 +3185,7 @@
         <p:spPr>
           <a:xfrm>
             <a:off x="504000" y="301320"/>
-            <a:ext cx="9070920" cy="636840"/>
+            <a:ext cx="9072000" cy="1261800"/>
           </a:xfrm>
           <a:prstGeom prst="rect">
             <a:avLst/>
@@ -3431,9 +3196,6 @@
           <a:p>
             <a:pPr algn="ctr"/>
             <a:endParaRPr b="0" lang="en-US" sz="4400" spc="-1" strike="noStrike">
-              <a:solidFill>
-                <a:srgbClr val="666666"/>
-              </a:solidFill>
               <a:latin typeface="Arial"/>
             </a:endParaRPr>
           </a:p>
@@ -3451,8 +3213,8 @@
         </p:nvSpPr>
         <p:spPr>
           <a:xfrm>
-            <a:off x="504000" y="1769040"/>
-            <a:ext cx="2920680" cy="2090880"/>
+            <a:off x="504000" y="1768680"/>
+            <a:ext cx="2921040" cy="2090880"/>
           </a:xfrm>
           <a:prstGeom prst="rect">
             <a:avLst/>
@@ -3463,10 +3225,7 @@
             <a:normAutofit/>
           </a:bodyPr>
           <a:p>
-            <a:endParaRPr b="0" lang="en-US" sz="2400" spc="-1" strike="noStrike">
-              <a:solidFill>
-                <a:srgbClr val="808080"/>
-              </a:solidFill>
+            <a:endParaRPr b="0" lang="en-US" sz="3200" spc="-1" strike="noStrike">
               <a:latin typeface="Arial"/>
             </a:endParaRPr>
           </a:p>
@@ -3484,8 +3243,8 @@
         </p:nvSpPr>
         <p:spPr>
           <a:xfrm>
-            <a:off x="3571200" y="1769040"/>
-            <a:ext cx="2920680" cy="2090880"/>
+            <a:off x="3571560" y="1768680"/>
+            <a:ext cx="2921040" cy="2090880"/>
           </a:xfrm>
           <a:prstGeom prst="rect">
             <a:avLst/>
@@ -3496,10 +3255,7 @@
             <a:normAutofit/>
           </a:bodyPr>
           <a:p>
-            <a:endParaRPr b="0" lang="en-US" sz="2400" spc="-1" strike="noStrike">
-              <a:solidFill>
-                <a:srgbClr val="808080"/>
-              </a:solidFill>
+            <a:endParaRPr b="0" lang="en-US" sz="3200" spc="-1" strike="noStrike">
               <a:latin typeface="Arial"/>
             </a:endParaRPr>
           </a:p>
@@ -3517,8 +3273,8 @@
         </p:nvSpPr>
         <p:spPr>
           <a:xfrm>
-            <a:off x="6638040" y="1769040"/>
-            <a:ext cx="2920680" cy="2090880"/>
+            <a:off x="6639120" y="1768680"/>
+            <a:ext cx="2921040" cy="2090880"/>
           </a:xfrm>
           <a:prstGeom prst="rect">
             <a:avLst/>
@@ -3529,10 +3285,7 @@
             <a:normAutofit/>
           </a:bodyPr>
           <a:p>
-            <a:endParaRPr b="0" lang="en-US" sz="2400" spc="-1" strike="noStrike">
-              <a:solidFill>
-                <a:srgbClr val="808080"/>
-              </a:solidFill>
+            <a:endParaRPr b="0" lang="en-US" sz="3200" spc="-1" strike="noStrike">
               <a:latin typeface="Arial"/>
             </a:endParaRPr>
           </a:p>
@@ -3550,8 +3303,8 @@
         </p:nvSpPr>
         <p:spPr>
           <a:xfrm>
-            <a:off x="504000" y="4059000"/>
-            <a:ext cx="2920680" cy="2090880"/>
+            <a:off x="504000" y="4058640"/>
+            <a:ext cx="2921040" cy="2090880"/>
           </a:xfrm>
           <a:prstGeom prst="rect">
             <a:avLst/>
@@ -3562,10 +3315,7 @@
             <a:normAutofit/>
           </a:bodyPr>
           <a:p>
-            <a:endParaRPr b="0" lang="en-US" sz="2400" spc="-1" strike="noStrike">
-              <a:solidFill>
-                <a:srgbClr val="808080"/>
-              </a:solidFill>
+            <a:endParaRPr b="0" lang="en-US" sz="3200" spc="-1" strike="noStrike">
               <a:latin typeface="Arial"/>
             </a:endParaRPr>
           </a:p>
@@ -3583,8 +3333,8 @@
         </p:nvSpPr>
         <p:spPr>
           <a:xfrm>
-            <a:off x="3571200" y="4059000"/>
-            <a:ext cx="2920680" cy="2090880"/>
+            <a:off x="3571560" y="4058640"/>
+            <a:ext cx="2921040" cy="2090880"/>
           </a:xfrm>
           <a:prstGeom prst="rect">
             <a:avLst/>
@@ -3595,10 +3345,7 @@
             <a:normAutofit/>
           </a:bodyPr>
           <a:p>
-            <a:endParaRPr b="0" lang="en-US" sz="2400" spc="-1" strike="noStrike">
-              <a:solidFill>
-                <a:srgbClr val="808080"/>
-              </a:solidFill>
+            <a:endParaRPr b="0" lang="en-US" sz="3200" spc="-1" strike="noStrike">
               <a:latin typeface="Arial"/>
             </a:endParaRPr>
           </a:p>
@@ -3616,8 +3363,8 @@
         </p:nvSpPr>
         <p:spPr>
           <a:xfrm>
-            <a:off x="6638040" y="4059000"/>
-            <a:ext cx="2920680" cy="2090880"/>
+            <a:off x="6639120" y="4058640"/>
+            <a:ext cx="2921040" cy="2090880"/>
           </a:xfrm>
           <a:prstGeom prst="rect">
             <a:avLst/>
@@ -3628,10 +3375,190 @@
             <a:normAutofit/>
           </a:bodyPr>
           <a:p>
-            <a:endParaRPr b="0" lang="en-US" sz="2400" spc="-1" strike="noStrike">
-              <a:solidFill>
-                <a:srgbClr val="808080"/>
-              </a:solidFill>
+            <a:endParaRPr b="0" lang="en-US" sz="3200" spc="-1" strike="noStrike">
+              <a:latin typeface="Arial"/>
+            </a:endParaRPr>
+          </a:p>
+        </p:txBody>
+      </p:sp>
+    </p:spTree>
+  </p:cSld>
+</p:sldLayout>
+</file>
+
+<file path=ppt/slideLayouts/slideLayout37.xml><?xml version="1.0" encoding="utf-8"?>
+<p:sldLayout xmlns:a="http://schemas.openxmlformats.org/drawingml/2006/main" xmlns:p="http://schemas.openxmlformats.org/presentationml/2006/main" xmlns:r="http://schemas.openxmlformats.org/officeDocument/2006/relationships" xmlns:p14="http://schemas.microsoft.com/office/powerpoint/2010/main" xmlns:p15="http://schemas.microsoft.com/office/powerpoint/2012/main" xmlns:mc="http://schemas.openxmlformats.org/markup-compatibility/2006" type="blank" preserve="1">
+  <p:cSld name="Blank Slide">
+    <p:spTree>
+      <p:nvGrpSpPr>
+        <p:cNvPr id="1" name=""/>
+        <p:cNvGrpSpPr/>
+        <p:nvPr/>
+      </p:nvGrpSpPr>
+      <p:grpSpPr>
+        <a:xfrm>
+          <a:off x="0" y="0"/>
+          <a:ext cx="0" cy="0"/>
+          <a:chOff x="0" y="0"/>
+          <a:chExt cx="0" cy="0"/>
+        </a:xfrm>
+      </p:grpSpPr>
+    </p:spTree>
+  </p:cSld>
+</p:sldLayout>
+</file>
+
+<file path=ppt/slideLayouts/slideLayout38.xml><?xml version="1.0" encoding="utf-8"?>
+<p:sldLayout xmlns:a="http://schemas.openxmlformats.org/drawingml/2006/main" xmlns:p="http://schemas.openxmlformats.org/presentationml/2006/main" xmlns:r="http://schemas.openxmlformats.org/officeDocument/2006/relationships" xmlns:p14="http://schemas.microsoft.com/office/powerpoint/2010/main" xmlns:p15="http://schemas.microsoft.com/office/powerpoint/2012/main" xmlns:mc="http://schemas.openxmlformats.org/markup-compatibility/2006" type="tx" preserve="1">
+  <p:cSld name="Title Slide">
+    <p:spTree>
+      <p:nvGrpSpPr>
+        <p:cNvPr id="1" name=""/>
+        <p:cNvGrpSpPr/>
+        <p:nvPr/>
+      </p:nvGrpSpPr>
+      <p:grpSpPr>
+        <a:xfrm>
+          <a:off x="0" y="0"/>
+          <a:ext cx="0" cy="0"/>
+          <a:chOff x="0" y="0"/>
+          <a:chExt cx="0" cy="0"/>
+        </a:xfrm>
+      </p:grpSpPr>
+      <p:sp>
+        <p:nvSpPr>
+          <p:cNvPr id="123" name="PlaceHolder 1"/>
+          <p:cNvSpPr>
+            <a:spLocks noGrp="1"/>
+          </p:cNvSpPr>
+          <p:nvPr>
+            <p:ph type="title"/>
+          </p:nvPr>
+        </p:nvSpPr>
+        <p:spPr>
+          <a:xfrm>
+            <a:off x="504000" y="301320"/>
+            <a:ext cx="9072000" cy="1261800"/>
+          </a:xfrm>
+          <a:prstGeom prst="rect">
+            <a:avLst/>
+          </a:prstGeom>
+        </p:spPr>
+        <p:txBody>
+          <a:bodyPr lIns="0" rIns="0" tIns="0" bIns="0" anchor="ctr"/>
+          <a:p>
+            <a:pPr algn="ctr"/>
+            <a:endParaRPr b="0" lang="en-US" sz="4400" spc="-1" strike="noStrike">
+              <a:latin typeface="Arial"/>
+            </a:endParaRPr>
+          </a:p>
+        </p:txBody>
+      </p:sp>
+      <p:sp>
+        <p:nvSpPr>
+          <p:cNvPr id="124" name="PlaceHolder 2"/>
+          <p:cNvSpPr>
+            <a:spLocks noGrp="1"/>
+          </p:cNvSpPr>
+          <p:nvPr>
+            <p:ph type="subTitle"/>
+          </p:nvPr>
+        </p:nvSpPr>
+        <p:spPr>
+          <a:xfrm>
+            <a:off x="504000" y="1768680"/>
+            <a:ext cx="9072000" cy="4384080"/>
+          </a:xfrm>
+          <a:prstGeom prst="rect">
+            <a:avLst/>
+          </a:prstGeom>
+        </p:spPr>
+        <p:txBody>
+          <a:bodyPr lIns="0" rIns="0" tIns="0" bIns="0" anchor="ctr"/>
+          <a:p>
+            <a:pPr algn="ctr"/>
+            <a:endParaRPr b="0" lang="en-US" sz="3200" spc="-1" strike="noStrike">
+              <a:latin typeface="Arial"/>
+            </a:endParaRPr>
+          </a:p>
+        </p:txBody>
+      </p:sp>
+    </p:spTree>
+  </p:cSld>
+</p:sldLayout>
+</file>
+
+<file path=ppt/slideLayouts/slideLayout39.xml><?xml version="1.0" encoding="utf-8"?>
+<p:sldLayout xmlns:a="http://schemas.openxmlformats.org/drawingml/2006/main" xmlns:p="http://schemas.openxmlformats.org/presentationml/2006/main" xmlns:r="http://schemas.openxmlformats.org/officeDocument/2006/relationships" xmlns:p14="http://schemas.microsoft.com/office/powerpoint/2010/main" xmlns:p15="http://schemas.microsoft.com/office/powerpoint/2012/main" xmlns:mc="http://schemas.openxmlformats.org/markup-compatibility/2006" type="obj" preserve="1">
+  <p:cSld name="Title, Content">
+    <p:spTree>
+      <p:nvGrpSpPr>
+        <p:cNvPr id="1" name=""/>
+        <p:cNvGrpSpPr/>
+        <p:nvPr/>
+      </p:nvGrpSpPr>
+      <p:grpSpPr>
+        <a:xfrm>
+          <a:off x="0" y="0"/>
+          <a:ext cx="0" cy="0"/>
+          <a:chOff x="0" y="0"/>
+          <a:chExt cx="0" cy="0"/>
+        </a:xfrm>
+      </p:grpSpPr>
+      <p:sp>
+        <p:nvSpPr>
+          <p:cNvPr id="125" name="PlaceHolder 1"/>
+          <p:cNvSpPr>
+            <a:spLocks noGrp="1"/>
+          </p:cNvSpPr>
+          <p:nvPr>
+            <p:ph type="title"/>
+          </p:nvPr>
+        </p:nvSpPr>
+        <p:spPr>
+          <a:xfrm>
+            <a:off x="504000" y="301320"/>
+            <a:ext cx="9072000" cy="1261800"/>
+          </a:xfrm>
+          <a:prstGeom prst="rect">
+            <a:avLst/>
+          </a:prstGeom>
+        </p:spPr>
+        <p:txBody>
+          <a:bodyPr lIns="0" rIns="0" tIns="0" bIns="0" anchor="ctr"/>
+          <a:p>
+            <a:pPr algn="ctr"/>
+            <a:endParaRPr b="0" lang="en-US" sz="4400" spc="-1" strike="noStrike">
+              <a:latin typeface="Arial"/>
+            </a:endParaRPr>
+          </a:p>
+        </p:txBody>
+      </p:sp>
+      <p:sp>
+        <p:nvSpPr>
+          <p:cNvPr id="126" name="PlaceHolder 2"/>
+          <p:cNvSpPr>
+            <a:spLocks noGrp="1"/>
+          </p:cNvSpPr>
+          <p:nvPr>
+            <p:ph type="body"/>
+          </p:nvPr>
+        </p:nvSpPr>
+        <p:spPr>
+          <a:xfrm>
+            <a:off x="504000" y="1768680"/>
+            <a:ext cx="9072000" cy="4384080"/>
+          </a:xfrm>
+          <a:prstGeom prst="rect">
+            <a:avLst/>
+          </a:prstGeom>
+        </p:spPr>
+        <p:txBody>
+          <a:bodyPr lIns="0" rIns="0" tIns="0" bIns="0">
+            <a:normAutofit/>
+          </a:bodyPr>
+          <a:p>
+            <a:endParaRPr b="0" lang="en-US" sz="3200" spc="-1" strike="noStrike">
               <a:latin typeface="Arial"/>
             </a:endParaRPr>
           </a:p>
@@ -3672,7 +3599,7 @@
         <p:spPr>
           <a:xfrm>
             <a:off x="504000" y="301320"/>
-            <a:ext cx="9070920" cy="636840"/>
+            <a:ext cx="9072000" cy="1261800"/>
           </a:xfrm>
           <a:prstGeom prst="rect">
             <a:avLst/>
@@ -3683,9 +3610,6 @@
           <a:p>
             <a:pPr algn="ctr"/>
             <a:endParaRPr b="0" lang="en-US" sz="4400" spc="-1" strike="noStrike">
-              <a:solidFill>
-                <a:srgbClr val="666666"/>
-              </a:solidFill>
               <a:latin typeface="Arial"/>
             </a:endParaRPr>
           </a:p>
@@ -3703,8 +3627,8 @@
         </p:nvSpPr>
         <p:spPr>
           <a:xfrm>
-            <a:off x="504000" y="1769040"/>
-            <a:ext cx="4426560" cy="4383720"/>
+            <a:off x="504000" y="1768680"/>
+            <a:ext cx="4426920" cy="4384080"/>
           </a:xfrm>
           <a:prstGeom prst="rect">
             <a:avLst/>
@@ -3715,10 +3639,7 @@
             <a:normAutofit/>
           </a:bodyPr>
           <a:p>
-            <a:endParaRPr b="0" lang="en-US" sz="2400" spc="-1" strike="noStrike">
-              <a:solidFill>
-                <a:srgbClr val="808080"/>
-              </a:solidFill>
+            <a:endParaRPr b="0" lang="en-US" sz="3200" spc="-1" strike="noStrike">
               <a:latin typeface="Arial"/>
             </a:endParaRPr>
           </a:p>
@@ -3736,8 +3657,8 @@
         </p:nvSpPr>
         <p:spPr>
           <a:xfrm>
-            <a:off x="5152320" y="1769040"/>
-            <a:ext cx="4426560" cy="4383720"/>
+            <a:off x="5152680" y="1768680"/>
+            <a:ext cx="4426920" cy="4384080"/>
           </a:xfrm>
           <a:prstGeom prst="rect">
             <a:avLst/>
@@ -3748,15 +3669,1183 @@
             <a:normAutofit/>
           </a:bodyPr>
           <a:p>
-            <a:endParaRPr b="0" lang="en-US" sz="2400" spc="-1" strike="noStrike">
-              <a:solidFill>
-                <a:srgbClr val="808080"/>
-              </a:solidFill>
-              <a:latin typeface="Arial"/>
-            </a:endParaRPr>
-          </a:p>
-        </p:txBody>
-      </p:sp>
+            <a:endParaRPr b="0" lang="en-US" sz="3200" spc="-1" strike="noStrike">
+              <a:latin typeface="Arial"/>
+            </a:endParaRPr>
+          </a:p>
+        </p:txBody>
+      </p:sp>
+    </p:spTree>
+  </p:cSld>
+</p:sldLayout>
+</file>
+
+<file path=ppt/slideLayouts/slideLayout40.xml><?xml version="1.0" encoding="utf-8"?>
+<p:sldLayout xmlns:a="http://schemas.openxmlformats.org/drawingml/2006/main" xmlns:p="http://schemas.openxmlformats.org/presentationml/2006/main" xmlns:r="http://schemas.openxmlformats.org/officeDocument/2006/relationships" xmlns:p14="http://schemas.microsoft.com/office/powerpoint/2010/main" xmlns:p15="http://schemas.microsoft.com/office/powerpoint/2012/main" xmlns:mc="http://schemas.openxmlformats.org/markup-compatibility/2006" type="twoObj" preserve="1">
+  <p:cSld name="Title, 2 Content">
+    <p:spTree>
+      <p:nvGrpSpPr>
+        <p:cNvPr id="1" name=""/>
+        <p:cNvGrpSpPr/>
+        <p:nvPr/>
+      </p:nvGrpSpPr>
+      <p:grpSpPr>
+        <a:xfrm>
+          <a:off x="0" y="0"/>
+          <a:ext cx="0" cy="0"/>
+          <a:chOff x="0" y="0"/>
+          <a:chExt cx="0" cy="0"/>
+        </a:xfrm>
+      </p:grpSpPr>
+      <p:sp>
+        <p:nvSpPr>
+          <p:cNvPr id="127" name="PlaceHolder 1"/>
+          <p:cNvSpPr>
+            <a:spLocks noGrp="1"/>
+          </p:cNvSpPr>
+          <p:nvPr>
+            <p:ph type="title"/>
+          </p:nvPr>
+        </p:nvSpPr>
+        <p:spPr>
+          <a:xfrm>
+            <a:off x="504000" y="301320"/>
+            <a:ext cx="9072000" cy="1261800"/>
+          </a:xfrm>
+          <a:prstGeom prst="rect">
+            <a:avLst/>
+          </a:prstGeom>
+        </p:spPr>
+        <p:txBody>
+          <a:bodyPr lIns="0" rIns="0" tIns="0" bIns="0" anchor="ctr"/>
+          <a:p>
+            <a:pPr algn="ctr"/>
+            <a:endParaRPr b="0" lang="en-US" sz="4400" spc="-1" strike="noStrike">
+              <a:latin typeface="Arial"/>
+            </a:endParaRPr>
+          </a:p>
+        </p:txBody>
+      </p:sp>
+      <p:sp>
+        <p:nvSpPr>
+          <p:cNvPr id="128" name="PlaceHolder 2"/>
+          <p:cNvSpPr>
+            <a:spLocks noGrp="1"/>
+          </p:cNvSpPr>
+          <p:nvPr>
+            <p:ph type="body"/>
+          </p:nvPr>
+        </p:nvSpPr>
+        <p:spPr>
+          <a:xfrm>
+            <a:off x="504000" y="1768680"/>
+            <a:ext cx="4426920" cy="4384080"/>
+          </a:xfrm>
+          <a:prstGeom prst="rect">
+            <a:avLst/>
+          </a:prstGeom>
+        </p:spPr>
+        <p:txBody>
+          <a:bodyPr lIns="0" rIns="0" tIns="0" bIns="0">
+            <a:normAutofit/>
+          </a:bodyPr>
+          <a:p>
+            <a:endParaRPr b="0" lang="en-US" sz="3200" spc="-1" strike="noStrike">
+              <a:latin typeface="Arial"/>
+            </a:endParaRPr>
+          </a:p>
+        </p:txBody>
+      </p:sp>
+      <p:sp>
+        <p:nvSpPr>
+          <p:cNvPr id="129" name="PlaceHolder 3"/>
+          <p:cNvSpPr>
+            <a:spLocks noGrp="1"/>
+          </p:cNvSpPr>
+          <p:nvPr>
+            <p:ph type="body"/>
+          </p:nvPr>
+        </p:nvSpPr>
+        <p:spPr>
+          <a:xfrm>
+            <a:off x="5152680" y="1768680"/>
+            <a:ext cx="4426920" cy="4384080"/>
+          </a:xfrm>
+          <a:prstGeom prst="rect">
+            <a:avLst/>
+          </a:prstGeom>
+        </p:spPr>
+        <p:txBody>
+          <a:bodyPr lIns="0" rIns="0" tIns="0" bIns="0">
+            <a:normAutofit/>
+          </a:bodyPr>
+          <a:p>
+            <a:endParaRPr b="0" lang="en-US" sz="3200" spc="-1" strike="noStrike">
+              <a:latin typeface="Arial"/>
+            </a:endParaRPr>
+          </a:p>
+        </p:txBody>
+      </p:sp>
+    </p:spTree>
+  </p:cSld>
+</p:sldLayout>
+</file>
+
+<file path=ppt/slideLayouts/slideLayout41.xml><?xml version="1.0" encoding="utf-8"?>
+<p:sldLayout xmlns:a="http://schemas.openxmlformats.org/drawingml/2006/main" xmlns:p="http://schemas.openxmlformats.org/presentationml/2006/main" xmlns:r="http://schemas.openxmlformats.org/officeDocument/2006/relationships" xmlns:p14="http://schemas.microsoft.com/office/powerpoint/2010/main" xmlns:p15="http://schemas.microsoft.com/office/powerpoint/2012/main" xmlns:mc="http://schemas.openxmlformats.org/markup-compatibility/2006" type="titleOnly" preserve="1">
+  <p:cSld name="Title Only">
+    <p:spTree>
+      <p:nvGrpSpPr>
+        <p:cNvPr id="1" name=""/>
+        <p:cNvGrpSpPr/>
+        <p:nvPr/>
+      </p:nvGrpSpPr>
+      <p:grpSpPr>
+        <a:xfrm>
+          <a:off x="0" y="0"/>
+          <a:ext cx="0" cy="0"/>
+          <a:chOff x="0" y="0"/>
+          <a:chExt cx="0" cy="0"/>
+        </a:xfrm>
+      </p:grpSpPr>
+      <p:sp>
+        <p:nvSpPr>
+          <p:cNvPr id="130" name="PlaceHolder 1"/>
+          <p:cNvSpPr>
+            <a:spLocks noGrp="1"/>
+          </p:cNvSpPr>
+          <p:nvPr>
+            <p:ph type="title"/>
+          </p:nvPr>
+        </p:nvSpPr>
+        <p:spPr>
+          <a:xfrm>
+            <a:off x="504000" y="301320"/>
+            <a:ext cx="9072000" cy="1261800"/>
+          </a:xfrm>
+          <a:prstGeom prst="rect">
+            <a:avLst/>
+          </a:prstGeom>
+        </p:spPr>
+        <p:txBody>
+          <a:bodyPr lIns="0" rIns="0" tIns="0" bIns="0" anchor="ctr"/>
+          <a:p>
+            <a:pPr algn="ctr"/>
+            <a:endParaRPr b="0" lang="en-US" sz="4400" spc="-1" strike="noStrike">
+              <a:latin typeface="Arial"/>
+            </a:endParaRPr>
+          </a:p>
+        </p:txBody>
+      </p:sp>
+    </p:spTree>
+  </p:cSld>
+</p:sldLayout>
+</file>
+
+<file path=ppt/slideLayouts/slideLayout42.xml><?xml version="1.0" encoding="utf-8"?>
+<p:sldLayout xmlns:a="http://schemas.openxmlformats.org/drawingml/2006/main" xmlns:p="http://schemas.openxmlformats.org/presentationml/2006/main" xmlns:r="http://schemas.openxmlformats.org/officeDocument/2006/relationships" xmlns:p14="http://schemas.microsoft.com/office/powerpoint/2010/main" xmlns:p15="http://schemas.microsoft.com/office/powerpoint/2012/main" xmlns:mc="http://schemas.openxmlformats.org/markup-compatibility/2006" type="objOnly" preserve="1">
+  <p:cSld name="Centered Text">
+    <p:spTree>
+      <p:nvGrpSpPr>
+        <p:cNvPr id="1" name=""/>
+        <p:cNvGrpSpPr/>
+        <p:nvPr/>
+      </p:nvGrpSpPr>
+      <p:grpSpPr>
+        <a:xfrm>
+          <a:off x="0" y="0"/>
+          <a:ext cx="0" cy="0"/>
+          <a:chOff x="0" y="0"/>
+          <a:chExt cx="0" cy="0"/>
+        </a:xfrm>
+      </p:grpSpPr>
+      <p:sp>
+        <p:nvSpPr>
+          <p:cNvPr id="131" name="PlaceHolder 1"/>
+          <p:cNvSpPr>
+            <a:spLocks noGrp="1"/>
+          </p:cNvSpPr>
+          <p:nvPr>
+            <p:ph type="subTitle"/>
+          </p:nvPr>
+        </p:nvSpPr>
+        <p:spPr>
+          <a:xfrm>
+            <a:off x="504000" y="301320"/>
+            <a:ext cx="9072000" cy="5850360"/>
+          </a:xfrm>
+          <a:prstGeom prst="rect">
+            <a:avLst/>
+          </a:prstGeom>
+        </p:spPr>
+        <p:txBody>
+          <a:bodyPr lIns="0" rIns="0" tIns="0" bIns="0" anchor="ctr"/>
+          <a:p>
+            <a:pPr algn="ctr"/>
+            <a:endParaRPr b="0" lang="en-US" sz="3200" spc="-1" strike="noStrike">
+              <a:latin typeface="Arial"/>
+            </a:endParaRPr>
+          </a:p>
+        </p:txBody>
+      </p:sp>
+    </p:spTree>
+  </p:cSld>
+</p:sldLayout>
+</file>
+
+<file path=ppt/slideLayouts/slideLayout43.xml><?xml version="1.0" encoding="utf-8"?>
+<p:sldLayout xmlns:a="http://schemas.openxmlformats.org/drawingml/2006/main" xmlns:p="http://schemas.openxmlformats.org/presentationml/2006/main" xmlns:r="http://schemas.openxmlformats.org/officeDocument/2006/relationships" xmlns:p14="http://schemas.microsoft.com/office/powerpoint/2010/main" xmlns:p15="http://schemas.microsoft.com/office/powerpoint/2012/main" xmlns:mc="http://schemas.openxmlformats.org/markup-compatibility/2006" type="twoObjAndObj" preserve="1">
+  <p:cSld name="Title, 2 Content and Content">
+    <p:spTree>
+      <p:nvGrpSpPr>
+        <p:cNvPr id="1" name=""/>
+        <p:cNvGrpSpPr/>
+        <p:nvPr/>
+      </p:nvGrpSpPr>
+      <p:grpSpPr>
+        <a:xfrm>
+          <a:off x="0" y="0"/>
+          <a:ext cx="0" cy="0"/>
+          <a:chOff x="0" y="0"/>
+          <a:chExt cx="0" cy="0"/>
+        </a:xfrm>
+      </p:grpSpPr>
+      <p:sp>
+        <p:nvSpPr>
+          <p:cNvPr id="132" name="PlaceHolder 1"/>
+          <p:cNvSpPr>
+            <a:spLocks noGrp="1"/>
+          </p:cNvSpPr>
+          <p:nvPr>
+            <p:ph type="title"/>
+          </p:nvPr>
+        </p:nvSpPr>
+        <p:spPr>
+          <a:xfrm>
+            <a:off x="504000" y="301320"/>
+            <a:ext cx="9072000" cy="1261800"/>
+          </a:xfrm>
+          <a:prstGeom prst="rect">
+            <a:avLst/>
+          </a:prstGeom>
+        </p:spPr>
+        <p:txBody>
+          <a:bodyPr lIns="0" rIns="0" tIns="0" bIns="0" anchor="ctr"/>
+          <a:p>
+            <a:pPr algn="ctr"/>
+            <a:endParaRPr b="0" lang="en-US" sz="4400" spc="-1" strike="noStrike">
+              <a:latin typeface="Arial"/>
+            </a:endParaRPr>
+          </a:p>
+        </p:txBody>
+      </p:sp>
+      <p:sp>
+        <p:nvSpPr>
+          <p:cNvPr id="133" name="PlaceHolder 2"/>
+          <p:cNvSpPr>
+            <a:spLocks noGrp="1"/>
+          </p:cNvSpPr>
+          <p:nvPr>
+            <p:ph type="body"/>
+          </p:nvPr>
+        </p:nvSpPr>
+        <p:spPr>
+          <a:xfrm>
+            <a:off x="504000" y="1768680"/>
+            <a:ext cx="4426920" cy="2090880"/>
+          </a:xfrm>
+          <a:prstGeom prst="rect">
+            <a:avLst/>
+          </a:prstGeom>
+        </p:spPr>
+        <p:txBody>
+          <a:bodyPr lIns="0" rIns="0" tIns="0" bIns="0">
+            <a:normAutofit/>
+          </a:bodyPr>
+          <a:p>
+            <a:endParaRPr b="0" lang="en-US" sz="3200" spc="-1" strike="noStrike">
+              <a:latin typeface="Arial"/>
+            </a:endParaRPr>
+          </a:p>
+        </p:txBody>
+      </p:sp>
+      <p:sp>
+        <p:nvSpPr>
+          <p:cNvPr id="134" name="PlaceHolder 3"/>
+          <p:cNvSpPr>
+            <a:spLocks noGrp="1"/>
+          </p:cNvSpPr>
+          <p:nvPr>
+            <p:ph type="body"/>
+          </p:nvPr>
+        </p:nvSpPr>
+        <p:spPr>
+          <a:xfrm>
+            <a:off x="5152680" y="1768680"/>
+            <a:ext cx="4426920" cy="4384080"/>
+          </a:xfrm>
+          <a:prstGeom prst="rect">
+            <a:avLst/>
+          </a:prstGeom>
+        </p:spPr>
+        <p:txBody>
+          <a:bodyPr lIns="0" rIns="0" tIns="0" bIns="0">
+            <a:normAutofit/>
+          </a:bodyPr>
+          <a:p>
+            <a:endParaRPr b="0" lang="en-US" sz="3200" spc="-1" strike="noStrike">
+              <a:latin typeface="Arial"/>
+            </a:endParaRPr>
+          </a:p>
+        </p:txBody>
+      </p:sp>
+      <p:sp>
+        <p:nvSpPr>
+          <p:cNvPr id="135" name="PlaceHolder 4"/>
+          <p:cNvSpPr>
+            <a:spLocks noGrp="1"/>
+          </p:cNvSpPr>
+          <p:nvPr>
+            <p:ph type="body"/>
+          </p:nvPr>
+        </p:nvSpPr>
+        <p:spPr>
+          <a:xfrm>
+            <a:off x="504000" y="4058640"/>
+            <a:ext cx="4426920" cy="2090880"/>
+          </a:xfrm>
+          <a:prstGeom prst="rect">
+            <a:avLst/>
+          </a:prstGeom>
+        </p:spPr>
+        <p:txBody>
+          <a:bodyPr lIns="0" rIns="0" tIns="0" bIns="0">
+            <a:normAutofit/>
+          </a:bodyPr>
+          <a:p>
+            <a:endParaRPr b="0" lang="en-US" sz="3200" spc="-1" strike="noStrike">
+              <a:latin typeface="Arial"/>
+            </a:endParaRPr>
+          </a:p>
+        </p:txBody>
+      </p:sp>
+    </p:spTree>
+  </p:cSld>
+</p:sldLayout>
+</file>
+
+<file path=ppt/slideLayouts/slideLayout44.xml><?xml version="1.0" encoding="utf-8"?>
+<p:sldLayout xmlns:a="http://schemas.openxmlformats.org/drawingml/2006/main" xmlns:p="http://schemas.openxmlformats.org/presentationml/2006/main" xmlns:r="http://schemas.openxmlformats.org/officeDocument/2006/relationships" xmlns:p14="http://schemas.microsoft.com/office/powerpoint/2010/main" xmlns:p15="http://schemas.microsoft.com/office/powerpoint/2012/main" xmlns:mc="http://schemas.openxmlformats.org/markup-compatibility/2006" type="objAndTwoObj" preserve="1">
+  <p:cSld name="Title Content and 2 Content">
+    <p:spTree>
+      <p:nvGrpSpPr>
+        <p:cNvPr id="1" name=""/>
+        <p:cNvGrpSpPr/>
+        <p:nvPr/>
+      </p:nvGrpSpPr>
+      <p:grpSpPr>
+        <a:xfrm>
+          <a:off x="0" y="0"/>
+          <a:ext cx="0" cy="0"/>
+          <a:chOff x="0" y="0"/>
+          <a:chExt cx="0" cy="0"/>
+        </a:xfrm>
+      </p:grpSpPr>
+      <p:sp>
+        <p:nvSpPr>
+          <p:cNvPr id="136" name="PlaceHolder 1"/>
+          <p:cNvSpPr>
+            <a:spLocks noGrp="1"/>
+          </p:cNvSpPr>
+          <p:nvPr>
+            <p:ph type="title"/>
+          </p:nvPr>
+        </p:nvSpPr>
+        <p:spPr>
+          <a:xfrm>
+            <a:off x="504000" y="301320"/>
+            <a:ext cx="9072000" cy="1261800"/>
+          </a:xfrm>
+          <a:prstGeom prst="rect">
+            <a:avLst/>
+          </a:prstGeom>
+        </p:spPr>
+        <p:txBody>
+          <a:bodyPr lIns="0" rIns="0" tIns="0" bIns="0" anchor="ctr"/>
+          <a:p>
+            <a:pPr algn="ctr"/>
+            <a:endParaRPr b="0" lang="en-US" sz="4400" spc="-1" strike="noStrike">
+              <a:latin typeface="Arial"/>
+            </a:endParaRPr>
+          </a:p>
+        </p:txBody>
+      </p:sp>
+      <p:sp>
+        <p:nvSpPr>
+          <p:cNvPr id="137" name="PlaceHolder 2"/>
+          <p:cNvSpPr>
+            <a:spLocks noGrp="1"/>
+          </p:cNvSpPr>
+          <p:nvPr>
+            <p:ph type="body"/>
+          </p:nvPr>
+        </p:nvSpPr>
+        <p:spPr>
+          <a:xfrm>
+            <a:off x="504000" y="1768680"/>
+            <a:ext cx="4426920" cy="4384080"/>
+          </a:xfrm>
+          <a:prstGeom prst="rect">
+            <a:avLst/>
+          </a:prstGeom>
+        </p:spPr>
+        <p:txBody>
+          <a:bodyPr lIns="0" rIns="0" tIns="0" bIns="0">
+            <a:normAutofit/>
+          </a:bodyPr>
+          <a:p>
+            <a:endParaRPr b="0" lang="en-US" sz="3200" spc="-1" strike="noStrike">
+              <a:latin typeface="Arial"/>
+            </a:endParaRPr>
+          </a:p>
+        </p:txBody>
+      </p:sp>
+      <p:sp>
+        <p:nvSpPr>
+          <p:cNvPr id="138" name="PlaceHolder 3"/>
+          <p:cNvSpPr>
+            <a:spLocks noGrp="1"/>
+          </p:cNvSpPr>
+          <p:nvPr>
+            <p:ph type="body"/>
+          </p:nvPr>
+        </p:nvSpPr>
+        <p:spPr>
+          <a:xfrm>
+            <a:off x="5152680" y="1768680"/>
+            <a:ext cx="4426920" cy="2090880"/>
+          </a:xfrm>
+          <a:prstGeom prst="rect">
+            <a:avLst/>
+          </a:prstGeom>
+        </p:spPr>
+        <p:txBody>
+          <a:bodyPr lIns="0" rIns="0" tIns="0" bIns="0">
+            <a:normAutofit/>
+          </a:bodyPr>
+          <a:p>
+            <a:endParaRPr b="0" lang="en-US" sz="3200" spc="-1" strike="noStrike">
+              <a:latin typeface="Arial"/>
+            </a:endParaRPr>
+          </a:p>
+        </p:txBody>
+      </p:sp>
+      <p:sp>
+        <p:nvSpPr>
+          <p:cNvPr id="139" name="PlaceHolder 4"/>
+          <p:cNvSpPr>
+            <a:spLocks noGrp="1"/>
+          </p:cNvSpPr>
+          <p:nvPr>
+            <p:ph type="body"/>
+          </p:nvPr>
+        </p:nvSpPr>
+        <p:spPr>
+          <a:xfrm>
+            <a:off x="5152680" y="4058640"/>
+            <a:ext cx="4426920" cy="2090880"/>
+          </a:xfrm>
+          <a:prstGeom prst="rect">
+            <a:avLst/>
+          </a:prstGeom>
+        </p:spPr>
+        <p:txBody>
+          <a:bodyPr lIns="0" rIns="0" tIns="0" bIns="0">
+            <a:normAutofit/>
+          </a:bodyPr>
+          <a:p>
+            <a:endParaRPr b="0" lang="en-US" sz="3200" spc="-1" strike="noStrike">
+              <a:latin typeface="Arial"/>
+            </a:endParaRPr>
+          </a:p>
+        </p:txBody>
+      </p:sp>
+    </p:spTree>
+  </p:cSld>
+</p:sldLayout>
+</file>
+
+<file path=ppt/slideLayouts/slideLayout45.xml><?xml version="1.0" encoding="utf-8"?>
+<p:sldLayout xmlns:a="http://schemas.openxmlformats.org/drawingml/2006/main" xmlns:p="http://schemas.openxmlformats.org/presentationml/2006/main" xmlns:r="http://schemas.openxmlformats.org/officeDocument/2006/relationships" xmlns:p14="http://schemas.microsoft.com/office/powerpoint/2010/main" xmlns:p15="http://schemas.microsoft.com/office/powerpoint/2012/main" xmlns:mc="http://schemas.openxmlformats.org/markup-compatibility/2006" type="twoObjOverTx" preserve="1">
+  <p:cSld name="Title, 2 Content over Content">
+    <p:spTree>
+      <p:nvGrpSpPr>
+        <p:cNvPr id="1" name=""/>
+        <p:cNvGrpSpPr/>
+        <p:nvPr/>
+      </p:nvGrpSpPr>
+      <p:grpSpPr>
+        <a:xfrm>
+          <a:off x="0" y="0"/>
+          <a:ext cx="0" cy="0"/>
+          <a:chOff x="0" y="0"/>
+          <a:chExt cx="0" cy="0"/>
+        </a:xfrm>
+      </p:grpSpPr>
+      <p:sp>
+        <p:nvSpPr>
+          <p:cNvPr id="140" name="PlaceHolder 1"/>
+          <p:cNvSpPr>
+            <a:spLocks noGrp="1"/>
+          </p:cNvSpPr>
+          <p:nvPr>
+            <p:ph type="title"/>
+          </p:nvPr>
+        </p:nvSpPr>
+        <p:spPr>
+          <a:xfrm>
+            <a:off x="504000" y="301320"/>
+            <a:ext cx="9072000" cy="1261800"/>
+          </a:xfrm>
+          <a:prstGeom prst="rect">
+            <a:avLst/>
+          </a:prstGeom>
+        </p:spPr>
+        <p:txBody>
+          <a:bodyPr lIns="0" rIns="0" tIns="0" bIns="0" anchor="ctr"/>
+          <a:p>
+            <a:pPr algn="ctr"/>
+            <a:endParaRPr b="0" lang="en-US" sz="4400" spc="-1" strike="noStrike">
+              <a:latin typeface="Arial"/>
+            </a:endParaRPr>
+          </a:p>
+        </p:txBody>
+      </p:sp>
+      <p:sp>
+        <p:nvSpPr>
+          <p:cNvPr id="141" name="PlaceHolder 2"/>
+          <p:cNvSpPr>
+            <a:spLocks noGrp="1"/>
+          </p:cNvSpPr>
+          <p:nvPr>
+            <p:ph type="body"/>
+          </p:nvPr>
+        </p:nvSpPr>
+        <p:spPr>
+          <a:xfrm>
+            <a:off x="504000" y="1768680"/>
+            <a:ext cx="4426920" cy="2090880"/>
+          </a:xfrm>
+          <a:prstGeom prst="rect">
+            <a:avLst/>
+          </a:prstGeom>
+        </p:spPr>
+        <p:txBody>
+          <a:bodyPr lIns="0" rIns="0" tIns="0" bIns="0">
+            <a:normAutofit/>
+          </a:bodyPr>
+          <a:p>
+            <a:endParaRPr b="0" lang="en-US" sz="3200" spc="-1" strike="noStrike">
+              <a:latin typeface="Arial"/>
+            </a:endParaRPr>
+          </a:p>
+        </p:txBody>
+      </p:sp>
+      <p:sp>
+        <p:nvSpPr>
+          <p:cNvPr id="142" name="PlaceHolder 3"/>
+          <p:cNvSpPr>
+            <a:spLocks noGrp="1"/>
+          </p:cNvSpPr>
+          <p:nvPr>
+            <p:ph type="body"/>
+          </p:nvPr>
+        </p:nvSpPr>
+        <p:spPr>
+          <a:xfrm>
+            <a:off x="5152680" y="1768680"/>
+            <a:ext cx="4426920" cy="2090880"/>
+          </a:xfrm>
+          <a:prstGeom prst="rect">
+            <a:avLst/>
+          </a:prstGeom>
+        </p:spPr>
+        <p:txBody>
+          <a:bodyPr lIns="0" rIns="0" tIns="0" bIns="0">
+            <a:normAutofit/>
+          </a:bodyPr>
+          <a:p>
+            <a:endParaRPr b="0" lang="en-US" sz="3200" spc="-1" strike="noStrike">
+              <a:latin typeface="Arial"/>
+            </a:endParaRPr>
+          </a:p>
+        </p:txBody>
+      </p:sp>
+      <p:sp>
+        <p:nvSpPr>
+          <p:cNvPr id="143" name="PlaceHolder 4"/>
+          <p:cNvSpPr>
+            <a:spLocks noGrp="1"/>
+          </p:cNvSpPr>
+          <p:nvPr>
+            <p:ph type="body"/>
+          </p:nvPr>
+        </p:nvSpPr>
+        <p:spPr>
+          <a:xfrm>
+            <a:off x="504000" y="4058640"/>
+            <a:ext cx="9072000" cy="2090880"/>
+          </a:xfrm>
+          <a:prstGeom prst="rect">
+            <a:avLst/>
+          </a:prstGeom>
+        </p:spPr>
+        <p:txBody>
+          <a:bodyPr lIns="0" rIns="0" tIns="0" bIns="0">
+            <a:normAutofit/>
+          </a:bodyPr>
+          <a:p>
+            <a:endParaRPr b="0" lang="en-US" sz="3200" spc="-1" strike="noStrike">
+              <a:latin typeface="Arial"/>
+            </a:endParaRPr>
+          </a:p>
+        </p:txBody>
+      </p:sp>
+    </p:spTree>
+  </p:cSld>
+</p:sldLayout>
+</file>
+
+<file path=ppt/slideLayouts/slideLayout46.xml><?xml version="1.0" encoding="utf-8"?>
+<p:sldLayout xmlns:a="http://schemas.openxmlformats.org/drawingml/2006/main" xmlns:p="http://schemas.openxmlformats.org/presentationml/2006/main" xmlns:r="http://schemas.openxmlformats.org/officeDocument/2006/relationships" xmlns:p14="http://schemas.microsoft.com/office/powerpoint/2010/main" xmlns:p15="http://schemas.microsoft.com/office/powerpoint/2012/main" xmlns:mc="http://schemas.openxmlformats.org/markup-compatibility/2006" type="objOverTx" preserve="1">
+  <p:cSld name="Title, Content over Content">
+    <p:spTree>
+      <p:nvGrpSpPr>
+        <p:cNvPr id="1" name=""/>
+        <p:cNvGrpSpPr/>
+        <p:nvPr/>
+      </p:nvGrpSpPr>
+      <p:grpSpPr>
+        <a:xfrm>
+          <a:off x="0" y="0"/>
+          <a:ext cx="0" cy="0"/>
+          <a:chOff x="0" y="0"/>
+          <a:chExt cx="0" cy="0"/>
+        </a:xfrm>
+      </p:grpSpPr>
+      <p:sp>
+        <p:nvSpPr>
+          <p:cNvPr id="144" name="PlaceHolder 1"/>
+          <p:cNvSpPr>
+            <a:spLocks noGrp="1"/>
+          </p:cNvSpPr>
+          <p:nvPr>
+            <p:ph type="title"/>
+          </p:nvPr>
+        </p:nvSpPr>
+        <p:spPr>
+          <a:xfrm>
+            <a:off x="504000" y="301320"/>
+            <a:ext cx="9072000" cy="1261800"/>
+          </a:xfrm>
+          <a:prstGeom prst="rect">
+            <a:avLst/>
+          </a:prstGeom>
+        </p:spPr>
+        <p:txBody>
+          <a:bodyPr lIns="0" rIns="0" tIns="0" bIns="0" anchor="ctr"/>
+          <a:p>
+            <a:pPr algn="ctr"/>
+            <a:endParaRPr b="0" lang="en-US" sz="4400" spc="-1" strike="noStrike">
+              <a:latin typeface="Arial"/>
+            </a:endParaRPr>
+          </a:p>
+        </p:txBody>
+      </p:sp>
+      <p:sp>
+        <p:nvSpPr>
+          <p:cNvPr id="145" name="PlaceHolder 2"/>
+          <p:cNvSpPr>
+            <a:spLocks noGrp="1"/>
+          </p:cNvSpPr>
+          <p:nvPr>
+            <p:ph type="body"/>
+          </p:nvPr>
+        </p:nvSpPr>
+        <p:spPr>
+          <a:xfrm>
+            <a:off x="504000" y="1768680"/>
+            <a:ext cx="9072000" cy="2090880"/>
+          </a:xfrm>
+          <a:prstGeom prst="rect">
+            <a:avLst/>
+          </a:prstGeom>
+        </p:spPr>
+        <p:txBody>
+          <a:bodyPr lIns="0" rIns="0" tIns="0" bIns="0">
+            <a:normAutofit/>
+          </a:bodyPr>
+          <a:p>
+            <a:endParaRPr b="0" lang="en-US" sz="3200" spc="-1" strike="noStrike">
+              <a:latin typeface="Arial"/>
+            </a:endParaRPr>
+          </a:p>
+        </p:txBody>
+      </p:sp>
+      <p:sp>
+        <p:nvSpPr>
+          <p:cNvPr id="146" name="PlaceHolder 3"/>
+          <p:cNvSpPr>
+            <a:spLocks noGrp="1"/>
+          </p:cNvSpPr>
+          <p:nvPr>
+            <p:ph type="body"/>
+          </p:nvPr>
+        </p:nvSpPr>
+        <p:spPr>
+          <a:xfrm>
+            <a:off x="504000" y="4058640"/>
+            <a:ext cx="9072000" cy="2090880"/>
+          </a:xfrm>
+          <a:prstGeom prst="rect">
+            <a:avLst/>
+          </a:prstGeom>
+        </p:spPr>
+        <p:txBody>
+          <a:bodyPr lIns="0" rIns="0" tIns="0" bIns="0">
+            <a:normAutofit/>
+          </a:bodyPr>
+          <a:p>
+            <a:endParaRPr b="0" lang="en-US" sz="3200" spc="-1" strike="noStrike">
+              <a:latin typeface="Arial"/>
+            </a:endParaRPr>
+          </a:p>
+        </p:txBody>
+      </p:sp>
+    </p:spTree>
+  </p:cSld>
+</p:sldLayout>
+</file>
+
+<file path=ppt/slideLayouts/slideLayout47.xml><?xml version="1.0" encoding="utf-8"?>
+<p:sldLayout xmlns:a="http://schemas.openxmlformats.org/drawingml/2006/main" xmlns:p="http://schemas.openxmlformats.org/presentationml/2006/main" xmlns:r="http://schemas.openxmlformats.org/officeDocument/2006/relationships" xmlns:p14="http://schemas.microsoft.com/office/powerpoint/2010/main" xmlns:p15="http://schemas.microsoft.com/office/powerpoint/2012/main" xmlns:mc="http://schemas.openxmlformats.org/markup-compatibility/2006" type="fourObj" preserve="1">
+  <p:cSld name="Title, 4 Content">
+    <p:spTree>
+      <p:nvGrpSpPr>
+        <p:cNvPr id="1" name=""/>
+        <p:cNvGrpSpPr/>
+        <p:nvPr/>
+      </p:nvGrpSpPr>
+      <p:grpSpPr>
+        <a:xfrm>
+          <a:off x="0" y="0"/>
+          <a:ext cx="0" cy="0"/>
+          <a:chOff x="0" y="0"/>
+          <a:chExt cx="0" cy="0"/>
+        </a:xfrm>
+      </p:grpSpPr>
+      <p:sp>
+        <p:nvSpPr>
+          <p:cNvPr id="147" name="PlaceHolder 1"/>
+          <p:cNvSpPr>
+            <a:spLocks noGrp="1"/>
+          </p:cNvSpPr>
+          <p:nvPr>
+            <p:ph type="title"/>
+          </p:nvPr>
+        </p:nvSpPr>
+        <p:spPr>
+          <a:xfrm>
+            <a:off x="504000" y="301320"/>
+            <a:ext cx="9072000" cy="1261800"/>
+          </a:xfrm>
+          <a:prstGeom prst="rect">
+            <a:avLst/>
+          </a:prstGeom>
+        </p:spPr>
+        <p:txBody>
+          <a:bodyPr lIns="0" rIns="0" tIns="0" bIns="0" anchor="ctr"/>
+          <a:p>
+            <a:pPr algn="ctr"/>
+            <a:endParaRPr b="0" lang="en-US" sz="4400" spc="-1" strike="noStrike">
+              <a:latin typeface="Arial"/>
+            </a:endParaRPr>
+          </a:p>
+        </p:txBody>
+      </p:sp>
+      <p:sp>
+        <p:nvSpPr>
+          <p:cNvPr id="148" name="PlaceHolder 2"/>
+          <p:cNvSpPr>
+            <a:spLocks noGrp="1"/>
+          </p:cNvSpPr>
+          <p:nvPr>
+            <p:ph type="body"/>
+          </p:nvPr>
+        </p:nvSpPr>
+        <p:spPr>
+          <a:xfrm>
+            <a:off x="504000" y="1768680"/>
+            <a:ext cx="4426920" cy="2090880"/>
+          </a:xfrm>
+          <a:prstGeom prst="rect">
+            <a:avLst/>
+          </a:prstGeom>
+        </p:spPr>
+        <p:txBody>
+          <a:bodyPr lIns="0" rIns="0" tIns="0" bIns="0">
+            <a:normAutofit/>
+          </a:bodyPr>
+          <a:p>
+            <a:endParaRPr b="0" lang="en-US" sz="3200" spc="-1" strike="noStrike">
+              <a:latin typeface="Arial"/>
+            </a:endParaRPr>
+          </a:p>
+        </p:txBody>
+      </p:sp>
+      <p:sp>
+        <p:nvSpPr>
+          <p:cNvPr id="149" name="PlaceHolder 3"/>
+          <p:cNvSpPr>
+            <a:spLocks noGrp="1"/>
+          </p:cNvSpPr>
+          <p:nvPr>
+            <p:ph type="body"/>
+          </p:nvPr>
+        </p:nvSpPr>
+        <p:spPr>
+          <a:xfrm>
+            <a:off x="5152680" y="1768680"/>
+            <a:ext cx="4426920" cy="2090880"/>
+          </a:xfrm>
+          <a:prstGeom prst="rect">
+            <a:avLst/>
+          </a:prstGeom>
+        </p:spPr>
+        <p:txBody>
+          <a:bodyPr lIns="0" rIns="0" tIns="0" bIns="0">
+            <a:normAutofit/>
+          </a:bodyPr>
+          <a:p>
+            <a:endParaRPr b="0" lang="en-US" sz="3200" spc="-1" strike="noStrike">
+              <a:latin typeface="Arial"/>
+            </a:endParaRPr>
+          </a:p>
+        </p:txBody>
+      </p:sp>
+      <p:sp>
+        <p:nvSpPr>
+          <p:cNvPr id="150" name="PlaceHolder 4"/>
+          <p:cNvSpPr>
+            <a:spLocks noGrp="1"/>
+          </p:cNvSpPr>
+          <p:nvPr>
+            <p:ph type="body"/>
+          </p:nvPr>
+        </p:nvSpPr>
+        <p:spPr>
+          <a:xfrm>
+            <a:off x="504000" y="4058640"/>
+            <a:ext cx="4426920" cy="2090880"/>
+          </a:xfrm>
+          <a:prstGeom prst="rect">
+            <a:avLst/>
+          </a:prstGeom>
+        </p:spPr>
+        <p:txBody>
+          <a:bodyPr lIns="0" rIns="0" tIns="0" bIns="0">
+            <a:normAutofit/>
+          </a:bodyPr>
+          <a:p>
+            <a:endParaRPr b="0" lang="en-US" sz="3200" spc="-1" strike="noStrike">
+              <a:latin typeface="Arial"/>
+            </a:endParaRPr>
+          </a:p>
+        </p:txBody>
+      </p:sp>
+      <p:sp>
+        <p:nvSpPr>
+          <p:cNvPr id="151" name="PlaceHolder 5"/>
+          <p:cNvSpPr>
+            <a:spLocks noGrp="1"/>
+          </p:cNvSpPr>
+          <p:nvPr>
+            <p:ph type="body"/>
+          </p:nvPr>
+        </p:nvSpPr>
+        <p:spPr>
+          <a:xfrm>
+            <a:off x="5152680" y="4058640"/>
+            <a:ext cx="4426920" cy="2090880"/>
+          </a:xfrm>
+          <a:prstGeom prst="rect">
+            <a:avLst/>
+          </a:prstGeom>
+        </p:spPr>
+        <p:txBody>
+          <a:bodyPr lIns="0" rIns="0" tIns="0" bIns="0">
+            <a:normAutofit/>
+          </a:bodyPr>
+          <a:p>
+            <a:endParaRPr b="0" lang="en-US" sz="3200" spc="-1" strike="noStrike">
+              <a:latin typeface="Arial"/>
+            </a:endParaRPr>
+          </a:p>
+        </p:txBody>
+      </p:sp>
+    </p:spTree>
+  </p:cSld>
+</p:sldLayout>
+</file>
+
+<file path=ppt/slideLayouts/slideLayout48.xml><?xml version="1.0" encoding="utf-8"?>
+<p:sldLayout xmlns:a="http://schemas.openxmlformats.org/drawingml/2006/main" xmlns:p="http://schemas.openxmlformats.org/presentationml/2006/main" xmlns:r="http://schemas.openxmlformats.org/officeDocument/2006/relationships" xmlns:p14="http://schemas.microsoft.com/office/powerpoint/2010/main" xmlns:p15="http://schemas.microsoft.com/office/powerpoint/2012/main" xmlns:mc="http://schemas.openxmlformats.org/markup-compatibility/2006" type="blank" preserve="1">
+  <p:cSld name="Title, 6 Content">
+    <p:spTree>
+      <p:nvGrpSpPr>
+        <p:cNvPr id="1" name=""/>
+        <p:cNvGrpSpPr/>
+        <p:nvPr/>
+      </p:nvGrpSpPr>
+      <p:grpSpPr>
+        <a:xfrm>
+          <a:off x="0" y="0"/>
+          <a:ext cx="0" cy="0"/>
+          <a:chOff x="0" y="0"/>
+          <a:chExt cx="0" cy="0"/>
+        </a:xfrm>
+      </p:grpSpPr>
+      <p:sp>
+        <p:nvSpPr>
+          <p:cNvPr id="152" name="PlaceHolder 1"/>
+          <p:cNvSpPr>
+            <a:spLocks noGrp="1"/>
+          </p:cNvSpPr>
+          <p:nvPr>
+            <p:ph type="title"/>
+          </p:nvPr>
+        </p:nvSpPr>
+        <p:spPr>
+          <a:xfrm>
+            <a:off x="504000" y="301320"/>
+            <a:ext cx="9072000" cy="1261800"/>
+          </a:xfrm>
+          <a:prstGeom prst="rect">
+            <a:avLst/>
+          </a:prstGeom>
+        </p:spPr>
+        <p:txBody>
+          <a:bodyPr lIns="0" rIns="0" tIns="0" bIns="0" anchor="ctr"/>
+          <a:p>
+            <a:pPr algn="ctr"/>
+            <a:endParaRPr b="0" lang="en-US" sz="4400" spc="-1" strike="noStrike">
+              <a:latin typeface="Arial"/>
+            </a:endParaRPr>
+          </a:p>
+        </p:txBody>
+      </p:sp>
+      <p:sp>
+        <p:nvSpPr>
+          <p:cNvPr id="153" name="PlaceHolder 2"/>
+          <p:cNvSpPr>
+            <a:spLocks noGrp="1"/>
+          </p:cNvSpPr>
+          <p:nvPr>
+            <p:ph type="body"/>
+          </p:nvPr>
+        </p:nvSpPr>
+        <p:spPr>
+          <a:xfrm>
+            <a:off x="504000" y="1768680"/>
+            <a:ext cx="2921040" cy="2090880"/>
+          </a:xfrm>
+          <a:prstGeom prst="rect">
+            <a:avLst/>
+          </a:prstGeom>
+        </p:spPr>
+        <p:txBody>
+          <a:bodyPr lIns="0" rIns="0" tIns="0" bIns="0">
+            <a:normAutofit/>
+          </a:bodyPr>
+          <a:p>
+            <a:endParaRPr b="0" lang="en-US" sz="3200" spc="-1" strike="noStrike">
+              <a:latin typeface="Arial"/>
+            </a:endParaRPr>
+          </a:p>
+        </p:txBody>
+      </p:sp>
+      <p:sp>
+        <p:nvSpPr>
+          <p:cNvPr id="154" name="PlaceHolder 3"/>
+          <p:cNvSpPr>
+            <a:spLocks noGrp="1"/>
+          </p:cNvSpPr>
+          <p:nvPr>
+            <p:ph type="body"/>
+          </p:nvPr>
+        </p:nvSpPr>
+        <p:spPr>
+          <a:xfrm>
+            <a:off x="3571560" y="1768680"/>
+            <a:ext cx="2921040" cy="2090880"/>
+          </a:xfrm>
+          <a:prstGeom prst="rect">
+            <a:avLst/>
+          </a:prstGeom>
+        </p:spPr>
+        <p:txBody>
+          <a:bodyPr lIns="0" rIns="0" tIns="0" bIns="0">
+            <a:normAutofit/>
+          </a:bodyPr>
+          <a:p>
+            <a:endParaRPr b="0" lang="en-US" sz="3200" spc="-1" strike="noStrike">
+              <a:latin typeface="Arial"/>
+            </a:endParaRPr>
+          </a:p>
+        </p:txBody>
+      </p:sp>
+      <p:sp>
+        <p:nvSpPr>
+          <p:cNvPr id="155" name="PlaceHolder 4"/>
+          <p:cNvSpPr>
+            <a:spLocks noGrp="1"/>
+          </p:cNvSpPr>
+          <p:nvPr>
+            <p:ph type="body"/>
+          </p:nvPr>
+        </p:nvSpPr>
+        <p:spPr>
+          <a:xfrm>
+            <a:off x="6639120" y="1768680"/>
+            <a:ext cx="2921040" cy="2090880"/>
+          </a:xfrm>
+          <a:prstGeom prst="rect">
+            <a:avLst/>
+          </a:prstGeom>
+        </p:spPr>
+        <p:txBody>
+          <a:bodyPr lIns="0" rIns="0" tIns="0" bIns="0">
+            <a:normAutofit/>
+          </a:bodyPr>
+          <a:p>
+            <a:endParaRPr b="0" lang="en-US" sz="3200" spc="-1" strike="noStrike">
+              <a:latin typeface="Arial"/>
+            </a:endParaRPr>
+          </a:p>
+        </p:txBody>
+      </p:sp>
+      <p:sp>
+        <p:nvSpPr>
+          <p:cNvPr id="156" name="PlaceHolder 5"/>
+          <p:cNvSpPr>
+            <a:spLocks noGrp="1"/>
+          </p:cNvSpPr>
+          <p:nvPr>
+            <p:ph type="body"/>
+          </p:nvPr>
+        </p:nvSpPr>
+        <p:spPr>
+          <a:xfrm>
+            <a:off x="504000" y="4058640"/>
+            <a:ext cx="2921040" cy="2090880"/>
+          </a:xfrm>
+          <a:prstGeom prst="rect">
+            <a:avLst/>
+          </a:prstGeom>
+        </p:spPr>
+        <p:txBody>
+          <a:bodyPr lIns="0" rIns="0" tIns="0" bIns="0">
+            <a:normAutofit/>
+          </a:bodyPr>
+          <a:p>
+            <a:endParaRPr b="0" lang="en-US" sz="3200" spc="-1" strike="noStrike">
+              <a:latin typeface="Arial"/>
+            </a:endParaRPr>
+          </a:p>
+        </p:txBody>
+      </p:sp>
+      <p:sp>
+        <p:nvSpPr>
+          <p:cNvPr id="157" name="PlaceHolder 6"/>
+          <p:cNvSpPr>
+            <a:spLocks noGrp="1"/>
+          </p:cNvSpPr>
+          <p:nvPr>
+            <p:ph type="body"/>
+          </p:nvPr>
+        </p:nvSpPr>
+        <p:spPr>
+          <a:xfrm>
+            <a:off x="3571560" y="4058640"/>
+            <a:ext cx="2921040" cy="2090880"/>
+          </a:xfrm>
+          <a:prstGeom prst="rect">
+            <a:avLst/>
+          </a:prstGeom>
+        </p:spPr>
+        <p:txBody>
+          <a:bodyPr lIns="0" rIns="0" tIns="0" bIns="0">
+            <a:normAutofit/>
+          </a:bodyPr>
+          <a:p>
+            <a:endParaRPr b="0" lang="en-US" sz="3200" spc="-1" strike="noStrike">
+              <a:latin typeface="Arial"/>
+            </a:endParaRPr>
+          </a:p>
+        </p:txBody>
+      </p:sp>
+      <p:sp>
+        <p:nvSpPr>
+          <p:cNvPr id="158" name="PlaceHolder 7"/>
+          <p:cNvSpPr>
+            <a:spLocks noGrp="1"/>
+          </p:cNvSpPr>
+          <p:nvPr>
+            <p:ph type="body"/>
+          </p:nvPr>
+        </p:nvSpPr>
+        <p:spPr>
+          <a:xfrm>
+            <a:off x="6639120" y="4058640"/>
+            <a:ext cx="2921040" cy="2090880"/>
+          </a:xfrm>
+          <a:prstGeom prst="rect">
+            <a:avLst/>
+          </a:prstGeom>
+        </p:spPr>
+        <p:txBody>
+          <a:bodyPr lIns="0" rIns="0" tIns="0" bIns="0">
+            <a:normAutofit/>
+          </a:bodyPr>
+          <a:p>
+            <a:endParaRPr b="0" lang="en-US" sz="3200" spc="-1" strike="noStrike">
+              <a:latin typeface="Arial"/>
+            </a:endParaRPr>
+          </a:p>
+        </p:txBody>
+      </p:sp>
+    </p:spTree>
+  </p:cSld>
+</p:sldLayout>
+</file>
+
+<file path=ppt/slideLayouts/slideLayout49.xml><?xml version="1.0" encoding="utf-8"?>
+<p:sldLayout xmlns:a="http://schemas.openxmlformats.org/drawingml/2006/main" xmlns:p="http://schemas.openxmlformats.org/presentationml/2006/main" xmlns:r="http://schemas.openxmlformats.org/officeDocument/2006/relationships" xmlns:p14="http://schemas.microsoft.com/office/powerpoint/2010/main" xmlns:p15="http://schemas.microsoft.com/office/powerpoint/2012/main" xmlns:mc="http://schemas.openxmlformats.org/markup-compatibility/2006" type="blank" preserve="1">
+  <p:cSld name="Blank Slide">
+    <p:spTree>
+      <p:nvGrpSpPr>
+        <p:cNvPr id="1" name=""/>
+        <p:cNvGrpSpPr/>
+        <p:nvPr/>
+      </p:nvGrpSpPr>
+      <p:grpSpPr>
+        <a:xfrm>
+          <a:off x="0" y="0"/>
+          <a:ext cx="0" cy="0"/>
+          <a:chOff x="0" y="0"/>
+          <a:chExt cx="0" cy="0"/>
+        </a:xfrm>
+      </p:grpSpPr>
     </p:spTree>
   </p:cSld>
 </p:sldLayout>
@@ -3792,7 +4881,7 @@
         <p:spPr>
           <a:xfrm>
             <a:off x="504000" y="301320"/>
-            <a:ext cx="9070920" cy="636840"/>
+            <a:ext cx="9072000" cy="1261800"/>
           </a:xfrm>
           <a:prstGeom prst="rect">
             <a:avLst/>
@@ -3803,9 +4892,1085 @@
           <a:p>
             <a:pPr algn="ctr"/>
             <a:endParaRPr b="0" lang="en-US" sz="4400" spc="-1" strike="noStrike">
-              <a:solidFill>
-                <a:srgbClr val="666666"/>
-              </a:solidFill>
+              <a:latin typeface="Arial"/>
+            </a:endParaRPr>
+          </a:p>
+        </p:txBody>
+      </p:sp>
+    </p:spTree>
+  </p:cSld>
+</p:sldLayout>
+</file>
+
+<file path=ppt/slideLayouts/slideLayout50.xml><?xml version="1.0" encoding="utf-8"?>
+<p:sldLayout xmlns:a="http://schemas.openxmlformats.org/drawingml/2006/main" xmlns:p="http://schemas.openxmlformats.org/presentationml/2006/main" xmlns:r="http://schemas.openxmlformats.org/officeDocument/2006/relationships" xmlns:p14="http://schemas.microsoft.com/office/powerpoint/2010/main" xmlns:p15="http://schemas.microsoft.com/office/powerpoint/2012/main" xmlns:mc="http://schemas.openxmlformats.org/markup-compatibility/2006" type="tx" preserve="1">
+  <p:cSld name="Title Slide">
+    <p:spTree>
+      <p:nvGrpSpPr>
+        <p:cNvPr id="1" name=""/>
+        <p:cNvGrpSpPr/>
+        <p:nvPr/>
+      </p:nvGrpSpPr>
+      <p:grpSpPr>
+        <a:xfrm>
+          <a:off x="0" y="0"/>
+          <a:ext cx="0" cy="0"/>
+          <a:chOff x="0" y="0"/>
+          <a:chExt cx="0" cy="0"/>
+        </a:xfrm>
+      </p:grpSpPr>
+      <p:sp>
+        <p:nvSpPr>
+          <p:cNvPr id="163" name="PlaceHolder 1"/>
+          <p:cNvSpPr>
+            <a:spLocks noGrp="1"/>
+          </p:cNvSpPr>
+          <p:nvPr>
+            <p:ph type="title"/>
+          </p:nvPr>
+        </p:nvSpPr>
+        <p:spPr>
+          <a:xfrm>
+            <a:off x="504000" y="301320"/>
+            <a:ext cx="9072000" cy="1261800"/>
+          </a:xfrm>
+          <a:prstGeom prst="rect">
+            <a:avLst/>
+          </a:prstGeom>
+        </p:spPr>
+        <p:txBody>
+          <a:bodyPr lIns="0" rIns="0" tIns="0" bIns="0" anchor="ctr"/>
+          <a:p>
+            <a:pPr algn="ctr"/>
+            <a:endParaRPr b="0" lang="en-US" sz="4400" spc="-1" strike="noStrike">
+              <a:latin typeface="Arial"/>
+            </a:endParaRPr>
+          </a:p>
+        </p:txBody>
+      </p:sp>
+      <p:sp>
+        <p:nvSpPr>
+          <p:cNvPr id="164" name="PlaceHolder 2"/>
+          <p:cNvSpPr>
+            <a:spLocks noGrp="1"/>
+          </p:cNvSpPr>
+          <p:nvPr>
+            <p:ph type="subTitle"/>
+          </p:nvPr>
+        </p:nvSpPr>
+        <p:spPr>
+          <a:xfrm>
+            <a:off x="504000" y="1768680"/>
+            <a:ext cx="9072000" cy="4384080"/>
+          </a:xfrm>
+          <a:prstGeom prst="rect">
+            <a:avLst/>
+          </a:prstGeom>
+        </p:spPr>
+        <p:txBody>
+          <a:bodyPr lIns="0" rIns="0" tIns="0" bIns="0" anchor="ctr"/>
+          <a:p>
+            <a:pPr algn="ctr"/>
+            <a:endParaRPr b="0" lang="en-US" sz="3200" spc="-1" strike="noStrike">
+              <a:latin typeface="Arial"/>
+            </a:endParaRPr>
+          </a:p>
+        </p:txBody>
+      </p:sp>
+    </p:spTree>
+  </p:cSld>
+</p:sldLayout>
+</file>
+
+<file path=ppt/slideLayouts/slideLayout51.xml><?xml version="1.0" encoding="utf-8"?>
+<p:sldLayout xmlns:a="http://schemas.openxmlformats.org/drawingml/2006/main" xmlns:p="http://schemas.openxmlformats.org/presentationml/2006/main" xmlns:r="http://schemas.openxmlformats.org/officeDocument/2006/relationships" xmlns:p14="http://schemas.microsoft.com/office/powerpoint/2010/main" xmlns:p15="http://schemas.microsoft.com/office/powerpoint/2012/main" xmlns:mc="http://schemas.openxmlformats.org/markup-compatibility/2006" type="obj" preserve="1">
+  <p:cSld name="Title, Content">
+    <p:spTree>
+      <p:nvGrpSpPr>
+        <p:cNvPr id="1" name=""/>
+        <p:cNvGrpSpPr/>
+        <p:nvPr/>
+      </p:nvGrpSpPr>
+      <p:grpSpPr>
+        <a:xfrm>
+          <a:off x="0" y="0"/>
+          <a:ext cx="0" cy="0"/>
+          <a:chOff x="0" y="0"/>
+          <a:chExt cx="0" cy="0"/>
+        </a:xfrm>
+      </p:grpSpPr>
+      <p:sp>
+        <p:nvSpPr>
+          <p:cNvPr id="165" name="PlaceHolder 1"/>
+          <p:cNvSpPr>
+            <a:spLocks noGrp="1"/>
+          </p:cNvSpPr>
+          <p:nvPr>
+            <p:ph type="title"/>
+          </p:nvPr>
+        </p:nvSpPr>
+        <p:spPr>
+          <a:xfrm>
+            <a:off x="504000" y="301320"/>
+            <a:ext cx="9072000" cy="1261800"/>
+          </a:xfrm>
+          <a:prstGeom prst="rect">
+            <a:avLst/>
+          </a:prstGeom>
+        </p:spPr>
+        <p:txBody>
+          <a:bodyPr lIns="0" rIns="0" tIns="0" bIns="0" anchor="ctr"/>
+          <a:p>
+            <a:pPr algn="ctr"/>
+            <a:endParaRPr b="0" lang="en-US" sz="4400" spc="-1" strike="noStrike">
+              <a:latin typeface="Arial"/>
+            </a:endParaRPr>
+          </a:p>
+        </p:txBody>
+      </p:sp>
+      <p:sp>
+        <p:nvSpPr>
+          <p:cNvPr id="166" name="PlaceHolder 2"/>
+          <p:cNvSpPr>
+            <a:spLocks noGrp="1"/>
+          </p:cNvSpPr>
+          <p:nvPr>
+            <p:ph type="body"/>
+          </p:nvPr>
+        </p:nvSpPr>
+        <p:spPr>
+          <a:xfrm>
+            <a:off x="504000" y="1768680"/>
+            <a:ext cx="9072000" cy="4384080"/>
+          </a:xfrm>
+          <a:prstGeom prst="rect">
+            <a:avLst/>
+          </a:prstGeom>
+        </p:spPr>
+        <p:txBody>
+          <a:bodyPr lIns="0" rIns="0" tIns="0" bIns="0">
+            <a:normAutofit/>
+          </a:bodyPr>
+          <a:p>
+            <a:endParaRPr b="0" lang="en-US" sz="3200" spc="-1" strike="noStrike">
+              <a:latin typeface="Arial"/>
+            </a:endParaRPr>
+          </a:p>
+        </p:txBody>
+      </p:sp>
+    </p:spTree>
+  </p:cSld>
+</p:sldLayout>
+</file>
+
+<file path=ppt/slideLayouts/slideLayout52.xml><?xml version="1.0" encoding="utf-8"?>
+<p:sldLayout xmlns:a="http://schemas.openxmlformats.org/drawingml/2006/main" xmlns:p="http://schemas.openxmlformats.org/presentationml/2006/main" xmlns:r="http://schemas.openxmlformats.org/officeDocument/2006/relationships" xmlns:p14="http://schemas.microsoft.com/office/powerpoint/2010/main" xmlns:p15="http://schemas.microsoft.com/office/powerpoint/2012/main" xmlns:mc="http://schemas.openxmlformats.org/markup-compatibility/2006" type="twoObj" preserve="1">
+  <p:cSld name="Title, 2 Content">
+    <p:spTree>
+      <p:nvGrpSpPr>
+        <p:cNvPr id="1" name=""/>
+        <p:cNvGrpSpPr/>
+        <p:nvPr/>
+      </p:nvGrpSpPr>
+      <p:grpSpPr>
+        <a:xfrm>
+          <a:off x="0" y="0"/>
+          <a:ext cx="0" cy="0"/>
+          <a:chOff x="0" y="0"/>
+          <a:chExt cx="0" cy="0"/>
+        </a:xfrm>
+      </p:grpSpPr>
+      <p:sp>
+        <p:nvSpPr>
+          <p:cNvPr id="167" name="PlaceHolder 1"/>
+          <p:cNvSpPr>
+            <a:spLocks noGrp="1"/>
+          </p:cNvSpPr>
+          <p:nvPr>
+            <p:ph type="title"/>
+          </p:nvPr>
+        </p:nvSpPr>
+        <p:spPr>
+          <a:xfrm>
+            <a:off x="504000" y="301320"/>
+            <a:ext cx="9072000" cy="1261800"/>
+          </a:xfrm>
+          <a:prstGeom prst="rect">
+            <a:avLst/>
+          </a:prstGeom>
+        </p:spPr>
+        <p:txBody>
+          <a:bodyPr lIns="0" rIns="0" tIns="0" bIns="0" anchor="ctr"/>
+          <a:p>
+            <a:pPr algn="ctr"/>
+            <a:endParaRPr b="0" lang="en-US" sz="4400" spc="-1" strike="noStrike">
+              <a:latin typeface="Arial"/>
+            </a:endParaRPr>
+          </a:p>
+        </p:txBody>
+      </p:sp>
+      <p:sp>
+        <p:nvSpPr>
+          <p:cNvPr id="168" name="PlaceHolder 2"/>
+          <p:cNvSpPr>
+            <a:spLocks noGrp="1"/>
+          </p:cNvSpPr>
+          <p:nvPr>
+            <p:ph type="body"/>
+          </p:nvPr>
+        </p:nvSpPr>
+        <p:spPr>
+          <a:xfrm>
+            <a:off x="504000" y="1768680"/>
+            <a:ext cx="4426920" cy="4384080"/>
+          </a:xfrm>
+          <a:prstGeom prst="rect">
+            <a:avLst/>
+          </a:prstGeom>
+        </p:spPr>
+        <p:txBody>
+          <a:bodyPr lIns="0" rIns="0" tIns="0" bIns="0">
+            <a:normAutofit/>
+          </a:bodyPr>
+          <a:p>
+            <a:endParaRPr b="0" lang="en-US" sz="3200" spc="-1" strike="noStrike">
+              <a:latin typeface="Arial"/>
+            </a:endParaRPr>
+          </a:p>
+        </p:txBody>
+      </p:sp>
+      <p:sp>
+        <p:nvSpPr>
+          <p:cNvPr id="169" name="PlaceHolder 3"/>
+          <p:cNvSpPr>
+            <a:spLocks noGrp="1"/>
+          </p:cNvSpPr>
+          <p:nvPr>
+            <p:ph type="body"/>
+          </p:nvPr>
+        </p:nvSpPr>
+        <p:spPr>
+          <a:xfrm>
+            <a:off x="5152680" y="1768680"/>
+            <a:ext cx="4426920" cy="4384080"/>
+          </a:xfrm>
+          <a:prstGeom prst="rect">
+            <a:avLst/>
+          </a:prstGeom>
+        </p:spPr>
+        <p:txBody>
+          <a:bodyPr lIns="0" rIns="0" tIns="0" bIns="0">
+            <a:normAutofit/>
+          </a:bodyPr>
+          <a:p>
+            <a:endParaRPr b="0" lang="en-US" sz="3200" spc="-1" strike="noStrike">
+              <a:latin typeface="Arial"/>
+            </a:endParaRPr>
+          </a:p>
+        </p:txBody>
+      </p:sp>
+    </p:spTree>
+  </p:cSld>
+</p:sldLayout>
+</file>
+
+<file path=ppt/slideLayouts/slideLayout53.xml><?xml version="1.0" encoding="utf-8"?>
+<p:sldLayout xmlns:a="http://schemas.openxmlformats.org/drawingml/2006/main" xmlns:p="http://schemas.openxmlformats.org/presentationml/2006/main" xmlns:r="http://schemas.openxmlformats.org/officeDocument/2006/relationships" xmlns:p14="http://schemas.microsoft.com/office/powerpoint/2010/main" xmlns:p15="http://schemas.microsoft.com/office/powerpoint/2012/main" xmlns:mc="http://schemas.openxmlformats.org/markup-compatibility/2006" type="titleOnly" preserve="1">
+  <p:cSld name="Title Only">
+    <p:spTree>
+      <p:nvGrpSpPr>
+        <p:cNvPr id="1" name=""/>
+        <p:cNvGrpSpPr/>
+        <p:nvPr/>
+      </p:nvGrpSpPr>
+      <p:grpSpPr>
+        <a:xfrm>
+          <a:off x="0" y="0"/>
+          <a:ext cx="0" cy="0"/>
+          <a:chOff x="0" y="0"/>
+          <a:chExt cx="0" cy="0"/>
+        </a:xfrm>
+      </p:grpSpPr>
+      <p:sp>
+        <p:nvSpPr>
+          <p:cNvPr id="170" name="PlaceHolder 1"/>
+          <p:cNvSpPr>
+            <a:spLocks noGrp="1"/>
+          </p:cNvSpPr>
+          <p:nvPr>
+            <p:ph type="title"/>
+          </p:nvPr>
+        </p:nvSpPr>
+        <p:spPr>
+          <a:xfrm>
+            <a:off x="504000" y="301320"/>
+            <a:ext cx="9072000" cy="1261800"/>
+          </a:xfrm>
+          <a:prstGeom prst="rect">
+            <a:avLst/>
+          </a:prstGeom>
+        </p:spPr>
+        <p:txBody>
+          <a:bodyPr lIns="0" rIns="0" tIns="0" bIns="0" anchor="ctr"/>
+          <a:p>
+            <a:pPr algn="ctr"/>
+            <a:endParaRPr b="0" lang="en-US" sz="4400" spc="-1" strike="noStrike">
+              <a:latin typeface="Arial"/>
+            </a:endParaRPr>
+          </a:p>
+        </p:txBody>
+      </p:sp>
+    </p:spTree>
+  </p:cSld>
+</p:sldLayout>
+</file>
+
+<file path=ppt/slideLayouts/slideLayout54.xml><?xml version="1.0" encoding="utf-8"?>
+<p:sldLayout xmlns:a="http://schemas.openxmlformats.org/drawingml/2006/main" xmlns:p="http://schemas.openxmlformats.org/presentationml/2006/main" xmlns:r="http://schemas.openxmlformats.org/officeDocument/2006/relationships" xmlns:p14="http://schemas.microsoft.com/office/powerpoint/2010/main" xmlns:p15="http://schemas.microsoft.com/office/powerpoint/2012/main" xmlns:mc="http://schemas.openxmlformats.org/markup-compatibility/2006" type="objOnly" preserve="1">
+  <p:cSld name="Centered Text">
+    <p:spTree>
+      <p:nvGrpSpPr>
+        <p:cNvPr id="1" name=""/>
+        <p:cNvGrpSpPr/>
+        <p:nvPr/>
+      </p:nvGrpSpPr>
+      <p:grpSpPr>
+        <a:xfrm>
+          <a:off x="0" y="0"/>
+          <a:ext cx="0" cy="0"/>
+          <a:chOff x="0" y="0"/>
+          <a:chExt cx="0" cy="0"/>
+        </a:xfrm>
+      </p:grpSpPr>
+      <p:sp>
+        <p:nvSpPr>
+          <p:cNvPr id="171" name="PlaceHolder 1"/>
+          <p:cNvSpPr>
+            <a:spLocks noGrp="1"/>
+          </p:cNvSpPr>
+          <p:nvPr>
+            <p:ph type="subTitle"/>
+          </p:nvPr>
+        </p:nvSpPr>
+        <p:spPr>
+          <a:xfrm>
+            <a:off x="504000" y="301320"/>
+            <a:ext cx="9072000" cy="5850360"/>
+          </a:xfrm>
+          <a:prstGeom prst="rect">
+            <a:avLst/>
+          </a:prstGeom>
+        </p:spPr>
+        <p:txBody>
+          <a:bodyPr lIns="0" rIns="0" tIns="0" bIns="0" anchor="ctr"/>
+          <a:p>
+            <a:pPr algn="ctr"/>
+            <a:endParaRPr b="0" lang="en-US" sz="3200" spc="-1" strike="noStrike">
+              <a:latin typeface="Arial"/>
+            </a:endParaRPr>
+          </a:p>
+        </p:txBody>
+      </p:sp>
+    </p:spTree>
+  </p:cSld>
+</p:sldLayout>
+</file>
+
+<file path=ppt/slideLayouts/slideLayout55.xml><?xml version="1.0" encoding="utf-8"?>
+<p:sldLayout xmlns:a="http://schemas.openxmlformats.org/drawingml/2006/main" xmlns:p="http://schemas.openxmlformats.org/presentationml/2006/main" xmlns:r="http://schemas.openxmlformats.org/officeDocument/2006/relationships" xmlns:p14="http://schemas.microsoft.com/office/powerpoint/2010/main" xmlns:p15="http://schemas.microsoft.com/office/powerpoint/2012/main" xmlns:mc="http://schemas.openxmlformats.org/markup-compatibility/2006" type="twoObjAndObj" preserve="1">
+  <p:cSld name="Title, 2 Content and Content">
+    <p:spTree>
+      <p:nvGrpSpPr>
+        <p:cNvPr id="1" name=""/>
+        <p:cNvGrpSpPr/>
+        <p:nvPr/>
+      </p:nvGrpSpPr>
+      <p:grpSpPr>
+        <a:xfrm>
+          <a:off x="0" y="0"/>
+          <a:ext cx="0" cy="0"/>
+          <a:chOff x="0" y="0"/>
+          <a:chExt cx="0" cy="0"/>
+        </a:xfrm>
+      </p:grpSpPr>
+      <p:sp>
+        <p:nvSpPr>
+          <p:cNvPr id="172" name="PlaceHolder 1"/>
+          <p:cNvSpPr>
+            <a:spLocks noGrp="1"/>
+          </p:cNvSpPr>
+          <p:nvPr>
+            <p:ph type="title"/>
+          </p:nvPr>
+        </p:nvSpPr>
+        <p:spPr>
+          <a:xfrm>
+            <a:off x="504000" y="301320"/>
+            <a:ext cx="9072000" cy="1261800"/>
+          </a:xfrm>
+          <a:prstGeom prst="rect">
+            <a:avLst/>
+          </a:prstGeom>
+        </p:spPr>
+        <p:txBody>
+          <a:bodyPr lIns="0" rIns="0" tIns="0" bIns="0" anchor="ctr"/>
+          <a:p>
+            <a:pPr algn="ctr"/>
+            <a:endParaRPr b="0" lang="en-US" sz="4400" spc="-1" strike="noStrike">
+              <a:latin typeface="Arial"/>
+            </a:endParaRPr>
+          </a:p>
+        </p:txBody>
+      </p:sp>
+      <p:sp>
+        <p:nvSpPr>
+          <p:cNvPr id="173" name="PlaceHolder 2"/>
+          <p:cNvSpPr>
+            <a:spLocks noGrp="1"/>
+          </p:cNvSpPr>
+          <p:nvPr>
+            <p:ph type="body"/>
+          </p:nvPr>
+        </p:nvSpPr>
+        <p:spPr>
+          <a:xfrm>
+            <a:off x="504000" y="1768680"/>
+            <a:ext cx="4426920" cy="2090880"/>
+          </a:xfrm>
+          <a:prstGeom prst="rect">
+            <a:avLst/>
+          </a:prstGeom>
+        </p:spPr>
+        <p:txBody>
+          <a:bodyPr lIns="0" rIns="0" tIns="0" bIns="0">
+            <a:normAutofit/>
+          </a:bodyPr>
+          <a:p>
+            <a:endParaRPr b="0" lang="en-US" sz="3200" spc="-1" strike="noStrike">
+              <a:latin typeface="Arial"/>
+            </a:endParaRPr>
+          </a:p>
+        </p:txBody>
+      </p:sp>
+      <p:sp>
+        <p:nvSpPr>
+          <p:cNvPr id="174" name="PlaceHolder 3"/>
+          <p:cNvSpPr>
+            <a:spLocks noGrp="1"/>
+          </p:cNvSpPr>
+          <p:nvPr>
+            <p:ph type="body"/>
+          </p:nvPr>
+        </p:nvSpPr>
+        <p:spPr>
+          <a:xfrm>
+            <a:off x="5152680" y="1768680"/>
+            <a:ext cx="4426920" cy="4384080"/>
+          </a:xfrm>
+          <a:prstGeom prst="rect">
+            <a:avLst/>
+          </a:prstGeom>
+        </p:spPr>
+        <p:txBody>
+          <a:bodyPr lIns="0" rIns="0" tIns="0" bIns="0">
+            <a:normAutofit/>
+          </a:bodyPr>
+          <a:p>
+            <a:endParaRPr b="0" lang="en-US" sz="3200" spc="-1" strike="noStrike">
+              <a:latin typeface="Arial"/>
+            </a:endParaRPr>
+          </a:p>
+        </p:txBody>
+      </p:sp>
+      <p:sp>
+        <p:nvSpPr>
+          <p:cNvPr id="175" name="PlaceHolder 4"/>
+          <p:cNvSpPr>
+            <a:spLocks noGrp="1"/>
+          </p:cNvSpPr>
+          <p:nvPr>
+            <p:ph type="body"/>
+          </p:nvPr>
+        </p:nvSpPr>
+        <p:spPr>
+          <a:xfrm>
+            <a:off x="504000" y="4058640"/>
+            <a:ext cx="4426920" cy="2090880"/>
+          </a:xfrm>
+          <a:prstGeom prst="rect">
+            <a:avLst/>
+          </a:prstGeom>
+        </p:spPr>
+        <p:txBody>
+          <a:bodyPr lIns="0" rIns="0" tIns="0" bIns="0">
+            <a:normAutofit/>
+          </a:bodyPr>
+          <a:p>
+            <a:endParaRPr b="0" lang="en-US" sz="3200" spc="-1" strike="noStrike">
+              <a:latin typeface="Arial"/>
+            </a:endParaRPr>
+          </a:p>
+        </p:txBody>
+      </p:sp>
+    </p:spTree>
+  </p:cSld>
+</p:sldLayout>
+</file>
+
+<file path=ppt/slideLayouts/slideLayout56.xml><?xml version="1.0" encoding="utf-8"?>
+<p:sldLayout xmlns:a="http://schemas.openxmlformats.org/drawingml/2006/main" xmlns:p="http://schemas.openxmlformats.org/presentationml/2006/main" xmlns:r="http://schemas.openxmlformats.org/officeDocument/2006/relationships" xmlns:p14="http://schemas.microsoft.com/office/powerpoint/2010/main" xmlns:p15="http://schemas.microsoft.com/office/powerpoint/2012/main" xmlns:mc="http://schemas.openxmlformats.org/markup-compatibility/2006" type="objAndTwoObj" preserve="1">
+  <p:cSld name="Title Content and 2 Content">
+    <p:spTree>
+      <p:nvGrpSpPr>
+        <p:cNvPr id="1" name=""/>
+        <p:cNvGrpSpPr/>
+        <p:nvPr/>
+      </p:nvGrpSpPr>
+      <p:grpSpPr>
+        <a:xfrm>
+          <a:off x="0" y="0"/>
+          <a:ext cx="0" cy="0"/>
+          <a:chOff x="0" y="0"/>
+          <a:chExt cx="0" cy="0"/>
+        </a:xfrm>
+      </p:grpSpPr>
+      <p:sp>
+        <p:nvSpPr>
+          <p:cNvPr id="176" name="PlaceHolder 1"/>
+          <p:cNvSpPr>
+            <a:spLocks noGrp="1"/>
+          </p:cNvSpPr>
+          <p:nvPr>
+            <p:ph type="title"/>
+          </p:nvPr>
+        </p:nvSpPr>
+        <p:spPr>
+          <a:xfrm>
+            <a:off x="504000" y="301320"/>
+            <a:ext cx="9072000" cy="1261800"/>
+          </a:xfrm>
+          <a:prstGeom prst="rect">
+            <a:avLst/>
+          </a:prstGeom>
+        </p:spPr>
+        <p:txBody>
+          <a:bodyPr lIns="0" rIns="0" tIns="0" bIns="0" anchor="ctr"/>
+          <a:p>
+            <a:pPr algn="ctr"/>
+            <a:endParaRPr b="0" lang="en-US" sz="4400" spc="-1" strike="noStrike">
+              <a:latin typeface="Arial"/>
+            </a:endParaRPr>
+          </a:p>
+        </p:txBody>
+      </p:sp>
+      <p:sp>
+        <p:nvSpPr>
+          <p:cNvPr id="177" name="PlaceHolder 2"/>
+          <p:cNvSpPr>
+            <a:spLocks noGrp="1"/>
+          </p:cNvSpPr>
+          <p:nvPr>
+            <p:ph type="body"/>
+          </p:nvPr>
+        </p:nvSpPr>
+        <p:spPr>
+          <a:xfrm>
+            <a:off x="504000" y="1768680"/>
+            <a:ext cx="4426920" cy="4384080"/>
+          </a:xfrm>
+          <a:prstGeom prst="rect">
+            <a:avLst/>
+          </a:prstGeom>
+        </p:spPr>
+        <p:txBody>
+          <a:bodyPr lIns="0" rIns="0" tIns="0" bIns="0">
+            <a:normAutofit/>
+          </a:bodyPr>
+          <a:p>
+            <a:endParaRPr b="0" lang="en-US" sz="3200" spc="-1" strike="noStrike">
+              <a:latin typeface="Arial"/>
+            </a:endParaRPr>
+          </a:p>
+        </p:txBody>
+      </p:sp>
+      <p:sp>
+        <p:nvSpPr>
+          <p:cNvPr id="178" name="PlaceHolder 3"/>
+          <p:cNvSpPr>
+            <a:spLocks noGrp="1"/>
+          </p:cNvSpPr>
+          <p:nvPr>
+            <p:ph type="body"/>
+          </p:nvPr>
+        </p:nvSpPr>
+        <p:spPr>
+          <a:xfrm>
+            <a:off x="5152680" y="1768680"/>
+            <a:ext cx="4426920" cy="2090880"/>
+          </a:xfrm>
+          <a:prstGeom prst="rect">
+            <a:avLst/>
+          </a:prstGeom>
+        </p:spPr>
+        <p:txBody>
+          <a:bodyPr lIns="0" rIns="0" tIns="0" bIns="0">
+            <a:normAutofit/>
+          </a:bodyPr>
+          <a:p>
+            <a:endParaRPr b="0" lang="en-US" sz="3200" spc="-1" strike="noStrike">
+              <a:latin typeface="Arial"/>
+            </a:endParaRPr>
+          </a:p>
+        </p:txBody>
+      </p:sp>
+      <p:sp>
+        <p:nvSpPr>
+          <p:cNvPr id="179" name="PlaceHolder 4"/>
+          <p:cNvSpPr>
+            <a:spLocks noGrp="1"/>
+          </p:cNvSpPr>
+          <p:nvPr>
+            <p:ph type="body"/>
+          </p:nvPr>
+        </p:nvSpPr>
+        <p:spPr>
+          <a:xfrm>
+            <a:off x="5152680" y="4058640"/>
+            <a:ext cx="4426920" cy="2090880"/>
+          </a:xfrm>
+          <a:prstGeom prst="rect">
+            <a:avLst/>
+          </a:prstGeom>
+        </p:spPr>
+        <p:txBody>
+          <a:bodyPr lIns="0" rIns="0" tIns="0" bIns="0">
+            <a:normAutofit/>
+          </a:bodyPr>
+          <a:p>
+            <a:endParaRPr b="0" lang="en-US" sz="3200" spc="-1" strike="noStrike">
+              <a:latin typeface="Arial"/>
+            </a:endParaRPr>
+          </a:p>
+        </p:txBody>
+      </p:sp>
+    </p:spTree>
+  </p:cSld>
+</p:sldLayout>
+</file>
+
+<file path=ppt/slideLayouts/slideLayout57.xml><?xml version="1.0" encoding="utf-8"?>
+<p:sldLayout xmlns:a="http://schemas.openxmlformats.org/drawingml/2006/main" xmlns:p="http://schemas.openxmlformats.org/presentationml/2006/main" xmlns:r="http://schemas.openxmlformats.org/officeDocument/2006/relationships" xmlns:p14="http://schemas.microsoft.com/office/powerpoint/2010/main" xmlns:p15="http://schemas.microsoft.com/office/powerpoint/2012/main" xmlns:mc="http://schemas.openxmlformats.org/markup-compatibility/2006" type="twoObjOverTx" preserve="1">
+  <p:cSld name="Title, 2 Content over Content">
+    <p:spTree>
+      <p:nvGrpSpPr>
+        <p:cNvPr id="1" name=""/>
+        <p:cNvGrpSpPr/>
+        <p:nvPr/>
+      </p:nvGrpSpPr>
+      <p:grpSpPr>
+        <a:xfrm>
+          <a:off x="0" y="0"/>
+          <a:ext cx="0" cy="0"/>
+          <a:chOff x="0" y="0"/>
+          <a:chExt cx="0" cy="0"/>
+        </a:xfrm>
+      </p:grpSpPr>
+      <p:sp>
+        <p:nvSpPr>
+          <p:cNvPr id="180" name="PlaceHolder 1"/>
+          <p:cNvSpPr>
+            <a:spLocks noGrp="1"/>
+          </p:cNvSpPr>
+          <p:nvPr>
+            <p:ph type="title"/>
+          </p:nvPr>
+        </p:nvSpPr>
+        <p:spPr>
+          <a:xfrm>
+            <a:off x="504000" y="301320"/>
+            <a:ext cx="9072000" cy="1261800"/>
+          </a:xfrm>
+          <a:prstGeom prst="rect">
+            <a:avLst/>
+          </a:prstGeom>
+        </p:spPr>
+        <p:txBody>
+          <a:bodyPr lIns="0" rIns="0" tIns="0" bIns="0" anchor="ctr"/>
+          <a:p>
+            <a:pPr algn="ctr"/>
+            <a:endParaRPr b="0" lang="en-US" sz="4400" spc="-1" strike="noStrike">
+              <a:latin typeface="Arial"/>
+            </a:endParaRPr>
+          </a:p>
+        </p:txBody>
+      </p:sp>
+      <p:sp>
+        <p:nvSpPr>
+          <p:cNvPr id="181" name="PlaceHolder 2"/>
+          <p:cNvSpPr>
+            <a:spLocks noGrp="1"/>
+          </p:cNvSpPr>
+          <p:nvPr>
+            <p:ph type="body"/>
+          </p:nvPr>
+        </p:nvSpPr>
+        <p:spPr>
+          <a:xfrm>
+            <a:off x="504000" y="1768680"/>
+            <a:ext cx="4426920" cy="2090880"/>
+          </a:xfrm>
+          <a:prstGeom prst="rect">
+            <a:avLst/>
+          </a:prstGeom>
+        </p:spPr>
+        <p:txBody>
+          <a:bodyPr lIns="0" rIns="0" tIns="0" bIns="0">
+            <a:normAutofit/>
+          </a:bodyPr>
+          <a:p>
+            <a:endParaRPr b="0" lang="en-US" sz="3200" spc="-1" strike="noStrike">
+              <a:latin typeface="Arial"/>
+            </a:endParaRPr>
+          </a:p>
+        </p:txBody>
+      </p:sp>
+      <p:sp>
+        <p:nvSpPr>
+          <p:cNvPr id="182" name="PlaceHolder 3"/>
+          <p:cNvSpPr>
+            <a:spLocks noGrp="1"/>
+          </p:cNvSpPr>
+          <p:nvPr>
+            <p:ph type="body"/>
+          </p:nvPr>
+        </p:nvSpPr>
+        <p:spPr>
+          <a:xfrm>
+            <a:off x="5152680" y="1768680"/>
+            <a:ext cx="4426920" cy="2090880"/>
+          </a:xfrm>
+          <a:prstGeom prst="rect">
+            <a:avLst/>
+          </a:prstGeom>
+        </p:spPr>
+        <p:txBody>
+          <a:bodyPr lIns="0" rIns="0" tIns="0" bIns="0">
+            <a:normAutofit/>
+          </a:bodyPr>
+          <a:p>
+            <a:endParaRPr b="0" lang="en-US" sz="3200" spc="-1" strike="noStrike">
+              <a:latin typeface="Arial"/>
+            </a:endParaRPr>
+          </a:p>
+        </p:txBody>
+      </p:sp>
+      <p:sp>
+        <p:nvSpPr>
+          <p:cNvPr id="183" name="PlaceHolder 4"/>
+          <p:cNvSpPr>
+            <a:spLocks noGrp="1"/>
+          </p:cNvSpPr>
+          <p:nvPr>
+            <p:ph type="body"/>
+          </p:nvPr>
+        </p:nvSpPr>
+        <p:spPr>
+          <a:xfrm>
+            <a:off x="504000" y="4058640"/>
+            <a:ext cx="9072000" cy="2090880"/>
+          </a:xfrm>
+          <a:prstGeom prst="rect">
+            <a:avLst/>
+          </a:prstGeom>
+        </p:spPr>
+        <p:txBody>
+          <a:bodyPr lIns="0" rIns="0" tIns="0" bIns="0">
+            <a:normAutofit/>
+          </a:bodyPr>
+          <a:p>
+            <a:endParaRPr b="0" lang="en-US" sz="3200" spc="-1" strike="noStrike">
+              <a:latin typeface="Arial"/>
+            </a:endParaRPr>
+          </a:p>
+        </p:txBody>
+      </p:sp>
+    </p:spTree>
+  </p:cSld>
+</p:sldLayout>
+</file>
+
+<file path=ppt/slideLayouts/slideLayout58.xml><?xml version="1.0" encoding="utf-8"?>
+<p:sldLayout xmlns:a="http://schemas.openxmlformats.org/drawingml/2006/main" xmlns:p="http://schemas.openxmlformats.org/presentationml/2006/main" xmlns:r="http://schemas.openxmlformats.org/officeDocument/2006/relationships" xmlns:p14="http://schemas.microsoft.com/office/powerpoint/2010/main" xmlns:p15="http://schemas.microsoft.com/office/powerpoint/2012/main" xmlns:mc="http://schemas.openxmlformats.org/markup-compatibility/2006" type="objOverTx" preserve="1">
+  <p:cSld name="Title, Content over Content">
+    <p:spTree>
+      <p:nvGrpSpPr>
+        <p:cNvPr id="1" name=""/>
+        <p:cNvGrpSpPr/>
+        <p:nvPr/>
+      </p:nvGrpSpPr>
+      <p:grpSpPr>
+        <a:xfrm>
+          <a:off x="0" y="0"/>
+          <a:ext cx="0" cy="0"/>
+          <a:chOff x="0" y="0"/>
+          <a:chExt cx="0" cy="0"/>
+        </a:xfrm>
+      </p:grpSpPr>
+      <p:sp>
+        <p:nvSpPr>
+          <p:cNvPr id="184" name="PlaceHolder 1"/>
+          <p:cNvSpPr>
+            <a:spLocks noGrp="1"/>
+          </p:cNvSpPr>
+          <p:nvPr>
+            <p:ph type="title"/>
+          </p:nvPr>
+        </p:nvSpPr>
+        <p:spPr>
+          <a:xfrm>
+            <a:off x="504000" y="301320"/>
+            <a:ext cx="9072000" cy="1261800"/>
+          </a:xfrm>
+          <a:prstGeom prst="rect">
+            <a:avLst/>
+          </a:prstGeom>
+        </p:spPr>
+        <p:txBody>
+          <a:bodyPr lIns="0" rIns="0" tIns="0" bIns="0" anchor="ctr"/>
+          <a:p>
+            <a:pPr algn="ctr"/>
+            <a:endParaRPr b="0" lang="en-US" sz="4400" spc="-1" strike="noStrike">
+              <a:latin typeface="Arial"/>
+            </a:endParaRPr>
+          </a:p>
+        </p:txBody>
+      </p:sp>
+      <p:sp>
+        <p:nvSpPr>
+          <p:cNvPr id="185" name="PlaceHolder 2"/>
+          <p:cNvSpPr>
+            <a:spLocks noGrp="1"/>
+          </p:cNvSpPr>
+          <p:nvPr>
+            <p:ph type="body"/>
+          </p:nvPr>
+        </p:nvSpPr>
+        <p:spPr>
+          <a:xfrm>
+            <a:off x="504000" y="1768680"/>
+            <a:ext cx="9072000" cy="2090880"/>
+          </a:xfrm>
+          <a:prstGeom prst="rect">
+            <a:avLst/>
+          </a:prstGeom>
+        </p:spPr>
+        <p:txBody>
+          <a:bodyPr lIns="0" rIns="0" tIns="0" bIns="0">
+            <a:normAutofit/>
+          </a:bodyPr>
+          <a:p>
+            <a:endParaRPr b="0" lang="en-US" sz="3200" spc="-1" strike="noStrike">
+              <a:latin typeface="Arial"/>
+            </a:endParaRPr>
+          </a:p>
+        </p:txBody>
+      </p:sp>
+      <p:sp>
+        <p:nvSpPr>
+          <p:cNvPr id="186" name="PlaceHolder 3"/>
+          <p:cNvSpPr>
+            <a:spLocks noGrp="1"/>
+          </p:cNvSpPr>
+          <p:nvPr>
+            <p:ph type="body"/>
+          </p:nvPr>
+        </p:nvSpPr>
+        <p:spPr>
+          <a:xfrm>
+            <a:off x="504000" y="4058640"/>
+            <a:ext cx="9072000" cy="2090880"/>
+          </a:xfrm>
+          <a:prstGeom prst="rect">
+            <a:avLst/>
+          </a:prstGeom>
+        </p:spPr>
+        <p:txBody>
+          <a:bodyPr lIns="0" rIns="0" tIns="0" bIns="0">
+            <a:normAutofit/>
+          </a:bodyPr>
+          <a:p>
+            <a:endParaRPr b="0" lang="en-US" sz="3200" spc="-1" strike="noStrike">
+              <a:latin typeface="Arial"/>
+            </a:endParaRPr>
+          </a:p>
+        </p:txBody>
+      </p:sp>
+    </p:spTree>
+  </p:cSld>
+</p:sldLayout>
+</file>
+
+<file path=ppt/slideLayouts/slideLayout59.xml><?xml version="1.0" encoding="utf-8"?>
+<p:sldLayout xmlns:a="http://schemas.openxmlformats.org/drawingml/2006/main" xmlns:p="http://schemas.openxmlformats.org/presentationml/2006/main" xmlns:r="http://schemas.openxmlformats.org/officeDocument/2006/relationships" xmlns:p14="http://schemas.microsoft.com/office/powerpoint/2010/main" xmlns:p15="http://schemas.microsoft.com/office/powerpoint/2012/main" xmlns:mc="http://schemas.openxmlformats.org/markup-compatibility/2006" type="fourObj" preserve="1">
+  <p:cSld name="Title, 4 Content">
+    <p:spTree>
+      <p:nvGrpSpPr>
+        <p:cNvPr id="1" name=""/>
+        <p:cNvGrpSpPr/>
+        <p:nvPr/>
+      </p:nvGrpSpPr>
+      <p:grpSpPr>
+        <a:xfrm>
+          <a:off x="0" y="0"/>
+          <a:ext cx="0" cy="0"/>
+          <a:chOff x="0" y="0"/>
+          <a:chExt cx="0" cy="0"/>
+        </a:xfrm>
+      </p:grpSpPr>
+      <p:sp>
+        <p:nvSpPr>
+          <p:cNvPr id="187" name="PlaceHolder 1"/>
+          <p:cNvSpPr>
+            <a:spLocks noGrp="1"/>
+          </p:cNvSpPr>
+          <p:nvPr>
+            <p:ph type="title"/>
+          </p:nvPr>
+        </p:nvSpPr>
+        <p:spPr>
+          <a:xfrm>
+            <a:off x="504000" y="301320"/>
+            <a:ext cx="9072000" cy="1261800"/>
+          </a:xfrm>
+          <a:prstGeom prst="rect">
+            <a:avLst/>
+          </a:prstGeom>
+        </p:spPr>
+        <p:txBody>
+          <a:bodyPr lIns="0" rIns="0" tIns="0" bIns="0" anchor="ctr"/>
+          <a:p>
+            <a:pPr algn="ctr"/>
+            <a:endParaRPr b="0" lang="en-US" sz="4400" spc="-1" strike="noStrike">
+              <a:latin typeface="Arial"/>
+            </a:endParaRPr>
+          </a:p>
+        </p:txBody>
+      </p:sp>
+      <p:sp>
+        <p:nvSpPr>
+          <p:cNvPr id="188" name="PlaceHolder 2"/>
+          <p:cNvSpPr>
+            <a:spLocks noGrp="1"/>
+          </p:cNvSpPr>
+          <p:nvPr>
+            <p:ph type="body"/>
+          </p:nvPr>
+        </p:nvSpPr>
+        <p:spPr>
+          <a:xfrm>
+            <a:off x="504000" y="1768680"/>
+            <a:ext cx="4426920" cy="2090880"/>
+          </a:xfrm>
+          <a:prstGeom prst="rect">
+            <a:avLst/>
+          </a:prstGeom>
+        </p:spPr>
+        <p:txBody>
+          <a:bodyPr lIns="0" rIns="0" tIns="0" bIns="0">
+            <a:normAutofit/>
+          </a:bodyPr>
+          <a:p>
+            <a:endParaRPr b="0" lang="en-US" sz="3200" spc="-1" strike="noStrike">
+              <a:latin typeface="Arial"/>
+            </a:endParaRPr>
+          </a:p>
+        </p:txBody>
+      </p:sp>
+      <p:sp>
+        <p:nvSpPr>
+          <p:cNvPr id="189" name="PlaceHolder 3"/>
+          <p:cNvSpPr>
+            <a:spLocks noGrp="1"/>
+          </p:cNvSpPr>
+          <p:nvPr>
+            <p:ph type="body"/>
+          </p:nvPr>
+        </p:nvSpPr>
+        <p:spPr>
+          <a:xfrm>
+            <a:off x="5152680" y="1768680"/>
+            <a:ext cx="4426920" cy="2090880"/>
+          </a:xfrm>
+          <a:prstGeom prst="rect">
+            <a:avLst/>
+          </a:prstGeom>
+        </p:spPr>
+        <p:txBody>
+          <a:bodyPr lIns="0" rIns="0" tIns="0" bIns="0">
+            <a:normAutofit/>
+          </a:bodyPr>
+          <a:p>
+            <a:endParaRPr b="0" lang="en-US" sz="3200" spc="-1" strike="noStrike">
+              <a:latin typeface="Arial"/>
+            </a:endParaRPr>
+          </a:p>
+        </p:txBody>
+      </p:sp>
+      <p:sp>
+        <p:nvSpPr>
+          <p:cNvPr id="190" name="PlaceHolder 4"/>
+          <p:cNvSpPr>
+            <a:spLocks noGrp="1"/>
+          </p:cNvSpPr>
+          <p:nvPr>
+            <p:ph type="body"/>
+          </p:nvPr>
+        </p:nvSpPr>
+        <p:spPr>
+          <a:xfrm>
+            <a:off x="504000" y="4058640"/>
+            <a:ext cx="4426920" cy="2090880"/>
+          </a:xfrm>
+          <a:prstGeom prst="rect">
+            <a:avLst/>
+          </a:prstGeom>
+        </p:spPr>
+        <p:txBody>
+          <a:bodyPr lIns="0" rIns="0" tIns="0" bIns="0">
+            <a:normAutofit/>
+          </a:bodyPr>
+          <a:p>
+            <a:endParaRPr b="0" lang="en-US" sz="3200" spc="-1" strike="noStrike">
+              <a:latin typeface="Arial"/>
+            </a:endParaRPr>
+          </a:p>
+        </p:txBody>
+      </p:sp>
+      <p:sp>
+        <p:nvSpPr>
+          <p:cNvPr id="191" name="PlaceHolder 5"/>
+          <p:cNvSpPr>
+            <a:spLocks noGrp="1"/>
+          </p:cNvSpPr>
+          <p:nvPr>
+            <p:ph type="body"/>
+          </p:nvPr>
+        </p:nvSpPr>
+        <p:spPr>
+          <a:xfrm>
+            <a:off x="5152680" y="4058640"/>
+            <a:ext cx="4426920" cy="2090880"/>
+          </a:xfrm>
+          <a:prstGeom prst="rect">
+            <a:avLst/>
+          </a:prstGeom>
+        </p:spPr>
+        <p:txBody>
+          <a:bodyPr lIns="0" rIns="0" tIns="0" bIns="0">
+            <a:normAutofit/>
+          </a:bodyPr>
+          <a:p>
+            <a:endParaRPr b="0" lang="en-US" sz="3200" spc="-1" strike="noStrike">
               <a:latin typeface="Arial"/>
             </a:endParaRPr>
           </a:p>
@@ -3846,7 +6011,7 @@
         <p:spPr>
           <a:xfrm>
             <a:off x="504000" y="301320"/>
-            <a:ext cx="9070920" cy="2953440"/>
+            <a:ext cx="9072000" cy="5850360"/>
           </a:xfrm>
           <a:prstGeom prst="rect">
             <a:avLst/>
@@ -3856,6 +6021,237 @@
           <a:bodyPr lIns="0" rIns="0" tIns="0" bIns="0" anchor="ctr"/>
           <a:p>
             <a:pPr algn="ctr"/>
+            <a:endParaRPr b="0" lang="en-US" sz="3200" spc="-1" strike="noStrike">
+              <a:latin typeface="Arial"/>
+            </a:endParaRPr>
+          </a:p>
+        </p:txBody>
+      </p:sp>
+    </p:spTree>
+  </p:cSld>
+</p:sldLayout>
+</file>
+
+<file path=ppt/slideLayouts/slideLayout60.xml><?xml version="1.0" encoding="utf-8"?>
+<p:sldLayout xmlns:a="http://schemas.openxmlformats.org/drawingml/2006/main" xmlns:p="http://schemas.openxmlformats.org/presentationml/2006/main" xmlns:r="http://schemas.openxmlformats.org/officeDocument/2006/relationships" xmlns:p14="http://schemas.microsoft.com/office/powerpoint/2010/main" xmlns:p15="http://schemas.microsoft.com/office/powerpoint/2012/main" xmlns:mc="http://schemas.openxmlformats.org/markup-compatibility/2006" type="blank" preserve="1">
+  <p:cSld name="Title, 6 Content">
+    <p:spTree>
+      <p:nvGrpSpPr>
+        <p:cNvPr id="1" name=""/>
+        <p:cNvGrpSpPr/>
+        <p:nvPr/>
+      </p:nvGrpSpPr>
+      <p:grpSpPr>
+        <a:xfrm>
+          <a:off x="0" y="0"/>
+          <a:ext cx="0" cy="0"/>
+          <a:chOff x="0" y="0"/>
+          <a:chExt cx="0" cy="0"/>
+        </a:xfrm>
+      </p:grpSpPr>
+      <p:sp>
+        <p:nvSpPr>
+          <p:cNvPr id="192" name="PlaceHolder 1"/>
+          <p:cNvSpPr>
+            <a:spLocks noGrp="1"/>
+          </p:cNvSpPr>
+          <p:nvPr>
+            <p:ph type="title"/>
+          </p:nvPr>
+        </p:nvSpPr>
+        <p:spPr>
+          <a:xfrm>
+            <a:off x="504000" y="301320"/>
+            <a:ext cx="9072000" cy="1261800"/>
+          </a:xfrm>
+          <a:prstGeom prst="rect">
+            <a:avLst/>
+          </a:prstGeom>
+        </p:spPr>
+        <p:txBody>
+          <a:bodyPr lIns="0" rIns="0" tIns="0" bIns="0" anchor="ctr"/>
+          <a:p>
+            <a:pPr algn="ctr"/>
+            <a:endParaRPr b="0" lang="en-US" sz="4400" spc="-1" strike="noStrike">
+              <a:latin typeface="Arial"/>
+            </a:endParaRPr>
+          </a:p>
+        </p:txBody>
+      </p:sp>
+      <p:sp>
+        <p:nvSpPr>
+          <p:cNvPr id="193" name="PlaceHolder 2"/>
+          <p:cNvSpPr>
+            <a:spLocks noGrp="1"/>
+          </p:cNvSpPr>
+          <p:nvPr>
+            <p:ph type="body"/>
+          </p:nvPr>
+        </p:nvSpPr>
+        <p:spPr>
+          <a:xfrm>
+            <a:off x="504000" y="1768680"/>
+            <a:ext cx="2921040" cy="2090880"/>
+          </a:xfrm>
+          <a:prstGeom prst="rect">
+            <a:avLst/>
+          </a:prstGeom>
+        </p:spPr>
+        <p:txBody>
+          <a:bodyPr lIns="0" rIns="0" tIns="0" bIns="0">
+            <a:normAutofit/>
+          </a:bodyPr>
+          <a:p>
+            <a:endParaRPr b="0" lang="en-US" sz="3200" spc="-1" strike="noStrike">
+              <a:latin typeface="Arial"/>
+            </a:endParaRPr>
+          </a:p>
+        </p:txBody>
+      </p:sp>
+      <p:sp>
+        <p:nvSpPr>
+          <p:cNvPr id="194" name="PlaceHolder 3"/>
+          <p:cNvSpPr>
+            <a:spLocks noGrp="1"/>
+          </p:cNvSpPr>
+          <p:nvPr>
+            <p:ph type="body"/>
+          </p:nvPr>
+        </p:nvSpPr>
+        <p:spPr>
+          <a:xfrm>
+            <a:off x="3571560" y="1768680"/>
+            <a:ext cx="2921040" cy="2090880"/>
+          </a:xfrm>
+          <a:prstGeom prst="rect">
+            <a:avLst/>
+          </a:prstGeom>
+        </p:spPr>
+        <p:txBody>
+          <a:bodyPr lIns="0" rIns="0" tIns="0" bIns="0">
+            <a:normAutofit/>
+          </a:bodyPr>
+          <a:p>
+            <a:endParaRPr b="0" lang="en-US" sz="3200" spc="-1" strike="noStrike">
+              <a:latin typeface="Arial"/>
+            </a:endParaRPr>
+          </a:p>
+        </p:txBody>
+      </p:sp>
+      <p:sp>
+        <p:nvSpPr>
+          <p:cNvPr id="195" name="PlaceHolder 4"/>
+          <p:cNvSpPr>
+            <a:spLocks noGrp="1"/>
+          </p:cNvSpPr>
+          <p:nvPr>
+            <p:ph type="body"/>
+          </p:nvPr>
+        </p:nvSpPr>
+        <p:spPr>
+          <a:xfrm>
+            <a:off x="6639120" y="1768680"/>
+            <a:ext cx="2921040" cy="2090880"/>
+          </a:xfrm>
+          <a:prstGeom prst="rect">
+            <a:avLst/>
+          </a:prstGeom>
+        </p:spPr>
+        <p:txBody>
+          <a:bodyPr lIns="0" rIns="0" tIns="0" bIns="0">
+            <a:normAutofit/>
+          </a:bodyPr>
+          <a:p>
+            <a:endParaRPr b="0" lang="en-US" sz="3200" spc="-1" strike="noStrike">
+              <a:latin typeface="Arial"/>
+            </a:endParaRPr>
+          </a:p>
+        </p:txBody>
+      </p:sp>
+      <p:sp>
+        <p:nvSpPr>
+          <p:cNvPr id="196" name="PlaceHolder 5"/>
+          <p:cNvSpPr>
+            <a:spLocks noGrp="1"/>
+          </p:cNvSpPr>
+          <p:nvPr>
+            <p:ph type="body"/>
+          </p:nvPr>
+        </p:nvSpPr>
+        <p:spPr>
+          <a:xfrm>
+            <a:off x="504000" y="4058640"/>
+            <a:ext cx="2921040" cy="2090880"/>
+          </a:xfrm>
+          <a:prstGeom prst="rect">
+            <a:avLst/>
+          </a:prstGeom>
+        </p:spPr>
+        <p:txBody>
+          <a:bodyPr lIns="0" rIns="0" tIns="0" bIns="0">
+            <a:normAutofit/>
+          </a:bodyPr>
+          <a:p>
+            <a:endParaRPr b="0" lang="en-US" sz="3200" spc="-1" strike="noStrike">
+              <a:latin typeface="Arial"/>
+            </a:endParaRPr>
+          </a:p>
+        </p:txBody>
+      </p:sp>
+      <p:sp>
+        <p:nvSpPr>
+          <p:cNvPr id="197" name="PlaceHolder 6"/>
+          <p:cNvSpPr>
+            <a:spLocks noGrp="1"/>
+          </p:cNvSpPr>
+          <p:nvPr>
+            <p:ph type="body"/>
+          </p:nvPr>
+        </p:nvSpPr>
+        <p:spPr>
+          <a:xfrm>
+            <a:off x="3571560" y="4058640"/>
+            <a:ext cx="2921040" cy="2090880"/>
+          </a:xfrm>
+          <a:prstGeom prst="rect">
+            <a:avLst/>
+          </a:prstGeom>
+        </p:spPr>
+        <p:txBody>
+          <a:bodyPr lIns="0" rIns="0" tIns="0" bIns="0">
+            <a:normAutofit/>
+          </a:bodyPr>
+          <a:p>
+            <a:endParaRPr b="0" lang="en-US" sz="3200" spc="-1" strike="noStrike">
+              <a:latin typeface="Arial"/>
+            </a:endParaRPr>
+          </a:p>
+        </p:txBody>
+      </p:sp>
+      <p:sp>
+        <p:nvSpPr>
+          <p:cNvPr id="198" name="PlaceHolder 7"/>
+          <p:cNvSpPr>
+            <a:spLocks noGrp="1"/>
+          </p:cNvSpPr>
+          <p:nvPr>
+            <p:ph type="body"/>
+          </p:nvPr>
+        </p:nvSpPr>
+        <p:spPr>
+          <a:xfrm>
+            <a:off x="6639120" y="4058640"/>
+            <a:ext cx="2921040" cy="2090880"/>
+          </a:xfrm>
+          <a:prstGeom prst="rect">
+            <a:avLst/>
+          </a:prstGeom>
+        </p:spPr>
+        <p:txBody>
+          <a:bodyPr lIns="0" rIns="0" tIns="0" bIns="0">
+            <a:normAutofit/>
+          </a:bodyPr>
+          <a:p>
             <a:endParaRPr b="0" lang="en-US" sz="3200" spc="-1" strike="noStrike">
               <a:latin typeface="Arial"/>
             </a:endParaRPr>
@@ -3897,7 +6293,7 @@
         <p:spPr>
           <a:xfrm>
             <a:off x="504000" y="301320"/>
-            <a:ext cx="9070920" cy="636840"/>
+            <a:ext cx="9072000" cy="1261800"/>
           </a:xfrm>
           <a:prstGeom prst="rect">
             <a:avLst/>
@@ -3908,9 +6304,6 @@
           <a:p>
             <a:pPr algn="ctr"/>
             <a:endParaRPr b="0" lang="en-US" sz="4400" spc="-1" strike="noStrike">
-              <a:solidFill>
-                <a:srgbClr val="666666"/>
-              </a:solidFill>
               <a:latin typeface="Arial"/>
             </a:endParaRPr>
           </a:p>
@@ -3928,8 +6321,8 @@
         </p:nvSpPr>
         <p:spPr>
           <a:xfrm>
-            <a:off x="504000" y="1769040"/>
-            <a:ext cx="4426560" cy="2090880"/>
+            <a:off x="504000" y="1768680"/>
+            <a:ext cx="4426920" cy="2090880"/>
           </a:xfrm>
           <a:prstGeom prst="rect">
             <a:avLst/>
@@ -3940,10 +6333,7 @@
             <a:normAutofit/>
           </a:bodyPr>
           <a:p>
-            <a:endParaRPr b="0" lang="en-US" sz="2400" spc="-1" strike="noStrike">
-              <a:solidFill>
-                <a:srgbClr val="808080"/>
-              </a:solidFill>
+            <a:endParaRPr b="0" lang="en-US" sz="3200" spc="-1" strike="noStrike">
               <a:latin typeface="Arial"/>
             </a:endParaRPr>
           </a:p>
@@ -3961,8 +6351,8 @@
         </p:nvSpPr>
         <p:spPr>
           <a:xfrm>
-            <a:off x="5152320" y="1769040"/>
-            <a:ext cx="4426560" cy="4383720"/>
+            <a:off x="5152680" y="1768680"/>
+            <a:ext cx="4426920" cy="4384080"/>
           </a:xfrm>
           <a:prstGeom prst="rect">
             <a:avLst/>
@@ -3973,10 +6363,7 @@
             <a:normAutofit/>
           </a:bodyPr>
           <a:p>
-            <a:endParaRPr b="0" lang="en-US" sz="2400" spc="-1" strike="noStrike">
-              <a:solidFill>
-                <a:srgbClr val="808080"/>
-              </a:solidFill>
+            <a:endParaRPr b="0" lang="en-US" sz="3200" spc="-1" strike="noStrike">
               <a:latin typeface="Arial"/>
             </a:endParaRPr>
           </a:p>
@@ -3994,8 +6381,8 @@
         </p:nvSpPr>
         <p:spPr>
           <a:xfrm>
-            <a:off x="504000" y="4059000"/>
-            <a:ext cx="4426560" cy="2090880"/>
+            <a:off x="504000" y="4058640"/>
+            <a:ext cx="4426920" cy="2090880"/>
           </a:xfrm>
           <a:prstGeom prst="rect">
             <a:avLst/>
@@ -4006,10 +6393,7 @@
             <a:normAutofit/>
           </a:bodyPr>
           <a:p>
-            <a:endParaRPr b="0" lang="en-US" sz="2400" spc="-1" strike="noStrike">
-              <a:solidFill>
-                <a:srgbClr val="808080"/>
-              </a:solidFill>
+            <a:endParaRPr b="0" lang="en-US" sz="3200" spc="-1" strike="noStrike">
               <a:latin typeface="Arial"/>
             </a:endParaRPr>
           </a:p>
@@ -4050,7 +6434,7 @@
         <p:spPr>
           <a:xfrm>
             <a:off x="504000" y="301320"/>
-            <a:ext cx="9070920" cy="636840"/>
+            <a:ext cx="9072000" cy="1261800"/>
           </a:xfrm>
           <a:prstGeom prst="rect">
             <a:avLst/>
@@ -4061,9 +6445,6 @@
           <a:p>
             <a:pPr algn="ctr"/>
             <a:endParaRPr b="0" lang="en-US" sz="4400" spc="-1" strike="noStrike">
-              <a:solidFill>
-                <a:srgbClr val="666666"/>
-              </a:solidFill>
               <a:latin typeface="Arial"/>
             </a:endParaRPr>
           </a:p>
@@ -4081,8 +6462,8 @@
         </p:nvSpPr>
         <p:spPr>
           <a:xfrm>
-            <a:off x="504000" y="1769040"/>
-            <a:ext cx="4426560" cy="4383720"/>
+            <a:off x="504000" y="1768680"/>
+            <a:ext cx="4426920" cy="4384080"/>
           </a:xfrm>
           <a:prstGeom prst="rect">
             <a:avLst/>
@@ -4093,10 +6474,7 @@
             <a:normAutofit/>
           </a:bodyPr>
           <a:p>
-            <a:endParaRPr b="0" lang="en-US" sz="2400" spc="-1" strike="noStrike">
-              <a:solidFill>
-                <a:srgbClr val="808080"/>
-              </a:solidFill>
+            <a:endParaRPr b="0" lang="en-US" sz="3200" spc="-1" strike="noStrike">
               <a:latin typeface="Arial"/>
             </a:endParaRPr>
           </a:p>
@@ -4114,8 +6492,8 @@
         </p:nvSpPr>
         <p:spPr>
           <a:xfrm>
-            <a:off x="5152320" y="1769040"/>
-            <a:ext cx="4426560" cy="2090880"/>
+            <a:off x="5152680" y="1768680"/>
+            <a:ext cx="4426920" cy="2090880"/>
           </a:xfrm>
           <a:prstGeom prst="rect">
             <a:avLst/>
@@ -4126,10 +6504,7 @@
             <a:normAutofit/>
           </a:bodyPr>
           <a:p>
-            <a:endParaRPr b="0" lang="en-US" sz="2400" spc="-1" strike="noStrike">
-              <a:solidFill>
-                <a:srgbClr val="808080"/>
-              </a:solidFill>
+            <a:endParaRPr b="0" lang="en-US" sz="3200" spc="-1" strike="noStrike">
               <a:latin typeface="Arial"/>
             </a:endParaRPr>
           </a:p>
@@ -4147,8 +6522,8 @@
         </p:nvSpPr>
         <p:spPr>
           <a:xfrm>
-            <a:off x="5152320" y="4059000"/>
-            <a:ext cx="4426560" cy="2090880"/>
+            <a:off x="5152680" y="4058640"/>
+            <a:ext cx="4426920" cy="2090880"/>
           </a:xfrm>
           <a:prstGeom prst="rect">
             <a:avLst/>
@@ -4159,10 +6534,7 @@
             <a:normAutofit/>
           </a:bodyPr>
           <a:p>
-            <a:endParaRPr b="0" lang="en-US" sz="2400" spc="-1" strike="noStrike">
-              <a:solidFill>
-                <a:srgbClr val="808080"/>
-              </a:solidFill>
+            <a:endParaRPr b="0" lang="en-US" sz="3200" spc="-1" strike="noStrike">
               <a:latin typeface="Arial"/>
             </a:endParaRPr>
           </a:p>
@@ -4203,7 +6575,7 @@
         <p:spPr>
           <a:xfrm>
             <a:off x="504000" y="301320"/>
-            <a:ext cx="9070920" cy="636840"/>
+            <a:ext cx="9072000" cy="1261800"/>
           </a:xfrm>
           <a:prstGeom prst="rect">
             <a:avLst/>
@@ -4214,9 +6586,6 @@
           <a:p>
             <a:pPr algn="ctr"/>
             <a:endParaRPr b="0" lang="en-US" sz="4400" spc="-1" strike="noStrike">
-              <a:solidFill>
-                <a:srgbClr val="666666"/>
-              </a:solidFill>
               <a:latin typeface="Arial"/>
             </a:endParaRPr>
           </a:p>
@@ -4234,8 +6603,8 @@
         </p:nvSpPr>
         <p:spPr>
           <a:xfrm>
-            <a:off x="504000" y="1769040"/>
-            <a:ext cx="4426560" cy="2090880"/>
+            <a:off x="504000" y="1768680"/>
+            <a:ext cx="4426920" cy="2090880"/>
           </a:xfrm>
           <a:prstGeom prst="rect">
             <a:avLst/>
@@ -4246,10 +6615,7 @@
             <a:normAutofit/>
           </a:bodyPr>
           <a:p>
-            <a:endParaRPr b="0" lang="en-US" sz="2400" spc="-1" strike="noStrike">
-              <a:solidFill>
-                <a:srgbClr val="808080"/>
-              </a:solidFill>
+            <a:endParaRPr b="0" lang="en-US" sz="3200" spc="-1" strike="noStrike">
               <a:latin typeface="Arial"/>
             </a:endParaRPr>
           </a:p>
@@ -4267,8 +6633,8 @@
         </p:nvSpPr>
         <p:spPr>
           <a:xfrm>
-            <a:off x="5152320" y="1769040"/>
-            <a:ext cx="4426560" cy="2090880"/>
+            <a:off x="5152680" y="1768680"/>
+            <a:ext cx="4426920" cy="2090880"/>
           </a:xfrm>
           <a:prstGeom prst="rect">
             <a:avLst/>
@@ -4279,10 +6645,7 @@
             <a:normAutofit/>
           </a:bodyPr>
           <a:p>
-            <a:endParaRPr b="0" lang="en-US" sz="2400" spc="-1" strike="noStrike">
-              <a:solidFill>
-                <a:srgbClr val="808080"/>
-              </a:solidFill>
+            <a:endParaRPr b="0" lang="en-US" sz="3200" spc="-1" strike="noStrike">
               <a:latin typeface="Arial"/>
             </a:endParaRPr>
           </a:p>
@@ -4300,8 +6663,8 @@
         </p:nvSpPr>
         <p:spPr>
           <a:xfrm>
-            <a:off x="504000" y="4059000"/>
-            <a:ext cx="9070920" cy="2090880"/>
+            <a:off x="504000" y="4058640"/>
+            <a:ext cx="9072000" cy="2090880"/>
           </a:xfrm>
           <a:prstGeom prst="rect">
             <a:avLst/>
@@ -4312,10 +6675,7 @@
             <a:normAutofit/>
           </a:bodyPr>
           <a:p>
-            <a:endParaRPr b="0" lang="en-US" sz="2400" spc="-1" strike="noStrike">
-              <a:solidFill>
-                <a:srgbClr val="808080"/>
-              </a:solidFill>
+            <a:endParaRPr b="0" lang="en-US" sz="3200" spc="-1" strike="noStrike">
               <a:latin typeface="Arial"/>
             </a:endParaRPr>
           </a:p>
@@ -4356,7 +6716,7 @@
         <p:spPr>
           <a:xfrm>
             <a:off x="0" y="5806440"/>
-            <a:ext cx="10078920" cy="1753560"/>
+            <a:ext cx="10078560" cy="1753200"/>
           </a:xfrm>
           <a:prstGeom prst="rect">
             <a:avLst/>
@@ -4379,7 +6739,7 @@
         <p:spPr>
           <a:xfrm>
             <a:off x="504000" y="301320"/>
-            <a:ext cx="9070920" cy="636840"/>
+            <a:ext cx="9070560" cy="636480"/>
           </a:xfrm>
           <a:prstGeom prst="rect">
             <a:avLst/>
@@ -4392,25 +6752,7 @@
               <a:rPr b="0" lang="en-US" sz="1800" spc="-1" strike="noStrike">
                 <a:latin typeface="Arial"/>
               </a:rPr>
-              <a:t>Click to </a:t>
-            </a:r>
-            <a:r>
-              <a:rPr b="0" lang="en-US" sz="1800" spc="-1" strike="noStrike">
-                <a:latin typeface="Arial"/>
-              </a:rPr>
-              <a:t>edit the </a:t>
-            </a:r>
-            <a:r>
-              <a:rPr b="0" lang="en-US" sz="1800" spc="-1" strike="noStrike">
-                <a:latin typeface="Arial"/>
-              </a:rPr>
-              <a:t>title text </a:t>
-            </a:r>
-            <a:r>
-              <a:rPr b="0" lang="en-US" sz="1800" spc="-1" strike="noStrike">
-                <a:latin typeface="Arial"/>
-              </a:rPr>
-              <a:t>format</a:t>
+              <a:t>Click to edit the title text format</a:t>
             </a:r>
             <a:endParaRPr b="0" lang="en-US" sz="1800" spc="-1" strike="noStrike">
               <a:latin typeface="Arial"/>
@@ -4444,7 +6786,7 @@
           <a:p>
             <a:pPr marL="432000" indent="-324000">
               <a:spcBef>
-                <a:spcPts val="1414"/>
+                <a:spcPts val="1417"/>
               </a:spcBef>
               <a:buClr>
                 <a:srgbClr val="000000"/>
@@ -4457,19 +6799,7 @@
               <a:rPr b="0" lang="en-US" sz="3200" spc="-1" strike="noStrike">
                 <a:latin typeface="Arial"/>
               </a:rPr>
-              <a:t>Click to edit </a:t>
-            </a:r>
-            <a:r>
-              <a:rPr b="0" lang="en-US" sz="3200" spc="-1" strike="noStrike">
-                <a:latin typeface="Arial"/>
-              </a:rPr>
-              <a:t>the outline </a:t>
-            </a:r>
-            <a:r>
-              <a:rPr b="0" lang="en-US" sz="3200" spc="-1" strike="noStrike">
-                <a:latin typeface="Arial"/>
-              </a:rPr>
-              <a:t>text format</a:t>
+              <a:t>Click to edit the outline text format</a:t>
             </a:r>
             <a:endParaRPr b="0" lang="en-US" sz="3200" spc="-1" strike="noStrike">
               <a:latin typeface="Arial"/>
@@ -4491,19 +6821,7 @@
               <a:rPr b="0" lang="en-US" sz="2800" spc="-1" strike="noStrike">
                 <a:latin typeface="Arial"/>
               </a:rPr>
-              <a:t>Second </a:t>
-            </a:r>
-            <a:r>
-              <a:rPr b="0" lang="en-US" sz="2800" spc="-1" strike="noStrike">
-                <a:latin typeface="Arial"/>
-              </a:rPr>
-              <a:t>Outline </a:t>
-            </a:r>
-            <a:r>
-              <a:rPr b="0" lang="en-US" sz="2800" spc="-1" strike="noStrike">
-                <a:latin typeface="Arial"/>
-              </a:rPr>
-              <a:t>Level</a:t>
+              <a:t>Second Outline Level</a:t>
             </a:r>
             <a:endParaRPr b="0" lang="en-US" sz="2800" spc="-1" strike="noStrike">
               <a:latin typeface="Arial"/>
@@ -4525,19 +6843,7 @@
               <a:rPr b="0" lang="en-US" sz="2400" spc="-1" strike="noStrike">
                 <a:latin typeface="Arial"/>
               </a:rPr>
-              <a:t>Third </a:t>
-            </a:r>
-            <a:r>
-              <a:rPr b="0" lang="en-US" sz="2400" spc="-1" strike="noStrike">
-                <a:latin typeface="Arial"/>
-              </a:rPr>
-              <a:t>Outline </a:t>
-            </a:r>
-            <a:r>
-              <a:rPr b="0" lang="en-US" sz="2400" spc="-1" strike="noStrike">
-                <a:latin typeface="Arial"/>
-              </a:rPr>
-              <a:t>Level</a:t>
+              <a:t>Third Outline Level</a:t>
             </a:r>
             <a:endParaRPr b="0" lang="en-US" sz="2400" spc="-1" strike="noStrike">
               <a:latin typeface="Arial"/>
@@ -4559,19 +6865,7 @@
               <a:rPr b="0" lang="en-US" sz="2000" spc="-1" strike="noStrike">
                 <a:latin typeface="Arial"/>
               </a:rPr>
-              <a:t>Fourth </a:t>
-            </a:r>
-            <a:r>
-              <a:rPr b="0" lang="en-US" sz="2000" spc="-1" strike="noStrike">
-                <a:latin typeface="Arial"/>
-              </a:rPr>
-              <a:t>Outline </a:t>
-            </a:r>
-            <a:r>
-              <a:rPr b="0" lang="en-US" sz="2000" spc="-1" strike="noStrike">
-                <a:latin typeface="Arial"/>
-              </a:rPr>
-              <a:t>Level</a:t>
+              <a:t>Fourth Outline Level</a:t>
             </a:r>
             <a:endParaRPr b="0" lang="en-US" sz="2000" spc="-1" strike="noStrike">
               <a:latin typeface="Arial"/>
@@ -4593,25 +6887,7 @@
               <a:rPr b="0" lang="en-US" sz="2000" spc="-1" strike="noStrike">
                 <a:latin typeface="Arial"/>
               </a:rPr>
-              <a:t>Fifth </a:t>
-            </a:r>
-            <a:r>
-              <a:rPr b="0" lang="en-US" sz="2000" spc="-1" strike="noStrike">
-                <a:latin typeface="Arial"/>
-              </a:rPr>
-              <a:t>Outlin</a:t>
-            </a:r>
-            <a:r>
-              <a:rPr b="0" lang="en-US" sz="2000" spc="-1" strike="noStrike">
-                <a:latin typeface="Arial"/>
-              </a:rPr>
-              <a:t>e </a:t>
-            </a:r>
-            <a:r>
-              <a:rPr b="0" lang="en-US" sz="2000" spc="-1" strike="noStrike">
-                <a:latin typeface="Arial"/>
-              </a:rPr>
-              <a:t>Level</a:t>
+              <a:t>Fifth Outline Level</a:t>
             </a:r>
             <a:endParaRPr b="0" lang="en-US" sz="2000" spc="-1" strike="noStrike">
               <a:latin typeface="Arial"/>
@@ -4633,61 +6909,7 @@
               <a:rPr b="0" lang="en-US" sz="2000" spc="-1" strike="noStrike">
                 <a:latin typeface="Arial"/>
               </a:rPr>
-              <a:t>Si</a:t>
-            </a:r>
-            <a:r>
-              <a:rPr b="0" lang="en-US" sz="2000" spc="-1" strike="noStrike">
-                <a:latin typeface="Arial"/>
-              </a:rPr>
-              <a:t>xt</a:t>
-            </a:r>
-            <a:r>
-              <a:rPr b="0" lang="en-US" sz="2000" spc="-1" strike="noStrike">
-                <a:latin typeface="Arial"/>
-              </a:rPr>
-              <a:t>h </a:t>
-            </a:r>
-            <a:r>
-              <a:rPr b="0" lang="en-US" sz="2000" spc="-1" strike="noStrike">
-                <a:latin typeface="Arial"/>
-              </a:rPr>
-              <a:t>O</a:t>
-            </a:r>
-            <a:r>
-              <a:rPr b="0" lang="en-US" sz="2000" spc="-1" strike="noStrike">
-                <a:latin typeface="Arial"/>
-              </a:rPr>
-              <a:t>utl</a:t>
-            </a:r>
-            <a:r>
-              <a:rPr b="0" lang="en-US" sz="2000" spc="-1" strike="noStrike">
-                <a:latin typeface="Arial"/>
-              </a:rPr>
-              <a:t>in</a:t>
-            </a:r>
-            <a:r>
-              <a:rPr b="0" lang="en-US" sz="2000" spc="-1" strike="noStrike">
-                <a:latin typeface="Arial"/>
-              </a:rPr>
-              <a:t>e </a:t>
-            </a:r>
-            <a:r>
-              <a:rPr b="0" lang="en-US" sz="2000" spc="-1" strike="noStrike">
-                <a:latin typeface="Arial"/>
-              </a:rPr>
-              <a:t>Le</a:t>
-            </a:r>
-            <a:r>
-              <a:rPr b="0" lang="en-US" sz="2000" spc="-1" strike="noStrike">
-                <a:latin typeface="Arial"/>
-              </a:rPr>
-              <a:t>ve</a:t>
-            </a:r>
-            <a:r>
-              <a:rPr b="0" lang="en-US" sz="2000" spc="-1" strike="noStrike">
-                <a:latin typeface="Arial"/>
-              </a:rPr>
-              <a:t>l</a:t>
+              <a:t>Sixth Outline Level</a:t>
             </a:r>
             <a:endParaRPr b="0" lang="en-US" sz="2000" spc="-1" strike="noStrike">
               <a:latin typeface="Arial"/>
@@ -4709,127 +6931,7 @@
               <a:rPr b="0" lang="en-US" sz="2000" spc="-1" strike="noStrike">
                 <a:latin typeface="Arial"/>
               </a:rPr>
-              <a:t>S</a:t>
-            </a:r>
-            <a:r>
-              <a:rPr b="0" lang="en-US" sz="2000" spc="-1" strike="noStrike">
-                <a:latin typeface="Arial"/>
-              </a:rPr>
-              <a:t>e</a:t>
-            </a:r>
-            <a:r>
-              <a:rPr b="0" lang="en-US" sz="2000" spc="-1" strike="noStrike">
-                <a:latin typeface="Arial"/>
-              </a:rPr>
-              <a:t>v</a:t>
-            </a:r>
-            <a:r>
-              <a:rPr b="0" lang="en-US" sz="2000" spc="-1" strike="noStrike">
-                <a:latin typeface="Arial"/>
-              </a:rPr>
-              <a:t>e</a:t>
-            </a:r>
-            <a:r>
-              <a:rPr b="0" lang="en-US" sz="2000" spc="-1" strike="noStrike">
-                <a:latin typeface="Arial"/>
-              </a:rPr>
-              <a:t>n</a:t>
-            </a:r>
-            <a:r>
-              <a:rPr b="0" lang="en-US" sz="2000" spc="-1" strike="noStrike">
-                <a:latin typeface="Arial"/>
-              </a:rPr>
-              <a:t>t</a:t>
-            </a:r>
-            <a:r>
-              <a:rPr b="0" lang="en-US" sz="2000" spc="-1" strike="noStrike">
-                <a:latin typeface="Arial"/>
-              </a:rPr>
-              <a:t>h</a:t>
-            </a:r>
-            <a:r>
-              <a:rPr b="0" lang="en-US" sz="2000" spc="-1" strike="noStrike">
-                <a:latin typeface="Arial"/>
-              </a:rPr>
-              <a:t> </a:t>
-            </a:r>
-            <a:r>
-              <a:rPr b="0" lang="en-US" sz="2000" spc="-1" strike="noStrike">
-                <a:latin typeface="Arial"/>
-              </a:rPr>
-              <a:t>O</a:t>
-            </a:r>
-            <a:r>
-              <a:rPr b="0" lang="en-US" sz="2000" spc="-1" strike="noStrike">
-                <a:latin typeface="Arial"/>
-              </a:rPr>
-              <a:t>u</a:t>
-            </a:r>
-            <a:r>
-              <a:rPr b="0" lang="en-US" sz="2000" spc="-1" strike="noStrike">
-                <a:latin typeface="Arial"/>
-              </a:rPr>
-              <a:t>t</a:t>
-            </a:r>
-            <a:r>
-              <a:rPr b="0" lang="en-US" sz="2000" spc="-1" strike="noStrike">
-                <a:latin typeface="Arial"/>
-              </a:rPr>
-              <a:t>l</a:t>
-            </a:r>
-            <a:r>
-              <a:rPr b="0" lang="en-US" sz="2000" spc="-1" strike="noStrike">
-                <a:latin typeface="Arial"/>
-              </a:rPr>
-              <a:t>i</a:t>
-            </a:r>
-            <a:r>
-              <a:rPr b="0" lang="en-US" sz="2000" spc="-1" strike="noStrike">
-                <a:latin typeface="Arial"/>
-              </a:rPr>
-              <a:t>n</a:t>
-            </a:r>
-            <a:r>
-              <a:rPr b="0" lang="en-US" sz="2000" spc="-1" strike="noStrike">
-                <a:latin typeface="Arial"/>
-              </a:rPr>
-              <a:t>e</a:t>
-            </a:r>
-            <a:r>
-              <a:rPr b="0" lang="en-US" sz="2000" spc="-1" strike="noStrike">
-                <a:latin typeface="Arial"/>
-              </a:rPr>
-              <a:t> </a:t>
-            </a:r>
-            <a:r>
-              <a:rPr b="0" lang="en-US" sz="2000" spc="-1" strike="noStrike">
-                <a:latin typeface="Arial"/>
-              </a:rPr>
-              <a:t>L</a:t>
-            </a:r>
-            <a:r>
-              <a:rPr b="0" lang="en-US" sz="2000" spc="-1" strike="noStrike">
-                <a:latin typeface="Arial"/>
-              </a:rPr>
-              <a:t>e</a:t>
-            </a:r>
-            <a:r>
-              <a:rPr b="0" lang="en-US" sz="2000" spc="-1" strike="noStrike">
-                <a:latin typeface="Arial"/>
-              </a:rPr>
-              <a:t>v</a:t>
-            </a:r>
-            <a:r>
-              <a:rPr b="0" lang="en-US" sz="2000" spc="-1" strike="noStrike">
-                <a:latin typeface="Arial"/>
-              </a:rPr>
-              <a:t>e</a:t>
-            </a:r>
-            <a:r>
-              <a:rPr b="0" lang="en-US" sz="2000" spc="-1" strike="noStrike">
-                <a:latin typeface="Arial"/>
-              </a:rPr>
-              <a:t>l</a:t>
+              <a:t>Seventh Outline Level</a:t>
             </a:r>
             <a:endParaRPr b="0" lang="en-US" sz="2000" spc="-1" strike="noStrike">
               <a:latin typeface="Arial"/>
@@ -4883,7 +6985,7 @@
         <p:spPr>
           <a:xfrm>
             <a:off x="0" y="0"/>
-            <a:ext cx="10076040" cy="941040"/>
+            <a:ext cx="10075680" cy="940680"/>
           </a:xfrm>
           <a:prstGeom prst="rect">
             <a:avLst/>
@@ -4919,7 +7021,7 @@
         <p:spPr>
           <a:xfrm>
             <a:off x="0" y="6620400"/>
-            <a:ext cx="10076040" cy="941040"/>
+            <a:ext cx="10075680" cy="940680"/>
           </a:xfrm>
           <a:prstGeom prst="rect">
             <a:avLst/>
@@ -5007,7 +7109,7 @@
           <a:p>
             <a:pPr marL="432000" indent="-324000">
               <a:spcBef>
-                <a:spcPts val="1060"/>
+                <a:spcPts val="1417"/>
               </a:spcBef>
               <a:buClr>
                 <a:srgbClr val="000000"/>
@@ -5017,18 +7119,12 @@
               <a:buChar char=""/>
             </a:pPr>
             <a:r>
-              <a:rPr b="0" lang="en-US" sz="2400" spc="-1" strike="noStrike">
-                <a:solidFill>
-                  <a:srgbClr val="808080"/>
-                </a:solidFill>
+              <a:rPr b="0" lang="en-US" sz="3200" spc="-1" strike="noStrike">
                 <a:latin typeface="Arial"/>
               </a:rPr>
               <a:t>Click to edit the outline text format</a:t>
             </a:r>
-            <a:endParaRPr b="0" lang="en-US" sz="2400" spc="-1" strike="noStrike">
-              <a:solidFill>
-                <a:srgbClr val="808080"/>
-              </a:solidFill>
+            <a:endParaRPr b="0" lang="en-US" sz="3200" spc="-1" strike="noStrike">
               <a:latin typeface="Arial"/>
             </a:endParaRPr>
           </a:p>
@@ -5046,17 +7142,11 @@
             </a:pPr>
             <a:r>
               <a:rPr b="0" lang="en-US" sz="2800" spc="-1" strike="noStrike">
-                <a:solidFill>
-                  <a:srgbClr val="808080"/>
-                </a:solidFill>
                 <a:latin typeface="Arial"/>
               </a:rPr>
               <a:t>Second Outline Level</a:t>
             </a:r>
             <a:endParaRPr b="0" lang="en-US" sz="2800" spc="-1" strike="noStrike">
-              <a:solidFill>
-                <a:srgbClr val="808080"/>
-              </a:solidFill>
               <a:latin typeface="Arial"/>
             </a:endParaRPr>
           </a:p>
@@ -5074,17 +7164,11 @@
             </a:pPr>
             <a:r>
               <a:rPr b="0" lang="en-US" sz="2400" spc="-1" strike="noStrike">
-                <a:solidFill>
-                  <a:srgbClr val="808080"/>
-                </a:solidFill>
                 <a:latin typeface="Arial"/>
               </a:rPr>
               <a:t>Third Outline Level</a:t>
             </a:r>
             <a:endParaRPr b="0" lang="en-US" sz="2400" spc="-1" strike="noStrike">
-              <a:solidFill>
-                <a:srgbClr val="808080"/>
-              </a:solidFill>
               <a:latin typeface="Arial"/>
             </a:endParaRPr>
           </a:p>
@@ -5102,17 +7186,11 @@
             </a:pPr>
             <a:r>
               <a:rPr b="0" lang="en-US" sz="2000" spc="-1" strike="noStrike">
-                <a:solidFill>
-                  <a:srgbClr val="808080"/>
-                </a:solidFill>
                 <a:latin typeface="Arial"/>
               </a:rPr>
               <a:t>Fourth Outline Level</a:t>
             </a:r>
             <a:endParaRPr b="0" lang="en-US" sz="2000" spc="-1" strike="noStrike">
-              <a:solidFill>
-                <a:srgbClr val="808080"/>
-              </a:solidFill>
               <a:latin typeface="Arial"/>
             </a:endParaRPr>
           </a:p>
@@ -5130,17 +7208,11 @@
             </a:pPr>
             <a:r>
               <a:rPr b="0" lang="en-US" sz="2000" spc="-1" strike="noStrike">
-                <a:solidFill>
-                  <a:srgbClr val="808080"/>
-                </a:solidFill>
                 <a:latin typeface="Arial"/>
               </a:rPr>
               <a:t>Fifth Outline Level</a:t>
             </a:r>
             <a:endParaRPr b="0" lang="en-US" sz="2000" spc="-1" strike="noStrike">
-              <a:solidFill>
-                <a:srgbClr val="808080"/>
-              </a:solidFill>
               <a:latin typeface="Arial"/>
             </a:endParaRPr>
           </a:p>
@@ -5158,17 +7230,11 @@
             </a:pPr>
             <a:r>
               <a:rPr b="0" lang="en-US" sz="2000" spc="-1" strike="noStrike">
-                <a:solidFill>
-                  <a:srgbClr val="808080"/>
-                </a:solidFill>
                 <a:latin typeface="Arial"/>
               </a:rPr>
               <a:t>Sixth Outline Level</a:t>
             </a:r>
             <a:endParaRPr b="0" lang="en-US" sz="2000" spc="-1" strike="noStrike">
-              <a:solidFill>
-                <a:srgbClr val="808080"/>
-              </a:solidFill>
               <a:latin typeface="Arial"/>
             </a:endParaRPr>
           </a:p>
@@ -5186,17 +7252,11 @@
             </a:pPr>
             <a:r>
               <a:rPr b="0" lang="en-US" sz="2000" spc="-1" strike="noStrike">
-                <a:solidFill>
-                  <a:srgbClr val="808080"/>
-                </a:solidFill>
                 <a:latin typeface="Arial"/>
               </a:rPr>
               <a:t>Seventh Outline Level</a:t>
             </a:r>
             <a:endParaRPr b="0" lang="en-US" sz="2000" spc="-1" strike="noStrike">
-              <a:solidFill>
-                <a:srgbClr val="808080"/>
-              </a:solidFill>
               <a:latin typeface="Arial"/>
             </a:endParaRPr>
           </a:p>
@@ -5248,7 +7308,7 @@
         <p:spPr>
           <a:xfrm>
             <a:off x="0" y="0"/>
-            <a:ext cx="10076040" cy="941040"/>
+            <a:ext cx="10075680" cy="940680"/>
           </a:xfrm>
           <a:prstGeom prst="rect">
             <a:avLst/>
@@ -5284,7 +7344,7 @@
         <p:spPr>
           <a:xfrm>
             <a:off x="0" y="6620400"/>
-            <a:ext cx="10076040" cy="941040"/>
+            <a:ext cx="10075680" cy="940680"/>
           </a:xfrm>
           <a:prstGeom prst="rect">
             <a:avLst/>
@@ -5324,7 +7384,7 @@
         <p:spPr>
           <a:xfrm>
             <a:off x="504000" y="301320"/>
-            <a:ext cx="9070920" cy="636840"/>
+            <a:ext cx="9070560" cy="636480"/>
           </a:xfrm>
           <a:prstGeom prst="rect">
             <a:avLst/>
@@ -5335,17 +7395,11 @@
           <a:p>
             <a:r>
               <a:rPr b="0" lang="en-US" sz="1800" spc="-1" strike="noStrike">
-                <a:solidFill>
-                  <a:srgbClr val="666666"/>
-                </a:solidFill>
                 <a:latin typeface="Arial"/>
               </a:rPr>
               <a:t>Click to edit the title text format</a:t>
             </a:r>
             <a:endParaRPr b="0" lang="en-US" sz="1800" spc="-1" strike="noStrike">
-              <a:solidFill>
-                <a:srgbClr val="666666"/>
-              </a:solidFill>
               <a:latin typeface="Arial"/>
             </a:endParaRPr>
           </a:p>
@@ -5364,7 +7418,7 @@
         <p:spPr>
           <a:xfrm>
             <a:off x="504000" y="1769040"/>
-            <a:ext cx="9070920" cy="4383720"/>
+            <a:ext cx="9070560" cy="4383360"/>
           </a:xfrm>
           <a:prstGeom prst="rect">
             <a:avLst/>
@@ -5377,7 +7431,7 @@
           <a:p>
             <a:pPr marL="432000" indent="-324000">
               <a:spcBef>
-                <a:spcPts val="1057"/>
+                <a:spcPts val="1417"/>
               </a:spcBef>
               <a:buClr>
                 <a:srgbClr val="000000"/>
@@ -5388,17 +7442,11 @@
             </a:pPr>
             <a:r>
               <a:rPr b="0" lang="en-US" sz="1800" spc="-1" strike="noStrike">
-                <a:solidFill>
-                  <a:srgbClr val="808080"/>
-                </a:solidFill>
                 <a:latin typeface="Arial"/>
               </a:rPr>
               <a:t>Click to edit the outline text format</a:t>
             </a:r>
             <a:endParaRPr b="0" lang="en-US" sz="1800" spc="-1" strike="noStrike">
-              <a:solidFill>
-                <a:srgbClr val="808080"/>
-              </a:solidFill>
               <a:latin typeface="Arial"/>
             </a:endParaRPr>
           </a:p>
@@ -5416,17 +7464,11 @@
             </a:pPr>
             <a:r>
               <a:rPr b="0" lang="en-US" sz="1800" spc="-1" strike="noStrike">
-                <a:solidFill>
-                  <a:srgbClr val="808080"/>
-                </a:solidFill>
                 <a:latin typeface="Arial"/>
               </a:rPr>
               <a:t>Second Outline Level</a:t>
             </a:r>
             <a:endParaRPr b="0" lang="en-US" sz="1800" spc="-1" strike="noStrike">
-              <a:solidFill>
-                <a:srgbClr val="808080"/>
-              </a:solidFill>
               <a:latin typeface="Arial"/>
             </a:endParaRPr>
           </a:p>
@@ -5444,17 +7486,11 @@
             </a:pPr>
             <a:r>
               <a:rPr b="0" lang="en-US" sz="1800" spc="-1" strike="noStrike">
-                <a:solidFill>
-                  <a:srgbClr val="808080"/>
-                </a:solidFill>
                 <a:latin typeface="Arial"/>
               </a:rPr>
               <a:t>Third Outline Level</a:t>
             </a:r>
             <a:endParaRPr b="0" lang="en-US" sz="1800" spc="-1" strike="noStrike">
-              <a:solidFill>
-                <a:srgbClr val="808080"/>
-              </a:solidFill>
               <a:latin typeface="Arial"/>
             </a:endParaRPr>
           </a:p>
@@ -5472,17 +7508,11 @@
             </a:pPr>
             <a:r>
               <a:rPr b="0" lang="en-US" sz="1800" spc="-1" strike="noStrike">
-                <a:solidFill>
-                  <a:srgbClr val="808080"/>
-                </a:solidFill>
                 <a:latin typeface="Arial"/>
               </a:rPr>
               <a:t>Fourth Outline Level</a:t>
             </a:r>
             <a:endParaRPr b="0" lang="en-US" sz="1800" spc="-1" strike="noStrike">
-              <a:solidFill>
-                <a:srgbClr val="808080"/>
-              </a:solidFill>
               <a:latin typeface="Arial"/>
             </a:endParaRPr>
           </a:p>
@@ -5500,17 +7530,11 @@
             </a:pPr>
             <a:r>
               <a:rPr b="0" lang="en-US" sz="1800" spc="-1" strike="noStrike">
-                <a:solidFill>
-                  <a:srgbClr val="808080"/>
-                </a:solidFill>
                 <a:latin typeface="Arial"/>
               </a:rPr>
               <a:t>Fifth Outline Level</a:t>
             </a:r>
             <a:endParaRPr b="0" lang="en-US" sz="1800" spc="-1" strike="noStrike">
-              <a:solidFill>
-                <a:srgbClr val="808080"/>
-              </a:solidFill>
               <a:latin typeface="Arial"/>
             </a:endParaRPr>
           </a:p>
@@ -5528,17 +7552,11 @@
             </a:pPr>
             <a:r>
               <a:rPr b="0" lang="en-US" sz="1800" spc="-1" strike="noStrike">
-                <a:solidFill>
-                  <a:srgbClr val="808080"/>
-                </a:solidFill>
                 <a:latin typeface="Arial"/>
               </a:rPr>
               <a:t>Sixth Outline Level</a:t>
             </a:r>
             <a:endParaRPr b="0" lang="en-US" sz="1800" spc="-1" strike="noStrike">
-              <a:solidFill>
-                <a:srgbClr val="808080"/>
-              </a:solidFill>
               <a:latin typeface="Arial"/>
             </a:endParaRPr>
           </a:p>
@@ -5556,17 +7574,11 @@
             </a:pPr>
             <a:r>
               <a:rPr b="0" lang="en-US" sz="1800" spc="-1" strike="noStrike">
-                <a:solidFill>
-                  <a:srgbClr val="808080"/>
-                </a:solidFill>
                 <a:latin typeface="Arial"/>
               </a:rPr>
               <a:t>Seventh Outline Level</a:t>
             </a:r>
             <a:endParaRPr b="0" lang="en-US" sz="1800" spc="-1" strike="noStrike">
-              <a:solidFill>
-                <a:srgbClr val="808080"/>
-              </a:solidFill>
               <a:latin typeface="Arial"/>
             </a:endParaRPr>
           </a:p>
@@ -5588,6 +7600,735 @@
     <p:sldLayoutId id="2147483684" r:id="rId11"/>
     <p:sldLayoutId id="2147483685" r:id="rId12"/>
     <p:sldLayoutId id="2147483686" r:id="rId13"/>
+  </p:sldLayoutIdLst>
+</p:sldMaster>
+</file>
+
+<file path=ppt/slideMasters/slideMaster4.xml><?xml version="1.0" encoding="utf-8"?>
+<p:sldMaster xmlns:a="http://schemas.openxmlformats.org/drawingml/2006/main" xmlns:p="http://schemas.openxmlformats.org/presentationml/2006/main" xmlns:r="http://schemas.openxmlformats.org/officeDocument/2006/relationships" xmlns:p14="http://schemas.microsoft.com/office/powerpoint/2010/main" xmlns:p15="http://schemas.microsoft.com/office/powerpoint/2012/main" xmlns:mc="http://schemas.openxmlformats.org/markup-compatibility/2006">
+  <p:cSld>
+    <p:spTree>
+      <p:nvGrpSpPr>
+        <p:cNvPr id="1" name=""/>
+        <p:cNvGrpSpPr/>
+        <p:nvPr/>
+      </p:nvGrpSpPr>
+      <p:grpSpPr>
+        <a:xfrm>
+          <a:off x="0" y="0"/>
+          <a:ext cx="0" cy="0"/>
+          <a:chOff x="0" y="0"/>
+          <a:chExt cx="0" cy="0"/>
+        </a:xfrm>
+      </p:grpSpPr>
+      <p:sp>
+        <p:nvSpPr>
+          <p:cNvPr id="119" name="CustomShape 1"/>
+          <p:cNvSpPr/>
+          <p:nvPr/>
+        </p:nvSpPr>
+        <p:spPr>
+          <a:xfrm>
+            <a:off x="0" y="0"/>
+            <a:ext cx="10075680" cy="940680"/>
+          </a:xfrm>
+          <a:prstGeom prst="rect">
+            <a:avLst/>
+          </a:prstGeom>
+          <a:gradFill rotWithShape="0">
+            <a:gsLst>
+              <a:gs pos="0">
+                <a:srgbClr val="dff2fc"/>
+              </a:gs>
+              <a:gs pos="100000">
+                <a:srgbClr val="009bdd"/>
+              </a:gs>
+            </a:gsLst>
+            <a:lin ang="10800000"/>
+          </a:gradFill>
+          <a:ln>
+            <a:noFill/>
+          </a:ln>
+        </p:spPr>
+        <p:style>
+          <a:lnRef idx="0"/>
+          <a:fillRef idx="0"/>
+          <a:effectRef idx="0"/>
+          <a:fontRef idx="minor"/>
+        </p:style>
+      </p:sp>
+      <p:sp>
+        <p:nvSpPr>
+          <p:cNvPr id="120" name="CustomShape 2"/>
+          <p:cNvSpPr/>
+          <p:nvPr/>
+        </p:nvSpPr>
+        <p:spPr>
+          <a:xfrm>
+            <a:off x="0" y="6620400"/>
+            <a:ext cx="10075680" cy="940680"/>
+          </a:xfrm>
+          <a:prstGeom prst="rect">
+            <a:avLst/>
+          </a:prstGeom>
+          <a:gradFill rotWithShape="0">
+            <a:gsLst>
+              <a:gs pos="0">
+                <a:srgbClr val="dff2fc"/>
+              </a:gs>
+              <a:gs pos="100000">
+                <a:srgbClr val="009bdd"/>
+              </a:gs>
+            </a:gsLst>
+            <a:lin ang="10800000"/>
+          </a:gradFill>
+          <a:ln>
+            <a:noFill/>
+          </a:ln>
+        </p:spPr>
+        <p:style>
+          <a:lnRef idx="0"/>
+          <a:fillRef idx="0"/>
+          <a:effectRef idx="0"/>
+          <a:fontRef idx="minor"/>
+        </p:style>
+      </p:sp>
+      <p:sp>
+        <p:nvSpPr>
+          <p:cNvPr id="121" name="PlaceHolder 3"/>
+          <p:cNvSpPr>
+            <a:spLocks noGrp="1"/>
+          </p:cNvSpPr>
+          <p:nvPr>
+            <p:ph type="title"/>
+          </p:nvPr>
+        </p:nvSpPr>
+        <p:spPr>
+          <a:xfrm>
+            <a:off x="504000" y="301320"/>
+            <a:ext cx="9072000" cy="1261800"/>
+          </a:xfrm>
+          <a:prstGeom prst="rect">
+            <a:avLst/>
+          </a:prstGeom>
+        </p:spPr>
+        <p:txBody>
+          <a:bodyPr lIns="0" rIns="0" tIns="0" bIns="0" anchor="ctr"/>
+          <a:p>
+            <a:pPr algn="ctr"/>
+            <a:r>
+              <a:rPr b="0" lang="en-US" sz="4400" spc="-1" strike="noStrike">
+                <a:latin typeface="Arial"/>
+              </a:rPr>
+              <a:t>Cli</a:t>
+            </a:r>
+            <a:r>
+              <a:rPr b="0" lang="en-US" sz="4400" spc="-1" strike="noStrike">
+                <a:latin typeface="Arial"/>
+              </a:rPr>
+              <a:t>ck </a:t>
+            </a:r>
+            <a:r>
+              <a:rPr b="0" lang="en-US" sz="4400" spc="-1" strike="noStrike">
+                <a:latin typeface="Arial"/>
+              </a:rPr>
+              <a:t>to </a:t>
+            </a:r>
+            <a:r>
+              <a:rPr b="0" lang="en-US" sz="4400" spc="-1" strike="noStrike">
+                <a:latin typeface="Arial"/>
+              </a:rPr>
+              <a:t>edi</a:t>
+            </a:r>
+            <a:r>
+              <a:rPr b="0" lang="en-US" sz="4400" spc="-1" strike="noStrike">
+                <a:latin typeface="Arial"/>
+              </a:rPr>
+              <a:t>t </a:t>
+            </a:r>
+            <a:r>
+              <a:rPr b="0" lang="en-US" sz="4400" spc="-1" strike="noStrike">
+                <a:latin typeface="Arial"/>
+              </a:rPr>
+              <a:t>the </a:t>
+            </a:r>
+            <a:r>
+              <a:rPr b="0" lang="en-US" sz="4400" spc="-1" strike="noStrike">
+                <a:latin typeface="Arial"/>
+              </a:rPr>
+              <a:t>title </a:t>
+            </a:r>
+            <a:r>
+              <a:rPr b="0" lang="en-US" sz="4400" spc="-1" strike="noStrike">
+                <a:latin typeface="Arial"/>
+              </a:rPr>
+              <a:t>tex</a:t>
+            </a:r>
+            <a:r>
+              <a:rPr b="0" lang="en-US" sz="4400" spc="-1" strike="noStrike">
+                <a:latin typeface="Arial"/>
+              </a:rPr>
+              <a:t>t </a:t>
+            </a:r>
+            <a:r>
+              <a:rPr b="0" lang="en-US" sz="4400" spc="-1" strike="noStrike">
+                <a:latin typeface="Arial"/>
+              </a:rPr>
+              <a:t>for</a:t>
+            </a:r>
+            <a:r>
+              <a:rPr b="0" lang="en-US" sz="4400" spc="-1" strike="noStrike">
+                <a:latin typeface="Arial"/>
+              </a:rPr>
+              <a:t>ma</a:t>
+            </a:r>
+            <a:r>
+              <a:rPr b="0" lang="en-US" sz="4400" spc="-1" strike="noStrike">
+                <a:latin typeface="Arial"/>
+              </a:rPr>
+              <a:t>t</a:t>
+            </a:r>
+            <a:endParaRPr b="0" lang="en-US" sz="4400" spc="-1" strike="noStrike">
+              <a:latin typeface="Arial"/>
+            </a:endParaRPr>
+          </a:p>
+        </p:txBody>
+      </p:sp>
+      <p:sp>
+        <p:nvSpPr>
+          <p:cNvPr id="122" name="PlaceHolder 4"/>
+          <p:cNvSpPr>
+            <a:spLocks noGrp="1"/>
+          </p:cNvSpPr>
+          <p:nvPr>
+            <p:ph type="body"/>
+          </p:nvPr>
+        </p:nvSpPr>
+        <p:spPr>
+          <a:xfrm>
+            <a:off x="504000" y="1768680"/>
+            <a:ext cx="9072000" cy="4384080"/>
+          </a:xfrm>
+          <a:prstGeom prst="rect">
+            <a:avLst/>
+          </a:prstGeom>
+        </p:spPr>
+        <p:txBody>
+          <a:bodyPr lIns="0" rIns="0" tIns="0" bIns="0">
+            <a:normAutofit/>
+          </a:bodyPr>
+          <a:p>
+            <a:pPr marL="432000" indent="-324000">
+              <a:spcBef>
+                <a:spcPts val="1417"/>
+              </a:spcBef>
+              <a:buClr>
+                <a:srgbClr val="000000"/>
+              </a:buClr>
+              <a:buSzPct val="45000"/>
+              <a:buFont typeface="Wingdings" charset="2"/>
+              <a:buChar char=""/>
+            </a:pPr>
+            <a:r>
+              <a:rPr b="0" lang="en-US" sz="3200" spc="-1" strike="noStrike">
+                <a:latin typeface="Arial"/>
+              </a:rPr>
+              <a:t>Click to edit the outline text format</a:t>
+            </a:r>
+            <a:endParaRPr b="0" lang="en-US" sz="3200" spc="-1" strike="noStrike">
+              <a:latin typeface="Arial"/>
+            </a:endParaRPr>
+          </a:p>
+          <a:p>
+            <a:pPr lvl="1" marL="864000" indent="-324000">
+              <a:spcBef>
+                <a:spcPts val="1134"/>
+              </a:spcBef>
+              <a:buClr>
+                <a:srgbClr val="000000"/>
+              </a:buClr>
+              <a:buSzPct val="75000"/>
+              <a:buFont typeface="Symbol" charset="2"/>
+              <a:buChar char=""/>
+            </a:pPr>
+            <a:r>
+              <a:rPr b="0" lang="en-US" sz="2800" spc="-1" strike="noStrike">
+                <a:latin typeface="Arial"/>
+              </a:rPr>
+              <a:t>Second Outline Level</a:t>
+            </a:r>
+            <a:endParaRPr b="0" lang="en-US" sz="2800" spc="-1" strike="noStrike">
+              <a:latin typeface="Arial"/>
+            </a:endParaRPr>
+          </a:p>
+          <a:p>
+            <a:pPr lvl="2" marL="1296000" indent="-288000">
+              <a:spcBef>
+                <a:spcPts val="850"/>
+              </a:spcBef>
+              <a:buClr>
+                <a:srgbClr val="000000"/>
+              </a:buClr>
+              <a:buSzPct val="45000"/>
+              <a:buFont typeface="Wingdings" charset="2"/>
+              <a:buChar char=""/>
+            </a:pPr>
+            <a:r>
+              <a:rPr b="0" lang="en-US" sz="2400" spc="-1" strike="noStrike">
+                <a:latin typeface="Arial"/>
+              </a:rPr>
+              <a:t>Third Outline Level</a:t>
+            </a:r>
+            <a:endParaRPr b="0" lang="en-US" sz="2400" spc="-1" strike="noStrike">
+              <a:latin typeface="Arial"/>
+            </a:endParaRPr>
+          </a:p>
+          <a:p>
+            <a:pPr lvl="3" marL="1728000" indent="-216000">
+              <a:spcBef>
+                <a:spcPts val="567"/>
+              </a:spcBef>
+              <a:buClr>
+                <a:srgbClr val="000000"/>
+              </a:buClr>
+              <a:buSzPct val="75000"/>
+              <a:buFont typeface="Symbol" charset="2"/>
+              <a:buChar char=""/>
+            </a:pPr>
+            <a:r>
+              <a:rPr b="0" lang="en-US" sz="2000" spc="-1" strike="noStrike">
+                <a:latin typeface="Arial"/>
+              </a:rPr>
+              <a:t>Fourth Outline Level</a:t>
+            </a:r>
+            <a:endParaRPr b="0" lang="en-US" sz="2000" spc="-1" strike="noStrike">
+              <a:latin typeface="Arial"/>
+            </a:endParaRPr>
+          </a:p>
+          <a:p>
+            <a:pPr lvl="4" marL="2160000" indent="-216000">
+              <a:spcBef>
+                <a:spcPts val="283"/>
+              </a:spcBef>
+              <a:buClr>
+                <a:srgbClr val="000000"/>
+              </a:buClr>
+              <a:buSzPct val="45000"/>
+              <a:buFont typeface="Wingdings" charset="2"/>
+              <a:buChar char=""/>
+            </a:pPr>
+            <a:r>
+              <a:rPr b="0" lang="en-US" sz="2000" spc="-1" strike="noStrike">
+                <a:latin typeface="Arial"/>
+              </a:rPr>
+              <a:t>Fifth Outline Level</a:t>
+            </a:r>
+            <a:endParaRPr b="0" lang="en-US" sz="2000" spc="-1" strike="noStrike">
+              <a:latin typeface="Arial"/>
+            </a:endParaRPr>
+          </a:p>
+          <a:p>
+            <a:pPr lvl="5" marL="2592000" indent="-216000">
+              <a:spcBef>
+                <a:spcPts val="283"/>
+              </a:spcBef>
+              <a:buClr>
+                <a:srgbClr val="000000"/>
+              </a:buClr>
+              <a:buSzPct val="45000"/>
+              <a:buFont typeface="Wingdings" charset="2"/>
+              <a:buChar char=""/>
+            </a:pPr>
+            <a:r>
+              <a:rPr b="0" lang="en-US" sz="2000" spc="-1" strike="noStrike">
+                <a:latin typeface="Arial"/>
+              </a:rPr>
+              <a:t>Sixth Outline Level</a:t>
+            </a:r>
+            <a:endParaRPr b="0" lang="en-US" sz="2000" spc="-1" strike="noStrike">
+              <a:latin typeface="Arial"/>
+            </a:endParaRPr>
+          </a:p>
+          <a:p>
+            <a:pPr lvl="6" marL="3024000" indent="-216000">
+              <a:spcBef>
+                <a:spcPts val="283"/>
+              </a:spcBef>
+              <a:buClr>
+                <a:srgbClr val="000000"/>
+              </a:buClr>
+              <a:buSzPct val="45000"/>
+              <a:buFont typeface="Wingdings" charset="2"/>
+              <a:buChar char=""/>
+            </a:pPr>
+            <a:r>
+              <a:rPr b="0" lang="en-US" sz="2000" spc="-1" strike="noStrike">
+                <a:latin typeface="Arial"/>
+              </a:rPr>
+              <a:t>Seventh Outline Level</a:t>
+            </a:r>
+            <a:endParaRPr b="0" lang="en-US" sz="2000" spc="-1" strike="noStrike">
+              <a:latin typeface="Arial"/>
+            </a:endParaRPr>
+          </a:p>
+        </p:txBody>
+      </p:sp>
+    </p:spTree>
+  </p:cSld>
+  <p:clrMap bg1="lt1" bg2="lt2" tx1="dk1" tx2="dk2" accent1="accent1" accent2="accent2" accent3="accent3" accent4="accent4" accent5="accent5" accent6="accent6" hlink="hlink" folHlink="folHlink"/>
+  <p:sldLayoutIdLst>
+    <p:sldLayoutId id="2147483688" r:id="rId2"/>
+    <p:sldLayoutId id="2147483689" r:id="rId3"/>
+    <p:sldLayoutId id="2147483690" r:id="rId4"/>
+    <p:sldLayoutId id="2147483691" r:id="rId5"/>
+    <p:sldLayoutId id="2147483692" r:id="rId6"/>
+    <p:sldLayoutId id="2147483693" r:id="rId7"/>
+    <p:sldLayoutId id="2147483694" r:id="rId8"/>
+    <p:sldLayoutId id="2147483695" r:id="rId9"/>
+    <p:sldLayoutId id="2147483696" r:id="rId10"/>
+    <p:sldLayoutId id="2147483697" r:id="rId11"/>
+    <p:sldLayoutId id="2147483698" r:id="rId12"/>
+    <p:sldLayoutId id="2147483699" r:id="rId13"/>
+  </p:sldLayoutIdLst>
+</p:sldMaster>
+</file>
+
+<file path=ppt/slideMasters/slideMaster5.xml><?xml version="1.0" encoding="utf-8"?>
+<p:sldMaster xmlns:a="http://schemas.openxmlformats.org/drawingml/2006/main" xmlns:p="http://schemas.openxmlformats.org/presentationml/2006/main" xmlns:r="http://schemas.openxmlformats.org/officeDocument/2006/relationships" xmlns:p14="http://schemas.microsoft.com/office/powerpoint/2010/main" xmlns:p15="http://schemas.microsoft.com/office/powerpoint/2012/main" xmlns:mc="http://schemas.openxmlformats.org/markup-compatibility/2006">
+  <p:cSld>
+    <p:spTree>
+      <p:nvGrpSpPr>
+        <p:cNvPr id="1" name=""/>
+        <p:cNvGrpSpPr/>
+        <p:nvPr/>
+      </p:nvGrpSpPr>
+      <p:grpSpPr>
+        <a:xfrm>
+          <a:off x="0" y="0"/>
+          <a:ext cx="0" cy="0"/>
+          <a:chOff x="0" y="0"/>
+          <a:chExt cx="0" cy="0"/>
+        </a:xfrm>
+      </p:grpSpPr>
+      <p:sp>
+        <p:nvSpPr>
+          <p:cNvPr id="159" name="CustomShape 1"/>
+          <p:cNvSpPr/>
+          <p:nvPr/>
+        </p:nvSpPr>
+        <p:spPr>
+          <a:xfrm>
+            <a:off x="0" y="0"/>
+            <a:ext cx="10075680" cy="940680"/>
+          </a:xfrm>
+          <a:prstGeom prst="rect">
+            <a:avLst/>
+          </a:prstGeom>
+          <a:gradFill rotWithShape="0">
+            <a:gsLst>
+              <a:gs pos="0">
+                <a:srgbClr val="dff2fc"/>
+              </a:gs>
+              <a:gs pos="100000">
+                <a:srgbClr val="009bdd"/>
+              </a:gs>
+            </a:gsLst>
+            <a:lin ang="10800000"/>
+          </a:gradFill>
+          <a:ln>
+            <a:noFill/>
+          </a:ln>
+        </p:spPr>
+        <p:style>
+          <a:lnRef idx="0"/>
+          <a:fillRef idx="0"/>
+          <a:effectRef idx="0"/>
+          <a:fontRef idx="minor"/>
+        </p:style>
+      </p:sp>
+      <p:sp>
+        <p:nvSpPr>
+          <p:cNvPr id="160" name="CustomShape 2"/>
+          <p:cNvSpPr/>
+          <p:nvPr/>
+        </p:nvSpPr>
+        <p:spPr>
+          <a:xfrm>
+            <a:off x="0" y="6620400"/>
+            <a:ext cx="10075680" cy="940680"/>
+          </a:xfrm>
+          <a:prstGeom prst="rect">
+            <a:avLst/>
+          </a:prstGeom>
+          <a:gradFill rotWithShape="0">
+            <a:gsLst>
+              <a:gs pos="0">
+                <a:srgbClr val="dff2fc"/>
+              </a:gs>
+              <a:gs pos="100000">
+                <a:srgbClr val="009bdd"/>
+              </a:gs>
+            </a:gsLst>
+            <a:lin ang="10800000"/>
+          </a:gradFill>
+          <a:ln>
+            <a:noFill/>
+          </a:ln>
+        </p:spPr>
+        <p:style>
+          <a:lnRef idx="0"/>
+          <a:fillRef idx="0"/>
+          <a:effectRef idx="0"/>
+          <a:fontRef idx="minor"/>
+        </p:style>
+      </p:sp>
+      <p:sp>
+        <p:nvSpPr>
+          <p:cNvPr id="161" name="PlaceHolder 3"/>
+          <p:cNvSpPr>
+            <a:spLocks noGrp="1"/>
+          </p:cNvSpPr>
+          <p:nvPr>
+            <p:ph type="title"/>
+          </p:nvPr>
+        </p:nvSpPr>
+        <p:spPr>
+          <a:xfrm>
+            <a:off x="504000" y="301320"/>
+            <a:ext cx="9070560" cy="636480"/>
+          </a:xfrm>
+          <a:prstGeom prst="rect">
+            <a:avLst/>
+          </a:prstGeom>
+        </p:spPr>
+        <p:txBody>
+          <a:bodyPr lIns="0" rIns="0" tIns="0" bIns="0" anchor="ctr"/>
+          <a:p>
+            <a:r>
+              <a:rPr b="0" lang="en-US" sz="1800" spc="-1" strike="noStrike">
+                <a:latin typeface="Arial"/>
+              </a:rPr>
+              <a:t>Click to </a:t>
+            </a:r>
+            <a:r>
+              <a:rPr b="0" lang="en-US" sz="1800" spc="-1" strike="noStrike">
+                <a:latin typeface="Arial"/>
+              </a:rPr>
+              <a:t>edit the </a:t>
+            </a:r>
+            <a:r>
+              <a:rPr b="0" lang="en-US" sz="1800" spc="-1" strike="noStrike">
+                <a:latin typeface="Arial"/>
+              </a:rPr>
+              <a:t>title text </a:t>
+            </a:r>
+            <a:r>
+              <a:rPr b="0" lang="en-US" sz="1800" spc="-1" strike="noStrike">
+                <a:latin typeface="Arial"/>
+              </a:rPr>
+              <a:t>format</a:t>
+            </a:r>
+            <a:endParaRPr b="0" lang="en-US" sz="1800" spc="-1" strike="noStrike">
+              <a:latin typeface="Arial"/>
+            </a:endParaRPr>
+          </a:p>
+        </p:txBody>
+      </p:sp>
+      <p:sp>
+        <p:nvSpPr>
+          <p:cNvPr id="162" name="PlaceHolder 4"/>
+          <p:cNvSpPr>
+            <a:spLocks noGrp="1"/>
+          </p:cNvSpPr>
+          <p:nvPr>
+            <p:ph type="body"/>
+          </p:nvPr>
+        </p:nvSpPr>
+        <p:spPr>
+          <a:xfrm>
+            <a:off x="504000" y="1769040"/>
+            <a:ext cx="9070560" cy="4383360"/>
+          </a:xfrm>
+          <a:prstGeom prst="rect">
+            <a:avLst/>
+          </a:prstGeom>
+        </p:spPr>
+        <p:txBody>
+          <a:bodyPr lIns="0" rIns="0" tIns="0" bIns="0">
+            <a:normAutofit/>
+          </a:bodyPr>
+          <a:p>
+            <a:pPr marL="432000" indent="-324000">
+              <a:spcBef>
+                <a:spcPts val="1417"/>
+              </a:spcBef>
+              <a:buClr>
+                <a:srgbClr val="000000"/>
+              </a:buClr>
+              <a:buSzPct val="45000"/>
+              <a:buFont typeface="Wingdings" charset="2"/>
+              <a:buChar char=""/>
+            </a:pPr>
+            <a:r>
+              <a:rPr b="0" lang="en-US" sz="1800" spc="-1" strike="noStrike">
+                <a:latin typeface="Arial"/>
+              </a:rPr>
+              <a:t>Click to edit the outline text format</a:t>
+            </a:r>
+            <a:endParaRPr b="0" lang="en-US" sz="1800" spc="-1" strike="noStrike">
+              <a:latin typeface="Arial"/>
+            </a:endParaRPr>
+          </a:p>
+          <a:p>
+            <a:pPr lvl="1" marL="864000" indent="-324000">
+              <a:spcBef>
+                <a:spcPts val="1134"/>
+              </a:spcBef>
+              <a:buClr>
+                <a:srgbClr val="000000"/>
+              </a:buClr>
+              <a:buSzPct val="75000"/>
+              <a:buFont typeface="Symbol" charset="2"/>
+              <a:buChar char=""/>
+            </a:pPr>
+            <a:r>
+              <a:rPr b="0" lang="en-US" sz="1800" spc="-1" strike="noStrike">
+                <a:latin typeface="Arial"/>
+              </a:rPr>
+              <a:t>Second Outline Level</a:t>
+            </a:r>
+            <a:endParaRPr b="0" lang="en-US" sz="1800" spc="-1" strike="noStrike">
+              <a:latin typeface="Arial"/>
+            </a:endParaRPr>
+          </a:p>
+          <a:p>
+            <a:pPr lvl="2" marL="1296000" indent="-288000">
+              <a:spcBef>
+                <a:spcPts val="850"/>
+              </a:spcBef>
+              <a:buClr>
+                <a:srgbClr val="000000"/>
+              </a:buClr>
+              <a:buSzPct val="45000"/>
+              <a:buFont typeface="Wingdings" charset="2"/>
+              <a:buChar char=""/>
+            </a:pPr>
+            <a:r>
+              <a:rPr b="0" lang="en-US" sz="1800" spc="-1" strike="noStrike">
+                <a:latin typeface="Arial"/>
+              </a:rPr>
+              <a:t>Third Outline Level</a:t>
+            </a:r>
+            <a:endParaRPr b="0" lang="en-US" sz="1800" spc="-1" strike="noStrike">
+              <a:latin typeface="Arial"/>
+            </a:endParaRPr>
+          </a:p>
+          <a:p>
+            <a:pPr lvl="3" marL="1728000" indent="-216000">
+              <a:spcBef>
+                <a:spcPts val="567"/>
+              </a:spcBef>
+              <a:buClr>
+                <a:srgbClr val="000000"/>
+              </a:buClr>
+              <a:buSzPct val="75000"/>
+              <a:buFont typeface="Symbol" charset="2"/>
+              <a:buChar char=""/>
+            </a:pPr>
+            <a:r>
+              <a:rPr b="0" lang="en-US" sz="1800" spc="-1" strike="noStrike">
+                <a:latin typeface="Arial"/>
+              </a:rPr>
+              <a:t>Fourth Outline Level</a:t>
+            </a:r>
+            <a:endParaRPr b="0" lang="en-US" sz="1800" spc="-1" strike="noStrike">
+              <a:latin typeface="Arial"/>
+            </a:endParaRPr>
+          </a:p>
+          <a:p>
+            <a:pPr lvl="4" marL="2160000" indent="-216000">
+              <a:spcBef>
+                <a:spcPts val="283"/>
+              </a:spcBef>
+              <a:buClr>
+                <a:srgbClr val="000000"/>
+              </a:buClr>
+              <a:buSzPct val="45000"/>
+              <a:buFont typeface="Wingdings" charset="2"/>
+              <a:buChar char=""/>
+            </a:pPr>
+            <a:r>
+              <a:rPr b="0" lang="en-US" sz="1800" spc="-1" strike="noStrike">
+                <a:latin typeface="Arial"/>
+              </a:rPr>
+              <a:t>Fifth Outline Level</a:t>
+            </a:r>
+            <a:endParaRPr b="0" lang="en-US" sz="1800" spc="-1" strike="noStrike">
+              <a:latin typeface="Arial"/>
+            </a:endParaRPr>
+          </a:p>
+          <a:p>
+            <a:pPr lvl="5" marL="2592000" indent="-216000">
+              <a:spcBef>
+                <a:spcPts val="283"/>
+              </a:spcBef>
+              <a:buClr>
+                <a:srgbClr val="000000"/>
+              </a:buClr>
+              <a:buSzPct val="45000"/>
+              <a:buFont typeface="Wingdings" charset="2"/>
+              <a:buChar char=""/>
+            </a:pPr>
+            <a:r>
+              <a:rPr b="0" lang="en-US" sz="1800" spc="-1" strike="noStrike">
+                <a:latin typeface="Arial"/>
+              </a:rPr>
+              <a:t>Sixth Outline Level</a:t>
+            </a:r>
+            <a:endParaRPr b="0" lang="en-US" sz="1800" spc="-1" strike="noStrike">
+              <a:latin typeface="Arial"/>
+            </a:endParaRPr>
+          </a:p>
+          <a:p>
+            <a:pPr lvl="6" marL="3024000" indent="-216000">
+              <a:spcBef>
+                <a:spcPts val="283"/>
+              </a:spcBef>
+              <a:buClr>
+                <a:srgbClr val="000000"/>
+              </a:buClr>
+              <a:buSzPct val="45000"/>
+              <a:buFont typeface="Wingdings" charset="2"/>
+              <a:buChar char=""/>
+            </a:pPr>
+            <a:r>
+              <a:rPr b="0" lang="en-US" sz="1800" spc="-1" strike="noStrike">
+                <a:latin typeface="Arial"/>
+              </a:rPr>
+              <a:t>Seventh Outline Level</a:t>
+            </a:r>
+            <a:endParaRPr b="0" lang="en-US" sz="1800" spc="-1" strike="noStrike">
+              <a:latin typeface="Arial"/>
+            </a:endParaRPr>
+          </a:p>
+        </p:txBody>
+      </p:sp>
+    </p:spTree>
+  </p:cSld>
+  <p:clrMap bg1="lt1" bg2="lt2" tx1="dk1" tx2="dk2" accent1="accent1" accent2="accent2" accent3="accent3" accent4="accent4" accent5="accent5" accent6="accent6" hlink="hlink" folHlink="folHlink"/>
+  <p:sldLayoutIdLst>
+    <p:sldLayoutId id="2147483701" r:id="rId2"/>
+    <p:sldLayoutId id="2147483702" r:id="rId3"/>
+    <p:sldLayoutId id="2147483703" r:id="rId4"/>
+    <p:sldLayoutId id="2147483704" r:id="rId5"/>
+    <p:sldLayoutId id="2147483705" r:id="rId6"/>
+    <p:sldLayoutId id="2147483706" r:id="rId7"/>
+    <p:sldLayoutId id="2147483707" r:id="rId8"/>
+    <p:sldLayoutId id="2147483708" r:id="rId9"/>
+    <p:sldLayoutId id="2147483709" r:id="rId10"/>
+    <p:sldLayoutId id="2147483710" r:id="rId11"/>
+    <p:sldLayoutId id="2147483711" r:id="rId12"/>
+    <p:sldLayoutId id="2147483712" r:id="rId13"/>
   </p:sldLayoutIdLst>
 </p:sldMaster>
 </file>
@@ -5611,14 +8352,14 @@
       </p:grpSpPr>
       <p:sp>
         <p:nvSpPr>
-          <p:cNvPr id="119" name="CustomShape 1"/>
+          <p:cNvPr id="199" name="CustomShape 1"/>
           <p:cNvSpPr/>
           <p:nvPr/>
         </p:nvSpPr>
         <p:spPr>
           <a:xfrm>
             <a:off x="0" y="1137600"/>
-            <a:ext cx="9070920" cy="3668760"/>
+            <a:ext cx="9070560" cy="3668400"/>
           </a:xfrm>
           <a:prstGeom prst="rect">
             <a:avLst/>
@@ -5875,14 +8616,14 @@
       </p:grpSpPr>
       <p:sp>
         <p:nvSpPr>
-          <p:cNvPr id="138" name="TextShape 1"/>
-          <p:cNvSpPr txBox="1"/>
+          <p:cNvPr id="218" name="CustomShape 1"/>
+          <p:cNvSpPr/>
           <p:nvPr/>
         </p:nvSpPr>
         <p:spPr>
           <a:xfrm>
             <a:off x="504000" y="301320"/>
-            <a:ext cx="9070920" cy="636840"/>
+            <a:ext cx="9070560" cy="636480"/>
           </a:xfrm>
           <a:prstGeom prst="rect">
             <a:avLst/>
@@ -5892,10 +8633,20 @@
             <a:noFill/>
           </a:ln>
         </p:spPr>
+        <p:style>
+          <a:lnRef idx="0"/>
+          <a:fillRef idx="0"/>
+          <a:effectRef idx="0"/>
+          <a:fontRef idx="minor"/>
+        </p:style>
         <p:txBody>
           <a:bodyPr lIns="0" rIns="0" tIns="0" bIns="0" anchor="ctr"/>
           <a:p>
-            <a:pPr algn="ctr"/>
+            <a:pPr algn="ctr">
+              <a:lnSpc>
+                <a:spcPct val="100000"/>
+              </a:lnSpc>
+            </a:pPr>
             <a:r>
               <a:rPr b="0" lang="en-US" sz="4400" spc="-1" strike="noStrike">
                 <a:solidFill>
@@ -5906,24 +8657,21 @@
               <a:t>Sharing</a:t>
             </a:r>
             <a:endParaRPr b="0" lang="en-US" sz="4400" spc="-1" strike="noStrike">
-              <a:solidFill>
-                <a:srgbClr val="666666"/>
-              </a:solidFill>
-              <a:latin typeface="Arial"/>
-            </a:endParaRPr>
-          </a:p>
-        </p:txBody>
-      </p:sp>
-      <p:sp>
-        <p:nvSpPr>
-          <p:cNvPr id="139" name="TextShape 2"/>
-          <p:cNvSpPr txBox="1"/>
+              <a:latin typeface="Arial"/>
+            </a:endParaRPr>
+          </a:p>
+        </p:txBody>
+      </p:sp>
+      <p:sp>
+        <p:nvSpPr>
+          <p:cNvPr id="219" name="CustomShape 2"/>
+          <p:cNvSpPr/>
           <p:nvPr/>
         </p:nvSpPr>
         <p:spPr>
           <a:xfrm>
             <a:off x="504000" y="1769040"/>
-            <a:ext cx="9070920" cy="4383720"/>
+            <a:ext cx="9070560" cy="4383360"/>
           </a:xfrm>
           <a:prstGeom prst="rect">
             <a:avLst/>
@@ -5933,12 +8681,21 @@
             <a:noFill/>
           </a:ln>
         </p:spPr>
+        <p:style>
+          <a:lnRef idx="0"/>
+          <a:fillRef idx="0"/>
+          <a:effectRef idx="0"/>
+          <a:fontRef idx="minor"/>
+        </p:style>
         <p:txBody>
           <a:bodyPr lIns="0" rIns="0" tIns="0" bIns="0">
             <a:normAutofit/>
           </a:bodyPr>
           <a:p>
-            <a:pPr marL="432000" indent="-324000">
+            <a:pPr marL="432000" indent="-323640">
+              <a:lnSpc>
+                <a:spcPct val="100000"/>
+              </a:lnSpc>
               <a:spcBef>
                 <a:spcPts val="1057"/>
               </a:spcBef>
@@ -5959,9 +8716,6 @@
               <a:t>Source-(https://github.com/YaminThwe/University_Student_Registration_System_Admin?fbclid=IwAR2H88aSiVSS1ukD7iAlHUfioNBeATFJlj0L8xUXF7rm4CKg0urtxWeHeyM)</a:t>
             </a:r>
             <a:endParaRPr b="0" lang="en-US" sz="2400" spc="-1" strike="noStrike">
-              <a:solidFill>
-                <a:srgbClr val="808080"/>
-              </a:solidFill>
               <a:latin typeface="Arial"/>
             </a:endParaRPr>
           </a:p>
@@ -5969,7 +8723,7 @@
       </p:sp>
       <p:pic>
         <p:nvPicPr>
-          <p:cNvPr id="140" name="" descr=""/>
+          <p:cNvPr id="220" name="" descr=""/>
           <p:cNvPicPr/>
           <p:nvPr/>
         </p:nvPicPr>
@@ -5980,7 +8734,7 @@
         <p:spPr>
           <a:xfrm>
             <a:off x="3291840" y="3383280"/>
-            <a:ext cx="3474720" cy="2769480"/>
+            <a:ext cx="3474360" cy="2769120"/>
           </a:xfrm>
           <a:prstGeom prst="rect">
             <a:avLst/>
@@ -5992,7 +8746,7 @@
       </p:pic>
       <p:pic>
         <p:nvPicPr>
-          <p:cNvPr id="141" name="" descr=""/>
+          <p:cNvPr id="221" name="" descr=""/>
           <p:cNvPicPr/>
           <p:nvPr/>
         </p:nvPicPr>
@@ -6003,7 +8757,7 @@
         <p:spPr>
           <a:xfrm>
             <a:off x="8251920" y="3749040"/>
-            <a:ext cx="1828800" cy="1828800"/>
+            <a:ext cx="1828440" cy="1828440"/>
           </a:xfrm>
           <a:prstGeom prst="rect">
             <a:avLst/>
@@ -6015,7 +8769,7 @@
       </p:pic>
       <p:pic>
         <p:nvPicPr>
-          <p:cNvPr id="142" name="" descr=""/>
+          <p:cNvPr id="222" name="" descr=""/>
           <p:cNvPicPr/>
           <p:nvPr/>
         </p:nvPicPr>
@@ -6026,7 +8780,7 @@
         <p:spPr>
           <a:xfrm>
             <a:off x="0" y="3840480"/>
-            <a:ext cx="1828800" cy="1828800"/>
+            <a:ext cx="1828440" cy="1828440"/>
           </a:xfrm>
           <a:prstGeom prst="rect">
             <a:avLst/>
@@ -6087,14 +8841,14 @@
       </p:grpSpPr>
       <p:sp>
         <p:nvSpPr>
-          <p:cNvPr id="143" name="TextShape 1"/>
-          <p:cNvSpPr txBox="1"/>
+          <p:cNvPr id="223" name="CustomShape 1"/>
+          <p:cNvSpPr/>
           <p:nvPr/>
         </p:nvSpPr>
         <p:spPr>
           <a:xfrm>
             <a:off x="504000" y="301320"/>
-            <a:ext cx="9070920" cy="636840"/>
+            <a:ext cx="9070560" cy="636480"/>
           </a:xfrm>
           <a:prstGeom prst="rect">
             <a:avLst/>
@@ -6104,10 +8858,20 @@
             <a:noFill/>
           </a:ln>
         </p:spPr>
+        <p:style>
+          <a:lnRef idx="0"/>
+          <a:fillRef idx="0"/>
+          <a:effectRef idx="0"/>
+          <a:fontRef idx="minor"/>
+        </p:style>
         <p:txBody>
           <a:bodyPr lIns="0" rIns="0" tIns="0" bIns="0" anchor="ctr"/>
           <a:p>
-            <a:pPr algn="ctr"/>
+            <a:pPr algn="ctr">
+              <a:lnSpc>
+                <a:spcPct val="100000"/>
+              </a:lnSpc>
+            </a:pPr>
             <a:r>
               <a:rPr b="0" lang="en-US" sz="4400" spc="-1" strike="noStrike">
                 <a:solidFill>
@@ -6118,9 +8882,6 @@
               <a:t>Thanks For Your Attention !</a:t>
             </a:r>
             <a:endParaRPr b="0" lang="en-US" sz="4400" spc="-1" strike="noStrike">
-              <a:solidFill>
-                <a:srgbClr val="666666"/>
-              </a:solidFill>
               <a:latin typeface="Arial"/>
             </a:endParaRPr>
           </a:p>
@@ -6128,7 +8889,7 @@
       </p:sp>
       <p:pic>
         <p:nvPicPr>
-          <p:cNvPr id="144" name="" descr=""/>
+          <p:cNvPr id="224" name="" descr=""/>
           <p:cNvPicPr/>
           <p:nvPr/>
         </p:nvPicPr>
@@ -6139,7 +8900,7 @@
         <p:spPr>
           <a:xfrm>
             <a:off x="0" y="938160"/>
-            <a:ext cx="10080720" cy="5736960"/>
+            <a:ext cx="10080360" cy="5736600"/>
           </a:xfrm>
           <a:prstGeom prst="rect">
             <a:avLst/>
@@ -6151,7 +8912,7 @@
       </p:pic>
       <p:pic>
         <p:nvPicPr>
-          <p:cNvPr id="145" name="" descr=""/>
+          <p:cNvPr id="225" name="" descr=""/>
           <p:cNvPicPr/>
           <p:nvPr/>
         </p:nvPicPr>
@@ -6162,7 +8923,7 @@
         <p:spPr>
           <a:xfrm>
             <a:off x="2468880" y="1371600"/>
-            <a:ext cx="4876560" cy="4876560"/>
+            <a:ext cx="4876200" cy="4876200"/>
           </a:xfrm>
           <a:prstGeom prst="rect">
             <a:avLst/>
@@ -6223,14 +8984,14 @@
       </p:grpSpPr>
       <p:sp>
         <p:nvSpPr>
-          <p:cNvPr id="120" name="CustomShape 1"/>
+          <p:cNvPr id="200" name="CustomShape 1"/>
           <p:cNvSpPr/>
           <p:nvPr/>
         </p:nvSpPr>
         <p:spPr>
           <a:xfrm>
             <a:off x="-731520" y="1188720"/>
-            <a:ext cx="9070920" cy="636840"/>
+            <a:ext cx="9070560" cy="636480"/>
           </a:xfrm>
           <a:prstGeom prst="rect">
             <a:avLst/>
@@ -6272,7 +9033,7 @@
       </p:sp>
       <p:graphicFrame>
         <p:nvGraphicFramePr>
-          <p:cNvPr id="121" name="Table 2"/>
+          <p:cNvPr id="201" name="Table 2"/>
           <p:cNvGraphicFramePr/>
           <p:nvPr/>
         </p:nvGraphicFramePr>
@@ -7983,14 +10744,14 @@
       </p:grpSpPr>
       <p:sp>
         <p:nvSpPr>
-          <p:cNvPr id="122" name="CustomShape 1"/>
+          <p:cNvPr id="202" name="CustomShape 1"/>
           <p:cNvSpPr/>
           <p:nvPr/>
         </p:nvSpPr>
         <p:spPr>
           <a:xfrm>
             <a:off x="504000" y="301320"/>
-            <a:ext cx="9070920" cy="636840"/>
+            <a:ext cx="9070560" cy="636480"/>
           </a:xfrm>
           <a:prstGeom prst="rect">
             <a:avLst/>
@@ -8032,14 +10793,14 @@
       </p:sp>
       <p:sp>
         <p:nvSpPr>
-          <p:cNvPr id="123" name="CustomShape 2"/>
+          <p:cNvPr id="203" name="CustomShape 2"/>
           <p:cNvSpPr/>
           <p:nvPr/>
         </p:nvSpPr>
         <p:spPr>
           <a:xfrm>
             <a:off x="640080" y="2011680"/>
-            <a:ext cx="9070920" cy="4383720"/>
+            <a:ext cx="9070560" cy="4383360"/>
           </a:xfrm>
           <a:prstGeom prst="rect">
             <a:avLst/>
@@ -8058,14 +10819,14 @@
       </p:sp>
       <p:sp>
         <p:nvSpPr>
-          <p:cNvPr id="124" name="TextShape 3"/>
-          <p:cNvSpPr txBox="1"/>
+          <p:cNvPr id="204" name="CustomShape 3"/>
+          <p:cNvSpPr/>
           <p:nvPr/>
         </p:nvSpPr>
         <p:spPr>
           <a:xfrm>
             <a:off x="504000" y="1804680"/>
-            <a:ext cx="9072000" cy="4384080"/>
+            <a:ext cx="9071640" cy="4383720"/>
           </a:xfrm>
           <a:prstGeom prst="rect">
             <a:avLst/>
@@ -8075,12 +10836,21 @@
             <a:noFill/>
           </a:ln>
         </p:spPr>
+        <p:style>
+          <a:lnRef idx="0"/>
+          <a:fillRef idx="0"/>
+          <a:effectRef idx="0"/>
+          <a:fontRef idx="minor"/>
+        </p:style>
         <p:txBody>
           <a:bodyPr lIns="0" rIns="0" tIns="0" bIns="0">
             <a:normAutofit/>
           </a:bodyPr>
           <a:p>
-            <a:pPr marL="432000" indent="-324000">
+            <a:pPr marL="432000" indent="-323640">
+              <a:lnSpc>
+                <a:spcPct val="100000"/>
+              </a:lnSpc>
               <a:spcBef>
                 <a:spcPts val="1060"/>
               </a:spcBef>
@@ -8101,14 +10871,14 @@
               <a:t>Nowadays internet serves as an important role in our society.</a:t>
             </a:r>
             <a:endParaRPr b="0" lang="en-US" sz="2400" spc="-1" strike="noStrike">
-              <a:solidFill>
-                <a:srgbClr val="808080"/>
-              </a:solidFill>
-              <a:latin typeface="Arial"/>
-            </a:endParaRPr>
-          </a:p>
-          <a:p>
-            <a:pPr marL="432000" indent="-324000">
+              <a:latin typeface="Arial"/>
+            </a:endParaRPr>
+          </a:p>
+          <a:p>
+            <a:pPr marL="432000" indent="-323640">
+              <a:lnSpc>
+                <a:spcPct val="100000"/>
+              </a:lnSpc>
               <a:spcBef>
                 <a:spcPts val="1060"/>
               </a:spcBef>
@@ -8129,14 +10899,14 @@
               <a:t>As the technology develop,we are trying to create and use the software for some of the complex process of our life.</a:t>
             </a:r>
             <a:endParaRPr b="0" lang="en-US" sz="2400" spc="-1" strike="noStrike">
-              <a:solidFill>
-                <a:srgbClr val="808080"/>
-              </a:solidFill>
-              <a:latin typeface="Arial"/>
-            </a:endParaRPr>
-          </a:p>
-          <a:p>
-            <a:pPr marL="432000" indent="-324000">
+              <a:latin typeface="Arial"/>
+            </a:endParaRPr>
+          </a:p>
+          <a:p>
+            <a:pPr marL="432000" indent="-323640">
+              <a:lnSpc>
+                <a:spcPct val="100000"/>
+              </a:lnSpc>
               <a:spcBef>
                 <a:spcPts val="1060"/>
               </a:spcBef>
@@ -8157,14 +10927,14 @@
               <a:t>We think University enrollment system software will be indeed useful for us.</a:t>
             </a:r>
             <a:endParaRPr b="0" lang="en-US" sz="2400" spc="-1" strike="noStrike">
-              <a:solidFill>
-                <a:srgbClr val="808080"/>
-              </a:solidFill>
-              <a:latin typeface="Arial"/>
-            </a:endParaRPr>
-          </a:p>
-          <a:p>
-            <a:pPr marL="432000" indent="-324000">
+              <a:latin typeface="Arial"/>
+            </a:endParaRPr>
+          </a:p>
+          <a:p>
+            <a:pPr marL="432000" indent="-323640">
+              <a:lnSpc>
+                <a:spcPct val="100000"/>
+              </a:lnSpc>
               <a:spcBef>
                 <a:spcPts val="1060"/>
               </a:spcBef>
@@ -8185,9 +10955,6 @@
               <a:t>We can know the activities of our university by this software.</a:t>
             </a:r>
             <a:endParaRPr b="0" lang="en-US" sz="2400" spc="-1" strike="noStrike">
-              <a:solidFill>
-                <a:srgbClr val="808080"/>
-              </a:solidFill>
               <a:latin typeface="Arial"/>
             </a:endParaRPr>
           </a:p>
@@ -8244,14 +11011,14 @@
       </p:grpSpPr>
       <p:sp>
         <p:nvSpPr>
-          <p:cNvPr id="125" name="CustomShape 1"/>
+          <p:cNvPr id="205" name="CustomShape 1"/>
           <p:cNvSpPr/>
           <p:nvPr/>
         </p:nvSpPr>
         <p:spPr>
           <a:xfrm>
             <a:off x="504000" y="301320"/>
-            <a:ext cx="9070920" cy="636840"/>
+            <a:ext cx="9070560" cy="636480"/>
           </a:xfrm>
           <a:prstGeom prst="rect">
             <a:avLst/>
@@ -8283,67 +11050,7 @@
                 <a:latin typeface="Arial"/>
                 <a:ea typeface="DejaVu Sans"/>
               </a:rPr>
-              <a:t>Ai</a:t>
-            </a:r>
-            <a:r>
-              <a:rPr b="0" lang="en-US" sz="4400" spc="-1" strike="noStrike">
-                <a:solidFill>
-                  <a:srgbClr val="666666"/>
-                </a:solidFill>
-                <a:latin typeface="Arial"/>
-                <a:ea typeface="DejaVu Sans"/>
-              </a:rPr>
-              <a:t>m </a:t>
-            </a:r>
-            <a:r>
-              <a:rPr b="0" lang="en-US" sz="4400" spc="-1" strike="noStrike">
-                <a:solidFill>
-                  <a:srgbClr val="666666"/>
-                </a:solidFill>
-                <a:latin typeface="Arial"/>
-                <a:ea typeface="DejaVu Sans"/>
-              </a:rPr>
-              <a:t>an</a:t>
-            </a:r>
-            <a:r>
-              <a:rPr b="0" lang="en-US" sz="4400" spc="-1" strike="noStrike">
-                <a:solidFill>
-                  <a:srgbClr val="666666"/>
-                </a:solidFill>
-                <a:latin typeface="Arial"/>
-                <a:ea typeface="DejaVu Sans"/>
-              </a:rPr>
-              <a:t>d </a:t>
-            </a:r>
-            <a:r>
-              <a:rPr b="0" lang="en-US" sz="4400" spc="-1" strike="noStrike">
-                <a:solidFill>
-                  <a:srgbClr val="666666"/>
-                </a:solidFill>
-                <a:latin typeface="Arial"/>
-                <a:ea typeface="DejaVu Sans"/>
-              </a:rPr>
-              <a:t>Obj</a:t>
-            </a:r>
-            <a:r>
-              <a:rPr b="0" lang="en-US" sz="4400" spc="-1" strike="noStrike">
-                <a:solidFill>
-                  <a:srgbClr val="666666"/>
-                </a:solidFill>
-                <a:latin typeface="Arial"/>
-                <a:ea typeface="DejaVu Sans"/>
-              </a:rPr>
-              <a:t>ecti</a:t>
-            </a:r>
-            <a:r>
-              <a:rPr b="0" lang="en-US" sz="4400" spc="-1" strike="noStrike">
-                <a:solidFill>
-                  <a:srgbClr val="666666"/>
-                </a:solidFill>
-                <a:latin typeface="Arial"/>
-                <a:ea typeface="DejaVu Sans"/>
-              </a:rPr>
-              <a:t>ves</a:t>
+              <a:t>Aim and Objectives</a:t>
             </a:r>
             <a:endParaRPr b="0" lang="en-US" sz="4400" spc="-1" strike="noStrike">
               <a:latin typeface="Arial"/>
@@ -8353,14 +11060,14 @@
       </p:sp>
       <p:sp>
         <p:nvSpPr>
-          <p:cNvPr id="126" name="CustomShape 2"/>
+          <p:cNvPr id="206" name="CustomShape 2"/>
           <p:cNvSpPr/>
           <p:nvPr/>
         </p:nvSpPr>
         <p:spPr>
           <a:xfrm>
             <a:off x="504000" y="1769040"/>
-            <a:ext cx="9070920" cy="4383720"/>
+            <a:ext cx="9070560" cy="4383360"/>
           </a:xfrm>
           <a:prstGeom prst="rect">
             <a:avLst/>
@@ -8379,7 +11086,7 @@
         <p:txBody>
           <a:bodyPr lIns="0" rIns="0" tIns="0" bIns="0"/>
           <a:p>
-            <a:pPr marL="432000" indent="-323280">
+            <a:pPr marL="432000" indent="-322920">
               <a:lnSpc>
                 <a:spcPct val="100000"/>
               </a:lnSpc>
@@ -8401,234 +11108,14 @@
                 <a:latin typeface="Arial"/>
                 <a:ea typeface="DejaVu Sans"/>
               </a:rPr>
-              <a:t>To </a:t>
-            </a:r>
-            <a:r>
-              <a:rPr b="0" lang="en-US" sz="2400" spc="-1" strike="noStrike">
-                <a:solidFill>
-                  <a:srgbClr val="808080"/>
-                </a:solidFill>
-                <a:latin typeface="Arial"/>
-                <a:ea typeface="DejaVu Sans"/>
-              </a:rPr>
-              <a:t>enr</a:t>
-            </a:r>
-            <a:r>
-              <a:rPr b="0" lang="en-US" sz="2400" spc="-1" strike="noStrike">
-                <a:solidFill>
-                  <a:srgbClr val="808080"/>
-                </a:solidFill>
-                <a:latin typeface="Arial"/>
-                <a:ea typeface="DejaVu Sans"/>
-              </a:rPr>
-              <a:t>oll </a:t>
-            </a:r>
-            <a:r>
-              <a:rPr b="0" lang="en-US" sz="2400" spc="-1" strike="noStrike">
-                <a:solidFill>
-                  <a:srgbClr val="808080"/>
-                </a:solidFill>
-                <a:latin typeface="Arial"/>
-                <a:ea typeface="DejaVu Sans"/>
-              </a:rPr>
-              <a:t>mu</a:t>
-            </a:r>
-            <a:r>
-              <a:rPr b="0" lang="en-US" sz="2400" spc="-1" strike="noStrike">
-                <a:solidFill>
-                  <a:srgbClr val="808080"/>
-                </a:solidFill>
-                <a:latin typeface="Arial"/>
-                <a:ea typeface="DejaVu Sans"/>
-              </a:rPr>
-              <a:t>ch </a:t>
-            </a:r>
-            <a:r>
-              <a:rPr b="0" lang="en-US" sz="2400" spc="-1" strike="noStrike">
-                <a:solidFill>
-                  <a:srgbClr val="808080"/>
-                </a:solidFill>
-                <a:latin typeface="Arial"/>
-                <a:ea typeface="DejaVu Sans"/>
-              </a:rPr>
-              <a:t>ea</a:t>
-            </a:r>
-            <a:r>
-              <a:rPr b="0" lang="en-US" sz="2400" spc="-1" strike="noStrike">
-                <a:solidFill>
-                  <a:srgbClr val="808080"/>
-                </a:solidFill>
-                <a:latin typeface="Arial"/>
-                <a:ea typeface="DejaVu Sans"/>
-              </a:rPr>
-              <a:t>sie</a:t>
-            </a:r>
-            <a:r>
-              <a:rPr b="0" lang="en-US" sz="2400" spc="-1" strike="noStrike">
-                <a:solidFill>
-                  <a:srgbClr val="808080"/>
-                </a:solidFill>
-                <a:latin typeface="Arial"/>
-                <a:ea typeface="DejaVu Sans"/>
-              </a:rPr>
-              <a:t>r </a:t>
-            </a:r>
-            <a:r>
-              <a:rPr b="0" lang="en-US" sz="2400" spc="-1" strike="noStrike">
-                <a:solidFill>
-                  <a:srgbClr val="808080"/>
-                </a:solidFill>
-                <a:latin typeface="Arial"/>
-                <a:ea typeface="DejaVu Sans"/>
-              </a:rPr>
-              <a:t>an</a:t>
-            </a:r>
-            <a:r>
-              <a:rPr b="0" lang="en-US" sz="2400" spc="-1" strike="noStrike">
-                <a:solidFill>
-                  <a:srgbClr val="808080"/>
-                </a:solidFill>
-                <a:latin typeface="Arial"/>
-                <a:ea typeface="DejaVu Sans"/>
-              </a:rPr>
-              <a:t>d </a:t>
-            </a:r>
-            <a:r>
-              <a:rPr b="0" lang="en-US" sz="2400" spc="-1" strike="noStrike">
-                <a:solidFill>
-                  <a:srgbClr val="808080"/>
-                </a:solidFill>
-                <a:latin typeface="Arial"/>
-                <a:ea typeface="DejaVu Sans"/>
-              </a:rPr>
-              <a:t>fas</a:t>
-            </a:r>
-            <a:r>
-              <a:rPr b="0" lang="en-US" sz="2400" spc="-1" strike="noStrike">
-                <a:solidFill>
-                  <a:srgbClr val="808080"/>
-                </a:solidFill>
-                <a:latin typeface="Arial"/>
-                <a:ea typeface="DejaVu Sans"/>
-              </a:rPr>
-              <a:t>ter </a:t>
-            </a:r>
-            <a:r>
-              <a:rPr b="0" lang="en-US" sz="2400" spc="-1" strike="noStrike">
-                <a:solidFill>
-                  <a:srgbClr val="808080"/>
-                </a:solidFill>
-                <a:latin typeface="Arial"/>
-                <a:ea typeface="DejaVu Sans"/>
-              </a:rPr>
-              <a:t>fro</a:t>
-            </a:r>
-            <a:r>
-              <a:rPr b="0" lang="en-US" sz="2400" spc="-1" strike="noStrike">
-                <a:solidFill>
-                  <a:srgbClr val="808080"/>
-                </a:solidFill>
-                <a:latin typeface="Arial"/>
-                <a:ea typeface="DejaVu Sans"/>
-              </a:rPr>
-              <a:t>m </a:t>
-            </a:r>
-            <a:r>
-              <a:rPr b="0" lang="en-US" sz="2400" spc="-1" strike="noStrike">
-                <a:solidFill>
-                  <a:srgbClr val="808080"/>
-                </a:solidFill>
-                <a:latin typeface="Arial"/>
-                <a:ea typeface="DejaVu Sans"/>
-              </a:rPr>
-              <a:t>an</a:t>
-            </a:r>
-            <a:r>
-              <a:rPr b="0" lang="en-US" sz="2400" spc="-1" strike="noStrike">
-                <a:solidFill>
-                  <a:srgbClr val="808080"/>
-                </a:solidFill>
-                <a:latin typeface="Arial"/>
-                <a:ea typeface="DejaVu Sans"/>
-              </a:rPr>
-              <a:t>yw</a:t>
-            </a:r>
-            <a:r>
-              <a:rPr b="0" lang="en-US" sz="2400" spc="-1" strike="noStrike">
-                <a:solidFill>
-                  <a:srgbClr val="808080"/>
-                </a:solidFill>
-                <a:latin typeface="Arial"/>
-                <a:ea typeface="DejaVu Sans"/>
-              </a:rPr>
-              <a:t>her</a:t>
-            </a:r>
-            <a:r>
-              <a:rPr b="0" lang="en-US" sz="2400" spc="-1" strike="noStrike">
-                <a:solidFill>
-                  <a:srgbClr val="808080"/>
-                </a:solidFill>
-                <a:latin typeface="Arial"/>
-                <a:ea typeface="DejaVu Sans"/>
-              </a:rPr>
-              <a:t>e </a:t>
-            </a:r>
-            <a:r>
-              <a:rPr b="0" lang="en-US" sz="2400" spc="-1" strike="noStrike">
-                <a:solidFill>
-                  <a:srgbClr val="808080"/>
-                </a:solidFill>
-                <a:latin typeface="Arial"/>
-                <a:ea typeface="DejaVu Sans"/>
-              </a:rPr>
-              <a:t>at </a:t>
-            </a:r>
-            <a:r>
-              <a:rPr b="0" lang="en-US" sz="2400" spc="-1" strike="noStrike">
-                <a:solidFill>
-                  <a:srgbClr val="808080"/>
-                </a:solidFill>
-                <a:latin typeface="Arial"/>
-                <a:ea typeface="DejaVu Sans"/>
-              </a:rPr>
-              <a:t>an</a:t>
-            </a:r>
-            <a:r>
-              <a:rPr b="0" lang="en-US" sz="2400" spc="-1" strike="noStrike">
-                <a:solidFill>
-                  <a:srgbClr val="808080"/>
-                </a:solidFill>
-                <a:latin typeface="Arial"/>
-                <a:ea typeface="DejaVu Sans"/>
-              </a:rPr>
-              <a:t>yti</a:t>
-            </a:r>
-            <a:r>
-              <a:rPr b="0" lang="en-US" sz="2400" spc="-1" strike="noStrike">
-                <a:solidFill>
-                  <a:srgbClr val="808080"/>
-                </a:solidFill>
-                <a:latin typeface="Arial"/>
-                <a:ea typeface="DejaVu Sans"/>
-              </a:rPr>
-              <a:t>me</a:t>
-            </a:r>
-            <a:r>
-              <a:rPr b="0" lang="en-US" sz="2400" spc="-1" strike="noStrike">
-                <a:solidFill>
-                  <a:srgbClr val="808080"/>
-                </a:solidFill>
-                <a:latin typeface="Arial"/>
-                <a:ea typeface="DejaVu Sans"/>
-              </a:rPr>
-              <a:t>.</a:t>
+              <a:t>To enroll much easier and faster from anywhere at anytime.</a:t>
             </a:r>
             <a:endParaRPr b="0" lang="en-US" sz="2400" spc="-1" strike="noStrike">
               <a:latin typeface="Arial"/>
             </a:endParaRPr>
           </a:p>
           <a:p>
-            <a:pPr marL="432000" indent="-323280">
+            <a:pPr marL="432000" indent="-322920">
               <a:lnSpc>
                 <a:spcPct val="100000"/>
               </a:lnSpc>
@@ -8650,204 +11137,14 @@
                 <a:latin typeface="Arial"/>
                 <a:ea typeface="DejaVu Sans"/>
               </a:rPr>
-              <a:t>To </a:t>
-            </a:r>
-            <a:r>
-              <a:rPr b="0" lang="en-US" sz="2400" spc="-1" strike="noStrike">
-                <a:solidFill>
-                  <a:srgbClr val="808080"/>
-                </a:solidFill>
-                <a:latin typeface="Arial"/>
-                <a:ea typeface="DejaVu Sans"/>
-              </a:rPr>
-              <a:t>co</a:t>
-            </a:r>
-            <a:r>
-              <a:rPr b="0" lang="en-US" sz="2400" spc="-1" strike="noStrike">
-                <a:solidFill>
-                  <a:srgbClr val="808080"/>
-                </a:solidFill>
-                <a:latin typeface="Arial"/>
-                <a:ea typeface="DejaVu Sans"/>
-              </a:rPr>
-              <a:t>nn</a:t>
-            </a:r>
-            <a:r>
-              <a:rPr b="0" lang="en-US" sz="2400" spc="-1" strike="noStrike">
-                <a:solidFill>
-                  <a:srgbClr val="808080"/>
-                </a:solidFill>
-                <a:latin typeface="Arial"/>
-                <a:ea typeface="DejaVu Sans"/>
-              </a:rPr>
-              <a:t>ect </a:t>
-            </a:r>
-            <a:r>
-              <a:rPr b="0" lang="en-US" sz="2400" spc="-1" strike="noStrike">
-                <a:solidFill>
-                  <a:srgbClr val="808080"/>
-                </a:solidFill>
-                <a:latin typeface="Arial"/>
-                <a:ea typeface="DejaVu Sans"/>
-              </a:rPr>
-              <a:t>bet</a:t>
-            </a:r>
-            <a:r>
-              <a:rPr b="0" lang="en-US" sz="2400" spc="-1" strike="noStrike">
-                <a:solidFill>
-                  <a:srgbClr val="808080"/>
-                </a:solidFill>
-                <a:latin typeface="Arial"/>
-                <a:ea typeface="DejaVu Sans"/>
-              </a:rPr>
-              <a:t>we</a:t>
-            </a:r>
-            <a:r>
-              <a:rPr b="0" lang="en-US" sz="2400" spc="-1" strike="noStrike">
-                <a:solidFill>
-                  <a:srgbClr val="808080"/>
-                </a:solidFill>
-                <a:latin typeface="Arial"/>
-                <a:ea typeface="DejaVu Sans"/>
-              </a:rPr>
-              <a:t>en </a:t>
-            </a:r>
-            <a:r>
-              <a:rPr b="0" lang="en-US" sz="2400" spc="-1" strike="noStrike">
-                <a:solidFill>
-                  <a:srgbClr val="808080"/>
-                </a:solidFill>
-                <a:latin typeface="Arial"/>
-                <a:ea typeface="DejaVu Sans"/>
-              </a:rPr>
-              <a:t>stu</a:t>
-            </a:r>
-            <a:r>
-              <a:rPr b="0" lang="en-US" sz="2400" spc="-1" strike="noStrike">
-                <a:solidFill>
-                  <a:srgbClr val="808080"/>
-                </a:solidFill>
-                <a:latin typeface="Arial"/>
-                <a:ea typeface="DejaVu Sans"/>
-              </a:rPr>
-              <a:t>de</a:t>
-            </a:r>
-            <a:r>
-              <a:rPr b="0" lang="en-US" sz="2400" spc="-1" strike="noStrike">
-                <a:solidFill>
-                  <a:srgbClr val="808080"/>
-                </a:solidFill>
-                <a:latin typeface="Arial"/>
-                <a:ea typeface="DejaVu Sans"/>
-              </a:rPr>
-              <a:t>nt </a:t>
-            </a:r>
-            <a:r>
-              <a:rPr b="0" lang="en-US" sz="2400" spc="-1" strike="noStrike">
-                <a:solidFill>
-                  <a:srgbClr val="808080"/>
-                </a:solidFill>
-                <a:latin typeface="Arial"/>
-                <a:ea typeface="DejaVu Sans"/>
-              </a:rPr>
-              <a:t>an</a:t>
-            </a:r>
-            <a:r>
-              <a:rPr b="0" lang="en-US" sz="2400" spc="-1" strike="noStrike">
-                <a:solidFill>
-                  <a:srgbClr val="808080"/>
-                </a:solidFill>
-                <a:latin typeface="Arial"/>
-                <a:ea typeface="DejaVu Sans"/>
-              </a:rPr>
-              <a:t>d </a:t>
-            </a:r>
-            <a:r>
-              <a:rPr b="0" lang="en-US" sz="2400" spc="-1" strike="noStrike">
-                <a:solidFill>
-                  <a:srgbClr val="808080"/>
-                </a:solidFill>
-                <a:latin typeface="Arial"/>
-                <a:ea typeface="DejaVu Sans"/>
-              </a:rPr>
-              <a:t>act</a:t>
-            </a:r>
-            <a:r>
-              <a:rPr b="0" lang="en-US" sz="2400" spc="-1" strike="noStrike">
-                <a:solidFill>
-                  <a:srgbClr val="808080"/>
-                </a:solidFill>
-                <a:latin typeface="Arial"/>
-                <a:ea typeface="DejaVu Sans"/>
-              </a:rPr>
-              <a:t>iviti</a:t>
-            </a:r>
-            <a:r>
-              <a:rPr b="0" lang="en-US" sz="2400" spc="-1" strike="noStrike">
-                <a:solidFill>
-                  <a:srgbClr val="808080"/>
-                </a:solidFill>
-                <a:latin typeface="Arial"/>
-                <a:ea typeface="DejaVu Sans"/>
-              </a:rPr>
-              <a:t>es </a:t>
-            </a:r>
-            <a:r>
-              <a:rPr b="0" lang="en-US" sz="2400" spc="-1" strike="noStrike">
-                <a:solidFill>
-                  <a:srgbClr val="808080"/>
-                </a:solidFill>
-                <a:latin typeface="Arial"/>
-                <a:ea typeface="DejaVu Sans"/>
-              </a:rPr>
-              <a:t>of </a:t>
-            </a:r>
-            <a:r>
-              <a:rPr b="0" lang="en-US" sz="2400" spc="-1" strike="noStrike">
-                <a:solidFill>
-                  <a:srgbClr val="808080"/>
-                </a:solidFill>
-                <a:latin typeface="Arial"/>
-                <a:ea typeface="DejaVu Sans"/>
-              </a:rPr>
-              <a:t>uni</a:t>
-            </a:r>
-            <a:r>
-              <a:rPr b="0" lang="en-US" sz="2400" spc="-1" strike="noStrike">
-                <a:solidFill>
-                  <a:srgbClr val="808080"/>
-                </a:solidFill>
-                <a:latin typeface="Arial"/>
-                <a:ea typeface="DejaVu Sans"/>
-              </a:rPr>
-              <a:t>ver</a:t>
-            </a:r>
-            <a:r>
-              <a:rPr b="0" lang="en-US" sz="2400" spc="-1" strike="noStrike">
-                <a:solidFill>
-                  <a:srgbClr val="808080"/>
-                </a:solidFill>
-                <a:latin typeface="Arial"/>
-                <a:ea typeface="DejaVu Sans"/>
-              </a:rPr>
-              <a:t>sity</a:t>
-            </a:r>
-            <a:r>
-              <a:rPr b="0" lang="en-US" sz="2400" spc="-1" strike="noStrike">
-                <a:solidFill>
-                  <a:srgbClr val="808080"/>
-                </a:solidFill>
-                <a:latin typeface="Arial"/>
-                <a:ea typeface="DejaVu Sans"/>
-              </a:rPr>
-              <a:t>.</a:t>
+              <a:t>To connect between student and activities of university.</a:t>
             </a:r>
             <a:endParaRPr b="0" lang="en-US" sz="2400" spc="-1" strike="noStrike">
               <a:latin typeface="Arial"/>
             </a:endParaRPr>
           </a:p>
           <a:p>
-            <a:pPr marL="432000" indent="-323280">
+            <a:pPr marL="432000" indent="-322920">
               <a:lnSpc>
                 <a:spcPct val="100000"/>
               </a:lnSpc>
@@ -8869,217 +11166,7 @@
                 <a:latin typeface="Arial"/>
                 <a:ea typeface="DejaVu Sans"/>
               </a:rPr>
-              <a:t>To </a:t>
-            </a:r>
-            <a:r>
-              <a:rPr b="0" lang="en-US" sz="2400" spc="-1" strike="noStrike">
-                <a:solidFill>
-                  <a:srgbClr val="808080"/>
-                </a:solidFill>
-                <a:latin typeface="Arial"/>
-                <a:ea typeface="DejaVu Sans"/>
-              </a:rPr>
-              <a:t>sh</a:t>
-            </a:r>
-            <a:r>
-              <a:rPr b="0" lang="en-US" sz="2400" spc="-1" strike="noStrike">
-                <a:solidFill>
-                  <a:srgbClr val="808080"/>
-                </a:solidFill>
-                <a:latin typeface="Arial"/>
-                <a:ea typeface="DejaVu Sans"/>
-              </a:rPr>
-              <a:t>are </a:t>
-            </a:r>
-            <a:r>
-              <a:rPr b="0" lang="en-US" sz="2400" spc="-1" strike="noStrike">
-                <a:solidFill>
-                  <a:srgbClr val="808080"/>
-                </a:solidFill>
-                <a:latin typeface="Arial"/>
-                <a:ea typeface="DejaVu Sans"/>
-              </a:rPr>
-              <a:t>the </a:t>
-            </a:r>
-            <a:r>
-              <a:rPr b="0" lang="en-US" sz="2400" spc="-1" strike="noStrike">
-                <a:solidFill>
-                  <a:srgbClr val="808080"/>
-                </a:solidFill>
-                <a:latin typeface="Arial"/>
-                <a:ea typeface="DejaVu Sans"/>
-              </a:rPr>
-              <a:t>up </a:t>
-            </a:r>
-            <a:r>
-              <a:rPr b="0" lang="en-US" sz="2400" spc="-1" strike="noStrike">
-                <a:solidFill>
-                  <a:srgbClr val="808080"/>
-                </a:solidFill>
-                <a:latin typeface="Arial"/>
-                <a:ea typeface="DejaVu Sans"/>
-              </a:rPr>
-              <a:t>to </a:t>
-            </a:r>
-            <a:r>
-              <a:rPr b="0" lang="en-US" sz="2400" spc="-1" strike="noStrike">
-                <a:solidFill>
-                  <a:srgbClr val="808080"/>
-                </a:solidFill>
-                <a:latin typeface="Arial"/>
-                <a:ea typeface="DejaVu Sans"/>
-              </a:rPr>
-              <a:t>dat</a:t>
-            </a:r>
-            <a:r>
-              <a:rPr b="0" lang="en-US" sz="2400" spc="-1" strike="noStrike">
-                <a:solidFill>
-                  <a:srgbClr val="808080"/>
-                </a:solidFill>
-                <a:latin typeface="Arial"/>
-                <a:ea typeface="DejaVu Sans"/>
-              </a:rPr>
-              <a:t>e </a:t>
-            </a:r>
-            <a:r>
-              <a:rPr b="0" lang="en-US" sz="2400" spc="-1" strike="noStrike">
-                <a:solidFill>
-                  <a:srgbClr val="808080"/>
-                </a:solidFill>
-                <a:latin typeface="Arial"/>
-                <a:ea typeface="DejaVu Sans"/>
-              </a:rPr>
-              <a:t>inf</a:t>
-            </a:r>
-            <a:r>
-              <a:rPr b="0" lang="en-US" sz="2400" spc="-1" strike="noStrike">
-                <a:solidFill>
-                  <a:srgbClr val="808080"/>
-                </a:solidFill>
-                <a:latin typeface="Arial"/>
-                <a:ea typeface="DejaVu Sans"/>
-              </a:rPr>
-              <a:t>or</a:t>
-            </a:r>
-            <a:r>
-              <a:rPr b="0" lang="en-US" sz="2400" spc="-1" strike="noStrike">
-                <a:solidFill>
-                  <a:srgbClr val="808080"/>
-                </a:solidFill>
-                <a:latin typeface="Arial"/>
-                <a:ea typeface="DejaVu Sans"/>
-              </a:rPr>
-              <a:t>ma</a:t>
-            </a:r>
-            <a:r>
-              <a:rPr b="0" lang="en-US" sz="2400" spc="-1" strike="noStrike">
-                <a:solidFill>
-                  <a:srgbClr val="808080"/>
-                </a:solidFill>
-                <a:latin typeface="Arial"/>
-                <a:ea typeface="DejaVu Sans"/>
-              </a:rPr>
-              <a:t>tio</a:t>
-            </a:r>
-            <a:r>
-              <a:rPr b="0" lang="en-US" sz="2400" spc="-1" strike="noStrike">
-                <a:solidFill>
-                  <a:srgbClr val="808080"/>
-                </a:solidFill>
-                <a:latin typeface="Arial"/>
-                <a:ea typeface="DejaVu Sans"/>
-              </a:rPr>
-              <a:t>n </a:t>
-            </a:r>
-            <a:r>
-              <a:rPr b="0" lang="en-US" sz="2400" spc="-1" strike="noStrike">
-                <a:solidFill>
-                  <a:srgbClr val="808080"/>
-                </a:solidFill>
-                <a:latin typeface="Arial"/>
-                <a:ea typeface="DejaVu Sans"/>
-              </a:rPr>
-              <a:t>fro</a:t>
-            </a:r>
-            <a:r>
-              <a:rPr b="0" lang="en-US" sz="2400" spc="-1" strike="noStrike">
-                <a:solidFill>
-                  <a:srgbClr val="808080"/>
-                </a:solidFill>
-                <a:latin typeface="Arial"/>
-                <a:ea typeface="DejaVu Sans"/>
-              </a:rPr>
-              <a:t>m </a:t>
-            </a:r>
-            <a:r>
-              <a:rPr b="0" lang="en-US" sz="2400" spc="-1" strike="noStrike">
-                <a:solidFill>
-                  <a:srgbClr val="808080"/>
-                </a:solidFill>
-                <a:latin typeface="Arial"/>
-                <a:ea typeface="DejaVu Sans"/>
-              </a:rPr>
-              <a:t>thi</a:t>
-            </a:r>
-            <a:r>
-              <a:rPr b="0" lang="en-US" sz="2400" spc="-1" strike="noStrike">
-                <a:solidFill>
-                  <a:srgbClr val="808080"/>
-                </a:solidFill>
-                <a:latin typeface="Arial"/>
-                <a:ea typeface="DejaVu Sans"/>
-              </a:rPr>
-              <a:t>s </a:t>
-            </a:r>
-            <a:r>
-              <a:rPr b="0" lang="en-US" sz="2400" spc="-1" strike="noStrike">
-                <a:solidFill>
-                  <a:srgbClr val="808080"/>
-                </a:solidFill>
-                <a:latin typeface="Arial"/>
-                <a:ea typeface="DejaVu Sans"/>
-              </a:rPr>
-              <a:t>ap</a:t>
-            </a:r>
-            <a:r>
-              <a:rPr b="0" lang="en-US" sz="2400" spc="-1" strike="noStrike">
-                <a:solidFill>
-                  <a:srgbClr val="808080"/>
-                </a:solidFill>
-                <a:latin typeface="Arial"/>
-                <a:ea typeface="DejaVu Sans"/>
-              </a:rPr>
-              <a:t>plic</a:t>
-            </a:r>
-            <a:r>
-              <a:rPr b="0" lang="en-US" sz="2400" spc="-1" strike="noStrike">
-                <a:solidFill>
-                  <a:srgbClr val="808080"/>
-                </a:solidFill>
-                <a:latin typeface="Arial"/>
-                <a:ea typeface="DejaVu Sans"/>
-              </a:rPr>
-              <a:t>ati</a:t>
-            </a:r>
-            <a:r>
-              <a:rPr b="0" lang="en-US" sz="2400" spc="-1" strike="noStrike">
-                <a:solidFill>
-                  <a:srgbClr val="808080"/>
-                </a:solidFill>
-                <a:latin typeface="Arial"/>
-                <a:ea typeface="DejaVu Sans"/>
-              </a:rPr>
-              <a:t>on</a:t>
-            </a:r>
-            <a:r>
-              <a:rPr b="0" lang="en-US" sz="2400" spc="-1" strike="noStrike">
-                <a:solidFill>
-                  <a:srgbClr val="808080"/>
-                </a:solidFill>
-                <a:latin typeface="Arial"/>
-                <a:ea typeface="DejaVu Sans"/>
-              </a:rPr>
-              <a:t>s.</a:t>
+              <a:t>To share the up to date information from this applications.</a:t>
             </a:r>
             <a:endParaRPr b="0" lang="en-US" sz="2400" spc="-1" strike="noStrike">
               <a:latin typeface="Arial"/>
@@ -9138,14 +11225,14 @@
       </p:grpSpPr>
       <p:sp>
         <p:nvSpPr>
-          <p:cNvPr id="127" name="CustomShape 1"/>
+          <p:cNvPr id="207" name="CustomShape 1"/>
           <p:cNvSpPr/>
           <p:nvPr/>
         </p:nvSpPr>
         <p:spPr>
           <a:xfrm>
             <a:off x="504000" y="301320"/>
-            <a:ext cx="9070920" cy="636840"/>
+            <a:ext cx="9070560" cy="636480"/>
           </a:xfrm>
           <a:prstGeom prst="rect">
             <a:avLst/>
@@ -9187,14 +11274,14 @@
       </p:sp>
       <p:sp>
         <p:nvSpPr>
-          <p:cNvPr id="128" name="CustomShape 2"/>
+          <p:cNvPr id="208" name="CustomShape 2"/>
           <p:cNvSpPr/>
           <p:nvPr/>
         </p:nvSpPr>
         <p:spPr>
           <a:xfrm>
             <a:off x="504000" y="1769040"/>
-            <a:ext cx="9070920" cy="4383720"/>
+            <a:ext cx="9070560" cy="4383360"/>
           </a:xfrm>
           <a:prstGeom prst="rect">
             <a:avLst/>
@@ -9213,7 +11300,7 @@
         <p:txBody>
           <a:bodyPr lIns="0" rIns="0" tIns="0" bIns="0"/>
           <a:p>
-            <a:pPr marL="432000" indent="-323280">
+            <a:pPr marL="432000" indent="-322920">
               <a:lnSpc>
                 <a:spcPct val="100000"/>
               </a:lnSpc>
@@ -9242,7 +11329,7 @@
             </a:endParaRPr>
           </a:p>
           <a:p>
-            <a:pPr marL="432000" indent="-323280">
+            <a:pPr marL="432000" indent="-322920">
               <a:lnSpc>
                 <a:spcPct val="100000"/>
               </a:lnSpc>
@@ -9271,7 +11358,7 @@
             </a:endParaRPr>
           </a:p>
           <a:p>
-            <a:pPr marL="432000" indent="-323280">
+            <a:pPr marL="432000" indent="-322920">
               <a:lnSpc>
                 <a:spcPct val="100000"/>
               </a:lnSpc>
@@ -9300,7 +11387,7 @@
             </a:endParaRPr>
           </a:p>
           <a:p>
-            <a:pPr marL="432000" indent="-323280">
+            <a:pPr marL="432000" indent="-322920">
               <a:lnSpc>
                 <a:spcPct val="100000"/>
               </a:lnSpc>
@@ -9381,14 +11468,14 @@
       </p:grpSpPr>
       <p:sp>
         <p:nvSpPr>
-          <p:cNvPr id="129" name="CustomShape 1"/>
+          <p:cNvPr id="209" name="CustomShape 1"/>
           <p:cNvSpPr/>
           <p:nvPr/>
         </p:nvSpPr>
         <p:spPr>
           <a:xfrm>
             <a:off x="504000" y="301320"/>
-            <a:ext cx="9070920" cy="636840"/>
+            <a:ext cx="9070560" cy="636480"/>
           </a:xfrm>
           <a:prstGeom prst="rect">
             <a:avLst/>
@@ -9418,6 +11505,7 @@
                   <a:srgbClr val="666666"/>
                 </a:solidFill>
                 <a:latin typeface="Arial"/>
+                <a:ea typeface="DejaVu Sans"/>
               </a:rPr>
               <a:t>Software Component</a:t>
             </a:r>
@@ -9429,7 +11517,7 @@
       </p:sp>
       <p:pic>
         <p:nvPicPr>
-          <p:cNvPr id="130" name="" descr=""/>
+          <p:cNvPr id="210" name="" descr=""/>
           <p:cNvPicPr/>
           <p:nvPr/>
         </p:nvPicPr>
@@ -9441,7 +11529,7 @@
         <p:spPr>
           <a:xfrm>
             <a:off x="1097280" y="1920240"/>
-            <a:ext cx="3565800" cy="2834280"/>
+            <a:ext cx="3565440" cy="2833920"/>
           </a:xfrm>
           <a:prstGeom prst="rect">
             <a:avLst/>
@@ -9453,7 +11541,7 @@
       </p:pic>
       <p:pic>
         <p:nvPicPr>
-          <p:cNvPr id="131" name="" descr=""/>
+          <p:cNvPr id="211" name="" descr=""/>
           <p:cNvPicPr/>
           <p:nvPr/>
         </p:nvPicPr>
@@ -9464,7 +11552,7 @@
         <p:spPr>
           <a:xfrm>
             <a:off x="5486400" y="1479600"/>
-            <a:ext cx="3511440" cy="3274920"/>
+            <a:ext cx="3511080" cy="3274560"/>
           </a:xfrm>
           <a:prstGeom prst="rect">
             <a:avLst/>
@@ -9525,14 +11613,14 @@
       </p:grpSpPr>
       <p:sp>
         <p:nvSpPr>
-          <p:cNvPr id="132" name="CustomShape 1"/>
+          <p:cNvPr id="212" name="CustomShape 1"/>
           <p:cNvSpPr/>
           <p:nvPr/>
         </p:nvSpPr>
         <p:spPr>
           <a:xfrm>
             <a:off x="504000" y="301320"/>
-            <a:ext cx="9070920" cy="636840"/>
+            <a:ext cx="9070560" cy="636480"/>
           </a:xfrm>
           <a:prstGeom prst="rect">
             <a:avLst/>
@@ -9562,6 +11650,7 @@
                   <a:srgbClr val="666666"/>
                 </a:solidFill>
                 <a:latin typeface="Arial"/>
+                <a:ea typeface="DejaVu Sans"/>
               </a:rPr>
               <a:t>Android Studio</a:t>
             </a:r>
@@ -9573,14 +11662,14 @@
       </p:sp>
       <p:sp>
         <p:nvSpPr>
-          <p:cNvPr id="133" name="CustomShape 2"/>
+          <p:cNvPr id="213" name="CustomShape 2"/>
           <p:cNvSpPr/>
           <p:nvPr/>
         </p:nvSpPr>
         <p:spPr>
           <a:xfrm>
             <a:off x="504000" y="1769040"/>
-            <a:ext cx="9070920" cy="4383720"/>
+            <a:ext cx="9070560" cy="4383360"/>
           </a:xfrm>
           <a:prstGeom prst="rect">
             <a:avLst/>
@@ -9601,7 +11690,7 @@
             <a:normAutofit/>
           </a:bodyPr>
           <a:p>
-            <a:pPr marL="432000" indent="-323640">
+            <a:pPr marL="432000" indent="-323280">
               <a:lnSpc>
                 <a:spcPct val="100000"/>
               </a:lnSpc>
@@ -9621,6 +11710,7 @@
                   <a:srgbClr val="808080"/>
                 </a:solidFill>
                 <a:latin typeface="Arial"/>
+                <a:ea typeface="DejaVu Sans"/>
               </a:rPr>
               <a:t>Official IDE for Google’s Android System</a:t>
             </a:r>
@@ -9629,7 +11719,7 @@
             </a:endParaRPr>
           </a:p>
           <a:p>
-            <a:pPr marL="432000" indent="-323640">
+            <a:pPr marL="432000" indent="-323280">
               <a:lnSpc>
                 <a:spcPct val="100000"/>
               </a:lnSpc>
@@ -9649,6 +11739,7 @@
                   <a:srgbClr val="808080"/>
                 </a:solidFill>
                 <a:latin typeface="Arial"/>
+                <a:ea typeface="DejaVu Sans"/>
               </a:rPr>
               <a:t>Specially Designed for Android development</a:t>
             </a:r>
@@ -9657,7 +11748,7 @@
             </a:endParaRPr>
           </a:p>
           <a:p>
-            <a:pPr marL="432000" indent="-323640">
+            <a:pPr marL="432000" indent="-323280">
               <a:lnSpc>
                 <a:spcPct val="100000"/>
               </a:lnSpc>
@@ -9677,6 +11768,7 @@
                   <a:srgbClr val="808080"/>
                 </a:solidFill>
                 <a:latin typeface="Arial"/>
+                <a:ea typeface="DejaVu Sans"/>
               </a:rPr>
               <a:t>Java,Kotlin and C++ (+) XML</a:t>
             </a:r>
@@ -9737,14 +11829,14 @@
       </p:grpSpPr>
       <p:sp>
         <p:nvSpPr>
-          <p:cNvPr id="134" name="CustomShape 1"/>
+          <p:cNvPr id="214" name="CustomShape 1"/>
           <p:cNvSpPr/>
           <p:nvPr/>
         </p:nvSpPr>
         <p:spPr>
           <a:xfrm>
             <a:off x="504000" y="301320"/>
-            <a:ext cx="9070920" cy="636840"/>
+            <a:ext cx="9070560" cy="636480"/>
           </a:xfrm>
           <a:prstGeom prst="rect">
             <a:avLst/>
@@ -9774,6 +11866,7 @@
                   <a:srgbClr val="666666"/>
                 </a:solidFill>
                 <a:latin typeface="Arial"/>
+                <a:ea typeface="DejaVu Sans"/>
               </a:rPr>
               <a:t>Firebase</a:t>
             </a:r>
@@ -9785,14 +11878,14 @@
       </p:sp>
       <p:sp>
         <p:nvSpPr>
-          <p:cNvPr id="135" name="CustomShape 2"/>
+          <p:cNvPr id="215" name="CustomShape 2"/>
           <p:cNvSpPr/>
           <p:nvPr/>
         </p:nvSpPr>
         <p:spPr>
           <a:xfrm>
             <a:off x="504000" y="1769040"/>
-            <a:ext cx="9070920" cy="4383720"/>
+            <a:ext cx="9070560" cy="4383360"/>
           </a:xfrm>
           <a:prstGeom prst="rect">
             <a:avLst/>
@@ -9813,7 +11906,7 @@
             <a:normAutofit/>
           </a:bodyPr>
           <a:p>
-            <a:pPr marL="432000" indent="-323640">
+            <a:pPr marL="432000" indent="-323280">
               <a:lnSpc>
                 <a:spcPct val="100000"/>
               </a:lnSpc>
@@ -9833,6 +11926,7 @@
                   <a:srgbClr val="808080"/>
                 </a:solidFill>
                 <a:latin typeface="Arial"/>
+                <a:ea typeface="DejaVu Sans"/>
               </a:rPr>
               <a:t>Mobile and web application development platform</a:t>
             </a:r>
@@ -9841,7 +11935,7 @@
             </a:endParaRPr>
           </a:p>
           <a:p>
-            <a:pPr marL="432000" indent="-323640">
+            <a:pPr marL="432000" indent="-323280">
               <a:lnSpc>
                 <a:spcPct val="100000"/>
               </a:lnSpc>
@@ -9861,6 +11955,7 @@
                   <a:srgbClr val="808080"/>
                 </a:solidFill>
                 <a:latin typeface="Arial"/>
+                <a:ea typeface="DejaVu Sans"/>
               </a:rPr>
               <a:t>Cloud messaging,cloud storage,realtime database,authentication,hosting and many other services</a:t>
             </a:r>
@@ -9921,14 +12016,14 @@
       </p:grpSpPr>
       <p:sp>
         <p:nvSpPr>
-          <p:cNvPr id="136" name="TextShape 1"/>
-          <p:cNvSpPr txBox="1"/>
+          <p:cNvPr id="216" name="CustomShape 1"/>
+          <p:cNvSpPr/>
           <p:nvPr/>
         </p:nvSpPr>
         <p:spPr>
           <a:xfrm>
             <a:off x="504000" y="301320"/>
-            <a:ext cx="9070920" cy="636840"/>
+            <a:ext cx="9070560" cy="636480"/>
           </a:xfrm>
           <a:prstGeom prst="rect">
             <a:avLst/>
@@ -9938,10 +12033,20 @@
             <a:noFill/>
           </a:ln>
         </p:spPr>
+        <p:style>
+          <a:lnRef idx="0"/>
+          <a:fillRef idx="0"/>
+          <a:effectRef idx="0"/>
+          <a:fontRef idx="minor"/>
+        </p:style>
         <p:txBody>
           <a:bodyPr lIns="0" rIns="0" tIns="0" bIns="0" anchor="ctr"/>
           <a:p>
-            <a:pPr algn="ctr"/>
+            <a:pPr algn="ctr">
+              <a:lnSpc>
+                <a:spcPct val="100000"/>
+              </a:lnSpc>
+            </a:pPr>
             <a:r>
               <a:rPr b="0" lang="en-US" sz="4400" spc="-1" strike="noStrike">
                 <a:solidFill>
@@ -9952,24 +12057,21 @@
               <a:t>Further Extension</a:t>
             </a:r>
             <a:endParaRPr b="0" lang="en-US" sz="4400" spc="-1" strike="noStrike">
-              <a:solidFill>
-                <a:srgbClr val="666666"/>
-              </a:solidFill>
-              <a:latin typeface="Arial"/>
-            </a:endParaRPr>
-          </a:p>
-        </p:txBody>
-      </p:sp>
-      <p:sp>
-        <p:nvSpPr>
-          <p:cNvPr id="137" name="TextShape 2"/>
-          <p:cNvSpPr txBox="1"/>
+              <a:latin typeface="Arial"/>
+            </a:endParaRPr>
+          </a:p>
+        </p:txBody>
+      </p:sp>
+      <p:sp>
+        <p:nvSpPr>
+          <p:cNvPr id="217" name="CustomShape 2"/>
+          <p:cNvSpPr/>
           <p:nvPr/>
         </p:nvSpPr>
         <p:spPr>
           <a:xfrm>
             <a:off x="504000" y="1769040"/>
-            <a:ext cx="9070920" cy="4383720"/>
+            <a:ext cx="9070560" cy="4383360"/>
           </a:xfrm>
           <a:prstGeom prst="rect">
             <a:avLst/>
@@ -9979,12 +12081,21 @@
             <a:noFill/>
           </a:ln>
         </p:spPr>
+        <p:style>
+          <a:lnRef idx="0"/>
+          <a:fillRef idx="0"/>
+          <a:effectRef idx="0"/>
+          <a:fontRef idx="minor"/>
+        </p:style>
         <p:txBody>
           <a:bodyPr lIns="0" rIns="0" tIns="0" bIns="0">
             <a:normAutofit/>
           </a:bodyPr>
           <a:p>
-            <a:pPr marL="432000" indent="-324000">
+            <a:pPr marL="432000" indent="-323640">
+              <a:lnSpc>
+                <a:spcPct val="100000"/>
+              </a:lnSpc>
               <a:spcBef>
                 <a:spcPts val="1057"/>
               </a:spcBef>
@@ -10005,14 +12116,14 @@
               <a:t>Widely used in various university and college.</a:t>
             </a:r>
             <a:endParaRPr b="0" lang="en-US" sz="2400" spc="-1" strike="noStrike">
-              <a:solidFill>
-                <a:srgbClr val="808080"/>
-              </a:solidFill>
-              <a:latin typeface="Arial"/>
-            </a:endParaRPr>
-          </a:p>
-          <a:p>
-            <a:pPr marL="432000" indent="-324000">
+              <a:latin typeface="Arial"/>
+            </a:endParaRPr>
+          </a:p>
+          <a:p>
+            <a:pPr marL="432000" indent="-323640">
+              <a:lnSpc>
+                <a:spcPct val="100000"/>
+              </a:lnSpc>
               <a:spcBef>
                 <a:spcPts val="1057"/>
               </a:spcBef>
@@ -10033,59 +12144,30 @@
               <a:t>Can add other features – E library system,Canteen Ordering system,detail about Majors,Technology share and chat room and etc.                                   </a:t>
             </a:r>
             <a:endParaRPr b="0" lang="en-US" sz="2400" spc="-1" strike="noStrike">
-              <a:solidFill>
-                <a:srgbClr val="808080"/>
-              </a:solidFill>
-              <a:latin typeface="Arial"/>
-            </a:endParaRPr>
-          </a:p>
-          <a:p>
-            <a:pPr marL="432000" indent="-324000">
+              <a:latin typeface="Arial"/>
+            </a:endParaRPr>
+          </a:p>
+          <a:p>
+            <a:pPr>
+              <a:lnSpc>
+                <a:spcPct val="100000"/>
+              </a:lnSpc>
               <a:spcBef>
                 <a:spcPts val="1057"/>
               </a:spcBef>
-              <a:buClr>
-                <a:srgbClr val="000000"/>
-              </a:buClr>
-              <a:buSzPct val="45000"/>
-              <a:buFont typeface="Wingdings" charset="2"/>
-              <a:buChar char=""/>
             </a:pPr>
             <a:endParaRPr b="0" lang="en-US" sz="2400" spc="-1" strike="noStrike">
-              <a:solidFill>
-                <a:srgbClr val="808080"/>
-              </a:solidFill>
-              <a:latin typeface="Arial"/>
-            </a:endParaRPr>
-          </a:p>
-          <a:p>
-            <a:pPr marL="432000" indent="-324000">
+              <a:latin typeface="Arial"/>
+            </a:endParaRPr>
+          </a:p>
+          <a:p>
+            <a:pPr>
+              <a:lnSpc>
+                <a:spcPct val="100000"/>
+              </a:lnSpc>
               <a:spcBef>
                 <a:spcPts val="1057"/>
               </a:spcBef>
-              <a:buClr>
-                <a:srgbClr val="000000"/>
-              </a:buClr>
-              <a:buFont typeface="Liberation Serif"/>
-              <a:buAutoNum type="romanLcPeriod"/>
-            </a:pPr>
-            <a:endParaRPr b="0" lang="en-US" sz="2400" spc="-1" strike="noStrike">
-              <a:solidFill>
-                <a:srgbClr val="808080"/>
-              </a:solidFill>
-              <a:latin typeface="Arial"/>
-            </a:endParaRPr>
-          </a:p>
-          <a:p>
-            <a:pPr marL="432000" indent="-324000">
-              <a:spcBef>
-                <a:spcPts val="1057"/>
-              </a:spcBef>
-              <a:buClr>
-                <a:srgbClr val="000000"/>
-              </a:buClr>
-              <a:buFont typeface="Liberation Serif"/>
-              <a:buAutoNum type="romanLcPeriod"/>
             </a:pPr>
             <a:r>
               <a:rPr b="0" lang="en-US" sz="2400" spc="-1" strike="noStrike">
@@ -10097,9 +12179,6 @@
               <a:t>     </a:t>
             </a:r>
             <a:endParaRPr b="0" lang="en-US" sz="2400" spc="-1" strike="noStrike">
-              <a:solidFill>
-                <a:srgbClr val="808080"/>
-              </a:solidFill>
               <a:latin typeface="Arial"/>
             </a:endParaRPr>
           </a:p>
@@ -10804,4 +12883,450 @@
     </a:fmtScheme>
   </a:themeElements>
 </a:theme>
+</file>
+
+<file path=ppt/theme/theme4.xml><?xml version="1.0" encoding="utf-8"?>
+<a:theme xmlns:a="http://schemas.openxmlformats.org/drawingml/2006/main" name="Office Theme">
+  <a:themeElements>
+    <a:clrScheme name="Office">
+      <a:dk1>
+        <a:sysClr val="windowText" lastClr="000000"/>
+      </a:dk1>
+      <a:lt1>
+        <a:sysClr val="window" lastClr="FFFFFF"/>
+      </a:lt1>
+      <a:dk2>
+        <a:srgbClr val="1f497d"/>
+      </a:dk2>
+      <a:lt2>
+        <a:srgbClr val="eeece1"/>
+      </a:lt2>
+      <a:accent1>
+        <a:srgbClr val="4f81bd"/>
+      </a:accent1>
+      <a:accent2>
+        <a:srgbClr val="c0504d"/>
+      </a:accent2>
+      <a:accent3>
+        <a:srgbClr val="9bbb59"/>
+      </a:accent3>
+      <a:accent4>
+        <a:srgbClr val="8064a2"/>
+      </a:accent4>
+      <a:accent5>
+        <a:srgbClr val="4bacc6"/>
+      </a:accent5>
+      <a:accent6>
+        <a:srgbClr val="f79646"/>
+      </a:accent6>
+      <a:hlink>
+        <a:srgbClr val="0000ff"/>
+      </a:hlink>
+      <a:folHlink>
+        <a:srgbClr val="800080"/>
+      </a:folHlink>
+    </a:clrScheme>
+    <a:fontScheme name="Office">
+      <a:majorFont>
+        <a:latin typeface="Arial"/>
+        <a:ea typeface="DejaVu Sans"/>
+        <a:cs typeface="DejaVu Sans"/>
+      </a:majorFont>
+      <a:minorFont>
+        <a:latin typeface="Arial"/>
+        <a:ea typeface="DejaVu Sans"/>
+        <a:cs typeface="DejaVu Sans"/>
+      </a:minorFont>
+    </a:fontScheme>
+    <a:fmtScheme name="Office">
+      <a:fillStyleLst>
+        <a:solidFill>
+          <a:schemeClr val="phClr"/>
+        </a:solidFill>
+        <a:gradFill rotWithShape="1">
+          <a:gsLst>
+            <a:gs pos="0">
+              <a:schemeClr val="phClr">
+                <a:tint val="50000"/>
+                <a:satMod val="300000"/>
+              </a:schemeClr>
+            </a:gs>
+            <a:gs pos="35000">
+              <a:schemeClr val="phClr">
+                <a:tint val="37000"/>
+                <a:satMod val="300000"/>
+              </a:schemeClr>
+            </a:gs>
+            <a:gs pos="100000">
+              <a:schemeClr val="phClr">
+                <a:tint val="15000"/>
+                <a:satMod val="350000"/>
+              </a:schemeClr>
+            </a:gs>
+          </a:gsLst>
+          <a:lin ang="16200000" scaled="1"/>
+        </a:gradFill>
+        <a:gradFill rotWithShape="1">
+          <a:gsLst>
+            <a:gs pos="0">
+              <a:schemeClr val="phClr">
+                <a:shade val="51000"/>
+                <a:satMod val="130000"/>
+              </a:schemeClr>
+            </a:gs>
+            <a:gs pos="80000">
+              <a:schemeClr val="phClr">
+                <a:shade val="93000"/>
+                <a:satMod val="130000"/>
+              </a:schemeClr>
+            </a:gs>
+            <a:gs pos="100000">
+              <a:schemeClr val="phClr">
+                <a:shade val="94000"/>
+                <a:satMod val="135000"/>
+              </a:schemeClr>
+            </a:gs>
+          </a:gsLst>
+          <a:lin ang="16200000" scaled="0"/>
+        </a:gradFill>
+      </a:fillStyleLst>
+      <a:lnStyleLst>
+        <a:ln w="9525" cap="flat" cmpd="sng" algn="ctr">
+          <a:solidFill>
+            <a:schemeClr val="phClr">
+              <a:shade val="95000"/>
+              <a:satMod val="105000"/>
+            </a:schemeClr>
+          </a:solidFill>
+          <a:prstDash val="solid"/>
+        </a:ln>
+        <a:ln w="25400" cap="flat" cmpd="sng" algn="ctr">
+          <a:solidFill>
+            <a:schemeClr val="phClr"/>
+          </a:solidFill>
+          <a:prstDash val="solid"/>
+        </a:ln>
+        <a:ln w="38100" cap="flat" cmpd="sng" algn="ctr">
+          <a:solidFill>
+            <a:schemeClr val="phClr"/>
+          </a:solidFill>
+          <a:prstDash val="solid"/>
+        </a:ln>
+      </a:lnStyleLst>
+      <a:effectStyleLst>
+        <a:effectStyle>
+          <a:effectLst>
+            <a:outerShdw blurRad="40000" dist="20000" dir="5400000" rotWithShape="0">
+              <a:srgbClr val="000000">
+                <a:alpha val="38000"/>
+              </a:srgbClr>
+            </a:outerShdw>
+          </a:effectLst>
+        </a:effectStyle>
+        <a:effectStyle>
+          <a:effectLst>
+            <a:outerShdw blurRad="40000" dist="23000" dir="5400000" rotWithShape="0">
+              <a:srgbClr val="000000">
+                <a:alpha val="35000"/>
+              </a:srgbClr>
+            </a:outerShdw>
+          </a:effectLst>
+        </a:effectStyle>
+        <a:effectStyle>
+          <a:effectLst>
+            <a:outerShdw blurRad="40000" dist="23000" dir="5400000" rotWithShape="0">
+              <a:srgbClr val="000000">
+                <a:alpha val="35000"/>
+              </a:srgbClr>
+            </a:outerShdw>
+          </a:effectLst>
+          <a:scene3d>
+            <a:camera prst="orthographicFront">
+              <a:rot lat="0" lon="0" rev="0"/>
+            </a:camera>
+            <a:lightRig rig="threePt" dir="t">
+              <a:rot lat="0" lon="0" rev="1200000"/>
+            </a:lightRig>
+          </a:scene3d>
+          <a:sp3d>
+            <a:bevelT w="63500" h="25400"/>
+          </a:sp3d>
+        </a:effectStyle>
+      </a:effectStyleLst>
+      <a:bgFillStyleLst>
+        <a:solidFill>
+          <a:schemeClr val="phClr"/>
+        </a:solidFill>
+        <a:gradFill rotWithShape="1">
+          <a:gsLst>
+            <a:gs pos="0">
+              <a:schemeClr val="phClr">
+                <a:tint val="40000"/>
+                <a:satMod val="350000"/>
+              </a:schemeClr>
+            </a:gs>
+            <a:gs pos="40000">
+              <a:schemeClr val="phClr">
+                <a:tint val="45000"/>
+                <a:shade val="99000"/>
+                <a:satMod val="350000"/>
+              </a:schemeClr>
+            </a:gs>
+            <a:gs pos="100000">
+              <a:schemeClr val="phClr">
+                <a:shade val="20000"/>
+                <a:satMod val="255000"/>
+              </a:schemeClr>
+            </a:gs>
+          </a:gsLst>
+          <a:path path="circle">
+            <a:fillToRect l="50000" t="-80000" r="50000" b="180000"/>
+          </a:path>
+        </a:gradFill>
+        <a:gradFill rotWithShape="1">
+          <a:gsLst>
+            <a:gs pos="0">
+              <a:schemeClr val="phClr">
+                <a:tint val="80000"/>
+                <a:satMod val="300000"/>
+              </a:schemeClr>
+            </a:gs>
+            <a:gs pos="100000">
+              <a:schemeClr val="phClr">
+                <a:shade val="30000"/>
+                <a:satMod val="200000"/>
+              </a:schemeClr>
+            </a:gs>
+          </a:gsLst>
+          <a:path path="circle">
+            <a:fillToRect l="50000" t="50000" r="50000" b="50000"/>
+          </a:path>
+        </a:gradFill>
+      </a:bgFillStyleLst>
+    </a:fmtScheme>
+  </a:themeElements>
+</a:theme>
+</file>
+
+<file path=ppt/theme/theme5.xml><?xml version="1.0" encoding="utf-8"?>
+<a:theme xmlns:a="http://schemas.openxmlformats.org/drawingml/2006/main" name="Office Theme">
+  <a:themeElements>
+    <a:clrScheme name="Office">
+      <a:dk1>
+        <a:sysClr val="windowText" lastClr="000000"/>
+      </a:dk1>
+      <a:lt1>
+        <a:sysClr val="window" lastClr="FFFFFF"/>
+      </a:lt1>
+      <a:dk2>
+        <a:srgbClr val="1f497d"/>
+      </a:dk2>
+      <a:lt2>
+        <a:srgbClr val="eeece1"/>
+      </a:lt2>
+      <a:accent1>
+        <a:srgbClr val="4f81bd"/>
+      </a:accent1>
+      <a:accent2>
+        <a:srgbClr val="c0504d"/>
+      </a:accent2>
+      <a:accent3>
+        <a:srgbClr val="9bbb59"/>
+      </a:accent3>
+      <a:accent4>
+        <a:srgbClr val="8064a2"/>
+      </a:accent4>
+      <a:accent5>
+        <a:srgbClr val="4bacc6"/>
+      </a:accent5>
+      <a:accent6>
+        <a:srgbClr val="f79646"/>
+      </a:accent6>
+      <a:hlink>
+        <a:srgbClr val="0000ff"/>
+      </a:hlink>
+      <a:folHlink>
+        <a:srgbClr val="800080"/>
+      </a:folHlink>
+    </a:clrScheme>
+    <a:fontScheme name="Office">
+      <a:majorFont>
+        <a:latin typeface="Arial"/>
+        <a:ea typeface="DejaVu Sans"/>
+        <a:cs typeface="DejaVu Sans"/>
+      </a:majorFont>
+      <a:minorFont>
+        <a:latin typeface="Arial"/>
+        <a:ea typeface="DejaVu Sans"/>
+        <a:cs typeface="DejaVu Sans"/>
+      </a:minorFont>
+    </a:fontScheme>
+    <a:fmtScheme name="Office">
+      <a:fillStyleLst>
+        <a:solidFill>
+          <a:schemeClr val="phClr"/>
+        </a:solidFill>
+        <a:gradFill rotWithShape="1">
+          <a:gsLst>
+            <a:gs pos="0">
+              <a:schemeClr val="phClr">
+                <a:tint val="50000"/>
+                <a:satMod val="300000"/>
+              </a:schemeClr>
+            </a:gs>
+            <a:gs pos="35000">
+              <a:schemeClr val="phClr">
+                <a:tint val="37000"/>
+                <a:satMod val="300000"/>
+              </a:schemeClr>
+            </a:gs>
+            <a:gs pos="100000">
+              <a:schemeClr val="phClr">
+                <a:tint val="15000"/>
+                <a:satMod val="350000"/>
+              </a:schemeClr>
+            </a:gs>
+          </a:gsLst>
+          <a:lin ang="16200000" scaled="1"/>
+        </a:gradFill>
+        <a:gradFill rotWithShape="1">
+          <a:gsLst>
+            <a:gs pos="0">
+              <a:schemeClr val="phClr">
+                <a:shade val="51000"/>
+                <a:satMod val="130000"/>
+              </a:schemeClr>
+            </a:gs>
+            <a:gs pos="80000">
+              <a:schemeClr val="phClr">
+                <a:shade val="93000"/>
+                <a:satMod val="130000"/>
+              </a:schemeClr>
+            </a:gs>
+            <a:gs pos="100000">
+              <a:schemeClr val="phClr">
+                <a:shade val="94000"/>
+                <a:satMod val="135000"/>
+              </a:schemeClr>
+            </a:gs>
+          </a:gsLst>
+          <a:lin ang="16200000" scaled="0"/>
+        </a:gradFill>
+      </a:fillStyleLst>
+      <a:lnStyleLst>
+        <a:ln w="9525" cap="flat" cmpd="sng" algn="ctr">
+          <a:solidFill>
+            <a:schemeClr val="phClr">
+              <a:shade val="95000"/>
+              <a:satMod val="105000"/>
+            </a:schemeClr>
+          </a:solidFill>
+          <a:prstDash val="solid"/>
+        </a:ln>
+        <a:ln w="25400" cap="flat" cmpd="sng" algn="ctr">
+          <a:solidFill>
+            <a:schemeClr val="phClr"/>
+          </a:solidFill>
+          <a:prstDash val="solid"/>
+        </a:ln>
+        <a:ln w="38100" cap="flat" cmpd="sng" algn="ctr">
+          <a:solidFill>
+            <a:schemeClr val="phClr"/>
+          </a:solidFill>
+          <a:prstDash val="solid"/>
+        </a:ln>
+      </a:lnStyleLst>
+      <a:effectStyleLst>
+        <a:effectStyle>
+          <a:effectLst>
+            <a:outerShdw blurRad="40000" dist="20000" dir="5400000" rotWithShape="0">
+              <a:srgbClr val="000000">
+                <a:alpha val="38000"/>
+              </a:srgbClr>
+            </a:outerShdw>
+          </a:effectLst>
+        </a:effectStyle>
+        <a:effectStyle>
+          <a:effectLst>
+            <a:outerShdw blurRad="40000" dist="23000" dir="5400000" rotWithShape="0">
+              <a:srgbClr val="000000">
+                <a:alpha val="35000"/>
+              </a:srgbClr>
+            </a:outerShdw>
+          </a:effectLst>
+        </a:effectStyle>
+        <a:effectStyle>
+          <a:effectLst>
+            <a:outerShdw blurRad="40000" dist="23000" dir="5400000" rotWithShape="0">
+              <a:srgbClr val="000000">
+                <a:alpha val="35000"/>
+              </a:srgbClr>
+            </a:outerShdw>
+          </a:effectLst>
+          <a:scene3d>
+            <a:camera prst="orthographicFront">
+              <a:rot lat="0" lon="0" rev="0"/>
+            </a:camera>
+            <a:lightRig rig="threePt" dir="t">
+              <a:rot lat="0" lon="0" rev="1200000"/>
+            </a:lightRig>
+          </a:scene3d>
+          <a:sp3d>
+            <a:bevelT w="63500" h="25400"/>
+          </a:sp3d>
+        </a:effectStyle>
+      </a:effectStyleLst>
+      <a:bgFillStyleLst>
+        <a:solidFill>
+          <a:schemeClr val="phClr"/>
+        </a:solidFill>
+        <a:gradFill rotWithShape="1">
+          <a:gsLst>
+            <a:gs pos="0">
+              <a:schemeClr val="phClr">
+                <a:tint val="40000"/>
+                <a:satMod val="350000"/>
+              </a:schemeClr>
+            </a:gs>
+            <a:gs pos="40000">
+              <a:schemeClr val="phClr">
+                <a:tint val="45000"/>
+                <a:shade val="99000"/>
+                <a:satMod val="350000"/>
+              </a:schemeClr>
+            </a:gs>
+            <a:gs pos="100000">
+              <a:schemeClr val="phClr">
+                <a:shade val="20000"/>
+                <a:satMod val="255000"/>
+              </a:schemeClr>
+            </a:gs>
+          </a:gsLst>
+          <a:path path="circle">
+            <a:fillToRect l="50000" t="-80000" r="50000" b="180000"/>
+          </a:path>
+        </a:gradFill>
+        <a:gradFill rotWithShape="1">
+          <a:gsLst>
+            <a:gs pos="0">
+              <a:schemeClr val="phClr">
+                <a:tint val="80000"/>
+                <a:satMod val="300000"/>
+              </a:schemeClr>
+            </a:gs>
+            <a:gs pos="100000">
+              <a:schemeClr val="phClr">
+                <a:shade val="30000"/>
+                <a:satMod val="200000"/>
+              </a:schemeClr>
+            </a:gs>
+          </a:gsLst>
+          <a:path path="circle">
+            <a:fillToRect l="50000" t="50000" r="50000" b="50000"/>
+          </a:path>
+        </a:gradFill>
+      </a:bgFillStyleLst>
+    </a:fmtScheme>
+  </a:themeElements>
+</a:theme>
 </file>
--- a/shout yay.pptx
+++ b/shout yay.pptx
@@ -6716,7 +6716,7 @@
         <p:spPr>
           <a:xfrm>
             <a:off x="0" y="5806440"/>
-            <a:ext cx="10078560" cy="1753200"/>
+            <a:ext cx="10078200" cy="1752840"/>
           </a:xfrm>
           <a:prstGeom prst="rect">
             <a:avLst/>
@@ -6739,7 +6739,7 @@
         <p:spPr>
           <a:xfrm>
             <a:off x="504000" y="301320"/>
-            <a:ext cx="9070560" cy="636480"/>
+            <a:ext cx="9071640" cy="1261440"/>
           </a:xfrm>
           <a:prstGeom prst="rect">
             <a:avLst/>
@@ -6985,7 +6985,7 @@
         <p:spPr>
           <a:xfrm>
             <a:off x="0" y="0"/>
-            <a:ext cx="10075680" cy="940680"/>
+            <a:ext cx="10075320" cy="940320"/>
           </a:xfrm>
           <a:prstGeom prst="rect">
             <a:avLst/>
@@ -7021,7 +7021,7 @@
         <p:spPr>
           <a:xfrm>
             <a:off x="0" y="6620400"/>
-            <a:ext cx="10075680" cy="940680"/>
+            <a:ext cx="10075320" cy="940320"/>
           </a:xfrm>
           <a:prstGeom prst="rect">
             <a:avLst/>
@@ -7051,651 +7051,6 @@
       <p:sp>
         <p:nvSpPr>
           <p:cNvPr id="41" name="PlaceHolder 3"/>
-          <p:cNvSpPr>
-            <a:spLocks noGrp="1"/>
-          </p:cNvSpPr>
-          <p:nvPr>
-            <p:ph type="title"/>
-          </p:nvPr>
-        </p:nvSpPr>
-        <p:spPr>
-          <a:xfrm>
-            <a:off x="504000" y="301320"/>
-            <a:ext cx="9072000" cy="1261800"/>
-          </a:xfrm>
-          <a:prstGeom prst="rect">
-            <a:avLst/>
-          </a:prstGeom>
-        </p:spPr>
-        <p:txBody>
-          <a:bodyPr lIns="0" rIns="0" tIns="0" bIns="0" anchor="ctr"/>
-          <a:p>
-            <a:pPr algn="ctr"/>
-            <a:r>
-              <a:rPr b="0" lang="en-US" sz="4400" spc="-1" strike="noStrike">
-                <a:latin typeface="Arial"/>
-              </a:rPr>
-              <a:t>Click to edit the title text format</a:t>
-            </a:r>
-            <a:endParaRPr b="0" lang="en-US" sz="4400" spc="-1" strike="noStrike">
-              <a:latin typeface="Arial"/>
-            </a:endParaRPr>
-          </a:p>
-        </p:txBody>
-      </p:sp>
-      <p:sp>
-        <p:nvSpPr>
-          <p:cNvPr id="42" name="PlaceHolder 4"/>
-          <p:cNvSpPr>
-            <a:spLocks noGrp="1"/>
-          </p:cNvSpPr>
-          <p:nvPr>
-            <p:ph type="body"/>
-          </p:nvPr>
-        </p:nvSpPr>
-        <p:spPr>
-          <a:xfrm>
-            <a:off x="504000" y="1768680"/>
-            <a:ext cx="9072000" cy="4384080"/>
-          </a:xfrm>
-          <a:prstGeom prst="rect">
-            <a:avLst/>
-          </a:prstGeom>
-        </p:spPr>
-        <p:txBody>
-          <a:bodyPr lIns="0" rIns="0" tIns="0" bIns="0">
-            <a:normAutofit/>
-          </a:bodyPr>
-          <a:p>
-            <a:pPr marL="432000" indent="-324000">
-              <a:spcBef>
-                <a:spcPts val="1417"/>
-              </a:spcBef>
-              <a:buClr>
-                <a:srgbClr val="000000"/>
-              </a:buClr>
-              <a:buSzPct val="45000"/>
-              <a:buFont typeface="Wingdings" charset="2"/>
-              <a:buChar char=""/>
-            </a:pPr>
-            <a:r>
-              <a:rPr b="0" lang="en-US" sz="3200" spc="-1" strike="noStrike">
-                <a:latin typeface="Arial"/>
-              </a:rPr>
-              <a:t>Click to edit the outline text format</a:t>
-            </a:r>
-            <a:endParaRPr b="0" lang="en-US" sz="3200" spc="-1" strike="noStrike">
-              <a:latin typeface="Arial"/>
-            </a:endParaRPr>
-          </a:p>
-          <a:p>
-            <a:pPr lvl="1" marL="864000" indent="-324000">
-              <a:spcBef>
-                <a:spcPts val="1134"/>
-              </a:spcBef>
-              <a:buClr>
-                <a:srgbClr val="000000"/>
-              </a:buClr>
-              <a:buSzPct val="75000"/>
-              <a:buFont typeface="Symbol" charset="2"/>
-              <a:buChar char=""/>
-            </a:pPr>
-            <a:r>
-              <a:rPr b="0" lang="en-US" sz="2800" spc="-1" strike="noStrike">
-                <a:latin typeface="Arial"/>
-              </a:rPr>
-              <a:t>Second Outline Level</a:t>
-            </a:r>
-            <a:endParaRPr b="0" lang="en-US" sz="2800" spc="-1" strike="noStrike">
-              <a:latin typeface="Arial"/>
-            </a:endParaRPr>
-          </a:p>
-          <a:p>
-            <a:pPr lvl="2" marL="1296000" indent="-288000">
-              <a:spcBef>
-                <a:spcPts val="850"/>
-              </a:spcBef>
-              <a:buClr>
-                <a:srgbClr val="000000"/>
-              </a:buClr>
-              <a:buSzPct val="45000"/>
-              <a:buFont typeface="Wingdings" charset="2"/>
-              <a:buChar char=""/>
-            </a:pPr>
-            <a:r>
-              <a:rPr b="0" lang="en-US" sz="2400" spc="-1" strike="noStrike">
-                <a:latin typeface="Arial"/>
-              </a:rPr>
-              <a:t>Third Outline Level</a:t>
-            </a:r>
-            <a:endParaRPr b="0" lang="en-US" sz="2400" spc="-1" strike="noStrike">
-              <a:latin typeface="Arial"/>
-            </a:endParaRPr>
-          </a:p>
-          <a:p>
-            <a:pPr lvl="3" marL="1728000" indent="-216000">
-              <a:spcBef>
-                <a:spcPts val="567"/>
-              </a:spcBef>
-              <a:buClr>
-                <a:srgbClr val="000000"/>
-              </a:buClr>
-              <a:buSzPct val="75000"/>
-              <a:buFont typeface="Symbol" charset="2"/>
-              <a:buChar char=""/>
-            </a:pPr>
-            <a:r>
-              <a:rPr b="0" lang="en-US" sz="2000" spc="-1" strike="noStrike">
-                <a:latin typeface="Arial"/>
-              </a:rPr>
-              <a:t>Fourth Outline Level</a:t>
-            </a:r>
-            <a:endParaRPr b="0" lang="en-US" sz="2000" spc="-1" strike="noStrike">
-              <a:latin typeface="Arial"/>
-            </a:endParaRPr>
-          </a:p>
-          <a:p>
-            <a:pPr lvl="4" marL="2160000" indent="-216000">
-              <a:spcBef>
-                <a:spcPts val="283"/>
-              </a:spcBef>
-              <a:buClr>
-                <a:srgbClr val="000000"/>
-              </a:buClr>
-              <a:buSzPct val="45000"/>
-              <a:buFont typeface="Wingdings" charset="2"/>
-              <a:buChar char=""/>
-            </a:pPr>
-            <a:r>
-              <a:rPr b="0" lang="en-US" sz="2000" spc="-1" strike="noStrike">
-                <a:latin typeface="Arial"/>
-              </a:rPr>
-              <a:t>Fifth Outline Level</a:t>
-            </a:r>
-            <a:endParaRPr b="0" lang="en-US" sz="2000" spc="-1" strike="noStrike">
-              <a:latin typeface="Arial"/>
-            </a:endParaRPr>
-          </a:p>
-          <a:p>
-            <a:pPr lvl="5" marL="2592000" indent="-216000">
-              <a:spcBef>
-                <a:spcPts val="283"/>
-              </a:spcBef>
-              <a:buClr>
-                <a:srgbClr val="000000"/>
-              </a:buClr>
-              <a:buSzPct val="45000"/>
-              <a:buFont typeface="Wingdings" charset="2"/>
-              <a:buChar char=""/>
-            </a:pPr>
-            <a:r>
-              <a:rPr b="0" lang="en-US" sz="2000" spc="-1" strike="noStrike">
-                <a:latin typeface="Arial"/>
-              </a:rPr>
-              <a:t>Sixth Outline Level</a:t>
-            </a:r>
-            <a:endParaRPr b="0" lang="en-US" sz="2000" spc="-1" strike="noStrike">
-              <a:latin typeface="Arial"/>
-            </a:endParaRPr>
-          </a:p>
-          <a:p>
-            <a:pPr lvl="6" marL="3024000" indent="-216000">
-              <a:spcBef>
-                <a:spcPts val="283"/>
-              </a:spcBef>
-              <a:buClr>
-                <a:srgbClr val="000000"/>
-              </a:buClr>
-              <a:buSzPct val="45000"/>
-              <a:buFont typeface="Wingdings" charset="2"/>
-              <a:buChar char=""/>
-            </a:pPr>
-            <a:r>
-              <a:rPr b="0" lang="en-US" sz="2000" spc="-1" strike="noStrike">
-                <a:latin typeface="Arial"/>
-              </a:rPr>
-              <a:t>Seventh Outline Level</a:t>
-            </a:r>
-            <a:endParaRPr b="0" lang="en-US" sz="2000" spc="-1" strike="noStrike">
-              <a:latin typeface="Arial"/>
-            </a:endParaRPr>
-          </a:p>
-        </p:txBody>
-      </p:sp>
-    </p:spTree>
-  </p:cSld>
-  <p:clrMap bg1="lt1" bg2="lt2" tx1="dk1" tx2="dk2" accent1="accent1" accent2="accent2" accent3="accent3" accent4="accent4" accent5="accent5" accent6="accent6" hlink="hlink" folHlink="folHlink"/>
-  <p:sldLayoutIdLst>
-    <p:sldLayoutId id="2147483662" r:id="rId2"/>
-    <p:sldLayoutId id="2147483663" r:id="rId3"/>
-    <p:sldLayoutId id="2147483664" r:id="rId4"/>
-    <p:sldLayoutId id="2147483665" r:id="rId5"/>
-    <p:sldLayoutId id="2147483666" r:id="rId6"/>
-    <p:sldLayoutId id="2147483667" r:id="rId7"/>
-    <p:sldLayoutId id="2147483668" r:id="rId8"/>
-    <p:sldLayoutId id="2147483669" r:id="rId9"/>
-    <p:sldLayoutId id="2147483670" r:id="rId10"/>
-    <p:sldLayoutId id="2147483671" r:id="rId11"/>
-    <p:sldLayoutId id="2147483672" r:id="rId12"/>
-    <p:sldLayoutId id="2147483673" r:id="rId13"/>
-  </p:sldLayoutIdLst>
-</p:sldMaster>
-</file>
-
-<file path=ppt/slideMasters/slideMaster3.xml><?xml version="1.0" encoding="utf-8"?>
-<p:sldMaster xmlns:a="http://schemas.openxmlformats.org/drawingml/2006/main" xmlns:p="http://schemas.openxmlformats.org/presentationml/2006/main" xmlns:r="http://schemas.openxmlformats.org/officeDocument/2006/relationships" xmlns:p14="http://schemas.microsoft.com/office/powerpoint/2010/main" xmlns:p15="http://schemas.microsoft.com/office/powerpoint/2012/main" xmlns:mc="http://schemas.openxmlformats.org/markup-compatibility/2006">
-  <p:cSld>
-    <p:spTree>
-      <p:nvGrpSpPr>
-        <p:cNvPr id="1" name=""/>
-        <p:cNvGrpSpPr/>
-        <p:nvPr/>
-      </p:nvGrpSpPr>
-      <p:grpSpPr>
-        <a:xfrm>
-          <a:off x="0" y="0"/>
-          <a:ext cx="0" cy="0"/>
-          <a:chOff x="0" y="0"/>
-          <a:chExt cx="0" cy="0"/>
-        </a:xfrm>
-      </p:grpSpPr>
-      <p:sp>
-        <p:nvSpPr>
-          <p:cNvPr id="79" name="CustomShape 1"/>
-          <p:cNvSpPr/>
-          <p:nvPr/>
-        </p:nvSpPr>
-        <p:spPr>
-          <a:xfrm>
-            <a:off x="0" y="0"/>
-            <a:ext cx="10075680" cy="940680"/>
-          </a:xfrm>
-          <a:prstGeom prst="rect">
-            <a:avLst/>
-          </a:prstGeom>
-          <a:gradFill rotWithShape="0">
-            <a:gsLst>
-              <a:gs pos="0">
-                <a:srgbClr val="dff2fc"/>
-              </a:gs>
-              <a:gs pos="100000">
-                <a:srgbClr val="009bdd"/>
-              </a:gs>
-            </a:gsLst>
-            <a:lin ang="10800000"/>
-          </a:gradFill>
-          <a:ln>
-            <a:noFill/>
-          </a:ln>
-        </p:spPr>
-        <p:style>
-          <a:lnRef idx="0"/>
-          <a:fillRef idx="0"/>
-          <a:effectRef idx="0"/>
-          <a:fontRef idx="minor"/>
-        </p:style>
-      </p:sp>
-      <p:sp>
-        <p:nvSpPr>
-          <p:cNvPr id="80" name="CustomShape 2"/>
-          <p:cNvSpPr/>
-          <p:nvPr/>
-        </p:nvSpPr>
-        <p:spPr>
-          <a:xfrm>
-            <a:off x="0" y="6620400"/>
-            <a:ext cx="10075680" cy="940680"/>
-          </a:xfrm>
-          <a:prstGeom prst="rect">
-            <a:avLst/>
-          </a:prstGeom>
-          <a:gradFill rotWithShape="0">
-            <a:gsLst>
-              <a:gs pos="0">
-                <a:srgbClr val="dff2fc"/>
-              </a:gs>
-              <a:gs pos="100000">
-                <a:srgbClr val="009bdd"/>
-              </a:gs>
-            </a:gsLst>
-            <a:lin ang="10800000"/>
-          </a:gradFill>
-          <a:ln>
-            <a:noFill/>
-          </a:ln>
-        </p:spPr>
-        <p:style>
-          <a:lnRef idx="0"/>
-          <a:fillRef idx="0"/>
-          <a:effectRef idx="0"/>
-          <a:fontRef idx="minor"/>
-        </p:style>
-      </p:sp>
-      <p:sp>
-        <p:nvSpPr>
-          <p:cNvPr id="81" name="PlaceHolder 3"/>
-          <p:cNvSpPr>
-            <a:spLocks noGrp="1"/>
-          </p:cNvSpPr>
-          <p:nvPr>
-            <p:ph type="title"/>
-          </p:nvPr>
-        </p:nvSpPr>
-        <p:spPr>
-          <a:xfrm>
-            <a:off x="504000" y="301320"/>
-            <a:ext cx="9070560" cy="636480"/>
-          </a:xfrm>
-          <a:prstGeom prst="rect">
-            <a:avLst/>
-          </a:prstGeom>
-        </p:spPr>
-        <p:txBody>
-          <a:bodyPr lIns="0" rIns="0" tIns="0" bIns="0" anchor="ctr"/>
-          <a:p>
-            <a:r>
-              <a:rPr b="0" lang="en-US" sz="1800" spc="-1" strike="noStrike">
-                <a:latin typeface="Arial"/>
-              </a:rPr>
-              <a:t>Click to edit the title text format</a:t>
-            </a:r>
-            <a:endParaRPr b="0" lang="en-US" sz="1800" spc="-1" strike="noStrike">
-              <a:latin typeface="Arial"/>
-            </a:endParaRPr>
-          </a:p>
-        </p:txBody>
-      </p:sp>
-      <p:sp>
-        <p:nvSpPr>
-          <p:cNvPr id="82" name="PlaceHolder 4"/>
-          <p:cNvSpPr>
-            <a:spLocks noGrp="1"/>
-          </p:cNvSpPr>
-          <p:nvPr>
-            <p:ph type="body"/>
-          </p:nvPr>
-        </p:nvSpPr>
-        <p:spPr>
-          <a:xfrm>
-            <a:off x="504000" y="1769040"/>
-            <a:ext cx="9070560" cy="4383360"/>
-          </a:xfrm>
-          <a:prstGeom prst="rect">
-            <a:avLst/>
-          </a:prstGeom>
-        </p:spPr>
-        <p:txBody>
-          <a:bodyPr lIns="0" rIns="0" tIns="0" bIns="0">
-            <a:normAutofit/>
-          </a:bodyPr>
-          <a:p>
-            <a:pPr marL="432000" indent="-324000">
-              <a:spcBef>
-                <a:spcPts val="1417"/>
-              </a:spcBef>
-              <a:buClr>
-                <a:srgbClr val="000000"/>
-              </a:buClr>
-              <a:buSzPct val="45000"/>
-              <a:buFont typeface="Wingdings" charset="2"/>
-              <a:buChar char=""/>
-            </a:pPr>
-            <a:r>
-              <a:rPr b="0" lang="en-US" sz="1800" spc="-1" strike="noStrike">
-                <a:latin typeface="Arial"/>
-              </a:rPr>
-              <a:t>Click to edit the outline text format</a:t>
-            </a:r>
-            <a:endParaRPr b="0" lang="en-US" sz="1800" spc="-1" strike="noStrike">
-              <a:latin typeface="Arial"/>
-            </a:endParaRPr>
-          </a:p>
-          <a:p>
-            <a:pPr lvl="1" marL="864000" indent="-324000">
-              <a:spcBef>
-                <a:spcPts val="1134"/>
-              </a:spcBef>
-              <a:buClr>
-                <a:srgbClr val="000000"/>
-              </a:buClr>
-              <a:buSzPct val="75000"/>
-              <a:buFont typeface="Symbol" charset="2"/>
-              <a:buChar char=""/>
-            </a:pPr>
-            <a:r>
-              <a:rPr b="0" lang="en-US" sz="1800" spc="-1" strike="noStrike">
-                <a:latin typeface="Arial"/>
-              </a:rPr>
-              <a:t>Second Outline Level</a:t>
-            </a:r>
-            <a:endParaRPr b="0" lang="en-US" sz="1800" spc="-1" strike="noStrike">
-              <a:latin typeface="Arial"/>
-            </a:endParaRPr>
-          </a:p>
-          <a:p>
-            <a:pPr lvl="2" marL="1296000" indent="-288000">
-              <a:spcBef>
-                <a:spcPts val="850"/>
-              </a:spcBef>
-              <a:buClr>
-                <a:srgbClr val="000000"/>
-              </a:buClr>
-              <a:buSzPct val="45000"/>
-              <a:buFont typeface="Wingdings" charset="2"/>
-              <a:buChar char=""/>
-            </a:pPr>
-            <a:r>
-              <a:rPr b="0" lang="en-US" sz="1800" spc="-1" strike="noStrike">
-                <a:latin typeface="Arial"/>
-              </a:rPr>
-              <a:t>Third Outline Level</a:t>
-            </a:r>
-            <a:endParaRPr b="0" lang="en-US" sz="1800" spc="-1" strike="noStrike">
-              <a:latin typeface="Arial"/>
-            </a:endParaRPr>
-          </a:p>
-          <a:p>
-            <a:pPr lvl="3" marL="1728000" indent="-216000">
-              <a:spcBef>
-                <a:spcPts val="567"/>
-              </a:spcBef>
-              <a:buClr>
-                <a:srgbClr val="000000"/>
-              </a:buClr>
-              <a:buSzPct val="75000"/>
-              <a:buFont typeface="Symbol" charset="2"/>
-              <a:buChar char=""/>
-            </a:pPr>
-            <a:r>
-              <a:rPr b="0" lang="en-US" sz="1800" spc="-1" strike="noStrike">
-                <a:latin typeface="Arial"/>
-              </a:rPr>
-              <a:t>Fourth Outline Level</a:t>
-            </a:r>
-            <a:endParaRPr b="0" lang="en-US" sz="1800" spc="-1" strike="noStrike">
-              <a:latin typeface="Arial"/>
-            </a:endParaRPr>
-          </a:p>
-          <a:p>
-            <a:pPr lvl="4" marL="2160000" indent="-216000">
-              <a:spcBef>
-                <a:spcPts val="283"/>
-              </a:spcBef>
-              <a:buClr>
-                <a:srgbClr val="000000"/>
-              </a:buClr>
-              <a:buSzPct val="45000"/>
-              <a:buFont typeface="Wingdings" charset="2"/>
-              <a:buChar char=""/>
-            </a:pPr>
-            <a:r>
-              <a:rPr b="0" lang="en-US" sz="1800" spc="-1" strike="noStrike">
-                <a:latin typeface="Arial"/>
-              </a:rPr>
-              <a:t>Fifth Outline Level</a:t>
-            </a:r>
-            <a:endParaRPr b="0" lang="en-US" sz="1800" spc="-1" strike="noStrike">
-              <a:latin typeface="Arial"/>
-            </a:endParaRPr>
-          </a:p>
-          <a:p>
-            <a:pPr lvl="5" marL="2592000" indent="-216000">
-              <a:spcBef>
-                <a:spcPts val="283"/>
-              </a:spcBef>
-              <a:buClr>
-                <a:srgbClr val="000000"/>
-              </a:buClr>
-              <a:buSzPct val="45000"/>
-              <a:buFont typeface="Wingdings" charset="2"/>
-              <a:buChar char=""/>
-            </a:pPr>
-            <a:r>
-              <a:rPr b="0" lang="en-US" sz="1800" spc="-1" strike="noStrike">
-                <a:latin typeface="Arial"/>
-              </a:rPr>
-              <a:t>Sixth Outline Level</a:t>
-            </a:r>
-            <a:endParaRPr b="0" lang="en-US" sz="1800" spc="-1" strike="noStrike">
-              <a:latin typeface="Arial"/>
-            </a:endParaRPr>
-          </a:p>
-          <a:p>
-            <a:pPr lvl="6" marL="3024000" indent="-216000">
-              <a:spcBef>
-                <a:spcPts val="283"/>
-              </a:spcBef>
-              <a:buClr>
-                <a:srgbClr val="000000"/>
-              </a:buClr>
-              <a:buSzPct val="45000"/>
-              <a:buFont typeface="Wingdings" charset="2"/>
-              <a:buChar char=""/>
-            </a:pPr>
-            <a:r>
-              <a:rPr b="0" lang="en-US" sz="1800" spc="-1" strike="noStrike">
-                <a:latin typeface="Arial"/>
-              </a:rPr>
-              <a:t>Seventh Outline Level</a:t>
-            </a:r>
-            <a:endParaRPr b="0" lang="en-US" sz="1800" spc="-1" strike="noStrike">
-              <a:latin typeface="Arial"/>
-            </a:endParaRPr>
-          </a:p>
-        </p:txBody>
-      </p:sp>
-    </p:spTree>
-  </p:cSld>
-  <p:clrMap bg1="lt1" bg2="lt2" tx1="dk1" tx2="dk2" accent1="accent1" accent2="accent2" accent3="accent3" accent4="accent4" accent5="accent5" accent6="accent6" hlink="hlink" folHlink="folHlink"/>
-  <p:sldLayoutIdLst>
-    <p:sldLayoutId id="2147483675" r:id="rId2"/>
-    <p:sldLayoutId id="2147483676" r:id="rId3"/>
-    <p:sldLayoutId id="2147483677" r:id="rId4"/>
-    <p:sldLayoutId id="2147483678" r:id="rId5"/>
-    <p:sldLayoutId id="2147483679" r:id="rId6"/>
-    <p:sldLayoutId id="2147483680" r:id="rId7"/>
-    <p:sldLayoutId id="2147483681" r:id="rId8"/>
-    <p:sldLayoutId id="2147483682" r:id="rId9"/>
-    <p:sldLayoutId id="2147483683" r:id="rId10"/>
-    <p:sldLayoutId id="2147483684" r:id="rId11"/>
-    <p:sldLayoutId id="2147483685" r:id="rId12"/>
-    <p:sldLayoutId id="2147483686" r:id="rId13"/>
-  </p:sldLayoutIdLst>
-</p:sldMaster>
-</file>
-
-<file path=ppt/slideMasters/slideMaster4.xml><?xml version="1.0" encoding="utf-8"?>
-<p:sldMaster xmlns:a="http://schemas.openxmlformats.org/drawingml/2006/main" xmlns:p="http://schemas.openxmlformats.org/presentationml/2006/main" xmlns:r="http://schemas.openxmlformats.org/officeDocument/2006/relationships" xmlns:p14="http://schemas.microsoft.com/office/powerpoint/2010/main" xmlns:p15="http://schemas.microsoft.com/office/powerpoint/2012/main" xmlns:mc="http://schemas.openxmlformats.org/markup-compatibility/2006">
-  <p:cSld>
-    <p:spTree>
-      <p:nvGrpSpPr>
-        <p:cNvPr id="1" name=""/>
-        <p:cNvGrpSpPr/>
-        <p:nvPr/>
-      </p:nvGrpSpPr>
-      <p:grpSpPr>
-        <a:xfrm>
-          <a:off x="0" y="0"/>
-          <a:ext cx="0" cy="0"/>
-          <a:chOff x="0" y="0"/>
-          <a:chExt cx="0" cy="0"/>
-        </a:xfrm>
-      </p:grpSpPr>
-      <p:sp>
-        <p:nvSpPr>
-          <p:cNvPr id="119" name="CustomShape 1"/>
-          <p:cNvSpPr/>
-          <p:nvPr/>
-        </p:nvSpPr>
-        <p:spPr>
-          <a:xfrm>
-            <a:off x="0" y="0"/>
-            <a:ext cx="10075680" cy="940680"/>
-          </a:xfrm>
-          <a:prstGeom prst="rect">
-            <a:avLst/>
-          </a:prstGeom>
-          <a:gradFill rotWithShape="0">
-            <a:gsLst>
-              <a:gs pos="0">
-                <a:srgbClr val="dff2fc"/>
-              </a:gs>
-              <a:gs pos="100000">
-                <a:srgbClr val="009bdd"/>
-              </a:gs>
-            </a:gsLst>
-            <a:lin ang="10800000"/>
-          </a:gradFill>
-          <a:ln>
-            <a:noFill/>
-          </a:ln>
-        </p:spPr>
-        <p:style>
-          <a:lnRef idx="0"/>
-          <a:fillRef idx="0"/>
-          <a:effectRef idx="0"/>
-          <a:fontRef idx="minor"/>
-        </p:style>
-      </p:sp>
-      <p:sp>
-        <p:nvSpPr>
-          <p:cNvPr id="120" name="CustomShape 2"/>
-          <p:cNvSpPr/>
-          <p:nvPr/>
-        </p:nvSpPr>
-        <p:spPr>
-          <a:xfrm>
-            <a:off x="0" y="6620400"/>
-            <a:ext cx="10075680" cy="940680"/>
-          </a:xfrm>
-          <a:prstGeom prst="rect">
-            <a:avLst/>
-          </a:prstGeom>
-          <a:gradFill rotWithShape="0">
-            <a:gsLst>
-              <a:gs pos="0">
-                <a:srgbClr val="dff2fc"/>
-              </a:gs>
-              <a:gs pos="100000">
-                <a:srgbClr val="009bdd"/>
-              </a:gs>
-            </a:gsLst>
-            <a:lin ang="10800000"/>
-          </a:gradFill>
-          <a:ln>
-            <a:noFill/>
-          </a:ln>
-        </p:spPr>
-        <p:style>
-          <a:lnRef idx="0"/>
-          <a:fillRef idx="0"/>
-          <a:effectRef idx="0"/>
-          <a:fontRef idx="minor"/>
-        </p:style>
-      </p:sp>
-      <p:sp>
-        <p:nvSpPr>
-          <p:cNvPr id="121" name="PlaceHolder 3"/>
           <p:cNvSpPr>
             <a:spLocks noGrp="1"/>
           </p:cNvSpPr>
@@ -7796,6 +7151,718 @@
       </p:sp>
       <p:sp>
         <p:nvSpPr>
+          <p:cNvPr id="42" name="PlaceHolder 4"/>
+          <p:cNvSpPr>
+            <a:spLocks noGrp="1"/>
+          </p:cNvSpPr>
+          <p:nvPr>
+            <p:ph type="body"/>
+          </p:nvPr>
+        </p:nvSpPr>
+        <p:spPr>
+          <a:xfrm>
+            <a:off x="504000" y="1768680"/>
+            <a:ext cx="9072000" cy="4384080"/>
+          </a:xfrm>
+          <a:prstGeom prst="rect">
+            <a:avLst/>
+          </a:prstGeom>
+        </p:spPr>
+        <p:txBody>
+          <a:bodyPr lIns="0" rIns="0" tIns="0" bIns="0">
+            <a:normAutofit/>
+          </a:bodyPr>
+          <a:p>
+            <a:pPr marL="432000" indent="-324000">
+              <a:spcBef>
+                <a:spcPts val="1417"/>
+              </a:spcBef>
+              <a:buClr>
+                <a:srgbClr val="000000"/>
+              </a:buClr>
+              <a:buSzPct val="45000"/>
+              <a:buFont typeface="Wingdings" charset="2"/>
+              <a:buChar char=""/>
+            </a:pPr>
+            <a:r>
+              <a:rPr b="0" lang="en-US" sz="3200" spc="-1" strike="noStrike">
+                <a:latin typeface="Arial"/>
+              </a:rPr>
+              <a:t>Click to edit the outline text format</a:t>
+            </a:r>
+            <a:endParaRPr b="0" lang="en-US" sz="3200" spc="-1" strike="noStrike">
+              <a:latin typeface="Arial"/>
+            </a:endParaRPr>
+          </a:p>
+          <a:p>
+            <a:pPr lvl="1" marL="864000" indent="-324000">
+              <a:spcBef>
+                <a:spcPts val="1134"/>
+              </a:spcBef>
+              <a:buClr>
+                <a:srgbClr val="000000"/>
+              </a:buClr>
+              <a:buSzPct val="75000"/>
+              <a:buFont typeface="Symbol" charset="2"/>
+              <a:buChar char=""/>
+            </a:pPr>
+            <a:r>
+              <a:rPr b="0" lang="en-US" sz="2800" spc="-1" strike="noStrike">
+                <a:latin typeface="Arial"/>
+              </a:rPr>
+              <a:t>Second Outline Level</a:t>
+            </a:r>
+            <a:endParaRPr b="0" lang="en-US" sz="2800" spc="-1" strike="noStrike">
+              <a:latin typeface="Arial"/>
+            </a:endParaRPr>
+          </a:p>
+          <a:p>
+            <a:pPr lvl="2" marL="1296000" indent="-288000">
+              <a:spcBef>
+                <a:spcPts val="850"/>
+              </a:spcBef>
+              <a:buClr>
+                <a:srgbClr val="000000"/>
+              </a:buClr>
+              <a:buSzPct val="45000"/>
+              <a:buFont typeface="Wingdings" charset="2"/>
+              <a:buChar char=""/>
+            </a:pPr>
+            <a:r>
+              <a:rPr b="0" lang="en-US" sz="2400" spc="-1" strike="noStrike">
+                <a:latin typeface="Arial"/>
+              </a:rPr>
+              <a:t>Third Outline Level</a:t>
+            </a:r>
+            <a:endParaRPr b="0" lang="en-US" sz="2400" spc="-1" strike="noStrike">
+              <a:latin typeface="Arial"/>
+            </a:endParaRPr>
+          </a:p>
+          <a:p>
+            <a:pPr lvl="3" marL="1728000" indent="-216000">
+              <a:spcBef>
+                <a:spcPts val="567"/>
+              </a:spcBef>
+              <a:buClr>
+                <a:srgbClr val="000000"/>
+              </a:buClr>
+              <a:buSzPct val="75000"/>
+              <a:buFont typeface="Symbol" charset="2"/>
+              <a:buChar char=""/>
+            </a:pPr>
+            <a:r>
+              <a:rPr b="0" lang="en-US" sz="2000" spc="-1" strike="noStrike">
+                <a:latin typeface="Arial"/>
+              </a:rPr>
+              <a:t>Fourth Outline Level</a:t>
+            </a:r>
+            <a:endParaRPr b="0" lang="en-US" sz="2000" spc="-1" strike="noStrike">
+              <a:latin typeface="Arial"/>
+            </a:endParaRPr>
+          </a:p>
+          <a:p>
+            <a:pPr lvl="4" marL="2160000" indent="-216000">
+              <a:spcBef>
+                <a:spcPts val="283"/>
+              </a:spcBef>
+              <a:buClr>
+                <a:srgbClr val="000000"/>
+              </a:buClr>
+              <a:buSzPct val="45000"/>
+              <a:buFont typeface="Wingdings" charset="2"/>
+              <a:buChar char=""/>
+            </a:pPr>
+            <a:r>
+              <a:rPr b="0" lang="en-US" sz="2000" spc="-1" strike="noStrike">
+                <a:latin typeface="Arial"/>
+              </a:rPr>
+              <a:t>Fifth Outline Level</a:t>
+            </a:r>
+            <a:endParaRPr b="0" lang="en-US" sz="2000" spc="-1" strike="noStrike">
+              <a:latin typeface="Arial"/>
+            </a:endParaRPr>
+          </a:p>
+          <a:p>
+            <a:pPr lvl="5" marL="2592000" indent="-216000">
+              <a:spcBef>
+                <a:spcPts val="283"/>
+              </a:spcBef>
+              <a:buClr>
+                <a:srgbClr val="000000"/>
+              </a:buClr>
+              <a:buSzPct val="45000"/>
+              <a:buFont typeface="Wingdings" charset="2"/>
+              <a:buChar char=""/>
+            </a:pPr>
+            <a:r>
+              <a:rPr b="0" lang="en-US" sz="2000" spc="-1" strike="noStrike">
+                <a:latin typeface="Arial"/>
+              </a:rPr>
+              <a:t>Sixth Outline Level</a:t>
+            </a:r>
+            <a:endParaRPr b="0" lang="en-US" sz="2000" spc="-1" strike="noStrike">
+              <a:latin typeface="Arial"/>
+            </a:endParaRPr>
+          </a:p>
+          <a:p>
+            <a:pPr lvl="6" marL="3024000" indent="-216000">
+              <a:spcBef>
+                <a:spcPts val="283"/>
+              </a:spcBef>
+              <a:buClr>
+                <a:srgbClr val="000000"/>
+              </a:buClr>
+              <a:buSzPct val="45000"/>
+              <a:buFont typeface="Wingdings" charset="2"/>
+              <a:buChar char=""/>
+            </a:pPr>
+            <a:r>
+              <a:rPr b="0" lang="en-US" sz="2000" spc="-1" strike="noStrike">
+                <a:latin typeface="Arial"/>
+              </a:rPr>
+              <a:t>Seventh Outline Level</a:t>
+            </a:r>
+            <a:endParaRPr b="0" lang="en-US" sz="2000" spc="-1" strike="noStrike">
+              <a:latin typeface="Arial"/>
+            </a:endParaRPr>
+          </a:p>
+        </p:txBody>
+      </p:sp>
+    </p:spTree>
+  </p:cSld>
+  <p:clrMap bg1="lt1" bg2="lt2" tx1="dk1" tx2="dk2" accent1="accent1" accent2="accent2" accent3="accent3" accent4="accent4" accent5="accent5" accent6="accent6" hlink="hlink" folHlink="folHlink"/>
+  <p:sldLayoutIdLst>
+    <p:sldLayoutId id="2147483662" r:id="rId2"/>
+    <p:sldLayoutId id="2147483663" r:id="rId3"/>
+    <p:sldLayoutId id="2147483664" r:id="rId4"/>
+    <p:sldLayoutId id="2147483665" r:id="rId5"/>
+    <p:sldLayoutId id="2147483666" r:id="rId6"/>
+    <p:sldLayoutId id="2147483667" r:id="rId7"/>
+    <p:sldLayoutId id="2147483668" r:id="rId8"/>
+    <p:sldLayoutId id="2147483669" r:id="rId9"/>
+    <p:sldLayoutId id="2147483670" r:id="rId10"/>
+    <p:sldLayoutId id="2147483671" r:id="rId11"/>
+    <p:sldLayoutId id="2147483672" r:id="rId12"/>
+    <p:sldLayoutId id="2147483673" r:id="rId13"/>
+  </p:sldLayoutIdLst>
+</p:sldMaster>
+</file>
+
+<file path=ppt/slideMasters/slideMaster3.xml><?xml version="1.0" encoding="utf-8"?>
+<p:sldMaster xmlns:a="http://schemas.openxmlformats.org/drawingml/2006/main" xmlns:p="http://schemas.openxmlformats.org/presentationml/2006/main" xmlns:r="http://schemas.openxmlformats.org/officeDocument/2006/relationships" xmlns:p14="http://schemas.microsoft.com/office/powerpoint/2010/main" xmlns:p15="http://schemas.microsoft.com/office/powerpoint/2012/main" xmlns:mc="http://schemas.openxmlformats.org/markup-compatibility/2006">
+  <p:cSld>
+    <p:spTree>
+      <p:nvGrpSpPr>
+        <p:cNvPr id="1" name=""/>
+        <p:cNvGrpSpPr/>
+        <p:nvPr/>
+      </p:nvGrpSpPr>
+      <p:grpSpPr>
+        <a:xfrm>
+          <a:off x="0" y="0"/>
+          <a:ext cx="0" cy="0"/>
+          <a:chOff x="0" y="0"/>
+          <a:chExt cx="0" cy="0"/>
+        </a:xfrm>
+      </p:grpSpPr>
+      <p:sp>
+        <p:nvSpPr>
+          <p:cNvPr id="79" name="CustomShape 1"/>
+          <p:cNvSpPr/>
+          <p:nvPr/>
+        </p:nvSpPr>
+        <p:spPr>
+          <a:xfrm>
+            <a:off x="0" y="0"/>
+            <a:ext cx="10075320" cy="940320"/>
+          </a:xfrm>
+          <a:prstGeom prst="rect">
+            <a:avLst/>
+          </a:prstGeom>
+          <a:gradFill rotWithShape="0">
+            <a:gsLst>
+              <a:gs pos="0">
+                <a:srgbClr val="dff2fc"/>
+              </a:gs>
+              <a:gs pos="100000">
+                <a:srgbClr val="009bdd"/>
+              </a:gs>
+            </a:gsLst>
+            <a:lin ang="10800000"/>
+          </a:gradFill>
+          <a:ln>
+            <a:noFill/>
+          </a:ln>
+        </p:spPr>
+        <p:style>
+          <a:lnRef idx="0"/>
+          <a:fillRef idx="0"/>
+          <a:effectRef idx="0"/>
+          <a:fontRef idx="minor"/>
+        </p:style>
+      </p:sp>
+      <p:sp>
+        <p:nvSpPr>
+          <p:cNvPr id="80" name="CustomShape 2"/>
+          <p:cNvSpPr/>
+          <p:nvPr/>
+        </p:nvSpPr>
+        <p:spPr>
+          <a:xfrm>
+            <a:off x="0" y="6620400"/>
+            <a:ext cx="10075320" cy="940320"/>
+          </a:xfrm>
+          <a:prstGeom prst="rect">
+            <a:avLst/>
+          </a:prstGeom>
+          <a:gradFill rotWithShape="0">
+            <a:gsLst>
+              <a:gs pos="0">
+                <a:srgbClr val="dff2fc"/>
+              </a:gs>
+              <a:gs pos="100000">
+                <a:srgbClr val="009bdd"/>
+              </a:gs>
+            </a:gsLst>
+            <a:lin ang="10800000"/>
+          </a:gradFill>
+          <a:ln>
+            <a:noFill/>
+          </a:ln>
+        </p:spPr>
+        <p:style>
+          <a:lnRef idx="0"/>
+          <a:fillRef idx="0"/>
+          <a:effectRef idx="0"/>
+          <a:fontRef idx="minor"/>
+        </p:style>
+      </p:sp>
+      <p:sp>
+        <p:nvSpPr>
+          <p:cNvPr id="81" name="PlaceHolder 3"/>
+          <p:cNvSpPr>
+            <a:spLocks noGrp="1"/>
+          </p:cNvSpPr>
+          <p:nvPr>
+            <p:ph type="title"/>
+          </p:nvPr>
+        </p:nvSpPr>
+        <p:spPr>
+          <a:xfrm>
+            <a:off x="504000" y="301320"/>
+            <a:ext cx="9072000" cy="1261800"/>
+          </a:xfrm>
+          <a:prstGeom prst="rect">
+            <a:avLst/>
+          </a:prstGeom>
+        </p:spPr>
+        <p:txBody>
+          <a:bodyPr lIns="0" rIns="0" tIns="0" bIns="0" anchor="ctr"/>
+          <a:p>
+            <a:pPr algn="ctr"/>
+            <a:r>
+              <a:rPr b="0" lang="en-US" sz="4400" spc="-1" strike="noStrike">
+                <a:latin typeface="Arial"/>
+              </a:rPr>
+              <a:t>Cli</a:t>
+            </a:r>
+            <a:r>
+              <a:rPr b="0" lang="en-US" sz="4400" spc="-1" strike="noStrike">
+                <a:latin typeface="Arial"/>
+              </a:rPr>
+              <a:t>ck </a:t>
+            </a:r>
+            <a:r>
+              <a:rPr b="0" lang="en-US" sz="4400" spc="-1" strike="noStrike">
+                <a:latin typeface="Arial"/>
+              </a:rPr>
+              <a:t>to </a:t>
+            </a:r>
+            <a:r>
+              <a:rPr b="0" lang="en-US" sz="4400" spc="-1" strike="noStrike">
+                <a:latin typeface="Arial"/>
+              </a:rPr>
+              <a:t>edi</a:t>
+            </a:r>
+            <a:r>
+              <a:rPr b="0" lang="en-US" sz="4400" spc="-1" strike="noStrike">
+                <a:latin typeface="Arial"/>
+              </a:rPr>
+              <a:t>t </a:t>
+            </a:r>
+            <a:r>
+              <a:rPr b="0" lang="en-US" sz="4400" spc="-1" strike="noStrike">
+                <a:latin typeface="Arial"/>
+              </a:rPr>
+              <a:t>the </a:t>
+            </a:r>
+            <a:r>
+              <a:rPr b="0" lang="en-US" sz="4400" spc="-1" strike="noStrike">
+                <a:latin typeface="Arial"/>
+              </a:rPr>
+              <a:t>title </a:t>
+            </a:r>
+            <a:r>
+              <a:rPr b="0" lang="en-US" sz="4400" spc="-1" strike="noStrike">
+                <a:latin typeface="Arial"/>
+              </a:rPr>
+              <a:t>tex</a:t>
+            </a:r>
+            <a:r>
+              <a:rPr b="0" lang="en-US" sz="4400" spc="-1" strike="noStrike">
+                <a:latin typeface="Arial"/>
+              </a:rPr>
+              <a:t>t </a:t>
+            </a:r>
+            <a:r>
+              <a:rPr b="0" lang="en-US" sz="4400" spc="-1" strike="noStrike">
+                <a:latin typeface="Arial"/>
+              </a:rPr>
+              <a:t>for</a:t>
+            </a:r>
+            <a:r>
+              <a:rPr b="0" lang="en-US" sz="4400" spc="-1" strike="noStrike">
+                <a:latin typeface="Arial"/>
+              </a:rPr>
+              <a:t>ma</a:t>
+            </a:r>
+            <a:r>
+              <a:rPr b="0" lang="en-US" sz="4400" spc="-1" strike="noStrike">
+                <a:latin typeface="Arial"/>
+              </a:rPr>
+              <a:t>t</a:t>
+            </a:r>
+            <a:endParaRPr b="0" lang="en-US" sz="4400" spc="-1" strike="noStrike">
+              <a:latin typeface="Arial"/>
+            </a:endParaRPr>
+          </a:p>
+        </p:txBody>
+      </p:sp>
+      <p:sp>
+        <p:nvSpPr>
+          <p:cNvPr id="82" name="PlaceHolder 4"/>
+          <p:cNvSpPr>
+            <a:spLocks noGrp="1"/>
+          </p:cNvSpPr>
+          <p:nvPr>
+            <p:ph type="body"/>
+          </p:nvPr>
+        </p:nvSpPr>
+        <p:spPr>
+          <a:xfrm>
+            <a:off x="504000" y="1768680"/>
+            <a:ext cx="9072000" cy="4384080"/>
+          </a:xfrm>
+          <a:prstGeom prst="rect">
+            <a:avLst/>
+          </a:prstGeom>
+        </p:spPr>
+        <p:txBody>
+          <a:bodyPr lIns="0" rIns="0" tIns="0" bIns="0">
+            <a:normAutofit/>
+          </a:bodyPr>
+          <a:p>
+            <a:pPr marL="432000" indent="-324000">
+              <a:spcBef>
+                <a:spcPts val="1417"/>
+              </a:spcBef>
+              <a:buClr>
+                <a:srgbClr val="000000"/>
+              </a:buClr>
+              <a:buSzPct val="45000"/>
+              <a:buFont typeface="Wingdings" charset="2"/>
+              <a:buChar char=""/>
+            </a:pPr>
+            <a:r>
+              <a:rPr b="0" lang="en-US" sz="3200" spc="-1" strike="noStrike">
+                <a:latin typeface="Arial"/>
+              </a:rPr>
+              <a:t>Click to edit the outline text format</a:t>
+            </a:r>
+            <a:endParaRPr b="0" lang="en-US" sz="3200" spc="-1" strike="noStrike">
+              <a:latin typeface="Arial"/>
+            </a:endParaRPr>
+          </a:p>
+          <a:p>
+            <a:pPr lvl="1" marL="864000" indent="-324000">
+              <a:spcBef>
+                <a:spcPts val="1134"/>
+              </a:spcBef>
+              <a:buClr>
+                <a:srgbClr val="000000"/>
+              </a:buClr>
+              <a:buSzPct val="75000"/>
+              <a:buFont typeface="Symbol" charset="2"/>
+              <a:buChar char=""/>
+            </a:pPr>
+            <a:r>
+              <a:rPr b="0" lang="en-US" sz="2800" spc="-1" strike="noStrike">
+                <a:latin typeface="Arial"/>
+              </a:rPr>
+              <a:t>Second Outline Level</a:t>
+            </a:r>
+            <a:endParaRPr b="0" lang="en-US" sz="2800" spc="-1" strike="noStrike">
+              <a:latin typeface="Arial"/>
+            </a:endParaRPr>
+          </a:p>
+          <a:p>
+            <a:pPr lvl="2" marL="1296000" indent="-288000">
+              <a:spcBef>
+                <a:spcPts val="850"/>
+              </a:spcBef>
+              <a:buClr>
+                <a:srgbClr val="000000"/>
+              </a:buClr>
+              <a:buSzPct val="45000"/>
+              <a:buFont typeface="Wingdings" charset="2"/>
+              <a:buChar char=""/>
+            </a:pPr>
+            <a:r>
+              <a:rPr b="0" lang="en-US" sz="2400" spc="-1" strike="noStrike">
+                <a:latin typeface="Arial"/>
+              </a:rPr>
+              <a:t>Third Outline Level</a:t>
+            </a:r>
+            <a:endParaRPr b="0" lang="en-US" sz="2400" spc="-1" strike="noStrike">
+              <a:latin typeface="Arial"/>
+            </a:endParaRPr>
+          </a:p>
+          <a:p>
+            <a:pPr lvl="3" marL="1728000" indent="-216000">
+              <a:spcBef>
+                <a:spcPts val="567"/>
+              </a:spcBef>
+              <a:buClr>
+                <a:srgbClr val="000000"/>
+              </a:buClr>
+              <a:buSzPct val="75000"/>
+              <a:buFont typeface="Symbol" charset="2"/>
+              <a:buChar char=""/>
+            </a:pPr>
+            <a:r>
+              <a:rPr b="0" lang="en-US" sz="2000" spc="-1" strike="noStrike">
+                <a:latin typeface="Arial"/>
+              </a:rPr>
+              <a:t>Fourth Outline Level</a:t>
+            </a:r>
+            <a:endParaRPr b="0" lang="en-US" sz="2000" spc="-1" strike="noStrike">
+              <a:latin typeface="Arial"/>
+            </a:endParaRPr>
+          </a:p>
+          <a:p>
+            <a:pPr lvl="4" marL="2160000" indent="-216000">
+              <a:spcBef>
+                <a:spcPts val="283"/>
+              </a:spcBef>
+              <a:buClr>
+                <a:srgbClr val="000000"/>
+              </a:buClr>
+              <a:buSzPct val="45000"/>
+              <a:buFont typeface="Wingdings" charset="2"/>
+              <a:buChar char=""/>
+            </a:pPr>
+            <a:r>
+              <a:rPr b="0" lang="en-US" sz="2000" spc="-1" strike="noStrike">
+                <a:latin typeface="Arial"/>
+              </a:rPr>
+              <a:t>Fifth Outline Level</a:t>
+            </a:r>
+            <a:endParaRPr b="0" lang="en-US" sz="2000" spc="-1" strike="noStrike">
+              <a:latin typeface="Arial"/>
+            </a:endParaRPr>
+          </a:p>
+          <a:p>
+            <a:pPr lvl="5" marL="2592000" indent="-216000">
+              <a:spcBef>
+                <a:spcPts val="283"/>
+              </a:spcBef>
+              <a:buClr>
+                <a:srgbClr val="000000"/>
+              </a:buClr>
+              <a:buSzPct val="45000"/>
+              <a:buFont typeface="Wingdings" charset="2"/>
+              <a:buChar char=""/>
+            </a:pPr>
+            <a:r>
+              <a:rPr b="0" lang="en-US" sz="2000" spc="-1" strike="noStrike">
+                <a:latin typeface="Arial"/>
+              </a:rPr>
+              <a:t>Sixth Outline Level</a:t>
+            </a:r>
+            <a:endParaRPr b="0" lang="en-US" sz="2000" spc="-1" strike="noStrike">
+              <a:latin typeface="Arial"/>
+            </a:endParaRPr>
+          </a:p>
+          <a:p>
+            <a:pPr lvl="6" marL="3024000" indent="-216000">
+              <a:spcBef>
+                <a:spcPts val="283"/>
+              </a:spcBef>
+              <a:buClr>
+                <a:srgbClr val="000000"/>
+              </a:buClr>
+              <a:buSzPct val="45000"/>
+              <a:buFont typeface="Wingdings" charset="2"/>
+              <a:buChar char=""/>
+            </a:pPr>
+            <a:r>
+              <a:rPr b="0" lang="en-US" sz="2000" spc="-1" strike="noStrike">
+                <a:latin typeface="Arial"/>
+              </a:rPr>
+              <a:t>Seventh Outline Level</a:t>
+            </a:r>
+            <a:endParaRPr b="0" lang="en-US" sz="2000" spc="-1" strike="noStrike">
+              <a:latin typeface="Arial"/>
+            </a:endParaRPr>
+          </a:p>
+        </p:txBody>
+      </p:sp>
+    </p:spTree>
+  </p:cSld>
+  <p:clrMap bg1="lt1" bg2="lt2" tx1="dk1" tx2="dk2" accent1="accent1" accent2="accent2" accent3="accent3" accent4="accent4" accent5="accent5" accent6="accent6" hlink="hlink" folHlink="folHlink"/>
+  <p:sldLayoutIdLst>
+    <p:sldLayoutId id="2147483675" r:id="rId2"/>
+    <p:sldLayoutId id="2147483676" r:id="rId3"/>
+    <p:sldLayoutId id="2147483677" r:id="rId4"/>
+    <p:sldLayoutId id="2147483678" r:id="rId5"/>
+    <p:sldLayoutId id="2147483679" r:id="rId6"/>
+    <p:sldLayoutId id="2147483680" r:id="rId7"/>
+    <p:sldLayoutId id="2147483681" r:id="rId8"/>
+    <p:sldLayoutId id="2147483682" r:id="rId9"/>
+    <p:sldLayoutId id="2147483683" r:id="rId10"/>
+    <p:sldLayoutId id="2147483684" r:id="rId11"/>
+    <p:sldLayoutId id="2147483685" r:id="rId12"/>
+    <p:sldLayoutId id="2147483686" r:id="rId13"/>
+  </p:sldLayoutIdLst>
+</p:sldMaster>
+</file>
+
+<file path=ppt/slideMasters/slideMaster4.xml><?xml version="1.0" encoding="utf-8"?>
+<p:sldMaster xmlns:a="http://schemas.openxmlformats.org/drawingml/2006/main" xmlns:p="http://schemas.openxmlformats.org/presentationml/2006/main" xmlns:r="http://schemas.openxmlformats.org/officeDocument/2006/relationships" xmlns:p14="http://schemas.microsoft.com/office/powerpoint/2010/main" xmlns:p15="http://schemas.microsoft.com/office/powerpoint/2012/main" xmlns:mc="http://schemas.openxmlformats.org/markup-compatibility/2006">
+  <p:cSld>
+    <p:spTree>
+      <p:nvGrpSpPr>
+        <p:cNvPr id="1" name=""/>
+        <p:cNvGrpSpPr/>
+        <p:nvPr/>
+      </p:nvGrpSpPr>
+      <p:grpSpPr>
+        <a:xfrm>
+          <a:off x="0" y="0"/>
+          <a:ext cx="0" cy="0"/>
+          <a:chOff x="0" y="0"/>
+          <a:chExt cx="0" cy="0"/>
+        </a:xfrm>
+      </p:grpSpPr>
+      <p:sp>
+        <p:nvSpPr>
+          <p:cNvPr id="119" name="CustomShape 1"/>
+          <p:cNvSpPr/>
+          <p:nvPr/>
+        </p:nvSpPr>
+        <p:spPr>
+          <a:xfrm>
+            <a:off x="0" y="0"/>
+            <a:ext cx="10075320" cy="940320"/>
+          </a:xfrm>
+          <a:prstGeom prst="rect">
+            <a:avLst/>
+          </a:prstGeom>
+          <a:gradFill rotWithShape="0">
+            <a:gsLst>
+              <a:gs pos="0">
+                <a:srgbClr val="dff2fc"/>
+              </a:gs>
+              <a:gs pos="100000">
+                <a:srgbClr val="009bdd"/>
+              </a:gs>
+            </a:gsLst>
+            <a:lin ang="10800000"/>
+          </a:gradFill>
+          <a:ln>
+            <a:noFill/>
+          </a:ln>
+        </p:spPr>
+        <p:style>
+          <a:lnRef idx="0"/>
+          <a:fillRef idx="0"/>
+          <a:effectRef idx="0"/>
+          <a:fontRef idx="minor"/>
+        </p:style>
+      </p:sp>
+      <p:sp>
+        <p:nvSpPr>
+          <p:cNvPr id="120" name="CustomShape 2"/>
+          <p:cNvSpPr/>
+          <p:nvPr/>
+        </p:nvSpPr>
+        <p:spPr>
+          <a:xfrm>
+            <a:off x="0" y="6620400"/>
+            <a:ext cx="10075320" cy="940320"/>
+          </a:xfrm>
+          <a:prstGeom prst="rect">
+            <a:avLst/>
+          </a:prstGeom>
+          <a:gradFill rotWithShape="0">
+            <a:gsLst>
+              <a:gs pos="0">
+                <a:srgbClr val="dff2fc"/>
+              </a:gs>
+              <a:gs pos="100000">
+                <a:srgbClr val="009bdd"/>
+              </a:gs>
+            </a:gsLst>
+            <a:lin ang="10800000"/>
+          </a:gradFill>
+          <a:ln>
+            <a:noFill/>
+          </a:ln>
+        </p:spPr>
+        <p:style>
+          <a:lnRef idx="0"/>
+          <a:fillRef idx="0"/>
+          <a:effectRef idx="0"/>
+          <a:fontRef idx="minor"/>
+        </p:style>
+      </p:sp>
+      <p:sp>
+        <p:nvSpPr>
+          <p:cNvPr id="121" name="PlaceHolder 3"/>
+          <p:cNvSpPr>
+            <a:spLocks noGrp="1"/>
+          </p:cNvSpPr>
+          <p:nvPr>
+            <p:ph type="title"/>
+          </p:nvPr>
+        </p:nvSpPr>
+        <p:spPr>
+          <a:xfrm>
+            <a:off x="504000" y="301320"/>
+            <a:ext cx="9072000" cy="1261800"/>
+          </a:xfrm>
+          <a:prstGeom prst="rect">
+            <a:avLst/>
+          </a:prstGeom>
+        </p:spPr>
+        <p:txBody>
+          <a:bodyPr lIns="0" rIns="0" tIns="0" bIns="0" anchor="ctr"/>
+          <a:p>
+            <a:pPr algn="ctr"/>
+            <a:r>
+              <a:rPr b="0" lang="en-US" sz="4400" spc="-1" strike="noStrike">
+                <a:latin typeface="Arial"/>
+              </a:rPr>
+              <a:t>Click to edit the title text format</a:t>
+            </a:r>
+            <a:endParaRPr b="0" lang="en-US" sz="4400" spc="-1" strike="noStrike">
+              <a:latin typeface="Arial"/>
+            </a:endParaRPr>
+          </a:p>
+        </p:txBody>
+      </p:sp>
+      <p:sp>
+        <p:nvSpPr>
           <p:cNvPr id="122" name="PlaceHolder 4"/>
           <p:cNvSpPr>
             <a:spLocks noGrp="1"/>
@@ -8019,7 +8086,7 @@
         <p:spPr>
           <a:xfrm>
             <a:off x="0" y="0"/>
-            <a:ext cx="10075680" cy="940680"/>
+            <a:ext cx="10075320" cy="940320"/>
           </a:xfrm>
           <a:prstGeom prst="rect">
             <a:avLst/>
@@ -8055,7 +8122,7 @@
         <p:spPr>
           <a:xfrm>
             <a:off x="0" y="6620400"/>
-            <a:ext cx="10075680" cy="940680"/>
+            <a:ext cx="10075320" cy="940320"/>
           </a:xfrm>
           <a:prstGeom prst="rect">
             <a:avLst/>
@@ -8095,7 +8162,7 @@
         <p:spPr>
           <a:xfrm>
             <a:off x="504000" y="301320"/>
-            <a:ext cx="9070560" cy="636480"/>
+            <a:ext cx="9072000" cy="1261800"/>
           </a:xfrm>
           <a:prstGeom prst="rect">
             <a:avLst/>
@@ -8104,31 +8171,14 @@
         <p:txBody>
           <a:bodyPr lIns="0" rIns="0" tIns="0" bIns="0" anchor="ctr"/>
           <a:p>
+            <a:pPr algn="ctr"/>
             <a:r>
-              <a:rPr b="0" lang="en-US" sz="1800" spc="-1" strike="noStrike">
+              <a:rPr b="0" lang="en-US" sz="4400" spc="-1" strike="noStrike">
                 <a:latin typeface="Arial"/>
               </a:rPr>
-              <a:t>Click to </a:t>
+              <a:t>Click to edit the title text format</a:t>
             </a:r>
-            <a:r>
-              <a:rPr b="0" lang="en-US" sz="1800" spc="-1" strike="noStrike">
-                <a:latin typeface="Arial"/>
-              </a:rPr>
-              <a:t>edit the </a:t>
-            </a:r>
-            <a:r>
-              <a:rPr b="0" lang="en-US" sz="1800" spc="-1" strike="noStrike">
-                <a:latin typeface="Arial"/>
-              </a:rPr>
-              <a:t>title text </a:t>
-            </a:r>
-            <a:r>
-              <a:rPr b="0" lang="en-US" sz="1800" spc="-1" strike="noStrike">
-                <a:latin typeface="Arial"/>
-              </a:rPr>
-              <a:t>format</a:t>
-            </a:r>
-            <a:endParaRPr b="0" lang="en-US" sz="1800" spc="-1" strike="noStrike">
+            <a:endParaRPr b="0" lang="en-US" sz="4400" spc="-1" strike="noStrike">
               <a:latin typeface="Arial"/>
             </a:endParaRPr>
           </a:p>
@@ -8146,8 +8196,8 @@
         </p:nvSpPr>
         <p:spPr>
           <a:xfrm>
-            <a:off x="504000" y="1769040"/>
-            <a:ext cx="9070560" cy="4383360"/>
+            <a:off x="504000" y="1768680"/>
+            <a:ext cx="9072000" cy="4384080"/>
           </a:xfrm>
           <a:prstGeom prst="rect">
             <a:avLst/>
@@ -8170,12 +8220,12 @@
               <a:buChar char=""/>
             </a:pPr>
             <a:r>
-              <a:rPr b="0" lang="en-US" sz="1800" spc="-1" strike="noStrike">
+              <a:rPr b="0" lang="en-US" sz="3200" spc="-1" strike="noStrike">
                 <a:latin typeface="Arial"/>
               </a:rPr>
               <a:t>Click to edit the outline text format</a:t>
             </a:r>
-            <a:endParaRPr b="0" lang="en-US" sz="1800" spc="-1" strike="noStrike">
+            <a:endParaRPr b="0" lang="en-US" sz="3200" spc="-1" strike="noStrike">
               <a:latin typeface="Arial"/>
             </a:endParaRPr>
           </a:p>
@@ -8192,12 +8242,12 @@
               <a:buChar char=""/>
             </a:pPr>
             <a:r>
-              <a:rPr b="0" lang="en-US" sz="1800" spc="-1" strike="noStrike">
+              <a:rPr b="0" lang="en-US" sz="2800" spc="-1" strike="noStrike">
                 <a:latin typeface="Arial"/>
               </a:rPr>
               <a:t>Second Outline Level</a:t>
             </a:r>
-            <a:endParaRPr b="0" lang="en-US" sz="1800" spc="-1" strike="noStrike">
+            <a:endParaRPr b="0" lang="en-US" sz="2800" spc="-1" strike="noStrike">
               <a:latin typeface="Arial"/>
             </a:endParaRPr>
           </a:p>
@@ -8214,12 +8264,12 @@
               <a:buChar char=""/>
             </a:pPr>
             <a:r>
-              <a:rPr b="0" lang="en-US" sz="1800" spc="-1" strike="noStrike">
+              <a:rPr b="0" lang="en-US" sz="2400" spc="-1" strike="noStrike">
                 <a:latin typeface="Arial"/>
               </a:rPr>
               <a:t>Third Outline Level</a:t>
             </a:r>
-            <a:endParaRPr b="0" lang="en-US" sz="1800" spc="-1" strike="noStrike">
+            <a:endParaRPr b="0" lang="en-US" sz="2400" spc="-1" strike="noStrike">
               <a:latin typeface="Arial"/>
             </a:endParaRPr>
           </a:p>
@@ -8236,12 +8286,12 @@
               <a:buChar char=""/>
             </a:pPr>
             <a:r>
-              <a:rPr b="0" lang="en-US" sz="1800" spc="-1" strike="noStrike">
+              <a:rPr b="0" lang="en-US" sz="2000" spc="-1" strike="noStrike">
                 <a:latin typeface="Arial"/>
               </a:rPr>
               <a:t>Fourth Outline Level</a:t>
             </a:r>
-            <a:endParaRPr b="0" lang="en-US" sz="1800" spc="-1" strike="noStrike">
+            <a:endParaRPr b="0" lang="en-US" sz="2000" spc="-1" strike="noStrike">
               <a:latin typeface="Arial"/>
             </a:endParaRPr>
           </a:p>
@@ -8258,12 +8308,12 @@
               <a:buChar char=""/>
             </a:pPr>
             <a:r>
-              <a:rPr b="0" lang="en-US" sz="1800" spc="-1" strike="noStrike">
+              <a:rPr b="0" lang="en-US" sz="2000" spc="-1" strike="noStrike">
                 <a:latin typeface="Arial"/>
               </a:rPr>
               <a:t>Fifth Outline Level</a:t>
             </a:r>
-            <a:endParaRPr b="0" lang="en-US" sz="1800" spc="-1" strike="noStrike">
+            <a:endParaRPr b="0" lang="en-US" sz="2000" spc="-1" strike="noStrike">
               <a:latin typeface="Arial"/>
             </a:endParaRPr>
           </a:p>
@@ -8280,12 +8330,12 @@
               <a:buChar char=""/>
             </a:pPr>
             <a:r>
-              <a:rPr b="0" lang="en-US" sz="1800" spc="-1" strike="noStrike">
+              <a:rPr b="0" lang="en-US" sz="2000" spc="-1" strike="noStrike">
                 <a:latin typeface="Arial"/>
               </a:rPr>
               <a:t>Sixth Outline Level</a:t>
             </a:r>
-            <a:endParaRPr b="0" lang="en-US" sz="1800" spc="-1" strike="noStrike">
+            <a:endParaRPr b="0" lang="en-US" sz="2000" spc="-1" strike="noStrike">
               <a:latin typeface="Arial"/>
             </a:endParaRPr>
           </a:p>
@@ -8302,12 +8352,12 @@
               <a:buChar char=""/>
             </a:pPr>
             <a:r>
-              <a:rPr b="0" lang="en-US" sz="1800" spc="-1" strike="noStrike">
+              <a:rPr b="0" lang="en-US" sz="2000" spc="-1" strike="noStrike">
                 <a:latin typeface="Arial"/>
               </a:rPr>
               <a:t>Seventh Outline Level</a:t>
             </a:r>
-            <a:endParaRPr b="0" lang="en-US" sz="1800" spc="-1" strike="noStrike">
+            <a:endParaRPr b="0" lang="en-US" sz="2000" spc="-1" strike="noStrike">
               <a:latin typeface="Arial"/>
             </a:endParaRPr>
           </a:p>
@@ -8359,7 +8409,7 @@
         <p:spPr>
           <a:xfrm>
             <a:off x="0" y="1137600"/>
-            <a:ext cx="9070560" cy="3668400"/>
+            <a:ext cx="9070200" cy="3668040"/>
           </a:xfrm>
           <a:prstGeom prst="rect">
             <a:avLst/>
@@ -8567,6 +8617,9 @@
       </p:sp>
     </p:spTree>
   </p:cSld>
+  <p:transition spd="med">
+    <p:wedge/>
+  </p:transition>
   <p:timing>
     <p:tnLst>
       <p:par>
@@ -8623,7 +8676,7 @@
         <p:spPr>
           <a:xfrm>
             <a:off x="504000" y="301320"/>
-            <a:ext cx="9070560" cy="636480"/>
+            <a:ext cx="9070200" cy="636120"/>
           </a:xfrm>
           <a:prstGeom prst="rect">
             <a:avLst/>
@@ -8653,6 +8706,7 @@
                   <a:srgbClr val="666666"/>
                 </a:solidFill>
                 <a:latin typeface="Arial"/>
+                <a:ea typeface="DejaVu Sans"/>
               </a:rPr>
               <a:t>Sharing</a:t>
             </a:r>
@@ -8671,7 +8725,7 @@
         <p:spPr>
           <a:xfrm>
             <a:off x="504000" y="1769040"/>
-            <a:ext cx="9070560" cy="4383360"/>
+            <a:ext cx="9070200" cy="4383000"/>
           </a:xfrm>
           <a:prstGeom prst="rect">
             <a:avLst/>
@@ -8692,7 +8746,7 @@
             <a:normAutofit/>
           </a:bodyPr>
           <a:p>
-            <a:pPr marL="432000" indent="-323640">
+            <a:pPr marL="432000" indent="-323280">
               <a:lnSpc>
                 <a:spcPct val="100000"/>
               </a:lnSpc>
@@ -8712,6 +8766,7 @@
                   <a:srgbClr val="808080"/>
                 </a:solidFill>
                 <a:latin typeface="Arial"/>
+                <a:ea typeface="DejaVu Sans"/>
               </a:rPr>
               <a:t>Source-(https://github.com/YaminThwe/University_Student_Registration_System_Admin?fbclid=IwAR2H88aSiVSS1ukD7iAlHUfioNBeATFJlj0L8xUXF7rm4CKg0urtxWeHeyM)</a:t>
             </a:r>
@@ -8734,7 +8789,7 @@
         <p:spPr>
           <a:xfrm>
             <a:off x="3291840" y="3383280"/>
-            <a:ext cx="3474360" cy="2769120"/>
+            <a:ext cx="3474000" cy="2768760"/>
           </a:xfrm>
           <a:prstGeom prst="rect">
             <a:avLst/>
@@ -8757,7 +8812,7 @@
         <p:spPr>
           <a:xfrm>
             <a:off x="8251920" y="3749040"/>
-            <a:ext cx="1828440" cy="1828440"/>
+            <a:ext cx="1828080" cy="1828080"/>
           </a:xfrm>
           <a:prstGeom prst="rect">
             <a:avLst/>
@@ -8780,7 +8835,7 @@
         <p:spPr>
           <a:xfrm>
             <a:off x="0" y="3840480"/>
-            <a:ext cx="1828440" cy="1828440"/>
+            <a:ext cx="1828080" cy="1828080"/>
           </a:xfrm>
           <a:prstGeom prst="rect">
             <a:avLst/>
@@ -8792,6 +8847,9 @@
       </p:pic>
     </p:spTree>
   </p:cSld>
+  <p:transition spd="med">
+    <p:wedge/>
+  </p:transition>
   <p:timing>
     <p:tnLst>
       <p:par>
@@ -8848,7 +8906,7 @@
         <p:spPr>
           <a:xfrm>
             <a:off x="504000" y="301320"/>
-            <a:ext cx="9070560" cy="636480"/>
+            <a:ext cx="9070200" cy="636120"/>
           </a:xfrm>
           <a:prstGeom prst="rect">
             <a:avLst/>
@@ -8878,6 +8936,7 @@
                   <a:srgbClr val="666666"/>
                 </a:solidFill>
                 <a:latin typeface="Arial"/>
+                <a:ea typeface="DejaVu Sans"/>
               </a:rPr>
               <a:t>Thanks For Your Attention !</a:t>
             </a:r>
@@ -8900,7 +8959,7 @@
         <p:spPr>
           <a:xfrm>
             <a:off x="0" y="938160"/>
-            <a:ext cx="10080360" cy="5736600"/>
+            <a:ext cx="10080000" cy="5736240"/>
           </a:xfrm>
           <a:prstGeom prst="rect">
             <a:avLst/>
@@ -8923,7 +8982,7 @@
         <p:spPr>
           <a:xfrm>
             <a:off x="2468880" y="1371600"/>
-            <a:ext cx="4876200" cy="4876200"/>
+            <a:ext cx="4875840" cy="4875840"/>
           </a:xfrm>
           <a:prstGeom prst="rect">
             <a:avLst/>
@@ -8935,6 +8994,9 @@
       </p:pic>
     </p:spTree>
   </p:cSld>
+  <p:transition spd="med">
+    <p:wedge/>
+  </p:transition>
   <p:timing>
     <p:tnLst>
       <p:par>
@@ -8991,7 +9053,7 @@
         <p:spPr>
           <a:xfrm>
             <a:off x="-731520" y="1188720"/>
-            <a:ext cx="9070560" cy="636480"/>
+            <a:ext cx="9070200" cy="636120"/>
           </a:xfrm>
           <a:prstGeom prst="rect">
             <a:avLst/>
@@ -10695,6 +10757,9 @@
       </p:graphicFrame>
     </p:spTree>
   </p:cSld>
+  <p:transition spd="med">
+    <p:wedge/>
+  </p:transition>
   <p:timing>
     <p:tnLst>
       <p:par>
@@ -10751,7 +10816,7 @@
         <p:spPr>
           <a:xfrm>
             <a:off x="504000" y="301320"/>
-            <a:ext cx="9070560" cy="636480"/>
+            <a:ext cx="9070200" cy="636120"/>
           </a:xfrm>
           <a:prstGeom prst="rect">
             <a:avLst/>
@@ -10800,7 +10865,7 @@
         <p:spPr>
           <a:xfrm>
             <a:off x="640080" y="2011680"/>
-            <a:ext cx="9070560" cy="4383360"/>
+            <a:ext cx="9070200" cy="4383000"/>
           </a:xfrm>
           <a:prstGeom prst="rect">
             <a:avLst/>
@@ -10826,7 +10891,7 @@
         <p:spPr>
           <a:xfrm>
             <a:off x="504000" y="1804680"/>
-            <a:ext cx="9071640" cy="4383720"/>
+            <a:ext cx="9071280" cy="4383360"/>
           </a:xfrm>
           <a:prstGeom prst="rect">
             <a:avLst/>
@@ -10847,7 +10912,7 @@
             <a:normAutofit/>
           </a:bodyPr>
           <a:p>
-            <a:pPr marL="432000" indent="-323640">
+            <a:pPr marL="432000" indent="-323280">
               <a:lnSpc>
                 <a:spcPct val="100000"/>
               </a:lnSpc>
@@ -10867,6 +10932,7 @@
                   <a:srgbClr val="808080"/>
                 </a:solidFill>
                 <a:latin typeface="Arial"/>
+                <a:ea typeface="DejaVu Sans"/>
               </a:rPr>
               <a:t>Nowadays internet serves as an important role in our society.</a:t>
             </a:r>
@@ -10875,7 +10941,7 @@
             </a:endParaRPr>
           </a:p>
           <a:p>
-            <a:pPr marL="432000" indent="-323640">
+            <a:pPr marL="432000" indent="-323280">
               <a:lnSpc>
                 <a:spcPct val="100000"/>
               </a:lnSpc>
@@ -10895,6 +10961,7 @@
                   <a:srgbClr val="808080"/>
                 </a:solidFill>
                 <a:latin typeface="Arial"/>
+                <a:ea typeface="DejaVu Sans"/>
               </a:rPr>
               <a:t>As the technology develop,we are trying to create and use the software for some of the complex process of our life.</a:t>
             </a:r>
@@ -10903,7 +10970,7 @@
             </a:endParaRPr>
           </a:p>
           <a:p>
-            <a:pPr marL="432000" indent="-323640">
+            <a:pPr marL="432000" indent="-323280">
               <a:lnSpc>
                 <a:spcPct val="100000"/>
               </a:lnSpc>
@@ -10923,6 +10990,7 @@
                   <a:srgbClr val="808080"/>
                 </a:solidFill>
                 <a:latin typeface="Arial"/>
+                <a:ea typeface="DejaVu Sans"/>
               </a:rPr>
               <a:t>We think University enrollment system software will be indeed useful for us.</a:t>
             </a:r>
@@ -10931,7 +10999,7 @@
             </a:endParaRPr>
           </a:p>
           <a:p>
-            <a:pPr marL="432000" indent="-323640">
+            <a:pPr marL="432000" indent="-323280">
               <a:lnSpc>
                 <a:spcPct val="100000"/>
               </a:lnSpc>
@@ -10951,6 +11019,7 @@
                   <a:srgbClr val="808080"/>
                 </a:solidFill>
                 <a:latin typeface="Arial"/>
+                <a:ea typeface="DejaVu Sans"/>
               </a:rPr>
               <a:t>We can know the activities of our university by this software.</a:t>
             </a:r>
@@ -10962,6 +11031,9 @@
       </p:sp>
     </p:spTree>
   </p:cSld>
+  <p:transition spd="med">
+    <p:wedge/>
+  </p:transition>
   <p:timing>
     <p:tnLst>
       <p:par>
@@ -11018,7 +11090,7 @@
         <p:spPr>
           <a:xfrm>
             <a:off x="504000" y="301320"/>
-            <a:ext cx="9070560" cy="636480"/>
+            <a:ext cx="9070200" cy="636120"/>
           </a:xfrm>
           <a:prstGeom prst="rect">
             <a:avLst/>
@@ -11067,7 +11139,7 @@
         <p:spPr>
           <a:xfrm>
             <a:off x="504000" y="1769040"/>
-            <a:ext cx="9070560" cy="4383360"/>
+            <a:ext cx="9070200" cy="4383000"/>
           </a:xfrm>
           <a:prstGeom prst="rect">
             <a:avLst/>
@@ -11086,7 +11158,7 @@
         <p:txBody>
           <a:bodyPr lIns="0" rIns="0" tIns="0" bIns="0"/>
           <a:p>
-            <a:pPr marL="432000" indent="-322920">
+            <a:pPr marL="432000" indent="-322560">
               <a:lnSpc>
                 <a:spcPct val="100000"/>
               </a:lnSpc>
@@ -11115,7 +11187,7 @@
             </a:endParaRPr>
           </a:p>
           <a:p>
-            <a:pPr marL="432000" indent="-322920">
+            <a:pPr marL="432000" indent="-322560">
               <a:lnSpc>
                 <a:spcPct val="100000"/>
               </a:lnSpc>
@@ -11144,7 +11216,7 @@
             </a:endParaRPr>
           </a:p>
           <a:p>
-            <a:pPr marL="432000" indent="-322920">
+            <a:pPr marL="432000" indent="-322560">
               <a:lnSpc>
                 <a:spcPct val="100000"/>
               </a:lnSpc>
@@ -11176,6 +11248,9 @@
       </p:sp>
     </p:spTree>
   </p:cSld>
+  <p:transition spd="med">
+    <p:wedge/>
+  </p:transition>
   <p:timing>
     <p:tnLst>
       <p:par>
@@ -11232,7 +11307,7 @@
         <p:spPr>
           <a:xfrm>
             <a:off x="504000" y="301320"/>
-            <a:ext cx="9070560" cy="636480"/>
+            <a:ext cx="9070200" cy="636120"/>
           </a:xfrm>
           <a:prstGeom prst="rect">
             <a:avLst/>
@@ -11281,7 +11356,7 @@
         <p:spPr>
           <a:xfrm>
             <a:off x="504000" y="1769040"/>
-            <a:ext cx="9070560" cy="4383360"/>
+            <a:ext cx="9070200" cy="4383000"/>
           </a:xfrm>
           <a:prstGeom prst="rect">
             <a:avLst/>
@@ -11300,7 +11375,7 @@
         <p:txBody>
           <a:bodyPr lIns="0" rIns="0" tIns="0" bIns="0"/>
           <a:p>
-            <a:pPr marL="432000" indent="-322920">
+            <a:pPr marL="432000" indent="-322560">
               <a:lnSpc>
                 <a:spcPct val="100000"/>
               </a:lnSpc>
@@ -11329,7 +11404,7 @@
             </a:endParaRPr>
           </a:p>
           <a:p>
-            <a:pPr marL="432000" indent="-322920">
+            <a:pPr marL="432000" indent="-322560">
               <a:lnSpc>
                 <a:spcPct val="100000"/>
               </a:lnSpc>
@@ -11358,7 +11433,7 @@
             </a:endParaRPr>
           </a:p>
           <a:p>
-            <a:pPr marL="432000" indent="-322920">
+            <a:pPr marL="432000" indent="-322560">
               <a:lnSpc>
                 <a:spcPct val="100000"/>
               </a:lnSpc>
@@ -11387,7 +11462,7 @@
             </a:endParaRPr>
           </a:p>
           <a:p>
-            <a:pPr marL="432000" indent="-322920">
+            <a:pPr marL="432000" indent="-322560">
               <a:lnSpc>
                 <a:spcPct val="100000"/>
               </a:lnSpc>
@@ -11419,6 +11494,9 @@
       </p:sp>
     </p:spTree>
   </p:cSld>
+  <p:transition spd="med">
+    <p:wedge/>
+  </p:transition>
   <p:timing>
     <p:tnLst>
       <p:par>
@@ -11475,7 +11553,7 @@
         <p:spPr>
           <a:xfrm>
             <a:off x="504000" y="301320"/>
-            <a:ext cx="9070560" cy="636480"/>
+            <a:ext cx="9070200" cy="636120"/>
           </a:xfrm>
           <a:prstGeom prst="rect">
             <a:avLst/>
@@ -11529,7 +11607,7 @@
         <p:spPr>
           <a:xfrm>
             <a:off x="1097280" y="1920240"/>
-            <a:ext cx="3565440" cy="2833920"/>
+            <a:ext cx="3565080" cy="2833560"/>
           </a:xfrm>
           <a:prstGeom prst="rect">
             <a:avLst/>
@@ -11552,7 +11630,7 @@
         <p:spPr>
           <a:xfrm>
             <a:off x="5486400" y="1479600"/>
-            <a:ext cx="3511080" cy="3274560"/>
+            <a:ext cx="3510720" cy="3274200"/>
           </a:xfrm>
           <a:prstGeom prst="rect">
             <a:avLst/>
@@ -11564,6 +11642,9 @@
       </p:pic>
     </p:spTree>
   </p:cSld>
+  <p:transition spd="med">
+    <p:wedge/>
+  </p:transition>
   <p:timing>
     <p:tnLst>
       <p:par>
@@ -11620,7 +11701,7 @@
         <p:spPr>
           <a:xfrm>
             <a:off x="504000" y="301320"/>
-            <a:ext cx="9070560" cy="636480"/>
+            <a:ext cx="9070200" cy="636120"/>
           </a:xfrm>
           <a:prstGeom prst="rect">
             <a:avLst/>
@@ -11669,7 +11750,7 @@
         <p:spPr>
           <a:xfrm>
             <a:off x="504000" y="1769040"/>
-            <a:ext cx="9070560" cy="4383360"/>
+            <a:ext cx="9070200" cy="4383000"/>
           </a:xfrm>
           <a:prstGeom prst="rect">
             <a:avLst/>
@@ -11690,7 +11771,7 @@
             <a:normAutofit/>
           </a:bodyPr>
           <a:p>
-            <a:pPr marL="432000" indent="-323280">
+            <a:pPr marL="432000" indent="-322920">
               <a:lnSpc>
                 <a:spcPct val="100000"/>
               </a:lnSpc>
@@ -11719,7 +11800,7 @@
             </a:endParaRPr>
           </a:p>
           <a:p>
-            <a:pPr marL="432000" indent="-323280">
+            <a:pPr marL="432000" indent="-322920">
               <a:lnSpc>
                 <a:spcPct val="100000"/>
               </a:lnSpc>
@@ -11748,7 +11829,7 @@
             </a:endParaRPr>
           </a:p>
           <a:p>
-            <a:pPr marL="432000" indent="-323280">
+            <a:pPr marL="432000" indent="-322920">
               <a:lnSpc>
                 <a:spcPct val="100000"/>
               </a:lnSpc>
@@ -11780,6 +11861,9 @@
       </p:sp>
     </p:spTree>
   </p:cSld>
+  <p:transition spd="med">
+    <p:wedge/>
+  </p:transition>
   <p:timing>
     <p:tnLst>
       <p:par>
@@ -11836,7 +11920,7 @@
         <p:spPr>
           <a:xfrm>
             <a:off x="504000" y="301320"/>
-            <a:ext cx="9070560" cy="636480"/>
+            <a:ext cx="9070200" cy="636120"/>
           </a:xfrm>
           <a:prstGeom prst="rect">
             <a:avLst/>
@@ -11885,7 +11969,7 @@
         <p:spPr>
           <a:xfrm>
             <a:off x="504000" y="1769040"/>
-            <a:ext cx="9070560" cy="4383360"/>
+            <a:ext cx="9070200" cy="4383000"/>
           </a:xfrm>
           <a:prstGeom prst="rect">
             <a:avLst/>
@@ -11906,7 +11990,7 @@
             <a:normAutofit/>
           </a:bodyPr>
           <a:p>
-            <a:pPr marL="432000" indent="-323280">
+            <a:pPr marL="432000" indent="-322920">
               <a:lnSpc>
                 <a:spcPct val="100000"/>
               </a:lnSpc>
@@ -11935,7 +12019,7 @@
             </a:endParaRPr>
           </a:p>
           <a:p>
-            <a:pPr marL="432000" indent="-323280">
+            <a:pPr marL="432000" indent="-322920">
               <a:lnSpc>
                 <a:spcPct val="100000"/>
               </a:lnSpc>
@@ -11967,6 +12051,9 @@
       </p:sp>
     </p:spTree>
   </p:cSld>
+  <p:transition spd="med">
+    <p:wedge/>
+  </p:transition>
   <p:timing>
     <p:tnLst>
       <p:par>
@@ -12023,7 +12110,7 @@
         <p:spPr>
           <a:xfrm>
             <a:off x="504000" y="301320"/>
-            <a:ext cx="9070560" cy="636480"/>
+            <a:ext cx="9070200" cy="636120"/>
           </a:xfrm>
           <a:prstGeom prst="rect">
             <a:avLst/>
@@ -12053,6 +12140,7 @@
                   <a:srgbClr val="666666"/>
                 </a:solidFill>
                 <a:latin typeface="Arial"/>
+                <a:ea typeface="DejaVu Sans"/>
               </a:rPr>
               <a:t>Further Extension</a:t>
             </a:r>
@@ -12071,7 +12159,7 @@
         <p:spPr>
           <a:xfrm>
             <a:off x="504000" y="1769040"/>
-            <a:ext cx="9070560" cy="4383360"/>
+            <a:ext cx="9070200" cy="4383000"/>
           </a:xfrm>
           <a:prstGeom prst="rect">
             <a:avLst/>
@@ -12092,7 +12180,7 @@
             <a:normAutofit/>
           </a:bodyPr>
           <a:p>
-            <a:pPr marL="432000" indent="-323640">
+            <a:pPr marL="432000" indent="-323280">
               <a:lnSpc>
                 <a:spcPct val="100000"/>
               </a:lnSpc>
@@ -12112,6 +12200,7 @@
                   <a:srgbClr val="808080"/>
                 </a:solidFill>
                 <a:latin typeface="Arial"/>
+                <a:ea typeface="DejaVu Sans"/>
               </a:rPr>
               <a:t>Widely used in various university and college.</a:t>
             </a:r>
@@ -12120,7 +12209,7 @@
             </a:endParaRPr>
           </a:p>
           <a:p>
-            <a:pPr marL="432000" indent="-323640">
+            <a:pPr marL="432000" indent="-323280">
               <a:lnSpc>
                 <a:spcPct val="100000"/>
               </a:lnSpc>
@@ -12140,6 +12229,7 @@
                   <a:srgbClr val="808080"/>
                 </a:solidFill>
                 <a:latin typeface="Arial"/>
+                <a:ea typeface="DejaVu Sans"/>
               </a:rPr>
               <a:t>Can add other features – E library system,Canteen Ordering system,detail about Majors,Technology share and chat room and etc.                                   </a:t>
             </a:r>
@@ -12175,6 +12265,7 @@
                   <a:srgbClr val="808080"/>
                 </a:solidFill>
                 <a:latin typeface="Arial"/>
+                <a:ea typeface="DejaVu Sans"/>
               </a:rPr>
               <a:t>     </a:t>
             </a:r>
@@ -12186,6 +12277,9 @@
       </p:sp>
     </p:spTree>
   </p:cSld>
+  <p:transition spd="med">
+    <p:wedge/>
+  </p:transition>
   <p:timing>
     <p:tnLst>
       <p:par>

--- a/shout yay.pptx
+++ b/shout yay.pptx
@@ -6716,7 +6716,7 @@
         <p:spPr>
           <a:xfrm>
             <a:off x="0" y="5806440"/>
-            <a:ext cx="10078200" cy="1752840"/>
+            <a:ext cx="10077840" cy="1752480"/>
           </a:xfrm>
           <a:prstGeom prst="rect">
             <a:avLst/>
@@ -6985,7 +6985,7 @@
         <p:spPr>
           <a:xfrm>
             <a:off x="0" y="0"/>
-            <a:ext cx="10075320" cy="940320"/>
+            <a:ext cx="10074960" cy="939960"/>
           </a:xfrm>
           <a:prstGeom prst="rect">
             <a:avLst/>
@@ -7021,7 +7021,7 @@
         <p:spPr>
           <a:xfrm>
             <a:off x="0" y="6620400"/>
-            <a:ext cx="10075320" cy="940320"/>
+            <a:ext cx="10074960" cy="939960"/>
           </a:xfrm>
           <a:prstGeom prst="rect">
             <a:avLst/>
@@ -7075,73 +7075,7 @@
               <a:rPr b="0" lang="en-US" sz="4400" spc="-1" strike="noStrike">
                 <a:latin typeface="Arial"/>
               </a:rPr>
-              <a:t>Cli</a:t>
-            </a:r>
-            <a:r>
-              <a:rPr b="0" lang="en-US" sz="4400" spc="-1" strike="noStrike">
-                <a:latin typeface="Arial"/>
-              </a:rPr>
-              <a:t>ck </a:t>
-            </a:r>
-            <a:r>
-              <a:rPr b="0" lang="en-US" sz="4400" spc="-1" strike="noStrike">
-                <a:latin typeface="Arial"/>
-              </a:rPr>
-              <a:t>to </a:t>
-            </a:r>
-            <a:r>
-              <a:rPr b="0" lang="en-US" sz="4400" spc="-1" strike="noStrike">
-                <a:latin typeface="Arial"/>
-              </a:rPr>
-              <a:t>edi</a:t>
-            </a:r>
-            <a:r>
-              <a:rPr b="0" lang="en-US" sz="4400" spc="-1" strike="noStrike">
-                <a:latin typeface="Arial"/>
-              </a:rPr>
-              <a:t>t </a:t>
-            </a:r>
-            <a:r>
-              <a:rPr b="0" lang="en-US" sz="4400" spc="-1" strike="noStrike">
-                <a:latin typeface="Arial"/>
-              </a:rPr>
-              <a:t>the </a:t>
-            </a:r>
-            <a:r>
-              <a:rPr b="0" lang="en-US" sz="4400" spc="-1" strike="noStrike">
-                <a:latin typeface="Arial"/>
-              </a:rPr>
-              <a:t>title </a:t>
-            </a:r>
-            <a:r>
-              <a:rPr b="0" lang="en-US" sz="4400" spc="-1" strike="noStrike">
-                <a:latin typeface="Arial"/>
-              </a:rPr>
-              <a:t>tex</a:t>
-            </a:r>
-            <a:r>
-              <a:rPr b="0" lang="en-US" sz="4400" spc="-1" strike="noStrike">
-                <a:latin typeface="Arial"/>
-              </a:rPr>
-              <a:t>t </a:t>
-            </a:r>
-            <a:r>
-              <a:rPr b="0" lang="en-US" sz="4400" spc="-1" strike="noStrike">
-                <a:latin typeface="Arial"/>
-              </a:rPr>
-              <a:t>for</a:t>
-            </a:r>
-            <a:r>
-              <a:rPr b="0" lang="en-US" sz="4400" spc="-1" strike="noStrike">
-                <a:latin typeface="Arial"/>
-              </a:rPr>
-              <a:t>ma</a:t>
-            </a:r>
-            <a:r>
-              <a:rPr b="0" lang="en-US" sz="4400" spc="-1" strike="noStrike">
-                <a:latin typeface="Arial"/>
-              </a:rPr>
-              <a:t>t</a:t>
+              <a:t>Click to edit the title text format</a:t>
             </a:r>
             <a:endParaRPr b="0" lang="en-US" sz="4400" spc="-1" strike="noStrike">
               <a:latin typeface="Arial"/>
@@ -7374,7 +7308,7 @@
         <p:spPr>
           <a:xfrm>
             <a:off x="0" y="0"/>
-            <a:ext cx="10075320" cy="940320"/>
+            <a:ext cx="10074960" cy="939960"/>
           </a:xfrm>
           <a:prstGeom prst="rect">
             <a:avLst/>
@@ -7410,7 +7344,7 @@
         <p:spPr>
           <a:xfrm>
             <a:off x="0" y="6620400"/>
-            <a:ext cx="10075320" cy="940320"/>
+            <a:ext cx="10074960" cy="939960"/>
           </a:xfrm>
           <a:prstGeom prst="rect">
             <a:avLst/>
@@ -7464,73 +7398,7 @@
               <a:rPr b="0" lang="en-US" sz="4400" spc="-1" strike="noStrike">
                 <a:latin typeface="Arial"/>
               </a:rPr>
-              <a:t>Cli</a:t>
-            </a:r>
-            <a:r>
-              <a:rPr b="0" lang="en-US" sz="4400" spc="-1" strike="noStrike">
-                <a:latin typeface="Arial"/>
-              </a:rPr>
-              <a:t>ck </a:t>
-            </a:r>
-            <a:r>
-              <a:rPr b="0" lang="en-US" sz="4400" spc="-1" strike="noStrike">
-                <a:latin typeface="Arial"/>
-              </a:rPr>
-              <a:t>to </a:t>
-            </a:r>
-            <a:r>
-              <a:rPr b="0" lang="en-US" sz="4400" spc="-1" strike="noStrike">
-                <a:latin typeface="Arial"/>
-              </a:rPr>
-              <a:t>edi</a:t>
-            </a:r>
-            <a:r>
-              <a:rPr b="0" lang="en-US" sz="4400" spc="-1" strike="noStrike">
-                <a:latin typeface="Arial"/>
-              </a:rPr>
-              <a:t>t </a:t>
-            </a:r>
-            <a:r>
-              <a:rPr b="0" lang="en-US" sz="4400" spc="-1" strike="noStrike">
-                <a:latin typeface="Arial"/>
-              </a:rPr>
-              <a:t>the </a:t>
-            </a:r>
-            <a:r>
-              <a:rPr b="0" lang="en-US" sz="4400" spc="-1" strike="noStrike">
-                <a:latin typeface="Arial"/>
-              </a:rPr>
-              <a:t>title </a:t>
-            </a:r>
-            <a:r>
-              <a:rPr b="0" lang="en-US" sz="4400" spc="-1" strike="noStrike">
-                <a:latin typeface="Arial"/>
-              </a:rPr>
-              <a:t>tex</a:t>
-            </a:r>
-            <a:r>
-              <a:rPr b="0" lang="en-US" sz="4400" spc="-1" strike="noStrike">
-                <a:latin typeface="Arial"/>
-              </a:rPr>
-              <a:t>t </a:t>
-            </a:r>
-            <a:r>
-              <a:rPr b="0" lang="en-US" sz="4400" spc="-1" strike="noStrike">
-                <a:latin typeface="Arial"/>
-              </a:rPr>
-              <a:t>for</a:t>
-            </a:r>
-            <a:r>
-              <a:rPr b="0" lang="en-US" sz="4400" spc="-1" strike="noStrike">
-                <a:latin typeface="Arial"/>
-              </a:rPr>
-              <a:t>ma</a:t>
-            </a:r>
-            <a:r>
-              <a:rPr b="0" lang="en-US" sz="4400" spc="-1" strike="noStrike">
-                <a:latin typeface="Arial"/>
-              </a:rPr>
-              <a:t>t</a:t>
+              <a:t>Click to edit the title text format</a:t>
             </a:r>
             <a:endParaRPr b="0" lang="en-US" sz="4400" spc="-1" strike="noStrike">
               <a:latin typeface="Arial"/>
@@ -7763,7 +7631,7 @@
         <p:spPr>
           <a:xfrm>
             <a:off x="0" y="0"/>
-            <a:ext cx="10075320" cy="940320"/>
+            <a:ext cx="10074960" cy="939960"/>
           </a:xfrm>
           <a:prstGeom prst="rect">
             <a:avLst/>
@@ -7799,7 +7667,7 @@
         <p:spPr>
           <a:xfrm>
             <a:off x="0" y="6620400"/>
-            <a:ext cx="10075320" cy="940320"/>
+            <a:ext cx="10074960" cy="939960"/>
           </a:xfrm>
           <a:prstGeom prst="rect">
             <a:avLst/>
@@ -8086,7 +7954,7 @@
         <p:spPr>
           <a:xfrm>
             <a:off x="0" y="0"/>
-            <a:ext cx="10075320" cy="940320"/>
+            <a:ext cx="10074960" cy="939960"/>
           </a:xfrm>
           <a:prstGeom prst="rect">
             <a:avLst/>
@@ -8122,7 +7990,7 @@
         <p:spPr>
           <a:xfrm>
             <a:off x="0" y="6620400"/>
-            <a:ext cx="10075320" cy="940320"/>
+            <a:ext cx="10074960" cy="939960"/>
           </a:xfrm>
           <a:prstGeom prst="rect">
             <a:avLst/>
@@ -8409,7 +8277,7 @@
         <p:spPr>
           <a:xfrm>
             <a:off x="0" y="1137600"/>
-            <a:ext cx="9070200" cy="3668040"/>
+            <a:ext cx="9069840" cy="3667680"/>
           </a:xfrm>
           <a:prstGeom prst="rect">
             <a:avLst/>
@@ -8676,7 +8544,7 @@
         <p:spPr>
           <a:xfrm>
             <a:off x="504000" y="301320"/>
-            <a:ext cx="9070200" cy="636120"/>
+            <a:ext cx="9069840" cy="635760"/>
           </a:xfrm>
           <a:prstGeom prst="rect">
             <a:avLst/>
@@ -8725,7 +8593,7 @@
         <p:spPr>
           <a:xfrm>
             <a:off x="504000" y="1769040"/>
-            <a:ext cx="9070200" cy="4383000"/>
+            <a:ext cx="9069840" cy="4382640"/>
           </a:xfrm>
           <a:prstGeom prst="rect">
             <a:avLst/>
@@ -8746,7 +8614,7 @@
             <a:normAutofit/>
           </a:bodyPr>
           <a:p>
-            <a:pPr marL="432000" indent="-323280">
+            <a:pPr marL="432000" indent="-322920">
               <a:lnSpc>
                 <a:spcPct val="100000"/>
               </a:lnSpc>
@@ -8789,7 +8657,7 @@
         <p:spPr>
           <a:xfrm>
             <a:off x="3291840" y="3383280"/>
-            <a:ext cx="3474000" cy="2768760"/>
+            <a:ext cx="3473640" cy="2768400"/>
           </a:xfrm>
           <a:prstGeom prst="rect">
             <a:avLst/>
@@ -8812,7 +8680,7 @@
         <p:spPr>
           <a:xfrm>
             <a:off x="8251920" y="3749040"/>
-            <a:ext cx="1828080" cy="1828080"/>
+            <a:ext cx="1827720" cy="1827720"/>
           </a:xfrm>
           <a:prstGeom prst="rect">
             <a:avLst/>
@@ -8835,7 +8703,7 @@
         <p:spPr>
           <a:xfrm>
             <a:off x="0" y="3840480"/>
-            <a:ext cx="1828080" cy="1828080"/>
+            <a:ext cx="1827720" cy="1827720"/>
           </a:xfrm>
           <a:prstGeom prst="rect">
             <a:avLst/>
@@ -8906,7 +8774,7 @@
         <p:spPr>
           <a:xfrm>
             <a:off x="504000" y="301320"/>
-            <a:ext cx="9070200" cy="636120"/>
+            <a:ext cx="9069840" cy="635760"/>
           </a:xfrm>
           <a:prstGeom prst="rect">
             <a:avLst/>
@@ -8959,7 +8827,7 @@
         <p:spPr>
           <a:xfrm>
             <a:off x="0" y="938160"/>
-            <a:ext cx="10080000" cy="5736240"/>
+            <a:ext cx="10079640" cy="5735880"/>
           </a:xfrm>
           <a:prstGeom prst="rect">
             <a:avLst/>
@@ -8982,7 +8850,7 @@
         <p:spPr>
           <a:xfrm>
             <a:off x="2468880" y="1371600"/>
-            <a:ext cx="4875840" cy="4875840"/>
+            <a:ext cx="4875480" cy="4875480"/>
           </a:xfrm>
           <a:prstGeom prst="rect">
             <a:avLst/>
@@ -9053,7 +8921,7 @@
         <p:spPr>
           <a:xfrm>
             <a:off x="-731520" y="1188720"/>
-            <a:ext cx="9070200" cy="636120"/>
+            <a:ext cx="9069840" cy="635760"/>
           </a:xfrm>
           <a:prstGeom prst="rect">
             <a:avLst/>
@@ -10072,7 +9940,7 @@
                           </a:solidFill>
                           <a:latin typeface="Arial"/>
                         </a:rPr>
-                        <a:t>MA NAW HTEE  MWE WAR</a:t>
+                        <a:t>MA NAW HTEE  MOO WAH</a:t>
                       </a:r>
                       <a:endParaRPr b="0" lang="en-US" sz="1800" spc="-1" strike="noStrike">
                         <a:latin typeface="Arial"/>
@@ -10816,7 +10684,7 @@
         <p:spPr>
           <a:xfrm>
             <a:off x="504000" y="301320"/>
-            <a:ext cx="9070200" cy="636120"/>
+            <a:ext cx="9069840" cy="635760"/>
           </a:xfrm>
           <a:prstGeom prst="rect">
             <a:avLst/>
@@ -10865,7 +10733,7 @@
         <p:spPr>
           <a:xfrm>
             <a:off x="640080" y="2011680"/>
-            <a:ext cx="9070200" cy="4383000"/>
+            <a:ext cx="9069840" cy="4382640"/>
           </a:xfrm>
           <a:prstGeom prst="rect">
             <a:avLst/>
@@ -10891,7 +10759,7 @@
         <p:spPr>
           <a:xfrm>
             <a:off x="504000" y="1804680"/>
-            <a:ext cx="9071280" cy="4383360"/>
+            <a:ext cx="9070920" cy="4383000"/>
           </a:xfrm>
           <a:prstGeom prst="rect">
             <a:avLst/>
@@ -10912,7 +10780,7 @@
             <a:normAutofit/>
           </a:bodyPr>
           <a:p>
-            <a:pPr marL="432000" indent="-323280">
+            <a:pPr marL="432000" indent="-322920">
               <a:lnSpc>
                 <a:spcPct val="100000"/>
               </a:lnSpc>
@@ -10941,7 +10809,7 @@
             </a:endParaRPr>
           </a:p>
           <a:p>
-            <a:pPr marL="432000" indent="-323280">
+            <a:pPr marL="432000" indent="-322920">
               <a:lnSpc>
                 <a:spcPct val="100000"/>
               </a:lnSpc>
@@ -10970,7 +10838,7 @@
             </a:endParaRPr>
           </a:p>
           <a:p>
-            <a:pPr marL="432000" indent="-323280">
+            <a:pPr marL="432000" indent="-322920">
               <a:lnSpc>
                 <a:spcPct val="100000"/>
               </a:lnSpc>
@@ -10999,7 +10867,7 @@
             </a:endParaRPr>
           </a:p>
           <a:p>
-            <a:pPr marL="432000" indent="-323280">
+            <a:pPr marL="432000" indent="-322920">
               <a:lnSpc>
                 <a:spcPct val="100000"/>
               </a:lnSpc>
@@ -11090,7 +10958,7 @@
         <p:spPr>
           <a:xfrm>
             <a:off x="504000" y="301320"/>
-            <a:ext cx="9070200" cy="636120"/>
+            <a:ext cx="9069840" cy="635760"/>
           </a:xfrm>
           <a:prstGeom prst="rect">
             <a:avLst/>
@@ -11139,7 +11007,7 @@
         <p:spPr>
           <a:xfrm>
             <a:off x="504000" y="1769040"/>
-            <a:ext cx="9070200" cy="4383000"/>
+            <a:ext cx="9069840" cy="4382640"/>
           </a:xfrm>
           <a:prstGeom prst="rect">
             <a:avLst/>
@@ -11158,7 +11026,7 @@
         <p:txBody>
           <a:bodyPr lIns="0" rIns="0" tIns="0" bIns="0"/>
           <a:p>
-            <a:pPr marL="432000" indent="-322560">
+            <a:pPr marL="432000" indent="-322200">
               <a:lnSpc>
                 <a:spcPct val="100000"/>
               </a:lnSpc>
@@ -11187,7 +11055,7 @@
             </a:endParaRPr>
           </a:p>
           <a:p>
-            <a:pPr marL="432000" indent="-322560">
+            <a:pPr marL="432000" indent="-322200">
               <a:lnSpc>
                 <a:spcPct val="100000"/>
               </a:lnSpc>
@@ -11216,7 +11084,7 @@
             </a:endParaRPr>
           </a:p>
           <a:p>
-            <a:pPr marL="432000" indent="-322560">
+            <a:pPr marL="432000" indent="-322200">
               <a:lnSpc>
                 <a:spcPct val="100000"/>
               </a:lnSpc>
@@ -11307,7 +11175,7 @@
         <p:spPr>
           <a:xfrm>
             <a:off x="504000" y="301320"/>
-            <a:ext cx="9070200" cy="636120"/>
+            <a:ext cx="9069840" cy="635760"/>
           </a:xfrm>
           <a:prstGeom prst="rect">
             <a:avLst/>
@@ -11356,7 +11224,7 @@
         <p:spPr>
           <a:xfrm>
             <a:off x="504000" y="1769040"/>
-            <a:ext cx="9070200" cy="4383000"/>
+            <a:ext cx="9069840" cy="4382640"/>
           </a:xfrm>
           <a:prstGeom prst="rect">
             <a:avLst/>
@@ -11375,7 +11243,7 @@
         <p:txBody>
           <a:bodyPr lIns="0" rIns="0" tIns="0" bIns="0"/>
           <a:p>
-            <a:pPr marL="432000" indent="-322560">
+            <a:pPr marL="432000" indent="-322200">
               <a:lnSpc>
                 <a:spcPct val="100000"/>
               </a:lnSpc>
@@ -11404,7 +11272,7 @@
             </a:endParaRPr>
           </a:p>
           <a:p>
-            <a:pPr marL="432000" indent="-322560">
+            <a:pPr marL="432000" indent="-322200">
               <a:lnSpc>
                 <a:spcPct val="100000"/>
               </a:lnSpc>
@@ -11433,7 +11301,7 @@
             </a:endParaRPr>
           </a:p>
           <a:p>
-            <a:pPr marL="432000" indent="-322560">
+            <a:pPr marL="432000" indent="-322200">
               <a:lnSpc>
                 <a:spcPct val="100000"/>
               </a:lnSpc>
@@ -11462,7 +11330,7 @@
             </a:endParaRPr>
           </a:p>
           <a:p>
-            <a:pPr marL="432000" indent="-322560">
+            <a:pPr marL="432000" indent="-322200">
               <a:lnSpc>
                 <a:spcPct val="100000"/>
               </a:lnSpc>
@@ -11553,7 +11421,7 @@
         <p:spPr>
           <a:xfrm>
             <a:off x="504000" y="301320"/>
-            <a:ext cx="9070200" cy="636120"/>
+            <a:ext cx="9069840" cy="635760"/>
           </a:xfrm>
           <a:prstGeom prst="rect">
             <a:avLst/>
@@ -11607,7 +11475,7 @@
         <p:spPr>
           <a:xfrm>
             <a:off x="1097280" y="1920240"/>
-            <a:ext cx="3565080" cy="2833560"/>
+            <a:ext cx="3564720" cy="2833200"/>
           </a:xfrm>
           <a:prstGeom prst="rect">
             <a:avLst/>
@@ -11630,7 +11498,7 @@
         <p:spPr>
           <a:xfrm>
             <a:off x="5486400" y="1479600"/>
-            <a:ext cx="3510720" cy="3274200"/>
+            <a:ext cx="3510360" cy="3273840"/>
           </a:xfrm>
           <a:prstGeom prst="rect">
             <a:avLst/>
@@ -11701,7 +11569,7 @@
         <p:spPr>
           <a:xfrm>
             <a:off x="504000" y="301320"/>
-            <a:ext cx="9070200" cy="636120"/>
+            <a:ext cx="9069840" cy="635760"/>
           </a:xfrm>
           <a:prstGeom prst="rect">
             <a:avLst/>
@@ -11750,7 +11618,7 @@
         <p:spPr>
           <a:xfrm>
             <a:off x="504000" y="1769040"/>
-            <a:ext cx="9070200" cy="4383000"/>
+            <a:ext cx="9069840" cy="4382640"/>
           </a:xfrm>
           <a:prstGeom prst="rect">
             <a:avLst/>
@@ -11771,7 +11639,7 @@
             <a:normAutofit/>
           </a:bodyPr>
           <a:p>
-            <a:pPr marL="432000" indent="-322920">
+            <a:pPr marL="432000" indent="-322560">
               <a:lnSpc>
                 <a:spcPct val="100000"/>
               </a:lnSpc>
@@ -11800,7 +11668,7 @@
             </a:endParaRPr>
           </a:p>
           <a:p>
-            <a:pPr marL="432000" indent="-322920">
+            <a:pPr marL="432000" indent="-322560">
               <a:lnSpc>
                 <a:spcPct val="100000"/>
               </a:lnSpc>
@@ -11829,7 +11697,7 @@
             </a:endParaRPr>
           </a:p>
           <a:p>
-            <a:pPr marL="432000" indent="-322920">
+            <a:pPr marL="432000" indent="-322560">
               <a:lnSpc>
                 <a:spcPct val="100000"/>
               </a:lnSpc>
@@ -11920,7 +11788,7 @@
         <p:spPr>
           <a:xfrm>
             <a:off x="504000" y="301320"/>
-            <a:ext cx="9070200" cy="636120"/>
+            <a:ext cx="9069840" cy="635760"/>
           </a:xfrm>
           <a:prstGeom prst="rect">
             <a:avLst/>
@@ -11969,7 +11837,7 @@
         <p:spPr>
           <a:xfrm>
             <a:off x="504000" y="1769040"/>
-            <a:ext cx="9070200" cy="4383000"/>
+            <a:ext cx="9069840" cy="4382640"/>
           </a:xfrm>
           <a:prstGeom prst="rect">
             <a:avLst/>
@@ -11990,7 +11858,7 @@
             <a:normAutofit/>
           </a:bodyPr>
           <a:p>
-            <a:pPr marL="432000" indent="-322920">
+            <a:pPr marL="432000" indent="-322560">
               <a:lnSpc>
                 <a:spcPct val="100000"/>
               </a:lnSpc>
@@ -12019,7 +11887,7 @@
             </a:endParaRPr>
           </a:p>
           <a:p>
-            <a:pPr marL="432000" indent="-322920">
+            <a:pPr marL="432000" indent="-322560">
               <a:lnSpc>
                 <a:spcPct val="100000"/>
               </a:lnSpc>
@@ -12110,7 +11978,7 @@
         <p:spPr>
           <a:xfrm>
             <a:off x="504000" y="301320"/>
-            <a:ext cx="9070200" cy="636120"/>
+            <a:ext cx="9069840" cy="635760"/>
           </a:xfrm>
           <a:prstGeom prst="rect">
             <a:avLst/>
@@ -12159,7 +12027,7 @@
         <p:spPr>
           <a:xfrm>
             <a:off x="504000" y="1769040"/>
-            <a:ext cx="9070200" cy="4383000"/>
+            <a:ext cx="9069840" cy="4382640"/>
           </a:xfrm>
           <a:prstGeom prst="rect">
             <a:avLst/>
@@ -12180,7 +12048,7 @@
             <a:normAutofit/>
           </a:bodyPr>
           <a:p>
-            <a:pPr marL="432000" indent="-323280">
+            <a:pPr marL="432000" indent="-322920">
               <a:lnSpc>
                 <a:spcPct val="100000"/>
               </a:lnSpc>
@@ -12209,7 +12077,7 @@
             </a:endParaRPr>
           </a:p>
           <a:p>
-            <a:pPr marL="432000" indent="-323280">
+            <a:pPr marL="432000" indent="-322920">
               <a:lnSpc>
                 <a:spcPct val="100000"/>
               </a:lnSpc>

--- a/shout yay.pptx
+++ b/shout yay.pptx
@@ -20,6 +20,18 @@
     <p:sldId id="264" r:id="rId15"/>
     <p:sldId id="265" r:id="rId16"/>
     <p:sldId id="266" r:id="rId17"/>
+    <p:sldId id="267" r:id="rId18"/>
+    <p:sldId id="268" r:id="rId19"/>
+    <p:sldId id="269" r:id="rId20"/>
+    <p:sldId id="270" r:id="rId21"/>
+    <p:sldId id="271" r:id="rId22"/>
+    <p:sldId id="272" r:id="rId23"/>
+    <p:sldId id="273" r:id="rId24"/>
+    <p:sldId id="274" r:id="rId25"/>
+    <p:sldId id="275" r:id="rId26"/>
+    <p:sldId id="276" r:id="rId27"/>
+    <p:sldId id="277" r:id="rId28"/>
+    <p:sldId id="278" r:id="rId29"/>
   </p:sldIdLst>
   <p:sldSz cx="10080625" cy="7559675"/>
   <p:notesSz cx="7772400" cy="10058400"/>
@@ -89,6 +101,9 @@
           <a:p>
             <a:pPr algn="ctr"/>
             <a:endParaRPr b="0" lang="en-US" sz="4400" spc="-1" strike="noStrike">
+              <a:solidFill>
+                <a:srgbClr val="666666"/>
+              </a:solidFill>
               <a:latin typeface="Arial"/>
             </a:endParaRPr>
           </a:p>
@@ -118,7 +133,10 @@
             <a:normAutofit/>
           </a:bodyPr>
           <a:p>
-            <a:endParaRPr b="0" lang="en-US" sz="3200" spc="-1" strike="noStrike">
+            <a:endParaRPr b="0" lang="en-US" sz="2400" spc="-1" strike="noStrike">
+              <a:solidFill>
+                <a:srgbClr val="808080"/>
+              </a:solidFill>
               <a:latin typeface="Arial"/>
             </a:endParaRPr>
           </a:p>
@@ -148,7 +166,10 @@
             <a:normAutofit/>
           </a:bodyPr>
           <a:p>
-            <a:endParaRPr b="0" lang="en-US" sz="3200" spc="-1" strike="noStrike">
+            <a:endParaRPr b="0" lang="en-US" sz="2400" spc="-1" strike="noStrike">
+              <a:solidFill>
+                <a:srgbClr val="808080"/>
+              </a:solidFill>
               <a:latin typeface="Arial"/>
             </a:endParaRPr>
           </a:p>
@@ -200,6 +221,9 @@
           <a:p>
             <a:pPr algn="ctr"/>
             <a:endParaRPr b="0" lang="en-US" sz="4400" spc="-1" strike="noStrike">
+              <a:solidFill>
+                <a:srgbClr val="666666"/>
+              </a:solidFill>
               <a:latin typeface="Arial"/>
             </a:endParaRPr>
           </a:p>
@@ -229,7 +253,10 @@
             <a:normAutofit/>
           </a:bodyPr>
           <a:p>
-            <a:endParaRPr b="0" lang="en-US" sz="3200" spc="-1" strike="noStrike">
+            <a:endParaRPr b="0" lang="en-US" sz="2400" spc="-1" strike="noStrike">
+              <a:solidFill>
+                <a:srgbClr val="808080"/>
+              </a:solidFill>
               <a:latin typeface="Arial"/>
             </a:endParaRPr>
           </a:p>
@@ -259,7 +286,10 @@
             <a:normAutofit/>
           </a:bodyPr>
           <a:p>
-            <a:endParaRPr b="0" lang="en-US" sz="3200" spc="-1" strike="noStrike">
+            <a:endParaRPr b="0" lang="en-US" sz="2400" spc="-1" strike="noStrike">
+              <a:solidFill>
+                <a:srgbClr val="808080"/>
+              </a:solidFill>
               <a:latin typeface="Arial"/>
             </a:endParaRPr>
           </a:p>
@@ -289,7 +319,10 @@
             <a:normAutofit/>
           </a:bodyPr>
           <a:p>
-            <a:endParaRPr b="0" lang="en-US" sz="3200" spc="-1" strike="noStrike">
+            <a:endParaRPr b="0" lang="en-US" sz="2400" spc="-1" strike="noStrike">
+              <a:solidFill>
+                <a:srgbClr val="808080"/>
+              </a:solidFill>
               <a:latin typeface="Arial"/>
             </a:endParaRPr>
           </a:p>
@@ -319,7 +352,10 @@
             <a:normAutofit/>
           </a:bodyPr>
           <a:p>
-            <a:endParaRPr b="0" lang="en-US" sz="3200" spc="-1" strike="noStrike">
+            <a:endParaRPr b="0" lang="en-US" sz="2400" spc="-1" strike="noStrike">
+              <a:solidFill>
+                <a:srgbClr val="808080"/>
+              </a:solidFill>
               <a:latin typeface="Arial"/>
             </a:endParaRPr>
           </a:p>
@@ -371,6 +407,9 @@
           <a:p>
             <a:pPr algn="ctr"/>
             <a:endParaRPr b="0" lang="en-US" sz="4400" spc="-1" strike="noStrike">
+              <a:solidFill>
+                <a:srgbClr val="666666"/>
+              </a:solidFill>
               <a:latin typeface="Arial"/>
             </a:endParaRPr>
           </a:p>
@@ -400,7 +439,10 @@
             <a:normAutofit/>
           </a:bodyPr>
           <a:p>
-            <a:endParaRPr b="0" lang="en-US" sz="3200" spc="-1" strike="noStrike">
+            <a:endParaRPr b="0" lang="en-US" sz="2400" spc="-1" strike="noStrike">
+              <a:solidFill>
+                <a:srgbClr val="808080"/>
+              </a:solidFill>
               <a:latin typeface="Arial"/>
             </a:endParaRPr>
           </a:p>
@@ -430,7 +472,10 @@
             <a:normAutofit/>
           </a:bodyPr>
           <a:p>
-            <a:endParaRPr b="0" lang="en-US" sz="3200" spc="-1" strike="noStrike">
+            <a:endParaRPr b="0" lang="en-US" sz="2400" spc="-1" strike="noStrike">
+              <a:solidFill>
+                <a:srgbClr val="808080"/>
+              </a:solidFill>
               <a:latin typeface="Arial"/>
             </a:endParaRPr>
           </a:p>
@@ -460,7 +505,10 @@
             <a:normAutofit/>
           </a:bodyPr>
           <a:p>
-            <a:endParaRPr b="0" lang="en-US" sz="3200" spc="-1" strike="noStrike">
+            <a:endParaRPr b="0" lang="en-US" sz="2400" spc="-1" strike="noStrike">
+              <a:solidFill>
+                <a:srgbClr val="808080"/>
+              </a:solidFill>
               <a:latin typeface="Arial"/>
             </a:endParaRPr>
           </a:p>
@@ -490,7 +538,10 @@
             <a:normAutofit/>
           </a:bodyPr>
           <a:p>
-            <a:endParaRPr b="0" lang="en-US" sz="3200" spc="-1" strike="noStrike">
+            <a:endParaRPr b="0" lang="en-US" sz="2400" spc="-1" strike="noStrike">
+              <a:solidFill>
+                <a:srgbClr val="808080"/>
+              </a:solidFill>
               <a:latin typeface="Arial"/>
             </a:endParaRPr>
           </a:p>
@@ -520,7 +571,10 @@
             <a:normAutofit/>
           </a:bodyPr>
           <a:p>
-            <a:endParaRPr b="0" lang="en-US" sz="3200" spc="-1" strike="noStrike">
+            <a:endParaRPr b="0" lang="en-US" sz="2400" spc="-1" strike="noStrike">
+              <a:solidFill>
+                <a:srgbClr val="808080"/>
+              </a:solidFill>
               <a:latin typeface="Arial"/>
             </a:endParaRPr>
           </a:p>
@@ -550,7 +604,10 @@
             <a:normAutofit/>
           </a:bodyPr>
           <a:p>
-            <a:endParaRPr b="0" lang="en-US" sz="3200" spc="-1" strike="noStrike">
+            <a:endParaRPr b="0" lang="en-US" sz="2400" spc="-1" strike="noStrike">
+              <a:solidFill>
+                <a:srgbClr val="808080"/>
+              </a:solidFill>
               <a:latin typeface="Arial"/>
             </a:endParaRPr>
           </a:p>
@@ -624,6 +681,9 @@
           <a:p>
             <a:pPr algn="ctr"/>
             <a:endParaRPr b="0" lang="en-US" sz="4400" spc="-1" strike="noStrike">
+              <a:solidFill>
+                <a:srgbClr val="666666"/>
+              </a:solidFill>
               <a:latin typeface="Arial"/>
             </a:endParaRPr>
           </a:p>
@@ -704,6 +764,9 @@
           <a:p>
             <a:pPr algn="ctr"/>
             <a:endParaRPr b="0" lang="en-US" sz="4400" spc="-1" strike="noStrike">
+              <a:solidFill>
+                <a:srgbClr val="666666"/>
+              </a:solidFill>
               <a:latin typeface="Arial"/>
             </a:endParaRPr>
           </a:p>
@@ -733,7 +796,10 @@
             <a:normAutofit/>
           </a:bodyPr>
           <a:p>
-            <a:endParaRPr b="0" lang="en-US" sz="3200" spc="-1" strike="noStrike">
+            <a:endParaRPr b="0" lang="en-US" sz="2400" spc="-1" strike="noStrike">
+              <a:solidFill>
+                <a:srgbClr val="808080"/>
+              </a:solidFill>
               <a:latin typeface="Arial"/>
             </a:endParaRPr>
           </a:p>
@@ -785,6 +851,9 @@
           <a:p>
             <a:pPr algn="ctr"/>
             <a:endParaRPr b="0" lang="en-US" sz="4400" spc="-1" strike="noStrike">
+              <a:solidFill>
+                <a:srgbClr val="666666"/>
+              </a:solidFill>
               <a:latin typeface="Arial"/>
             </a:endParaRPr>
           </a:p>
@@ -814,7 +883,10 @@
             <a:normAutofit/>
           </a:bodyPr>
           <a:p>
-            <a:endParaRPr b="0" lang="en-US" sz="3200" spc="-1" strike="noStrike">
+            <a:endParaRPr b="0" lang="en-US" sz="2400" spc="-1" strike="noStrike">
+              <a:solidFill>
+                <a:srgbClr val="808080"/>
+              </a:solidFill>
               <a:latin typeface="Arial"/>
             </a:endParaRPr>
           </a:p>
@@ -844,7 +916,10 @@
             <a:normAutofit/>
           </a:bodyPr>
           <a:p>
-            <a:endParaRPr b="0" lang="en-US" sz="3200" spc="-1" strike="noStrike">
+            <a:endParaRPr b="0" lang="en-US" sz="2400" spc="-1" strike="noStrike">
+              <a:solidFill>
+                <a:srgbClr val="808080"/>
+              </a:solidFill>
               <a:latin typeface="Arial"/>
             </a:endParaRPr>
           </a:p>
@@ -896,6 +971,9 @@
           <a:p>
             <a:pPr algn="ctr"/>
             <a:endParaRPr b="0" lang="en-US" sz="4400" spc="-1" strike="noStrike">
+              <a:solidFill>
+                <a:srgbClr val="666666"/>
+              </a:solidFill>
               <a:latin typeface="Arial"/>
             </a:endParaRPr>
           </a:p>
@@ -998,6 +1076,9 @@
           <a:p>
             <a:pPr algn="ctr"/>
             <a:endParaRPr b="0" lang="en-US" sz="4400" spc="-1" strike="noStrike">
+              <a:solidFill>
+                <a:srgbClr val="666666"/>
+              </a:solidFill>
               <a:latin typeface="Arial"/>
             </a:endParaRPr>
           </a:p>
@@ -1027,7 +1108,10 @@
             <a:normAutofit/>
           </a:bodyPr>
           <a:p>
-            <a:endParaRPr b="0" lang="en-US" sz="3200" spc="-1" strike="noStrike">
+            <a:endParaRPr b="0" lang="en-US" sz="2400" spc="-1" strike="noStrike">
+              <a:solidFill>
+                <a:srgbClr val="808080"/>
+              </a:solidFill>
               <a:latin typeface="Arial"/>
             </a:endParaRPr>
           </a:p>
@@ -1057,7 +1141,10 @@
             <a:normAutofit/>
           </a:bodyPr>
           <a:p>
-            <a:endParaRPr b="0" lang="en-US" sz="3200" spc="-1" strike="noStrike">
+            <a:endParaRPr b="0" lang="en-US" sz="2400" spc="-1" strike="noStrike">
+              <a:solidFill>
+                <a:srgbClr val="808080"/>
+              </a:solidFill>
               <a:latin typeface="Arial"/>
             </a:endParaRPr>
           </a:p>
@@ -1087,7 +1174,10 @@
             <a:normAutofit/>
           </a:bodyPr>
           <a:p>
-            <a:endParaRPr b="0" lang="en-US" sz="3200" spc="-1" strike="noStrike">
+            <a:endParaRPr b="0" lang="en-US" sz="2400" spc="-1" strike="noStrike">
+              <a:solidFill>
+                <a:srgbClr val="808080"/>
+              </a:solidFill>
               <a:latin typeface="Arial"/>
             </a:endParaRPr>
           </a:p>
@@ -1139,6 +1229,9 @@
           <a:p>
             <a:pPr algn="ctr"/>
             <a:endParaRPr b="0" lang="en-US" sz="4400" spc="-1" strike="noStrike">
+              <a:solidFill>
+                <a:srgbClr val="666666"/>
+              </a:solidFill>
               <a:latin typeface="Arial"/>
             </a:endParaRPr>
           </a:p>
@@ -1219,6 +1312,9 @@
           <a:p>
             <a:pPr algn="ctr"/>
             <a:endParaRPr b="0" lang="en-US" sz="4400" spc="-1" strike="noStrike">
+              <a:solidFill>
+                <a:srgbClr val="666666"/>
+              </a:solidFill>
               <a:latin typeface="Arial"/>
             </a:endParaRPr>
           </a:p>
@@ -1248,7 +1344,10 @@
             <a:normAutofit/>
           </a:bodyPr>
           <a:p>
-            <a:endParaRPr b="0" lang="en-US" sz="3200" spc="-1" strike="noStrike">
+            <a:endParaRPr b="0" lang="en-US" sz="2400" spc="-1" strike="noStrike">
+              <a:solidFill>
+                <a:srgbClr val="808080"/>
+              </a:solidFill>
               <a:latin typeface="Arial"/>
             </a:endParaRPr>
           </a:p>
@@ -1278,7 +1377,10 @@
             <a:normAutofit/>
           </a:bodyPr>
           <a:p>
-            <a:endParaRPr b="0" lang="en-US" sz="3200" spc="-1" strike="noStrike">
+            <a:endParaRPr b="0" lang="en-US" sz="2400" spc="-1" strike="noStrike">
+              <a:solidFill>
+                <a:srgbClr val="808080"/>
+              </a:solidFill>
               <a:latin typeface="Arial"/>
             </a:endParaRPr>
           </a:p>
@@ -1308,7 +1410,10 @@
             <a:normAutofit/>
           </a:bodyPr>
           <a:p>
-            <a:endParaRPr b="0" lang="en-US" sz="3200" spc="-1" strike="noStrike">
+            <a:endParaRPr b="0" lang="en-US" sz="2400" spc="-1" strike="noStrike">
+              <a:solidFill>
+                <a:srgbClr val="808080"/>
+              </a:solidFill>
               <a:latin typeface="Arial"/>
             </a:endParaRPr>
           </a:p>
@@ -1360,6 +1465,9 @@
           <a:p>
             <a:pPr algn="ctr"/>
             <a:endParaRPr b="0" lang="en-US" sz="4400" spc="-1" strike="noStrike">
+              <a:solidFill>
+                <a:srgbClr val="666666"/>
+              </a:solidFill>
               <a:latin typeface="Arial"/>
             </a:endParaRPr>
           </a:p>
@@ -1389,7 +1497,10 @@
             <a:normAutofit/>
           </a:bodyPr>
           <a:p>
-            <a:endParaRPr b="0" lang="en-US" sz="3200" spc="-1" strike="noStrike">
+            <a:endParaRPr b="0" lang="en-US" sz="2400" spc="-1" strike="noStrike">
+              <a:solidFill>
+                <a:srgbClr val="808080"/>
+              </a:solidFill>
               <a:latin typeface="Arial"/>
             </a:endParaRPr>
           </a:p>
@@ -1419,7 +1530,10 @@
             <a:normAutofit/>
           </a:bodyPr>
           <a:p>
-            <a:endParaRPr b="0" lang="en-US" sz="3200" spc="-1" strike="noStrike">
+            <a:endParaRPr b="0" lang="en-US" sz="2400" spc="-1" strike="noStrike">
+              <a:solidFill>
+                <a:srgbClr val="808080"/>
+              </a:solidFill>
               <a:latin typeface="Arial"/>
             </a:endParaRPr>
           </a:p>
@@ -1449,7 +1563,10 @@
             <a:normAutofit/>
           </a:bodyPr>
           <a:p>
-            <a:endParaRPr b="0" lang="en-US" sz="3200" spc="-1" strike="noStrike">
+            <a:endParaRPr b="0" lang="en-US" sz="2400" spc="-1" strike="noStrike">
+              <a:solidFill>
+                <a:srgbClr val="808080"/>
+              </a:solidFill>
               <a:latin typeface="Arial"/>
             </a:endParaRPr>
           </a:p>
@@ -1501,6 +1618,9 @@
           <a:p>
             <a:pPr algn="ctr"/>
             <a:endParaRPr b="0" lang="en-US" sz="4400" spc="-1" strike="noStrike">
+              <a:solidFill>
+                <a:srgbClr val="666666"/>
+              </a:solidFill>
               <a:latin typeface="Arial"/>
             </a:endParaRPr>
           </a:p>
@@ -1530,7 +1650,10 @@
             <a:normAutofit/>
           </a:bodyPr>
           <a:p>
-            <a:endParaRPr b="0" lang="en-US" sz="3200" spc="-1" strike="noStrike">
+            <a:endParaRPr b="0" lang="en-US" sz="2400" spc="-1" strike="noStrike">
+              <a:solidFill>
+                <a:srgbClr val="808080"/>
+              </a:solidFill>
               <a:latin typeface="Arial"/>
             </a:endParaRPr>
           </a:p>
@@ -1560,7 +1683,10 @@
             <a:normAutofit/>
           </a:bodyPr>
           <a:p>
-            <a:endParaRPr b="0" lang="en-US" sz="3200" spc="-1" strike="noStrike">
+            <a:endParaRPr b="0" lang="en-US" sz="2400" spc="-1" strike="noStrike">
+              <a:solidFill>
+                <a:srgbClr val="808080"/>
+              </a:solidFill>
               <a:latin typeface="Arial"/>
             </a:endParaRPr>
           </a:p>
@@ -1612,6 +1738,9 @@
           <a:p>
             <a:pPr algn="ctr"/>
             <a:endParaRPr b="0" lang="en-US" sz="4400" spc="-1" strike="noStrike">
+              <a:solidFill>
+                <a:srgbClr val="666666"/>
+              </a:solidFill>
               <a:latin typeface="Arial"/>
             </a:endParaRPr>
           </a:p>
@@ -1641,7 +1770,10 @@
             <a:normAutofit/>
           </a:bodyPr>
           <a:p>
-            <a:endParaRPr b="0" lang="en-US" sz="3200" spc="-1" strike="noStrike">
+            <a:endParaRPr b="0" lang="en-US" sz="2400" spc="-1" strike="noStrike">
+              <a:solidFill>
+                <a:srgbClr val="808080"/>
+              </a:solidFill>
               <a:latin typeface="Arial"/>
             </a:endParaRPr>
           </a:p>
@@ -1671,7 +1803,10 @@
             <a:normAutofit/>
           </a:bodyPr>
           <a:p>
-            <a:endParaRPr b="0" lang="en-US" sz="3200" spc="-1" strike="noStrike">
+            <a:endParaRPr b="0" lang="en-US" sz="2400" spc="-1" strike="noStrike">
+              <a:solidFill>
+                <a:srgbClr val="808080"/>
+              </a:solidFill>
               <a:latin typeface="Arial"/>
             </a:endParaRPr>
           </a:p>
@@ -1701,7 +1836,10 @@
             <a:normAutofit/>
           </a:bodyPr>
           <a:p>
-            <a:endParaRPr b="0" lang="en-US" sz="3200" spc="-1" strike="noStrike">
+            <a:endParaRPr b="0" lang="en-US" sz="2400" spc="-1" strike="noStrike">
+              <a:solidFill>
+                <a:srgbClr val="808080"/>
+              </a:solidFill>
               <a:latin typeface="Arial"/>
             </a:endParaRPr>
           </a:p>
@@ -1731,7 +1869,10 @@
             <a:normAutofit/>
           </a:bodyPr>
           <a:p>
-            <a:endParaRPr b="0" lang="en-US" sz="3200" spc="-1" strike="noStrike">
+            <a:endParaRPr b="0" lang="en-US" sz="2400" spc="-1" strike="noStrike">
+              <a:solidFill>
+                <a:srgbClr val="808080"/>
+              </a:solidFill>
               <a:latin typeface="Arial"/>
             </a:endParaRPr>
           </a:p>
@@ -1783,6 +1924,9 @@
           <a:p>
             <a:pPr algn="ctr"/>
             <a:endParaRPr b="0" lang="en-US" sz="4400" spc="-1" strike="noStrike">
+              <a:solidFill>
+                <a:srgbClr val="666666"/>
+              </a:solidFill>
               <a:latin typeface="Arial"/>
             </a:endParaRPr>
           </a:p>
@@ -1812,7 +1956,10 @@
             <a:normAutofit/>
           </a:bodyPr>
           <a:p>
-            <a:endParaRPr b="0" lang="en-US" sz="3200" spc="-1" strike="noStrike">
+            <a:endParaRPr b="0" lang="en-US" sz="2400" spc="-1" strike="noStrike">
+              <a:solidFill>
+                <a:srgbClr val="808080"/>
+              </a:solidFill>
               <a:latin typeface="Arial"/>
             </a:endParaRPr>
           </a:p>
@@ -1842,7 +1989,10 @@
             <a:normAutofit/>
           </a:bodyPr>
           <a:p>
-            <a:endParaRPr b="0" lang="en-US" sz="3200" spc="-1" strike="noStrike">
+            <a:endParaRPr b="0" lang="en-US" sz="2400" spc="-1" strike="noStrike">
+              <a:solidFill>
+                <a:srgbClr val="808080"/>
+              </a:solidFill>
               <a:latin typeface="Arial"/>
             </a:endParaRPr>
           </a:p>
@@ -1872,7 +2022,10 @@
             <a:normAutofit/>
           </a:bodyPr>
           <a:p>
-            <a:endParaRPr b="0" lang="en-US" sz="3200" spc="-1" strike="noStrike">
+            <a:endParaRPr b="0" lang="en-US" sz="2400" spc="-1" strike="noStrike">
+              <a:solidFill>
+                <a:srgbClr val="808080"/>
+              </a:solidFill>
               <a:latin typeface="Arial"/>
             </a:endParaRPr>
           </a:p>
@@ -1902,7 +2055,10 @@
             <a:normAutofit/>
           </a:bodyPr>
           <a:p>
-            <a:endParaRPr b="0" lang="en-US" sz="3200" spc="-1" strike="noStrike">
+            <a:endParaRPr b="0" lang="en-US" sz="2400" spc="-1" strike="noStrike">
+              <a:solidFill>
+                <a:srgbClr val="808080"/>
+              </a:solidFill>
               <a:latin typeface="Arial"/>
             </a:endParaRPr>
           </a:p>
@@ -1932,7 +2088,10 @@
             <a:normAutofit/>
           </a:bodyPr>
           <a:p>
-            <a:endParaRPr b="0" lang="en-US" sz="3200" spc="-1" strike="noStrike">
+            <a:endParaRPr b="0" lang="en-US" sz="2400" spc="-1" strike="noStrike">
+              <a:solidFill>
+                <a:srgbClr val="808080"/>
+              </a:solidFill>
               <a:latin typeface="Arial"/>
             </a:endParaRPr>
           </a:p>
@@ -1962,7 +2121,10 @@
             <a:normAutofit/>
           </a:bodyPr>
           <a:p>
-            <a:endParaRPr b="0" lang="en-US" sz="3200" spc="-1" strike="noStrike">
+            <a:endParaRPr b="0" lang="en-US" sz="2400" spc="-1" strike="noStrike">
+              <a:solidFill>
+                <a:srgbClr val="808080"/>
+              </a:solidFill>
               <a:latin typeface="Arial"/>
             </a:endParaRPr>
           </a:p>
@@ -2036,6 +2198,9 @@
           <a:p>
             <a:pPr algn="ctr"/>
             <a:endParaRPr b="0" lang="en-US" sz="4400" spc="-1" strike="noStrike">
+              <a:solidFill>
+                <a:srgbClr val="666666"/>
+              </a:solidFill>
               <a:latin typeface="Arial"/>
             </a:endParaRPr>
           </a:p>
@@ -2116,6 +2281,9 @@
           <a:p>
             <a:pPr algn="ctr"/>
             <a:endParaRPr b="0" lang="en-US" sz="4400" spc="-1" strike="noStrike">
+              <a:solidFill>
+                <a:srgbClr val="666666"/>
+              </a:solidFill>
               <a:latin typeface="Arial"/>
             </a:endParaRPr>
           </a:p>
@@ -2145,7 +2313,10 @@
             <a:normAutofit/>
           </a:bodyPr>
           <a:p>
-            <a:endParaRPr b="0" lang="en-US" sz="3200" spc="-1" strike="noStrike">
+            <a:endParaRPr b="0" lang="en-US" sz="2400" spc="-1" strike="noStrike">
+              <a:solidFill>
+                <a:srgbClr val="808080"/>
+              </a:solidFill>
               <a:latin typeface="Arial"/>
             </a:endParaRPr>
           </a:p>
@@ -2197,6 +2368,9 @@
           <a:p>
             <a:pPr algn="ctr"/>
             <a:endParaRPr b="0" lang="en-US" sz="4400" spc="-1" strike="noStrike">
+              <a:solidFill>
+                <a:srgbClr val="666666"/>
+              </a:solidFill>
               <a:latin typeface="Arial"/>
             </a:endParaRPr>
           </a:p>
@@ -2226,7 +2400,10 @@
             <a:normAutofit/>
           </a:bodyPr>
           <a:p>
-            <a:endParaRPr b="0" lang="en-US" sz="3200" spc="-1" strike="noStrike">
+            <a:endParaRPr b="0" lang="en-US" sz="2400" spc="-1" strike="noStrike">
+              <a:solidFill>
+                <a:srgbClr val="808080"/>
+              </a:solidFill>
               <a:latin typeface="Arial"/>
             </a:endParaRPr>
           </a:p>
@@ -2256,7 +2433,10 @@
             <a:normAutofit/>
           </a:bodyPr>
           <a:p>
-            <a:endParaRPr b="0" lang="en-US" sz="3200" spc="-1" strike="noStrike">
+            <a:endParaRPr b="0" lang="en-US" sz="2400" spc="-1" strike="noStrike">
+              <a:solidFill>
+                <a:srgbClr val="808080"/>
+              </a:solidFill>
               <a:latin typeface="Arial"/>
             </a:endParaRPr>
           </a:p>
@@ -2308,6 +2488,9 @@
           <a:p>
             <a:pPr algn="ctr"/>
             <a:endParaRPr b="0" lang="en-US" sz="4400" spc="-1" strike="noStrike">
+              <a:solidFill>
+                <a:srgbClr val="666666"/>
+              </a:solidFill>
               <a:latin typeface="Arial"/>
             </a:endParaRPr>
           </a:p>
@@ -2359,6 +2542,9 @@
           <a:p>
             <a:pPr algn="ctr"/>
             <a:endParaRPr b="0" lang="en-US" sz="4400" spc="-1" strike="noStrike">
+              <a:solidFill>
+                <a:srgbClr val="666666"/>
+              </a:solidFill>
               <a:latin typeface="Arial"/>
             </a:endParaRPr>
           </a:p>
@@ -2388,7 +2574,10 @@
             <a:normAutofit/>
           </a:bodyPr>
           <a:p>
-            <a:endParaRPr b="0" lang="en-US" sz="3200" spc="-1" strike="noStrike">
+            <a:endParaRPr b="0" lang="en-US" sz="2400" spc="-1" strike="noStrike">
+              <a:solidFill>
+                <a:srgbClr val="808080"/>
+              </a:solidFill>
               <a:latin typeface="Arial"/>
             </a:endParaRPr>
           </a:p>
@@ -2491,6 +2680,9 @@
           <a:p>
             <a:pPr algn="ctr"/>
             <a:endParaRPr b="0" lang="en-US" sz="4400" spc="-1" strike="noStrike">
+              <a:solidFill>
+                <a:srgbClr val="666666"/>
+              </a:solidFill>
               <a:latin typeface="Arial"/>
             </a:endParaRPr>
           </a:p>
@@ -2520,7 +2712,10 @@
             <a:normAutofit/>
           </a:bodyPr>
           <a:p>
-            <a:endParaRPr b="0" lang="en-US" sz="3200" spc="-1" strike="noStrike">
+            <a:endParaRPr b="0" lang="en-US" sz="2400" spc="-1" strike="noStrike">
+              <a:solidFill>
+                <a:srgbClr val="808080"/>
+              </a:solidFill>
               <a:latin typeface="Arial"/>
             </a:endParaRPr>
           </a:p>
@@ -2550,7 +2745,10 @@
             <a:normAutofit/>
           </a:bodyPr>
           <a:p>
-            <a:endParaRPr b="0" lang="en-US" sz="3200" spc="-1" strike="noStrike">
+            <a:endParaRPr b="0" lang="en-US" sz="2400" spc="-1" strike="noStrike">
+              <a:solidFill>
+                <a:srgbClr val="808080"/>
+              </a:solidFill>
               <a:latin typeface="Arial"/>
             </a:endParaRPr>
           </a:p>
@@ -2580,7 +2778,10 @@
             <a:normAutofit/>
           </a:bodyPr>
           <a:p>
-            <a:endParaRPr b="0" lang="en-US" sz="3200" spc="-1" strike="noStrike">
+            <a:endParaRPr b="0" lang="en-US" sz="2400" spc="-1" strike="noStrike">
+              <a:solidFill>
+                <a:srgbClr val="808080"/>
+              </a:solidFill>
               <a:latin typeface="Arial"/>
             </a:endParaRPr>
           </a:p>
@@ -2632,6 +2833,9 @@
           <a:p>
             <a:pPr algn="ctr"/>
             <a:endParaRPr b="0" lang="en-US" sz="4400" spc="-1" strike="noStrike">
+              <a:solidFill>
+                <a:srgbClr val="666666"/>
+              </a:solidFill>
               <a:latin typeface="Arial"/>
             </a:endParaRPr>
           </a:p>
@@ -2661,7 +2865,10 @@
             <a:normAutofit/>
           </a:bodyPr>
           <a:p>
-            <a:endParaRPr b="0" lang="en-US" sz="3200" spc="-1" strike="noStrike">
+            <a:endParaRPr b="0" lang="en-US" sz="2400" spc="-1" strike="noStrike">
+              <a:solidFill>
+                <a:srgbClr val="808080"/>
+              </a:solidFill>
               <a:latin typeface="Arial"/>
             </a:endParaRPr>
           </a:p>
@@ -2691,7 +2898,10 @@
             <a:normAutofit/>
           </a:bodyPr>
           <a:p>
-            <a:endParaRPr b="0" lang="en-US" sz="3200" spc="-1" strike="noStrike">
+            <a:endParaRPr b="0" lang="en-US" sz="2400" spc="-1" strike="noStrike">
+              <a:solidFill>
+                <a:srgbClr val="808080"/>
+              </a:solidFill>
               <a:latin typeface="Arial"/>
             </a:endParaRPr>
           </a:p>
@@ -2721,7 +2931,10 @@
             <a:normAutofit/>
           </a:bodyPr>
           <a:p>
-            <a:endParaRPr b="0" lang="en-US" sz="3200" spc="-1" strike="noStrike">
+            <a:endParaRPr b="0" lang="en-US" sz="2400" spc="-1" strike="noStrike">
+              <a:solidFill>
+                <a:srgbClr val="808080"/>
+              </a:solidFill>
               <a:latin typeface="Arial"/>
             </a:endParaRPr>
           </a:p>
@@ -2773,6 +2986,9 @@
           <a:p>
             <a:pPr algn="ctr"/>
             <a:endParaRPr b="0" lang="en-US" sz="4400" spc="-1" strike="noStrike">
+              <a:solidFill>
+                <a:srgbClr val="666666"/>
+              </a:solidFill>
               <a:latin typeface="Arial"/>
             </a:endParaRPr>
           </a:p>
@@ -2802,7 +3018,10 @@
             <a:normAutofit/>
           </a:bodyPr>
           <a:p>
-            <a:endParaRPr b="0" lang="en-US" sz="3200" spc="-1" strike="noStrike">
+            <a:endParaRPr b="0" lang="en-US" sz="2400" spc="-1" strike="noStrike">
+              <a:solidFill>
+                <a:srgbClr val="808080"/>
+              </a:solidFill>
               <a:latin typeface="Arial"/>
             </a:endParaRPr>
           </a:p>
@@ -2832,7 +3051,10 @@
             <a:normAutofit/>
           </a:bodyPr>
           <a:p>
-            <a:endParaRPr b="0" lang="en-US" sz="3200" spc="-1" strike="noStrike">
+            <a:endParaRPr b="0" lang="en-US" sz="2400" spc="-1" strike="noStrike">
+              <a:solidFill>
+                <a:srgbClr val="808080"/>
+              </a:solidFill>
               <a:latin typeface="Arial"/>
             </a:endParaRPr>
           </a:p>
@@ -2862,7 +3084,10 @@
             <a:normAutofit/>
           </a:bodyPr>
           <a:p>
-            <a:endParaRPr b="0" lang="en-US" sz="3200" spc="-1" strike="noStrike">
+            <a:endParaRPr b="0" lang="en-US" sz="2400" spc="-1" strike="noStrike">
+              <a:solidFill>
+                <a:srgbClr val="808080"/>
+              </a:solidFill>
               <a:latin typeface="Arial"/>
             </a:endParaRPr>
           </a:p>
@@ -2914,6 +3139,9 @@
           <a:p>
             <a:pPr algn="ctr"/>
             <a:endParaRPr b="0" lang="en-US" sz="4400" spc="-1" strike="noStrike">
+              <a:solidFill>
+                <a:srgbClr val="666666"/>
+              </a:solidFill>
               <a:latin typeface="Arial"/>
             </a:endParaRPr>
           </a:p>
@@ -2943,7 +3171,10 @@
             <a:normAutofit/>
           </a:bodyPr>
           <a:p>
-            <a:endParaRPr b="0" lang="en-US" sz="3200" spc="-1" strike="noStrike">
+            <a:endParaRPr b="0" lang="en-US" sz="2400" spc="-1" strike="noStrike">
+              <a:solidFill>
+                <a:srgbClr val="808080"/>
+              </a:solidFill>
               <a:latin typeface="Arial"/>
             </a:endParaRPr>
           </a:p>
@@ -2973,7 +3204,10 @@
             <a:normAutofit/>
           </a:bodyPr>
           <a:p>
-            <a:endParaRPr b="0" lang="en-US" sz="3200" spc="-1" strike="noStrike">
+            <a:endParaRPr b="0" lang="en-US" sz="2400" spc="-1" strike="noStrike">
+              <a:solidFill>
+                <a:srgbClr val="808080"/>
+              </a:solidFill>
               <a:latin typeface="Arial"/>
             </a:endParaRPr>
           </a:p>
@@ -3025,6 +3259,9 @@
           <a:p>
             <a:pPr algn="ctr"/>
             <a:endParaRPr b="0" lang="en-US" sz="4400" spc="-1" strike="noStrike">
+              <a:solidFill>
+                <a:srgbClr val="666666"/>
+              </a:solidFill>
               <a:latin typeface="Arial"/>
             </a:endParaRPr>
           </a:p>
@@ -3054,7 +3291,10 @@
             <a:normAutofit/>
           </a:bodyPr>
           <a:p>
-            <a:endParaRPr b="0" lang="en-US" sz="3200" spc="-1" strike="noStrike">
+            <a:endParaRPr b="0" lang="en-US" sz="2400" spc="-1" strike="noStrike">
+              <a:solidFill>
+                <a:srgbClr val="808080"/>
+              </a:solidFill>
               <a:latin typeface="Arial"/>
             </a:endParaRPr>
           </a:p>
@@ -3084,7 +3324,10 @@
             <a:normAutofit/>
           </a:bodyPr>
           <a:p>
-            <a:endParaRPr b="0" lang="en-US" sz="3200" spc="-1" strike="noStrike">
+            <a:endParaRPr b="0" lang="en-US" sz="2400" spc="-1" strike="noStrike">
+              <a:solidFill>
+                <a:srgbClr val="808080"/>
+              </a:solidFill>
               <a:latin typeface="Arial"/>
             </a:endParaRPr>
           </a:p>
@@ -3114,7 +3357,10 @@
             <a:normAutofit/>
           </a:bodyPr>
           <a:p>
-            <a:endParaRPr b="0" lang="en-US" sz="3200" spc="-1" strike="noStrike">
+            <a:endParaRPr b="0" lang="en-US" sz="2400" spc="-1" strike="noStrike">
+              <a:solidFill>
+                <a:srgbClr val="808080"/>
+              </a:solidFill>
               <a:latin typeface="Arial"/>
             </a:endParaRPr>
           </a:p>
@@ -3144,7 +3390,10 @@
             <a:normAutofit/>
           </a:bodyPr>
           <a:p>
-            <a:endParaRPr b="0" lang="en-US" sz="3200" spc="-1" strike="noStrike">
+            <a:endParaRPr b="0" lang="en-US" sz="2400" spc="-1" strike="noStrike">
+              <a:solidFill>
+                <a:srgbClr val="808080"/>
+              </a:solidFill>
               <a:latin typeface="Arial"/>
             </a:endParaRPr>
           </a:p>
@@ -3196,6 +3445,9 @@
           <a:p>
             <a:pPr algn="ctr"/>
             <a:endParaRPr b="0" lang="en-US" sz="4400" spc="-1" strike="noStrike">
+              <a:solidFill>
+                <a:srgbClr val="666666"/>
+              </a:solidFill>
               <a:latin typeface="Arial"/>
             </a:endParaRPr>
           </a:p>
@@ -3225,7 +3477,10 @@
             <a:normAutofit/>
           </a:bodyPr>
           <a:p>
-            <a:endParaRPr b="0" lang="en-US" sz="3200" spc="-1" strike="noStrike">
+            <a:endParaRPr b="0" lang="en-US" sz="2400" spc="-1" strike="noStrike">
+              <a:solidFill>
+                <a:srgbClr val="808080"/>
+              </a:solidFill>
               <a:latin typeface="Arial"/>
             </a:endParaRPr>
           </a:p>
@@ -3255,7 +3510,10 @@
             <a:normAutofit/>
           </a:bodyPr>
           <a:p>
-            <a:endParaRPr b="0" lang="en-US" sz="3200" spc="-1" strike="noStrike">
+            <a:endParaRPr b="0" lang="en-US" sz="2400" spc="-1" strike="noStrike">
+              <a:solidFill>
+                <a:srgbClr val="808080"/>
+              </a:solidFill>
               <a:latin typeface="Arial"/>
             </a:endParaRPr>
           </a:p>
@@ -3285,7 +3543,10 @@
             <a:normAutofit/>
           </a:bodyPr>
           <a:p>
-            <a:endParaRPr b="0" lang="en-US" sz="3200" spc="-1" strike="noStrike">
+            <a:endParaRPr b="0" lang="en-US" sz="2400" spc="-1" strike="noStrike">
+              <a:solidFill>
+                <a:srgbClr val="808080"/>
+              </a:solidFill>
               <a:latin typeface="Arial"/>
             </a:endParaRPr>
           </a:p>
@@ -3315,7 +3576,10 @@
             <a:normAutofit/>
           </a:bodyPr>
           <a:p>
-            <a:endParaRPr b="0" lang="en-US" sz="3200" spc="-1" strike="noStrike">
+            <a:endParaRPr b="0" lang="en-US" sz="2400" spc="-1" strike="noStrike">
+              <a:solidFill>
+                <a:srgbClr val="808080"/>
+              </a:solidFill>
               <a:latin typeface="Arial"/>
             </a:endParaRPr>
           </a:p>
@@ -3345,7 +3609,10 @@
             <a:normAutofit/>
           </a:bodyPr>
           <a:p>
-            <a:endParaRPr b="0" lang="en-US" sz="3200" spc="-1" strike="noStrike">
+            <a:endParaRPr b="0" lang="en-US" sz="2400" spc="-1" strike="noStrike">
+              <a:solidFill>
+                <a:srgbClr val="808080"/>
+              </a:solidFill>
               <a:latin typeface="Arial"/>
             </a:endParaRPr>
           </a:p>
@@ -3375,7 +3642,10 @@
             <a:normAutofit/>
           </a:bodyPr>
           <a:p>
-            <a:endParaRPr b="0" lang="en-US" sz="3200" spc="-1" strike="noStrike">
+            <a:endParaRPr b="0" lang="en-US" sz="2400" spc="-1" strike="noStrike">
+              <a:solidFill>
+                <a:srgbClr val="808080"/>
+              </a:solidFill>
               <a:latin typeface="Arial"/>
             </a:endParaRPr>
           </a:p>
@@ -3449,6 +3719,9 @@
           <a:p>
             <a:pPr algn="ctr"/>
             <a:endParaRPr b="0" lang="en-US" sz="4400" spc="-1" strike="noStrike">
+              <a:solidFill>
+                <a:srgbClr val="666666"/>
+              </a:solidFill>
               <a:latin typeface="Arial"/>
             </a:endParaRPr>
           </a:p>
@@ -3529,6 +3802,9 @@
           <a:p>
             <a:pPr algn="ctr"/>
             <a:endParaRPr b="0" lang="en-US" sz="4400" spc="-1" strike="noStrike">
+              <a:solidFill>
+                <a:srgbClr val="666666"/>
+              </a:solidFill>
               <a:latin typeface="Arial"/>
             </a:endParaRPr>
           </a:p>
@@ -3558,7 +3834,10 @@
             <a:normAutofit/>
           </a:bodyPr>
           <a:p>
-            <a:endParaRPr b="0" lang="en-US" sz="3200" spc="-1" strike="noStrike">
+            <a:endParaRPr b="0" lang="en-US" sz="2400" spc="-1" strike="noStrike">
+              <a:solidFill>
+                <a:srgbClr val="808080"/>
+              </a:solidFill>
               <a:latin typeface="Arial"/>
             </a:endParaRPr>
           </a:p>
@@ -3610,6 +3889,9 @@
           <a:p>
             <a:pPr algn="ctr"/>
             <a:endParaRPr b="0" lang="en-US" sz="4400" spc="-1" strike="noStrike">
+              <a:solidFill>
+                <a:srgbClr val="666666"/>
+              </a:solidFill>
               <a:latin typeface="Arial"/>
             </a:endParaRPr>
           </a:p>
@@ -3639,7 +3921,10 @@
             <a:normAutofit/>
           </a:bodyPr>
           <a:p>
-            <a:endParaRPr b="0" lang="en-US" sz="3200" spc="-1" strike="noStrike">
+            <a:endParaRPr b="0" lang="en-US" sz="2400" spc="-1" strike="noStrike">
+              <a:solidFill>
+                <a:srgbClr val="808080"/>
+              </a:solidFill>
               <a:latin typeface="Arial"/>
             </a:endParaRPr>
           </a:p>
@@ -3669,7 +3954,10 @@
             <a:normAutofit/>
           </a:bodyPr>
           <a:p>
-            <a:endParaRPr b="0" lang="en-US" sz="3200" spc="-1" strike="noStrike">
+            <a:endParaRPr b="0" lang="en-US" sz="2400" spc="-1" strike="noStrike">
+              <a:solidFill>
+                <a:srgbClr val="808080"/>
+              </a:solidFill>
               <a:latin typeface="Arial"/>
             </a:endParaRPr>
           </a:p>
@@ -3721,6 +4009,9 @@
           <a:p>
             <a:pPr algn="ctr"/>
             <a:endParaRPr b="0" lang="en-US" sz="4400" spc="-1" strike="noStrike">
+              <a:solidFill>
+                <a:srgbClr val="666666"/>
+              </a:solidFill>
               <a:latin typeface="Arial"/>
             </a:endParaRPr>
           </a:p>
@@ -3750,7 +4041,10 @@
             <a:normAutofit/>
           </a:bodyPr>
           <a:p>
-            <a:endParaRPr b="0" lang="en-US" sz="3200" spc="-1" strike="noStrike">
+            <a:endParaRPr b="0" lang="en-US" sz="2400" spc="-1" strike="noStrike">
+              <a:solidFill>
+                <a:srgbClr val="808080"/>
+              </a:solidFill>
               <a:latin typeface="Arial"/>
             </a:endParaRPr>
           </a:p>
@@ -3780,7 +4074,10 @@
             <a:normAutofit/>
           </a:bodyPr>
           <a:p>
-            <a:endParaRPr b="0" lang="en-US" sz="3200" spc="-1" strike="noStrike">
+            <a:endParaRPr b="0" lang="en-US" sz="2400" spc="-1" strike="noStrike">
+              <a:solidFill>
+                <a:srgbClr val="808080"/>
+              </a:solidFill>
               <a:latin typeface="Arial"/>
             </a:endParaRPr>
           </a:p>
@@ -3832,6 +4129,9 @@
           <a:p>
             <a:pPr algn="ctr"/>
             <a:endParaRPr b="0" lang="en-US" sz="4400" spc="-1" strike="noStrike">
+              <a:solidFill>
+                <a:srgbClr val="666666"/>
+              </a:solidFill>
               <a:latin typeface="Arial"/>
             </a:endParaRPr>
           </a:p>
@@ -3934,6 +4234,9 @@
           <a:p>
             <a:pPr algn="ctr"/>
             <a:endParaRPr b="0" lang="en-US" sz="4400" spc="-1" strike="noStrike">
+              <a:solidFill>
+                <a:srgbClr val="666666"/>
+              </a:solidFill>
               <a:latin typeface="Arial"/>
             </a:endParaRPr>
           </a:p>
@@ -3963,7 +4266,10 @@
             <a:normAutofit/>
           </a:bodyPr>
           <a:p>
-            <a:endParaRPr b="0" lang="en-US" sz="3200" spc="-1" strike="noStrike">
+            <a:endParaRPr b="0" lang="en-US" sz="2400" spc="-1" strike="noStrike">
+              <a:solidFill>
+                <a:srgbClr val="808080"/>
+              </a:solidFill>
               <a:latin typeface="Arial"/>
             </a:endParaRPr>
           </a:p>
@@ -3993,7 +4299,10 @@
             <a:normAutofit/>
           </a:bodyPr>
           <a:p>
-            <a:endParaRPr b="0" lang="en-US" sz="3200" spc="-1" strike="noStrike">
+            <a:endParaRPr b="0" lang="en-US" sz="2400" spc="-1" strike="noStrike">
+              <a:solidFill>
+                <a:srgbClr val="808080"/>
+              </a:solidFill>
               <a:latin typeface="Arial"/>
             </a:endParaRPr>
           </a:p>
@@ -4023,7 +4332,10 @@
             <a:normAutofit/>
           </a:bodyPr>
           <a:p>
-            <a:endParaRPr b="0" lang="en-US" sz="3200" spc="-1" strike="noStrike">
+            <a:endParaRPr b="0" lang="en-US" sz="2400" spc="-1" strike="noStrike">
+              <a:solidFill>
+                <a:srgbClr val="808080"/>
+              </a:solidFill>
               <a:latin typeface="Arial"/>
             </a:endParaRPr>
           </a:p>
@@ -4075,6 +4387,9 @@
           <a:p>
             <a:pPr algn="ctr"/>
             <a:endParaRPr b="0" lang="en-US" sz="4400" spc="-1" strike="noStrike">
+              <a:solidFill>
+                <a:srgbClr val="666666"/>
+              </a:solidFill>
               <a:latin typeface="Arial"/>
             </a:endParaRPr>
           </a:p>
@@ -4104,7 +4419,10 @@
             <a:normAutofit/>
           </a:bodyPr>
           <a:p>
-            <a:endParaRPr b="0" lang="en-US" sz="3200" spc="-1" strike="noStrike">
+            <a:endParaRPr b="0" lang="en-US" sz="2400" spc="-1" strike="noStrike">
+              <a:solidFill>
+                <a:srgbClr val="808080"/>
+              </a:solidFill>
               <a:latin typeface="Arial"/>
             </a:endParaRPr>
           </a:p>
@@ -4134,7 +4452,10 @@
             <a:normAutofit/>
           </a:bodyPr>
           <a:p>
-            <a:endParaRPr b="0" lang="en-US" sz="3200" spc="-1" strike="noStrike">
+            <a:endParaRPr b="0" lang="en-US" sz="2400" spc="-1" strike="noStrike">
+              <a:solidFill>
+                <a:srgbClr val="808080"/>
+              </a:solidFill>
               <a:latin typeface="Arial"/>
             </a:endParaRPr>
           </a:p>
@@ -4164,7 +4485,10 @@
             <a:normAutofit/>
           </a:bodyPr>
           <a:p>
-            <a:endParaRPr b="0" lang="en-US" sz="3200" spc="-1" strike="noStrike">
+            <a:endParaRPr b="0" lang="en-US" sz="2400" spc="-1" strike="noStrike">
+              <a:solidFill>
+                <a:srgbClr val="808080"/>
+              </a:solidFill>
               <a:latin typeface="Arial"/>
             </a:endParaRPr>
           </a:p>
@@ -4216,6 +4540,9 @@
           <a:p>
             <a:pPr algn="ctr"/>
             <a:endParaRPr b="0" lang="en-US" sz="4400" spc="-1" strike="noStrike">
+              <a:solidFill>
+                <a:srgbClr val="666666"/>
+              </a:solidFill>
               <a:latin typeface="Arial"/>
             </a:endParaRPr>
           </a:p>
@@ -4245,7 +4572,10 @@
             <a:normAutofit/>
           </a:bodyPr>
           <a:p>
-            <a:endParaRPr b="0" lang="en-US" sz="3200" spc="-1" strike="noStrike">
+            <a:endParaRPr b="0" lang="en-US" sz="2400" spc="-1" strike="noStrike">
+              <a:solidFill>
+                <a:srgbClr val="808080"/>
+              </a:solidFill>
               <a:latin typeface="Arial"/>
             </a:endParaRPr>
           </a:p>
@@ -4275,7 +4605,10 @@
             <a:normAutofit/>
           </a:bodyPr>
           <a:p>
-            <a:endParaRPr b="0" lang="en-US" sz="3200" spc="-1" strike="noStrike">
+            <a:endParaRPr b="0" lang="en-US" sz="2400" spc="-1" strike="noStrike">
+              <a:solidFill>
+                <a:srgbClr val="808080"/>
+              </a:solidFill>
               <a:latin typeface="Arial"/>
             </a:endParaRPr>
           </a:p>
@@ -4305,7 +4638,10 @@
             <a:normAutofit/>
           </a:bodyPr>
           <a:p>
-            <a:endParaRPr b="0" lang="en-US" sz="3200" spc="-1" strike="noStrike">
+            <a:endParaRPr b="0" lang="en-US" sz="2400" spc="-1" strike="noStrike">
+              <a:solidFill>
+                <a:srgbClr val="808080"/>
+              </a:solidFill>
               <a:latin typeface="Arial"/>
             </a:endParaRPr>
           </a:p>
@@ -4357,6 +4693,9 @@
           <a:p>
             <a:pPr algn="ctr"/>
             <a:endParaRPr b="0" lang="en-US" sz="4400" spc="-1" strike="noStrike">
+              <a:solidFill>
+                <a:srgbClr val="666666"/>
+              </a:solidFill>
               <a:latin typeface="Arial"/>
             </a:endParaRPr>
           </a:p>
@@ -4386,7 +4725,10 @@
             <a:normAutofit/>
           </a:bodyPr>
           <a:p>
-            <a:endParaRPr b="0" lang="en-US" sz="3200" spc="-1" strike="noStrike">
+            <a:endParaRPr b="0" lang="en-US" sz="2400" spc="-1" strike="noStrike">
+              <a:solidFill>
+                <a:srgbClr val="808080"/>
+              </a:solidFill>
               <a:latin typeface="Arial"/>
             </a:endParaRPr>
           </a:p>
@@ -4416,7 +4758,10 @@
             <a:normAutofit/>
           </a:bodyPr>
           <a:p>
-            <a:endParaRPr b="0" lang="en-US" sz="3200" spc="-1" strike="noStrike">
+            <a:endParaRPr b="0" lang="en-US" sz="2400" spc="-1" strike="noStrike">
+              <a:solidFill>
+                <a:srgbClr val="808080"/>
+              </a:solidFill>
               <a:latin typeface="Arial"/>
             </a:endParaRPr>
           </a:p>
@@ -4468,6 +4813,9 @@
           <a:p>
             <a:pPr algn="ctr"/>
             <a:endParaRPr b="0" lang="en-US" sz="4400" spc="-1" strike="noStrike">
+              <a:solidFill>
+                <a:srgbClr val="666666"/>
+              </a:solidFill>
               <a:latin typeface="Arial"/>
             </a:endParaRPr>
           </a:p>
@@ -4497,7 +4845,10 @@
             <a:normAutofit/>
           </a:bodyPr>
           <a:p>
-            <a:endParaRPr b="0" lang="en-US" sz="3200" spc="-1" strike="noStrike">
+            <a:endParaRPr b="0" lang="en-US" sz="2400" spc="-1" strike="noStrike">
+              <a:solidFill>
+                <a:srgbClr val="808080"/>
+              </a:solidFill>
               <a:latin typeface="Arial"/>
             </a:endParaRPr>
           </a:p>
@@ -4527,7 +4878,10 @@
             <a:normAutofit/>
           </a:bodyPr>
           <a:p>
-            <a:endParaRPr b="0" lang="en-US" sz="3200" spc="-1" strike="noStrike">
+            <a:endParaRPr b="0" lang="en-US" sz="2400" spc="-1" strike="noStrike">
+              <a:solidFill>
+                <a:srgbClr val="808080"/>
+              </a:solidFill>
               <a:latin typeface="Arial"/>
             </a:endParaRPr>
           </a:p>
@@ -4557,7 +4911,10 @@
             <a:normAutofit/>
           </a:bodyPr>
           <a:p>
-            <a:endParaRPr b="0" lang="en-US" sz="3200" spc="-1" strike="noStrike">
+            <a:endParaRPr b="0" lang="en-US" sz="2400" spc="-1" strike="noStrike">
+              <a:solidFill>
+                <a:srgbClr val="808080"/>
+              </a:solidFill>
               <a:latin typeface="Arial"/>
             </a:endParaRPr>
           </a:p>
@@ -4587,7 +4944,10 @@
             <a:normAutofit/>
           </a:bodyPr>
           <a:p>
-            <a:endParaRPr b="0" lang="en-US" sz="3200" spc="-1" strike="noStrike">
+            <a:endParaRPr b="0" lang="en-US" sz="2400" spc="-1" strike="noStrike">
+              <a:solidFill>
+                <a:srgbClr val="808080"/>
+              </a:solidFill>
               <a:latin typeface="Arial"/>
             </a:endParaRPr>
           </a:p>
@@ -4639,6 +4999,9 @@
           <a:p>
             <a:pPr algn="ctr"/>
             <a:endParaRPr b="0" lang="en-US" sz="4400" spc="-1" strike="noStrike">
+              <a:solidFill>
+                <a:srgbClr val="666666"/>
+              </a:solidFill>
               <a:latin typeface="Arial"/>
             </a:endParaRPr>
           </a:p>
@@ -4668,7 +5031,10 @@
             <a:normAutofit/>
           </a:bodyPr>
           <a:p>
-            <a:endParaRPr b="0" lang="en-US" sz="3200" spc="-1" strike="noStrike">
+            <a:endParaRPr b="0" lang="en-US" sz="2400" spc="-1" strike="noStrike">
+              <a:solidFill>
+                <a:srgbClr val="808080"/>
+              </a:solidFill>
               <a:latin typeface="Arial"/>
             </a:endParaRPr>
           </a:p>
@@ -4698,7 +5064,10 @@
             <a:normAutofit/>
           </a:bodyPr>
           <a:p>
-            <a:endParaRPr b="0" lang="en-US" sz="3200" spc="-1" strike="noStrike">
+            <a:endParaRPr b="0" lang="en-US" sz="2400" spc="-1" strike="noStrike">
+              <a:solidFill>
+                <a:srgbClr val="808080"/>
+              </a:solidFill>
               <a:latin typeface="Arial"/>
             </a:endParaRPr>
           </a:p>
@@ -4728,7 +5097,10 @@
             <a:normAutofit/>
           </a:bodyPr>
           <a:p>
-            <a:endParaRPr b="0" lang="en-US" sz="3200" spc="-1" strike="noStrike">
+            <a:endParaRPr b="0" lang="en-US" sz="2400" spc="-1" strike="noStrike">
+              <a:solidFill>
+                <a:srgbClr val="808080"/>
+              </a:solidFill>
               <a:latin typeface="Arial"/>
             </a:endParaRPr>
           </a:p>
@@ -4758,7 +5130,10 @@
             <a:normAutofit/>
           </a:bodyPr>
           <a:p>
-            <a:endParaRPr b="0" lang="en-US" sz="3200" spc="-1" strike="noStrike">
+            <a:endParaRPr b="0" lang="en-US" sz="2400" spc="-1" strike="noStrike">
+              <a:solidFill>
+                <a:srgbClr val="808080"/>
+              </a:solidFill>
               <a:latin typeface="Arial"/>
             </a:endParaRPr>
           </a:p>
@@ -4788,7 +5163,10 @@
             <a:normAutofit/>
           </a:bodyPr>
           <a:p>
-            <a:endParaRPr b="0" lang="en-US" sz="3200" spc="-1" strike="noStrike">
+            <a:endParaRPr b="0" lang="en-US" sz="2400" spc="-1" strike="noStrike">
+              <a:solidFill>
+                <a:srgbClr val="808080"/>
+              </a:solidFill>
               <a:latin typeface="Arial"/>
             </a:endParaRPr>
           </a:p>
@@ -4818,7 +5196,10 @@
             <a:normAutofit/>
           </a:bodyPr>
           <a:p>
-            <a:endParaRPr b="0" lang="en-US" sz="3200" spc="-1" strike="noStrike">
+            <a:endParaRPr b="0" lang="en-US" sz="2400" spc="-1" strike="noStrike">
+              <a:solidFill>
+                <a:srgbClr val="808080"/>
+              </a:solidFill>
               <a:latin typeface="Arial"/>
             </a:endParaRPr>
           </a:p>
@@ -4892,6 +5273,9 @@
           <a:p>
             <a:pPr algn="ctr"/>
             <a:endParaRPr b="0" lang="en-US" sz="4400" spc="-1" strike="noStrike">
+              <a:solidFill>
+                <a:srgbClr val="666666"/>
+              </a:solidFill>
               <a:latin typeface="Arial"/>
             </a:endParaRPr>
           </a:p>
@@ -4943,6 +5327,9 @@
           <a:p>
             <a:pPr algn="ctr"/>
             <a:endParaRPr b="0" lang="en-US" sz="4400" spc="-1" strike="noStrike">
+              <a:solidFill>
+                <a:srgbClr val="666666"/>
+              </a:solidFill>
               <a:latin typeface="Arial"/>
             </a:endParaRPr>
           </a:p>
@@ -5023,6 +5410,9 @@
           <a:p>
             <a:pPr algn="ctr"/>
             <a:endParaRPr b="0" lang="en-US" sz="4400" spc="-1" strike="noStrike">
+              <a:solidFill>
+                <a:srgbClr val="666666"/>
+              </a:solidFill>
               <a:latin typeface="Arial"/>
             </a:endParaRPr>
           </a:p>
@@ -5052,7 +5442,10 @@
             <a:normAutofit/>
           </a:bodyPr>
           <a:p>
-            <a:endParaRPr b="0" lang="en-US" sz="3200" spc="-1" strike="noStrike">
+            <a:endParaRPr b="0" lang="en-US" sz="2400" spc="-1" strike="noStrike">
+              <a:solidFill>
+                <a:srgbClr val="808080"/>
+              </a:solidFill>
               <a:latin typeface="Arial"/>
             </a:endParaRPr>
           </a:p>
@@ -5104,6 +5497,9 @@
           <a:p>
             <a:pPr algn="ctr"/>
             <a:endParaRPr b="0" lang="en-US" sz="4400" spc="-1" strike="noStrike">
+              <a:solidFill>
+                <a:srgbClr val="666666"/>
+              </a:solidFill>
               <a:latin typeface="Arial"/>
             </a:endParaRPr>
           </a:p>
@@ -5133,7 +5529,10 @@
             <a:normAutofit/>
           </a:bodyPr>
           <a:p>
-            <a:endParaRPr b="0" lang="en-US" sz="3200" spc="-1" strike="noStrike">
+            <a:endParaRPr b="0" lang="en-US" sz="2400" spc="-1" strike="noStrike">
+              <a:solidFill>
+                <a:srgbClr val="808080"/>
+              </a:solidFill>
               <a:latin typeface="Arial"/>
             </a:endParaRPr>
           </a:p>
@@ -5163,7 +5562,10 @@
             <a:normAutofit/>
           </a:bodyPr>
           <a:p>
-            <a:endParaRPr b="0" lang="en-US" sz="3200" spc="-1" strike="noStrike">
+            <a:endParaRPr b="0" lang="en-US" sz="2400" spc="-1" strike="noStrike">
+              <a:solidFill>
+                <a:srgbClr val="808080"/>
+              </a:solidFill>
               <a:latin typeface="Arial"/>
             </a:endParaRPr>
           </a:p>
@@ -5215,6 +5617,9 @@
           <a:p>
             <a:pPr algn="ctr"/>
             <a:endParaRPr b="0" lang="en-US" sz="4400" spc="-1" strike="noStrike">
+              <a:solidFill>
+                <a:srgbClr val="666666"/>
+              </a:solidFill>
               <a:latin typeface="Arial"/>
             </a:endParaRPr>
           </a:p>
@@ -5317,6 +5722,9 @@
           <a:p>
             <a:pPr algn="ctr"/>
             <a:endParaRPr b="0" lang="en-US" sz="4400" spc="-1" strike="noStrike">
+              <a:solidFill>
+                <a:srgbClr val="666666"/>
+              </a:solidFill>
               <a:latin typeface="Arial"/>
             </a:endParaRPr>
           </a:p>
@@ -5346,7 +5754,10 @@
             <a:normAutofit/>
           </a:bodyPr>
           <a:p>
-            <a:endParaRPr b="0" lang="en-US" sz="3200" spc="-1" strike="noStrike">
+            <a:endParaRPr b="0" lang="en-US" sz="2400" spc="-1" strike="noStrike">
+              <a:solidFill>
+                <a:srgbClr val="808080"/>
+              </a:solidFill>
               <a:latin typeface="Arial"/>
             </a:endParaRPr>
           </a:p>
@@ -5376,7 +5787,10 @@
             <a:normAutofit/>
           </a:bodyPr>
           <a:p>
-            <a:endParaRPr b="0" lang="en-US" sz="3200" spc="-1" strike="noStrike">
+            <a:endParaRPr b="0" lang="en-US" sz="2400" spc="-1" strike="noStrike">
+              <a:solidFill>
+                <a:srgbClr val="808080"/>
+              </a:solidFill>
               <a:latin typeface="Arial"/>
             </a:endParaRPr>
           </a:p>
@@ -5406,7 +5820,10 @@
             <a:normAutofit/>
           </a:bodyPr>
           <a:p>
-            <a:endParaRPr b="0" lang="en-US" sz="3200" spc="-1" strike="noStrike">
+            <a:endParaRPr b="0" lang="en-US" sz="2400" spc="-1" strike="noStrike">
+              <a:solidFill>
+                <a:srgbClr val="808080"/>
+              </a:solidFill>
               <a:latin typeface="Arial"/>
             </a:endParaRPr>
           </a:p>
@@ -5458,6 +5875,9 @@
           <a:p>
             <a:pPr algn="ctr"/>
             <a:endParaRPr b="0" lang="en-US" sz="4400" spc="-1" strike="noStrike">
+              <a:solidFill>
+                <a:srgbClr val="666666"/>
+              </a:solidFill>
               <a:latin typeface="Arial"/>
             </a:endParaRPr>
           </a:p>
@@ -5487,7 +5907,10 @@
             <a:normAutofit/>
           </a:bodyPr>
           <a:p>
-            <a:endParaRPr b="0" lang="en-US" sz="3200" spc="-1" strike="noStrike">
+            <a:endParaRPr b="0" lang="en-US" sz="2400" spc="-1" strike="noStrike">
+              <a:solidFill>
+                <a:srgbClr val="808080"/>
+              </a:solidFill>
               <a:latin typeface="Arial"/>
             </a:endParaRPr>
           </a:p>
@@ -5517,7 +5940,10 @@
             <a:normAutofit/>
           </a:bodyPr>
           <a:p>
-            <a:endParaRPr b="0" lang="en-US" sz="3200" spc="-1" strike="noStrike">
+            <a:endParaRPr b="0" lang="en-US" sz="2400" spc="-1" strike="noStrike">
+              <a:solidFill>
+                <a:srgbClr val="808080"/>
+              </a:solidFill>
               <a:latin typeface="Arial"/>
             </a:endParaRPr>
           </a:p>
@@ -5547,7 +5973,10 @@
             <a:normAutofit/>
           </a:bodyPr>
           <a:p>
-            <a:endParaRPr b="0" lang="en-US" sz="3200" spc="-1" strike="noStrike">
+            <a:endParaRPr b="0" lang="en-US" sz="2400" spc="-1" strike="noStrike">
+              <a:solidFill>
+                <a:srgbClr val="808080"/>
+              </a:solidFill>
               <a:latin typeface="Arial"/>
             </a:endParaRPr>
           </a:p>
@@ -5599,6 +6028,9 @@
           <a:p>
             <a:pPr algn="ctr"/>
             <a:endParaRPr b="0" lang="en-US" sz="4400" spc="-1" strike="noStrike">
+              <a:solidFill>
+                <a:srgbClr val="666666"/>
+              </a:solidFill>
               <a:latin typeface="Arial"/>
             </a:endParaRPr>
           </a:p>
@@ -5628,7 +6060,10 @@
             <a:normAutofit/>
           </a:bodyPr>
           <a:p>
-            <a:endParaRPr b="0" lang="en-US" sz="3200" spc="-1" strike="noStrike">
+            <a:endParaRPr b="0" lang="en-US" sz="2400" spc="-1" strike="noStrike">
+              <a:solidFill>
+                <a:srgbClr val="808080"/>
+              </a:solidFill>
               <a:latin typeface="Arial"/>
             </a:endParaRPr>
           </a:p>
@@ -5658,7 +6093,10 @@
             <a:normAutofit/>
           </a:bodyPr>
           <a:p>
-            <a:endParaRPr b="0" lang="en-US" sz="3200" spc="-1" strike="noStrike">
+            <a:endParaRPr b="0" lang="en-US" sz="2400" spc="-1" strike="noStrike">
+              <a:solidFill>
+                <a:srgbClr val="808080"/>
+              </a:solidFill>
               <a:latin typeface="Arial"/>
             </a:endParaRPr>
           </a:p>
@@ -5688,7 +6126,10 @@
             <a:normAutofit/>
           </a:bodyPr>
           <a:p>
-            <a:endParaRPr b="0" lang="en-US" sz="3200" spc="-1" strike="noStrike">
+            <a:endParaRPr b="0" lang="en-US" sz="2400" spc="-1" strike="noStrike">
+              <a:solidFill>
+                <a:srgbClr val="808080"/>
+              </a:solidFill>
               <a:latin typeface="Arial"/>
             </a:endParaRPr>
           </a:p>
@@ -5740,6 +6181,9 @@
           <a:p>
             <a:pPr algn="ctr"/>
             <a:endParaRPr b="0" lang="en-US" sz="4400" spc="-1" strike="noStrike">
+              <a:solidFill>
+                <a:srgbClr val="666666"/>
+              </a:solidFill>
               <a:latin typeface="Arial"/>
             </a:endParaRPr>
           </a:p>
@@ -5769,7 +6213,10 @@
             <a:normAutofit/>
           </a:bodyPr>
           <a:p>
-            <a:endParaRPr b="0" lang="en-US" sz="3200" spc="-1" strike="noStrike">
+            <a:endParaRPr b="0" lang="en-US" sz="2400" spc="-1" strike="noStrike">
+              <a:solidFill>
+                <a:srgbClr val="808080"/>
+              </a:solidFill>
               <a:latin typeface="Arial"/>
             </a:endParaRPr>
           </a:p>
@@ -5799,7 +6246,10 @@
             <a:normAutofit/>
           </a:bodyPr>
           <a:p>
-            <a:endParaRPr b="0" lang="en-US" sz="3200" spc="-1" strike="noStrike">
+            <a:endParaRPr b="0" lang="en-US" sz="2400" spc="-1" strike="noStrike">
+              <a:solidFill>
+                <a:srgbClr val="808080"/>
+              </a:solidFill>
               <a:latin typeface="Arial"/>
             </a:endParaRPr>
           </a:p>
@@ -5851,6 +6301,9 @@
           <a:p>
             <a:pPr algn="ctr"/>
             <a:endParaRPr b="0" lang="en-US" sz="4400" spc="-1" strike="noStrike">
+              <a:solidFill>
+                <a:srgbClr val="666666"/>
+              </a:solidFill>
               <a:latin typeface="Arial"/>
             </a:endParaRPr>
           </a:p>
@@ -5880,7 +6333,10 @@
             <a:normAutofit/>
           </a:bodyPr>
           <a:p>
-            <a:endParaRPr b="0" lang="en-US" sz="3200" spc="-1" strike="noStrike">
+            <a:endParaRPr b="0" lang="en-US" sz="2400" spc="-1" strike="noStrike">
+              <a:solidFill>
+                <a:srgbClr val="808080"/>
+              </a:solidFill>
               <a:latin typeface="Arial"/>
             </a:endParaRPr>
           </a:p>
@@ -5910,7 +6366,10 @@
             <a:normAutofit/>
           </a:bodyPr>
           <a:p>
-            <a:endParaRPr b="0" lang="en-US" sz="3200" spc="-1" strike="noStrike">
+            <a:endParaRPr b="0" lang="en-US" sz="2400" spc="-1" strike="noStrike">
+              <a:solidFill>
+                <a:srgbClr val="808080"/>
+              </a:solidFill>
               <a:latin typeface="Arial"/>
             </a:endParaRPr>
           </a:p>
@@ -5940,7 +6399,10 @@
             <a:normAutofit/>
           </a:bodyPr>
           <a:p>
-            <a:endParaRPr b="0" lang="en-US" sz="3200" spc="-1" strike="noStrike">
+            <a:endParaRPr b="0" lang="en-US" sz="2400" spc="-1" strike="noStrike">
+              <a:solidFill>
+                <a:srgbClr val="808080"/>
+              </a:solidFill>
               <a:latin typeface="Arial"/>
             </a:endParaRPr>
           </a:p>
@@ -5970,7 +6432,10 @@
             <a:normAutofit/>
           </a:bodyPr>
           <a:p>
-            <a:endParaRPr b="0" lang="en-US" sz="3200" spc="-1" strike="noStrike">
+            <a:endParaRPr b="0" lang="en-US" sz="2400" spc="-1" strike="noStrike">
+              <a:solidFill>
+                <a:srgbClr val="808080"/>
+              </a:solidFill>
               <a:latin typeface="Arial"/>
             </a:endParaRPr>
           </a:p>
@@ -6073,6 +6538,9 @@
           <a:p>
             <a:pPr algn="ctr"/>
             <a:endParaRPr b="0" lang="en-US" sz="4400" spc="-1" strike="noStrike">
+              <a:solidFill>
+                <a:srgbClr val="666666"/>
+              </a:solidFill>
               <a:latin typeface="Arial"/>
             </a:endParaRPr>
           </a:p>
@@ -6102,7 +6570,10 @@
             <a:normAutofit/>
           </a:bodyPr>
           <a:p>
-            <a:endParaRPr b="0" lang="en-US" sz="3200" spc="-1" strike="noStrike">
+            <a:endParaRPr b="0" lang="en-US" sz="2400" spc="-1" strike="noStrike">
+              <a:solidFill>
+                <a:srgbClr val="808080"/>
+              </a:solidFill>
               <a:latin typeface="Arial"/>
             </a:endParaRPr>
           </a:p>
@@ -6132,7 +6603,10 @@
             <a:normAutofit/>
           </a:bodyPr>
           <a:p>
-            <a:endParaRPr b="0" lang="en-US" sz="3200" spc="-1" strike="noStrike">
+            <a:endParaRPr b="0" lang="en-US" sz="2400" spc="-1" strike="noStrike">
+              <a:solidFill>
+                <a:srgbClr val="808080"/>
+              </a:solidFill>
               <a:latin typeface="Arial"/>
             </a:endParaRPr>
           </a:p>
@@ -6162,7 +6636,10 @@
             <a:normAutofit/>
           </a:bodyPr>
           <a:p>
-            <a:endParaRPr b="0" lang="en-US" sz="3200" spc="-1" strike="noStrike">
+            <a:endParaRPr b="0" lang="en-US" sz="2400" spc="-1" strike="noStrike">
+              <a:solidFill>
+                <a:srgbClr val="808080"/>
+              </a:solidFill>
               <a:latin typeface="Arial"/>
             </a:endParaRPr>
           </a:p>
@@ -6192,7 +6669,10 @@
             <a:normAutofit/>
           </a:bodyPr>
           <a:p>
-            <a:endParaRPr b="0" lang="en-US" sz="3200" spc="-1" strike="noStrike">
+            <a:endParaRPr b="0" lang="en-US" sz="2400" spc="-1" strike="noStrike">
+              <a:solidFill>
+                <a:srgbClr val="808080"/>
+              </a:solidFill>
               <a:latin typeface="Arial"/>
             </a:endParaRPr>
           </a:p>
@@ -6222,7 +6702,10 @@
             <a:normAutofit/>
           </a:bodyPr>
           <a:p>
-            <a:endParaRPr b="0" lang="en-US" sz="3200" spc="-1" strike="noStrike">
+            <a:endParaRPr b="0" lang="en-US" sz="2400" spc="-1" strike="noStrike">
+              <a:solidFill>
+                <a:srgbClr val="808080"/>
+              </a:solidFill>
               <a:latin typeface="Arial"/>
             </a:endParaRPr>
           </a:p>
@@ -6252,7 +6735,10 @@
             <a:normAutofit/>
           </a:bodyPr>
           <a:p>
-            <a:endParaRPr b="0" lang="en-US" sz="3200" spc="-1" strike="noStrike">
+            <a:endParaRPr b="0" lang="en-US" sz="2400" spc="-1" strike="noStrike">
+              <a:solidFill>
+                <a:srgbClr val="808080"/>
+              </a:solidFill>
               <a:latin typeface="Arial"/>
             </a:endParaRPr>
           </a:p>
@@ -6304,6 +6790,9 @@
           <a:p>
             <a:pPr algn="ctr"/>
             <a:endParaRPr b="0" lang="en-US" sz="4400" spc="-1" strike="noStrike">
+              <a:solidFill>
+                <a:srgbClr val="666666"/>
+              </a:solidFill>
               <a:latin typeface="Arial"/>
             </a:endParaRPr>
           </a:p>
@@ -6333,7 +6822,10 @@
             <a:normAutofit/>
           </a:bodyPr>
           <a:p>
-            <a:endParaRPr b="0" lang="en-US" sz="3200" spc="-1" strike="noStrike">
+            <a:endParaRPr b="0" lang="en-US" sz="2400" spc="-1" strike="noStrike">
+              <a:solidFill>
+                <a:srgbClr val="808080"/>
+              </a:solidFill>
               <a:latin typeface="Arial"/>
             </a:endParaRPr>
           </a:p>
@@ -6363,7 +6855,10 @@
             <a:normAutofit/>
           </a:bodyPr>
           <a:p>
-            <a:endParaRPr b="0" lang="en-US" sz="3200" spc="-1" strike="noStrike">
+            <a:endParaRPr b="0" lang="en-US" sz="2400" spc="-1" strike="noStrike">
+              <a:solidFill>
+                <a:srgbClr val="808080"/>
+              </a:solidFill>
               <a:latin typeface="Arial"/>
             </a:endParaRPr>
           </a:p>
@@ -6393,7 +6888,10 @@
             <a:normAutofit/>
           </a:bodyPr>
           <a:p>
-            <a:endParaRPr b="0" lang="en-US" sz="3200" spc="-1" strike="noStrike">
+            <a:endParaRPr b="0" lang="en-US" sz="2400" spc="-1" strike="noStrike">
+              <a:solidFill>
+                <a:srgbClr val="808080"/>
+              </a:solidFill>
               <a:latin typeface="Arial"/>
             </a:endParaRPr>
           </a:p>
@@ -6445,6 +6943,9 @@
           <a:p>
             <a:pPr algn="ctr"/>
             <a:endParaRPr b="0" lang="en-US" sz="4400" spc="-1" strike="noStrike">
+              <a:solidFill>
+                <a:srgbClr val="666666"/>
+              </a:solidFill>
               <a:latin typeface="Arial"/>
             </a:endParaRPr>
           </a:p>
@@ -6474,7 +6975,10 @@
             <a:normAutofit/>
           </a:bodyPr>
           <a:p>
-            <a:endParaRPr b="0" lang="en-US" sz="3200" spc="-1" strike="noStrike">
+            <a:endParaRPr b="0" lang="en-US" sz="2400" spc="-1" strike="noStrike">
+              <a:solidFill>
+                <a:srgbClr val="808080"/>
+              </a:solidFill>
               <a:latin typeface="Arial"/>
             </a:endParaRPr>
           </a:p>
@@ -6504,7 +7008,10 @@
             <a:normAutofit/>
           </a:bodyPr>
           <a:p>
-            <a:endParaRPr b="0" lang="en-US" sz="3200" spc="-1" strike="noStrike">
+            <a:endParaRPr b="0" lang="en-US" sz="2400" spc="-1" strike="noStrike">
+              <a:solidFill>
+                <a:srgbClr val="808080"/>
+              </a:solidFill>
               <a:latin typeface="Arial"/>
             </a:endParaRPr>
           </a:p>
@@ -6534,7 +7041,10 @@
             <a:normAutofit/>
           </a:bodyPr>
           <a:p>
-            <a:endParaRPr b="0" lang="en-US" sz="3200" spc="-1" strike="noStrike">
+            <a:endParaRPr b="0" lang="en-US" sz="2400" spc="-1" strike="noStrike">
+              <a:solidFill>
+                <a:srgbClr val="808080"/>
+              </a:solidFill>
               <a:latin typeface="Arial"/>
             </a:endParaRPr>
           </a:p>
@@ -6586,6 +7096,9 @@
           <a:p>
             <a:pPr algn="ctr"/>
             <a:endParaRPr b="0" lang="en-US" sz="4400" spc="-1" strike="noStrike">
+              <a:solidFill>
+                <a:srgbClr val="666666"/>
+              </a:solidFill>
               <a:latin typeface="Arial"/>
             </a:endParaRPr>
           </a:p>
@@ -6615,7 +7128,10 @@
             <a:normAutofit/>
           </a:bodyPr>
           <a:p>
-            <a:endParaRPr b="0" lang="en-US" sz="3200" spc="-1" strike="noStrike">
+            <a:endParaRPr b="0" lang="en-US" sz="2400" spc="-1" strike="noStrike">
+              <a:solidFill>
+                <a:srgbClr val="808080"/>
+              </a:solidFill>
               <a:latin typeface="Arial"/>
             </a:endParaRPr>
           </a:p>
@@ -6645,7 +7161,10 @@
             <a:normAutofit/>
           </a:bodyPr>
           <a:p>
-            <a:endParaRPr b="0" lang="en-US" sz="3200" spc="-1" strike="noStrike">
+            <a:endParaRPr b="0" lang="en-US" sz="2400" spc="-1" strike="noStrike">
+              <a:solidFill>
+                <a:srgbClr val="808080"/>
+              </a:solidFill>
               <a:latin typeface="Arial"/>
             </a:endParaRPr>
           </a:p>
@@ -6675,7 +7194,10 @@
             <a:normAutofit/>
           </a:bodyPr>
           <a:p>
-            <a:endParaRPr b="0" lang="en-US" sz="3200" spc="-1" strike="noStrike">
+            <a:endParaRPr b="0" lang="en-US" sz="2400" spc="-1" strike="noStrike">
+              <a:solidFill>
+                <a:srgbClr val="808080"/>
+              </a:solidFill>
               <a:latin typeface="Arial"/>
             </a:endParaRPr>
           </a:p>
@@ -6716,7 +7238,7 @@
         <p:spPr>
           <a:xfrm>
             <a:off x="0" y="5806440"/>
-            <a:ext cx="10077840" cy="1752480"/>
+            <a:ext cx="10077480" cy="1752120"/>
           </a:xfrm>
           <a:prstGeom prst="rect">
             <a:avLst/>
@@ -6985,7 +7507,7 @@
         <p:spPr>
           <a:xfrm>
             <a:off x="0" y="0"/>
-            <a:ext cx="10074960" cy="939960"/>
+            <a:ext cx="10074600" cy="939600"/>
           </a:xfrm>
           <a:prstGeom prst="rect">
             <a:avLst/>
@@ -7021,7 +7543,7 @@
         <p:spPr>
           <a:xfrm>
             <a:off x="0" y="6620400"/>
-            <a:ext cx="10074960" cy="939960"/>
+            <a:ext cx="10074600" cy="939600"/>
           </a:xfrm>
           <a:prstGeom prst="rect">
             <a:avLst/>
@@ -7075,7 +7597,139 @@
               <a:rPr b="0" lang="en-US" sz="4400" spc="-1" strike="noStrike">
                 <a:latin typeface="Arial"/>
               </a:rPr>
-              <a:t>Click to edit the title text format</a:t>
+              <a:t>C</a:t>
+            </a:r>
+            <a:r>
+              <a:rPr b="0" lang="en-US" sz="4400" spc="-1" strike="noStrike">
+                <a:latin typeface="Arial"/>
+              </a:rPr>
+              <a:t>li</a:t>
+            </a:r>
+            <a:r>
+              <a:rPr b="0" lang="en-US" sz="4400" spc="-1" strike="noStrike">
+                <a:latin typeface="Arial"/>
+              </a:rPr>
+              <a:t>c</a:t>
+            </a:r>
+            <a:r>
+              <a:rPr b="0" lang="en-US" sz="4400" spc="-1" strike="noStrike">
+                <a:latin typeface="Arial"/>
+              </a:rPr>
+              <a:t>k </a:t>
+            </a:r>
+            <a:r>
+              <a:rPr b="0" lang="en-US" sz="4400" spc="-1" strike="noStrike">
+                <a:latin typeface="Arial"/>
+              </a:rPr>
+              <a:t>t</a:t>
+            </a:r>
+            <a:r>
+              <a:rPr b="0" lang="en-US" sz="4400" spc="-1" strike="noStrike">
+                <a:latin typeface="Arial"/>
+              </a:rPr>
+              <a:t>o </a:t>
+            </a:r>
+            <a:r>
+              <a:rPr b="0" lang="en-US" sz="4400" spc="-1" strike="noStrike">
+                <a:latin typeface="Arial"/>
+              </a:rPr>
+              <a:t>e</a:t>
+            </a:r>
+            <a:r>
+              <a:rPr b="0" lang="en-US" sz="4400" spc="-1" strike="noStrike">
+                <a:latin typeface="Arial"/>
+              </a:rPr>
+              <a:t>di</a:t>
+            </a:r>
+            <a:r>
+              <a:rPr b="0" lang="en-US" sz="4400" spc="-1" strike="noStrike">
+                <a:latin typeface="Arial"/>
+              </a:rPr>
+              <a:t>t </a:t>
+            </a:r>
+            <a:r>
+              <a:rPr b="0" lang="en-US" sz="4400" spc="-1" strike="noStrike">
+                <a:latin typeface="Arial"/>
+              </a:rPr>
+              <a:t>t</a:t>
+            </a:r>
+            <a:r>
+              <a:rPr b="0" lang="en-US" sz="4400" spc="-1" strike="noStrike">
+                <a:latin typeface="Arial"/>
+              </a:rPr>
+              <a:t>h</a:t>
+            </a:r>
+            <a:r>
+              <a:rPr b="0" lang="en-US" sz="4400" spc="-1" strike="noStrike">
+                <a:latin typeface="Arial"/>
+              </a:rPr>
+              <a:t>e </a:t>
+            </a:r>
+            <a:r>
+              <a:rPr b="0" lang="en-US" sz="4400" spc="-1" strike="noStrike">
+                <a:latin typeface="Arial"/>
+              </a:rPr>
+              <a:t>tit</a:t>
+            </a:r>
+            <a:r>
+              <a:rPr b="0" lang="en-US" sz="4400" spc="-1" strike="noStrike">
+                <a:latin typeface="Arial"/>
+              </a:rPr>
+              <a:t>le </a:t>
+            </a:r>
+            <a:r>
+              <a:rPr b="0" lang="en-US" sz="4400" spc="-1" strike="noStrike">
+                <a:latin typeface="Arial"/>
+              </a:rPr>
+              <a:t>t</a:t>
+            </a:r>
+            <a:r>
+              <a:rPr b="0" lang="en-US" sz="4400" spc="-1" strike="noStrike">
+                <a:latin typeface="Arial"/>
+              </a:rPr>
+              <a:t>e</a:t>
+            </a:r>
+            <a:r>
+              <a:rPr b="0" lang="en-US" sz="4400" spc="-1" strike="noStrike">
+                <a:latin typeface="Arial"/>
+              </a:rPr>
+              <a:t>xt </a:t>
+            </a:r>
+            <a:r>
+              <a:rPr b="0" lang="en-US" sz="4400" spc="-1" strike="noStrike">
+                <a:latin typeface="Arial"/>
+              </a:rPr>
+              <a:t>f</a:t>
+            </a:r>
+            <a:r>
+              <a:rPr b="0" lang="en-US" sz="4400" spc="-1" strike="noStrike">
+                <a:latin typeface="Arial"/>
+              </a:rPr>
+              <a:t>o</a:t>
+            </a:r>
+            <a:r>
+              <a:rPr b="0" lang="en-US" sz="4400" spc="-1" strike="noStrike">
+                <a:latin typeface="Arial"/>
+              </a:rPr>
+              <a:t>r</a:t>
+            </a:r>
+            <a:r>
+              <a:rPr b="0" lang="en-US" sz="4400" spc="-1" strike="noStrike">
+                <a:latin typeface="Arial"/>
+              </a:rPr>
+              <a:t>m</a:t>
+            </a:r>
+            <a:r>
+              <a:rPr b="0" lang="en-US" sz="4400" spc="-1" strike="noStrike">
+                <a:latin typeface="Arial"/>
+              </a:rPr>
+              <a:t>a</a:t>
+            </a:r>
+            <a:r>
+              <a:rPr b="0" lang="en-US" sz="4400" spc="-1" strike="noStrike">
+                <a:latin typeface="Arial"/>
+              </a:rPr>
+              <a:t>t</a:t>
             </a:r>
             <a:endParaRPr b="0" lang="en-US" sz="4400" spc="-1" strike="noStrike">
               <a:latin typeface="Arial"/>
@@ -7308,7 +7962,7 @@
         <p:spPr>
           <a:xfrm>
             <a:off x="0" y="0"/>
-            <a:ext cx="10074960" cy="939960"/>
+            <a:ext cx="10074600" cy="939600"/>
           </a:xfrm>
           <a:prstGeom prst="rect">
             <a:avLst/>
@@ -7344,7 +7998,7 @@
         <p:spPr>
           <a:xfrm>
             <a:off x="0" y="6620400"/>
-            <a:ext cx="10074960" cy="939960"/>
+            <a:ext cx="10074600" cy="939600"/>
           </a:xfrm>
           <a:prstGeom prst="rect">
             <a:avLst/>
@@ -7398,7 +8052,73 @@
               <a:rPr b="0" lang="en-US" sz="4400" spc="-1" strike="noStrike">
                 <a:latin typeface="Arial"/>
               </a:rPr>
-              <a:t>Click to edit the title text format</a:t>
+              <a:t>Cli</a:t>
+            </a:r>
+            <a:r>
+              <a:rPr b="0" lang="en-US" sz="4400" spc="-1" strike="noStrike">
+                <a:latin typeface="Arial"/>
+              </a:rPr>
+              <a:t>ck </a:t>
+            </a:r>
+            <a:r>
+              <a:rPr b="0" lang="en-US" sz="4400" spc="-1" strike="noStrike">
+                <a:latin typeface="Arial"/>
+              </a:rPr>
+              <a:t>to </a:t>
+            </a:r>
+            <a:r>
+              <a:rPr b="0" lang="en-US" sz="4400" spc="-1" strike="noStrike">
+                <a:latin typeface="Arial"/>
+              </a:rPr>
+              <a:t>edi</a:t>
+            </a:r>
+            <a:r>
+              <a:rPr b="0" lang="en-US" sz="4400" spc="-1" strike="noStrike">
+                <a:latin typeface="Arial"/>
+              </a:rPr>
+              <a:t>t </a:t>
+            </a:r>
+            <a:r>
+              <a:rPr b="0" lang="en-US" sz="4400" spc="-1" strike="noStrike">
+                <a:latin typeface="Arial"/>
+              </a:rPr>
+              <a:t>the </a:t>
+            </a:r>
+            <a:r>
+              <a:rPr b="0" lang="en-US" sz="4400" spc="-1" strike="noStrike">
+                <a:latin typeface="Arial"/>
+              </a:rPr>
+              <a:t>title </a:t>
+            </a:r>
+            <a:r>
+              <a:rPr b="0" lang="en-US" sz="4400" spc="-1" strike="noStrike">
+                <a:latin typeface="Arial"/>
+              </a:rPr>
+              <a:t>tex</a:t>
+            </a:r>
+            <a:r>
+              <a:rPr b="0" lang="en-US" sz="4400" spc="-1" strike="noStrike">
+                <a:latin typeface="Arial"/>
+              </a:rPr>
+              <a:t>t </a:t>
+            </a:r>
+            <a:r>
+              <a:rPr b="0" lang="en-US" sz="4400" spc="-1" strike="noStrike">
+                <a:latin typeface="Arial"/>
+              </a:rPr>
+              <a:t>for</a:t>
+            </a:r>
+            <a:r>
+              <a:rPr b="0" lang="en-US" sz="4400" spc="-1" strike="noStrike">
+                <a:latin typeface="Arial"/>
+              </a:rPr>
+              <a:t>ma</a:t>
+            </a:r>
+            <a:r>
+              <a:rPr b="0" lang="en-US" sz="4400" spc="-1" strike="noStrike">
+                <a:latin typeface="Arial"/>
+              </a:rPr>
+              <a:t>t</a:t>
             </a:r>
             <a:endParaRPr b="0" lang="en-US" sz="4400" spc="-1" strike="noStrike">
               <a:latin typeface="Arial"/>
@@ -7631,7 +8351,7 @@
         <p:spPr>
           <a:xfrm>
             <a:off x="0" y="0"/>
-            <a:ext cx="10074960" cy="939960"/>
+            <a:ext cx="10074600" cy="939600"/>
           </a:xfrm>
           <a:prstGeom prst="rect">
             <a:avLst/>
@@ -7667,7 +8387,7 @@
         <p:spPr>
           <a:xfrm>
             <a:off x="0" y="6620400"/>
-            <a:ext cx="10074960" cy="939960"/>
+            <a:ext cx="10074600" cy="939600"/>
           </a:xfrm>
           <a:prstGeom prst="rect">
             <a:avLst/>
@@ -7719,11 +8439,80 @@
             <a:pPr algn="ctr"/>
             <a:r>
               <a:rPr b="0" lang="en-US" sz="4400" spc="-1" strike="noStrike">
-                <a:latin typeface="Arial"/>
-              </a:rPr>
-              <a:t>Click to edit the title text format</a:t>
+                <a:solidFill>
+                  <a:srgbClr val="666666"/>
+                </a:solidFill>
+                <a:latin typeface="Arial"/>
+              </a:rPr>
+              <a:t>Click </a:t>
+            </a:r>
+            <a:r>
+              <a:rPr b="0" lang="en-US" sz="4400" spc="-1" strike="noStrike">
+                <a:solidFill>
+                  <a:srgbClr val="666666"/>
+                </a:solidFill>
+                <a:latin typeface="Arial"/>
+              </a:rPr>
+              <a:t>to </a:t>
+            </a:r>
+            <a:r>
+              <a:rPr b="0" lang="en-US" sz="4400" spc="-1" strike="noStrike">
+                <a:solidFill>
+                  <a:srgbClr val="666666"/>
+                </a:solidFill>
+                <a:latin typeface="Arial"/>
+              </a:rPr>
+              <a:t>edit </a:t>
+            </a:r>
+            <a:r>
+              <a:rPr b="0" lang="en-US" sz="4400" spc="-1" strike="noStrike">
+                <a:solidFill>
+                  <a:srgbClr val="666666"/>
+                </a:solidFill>
+                <a:latin typeface="Arial"/>
+              </a:rPr>
+              <a:t>the </a:t>
+            </a:r>
+            <a:r>
+              <a:rPr b="0" lang="en-US" sz="4400" spc="-1" strike="noStrike">
+                <a:solidFill>
+                  <a:srgbClr val="666666"/>
+                </a:solidFill>
+                <a:latin typeface="Arial"/>
+              </a:rPr>
+              <a:t>title </a:t>
+            </a:r>
+            <a:r>
+              <a:rPr b="0" lang="en-US" sz="4400" spc="-1" strike="noStrike">
+                <a:solidFill>
+                  <a:srgbClr val="666666"/>
+                </a:solidFill>
+                <a:latin typeface="Arial"/>
+              </a:rPr>
+              <a:t>text </a:t>
+            </a:r>
+            <a:r>
+              <a:rPr b="0" lang="en-US" sz="4400" spc="-1" strike="noStrike">
+                <a:solidFill>
+                  <a:srgbClr val="666666"/>
+                </a:solidFill>
+                <a:latin typeface="Arial"/>
+              </a:rPr>
+              <a:t>form</a:t>
+            </a:r>
+            <a:r>
+              <a:rPr b="0" lang="en-US" sz="4400" spc="-1" strike="noStrike">
+                <a:solidFill>
+                  <a:srgbClr val="666666"/>
+                </a:solidFill>
+                <a:latin typeface="Arial"/>
+              </a:rPr>
+              <a:t>at</a:t>
             </a:r>
             <a:endParaRPr b="0" lang="en-US" sz="4400" spc="-1" strike="noStrike">
+              <a:solidFill>
+                <a:srgbClr val="666666"/>
+              </a:solidFill>
               <a:latin typeface="Arial"/>
             </a:endParaRPr>
           </a:p>
@@ -7755,7 +8544,7 @@
           <a:p>
             <a:pPr marL="432000" indent="-324000">
               <a:spcBef>
-                <a:spcPts val="1417"/>
+                <a:spcPts val="1063"/>
               </a:spcBef>
               <a:buClr>
                 <a:srgbClr val="000000"/>
@@ -7765,12 +8554,18 @@
               <a:buChar char=""/>
             </a:pPr>
             <a:r>
-              <a:rPr b="0" lang="en-US" sz="3200" spc="-1" strike="noStrike">
+              <a:rPr b="0" lang="en-US" sz="2400" spc="-1" strike="noStrike">
+                <a:solidFill>
+                  <a:srgbClr val="808080"/>
+                </a:solidFill>
                 <a:latin typeface="Arial"/>
               </a:rPr>
               <a:t>Click to edit the outline text format</a:t>
             </a:r>
-            <a:endParaRPr b="0" lang="en-US" sz="3200" spc="-1" strike="noStrike">
+            <a:endParaRPr b="0" lang="en-US" sz="2400" spc="-1" strike="noStrike">
+              <a:solidFill>
+                <a:srgbClr val="808080"/>
+              </a:solidFill>
               <a:latin typeface="Arial"/>
             </a:endParaRPr>
           </a:p>
@@ -7788,11 +8583,17 @@
             </a:pPr>
             <a:r>
               <a:rPr b="0" lang="en-US" sz="2800" spc="-1" strike="noStrike">
+                <a:solidFill>
+                  <a:srgbClr val="808080"/>
+                </a:solidFill>
                 <a:latin typeface="Arial"/>
               </a:rPr>
               <a:t>Second Outline Level</a:t>
             </a:r>
             <a:endParaRPr b="0" lang="en-US" sz="2800" spc="-1" strike="noStrike">
+              <a:solidFill>
+                <a:srgbClr val="808080"/>
+              </a:solidFill>
               <a:latin typeface="Arial"/>
             </a:endParaRPr>
           </a:p>
@@ -7810,11 +8611,17 @@
             </a:pPr>
             <a:r>
               <a:rPr b="0" lang="en-US" sz="2400" spc="-1" strike="noStrike">
+                <a:solidFill>
+                  <a:srgbClr val="808080"/>
+                </a:solidFill>
                 <a:latin typeface="Arial"/>
               </a:rPr>
               <a:t>Third Outline Level</a:t>
             </a:r>
             <a:endParaRPr b="0" lang="en-US" sz="2400" spc="-1" strike="noStrike">
+              <a:solidFill>
+                <a:srgbClr val="808080"/>
+              </a:solidFill>
               <a:latin typeface="Arial"/>
             </a:endParaRPr>
           </a:p>
@@ -7832,11 +8639,17 @@
             </a:pPr>
             <a:r>
               <a:rPr b="0" lang="en-US" sz="2000" spc="-1" strike="noStrike">
+                <a:solidFill>
+                  <a:srgbClr val="808080"/>
+                </a:solidFill>
                 <a:latin typeface="Arial"/>
               </a:rPr>
               <a:t>Fourth Outline Level</a:t>
             </a:r>
             <a:endParaRPr b="0" lang="en-US" sz="2000" spc="-1" strike="noStrike">
+              <a:solidFill>
+                <a:srgbClr val="808080"/>
+              </a:solidFill>
               <a:latin typeface="Arial"/>
             </a:endParaRPr>
           </a:p>
@@ -7854,11 +8667,17 @@
             </a:pPr>
             <a:r>
               <a:rPr b="0" lang="en-US" sz="2000" spc="-1" strike="noStrike">
+                <a:solidFill>
+                  <a:srgbClr val="808080"/>
+                </a:solidFill>
                 <a:latin typeface="Arial"/>
               </a:rPr>
               <a:t>Fifth Outline Level</a:t>
             </a:r>
             <a:endParaRPr b="0" lang="en-US" sz="2000" spc="-1" strike="noStrike">
+              <a:solidFill>
+                <a:srgbClr val="808080"/>
+              </a:solidFill>
               <a:latin typeface="Arial"/>
             </a:endParaRPr>
           </a:p>
@@ -7876,11 +8695,17 @@
             </a:pPr>
             <a:r>
               <a:rPr b="0" lang="en-US" sz="2000" spc="-1" strike="noStrike">
+                <a:solidFill>
+                  <a:srgbClr val="808080"/>
+                </a:solidFill>
                 <a:latin typeface="Arial"/>
               </a:rPr>
               <a:t>Sixth Outline Level</a:t>
             </a:r>
             <a:endParaRPr b="0" lang="en-US" sz="2000" spc="-1" strike="noStrike">
+              <a:solidFill>
+                <a:srgbClr val="808080"/>
+              </a:solidFill>
               <a:latin typeface="Arial"/>
             </a:endParaRPr>
           </a:p>
@@ -7898,11 +8723,17 @@
             </a:pPr>
             <a:r>
               <a:rPr b="0" lang="en-US" sz="2000" spc="-1" strike="noStrike">
+                <a:solidFill>
+                  <a:srgbClr val="808080"/>
+                </a:solidFill>
                 <a:latin typeface="Arial"/>
               </a:rPr>
               <a:t>Seventh Outline Level</a:t>
             </a:r>
             <a:endParaRPr b="0" lang="en-US" sz="2000" spc="-1" strike="noStrike">
+              <a:solidFill>
+                <a:srgbClr val="808080"/>
+              </a:solidFill>
               <a:latin typeface="Arial"/>
             </a:endParaRPr>
           </a:p>
@@ -7954,7 +8785,7 @@
         <p:spPr>
           <a:xfrm>
             <a:off x="0" y="0"/>
-            <a:ext cx="10074960" cy="939960"/>
+            <a:ext cx="10074600" cy="939600"/>
           </a:xfrm>
           <a:prstGeom prst="rect">
             <a:avLst/>
@@ -7990,7 +8821,7 @@
         <p:spPr>
           <a:xfrm>
             <a:off x="0" y="6620400"/>
-            <a:ext cx="10074960" cy="939960"/>
+            <a:ext cx="10074600" cy="939600"/>
           </a:xfrm>
           <a:prstGeom prst="rect">
             <a:avLst/>
@@ -8277,7 +9108,7 @@
         <p:spPr>
           <a:xfrm>
             <a:off x="0" y="1137600"/>
-            <a:ext cx="9069840" cy="3667680"/>
+            <a:ext cx="9069480" cy="3667320"/>
           </a:xfrm>
           <a:prstGeom prst="rect">
             <a:avLst/>
@@ -8544,7 +9375,7 @@
         <p:spPr>
           <a:xfrm>
             <a:off x="504000" y="301320"/>
-            <a:ext cx="9069840" cy="635760"/>
+            <a:ext cx="9069480" cy="635400"/>
           </a:xfrm>
           <a:prstGeom prst="rect">
             <a:avLst/>
@@ -8576,7 +9407,7 @@
                 <a:latin typeface="Arial"/>
                 <a:ea typeface="DejaVu Sans"/>
               </a:rPr>
-              <a:t>Sharing</a:t>
+              <a:t>Firebase</a:t>
             </a:r>
             <a:endParaRPr b="0" lang="en-US" sz="4400" spc="-1" strike="noStrike">
               <a:latin typeface="Arial"/>
@@ -8593,7 +9424,7 @@
         <p:spPr>
           <a:xfrm>
             <a:off x="504000" y="1769040"/>
-            <a:ext cx="9069840" cy="4382640"/>
+            <a:ext cx="9069480" cy="4382280"/>
           </a:xfrm>
           <a:prstGeom prst="rect">
             <a:avLst/>
@@ -8614,12 +9445,12 @@
             <a:normAutofit/>
           </a:bodyPr>
           <a:p>
-            <a:pPr marL="432000" indent="-322920">
+            <a:pPr marL="432000" indent="-322200">
               <a:lnSpc>
                 <a:spcPct val="100000"/>
               </a:lnSpc>
               <a:spcBef>
-                <a:spcPts val="1057"/>
+                <a:spcPts val="1060"/>
               </a:spcBef>
               <a:buClr>
                 <a:srgbClr val="000000"/>
@@ -8636,83 +9467,43 @@
                 <a:latin typeface="Arial"/>
                 <a:ea typeface="DejaVu Sans"/>
               </a:rPr>
-              <a:t>Source-(https://github.com/YaminThwe/University_Student_Registration_System_Admin?fbclid=IwAR2H88aSiVSS1ukD7iAlHUfioNBeATFJlj0L8xUXF7rm4CKg0urtxWeHeyM)</a:t>
+              <a:t>Mobile and web application development platform</a:t>
             </a:r>
             <a:endParaRPr b="0" lang="en-US" sz="2400" spc="-1" strike="noStrike">
               <a:latin typeface="Arial"/>
             </a:endParaRPr>
           </a:p>
-        </p:txBody>
-      </p:sp>
-      <p:pic>
-        <p:nvPicPr>
-          <p:cNvPr id="220" name="" descr=""/>
-          <p:cNvPicPr/>
-          <p:nvPr/>
-        </p:nvPicPr>
-        <p:blipFill>
-          <a:blip r:embed="rId1"/>
-          <a:stretch/>
-        </p:blipFill>
-        <p:spPr>
-          <a:xfrm>
-            <a:off x="3291840" y="3383280"/>
-            <a:ext cx="3473640" cy="2768400"/>
-          </a:xfrm>
-          <a:prstGeom prst="rect">
-            <a:avLst/>
-          </a:prstGeom>
-          <a:ln>
-            <a:noFill/>
-          </a:ln>
-        </p:spPr>
-      </p:pic>
-      <p:pic>
-        <p:nvPicPr>
-          <p:cNvPr id="221" name="" descr=""/>
-          <p:cNvPicPr/>
-          <p:nvPr/>
-        </p:nvPicPr>
-        <p:blipFill>
-          <a:blip r:embed="rId2"/>
-          <a:stretch/>
-        </p:blipFill>
-        <p:spPr>
-          <a:xfrm>
-            <a:off x="8251920" y="3749040"/>
-            <a:ext cx="1827720" cy="1827720"/>
-          </a:xfrm>
-          <a:prstGeom prst="rect">
-            <a:avLst/>
-          </a:prstGeom>
-          <a:ln>
-            <a:noFill/>
-          </a:ln>
-        </p:spPr>
-      </p:pic>
-      <p:pic>
-        <p:nvPicPr>
-          <p:cNvPr id="222" name="" descr=""/>
-          <p:cNvPicPr/>
-          <p:nvPr/>
-        </p:nvPicPr>
-        <p:blipFill>
-          <a:blip r:embed="rId3"/>
-          <a:stretch/>
-        </p:blipFill>
-        <p:spPr>
-          <a:xfrm>
-            <a:off x="0" y="3840480"/>
-            <a:ext cx="1827720" cy="1827720"/>
-          </a:xfrm>
-          <a:prstGeom prst="rect">
-            <a:avLst/>
-          </a:prstGeom>
-          <a:ln>
-            <a:noFill/>
-          </a:ln>
-        </p:spPr>
-      </p:pic>
+          <a:p>
+            <a:pPr marL="432000" indent="-322200">
+              <a:lnSpc>
+                <a:spcPct val="100000"/>
+              </a:lnSpc>
+              <a:spcBef>
+                <a:spcPts val="1060"/>
+              </a:spcBef>
+              <a:buClr>
+                <a:srgbClr val="000000"/>
+              </a:buClr>
+              <a:buSzPct val="45000"/>
+              <a:buFont typeface="Wingdings" charset="2"/>
+              <a:buChar char=""/>
+            </a:pPr>
+            <a:r>
+              <a:rPr b="0" lang="en-US" sz="2400" spc="-1" strike="noStrike">
+                <a:solidFill>
+                  <a:srgbClr val="808080"/>
+                </a:solidFill>
+                <a:latin typeface="Arial"/>
+                <a:ea typeface="DejaVu Sans"/>
+              </a:rPr>
+              <a:t>Cloud messaging,cloud storage,realtime database,authentication,hosting and many other services</a:t>
+            </a:r>
+            <a:endParaRPr b="0" lang="en-US" sz="2400" spc="-1" strike="noStrike">
+              <a:latin typeface="Arial"/>
+            </a:endParaRPr>
+          </a:p>
+        </p:txBody>
+      </p:sp>
     </p:spTree>
   </p:cSld>
   <p:transition spd="med">
@@ -8767,14 +9558,14 @@
       </p:grpSpPr>
       <p:sp>
         <p:nvSpPr>
-          <p:cNvPr id="223" name="CustomShape 1"/>
-          <p:cNvSpPr/>
+          <p:cNvPr id="220" name="TextShape 1"/>
+          <p:cNvSpPr txBox="1"/>
           <p:nvPr/>
         </p:nvSpPr>
         <p:spPr>
           <a:xfrm>
-            <a:off x="504000" y="301320"/>
-            <a:ext cx="9069840" cy="635760"/>
+            <a:off x="529200" y="0"/>
+            <a:ext cx="9072000" cy="1261800"/>
           </a:xfrm>
           <a:prstGeom prst="rect">
             <a:avLst/>
@@ -8782,6 +9573,51 @@
           <a:noFill/>
           <a:ln>
             <a:noFill/>
+          </a:ln>
+        </p:spPr>
+        <p:txBody>
+          <a:bodyPr lIns="0" rIns="0" tIns="0" bIns="0" anchor="ctr"/>
+          <a:p>
+            <a:pPr algn="ctr"/>
+            <a:r>
+              <a:rPr b="0" lang="en-US" sz="4400" spc="-1" strike="noStrike">
+                <a:solidFill>
+                  <a:srgbClr val="666666"/>
+                </a:solidFill>
+                <a:latin typeface="Arial"/>
+              </a:rPr>
+              <a:t>System Flow(Admin)</a:t>
+            </a:r>
+            <a:endParaRPr b="0" lang="en-US" sz="4400" spc="-1" strike="noStrike">
+              <a:solidFill>
+                <a:srgbClr val="666666"/>
+              </a:solidFill>
+              <a:latin typeface="Arial"/>
+            </a:endParaRPr>
+          </a:p>
+        </p:txBody>
+      </p:sp>
+      <p:sp>
+        <p:nvSpPr>
+          <p:cNvPr id="221" name="CustomShape 2"/>
+          <p:cNvSpPr/>
+          <p:nvPr/>
+        </p:nvSpPr>
+        <p:spPr>
+          <a:xfrm>
+            <a:off x="3474720" y="1554480"/>
+            <a:ext cx="3017520" cy="548640"/>
+          </a:xfrm>
+          <a:prstGeom prst="flowChartAlternateProcess">
+            <a:avLst/>
+          </a:prstGeom>
+          <a:solidFill>
+            <a:srgbClr val="729fcf"/>
+          </a:solidFill>
+          <a:ln>
+            <a:solidFill>
+              <a:srgbClr val="3465a4"/>
+            </a:solidFill>
           </a:ln>
         </p:spPr>
         <p:style>
@@ -8791,75 +9627,197 @@
           <a:fontRef idx="minor"/>
         </p:style>
         <p:txBody>
-          <a:bodyPr lIns="0" rIns="0" tIns="0" bIns="0" anchor="ctr"/>
-          <a:p>
-            <a:pPr algn="ctr">
-              <a:lnSpc>
-                <a:spcPct val="100000"/>
-              </a:lnSpc>
-            </a:pPr>
-            <a:r>
-              <a:rPr b="0" lang="en-US" sz="4400" spc="-1" strike="noStrike">
-                <a:solidFill>
-                  <a:srgbClr val="666666"/>
-                </a:solidFill>
-                <a:latin typeface="Arial"/>
-                <a:ea typeface="DejaVu Sans"/>
-              </a:rPr>
-              <a:t>Thanks For Your Attention !</a:t>
-            </a:r>
-            <a:endParaRPr b="0" lang="en-US" sz="4400" spc="-1" strike="noStrike">
-              <a:latin typeface="Arial"/>
-            </a:endParaRPr>
-          </a:p>
-        </p:txBody>
-      </p:sp>
-      <p:pic>
-        <p:nvPicPr>
-          <p:cNvPr id="224" name="" descr=""/>
-          <p:cNvPicPr/>
+          <a:bodyPr wrap="none" lIns="90000" rIns="90000" tIns="45000" bIns="45000" anchor="ctr"/>
+          <a:p>
+            <a:pPr algn="ctr"/>
+            <a:r>
+              <a:rPr b="0" lang="en-US" sz="1800" spc="-1" strike="noStrike">
+                <a:latin typeface="Arial"/>
+              </a:rPr>
+              <a:t>Admin</a:t>
+            </a:r>
+            <a:endParaRPr b="0" lang="en-US" sz="1800" spc="-1" strike="noStrike">
+              <a:latin typeface="Arial"/>
+            </a:endParaRPr>
+          </a:p>
+        </p:txBody>
+      </p:sp>
+      <p:sp>
+        <p:nvSpPr>
+          <p:cNvPr id="222" name="CustomShape 3"/>
+          <p:cNvSpPr/>
           <p:nvPr/>
-        </p:nvPicPr>
-        <p:blipFill>
-          <a:blip r:embed="rId1"/>
-          <a:stretch/>
-        </p:blipFill>
-        <p:spPr>
-          <a:xfrm>
-            <a:off x="0" y="938160"/>
-            <a:ext cx="10079640" cy="5735880"/>
-          </a:xfrm>
-          <a:prstGeom prst="rect">
-            <a:avLst/>
-          </a:prstGeom>
+        </p:nvSpPr>
+        <p:spPr>
+          <a:xfrm>
+            <a:off x="2194560" y="2926080"/>
+            <a:ext cx="2194560" cy="731520"/>
+          </a:xfrm>
+          <a:prstGeom prst="flowChartProcess">
+            <a:avLst/>
+          </a:prstGeom>
+          <a:solidFill>
+            <a:srgbClr val="729fcf"/>
+          </a:solidFill>
           <a:ln>
-            <a:noFill/>
+            <a:solidFill>
+              <a:srgbClr val="3465a4"/>
+            </a:solidFill>
           </a:ln>
         </p:spPr>
-      </p:pic>
-      <p:pic>
-        <p:nvPicPr>
-          <p:cNvPr id="225" name="" descr=""/>
-          <p:cNvPicPr/>
+        <p:style>
+          <a:lnRef idx="0"/>
+          <a:fillRef idx="0"/>
+          <a:effectRef idx="0"/>
+          <a:fontRef idx="minor"/>
+        </p:style>
+        <p:txBody>
+          <a:bodyPr wrap="none" lIns="90000" rIns="90000" tIns="45000" bIns="45000" anchor="ctr"/>
+          <a:p>
+            <a:pPr algn="ctr"/>
+            <a:r>
+              <a:rPr b="0" lang="en-US" sz="1800" spc="-1" strike="noStrike">
+                <a:latin typeface="Arial"/>
+              </a:rPr>
+              <a:t>Post</a:t>
+            </a:r>
+            <a:endParaRPr b="0" lang="en-US" sz="1800" spc="-1" strike="noStrike">
+              <a:latin typeface="Arial"/>
+            </a:endParaRPr>
+          </a:p>
+        </p:txBody>
+      </p:sp>
+      <p:sp>
+        <p:nvSpPr>
+          <p:cNvPr id="223" name="CustomShape 4"/>
+          <p:cNvSpPr/>
           <p:nvPr/>
-        </p:nvPicPr>
-        <p:blipFill>
-          <a:blip r:embed="rId2"/>
-          <a:stretch/>
-        </p:blipFill>
-        <p:spPr>
-          <a:xfrm>
-            <a:off x="2468880" y="1371600"/>
-            <a:ext cx="4875480" cy="4875480"/>
-          </a:xfrm>
-          <a:prstGeom prst="rect">
-            <a:avLst/>
-          </a:prstGeom>
+        </p:nvSpPr>
+        <p:spPr>
+          <a:xfrm>
+            <a:off x="5577840" y="2926080"/>
+            <a:ext cx="2468880" cy="731520"/>
+          </a:xfrm>
+          <a:prstGeom prst="flowChartProcess">
+            <a:avLst/>
+          </a:prstGeom>
+          <a:solidFill>
+            <a:srgbClr val="729fcf"/>
+          </a:solidFill>
           <a:ln>
-            <a:noFill/>
+            <a:solidFill>
+              <a:srgbClr val="3465a4"/>
+            </a:solidFill>
           </a:ln>
         </p:spPr>
-      </p:pic>
+        <p:style>
+          <a:lnRef idx="0"/>
+          <a:fillRef idx="0"/>
+          <a:effectRef idx="0"/>
+          <a:fontRef idx="minor"/>
+        </p:style>
+        <p:txBody>
+          <a:bodyPr wrap="none" lIns="90000" rIns="90000" tIns="45000" bIns="45000" anchor="ctr"/>
+          <a:p>
+            <a:pPr algn="ctr"/>
+            <a:r>
+              <a:rPr b="0" lang="en-US" sz="1800" spc="-1" strike="noStrike">
+                <a:latin typeface="Arial"/>
+              </a:rPr>
+              <a:t>Manage Enrollment</a:t>
+            </a:r>
+            <a:endParaRPr b="0" lang="en-US" sz="1800" spc="-1" strike="noStrike">
+              <a:latin typeface="Arial"/>
+            </a:endParaRPr>
+          </a:p>
+        </p:txBody>
+      </p:sp>
+      <p:cxnSp>
+        <p:nvCxnSpPr>
+          <p:cNvPr id="224" name="Line 5"/>
+          <p:cNvCxnSpPr/>
+          <p:nvPr/>
+        </p:nvCxnSpPr>
+        <p:spPr>
+          <a:xfrm>
+            <a:off x="0" y="0"/>
+            <a:ext cx="360" cy="360"/>
+          </a:xfrm>
+          <a:prstGeom prst="line">
+            <a:avLst/>
+          </a:prstGeom>
+          <a:ln>
+            <a:solidFill>
+              <a:srgbClr val="3465a4"/>
+            </a:solidFill>
+          </a:ln>
+        </p:spPr>
+      </p:cxnSp>
+      <p:cxnSp>
+        <p:nvCxnSpPr>
+          <p:cNvPr id="225" name="Line 6"/>
+          <p:cNvCxnSpPr/>
+          <p:nvPr/>
+        </p:nvCxnSpPr>
+        <p:spPr>
+          <a:xfrm>
+            <a:off x="0" y="0"/>
+            <a:ext cx="360" cy="360"/>
+          </a:xfrm>
+          <a:prstGeom prst="line">
+            <a:avLst/>
+          </a:prstGeom>
+          <a:ln>
+            <a:solidFill>
+              <a:srgbClr val="3465a4"/>
+            </a:solidFill>
+          </a:ln>
+        </p:spPr>
+      </p:cxnSp>
+      <p:cxnSp>
+        <p:nvCxnSpPr>
+          <p:cNvPr id="226" name="Line 7"/>
+          <p:cNvCxnSpPr/>
+          <p:nvPr/>
+        </p:nvCxnSpPr>
+        <p:spPr>
+          <a:xfrm>
+            <a:off x="0" y="0"/>
+            <a:ext cx="360" cy="360"/>
+          </a:xfrm>
+          <a:prstGeom prst="line">
+            <a:avLst/>
+          </a:prstGeom>
+          <a:ln>
+            <a:solidFill>
+              <a:srgbClr val="000000"/>
+            </a:solidFill>
+            <a:tailEnd len="med" type="triangle" w="med"/>
+          </a:ln>
+        </p:spPr>
+      </p:cxnSp>
+      <p:cxnSp>
+        <p:nvCxnSpPr>
+          <p:cNvPr id="227" name="Line 8"/>
+          <p:cNvCxnSpPr/>
+          <p:nvPr/>
+        </p:nvCxnSpPr>
+        <p:spPr>
+          <a:xfrm>
+            <a:off x="0" y="0"/>
+            <a:ext cx="360" cy="360"/>
+          </a:xfrm>
+          <a:prstGeom prst="line">
+            <a:avLst/>
+          </a:prstGeom>
+          <a:ln>
+            <a:solidFill>
+              <a:srgbClr val="000000"/>
+            </a:solidFill>
+            <a:tailEnd len="med" type="triangle" w="med"/>
+          </a:ln>
+        </p:spPr>
+      </p:cxnSp>
     </p:spTree>
   </p:cSld>
   <p:transition spd="med">
@@ -8872,6 +9830,1918 @@
           <p:childTnLst>
             <p:seq>
               <p:cTn id="22" dur="indefinite" nodeType="mainSeq"/>
+              <p:prevCondLst>
+                <p:cond delay="0" evt="onPrev">
+                  <p:tgtEl>
+                    <p:sldTgt/>
+                  </p:tgtEl>
+                </p:cond>
+              </p:prevCondLst>
+              <p:nextCondLst>
+                <p:cond delay="0" evt="onNext">
+                  <p:tgtEl>
+                    <p:sldTgt/>
+                  </p:tgtEl>
+                </p:cond>
+              </p:nextCondLst>
+            </p:seq>
+          </p:childTnLst>
+        </p:cTn>
+      </p:par>
+    </p:tnLst>
+  </p:timing>
+</p:sld>
+</file>
+
+<file path=ppt/slides/slide12.xml><?xml version="1.0" encoding="utf-8"?>
+<p:sld xmlns:a="http://schemas.openxmlformats.org/drawingml/2006/main" xmlns:p="http://schemas.openxmlformats.org/presentationml/2006/main" xmlns:r="http://schemas.openxmlformats.org/officeDocument/2006/relationships" xmlns:p14="http://schemas.microsoft.com/office/powerpoint/2010/main" xmlns:p15="http://schemas.microsoft.com/office/powerpoint/2012/main" xmlns:mc="http://schemas.openxmlformats.org/markup-compatibility/2006">
+  <p:cSld>
+    <p:spTree>
+      <p:nvGrpSpPr>
+        <p:cNvPr id="1" name=""/>
+        <p:cNvGrpSpPr/>
+        <p:nvPr/>
+      </p:nvGrpSpPr>
+      <p:grpSpPr>
+        <a:xfrm>
+          <a:off x="0" y="0"/>
+          <a:ext cx="0" cy="0"/>
+          <a:chOff x="0" y="0"/>
+          <a:chExt cx="0" cy="0"/>
+        </a:xfrm>
+      </p:grpSpPr>
+      <p:sp>
+        <p:nvSpPr>
+          <p:cNvPr id="228" name="TextShape 1"/>
+          <p:cNvSpPr txBox="1"/>
+          <p:nvPr/>
+        </p:nvSpPr>
+        <p:spPr>
+          <a:xfrm>
+            <a:off x="437760" y="-73080"/>
+            <a:ext cx="9072000" cy="1261800"/>
+          </a:xfrm>
+          <a:prstGeom prst="rect">
+            <a:avLst/>
+          </a:prstGeom>
+          <a:noFill/>
+          <a:ln>
+            <a:noFill/>
+          </a:ln>
+        </p:spPr>
+        <p:txBody>
+          <a:bodyPr lIns="0" rIns="0" tIns="0" bIns="0" anchor="ctr"/>
+          <a:p>
+            <a:pPr algn="ctr"/>
+            <a:r>
+              <a:rPr b="0" lang="en-US" sz="4400" spc="-1" strike="noStrike">
+                <a:solidFill>
+                  <a:srgbClr val="666666"/>
+                </a:solidFill>
+                <a:latin typeface="Arial"/>
+              </a:rPr>
+              <a:t>System Flow(User)</a:t>
+            </a:r>
+            <a:endParaRPr b="0" lang="en-US" sz="4400" spc="-1" strike="noStrike">
+              <a:solidFill>
+                <a:srgbClr val="666666"/>
+              </a:solidFill>
+              <a:latin typeface="Arial"/>
+            </a:endParaRPr>
+          </a:p>
+        </p:txBody>
+      </p:sp>
+      <p:sp>
+        <p:nvSpPr>
+          <p:cNvPr id="229" name="CustomShape 2"/>
+          <p:cNvSpPr/>
+          <p:nvPr/>
+        </p:nvSpPr>
+        <p:spPr>
+          <a:xfrm>
+            <a:off x="4023360" y="1097280"/>
+            <a:ext cx="1737360" cy="548640"/>
+          </a:xfrm>
+          <a:prstGeom prst="flowChartAlternateProcess">
+            <a:avLst/>
+          </a:prstGeom>
+          <a:solidFill>
+            <a:srgbClr val="729fcf"/>
+          </a:solidFill>
+          <a:ln>
+            <a:solidFill>
+              <a:srgbClr val="3465a4"/>
+            </a:solidFill>
+          </a:ln>
+        </p:spPr>
+        <p:style>
+          <a:lnRef idx="0"/>
+          <a:fillRef idx="0"/>
+          <a:effectRef idx="0"/>
+          <a:fontRef idx="minor"/>
+        </p:style>
+        <p:txBody>
+          <a:bodyPr wrap="none" lIns="90000" rIns="90000" tIns="45000" bIns="45000" anchor="ctr"/>
+          <a:p>
+            <a:pPr algn="ctr"/>
+            <a:r>
+              <a:rPr b="0" lang="en-US" sz="1800" spc="-1" strike="noStrike">
+                <a:latin typeface="Arial"/>
+              </a:rPr>
+              <a:t>Start</a:t>
+            </a:r>
+            <a:endParaRPr b="0" lang="en-US" sz="1800" spc="-1" strike="noStrike">
+              <a:latin typeface="Arial"/>
+            </a:endParaRPr>
+          </a:p>
+        </p:txBody>
+      </p:sp>
+      <p:sp>
+        <p:nvSpPr>
+          <p:cNvPr id="230" name="CustomShape 3"/>
+          <p:cNvSpPr/>
+          <p:nvPr/>
+        </p:nvSpPr>
+        <p:spPr>
+          <a:xfrm>
+            <a:off x="5943600" y="4480560"/>
+            <a:ext cx="822960" cy="731520"/>
+          </a:xfrm>
+          <a:custGeom>
+            <a:avLst/>
+            <a:gdLst/>
+            <a:ahLst/>
+            <a:rect l="l" t="t" r="r" b="b"/>
+            <a:pathLst>
+              <a:path w="21600" h="21600">
+                <a:moveTo>
+                  <a:pt x="10800" y="0"/>
+                </a:moveTo>
+                <a:lnTo>
+                  <a:pt x="21600" y="10800"/>
+                </a:lnTo>
+                <a:lnTo>
+                  <a:pt x="10800" y="21600"/>
+                </a:lnTo>
+                <a:lnTo>
+                  <a:pt x="0" y="10800"/>
+                </a:lnTo>
+                <a:lnTo>
+                  <a:pt x="10800" y="0"/>
+                </a:lnTo>
+                <a:close/>
+              </a:path>
+            </a:pathLst>
+          </a:custGeom>
+          <a:solidFill>
+            <a:srgbClr val="729fcf"/>
+          </a:solidFill>
+          <a:ln>
+            <a:solidFill>
+              <a:srgbClr val="3465a4"/>
+            </a:solidFill>
+          </a:ln>
+        </p:spPr>
+        <p:style>
+          <a:lnRef idx="0"/>
+          <a:fillRef idx="0"/>
+          <a:effectRef idx="0"/>
+          <a:fontRef idx="minor"/>
+        </p:style>
+        <p:txBody>
+          <a:bodyPr wrap="none" lIns="90000" rIns="90000" tIns="45000" bIns="45000" anchor="ctr"/>
+          <a:p>
+            <a:pPr algn="ctr"/>
+            <a:r>
+              <a:rPr b="0" lang="en-US" sz="1800" spc="-1" strike="noStrike">
+                <a:latin typeface="Arial"/>
+              </a:rPr>
+              <a:t>OTP</a:t>
+            </a:r>
+            <a:endParaRPr b="0" lang="en-US" sz="1800" spc="-1" strike="noStrike">
+              <a:latin typeface="Arial"/>
+            </a:endParaRPr>
+          </a:p>
+        </p:txBody>
+      </p:sp>
+      <p:sp>
+        <p:nvSpPr>
+          <p:cNvPr id="231" name="CustomShape 4"/>
+          <p:cNvSpPr/>
+          <p:nvPr/>
+        </p:nvSpPr>
+        <p:spPr>
+          <a:xfrm>
+            <a:off x="7905960" y="4389120"/>
+            <a:ext cx="822960" cy="731520"/>
+          </a:xfrm>
+          <a:custGeom>
+            <a:avLst/>
+            <a:gdLst/>
+            <a:ahLst/>
+            <a:rect l="l" t="t" r="r" b="b"/>
+            <a:pathLst>
+              <a:path w="21600" h="21600">
+                <a:moveTo>
+                  <a:pt x="10800" y="0"/>
+                </a:moveTo>
+                <a:lnTo>
+                  <a:pt x="21600" y="10800"/>
+                </a:lnTo>
+                <a:lnTo>
+                  <a:pt x="10800" y="21600"/>
+                </a:lnTo>
+                <a:lnTo>
+                  <a:pt x="0" y="10800"/>
+                </a:lnTo>
+                <a:lnTo>
+                  <a:pt x="10800" y="0"/>
+                </a:lnTo>
+                <a:close/>
+              </a:path>
+            </a:pathLst>
+          </a:custGeom>
+          <a:solidFill>
+            <a:srgbClr val="729fcf"/>
+          </a:solidFill>
+          <a:ln>
+            <a:solidFill>
+              <a:srgbClr val="3465a4"/>
+            </a:solidFill>
+          </a:ln>
+        </p:spPr>
+        <p:style>
+          <a:lnRef idx="0"/>
+          <a:fillRef idx="0"/>
+          <a:effectRef idx="0"/>
+          <a:fontRef idx="minor"/>
+        </p:style>
+        <p:txBody>
+          <a:bodyPr wrap="none" lIns="90000" rIns="90000" tIns="45000" bIns="45000" anchor="ctr"/>
+          <a:p>
+            <a:pPr algn="ctr"/>
+            <a:r>
+              <a:rPr b="0" lang="en-US" sz="1800" spc="-1" strike="noStrike">
+                <a:latin typeface="Arial"/>
+              </a:rPr>
+              <a:t>QR</a:t>
+            </a:r>
+            <a:endParaRPr b="0" lang="en-US" sz="1800" spc="-1" strike="noStrike">
+              <a:latin typeface="Arial"/>
+            </a:endParaRPr>
+          </a:p>
+        </p:txBody>
+      </p:sp>
+      <p:sp>
+        <p:nvSpPr>
+          <p:cNvPr id="232" name="CustomShape 5"/>
+          <p:cNvSpPr/>
+          <p:nvPr/>
+        </p:nvSpPr>
+        <p:spPr>
+          <a:xfrm>
+            <a:off x="2011680" y="2286000"/>
+            <a:ext cx="1828800" cy="731520"/>
+          </a:xfrm>
+          <a:prstGeom prst="flowChartProcess">
+            <a:avLst/>
+          </a:prstGeom>
+          <a:solidFill>
+            <a:srgbClr val="729fcf"/>
+          </a:solidFill>
+          <a:ln>
+            <a:solidFill>
+              <a:srgbClr val="3465a4"/>
+            </a:solidFill>
+          </a:ln>
+        </p:spPr>
+        <p:style>
+          <a:lnRef idx="0"/>
+          <a:fillRef idx="0"/>
+          <a:effectRef idx="0"/>
+          <a:fontRef idx="minor"/>
+        </p:style>
+        <p:txBody>
+          <a:bodyPr wrap="none" lIns="90000" rIns="90000" tIns="45000" bIns="45000" anchor="ctr"/>
+          <a:p>
+            <a:pPr algn="ctr"/>
+            <a:r>
+              <a:rPr b="0" lang="en-US" sz="1800" spc="-1" strike="noStrike">
+                <a:latin typeface="Arial"/>
+              </a:rPr>
+              <a:t>Announcement</a:t>
+            </a:r>
+            <a:endParaRPr b="0" lang="en-US" sz="1800" spc="-1" strike="noStrike">
+              <a:latin typeface="Arial"/>
+            </a:endParaRPr>
+          </a:p>
+        </p:txBody>
+      </p:sp>
+      <p:sp>
+        <p:nvSpPr>
+          <p:cNvPr id="233" name="CustomShape 6"/>
+          <p:cNvSpPr/>
+          <p:nvPr/>
+        </p:nvSpPr>
+        <p:spPr>
+          <a:xfrm>
+            <a:off x="5852160" y="2286000"/>
+            <a:ext cx="2834640" cy="731520"/>
+          </a:xfrm>
+          <a:prstGeom prst="flowChartProcess">
+            <a:avLst/>
+          </a:prstGeom>
+          <a:solidFill>
+            <a:srgbClr val="729fcf"/>
+          </a:solidFill>
+          <a:ln>
+            <a:solidFill>
+              <a:srgbClr val="3465a4"/>
+            </a:solidFill>
+          </a:ln>
+        </p:spPr>
+        <p:style>
+          <a:lnRef idx="0"/>
+          <a:fillRef idx="0"/>
+          <a:effectRef idx="0"/>
+          <a:fontRef idx="minor"/>
+        </p:style>
+        <p:txBody>
+          <a:bodyPr wrap="none" lIns="90000" rIns="90000" tIns="45000" bIns="45000" anchor="ctr"/>
+          <a:p>
+            <a:pPr algn="ctr"/>
+            <a:r>
+              <a:rPr b="0" lang="en-US" sz="1800" spc="-1" strike="noStrike">
+                <a:latin typeface="Arial"/>
+              </a:rPr>
+              <a:t>Enrollment</a:t>
+            </a:r>
+            <a:endParaRPr b="0" lang="en-US" sz="1800" spc="-1" strike="noStrike">
+              <a:latin typeface="Arial"/>
+            </a:endParaRPr>
+          </a:p>
+        </p:txBody>
+      </p:sp>
+      <p:sp>
+        <p:nvSpPr>
+          <p:cNvPr id="234" name="CustomShape 7"/>
+          <p:cNvSpPr/>
+          <p:nvPr/>
+        </p:nvSpPr>
+        <p:spPr>
+          <a:xfrm>
+            <a:off x="5669280" y="3383280"/>
+            <a:ext cx="1280160" cy="548640"/>
+          </a:xfrm>
+          <a:prstGeom prst="flowChartProcess">
+            <a:avLst/>
+          </a:prstGeom>
+          <a:solidFill>
+            <a:srgbClr val="729fcf"/>
+          </a:solidFill>
+          <a:ln>
+            <a:solidFill>
+              <a:srgbClr val="3465a4"/>
+            </a:solidFill>
+          </a:ln>
+        </p:spPr>
+        <p:style>
+          <a:lnRef idx="0"/>
+          <a:fillRef idx="0"/>
+          <a:effectRef idx="0"/>
+          <a:fontRef idx="minor"/>
+        </p:style>
+        <p:txBody>
+          <a:bodyPr wrap="none" lIns="90000" rIns="90000" tIns="45000" bIns="45000" anchor="ctr"/>
+          <a:p>
+            <a:pPr algn="ctr"/>
+            <a:r>
+              <a:rPr b="0" lang="en-US" sz="1800" spc="-1" strike="noStrike">
+                <a:latin typeface="Arial"/>
+              </a:rPr>
+              <a:t>First year</a:t>
+            </a:r>
+            <a:endParaRPr b="0" lang="en-US" sz="1800" spc="-1" strike="noStrike">
+              <a:latin typeface="Arial"/>
+            </a:endParaRPr>
+          </a:p>
+        </p:txBody>
+      </p:sp>
+      <p:sp>
+        <p:nvSpPr>
+          <p:cNvPr id="235" name="CustomShape 8"/>
+          <p:cNvSpPr/>
+          <p:nvPr/>
+        </p:nvSpPr>
+        <p:spPr>
+          <a:xfrm>
+            <a:off x="7589520" y="3383280"/>
+            <a:ext cx="1371600" cy="548640"/>
+          </a:xfrm>
+          <a:prstGeom prst="flowChartProcess">
+            <a:avLst/>
+          </a:prstGeom>
+          <a:solidFill>
+            <a:srgbClr val="729fcf"/>
+          </a:solidFill>
+          <a:ln>
+            <a:solidFill>
+              <a:srgbClr val="3465a4"/>
+            </a:solidFill>
+          </a:ln>
+        </p:spPr>
+        <p:style>
+          <a:lnRef idx="0"/>
+          <a:fillRef idx="0"/>
+          <a:effectRef idx="0"/>
+          <a:fontRef idx="minor"/>
+        </p:style>
+        <p:txBody>
+          <a:bodyPr wrap="none" lIns="90000" rIns="90000" tIns="45000" bIns="45000" anchor="ctr"/>
+          <a:p>
+            <a:pPr algn="ctr"/>
+            <a:r>
+              <a:rPr b="0" lang="en-US" sz="1800" spc="-1" strike="noStrike">
+                <a:latin typeface="Arial"/>
+              </a:rPr>
+              <a:t>Other year</a:t>
+            </a:r>
+            <a:endParaRPr b="0" lang="en-US" sz="1800" spc="-1" strike="noStrike">
+              <a:latin typeface="Arial"/>
+            </a:endParaRPr>
+          </a:p>
+        </p:txBody>
+      </p:sp>
+      <p:sp>
+        <p:nvSpPr>
+          <p:cNvPr id="236" name="CustomShape 9"/>
+          <p:cNvSpPr/>
+          <p:nvPr/>
+        </p:nvSpPr>
+        <p:spPr>
+          <a:xfrm>
+            <a:off x="6557760" y="5453640"/>
+            <a:ext cx="1554480" cy="548640"/>
+          </a:xfrm>
+          <a:prstGeom prst="flowChartProcess">
+            <a:avLst/>
+          </a:prstGeom>
+          <a:solidFill>
+            <a:srgbClr val="729fcf"/>
+          </a:solidFill>
+          <a:ln>
+            <a:solidFill>
+              <a:srgbClr val="3465a4"/>
+            </a:solidFill>
+          </a:ln>
+        </p:spPr>
+        <p:style>
+          <a:lnRef idx="0"/>
+          <a:fillRef idx="0"/>
+          <a:effectRef idx="0"/>
+          <a:fontRef idx="minor"/>
+        </p:style>
+        <p:txBody>
+          <a:bodyPr wrap="none" lIns="90000" rIns="90000" tIns="45000" bIns="45000" anchor="ctr"/>
+          <a:p>
+            <a:pPr algn="ctr"/>
+            <a:r>
+              <a:rPr b="0" lang="en-US" sz="1800" spc="-1" strike="noStrike">
+                <a:latin typeface="Arial"/>
+              </a:rPr>
+              <a:t>Reg Form</a:t>
+            </a:r>
+            <a:endParaRPr b="0" lang="en-US" sz="1800" spc="-1" strike="noStrike">
+              <a:latin typeface="Arial"/>
+            </a:endParaRPr>
+          </a:p>
+        </p:txBody>
+      </p:sp>
+      <p:cxnSp>
+        <p:nvCxnSpPr>
+          <p:cNvPr id="237" name="Line 10"/>
+          <p:cNvCxnSpPr/>
+          <p:nvPr/>
+        </p:nvCxnSpPr>
+        <p:spPr>
+          <a:xfrm>
+            <a:off x="0" y="0"/>
+            <a:ext cx="360" cy="360"/>
+          </a:xfrm>
+          <a:prstGeom prst="line">
+            <a:avLst/>
+          </a:prstGeom>
+          <a:ln>
+            <a:solidFill>
+              <a:srgbClr val="000000"/>
+            </a:solidFill>
+            <a:tailEnd len="med" type="triangle" w="med"/>
+          </a:ln>
+        </p:spPr>
+      </p:cxnSp>
+      <p:cxnSp>
+        <p:nvCxnSpPr>
+          <p:cNvPr id="238" name="Line 11"/>
+          <p:cNvCxnSpPr/>
+          <p:nvPr/>
+        </p:nvCxnSpPr>
+        <p:spPr>
+          <a:xfrm>
+            <a:off x="0" y="0"/>
+            <a:ext cx="360" cy="360"/>
+          </a:xfrm>
+          <a:prstGeom prst="line">
+            <a:avLst/>
+          </a:prstGeom>
+          <a:ln>
+            <a:solidFill>
+              <a:srgbClr val="000000"/>
+            </a:solidFill>
+            <a:tailEnd len="med" type="triangle" w="med"/>
+          </a:ln>
+        </p:spPr>
+      </p:cxnSp>
+      <p:cxnSp>
+        <p:nvCxnSpPr>
+          <p:cNvPr id="239" name="Line 12"/>
+          <p:cNvCxnSpPr/>
+          <p:nvPr/>
+        </p:nvCxnSpPr>
+        <p:spPr>
+          <a:xfrm>
+            <a:off x="0" y="0"/>
+            <a:ext cx="360" cy="360"/>
+          </a:xfrm>
+          <a:prstGeom prst="line">
+            <a:avLst/>
+          </a:prstGeom>
+          <a:ln>
+            <a:solidFill>
+              <a:srgbClr val="000000"/>
+            </a:solidFill>
+            <a:tailEnd len="med" type="triangle" w="med"/>
+          </a:ln>
+        </p:spPr>
+      </p:cxnSp>
+      <p:cxnSp>
+        <p:nvCxnSpPr>
+          <p:cNvPr id="240" name="Line 13"/>
+          <p:cNvCxnSpPr/>
+          <p:nvPr/>
+        </p:nvCxnSpPr>
+        <p:spPr>
+          <a:xfrm>
+            <a:off x="0" y="0"/>
+            <a:ext cx="360" cy="360"/>
+          </a:xfrm>
+          <a:prstGeom prst="line">
+            <a:avLst/>
+          </a:prstGeom>
+          <a:ln>
+            <a:solidFill>
+              <a:srgbClr val="000000"/>
+            </a:solidFill>
+            <a:tailEnd len="med" type="triangle" w="med"/>
+          </a:ln>
+        </p:spPr>
+      </p:cxnSp>
+      <p:cxnSp>
+        <p:nvCxnSpPr>
+          <p:cNvPr id="241" name="Line 14"/>
+          <p:cNvCxnSpPr/>
+          <p:nvPr/>
+        </p:nvCxnSpPr>
+        <p:spPr>
+          <a:xfrm>
+            <a:off x="0" y="0"/>
+            <a:ext cx="360" cy="360"/>
+          </a:xfrm>
+          <a:prstGeom prst="line">
+            <a:avLst/>
+          </a:prstGeom>
+          <a:ln>
+            <a:solidFill>
+              <a:srgbClr val="000000"/>
+            </a:solidFill>
+            <a:tailEnd len="med" type="triangle" w="med"/>
+          </a:ln>
+        </p:spPr>
+      </p:cxnSp>
+      <p:cxnSp>
+        <p:nvCxnSpPr>
+          <p:cNvPr id="242" name="Line 15"/>
+          <p:cNvCxnSpPr/>
+          <p:nvPr/>
+        </p:nvCxnSpPr>
+        <p:spPr>
+          <a:xfrm>
+            <a:off x="0" y="0"/>
+            <a:ext cx="360" cy="360"/>
+          </a:xfrm>
+          <a:prstGeom prst="line">
+            <a:avLst/>
+          </a:prstGeom>
+          <a:ln>
+            <a:solidFill>
+              <a:srgbClr val="000000"/>
+            </a:solidFill>
+            <a:tailEnd len="med" type="triangle" w="med"/>
+          </a:ln>
+        </p:spPr>
+      </p:cxnSp>
+      <p:cxnSp>
+        <p:nvCxnSpPr>
+          <p:cNvPr id="243" name="Line 16"/>
+          <p:cNvCxnSpPr/>
+          <p:nvPr/>
+        </p:nvCxnSpPr>
+        <p:spPr>
+          <a:xfrm>
+            <a:off x="0" y="0"/>
+            <a:ext cx="360" cy="360"/>
+          </a:xfrm>
+          <a:prstGeom prst="line">
+            <a:avLst/>
+          </a:prstGeom>
+          <a:ln>
+            <a:solidFill>
+              <a:srgbClr val="000000"/>
+            </a:solidFill>
+            <a:tailEnd len="med" type="triangle" w="med"/>
+          </a:ln>
+        </p:spPr>
+      </p:cxnSp>
+      <p:cxnSp>
+        <p:nvCxnSpPr>
+          <p:cNvPr id="244" name="Line 17"/>
+          <p:cNvCxnSpPr/>
+          <p:nvPr/>
+        </p:nvCxnSpPr>
+        <p:spPr>
+          <a:xfrm>
+            <a:off x="0" y="0"/>
+            <a:ext cx="360" cy="360"/>
+          </a:xfrm>
+          <a:prstGeom prst="line">
+            <a:avLst/>
+          </a:prstGeom>
+          <a:ln>
+            <a:solidFill>
+              <a:srgbClr val="000000"/>
+            </a:solidFill>
+            <a:tailEnd len="med" type="triangle" w="med"/>
+          </a:ln>
+        </p:spPr>
+      </p:cxnSp>
+      <p:cxnSp>
+        <p:nvCxnSpPr>
+          <p:cNvPr id="245" name="Line 18"/>
+          <p:cNvCxnSpPr/>
+          <p:nvPr/>
+        </p:nvCxnSpPr>
+        <p:spPr>
+          <a:xfrm>
+            <a:off x="0" y="0"/>
+            <a:ext cx="360" cy="360"/>
+          </a:xfrm>
+          <a:prstGeom prst="line">
+            <a:avLst/>
+          </a:prstGeom>
+          <a:ln>
+            <a:solidFill>
+              <a:srgbClr val="000000"/>
+            </a:solidFill>
+            <a:tailEnd len="med" type="triangle" w="med"/>
+          </a:ln>
+        </p:spPr>
+      </p:cxnSp>
+      <p:cxnSp>
+        <p:nvCxnSpPr>
+          <p:cNvPr id="246" name="Line 19"/>
+          <p:cNvCxnSpPr/>
+          <p:nvPr/>
+        </p:nvCxnSpPr>
+        <p:spPr>
+          <a:xfrm>
+            <a:off x="0" y="0"/>
+            <a:ext cx="360" cy="360"/>
+          </a:xfrm>
+          <a:prstGeom prst="line">
+            <a:avLst/>
+          </a:prstGeom>
+          <a:ln>
+            <a:solidFill>
+              <a:srgbClr val="000000"/>
+            </a:solidFill>
+            <a:tailEnd len="med" type="triangle" w="med"/>
+          </a:ln>
+        </p:spPr>
+      </p:cxnSp>
+      <p:cxnSp>
+        <p:nvCxnSpPr>
+          <p:cNvPr id="247" name="Line 20"/>
+          <p:cNvCxnSpPr/>
+          <p:nvPr/>
+        </p:nvCxnSpPr>
+        <p:spPr>
+          <a:xfrm>
+            <a:off x="0" y="0"/>
+            <a:ext cx="360" cy="360"/>
+          </a:xfrm>
+          <a:prstGeom prst="line">
+            <a:avLst/>
+          </a:prstGeom>
+          <a:ln>
+            <a:solidFill>
+              <a:srgbClr val="000000"/>
+            </a:solidFill>
+            <a:tailEnd len="med" type="triangle" w="med"/>
+          </a:ln>
+        </p:spPr>
+      </p:cxnSp>
+      <p:cxnSp>
+        <p:nvCxnSpPr>
+          <p:cNvPr id="248" name="Line 21"/>
+          <p:cNvCxnSpPr/>
+          <p:nvPr/>
+        </p:nvCxnSpPr>
+        <p:spPr>
+          <a:xfrm>
+            <a:off x="0" y="0"/>
+            <a:ext cx="360" cy="360"/>
+          </a:xfrm>
+          <a:prstGeom prst="line">
+            <a:avLst/>
+          </a:prstGeom>
+          <a:ln>
+            <a:solidFill>
+              <a:srgbClr val="000000"/>
+            </a:solidFill>
+            <a:tailEnd len="med" type="triangle" w="med"/>
+          </a:ln>
+        </p:spPr>
+      </p:cxnSp>
+      <p:cxnSp>
+        <p:nvCxnSpPr>
+          <p:cNvPr id="249" name="Line 22"/>
+          <p:cNvCxnSpPr/>
+          <p:nvPr/>
+        </p:nvCxnSpPr>
+        <p:spPr>
+          <a:xfrm>
+            <a:off x="0" y="0"/>
+            <a:ext cx="360" cy="360"/>
+          </a:xfrm>
+          <a:prstGeom prst="line">
+            <a:avLst/>
+          </a:prstGeom>
+          <a:ln>
+            <a:solidFill>
+              <a:srgbClr val="000000"/>
+            </a:solidFill>
+            <a:tailEnd len="med" type="triangle" w="med"/>
+          </a:ln>
+        </p:spPr>
+      </p:cxnSp>
+      <p:sp>
+        <p:nvSpPr>
+          <p:cNvPr id="250" name="TextShape 23"/>
+          <p:cNvSpPr txBox="1"/>
+          <p:nvPr/>
+        </p:nvSpPr>
+        <p:spPr>
+          <a:xfrm>
+            <a:off x="9052560" y="4389120"/>
+            <a:ext cx="640080" cy="305280"/>
+          </a:xfrm>
+          <a:prstGeom prst="rect">
+            <a:avLst/>
+          </a:prstGeom>
+          <a:noFill/>
+          <a:ln>
+            <a:noFill/>
+          </a:ln>
+        </p:spPr>
+        <p:txBody>
+          <a:bodyPr lIns="90000" rIns="90000" tIns="45000" bIns="45000"/>
+          <a:p>
+            <a:r>
+              <a:rPr b="0" lang="en-US" sz="1800" spc="-1" strike="noStrike">
+                <a:latin typeface="Arial"/>
+              </a:rPr>
+              <a:t>No</a:t>
+            </a:r>
+            <a:endParaRPr b="0" lang="en-US" sz="1800" spc="-1" strike="noStrike">
+              <a:latin typeface="Arial"/>
+            </a:endParaRPr>
+          </a:p>
+        </p:txBody>
+      </p:sp>
+      <p:sp>
+        <p:nvSpPr>
+          <p:cNvPr id="251" name="TextShape 24"/>
+          <p:cNvSpPr txBox="1"/>
+          <p:nvPr/>
+        </p:nvSpPr>
+        <p:spPr>
+          <a:xfrm>
+            <a:off x="5120640" y="4480560"/>
+            <a:ext cx="642600" cy="305280"/>
+          </a:xfrm>
+          <a:prstGeom prst="rect">
+            <a:avLst/>
+          </a:prstGeom>
+          <a:noFill/>
+          <a:ln>
+            <a:noFill/>
+          </a:ln>
+        </p:spPr>
+        <p:txBody>
+          <a:bodyPr lIns="90000" rIns="90000" tIns="45000" bIns="45000"/>
+          <a:p>
+            <a:r>
+              <a:rPr b="0" lang="en-US" sz="1800" spc="-1" strike="noStrike">
+                <a:latin typeface="Arial"/>
+              </a:rPr>
+              <a:t>No</a:t>
+            </a:r>
+            <a:endParaRPr b="0" lang="en-US" sz="1800" spc="-1" strike="noStrike">
+              <a:latin typeface="Arial"/>
+            </a:endParaRPr>
+          </a:p>
+        </p:txBody>
+      </p:sp>
+      <p:sp>
+        <p:nvSpPr>
+          <p:cNvPr id="252" name="TextShape 25"/>
+          <p:cNvSpPr txBox="1"/>
+          <p:nvPr/>
+        </p:nvSpPr>
+        <p:spPr>
+          <a:xfrm>
+            <a:off x="5943600" y="5208480"/>
+            <a:ext cx="365760" cy="735120"/>
+          </a:xfrm>
+          <a:prstGeom prst="rect">
+            <a:avLst/>
+          </a:prstGeom>
+          <a:noFill/>
+          <a:ln>
+            <a:noFill/>
+          </a:ln>
+        </p:spPr>
+        <p:txBody>
+          <a:bodyPr lIns="90000" rIns="90000" tIns="45000" bIns="45000"/>
+          <a:p>
+            <a:r>
+              <a:rPr b="0" lang="en-US" sz="1800" spc="-1" strike="noStrike">
+                <a:latin typeface="Arial"/>
+              </a:rPr>
+              <a:t>Yes</a:t>
+            </a:r>
+            <a:endParaRPr b="0" lang="en-US" sz="1800" spc="-1" strike="noStrike">
+              <a:latin typeface="Arial"/>
+            </a:endParaRPr>
+          </a:p>
+        </p:txBody>
+      </p:sp>
+      <p:sp>
+        <p:nvSpPr>
+          <p:cNvPr id="253" name="TextShape 26"/>
+          <p:cNvSpPr txBox="1"/>
+          <p:nvPr/>
+        </p:nvSpPr>
+        <p:spPr>
+          <a:xfrm>
+            <a:off x="8412480" y="5120640"/>
+            <a:ext cx="274320" cy="735120"/>
+          </a:xfrm>
+          <a:prstGeom prst="rect">
+            <a:avLst/>
+          </a:prstGeom>
+          <a:noFill/>
+          <a:ln>
+            <a:noFill/>
+          </a:ln>
+        </p:spPr>
+        <p:txBody>
+          <a:bodyPr lIns="90000" rIns="90000" tIns="45000" bIns="45000"/>
+          <a:p>
+            <a:r>
+              <a:rPr b="0" lang="en-US" sz="1800" spc="-1" strike="noStrike">
+                <a:latin typeface="Arial"/>
+              </a:rPr>
+              <a:t>Yes</a:t>
+            </a:r>
+            <a:endParaRPr b="0" lang="en-US" sz="1800" spc="-1" strike="noStrike">
+              <a:latin typeface="Arial"/>
+            </a:endParaRPr>
+          </a:p>
+        </p:txBody>
+      </p:sp>
+    </p:spTree>
+  </p:cSld>
+  <p:transition spd="med">
+    <p:wedge/>
+  </p:transition>
+  <p:timing>
+    <p:tnLst>
+      <p:par>
+        <p:cTn id="23" dur="indefinite" restart="never" nodeType="tmRoot">
+          <p:childTnLst>
+            <p:seq>
+              <p:cTn id="24" dur="indefinite" nodeType="mainSeq"/>
+              <p:prevCondLst>
+                <p:cond delay="0" evt="onPrev">
+                  <p:tgtEl>
+                    <p:sldTgt/>
+                  </p:tgtEl>
+                </p:cond>
+              </p:prevCondLst>
+              <p:nextCondLst>
+                <p:cond delay="0" evt="onNext">
+                  <p:tgtEl>
+                    <p:sldTgt/>
+                  </p:tgtEl>
+                </p:cond>
+              </p:nextCondLst>
+            </p:seq>
+          </p:childTnLst>
+        </p:cTn>
+      </p:par>
+    </p:tnLst>
+  </p:timing>
+</p:sld>
+</file>
+
+<file path=ppt/slides/slide13.xml><?xml version="1.0" encoding="utf-8"?>
+<p:sld xmlns:a="http://schemas.openxmlformats.org/drawingml/2006/main" xmlns:p="http://schemas.openxmlformats.org/presentationml/2006/main" xmlns:r="http://schemas.openxmlformats.org/officeDocument/2006/relationships" xmlns:p14="http://schemas.microsoft.com/office/powerpoint/2010/main" xmlns:p15="http://schemas.microsoft.com/office/powerpoint/2012/main" xmlns:mc="http://schemas.openxmlformats.org/markup-compatibility/2006">
+  <p:cSld>
+    <p:spTree>
+      <p:nvGrpSpPr>
+        <p:cNvPr id="1" name=""/>
+        <p:cNvGrpSpPr/>
+        <p:nvPr/>
+      </p:nvGrpSpPr>
+      <p:grpSpPr>
+        <a:xfrm>
+          <a:off x="0" y="0"/>
+          <a:ext cx="0" cy="0"/>
+          <a:chOff x="0" y="0"/>
+          <a:chExt cx="0" cy="0"/>
+        </a:xfrm>
+      </p:grpSpPr>
+      <p:sp>
+        <p:nvSpPr>
+          <p:cNvPr id="254" name="TextShape 1"/>
+          <p:cNvSpPr txBox="1"/>
+          <p:nvPr/>
+        </p:nvSpPr>
+        <p:spPr>
+          <a:xfrm>
+            <a:off x="529200" y="-91440"/>
+            <a:ext cx="9072000" cy="1261800"/>
+          </a:xfrm>
+          <a:prstGeom prst="rect">
+            <a:avLst/>
+          </a:prstGeom>
+          <a:noFill/>
+          <a:ln>
+            <a:noFill/>
+          </a:ln>
+        </p:spPr>
+        <p:txBody>
+          <a:bodyPr lIns="0" rIns="0" tIns="0" bIns="0" anchor="ctr"/>
+          <a:p>
+            <a:pPr algn="ctr"/>
+            <a:r>
+              <a:rPr b="0" lang="en-US" sz="4400" spc="-1" strike="noStrike">
+                <a:solidFill>
+                  <a:srgbClr val="666666"/>
+                </a:solidFill>
+                <a:latin typeface="Arial"/>
+              </a:rPr>
+              <a:t>System Flow(User)</a:t>
+            </a:r>
+            <a:endParaRPr b="0" lang="en-US" sz="4400" spc="-1" strike="noStrike">
+              <a:solidFill>
+                <a:srgbClr val="666666"/>
+              </a:solidFill>
+              <a:latin typeface="Arial"/>
+            </a:endParaRPr>
+          </a:p>
+        </p:txBody>
+      </p:sp>
+      <p:sp>
+        <p:nvSpPr>
+          <p:cNvPr id="255" name="CustomShape 2"/>
+          <p:cNvSpPr/>
+          <p:nvPr/>
+        </p:nvSpPr>
+        <p:spPr>
+          <a:xfrm>
+            <a:off x="4297680" y="2103120"/>
+            <a:ext cx="1188720" cy="548640"/>
+          </a:xfrm>
+          <a:prstGeom prst="flowChartProcess">
+            <a:avLst/>
+          </a:prstGeom>
+          <a:solidFill>
+            <a:srgbClr val="729fcf"/>
+          </a:solidFill>
+          <a:ln>
+            <a:solidFill>
+              <a:srgbClr val="3465a4"/>
+            </a:solidFill>
+          </a:ln>
+        </p:spPr>
+        <p:style>
+          <a:lnRef idx="0"/>
+          <a:fillRef idx="0"/>
+          <a:effectRef idx="0"/>
+          <a:fontRef idx="minor"/>
+        </p:style>
+        <p:txBody>
+          <a:bodyPr wrap="none" lIns="90000" rIns="90000" tIns="45000" bIns="45000" anchor="ctr"/>
+          <a:p>
+            <a:pPr algn="ctr"/>
+            <a:r>
+              <a:rPr b="0" lang="en-US" sz="1800" spc="-1" strike="noStrike">
+                <a:latin typeface="Arial"/>
+              </a:rPr>
+              <a:t>Reg</a:t>
+            </a:r>
+            <a:endParaRPr b="0" lang="en-US" sz="1800" spc="-1" strike="noStrike">
+              <a:latin typeface="Arial"/>
+            </a:endParaRPr>
+          </a:p>
+          <a:p>
+            <a:pPr algn="ctr"/>
+            <a:r>
+              <a:rPr b="0" lang="en-US" sz="1800" spc="-1" strike="noStrike">
+                <a:latin typeface="Arial"/>
+              </a:rPr>
+              <a:t>Form</a:t>
+            </a:r>
+            <a:endParaRPr b="0" lang="en-US" sz="1800" spc="-1" strike="noStrike">
+              <a:latin typeface="Arial"/>
+            </a:endParaRPr>
+          </a:p>
+        </p:txBody>
+      </p:sp>
+      <p:sp>
+        <p:nvSpPr>
+          <p:cNvPr id="256" name="CustomShape 3"/>
+          <p:cNvSpPr/>
+          <p:nvPr/>
+        </p:nvSpPr>
+        <p:spPr>
+          <a:xfrm>
+            <a:off x="4297680" y="3200400"/>
+            <a:ext cx="1188720" cy="548640"/>
+          </a:xfrm>
+          <a:prstGeom prst="flowChartProcess">
+            <a:avLst/>
+          </a:prstGeom>
+          <a:solidFill>
+            <a:srgbClr val="729fcf"/>
+          </a:solidFill>
+          <a:ln>
+            <a:solidFill>
+              <a:srgbClr val="3465a4"/>
+            </a:solidFill>
+          </a:ln>
+        </p:spPr>
+        <p:style>
+          <a:lnRef idx="0"/>
+          <a:fillRef idx="0"/>
+          <a:effectRef idx="0"/>
+          <a:fontRef idx="minor"/>
+        </p:style>
+        <p:txBody>
+          <a:bodyPr wrap="none" lIns="90000" rIns="90000" tIns="45000" bIns="45000" anchor="ctr"/>
+          <a:p>
+            <a:pPr algn="ctr"/>
+            <a:r>
+              <a:rPr b="0" lang="en-US" sz="1800" spc="-1" strike="noStrike">
+                <a:latin typeface="Arial"/>
+              </a:rPr>
+              <a:t>Generate</a:t>
+            </a:r>
+            <a:endParaRPr b="0" lang="en-US" sz="1800" spc="-1" strike="noStrike">
+              <a:latin typeface="Arial"/>
+            </a:endParaRPr>
+          </a:p>
+          <a:p>
+            <a:pPr algn="ctr"/>
+            <a:r>
+              <a:rPr b="0" lang="en-US" sz="1800" spc="-1" strike="noStrike">
+                <a:latin typeface="Arial"/>
+              </a:rPr>
+              <a:t>QR</a:t>
+            </a:r>
+            <a:endParaRPr b="0" lang="en-US" sz="1800" spc="-1" strike="noStrike">
+              <a:latin typeface="Arial"/>
+            </a:endParaRPr>
+          </a:p>
+        </p:txBody>
+      </p:sp>
+      <p:sp>
+        <p:nvSpPr>
+          <p:cNvPr id="257" name="CustomShape 4"/>
+          <p:cNvSpPr/>
+          <p:nvPr/>
+        </p:nvSpPr>
+        <p:spPr>
+          <a:xfrm>
+            <a:off x="4297680" y="4297680"/>
+            <a:ext cx="1280160" cy="548640"/>
+          </a:xfrm>
+          <a:prstGeom prst="flowChartProcess">
+            <a:avLst/>
+          </a:prstGeom>
+          <a:solidFill>
+            <a:srgbClr val="729fcf"/>
+          </a:solidFill>
+          <a:ln>
+            <a:solidFill>
+              <a:srgbClr val="3465a4"/>
+            </a:solidFill>
+          </a:ln>
+        </p:spPr>
+        <p:style>
+          <a:lnRef idx="0"/>
+          <a:fillRef idx="0"/>
+          <a:effectRef idx="0"/>
+          <a:fontRef idx="minor"/>
+        </p:style>
+        <p:txBody>
+          <a:bodyPr wrap="none" lIns="90000" rIns="90000" tIns="45000" bIns="45000" anchor="ctr"/>
+          <a:p>
+            <a:pPr algn="ctr"/>
+            <a:r>
+              <a:rPr b="0" lang="en-US" sz="1800" spc="-1" strike="noStrike">
+                <a:latin typeface="Arial"/>
+              </a:rPr>
+              <a:t>Receipt</a:t>
+            </a:r>
+            <a:endParaRPr b="0" lang="en-US" sz="1800" spc="-1" strike="noStrike">
+              <a:latin typeface="Arial"/>
+            </a:endParaRPr>
+          </a:p>
+        </p:txBody>
+      </p:sp>
+      <p:sp>
+        <p:nvSpPr>
+          <p:cNvPr id="258" name="CustomShape 5"/>
+          <p:cNvSpPr/>
+          <p:nvPr/>
+        </p:nvSpPr>
+        <p:spPr>
+          <a:xfrm>
+            <a:off x="3749040" y="5303520"/>
+            <a:ext cx="2377440" cy="640080"/>
+          </a:xfrm>
+          <a:prstGeom prst="flowChartAlternateProcess">
+            <a:avLst/>
+          </a:prstGeom>
+          <a:solidFill>
+            <a:srgbClr val="729fcf"/>
+          </a:solidFill>
+          <a:ln>
+            <a:solidFill>
+              <a:srgbClr val="3465a4"/>
+            </a:solidFill>
+          </a:ln>
+        </p:spPr>
+        <p:style>
+          <a:lnRef idx="0"/>
+          <a:fillRef idx="0"/>
+          <a:effectRef idx="0"/>
+          <a:fontRef idx="minor"/>
+        </p:style>
+        <p:txBody>
+          <a:bodyPr wrap="none" lIns="90000" rIns="90000" tIns="45000" bIns="45000" anchor="ctr"/>
+          <a:p>
+            <a:pPr algn="ctr"/>
+            <a:r>
+              <a:rPr b="0" lang="en-US" sz="1800" spc="-1" strike="noStrike">
+                <a:latin typeface="Arial"/>
+              </a:rPr>
+              <a:t>End</a:t>
+            </a:r>
+            <a:endParaRPr b="0" lang="en-US" sz="1800" spc="-1" strike="noStrike">
+              <a:latin typeface="Arial"/>
+            </a:endParaRPr>
+          </a:p>
+        </p:txBody>
+      </p:sp>
+      <p:cxnSp>
+        <p:nvCxnSpPr>
+          <p:cNvPr id="259" name="Line 6"/>
+          <p:cNvCxnSpPr/>
+          <p:nvPr/>
+        </p:nvCxnSpPr>
+        <p:spPr>
+          <a:xfrm>
+            <a:off x="0" y="0"/>
+            <a:ext cx="360" cy="360"/>
+          </a:xfrm>
+          <a:prstGeom prst="line">
+            <a:avLst/>
+          </a:prstGeom>
+          <a:ln>
+            <a:solidFill>
+              <a:srgbClr val="000000"/>
+            </a:solidFill>
+            <a:tailEnd len="med" type="triangle" w="med"/>
+          </a:ln>
+        </p:spPr>
+      </p:cxnSp>
+      <p:cxnSp>
+        <p:nvCxnSpPr>
+          <p:cNvPr id="260" name="Line 7"/>
+          <p:cNvCxnSpPr/>
+          <p:nvPr/>
+        </p:nvCxnSpPr>
+        <p:spPr>
+          <a:xfrm>
+            <a:off x="0" y="0"/>
+            <a:ext cx="360" cy="360"/>
+          </a:xfrm>
+          <a:prstGeom prst="line">
+            <a:avLst/>
+          </a:prstGeom>
+          <a:ln>
+            <a:solidFill>
+              <a:srgbClr val="000000"/>
+            </a:solidFill>
+            <a:tailEnd len="med" type="triangle" w="med"/>
+          </a:ln>
+        </p:spPr>
+      </p:cxnSp>
+      <p:cxnSp>
+        <p:nvCxnSpPr>
+          <p:cNvPr id="261" name="Line 8"/>
+          <p:cNvCxnSpPr/>
+          <p:nvPr/>
+        </p:nvCxnSpPr>
+        <p:spPr>
+          <a:xfrm>
+            <a:off x="0" y="0"/>
+            <a:ext cx="360" cy="360"/>
+          </a:xfrm>
+          <a:prstGeom prst="line">
+            <a:avLst/>
+          </a:prstGeom>
+          <a:ln>
+            <a:solidFill>
+              <a:srgbClr val="000000"/>
+            </a:solidFill>
+            <a:tailEnd len="med" type="triangle" w="med"/>
+          </a:ln>
+        </p:spPr>
+      </p:cxnSp>
+      <p:cxnSp>
+        <p:nvCxnSpPr>
+          <p:cNvPr id="262" name="Line 9"/>
+          <p:cNvCxnSpPr/>
+          <p:nvPr/>
+        </p:nvCxnSpPr>
+        <p:spPr>
+          <a:xfrm>
+            <a:off x="0" y="0"/>
+            <a:ext cx="360" cy="360"/>
+          </a:xfrm>
+          <a:prstGeom prst="line">
+            <a:avLst/>
+          </a:prstGeom>
+          <a:ln>
+            <a:solidFill>
+              <a:srgbClr val="000000"/>
+            </a:solidFill>
+            <a:tailEnd len="med" type="triangle" w="med"/>
+          </a:ln>
+        </p:spPr>
+      </p:cxnSp>
+    </p:spTree>
+  </p:cSld>
+  <p:transition spd="med">
+    <p:wedge/>
+  </p:transition>
+  <p:timing>
+    <p:tnLst>
+      <p:par>
+        <p:cTn id="25" dur="indefinite" restart="never" nodeType="tmRoot">
+          <p:childTnLst>
+            <p:seq>
+              <p:cTn id="26" dur="indefinite" nodeType="mainSeq"/>
+              <p:prevCondLst>
+                <p:cond delay="0" evt="onPrev">
+                  <p:tgtEl>
+                    <p:sldTgt/>
+                  </p:tgtEl>
+                </p:cond>
+              </p:prevCondLst>
+              <p:nextCondLst>
+                <p:cond delay="0" evt="onNext">
+                  <p:tgtEl>
+                    <p:sldTgt/>
+                  </p:tgtEl>
+                </p:cond>
+              </p:nextCondLst>
+            </p:seq>
+          </p:childTnLst>
+        </p:cTn>
+      </p:par>
+    </p:tnLst>
+  </p:timing>
+</p:sld>
+</file>
+
+<file path=ppt/slides/slide14.xml><?xml version="1.0" encoding="utf-8"?>
+<p:sld xmlns:a="http://schemas.openxmlformats.org/drawingml/2006/main" xmlns:p="http://schemas.openxmlformats.org/presentationml/2006/main" xmlns:r="http://schemas.openxmlformats.org/officeDocument/2006/relationships" xmlns:p14="http://schemas.microsoft.com/office/powerpoint/2010/main" xmlns:p15="http://schemas.microsoft.com/office/powerpoint/2012/main" xmlns:mc="http://schemas.openxmlformats.org/markup-compatibility/2006">
+  <p:cSld>
+    <p:spTree>
+      <p:nvGrpSpPr>
+        <p:cNvPr id="1" name=""/>
+        <p:cNvGrpSpPr/>
+        <p:nvPr/>
+      </p:nvGrpSpPr>
+      <p:grpSpPr>
+        <a:xfrm>
+          <a:off x="0" y="0"/>
+          <a:ext cx="0" cy="0"/>
+          <a:chOff x="0" y="0"/>
+          <a:chExt cx="0" cy="0"/>
+        </a:xfrm>
+      </p:grpSpPr>
+      <p:sp>
+        <p:nvSpPr>
+          <p:cNvPr id="263" name="TextShape 1"/>
+          <p:cNvSpPr txBox="1"/>
+          <p:nvPr/>
+        </p:nvSpPr>
+        <p:spPr>
+          <a:xfrm>
+            <a:off x="504000" y="-91440"/>
+            <a:ext cx="9072000" cy="1261800"/>
+          </a:xfrm>
+          <a:prstGeom prst="rect">
+            <a:avLst/>
+          </a:prstGeom>
+          <a:noFill/>
+          <a:ln>
+            <a:noFill/>
+          </a:ln>
+        </p:spPr>
+        <p:txBody>
+          <a:bodyPr lIns="0" rIns="0" tIns="0" bIns="0" anchor="ctr"/>
+          <a:p>
+            <a:pPr algn="ctr"/>
+            <a:r>
+              <a:rPr b="0" lang="en-US" sz="4400" spc="-1" strike="noStrike">
+                <a:solidFill>
+                  <a:srgbClr val="666666"/>
+                </a:solidFill>
+                <a:latin typeface="Arial"/>
+              </a:rPr>
+              <a:t>Application Flow(User)</a:t>
+            </a:r>
+            <a:endParaRPr b="0" lang="en-US" sz="4400" spc="-1" strike="noStrike">
+              <a:solidFill>
+                <a:srgbClr val="666666"/>
+              </a:solidFill>
+              <a:latin typeface="Arial"/>
+            </a:endParaRPr>
+          </a:p>
+        </p:txBody>
+      </p:sp>
+      <p:pic>
+        <p:nvPicPr>
+          <p:cNvPr id="264" name="" descr=""/>
+          <p:cNvPicPr/>
+          <p:nvPr/>
+        </p:nvPicPr>
+        <p:blipFill>
+          <a:blip r:embed="rId1"/>
+          <a:stretch/>
+        </p:blipFill>
+        <p:spPr>
+          <a:xfrm>
+            <a:off x="3566160" y="943200"/>
+            <a:ext cx="2560320" cy="5549040"/>
+          </a:xfrm>
+          <a:prstGeom prst="rect">
+            <a:avLst/>
+          </a:prstGeom>
+          <a:ln>
+            <a:noFill/>
+          </a:ln>
+        </p:spPr>
+      </p:pic>
+    </p:spTree>
+  </p:cSld>
+  <p:transition spd="med">
+    <p:wedge/>
+  </p:transition>
+  <p:timing>
+    <p:tnLst>
+      <p:par>
+        <p:cTn id="27" dur="indefinite" restart="never" nodeType="tmRoot">
+          <p:childTnLst>
+            <p:seq>
+              <p:cTn id="28" dur="indefinite" nodeType="mainSeq"/>
+              <p:prevCondLst>
+                <p:cond delay="0" evt="onPrev">
+                  <p:tgtEl>
+                    <p:sldTgt/>
+                  </p:tgtEl>
+                </p:cond>
+              </p:prevCondLst>
+              <p:nextCondLst>
+                <p:cond delay="0" evt="onNext">
+                  <p:tgtEl>
+                    <p:sldTgt/>
+                  </p:tgtEl>
+                </p:cond>
+              </p:nextCondLst>
+            </p:seq>
+          </p:childTnLst>
+        </p:cTn>
+      </p:par>
+    </p:tnLst>
+  </p:timing>
+</p:sld>
+</file>
+
+<file path=ppt/slides/slide15.xml><?xml version="1.0" encoding="utf-8"?>
+<p:sld xmlns:a="http://schemas.openxmlformats.org/drawingml/2006/main" xmlns:p="http://schemas.openxmlformats.org/presentationml/2006/main" xmlns:r="http://schemas.openxmlformats.org/officeDocument/2006/relationships" xmlns:p14="http://schemas.microsoft.com/office/powerpoint/2010/main" xmlns:p15="http://schemas.microsoft.com/office/powerpoint/2012/main" xmlns:mc="http://schemas.openxmlformats.org/markup-compatibility/2006">
+  <p:cSld>
+    <p:spTree>
+      <p:nvGrpSpPr>
+        <p:cNvPr id="1" name=""/>
+        <p:cNvGrpSpPr/>
+        <p:nvPr/>
+      </p:nvGrpSpPr>
+      <p:grpSpPr>
+        <a:xfrm>
+          <a:off x="0" y="0"/>
+          <a:ext cx="0" cy="0"/>
+          <a:chOff x="0" y="0"/>
+          <a:chExt cx="0" cy="0"/>
+        </a:xfrm>
+      </p:grpSpPr>
+      <p:pic>
+        <p:nvPicPr>
+          <p:cNvPr id="265" name="" descr=""/>
+          <p:cNvPicPr/>
+          <p:nvPr/>
+        </p:nvPicPr>
+        <p:blipFill>
+          <a:blip r:embed="rId1"/>
+          <a:stretch/>
+        </p:blipFill>
+        <p:spPr>
+          <a:xfrm>
+            <a:off x="1870920" y="928080"/>
+            <a:ext cx="2609640" cy="5655600"/>
+          </a:xfrm>
+          <a:prstGeom prst="rect">
+            <a:avLst/>
+          </a:prstGeom>
+          <a:ln>
+            <a:noFill/>
+          </a:ln>
+        </p:spPr>
+      </p:pic>
+      <p:pic>
+        <p:nvPicPr>
+          <p:cNvPr id="266" name="" descr=""/>
+          <p:cNvPicPr/>
+          <p:nvPr/>
+        </p:nvPicPr>
+        <p:blipFill>
+          <a:blip r:embed="rId2"/>
+          <a:stretch/>
+        </p:blipFill>
+        <p:spPr>
+          <a:xfrm>
+            <a:off x="5486400" y="943200"/>
+            <a:ext cx="2560320" cy="5549040"/>
+          </a:xfrm>
+          <a:prstGeom prst="rect">
+            <a:avLst/>
+          </a:prstGeom>
+          <a:ln>
+            <a:noFill/>
+          </a:ln>
+        </p:spPr>
+      </p:pic>
+    </p:spTree>
+  </p:cSld>
+  <p:transition spd="med">
+    <p:wedge/>
+  </p:transition>
+  <p:timing>
+    <p:tnLst>
+      <p:par>
+        <p:cTn id="29" dur="indefinite" restart="never" nodeType="tmRoot">
+          <p:childTnLst>
+            <p:seq>
+              <p:cTn id="30" dur="indefinite" nodeType="mainSeq"/>
+              <p:prevCondLst>
+                <p:cond delay="0" evt="onPrev">
+                  <p:tgtEl>
+                    <p:sldTgt/>
+                  </p:tgtEl>
+                </p:cond>
+              </p:prevCondLst>
+              <p:nextCondLst>
+                <p:cond delay="0" evt="onNext">
+                  <p:tgtEl>
+                    <p:sldTgt/>
+                  </p:tgtEl>
+                </p:cond>
+              </p:nextCondLst>
+            </p:seq>
+          </p:childTnLst>
+        </p:cTn>
+      </p:par>
+    </p:tnLst>
+  </p:timing>
+</p:sld>
+</file>
+
+<file path=ppt/slides/slide16.xml><?xml version="1.0" encoding="utf-8"?>
+<p:sld xmlns:a="http://schemas.openxmlformats.org/drawingml/2006/main" xmlns:p="http://schemas.openxmlformats.org/presentationml/2006/main" xmlns:r="http://schemas.openxmlformats.org/officeDocument/2006/relationships" xmlns:p14="http://schemas.microsoft.com/office/powerpoint/2010/main" xmlns:p15="http://schemas.microsoft.com/office/powerpoint/2012/main" xmlns:mc="http://schemas.openxmlformats.org/markup-compatibility/2006">
+  <p:cSld>
+    <p:spTree>
+      <p:nvGrpSpPr>
+        <p:cNvPr id="1" name=""/>
+        <p:cNvGrpSpPr/>
+        <p:nvPr/>
+      </p:nvGrpSpPr>
+      <p:grpSpPr>
+        <a:xfrm>
+          <a:off x="0" y="0"/>
+          <a:ext cx="0" cy="0"/>
+          <a:chOff x="0" y="0"/>
+          <a:chExt cx="0" cy="0"/>
+        </a:xfrm>
+      </p:grpSpPr>
+      <p:pic>
+        <p:nvPicPr>
+          <p:cNvPr id="267" name="" descr=""/>
+          <p:cNvPicPr/>
+          <p:nvPr/>
+        </p:nvPicPr>
+        <p:blipFill>
+          <a:blip r:embed="rId1"/>
+          <a:stretch/>
+        </p:blipFill>
+        <p:spPr>
+          <a:xfrm>
+            <a:off x="1505520" y="928440"/>
+            <a:ext cx="2609280" cy="5655240"/>
+          </a:xfrm>
+          <a:prstGeom prst="rect">
+            <a:avLst/>
+          </a:prstGeom>
+          <a:ln>
+            <a:noFill/>
+          </a:ln>
+        </p:spPr>
+      </p:pic>
+      <p:pic>
+        <p:nvPicPr>
+          <p:cNvPr id="268" name="" descr=""/>
+          <p:cNvPicPr/>
+          <p:nvPr/>
+        </p:nvPicPr>
+        <p:blipFill>
+          <a:blip r:embed="rId2"/>
+          <a:stretch/>
+        </p:blipFill>
+        <p:spPr>
+          <a:xfrm>
+            <a:off x="5564520" y="914400"/>
+            <a:ext cx="2573640" cy="5577840"/>
+          </a:xfrm>
+          <a:prstGeom prst="rect">
+            <a:avLst/>
+          </a:prstGeom>
+          <a:ln>
+            <a:noFill/>
+          </a:ln>
+        </p:spPr>
+      </p:pic>
+    </p:spTree>
+  </p:cSld>
+  <p:transition spd="med">
+    <p:wedge/>
+  </p:transition>
+  <p:timing>
+    <p:tnLst>
+      <p:par>
+        <p:cTn id="31" dur="indefinite" restart="never" nodeType="tmRoot">
+          <p:childTnLst>
+            <p:seq>
+              <p:cTn id="32" dur="indefinite" nodeType="mainSeq"/>
+              <p:prevCondLst>
+                <p:cond delay="0" evt="onPrev">
+                  <p:tgtEl>
+                    <p:sldTgt/>
+                  </p:tgtEl>
+                </p:cond>
+              </p:prevCondLst>
+              <p:nextCondLst>
+                <p:cond delay="0" evt="onNext">
+                  <p:tgtEl>
+                    <p:sldTgt/>
+                  </p:tgtEl>
+                </p:cond>
+              </p:nextCondLst>
+            </p:seq>
+          </p:childTnLst>
+        </p:cTn>
+      </p:par>
+    </p:tnLst>
+  </p:timing>
+</p:sld>
+</file>
+
+<file path=ppt/slides/slide17.xml><?xml version="1.0" encoding="utf-8"?>
+<p:sld xmlns:a="http://schemas.openxmlformats.org/drawingml/2006/main" xmlns:p="http://schemas.openxmlformats.org/presentationml/2006/main" xmlns:r="http://schemas.openxmlformats.org/officeDocument/2006/relationships" xmlns:p14="http://schemas.microsoft.com/office/powerpoint/2010/main" xmlns:p15="http://schemas.microsoft.com/office/powerpoint/2012/main" xmlns:mc="http://schemas.openxmlformats.org/markup-compatibility/2006">
+  <p:cSld>
+    <p:spTree>
+      <p:nvGrpSpPr>
+        <p:cNvPr id="1" name=""/>
+        <p:cNvGrpSpPr/>
+        <p:nvPr/>
+      </p:nvGrpSpPr>
+      <p:grpSpPr>
+        <a:xfrm>
+          <a:off x="0" y="0"/>
+          <a:ext cx="0" cy="0"/>
+          <a:chOff x="0" y="0"/>
+          <a:chExt cx="0" cy="0"/>
+        </a:xfrm>
+      </p:grpSpPr>
+      <p:pic>
+        <p:nvPicPr>
+          <p:cNvPr id="269" name="" descr=""/>
+          <p:cNvPicPr/>
+          <p:nvPr/>
+        </p:nvPicPr>
+        <p:blipFill>
+          <a:blip r:embed="rId1"/>
+          <a:stretch/>
+        </p:blipFill>
+        <p:spPr>
+          <a:xfrm>
+            <a:off x="1491120" y="928440"/>
+            <a:ext cx="2609280" cy="5655240"/>
+          </a:xfrm>
+          <a:prstGeom prst="rect">
+            <a:avLst/>
+          </a:prstGeom>
+          <a:ln>
+            <a:noFill/>
+          </a:ln>
+        </p:spPr>
+      </p:pic>
+      <p:pic>
+        <p:nvPicPr>
+          <p:cNvPr id="270" name="" descr=""/>
+          <p:cNvPicPr/>
+          <p:nvPr/>
+        </p:nvPicPr>
+        <p:blipFill>
+          <a:blip r:embed="rId2"/>
+          <a:stretch/>
+        </p:blipFill>
+        <p:spPr>
+          <a:xfrm>
+            <a:off x="5747400" y="914400"/>
+            <a:ext cx="2573640" cy="5577840"/>
+          </a:xfrm>
+          <a:prstGeom prst="rect">
+            <a:avLst/>
+          </a:prstGeom>
+          <a:ln>
+            <a:noFill/>
+          </a:ln>
+        </p:spPr>
+      </p:pic>
+    </p:spTree>
+  </p:cSld>
+  <p:transition spd="med">
+    <p:wedge/>
+  </p:transition>
+  <p:timing>
+    <p:tnLst>
+      <p:par>
+        <p:cTn id="33" dur="indefinite" restart="never" nodeType="tmRoot">
+          <p:childTnLst>
+            <p:seq>
+              <p:cTn id="34" dur="indefinite" nodeType="mainSeq"/>
+              <p:prevCondLst>
+                <p:cond delay="0" evt="onPrev">
+                  <p:tgtEl>
+                    <p:sldTgt/>
+                  </p:tgtEl>
+                </p:cond>
+              </p:prevCondLst>
+              <p:nextCondLst>
+                <p:cond delay="0" evt="onNext">
+                  <p:tgtEl>
+                    <p:sldTgt/>
+                  </p:tgtEl>
+                </p:cond>
+              </p:nextCondLst>
+            </p:seq>
+          </p:childTnLst>
+        </p:cTn>
+      </p:par>
+    </p:tnLst>
+  </p:timing>
+</p:sld>
+</file>
+
+<file path=ppt/slides/slide18.xml><?xml version="1.0" encoding="utf-8"?>
+<p:sld xmlns:a="http://schemas.openxmlformats.org/drawingml/2006/main" xmlns:p="http://schemas.openxmlformats.org/presentationml/2006/main" xmlns:r="http://schemas.openxmlformats.org/officeDocument/2006/relationships" xmlns:p14="http://schemas.microsoft.com/office/powerpoint/2010/main" xmlns:p15="http://schemas.microsoft.com/office/powerpoint/2012/main" xmlns:mc="http://schemas.openxmlformats.org/markup-compatibility/2006">
+  <p:cSld>
+    <p:spTree>
+      <p:nvGrpSpPr>
+        <p:cNvPr id="1" name=""/>
+        <p:cNvGrpSpPr/>
+        <p:nvPr/>
+      </p:nvGrpSpPr>
+      <p:grpSpPr>
+        <a:xfrm>
+          <a:off x="0" y="0"/>
+          <a:ext cx="0" cy="0"/>
+          <a:chOff x="0" y="0"/>
+          <a:chExt cx="0" cy="0"/>
+        </a:xfrm>
+      </p:grpSpPr>
+      <p:pic>
+        <p:nvPicPr>
+          <p:cNvPr id="271" name="" descr=""/>
+          <p:cNvPicPr/>
+          <p:nvPr/>
+        </p:nvPicPr>
+        <p:blipFill>
+          <a:blip r:embed="rId1"/>
+          <a:stretch/>
+        </p:blipFill>
+        <p:spPr>
+          <a:xfrm>
+            <a:off x="1188720" y="914400"/>
+            <a:ext cx="2531160" cy="5486400"/>
+          </a:xfrm>
+          <a:prstGeom prst="rect">
+            <a:avLst/>
+          </a:prstGeom>
+          <a:ln>
+            <a:noFill/>
+          </a:ln>
+        </p:spPr>
+      </p:pic>
+      <p:pic>
+        <p:nvPicPr>
+          <p:cNvPr id="272" name="" descr=""/>
+          <p:cNvPicPr/>
+          <p:nvPr/>
+        </p:nvPicPr>
+        <p:blipFill>
+          <a:blip r:embed="rId2"/>
+          <a:stretch/>
+        </p:blipFill>
+        <p:spPr>
+          <a:xfrm>
+            <a:off x="5382000" y="914400"/>
+            <a:ext cx="2573280" cy="5577840"/>
+          </a:xfrm>
+          <a:prstGeom prst="rect">
+            <a:avLst/>
+          </a:prstGeom>
+          <a:ln>
+            <a:noFill/>
+          </a:ln>
+        </p:spPr>
+      </p:pic>
+    </p:spTree>
+  </p:cSld>
+  <p:transition spd="med">
+    <p:wedge/>
+  </p:transition>
+  <p:timing>
+    <p:tnLst>
+      <p:par>
+        <p:cTn id="35" dur="indefinite" restart="never" nodeType="tmRoot">
+          <p:childTnLst>
+            <p:seq>
+              <p:cTn id="36" dur="indefinite" nodeType="mainSeq"/>
+              <p:prevCondLst>
+                <p:cond delay="0" evt="onPrev">
+                  <p:tgtEl>
+                    <p:sldTgt/>
+                  </p:tgtEl>
+                </p:cond>
+              </p:prevCondLst>
+              <p:nextCondLst>
+                <p:cond delay="0" evt="onNext">
+                  <p:tgtEl>
+                    <p:sldTgt/>
+                  </p:tgtEl>
+                </p:cond>
+              </p:nextCondLst>
+            </p:seq>
+          </p:childTnLst>
+        </p:cTn>
+      </p:par>
+    </p:tnLst>
+  </p:timing>
+</p:sld>
+</file>
+
+<file path=ppt/slides/slide19.xml><?xml version="1.0" encoding="utf-8"?>
+<p:sld xmlns:a="http://schemas.openxmlformats.org/drawingml/2006/main" xmlns:p="http://schemas.openxmlformats.org/presentationml/2006/main" xmlns:r="http://schemas.openxmlformats.org/officeDocument/2006/relationships" xmlns:p14="http://schemas.microsoft.com/office/powerpoint/2010/main" xmlns:p15="http://schemas.microsoft.com/office/powerpoint/2012/main" xmlns:mc="http://schemas.openxmlformats.org/markup-compatibility/2006">
+  <p:cSld>
+    <p:spTree>
+      <p:nvGrpSpPr>
+        <p:cNvPr id="1" name=""/>
+        <p:cNvGrpSpPr/>
+        <p:nvPr/>
+      </p:nvGrpSpPr>
+      <p:grpSpPr>
+        <a:xfrm>
+          <a:off x="0" y="0"/>
+          <a:ext cx="0" cy="0"/>
+          <a:chOff x="0" y="0"/>
+          <a:chExt cx="0" cy="0"/>
+        </a:xfrm>
+      </p:grpSpPr>
+      <p:pic>
+        <p:nvPicPr>
+          <p:cNvPr id="273" name="" descr=""/>
+          <p:cNvPicPr/>
+          <p:nvPr/>
+        </p:nvPicPr>
+        <p:blipFill>
+          <a:blip r:embed="rId1"/>
+          <a:stretch/>
+        </p:blipFill>
+        <p:spPr>
+          <a:xfrm>
+            <a:off x="1005840" y="914400"/>
+            <a:ext cx="2573280" cy="5577840"/>
+          </a:xfrm>
+          <a:prstGeom prst="rect">
+            <a:avLst/>
+          </a:prstGeom>
+          <a:ln>
+            <a:noFill/>
+          </a:ln>
+        </p:spPr>
+      </p:pic>
+      <p:pic>
+        <p:nvPicPr>
+          <p:cNvPr id="274" name="" descr=""/>
+          <p:cNvPicPr/>
+          <p:nvPr/>
+        </p:nvPicPr>
+        <p:blipFill>
+          <a:blip r:embed="rId2"/>
+          <a:stretch/>
+        </p:blipFill>
+        <p:spPr>
+          <a:xfrm>
+            <a:off x="5486400" y="914760"/>
+            <a:ext cx="2589120" cy="5611320"/>
+          </a:xfrm>
+          <a:prstGeom prst="rect">
+            <a:avLst/>
+          </a:prstGeom>
+          <a:ln>
+            <a:noFill/>
+          </a:ln>
+        </p:spPr>
+      </p:pic>
+    </p:spTree>
+  </p:cSld>
+  <p:transition spd="med">
+    <p:wedge/>
+  </p:transition>
+  <p:timing>
+    <p:tnLst>
+      <p:par>
+        <p:cTn id="37" dur="indefinite" restart="never" nodeType="tmRoot">
+          <p:childTnLst>
+            <p:seq>
+              <p:cTn id="38" dur="indefinite" nodeType="mainSeq"/>
               <p:prevCondLst>
                 <p:cond delay="0" evt="onPrev">
                   <p:tgtEl>
@@ -8921,7 +11791,7 @@
         <p:spPr>
           <a:xfrm>
             <a:off x="-731520" y="1188720"/>
-            <a:ext cx="9069840" cy="635760"/>
+            <a:ext cx="9069480" cy="635400"/>
           </a:xfrm>
           <a:prstGeom prst="rect">
             <a:avLst/>
@@ -10658,6 +13528,2392 @@
 </p:sld>
 </file>
 
+<file path=ppt/slides/slide20.xml><?xml version="1.0" encoding="utf-8"?>
+<p:sld xmlns:a="http://schemas.openxmlformats.org/drawingml/2006/main" xmlns:p="http://schemas.openxmlformats.org/presentationml/2006/main" xmlns:r="http://schemas.openxmlformats.org/officeDocument/2006/relationships" xmlns:p14="http://schemas.microsoft.com/office/powerpoint/2010/main" xmlns:p15="http://schemas.microsoft.com/office/powerpoint/2012/main" xmlns:mc="http://schemas.openxmlformats.org/markup-compatibility/2006">
+  <p:cSld>
+    <p:spTree>
+      <p:nvGrpSpPr>
+        <p:cNvPr id="1" name=""/>
+        <p:cNvGrpSpPr/>
+        <p:nvPr/>
+      </p:nvGrpSpPr>
+      <p:grpSpPr>
+        <a:xfrm>
+          <a:off x="0" y="0"/>
+          <a:ext cx="0" cy="0"/>
+          <a:chOff x="0" y="0"/>
+          <a:chExt cx="0" cy="0"/>
+        </a:xfrm>
+      </p:grpSpPr>
+      <p:sp>
+        <p:nvSpPr>
+          <p:cNvPr id="275" name="CustomShape 1"/>
+          <p:cNvSpPr/>
+          <p:nvPr/>
+        </p:nvSpPr>
+        <p:spPr>
+          <a:xfrm>
+            <a:off x="504000" y="301320"/>
+            <a:ext cx="9069480" cy="635400"/>
+          </a:xfrm>
+          <a:prstGeom prst="rect">
+            <a:avLst/>
+          </a:prstGeom>
+          <a:noFill/>
+          <a:ln>
+            <a:noFill/>
+          </a:ln>
+        </p:spPr>
+        <p:style>
+          <a:lnRef idx="0"/>
+          <a:fillRef idx="0"/>
+          <a:effectRef idx="0"/>
+          <a:fontRef idx="minor"/>
+        </p:style>
+        <p:txBody>
+          <a:bodyPr lIns="0" rIns="0" tIns="0" bIns="0" anchor="ctr"/>
+          <a:p>
+            <a:pPr algn="ctr">
+              <a:lnSpc>
+                <a:spcPct val="100000"/>
+              </a:lnSpc>
+            </a:pPr>
+            <a:r>
+              <a:rPr b="0" lang="en-US" sz="4400" spc="-1" strike="noStrike">
+                <a:solidFill>
+                  <a:srgbClr val="666666"/>
+                </a:solidFill>
+                <a:latin typeface="Arial"/>
+                <a:ea typeface="DejaVu Sans"/>
+              </a:rPr>
+              <a:t>Fur</a:t>
+            </a:r>
+            <a:r>
+              <a:rPr b="0" lang="en-US" sz="4400" spc="-1" strike="noStrike">
+                <a:solidFill>
+                  <a:srgbClr val="666666"/>
+                </a:solidFill>
+                <a:latin typeface="Arial"/>
+                <a:ea typeface="DejaVu Sans"/>
+              </a:rPr>
+              <a:t>the</a:t>
+            </a:r>
+            <a:r>
+              <a:rPr b="0" lang="en-US" sz="4400" spc="-1" strike="noStrike">
+                <a:solidFill>
+                  <a:srgbClr val="666666"/>
+                </a:solidFill>
+                <a:latin typeface="Arial"/>
+                <a:ea typeface="DejaVu Sans"/>
+              </a:rPr>
+              <a:t>r </a:t>
+            </a:r>
+            <a:r>
+              <a:rPr b="0" lang="en-US" sz="4400" spc="-1" strike="noStrike">
+                <a:solidFill>
+                  <a:srgbClr val="666666"/>
+                </a:solidFill>
+                <a:latin typeface="Arial"/>
+                <a:ea typeface="DejaVu Sans"/>
+              </a:rPr>
+              <a:t>Ext</a:t>
+            </a:r>
+            <a:r>
+              <a:rPr b="0" lang="en-US" sz="4400" spc="-1" strike="noStrike">
+                <a:solidFill>
+                  <a:srgbClr val="666666"/>
+                </a:solidFill>
+                <a:latin typeface="Arial"/>
+                <a:ea typeface="DejaVu Sans"/>
+              </a:rPr>
+              <a:t>en</a:t>
+            </a:r>
+            <a:r>
+              <a:rPr b="0" lang="en-US" sz="4400" spc="-1" strike="noStrike">
+                <a:solidFill>
+                  <a:srgbClr val="666666"/>
+                </a:solidFill>
+                <a:latin typeface="Arial"/>
+                <a:ea typeface="DejaVu Sans"/>
+              </a:rPr>
+              <a:t>sio</a:t>
+            </a:r>
+            <a:r>
+              <a:rPr b="0" lang="en-US" sz="4400" spc="-1" strike="noStrike">
+                <a:solidFill>
+                  <a:srgbClr val="666666"/>
+                </a:solidFill>
+                <a:latin typeface="Arial"/>
+                <a:ea typeface="DejaVu Sans"/>
+              </a:rPr>
+              <a:t>n</a:t>
+            </a:r>
+            <a:endParaRPr b="0" lang="en-US" sz="4400" spc="-1" strike="noStrike">
+              <a:latin typeface="Arial"/>
+            </a:endParaRPr>
+          </a:p>
+        </p:txBody>
+      </p:sp>
+      <p:sp>
+        <p:nvSpPr>
+          <p:cNvPr id="276" name="CustomShape 2"/>
+          <p:cNvSpPr/>
+          <p:nvPr/>
+        </p:nvSpPr>
+        <p:spPr>
+          <a:xfrm>
+            <a:off x="504000" y="1769040"/>
+            <a:ext cx="9069480" cy="4382280"/>
+          </a:xfrm>
+          <a:prstGeom prst="rect">
+            <a:avLst/>
+          </a:prstGeom>
+          <a:noFill/>
+          <a:ln>
+            <a:noFill/>
+          </a:ln>
+        </p:spPr>
+        <p:style>
+          <a:lnRef idx="0"/>
+          <a:fillRef idx="0"/>
+          <a:effectRef idx="0"/>
+          <a:fontRef idx="minor"/>
+        </p:style>
+        <p:txBody>
+          <a:bodyPr lIns="0" rIns="0" tIns="0" bIns="0">
+            <a:normAutofit/>
+          </a:bodyPr>
+          <a:p>
+            <a:pPr marL="432000" indent="-322560">
+              <a:lnSpc>
+                <a:spcPct val="100000"/>
+              </a:lnSpc>
+              <a:spcBef>
+                <a:spcPts val="1057"/>
+              </a:spcBef>
+              <a:buClr>
+                <a:srgbClr val="000000"/>
+              </a:buClr>
+              <a:buSzPct val="45000"/>
+              <a:buFont typeface="Wingdings" charset="2"/>
+              <a:buChar char=""/>
+            </a:pPr>
+            <a:r>
+              <a:rPr b="0" lang="en-US" sz="2400" spc="-1" strike="noStrike">
+                <a:solidFill>
+                  <a:srgbClr val="808080"/>
+                </a:solidFill>
+                <a:latin typeface="Arial"/>
+                <a:ea typeface="DejaVu Sans"/>
+              </a:rPr>
+              <a:t>Wi</a:t>
+            </a:r>
+            <a:r>
+              <a:rPr b="0" lang="en-US" sz="2400" spc="-1" strike="noStrike">
+                <a:solidFill>
+                  <a:srgbClr val="808080"/>
+                </a:solidFill>
+                <a:latin typeface="Arial"/>
+                <a:ea typeface="DejaVu Sans"/>
+              </a:rPr>
+              <a:t>del</a:t>
+            </a:r>
+            <a:r>
+              <a:rPr b="0" lang="en-US" sz="2400" spc="-1" strike="noStrike">
+                <a:solidFill>
+                  <a:srgbClr val="808080"/>
+                </a:solidFill>
+                <a:latin typeface="Arial"/>
+                <a:ea typeface="DejaVu Sans"/>
+              </a:rPr>
+              <a:t>y </a:t>
+            </a:r>
+            <a:r>
+              <a:rPr b="0" lang="en-US" sz="2400" spc="-1" strike="noStrike">
+                <a:solidFill>
+                  <a:srgbClr val="808080"/>
+                </a:solidFill>
+                <a:latin typeface="Arial"/>
+                <a:ea typeface="DejaVu Sans"/>
+              </a:rPr>
+              <a:t>us</a:t>
+            </a:r>
+            <a:r>
+              <a:rPr b="0" lang="en-US" sz="2400" spc="-1" strike="noStrike">
+                <a:solidFill>
+                  <a:srgbClr val="808080"/>
+                </a:solidFill>
+                <a:latin typeface="Arial"/>
+                <a:ea typeface="DejaVu Sans"/>
+              </a:rPr>
+              <a:t>ed </a:t>
+            </a:r>
+            <a:r>
+              <a:rPr b="0" lang="en-US" sz="2400" spc="-1" strike="noStrike">
+                <a:solidFill>
+                  <a:srgbClr val="808080"/>
+                </a:solidFill>
+                <a:latin typeface="Arial"/>
+                <a:ea typeface="DejaVu Sans"/>
+              </a:rPr>
+              <a:t>in </a:t>
+            </a:r>
+            <a:r>
+              <a:rPr b="0" lang="en-US" sz="2400" spc="-1" strike="noStrike">
+                <a:solidFill>
+                  <a:srgbClr val="808080"/>
+                </a:solidFill>
+                <a:latin typeface="Arial"/>
+                <a:ea typeface="DejaVu Sans"/>
+              </a:rPr>
+              <a:t>var</a:t>
+            </a:r>
+            <a:r>
+              <a:rPr b="0" lang="en-US" sz="2400" spc="-1" strike="noStrike">
+                <a:solidFill>
+                  <a:srgbClr val="808080"/>
+                </a:solidFill>
+                <a:latin typeface="Arial"/>
+                <a:ea typeface="DejaVu Sans"/>
+              </a:rPr>
+              <a:t>iou</a:t>
+            </a:r>
+            <a:r>
+              <a:rPr b="0" lang="en-US" sz="2400" spc="-1" strike="noStrike">
+                <a:solidFill>
+                  <a:srgbClr val="808080"/>
+                </a:solidFill>
+                <a:latin typeface="Arial"/>
+                <a:ea typeface="DejaVu Sans"/>
+              </a:rPr>
+              <a:t>s </a:t>
+            </a:r>
+            <a:r>
+              <a:rPr b="0" lang="en-US" sz="2400" spc="-1" strike="noStrike">
+                <a:solidFill>
+                  <a:srgbClr val="808080"/>
+                </a:solidFill>
+                <a:latin typeface="Arial"/>
+                <a:ea typeface="DejaVu Sans"/>
+              </a:rPr>
+              <a:t>uni</a:t>
+            </a:r>
+            <a:r>
+              <a:rPr b="0" lang="en-US" sz="2400" spc="-1" strike="noStrike">
+                <a:solidFill>
+                  <a:srgbClr val="808080"/>
+                </a:solidFill>
+                <a:latin typeface="Arial"/>
+                <a:ea typeface="DejaVu Sans"/>
+              </a:rPr>
+              <a:t>ver</a:t>
+            </a:r>
+            <a:r>
+              <a:rPr b="0" lang="en-US" sz="2400" spc="-1" strike="noStrike">
+                <a:solidFill>
+                  <a:srgbClr val="808080"/>
+                </a:solidFill>
+                <a:latin typeface="Arial"/>
+                <a:ea typeface="DejaVu Sans"/>
+              </a:rPr>
+              <a:t>sity </a:t>
+            </a:r>
+            <a:r>
+              <a:rPr b="0" lang="en-US" sz="2400" spc="-1" strike="noStrike">
+                <a:solidFill>
+                  <a:srgbClr val="808080"/>
+                </a:solidFill>
+                <a:latin typeface="Arial"/>
+                <a:ea typeface="DejaVu Sans"/>
+              </a:rPr>
+              <a:t>an</a:t>
+            </a:r>
+            <a:r>
+              <a:rPr b="0" lang="en-US" sz="2400" spc="-1" strike="noStrike">
+                <a:solidFill>
+                  <a:srgbClr val="808080"/>
+                </a:solidFill>
+                <a:latin typeface="Arial"/>
+                <a:ea typeface="DejaVu Sans"/>
+              </a:rPr>
+              <a:t>d </a:t>
+            </a:r>
+            <a:r>
+              <a:rPr b="0" lang="en-US" sz="2400" spc="-1" strike="noStrike">
+                <a:solidFill>
+                  <a:srgbClr val="808080"/>
+                </a:solidFill>
+                <a:latin typeface="Arial"/>
+                <a:ea typeface="DejaVu Sans"/>
+              </a:rPr>
+              <a:t>coll</a:t>
+            </a:r>
+            <a:r>
+              <a:rPr b="0" lang="en-US" sz="2400" spc="-1" strike="noStrike">
+                <a:solidFill>
+                  <a:srgbClr val="808080"/>
+                </a:solidFill>
+                <a:latin typeface="Arial"/>
+                <a:ea typeface="DejaVu Sans"/>
+              </a:rPr>
+              <a:t>eg</a:t>
+            </a:r>
+            <a:r>
+              <a:rPr b="0" lang="en-US" sz="2400" spc="-1" strike="noStrike">
+                <a:solidFill>
+                  <a:srgbClr val="808080"/>
+                </a:solidFill>
+                <a:latin typeface="Arial"/>
+                <a:ea typeface="DejaVu Sans"/>
+              </a:rPr>
+              <a:t>e.</a:t>
+            </a:r>
+            <a:endParaRPr b="0" lang="en-US" sz="2400" spc="-1" strike="noStrike">
+              <a:latin typeface="Arial"/>
+            </a:endParaRPr>
+          </a:p>
+          <a:p>
+            <a:pPr marL="432000" indent="-322560">
+              <a:lnSpc>
+                <a:spcPct val="100000"/>
+              </a:lnSpc>
+              <a:spcBef>
+                <a:spcPts val="1057"/>
+              </a:spcBef>
+              <a:buClr>
+                <a:srgbClr val="000000"/>
+              </a:buClr>
+              <a:buSzPct val="45000"/>
+              <a:buFont typeface="Wingdings" charset="2"/>
+              <a:buChar char=""/>
+            </a:pPr>
+            <a:r>
+              <a:rPr b="0" lang="en-US" sz="2400" spc="-1" strike="noStrike">
+                <a:solidFill>
+                  <a:srgbClr val="808080"/>
+                </a:solidFill>
+                <a:latin typeface="Arial"/>
+                <a:ea typeface="DejaVu Sans"/>
+              </a:rPr>
+              <a:t>Ex</a:t>
+            </a:r>
+            <a:r>
+              <a:rPr b="0" lang="en-US" sz="2400" spc="-1" strike="noStrike">
+                <a:solidFill>
+                  <a:srgbClr val="808080"/>
+                </a:solidFill>
+                <a:latin typeface="Arial"/>
+                <a:ea typeface="DejaVu Sans"/>
+              </a:rPr>
+              <a:t>pe</a:t>
+            </a:r>
+            <a:r>
+              <a:rPr b="0" lang="en-US" sz="2400" spc="-1" strike="noStrike">
+                <a:solidFill>
+                  <a:srgbClr val="808080"/>
+                </a:solidFill>
+                <a:latin typeface="Arial"/>
+                <a:ea typeface="DejaVu Sans"/>
+              </a:rPr>
+              <a:t>nd </a:t>
+            </a:r>
+            <a:r>
+              <a:rPr b="0" lang="en-US" sz="2400" spc="-1" strike="noStrike">
+                <a:solidFill>
+                  <a:srgbClr val="808080"/>
+                </a:solidFill>
+                <a:latin typeface="Arial"/>
+                <a:ea typeface="DejaVu Sans"/>
+              </a:rPr>
+              <a:t>oth</a:t>
+            </a:r>
+            <a:r>
+              <a:rPr b="0" lang="en-US" sz="2400" spc="-1" strike="noStrike">
+                <a:solidFill>
+                  <a:srgbClr val="808080"/>
+                </a:solidFill>
+                <a:latin typeface="Arial"/>
+                <a:ea typeface="DejaVu Sans"/>
+              </a:rPr>
+              <a:t>er </a:t>
+            </a:r>
+            <a:r>
+              <a:rPr b="0" lang="en-US" sz="2400" spc="-1" strike="noStrike">
+                <a:solidFill>
+                  <a:srgbClr val="808080"/>
+                </a:solidFill>
+                <a:latin typeface="Arial"/>
+                <a:ea typeface="DejaVu Sans"/>
+              </a:rPr>
+              <a:t>pla</a:t>
+            </a:r>
+            <a:r>
+              <a:rPr b="0" lang="en-US" sz="2400" spc="-1" strike="noStrike">
+                <a:solidFill>
+                  <a:srgbClr val="808080"/>
+                </a:solidFill>
+                <a:latin typeface="Arial"/>
+                <a:ea typeface="DejaVu Sans"/>
+              </a:rPr>
+              <a:t>tfor</a:t>
+            </a:r>
+            <a:r>
+              <a:rPr b="0" lang="en-US" sz="2400" spc="-1" strike="noStrike">
+                <a:solidFill>
+                  <a:srgbClr val="808080"/>
+                </a:solidFill>
+                <a:latin typeface="Arial"/>
+                <a:ea typeface="DejaVu Sans"/>
+              </a:rPr>
+              <a:t>m;i</a:t>
+            </a:r>
+            <a:r>
+              <a:rPr b="0" lang="en-US" sz="2400" spc="-1" strike="noStrike">
+                <a:solidFill>
+                  <a:srgbClr val="808080"/>
+                </a:solidFill>
+                <a:latin typeface="Arial"/>
+                <a:ea typeface="DejaVu Sans"/>
+              </a:rPr>
+              <a:t>os </a:t>
+            </a:r>
+            <a:r>
+              <a:rPr b="0" lang="en-US" sz="2400" spc="-1" strike="noStrike">
+                <a:solidFill>
+                  <a:srgbClr val="808080"/>
+                </a:solidFill>
+                <a:latin typeface="Arial"/>
+                <a:ea typeface="DejaVu Sans"/>
+              </a:rPr>
+              <a:t>an</a:t>
+            </a:r>
+            <a:r>
+              <a:rPr b="0" lang="en-US" sz="2400" spc="-1" strike="noStrike">
+                <a:solidFill>
+                  <a:srgbClr val="808080"/>
+                </a:solidFill>
+                <a:latin typeface="Arial"/>
+                <a:ea typeface="DejaVu Sans"/>
+              </a:rPr>
+              <a:t>d </a:t>
+            </a:r>
+            <a:r>
+              <a:rPr b="0" lang="en-US" sz="2400" spc="-1" strike="noStrike">
+                <a:solidFill>
+                  <a:srgbClr val="808080"/>
+                </a:solidFill>
+                <a:latin typeface="Arial"/>
+                <a:ea typeface="DejaVu Sans"/>
+              </a:rPr>
+              <a:t>win</a:t>
+            </a:r>
+            <a:r>
+              <a:rPr b="0" lang="en-US" sz="2400" spc="-1" strike="noStrike">
+                <a:solidFill>
+                  <a:srgbClr val="808080"/>
+                </a:solidFill>
+                <a:latin typeface="Arial"/>
+                <a:ea typeface="DejaVu Sans"/>
+              </a:rPr>
+              <a:t>do</a:t>
+            </a:r>
+            <a:r>
+              <a:rPr b="0" lang="en-US" sz="2400" spc="-1" strike="noStrike">
+                <a:solidFill>
+                  <a:srgbClr val="808080"/>
+                </a:solidFill>
+                <a:latin typeface="Arial"/>
+                <a:ea typeface="DejaVu Sans"/>
+              </a:rPr>
+              <a:t>ws.</a:t>
+            </a:r>
+            <a:endParaRPr b="0" lang="en-US" sz="2400" spc="-1" strike="noStrike">
+              <a:latin typeface="Arial"/>
+            </a:endParaRPr>
+          </a:p>
+          <a:p>
+            <a:pPr marL="432000" indent="-322560">
+              <a:lnSpc>
+                <a:spcPct val="100000"/>
+              </a:lnSpc>
+              <a:spcBef>
+                <a:spcPts val="1057"/>
+              </a:spcBef>
+              <a:buClr>
+                <a:srgbClr val="000000"/>
+              </a:buClr>
+              <a:buSzPct val="45000"/>
+              <a:buFont typeface="Wingdings" charset="2"/>
+              <a:buChar char=""/>
+            </a:pPr>
+            <a:r>
+              <a:rPr b="0" lang="en-US" sz="2400" spc="-1" strike="noStrike">
+                <a:solidFill>
+                  <a:srgbClr val="808080"/>
+                </a:solidFill>
+                <a:latin typeface="Arial"/>
+                <a:ea typeface="DejaVu Sans"/>
+              </a:rPr>
+              <a:t>Ca</a:t>
+            </a:r>
+            <a:r>
+              <a:rPr b="0" lang="en-US" sz="2400" spc="-1" strike="noStrike">
+                <a:solidFill>
+                  <a:srgbClr val="808080"/>
+                </a:solidFill>
+                <a:latin typeface="Arial"/>
+                <a:ea typeface="DejaVu Sans"/>
+              </a:rPr>
+              <a:t>n </a:t>
+            </a:r>
+            <a:r>
+              <a:rPr b="0" lang="en-US" sz="2400" spc="-1" strike="noStrike">
+                <a:solidFill>
+                  <a:srgbClr val="808080"/>
+                </a:solidFill>
+                <a:latin typeface="Arial"/>
+                <a:ea typeface="DejaVu Sans"/>
+              </a:rPr>
+              <a:t>ad</a:t>
+            </a:r>
+            <a:r>
+              <a:rPr b="0" lang="en-US" sz="2400" spc="-1" strike="noStrike">
+                <a:solidFill>
+                  <a:srgbClr val="808080"/>
+                </a:solidFill>
+                <a:latin typeface="Arial"/>
+                <a:ea typeface="DejaVu Sans"/>
+              </a:rPr>
+              <a:t>d </a:t>
+            </a:r>
+            <a:r>
+              <a:rPr b="0" lang="en-US" sz="2400" spc="-1" strike="noStrike">
+                <a:solidFill>
+                  <a:srgbClr val="808080"/>
+                </a:solidFill>
+                <a:latin typeface="Arial"/>
+                <a:ea typeface="DejaVu Sans"/>
+              </a:rPr>
+              <a:t>oth</a:t>
+            </a:r>
+            <a:r>
+              <a:rPr b="0" lang="en-US" sz="2400" spc="-1" strike="noStrike">
+                <a:solidFill>
+                  <a:srgbClr val="808080"/>
+                </a:solidFill>
+                <a:latin typeface="Arial"/>
+                <a:ea typeface="DejaVu Sans"/>
+              </a:rPr>
+              <a:t>er </a:t>
+            </a:r>
+            <a:r>
+              <a:rPr b="0" lang="en-US" sz="2400" spc="-1" strike="noStrike">
+                <a:solidFill>
+                  <a:srgbClr val="808080"/>
+                </a:solidFill>
+                <a:latin typeface="Arial"/>
+                <a:ea typeface="DejaVu Sans"/>
+              </a:rPr>
+              <a:t>fea</a:t>
+            </a:r>
+            <a:r>
+              <a:rPr b="0" lang="en-US" sz="2400" spc="-1" strike="noStrike">
+                <a:solidFill>
+                  <a:srgbClr val="808080"/>
+                </a:solidFill>
+                <a:latin typeface="Arial"/>
+                <a:ea typeface="DejaVu Sans"/>
+              </a:rPr>
+              <a:t>tur</a:t>
+            </a:r>
+            <a:r>
+              <a:rPr b="0" lang="en-US" sz="2400" spc="-1" strike="noStrike">
+                <a:solidFill>
+                  <a:srgbClr val="808080"/>
+                </a:solidFill>
+                <a:latin typeface="Arial"/>
+                <a:ea typeface="DejaVu Sans"/>
+              </a:rPr>
+              <a:t>es </a:t>
+            </a:r>
+            <a:r>
+              <a:rPr b="0" lang="en-US" sz="2400" spc="-1" strike="noStrike">
+                <a:solidFill>
+                  <a:srgbClr val="808080"/>
+                </a:solidFill>
+                <a:latin typeface="Arial"/>
+                <a:ea typeface="DejaVu Sans"/>
+              </a:rPr>
+              <a:t>– E </a:t>
+            </a:r>
+            <a:r>
+              <a:rPr b="0" lang="en-US" sz="2400" spc="-1" strike="noStrike">
+                <a:solidFill>
+                  <a:srgbClr val="808080"/>
+                </a:solidFill>
+                <a:latin typeface="Arial"/>
+                <a:ea typeface="DejaVu Sans"/>
+              </a:rPr>
+              <a:t>libr</a:t>
+            </a:r>
+            <a:r>
+              <a:rPr b="0" lang="en-US" sz="2400" spc="-1" strike="noStrike">
+                <a:solidFill>
+                  <a:srgbClr val="808080"/>
+                </a:solidFill>
+                <a:latin typeface="Arial"/>
+                <a:ea typeface="DejaVu Sans"/>
+              </a:rPr>
+              <a:t>ary </a:t>
+            </a:r>
+            <a:r>
+              <a:rPr b="0" lang="en-US" sz="2400" spc="-1" strike="noStrike">
+                <a:solidFill>
+                  <a:srgbClr val="808080"/>
+                </a:solidFill>
+                <a:latin typeface="Arial"/>
+                <a:ea typeface="DejaVu Sans"/>
+              </a:rPr>
+              <a:t>sys</a:t>
+            </a:r>
+            <a:r>
+              <a:rPr b="0" lang="en-US" sz="2400" spc="-1" strike="noStrike">
+                <a:solidFill>
+                  <a:srgbClr val="808080"/>
+                </a:solidFill>
+                <a:latin typeface="Arial"/>
+                <a:ea typeface="DejaVu Sans"/>
+              </a:rPr>
+              <a:t>te</a:t>
+            </a:r>
+            <a:r>
+              <a:rPr b="0" lang="en-US" sz="2400" spc="-1" strike="noStrike">
+                <a:solidFill>
+                  <a:srgbClr val="808080"/>
+                </a:solidFill>
+                <a:latin typeface="Arial"/>
+                <a:ea typeface="DejaVu Sans"/>
+              </a:rPr>
+              <a:t>m,</a:t>
+            </a:r>
+            <a:r>
+              <a:rPr b="0" lang="en-US" sz="2400" spc="-1" strike="noStrike">
+                <a:solidFill>
+                  <a:srgbClr val="808080"/>
+                </a:solidFill>
+                <a:latin typeface="Arial"/>
+                <a:ea typeface="DejaVu Sans"/>
+              </a:rPr>
+              <a:t>Ca</a:t>
+            </a:r>
+            <a:r>
+              <a:rPr b="0" lang="en-US" sz="2400" spc="-1" strike="noStrike">
+                <a:solidFill>
+                  <a:srgbClr val="808080"/>
+                </a:solidFill>
+                <a:latin typeface="Arial"/>
+                <a:ea typeface="DejaVu Sans"/>
+              </a:rPr>
+              <a:t>nte</a:t>
+            </a:r>
+            <a:r>
+              <a:rPr b="0" lang="en-US" sz="2400" spc="-1" strike="noStrike">
+                <a:solidFill>
+                  <a:srgbClr val="808080"/>
+                </a:solidFill>
+                <a:latin typeface="Arial"/>
+                <a:ea typeface="DejaVu Sans"/>
+              </a:rPr>
+              <a:t>en </a:t>
+            </a:r>
+            <a:r>
+              <a:rPr b="0" lang="en-US" sz="2400" spc="-1" strike="noStrike">
+                <a:solidFill>
+                  <a:srgbClr val="808080"/>
+                </a:solidFill>
+                <a:latin typeface="Arial"/>
+                <a:ea typeface="DejaVu Sans"/>
+              </a:rPr>
+              <a:t>Or</a:t>
+            </a:r>
+            <a:r>
+              <a:rPr b="0" lang="en-US" sz="2400" spc="-1" strike="noStrike">
+                <a:solidFill>
+                  <a:srgbClr val="808080"/>
+                </a:solidFill>
+                <a:latin typeface="Arial"/>
+                <a:ea typeface="DejaVu Sans"/>
+              </a:rPr>
+              <a:t>der</a:t>
+            </a:r>
+            <a:r>
+              <a:rPr b="0" lang="en-US" sz="2400" spc="-1" strike="noStrike">
+                <a:solidFill>
+                  <a:srgbClr val="808080"/>
+                </a:solidFill>
+                <a:latin typeface="Arial"/>
+                <a:ea typeface="DejaVu Sans"/>
+              </a:rPr>
+              <a:t>ing </a:t>
+            </a:r>
+            <a:r>
+              <a:rPr b="0" lang="en-US" sz="2400" spc="-1" strike="noStrike">
+                <a:solidFill>
+                  <a:srgbClr val="808080"/>
+                </a:solidFill>
+                <a:latin typeface="Arial"/>
+                <a:ea typeface="DejaVu Sans"/>
+              </a:rPr>
+              <a:t>sys</a:t>
+            </a:r>
+            <a:r>
+              <a:rPr b="0" lang="en-US" sz="2400" spc="-1" strike="noStrike">
+                <a:solidFill>
+                  <a:srgbClr val="808080"/>
+                </a:solidFill>
+                <a:latin typeface="Arial"/>
+                <a:ea typeface="DejaVu Sans"/>
+              </a:rPr>
+              <a:t>te</a:t>
+            </a:r>
+            <a:r>
+              <a:rPr b="0" lang="en-US" sz="2400" spc="-1" strike="noStrike">
+                <a:solidFill>
+                  <a:srgbClr val="808080"/>
+                </a:solidFill>
+                <a:latin typeface="Arial"/>
+                <a:ea typeface="DejaVu Sans"/>
+              </a:rPr>
+              <a:t>m,</a:t>
+            </a:r>
+            <a:r>
+              <a:rPr b="0" lang="en-US" sz="2400" spc="-1" strike="noStrike">
+                <a:solidFill>
+                  <a:srgbClr val="808080"/>
+                </a:solidFill>
+                <a:latin typeface="Arial"/>
+                <a:ea typeface="DejaVu Sans"/>
+              </a:rPr>
+              <a:t>det</a:t>
+            </a:r>
+            <a:r>
+              <a:rPr b="0" lang="en-US" sz="2400" spc="-1" strike="noStrike">
+                <a:solidFill>
+                  <a:srgbClr val="808080"/>
+                </a:solidFill>
+                <a:latin typeface="Arial"/>
+                <a:ea typeface="DejaVu Sans"/>
+              </a:rPr>
+              <a:t>ail </a:t>
+            </a:r>
+            <a:r>
+              <a:rPr b="0" lang="en-US" sz="2400" spc="-1" strike="noStrike">
+                <a:solidFill>
+                  <a:srgbClr val="808080"/>
+                </a:solidFill>
+                <a:latin typeface="Arial"/>
+                <a:ea typeface="DejaVu Sans"/>
+              </a:rPr>
+              <a:t>ab</a:t>
+            </a:r>
+            <a:r>
+              <a:rPr b="0" lang="en-US" sz="2400" spc="-1" strike="noStrike">
+                <a:solidFill>
+                  <a:srgbClr val="808080"/>
+                </a:solidFill>
+                <a:latin typeface="Arial"/>
+                <a:ea typeface="DejaVu Sans"/>
+              </a:rPr>
+              <a:t>out </a:t>
+            </a:r>
+            <a:r>
+              <a:rPr b="0" lang="en-US" sz="2400" spc="-1" strike="noStrike">
+                <a:solidFill>
+                  <a:srgbClr val="808080"/>
+                </a:solidFill>
+                <a:latin typeface="Arial"/>
+                <a:ea typeface="DejaVu Sans"/>
+              </a:rPr>
+              <a:t>Ma</a:t>
+            </a:r>
+            <a:r>
+              <a:rPr b="0" lang="en-US" sz="2400" spc="-1" strike="noStrike">
+                <a:solidFill>
+                  <a:srgbClr val="808080"/>
+                </a:solidFill>
+                <a:latin typeface="Arial"/>
+                <a:ea typeface="DejaVu Sans"/>
+              </a:rPr>
+              <a:t>jor</a:t>
+            </a:r>
+            <a:r>
+              <a:rPr b="0" lang="en-US" sz="2400" spc="-1" strike="noStrike">
+                <a:solidFill>
+                  <a:srgbClr val="808080"/>
+                </a:solidFill>
+                <a:latin typeface="Arial"/>
+                <a:ea typeface="DejaVu Sans"/>
+              </a:rPr>
+              <a:t>s,T</a:t>
+            </a:r>
+            <a:r>
+              <a:rPr b="0" lang="en-US" sz="2400" spc="-1" strike="noStrike">
+                <a:solidFill>
+                  <a:srgbClr val="808080"/>
+                </a:solidFill>
+                <a:latin typeface="Arial"/>
+                <a:ea typeface="DejaVu Sans"/>
+              </a:rPr>
+              <a:t>ec</a:t>
+            </a:r>
+            <a:r>
+              <a:rPr b="0" lang="en-US" sz="2400" spc="-1" strike="noStrike">
+                <a:solidFill>
+                  <a:srgbClr val="808080"/>
+                </a:solidFill>
+                <a:latin typeface="Arial"/>
+                <a:ea typeface="DejaVu Sans"/>
+              </a:rPr>
+              <a:t>hn</a:t>
+            </a:r>
+            <a:r>
+              <a:rPr b="0" lang="en-US" sz="2400" spc="-1" strike="noStrike">
+                <a:solidFill>
+                  <a:srgbClr val="808080"/>
+                </a:solidFill>
+                <a:latin typeface="Arial"/>
+                <a:ea typeface="DejaVu Sans"/>
+              </a:rPr>
+              <a:t>olo</a:t>
+            </a:r>
+            <a:r>
+              <a:rPr b="0" lang="en-US" sz="2400" spc="-1" strike="noStrike">
+                <a:solidFill>
+                  <a:srgbClr val="808080"/>
+                </a:solidFill>
+                <a:latin typeface="Arial"/>
+                <a:ea typeface="DejaVu Sans"/>
+              </a:rPr>
+              <a:t>gy </a:t>
+            </a:r>
+            <a:r>
+              <a:rPr b="0" lang="en-US" sz="2400" spc="-1" strike="noStrike">
+                <a:solidFill>
+                  <a:srgbClr val="808080"/>
+                </a:solidFill>
+                <a:latin typeface="Arial"/>
+                <a:ea typeface="DejaVu Sans"/>
+              </a:rPr>
+              <a:t>sh</a:t>
+            </a:r>
+            <a:r>
+              <a:rPr b="0" lang="en-US" sz="2400" spc="-1" strike="noStrike">
+                <a:solidFill>
+                  <a:srgbClr val="808080"/>
+                </a:solidFill>
+                <a:latin typeface="Arial"/>
+                <a:ea typeface="DejaVu Sans"/>
+              </a:rPr>
+              <a:t>are </a:t>
+            </a:r>
+            <a:r>
+              <a:rPr b="0" lang="en-US" sz="2400" spc="-1" strike="noStrike">
+                <a:solidFill>
+                  <a:srgbClr val="808080"/>
+                </a:solidFill>
+                <a:latin typeface="Arial"/>
+                <a:ea typeface="DejaVu Sans"/>
+              </a:rPr>
+              <a:t>an</a:t>
+            </a:r>
+            <a:r>
+              <a:rPr b="0" lang="en-US" sz="2400" spc="-1" strike="noStrike">
+                <a:solidFill>
+                  <a:srgbClr val="808080"/>
+                </a:solidFill>
+                <a:latin typeface="Arial"/>
+                <a:ea typeface="DejaVu Sans"/>
+              </a:rPr>
+              <a:t>d </a:t>
+            </a:r>
+            <a:r>
+              <a:rPr b="0" lang="en-US" sz="2400" spc="-1" strike="noStrike">
+                <a:solidFill>
+                  <a:srgbClr val="808080"/>
+                </a:solidFill>
+                <a:latin typeface="Arial"/>
+                <a:ea typeface="DejaVu Sans"/>
+              </a:rPr>
+              <a:t>ch</a:t>
+            </a:r>
+            <a:r>
+              <a:rPr b="0" lang="en-US" sz="2400" spc="-1" strike="noStrike">
+                <a:solidFill>
+                  <a:srgbClr val="808080"/>
+                </a:solidFill>
+                <a:latin typeface="Arial"/>
+                <a:ea typeface="DejaVu Sans"/>
+              </a:rPr>
+              <a:t>at </a:t>
+            </a:r>
+            <a:r>
+              <a:rPr b="0" lang="en-US" sz="2400" spc="-1" strike="noStrike">
+                <a:solidFill>
+                  <a:srgbClr val="808080"/>
+                </a:solidFill>
+                <a:latin typeface="Arial"/>
+                <a:ea typeface="DejaVu Sans"/>
+              </a:rPr>
+              <a:t>roo</a:t>
+            </a:r>
+            <a:r>
+              <a:rPr b="0" lang="en-US" sz="2400" spc="-1" strike="noStrike">
+                <a:solidFill>
+                  <a:srgbClr val="808080"/>
+                </a:solidFill>
+                <a:latin typeface="Arial"/>
+                <a:ea typeface="DejaVu Sans"/>
+              </a:rPr>
+              <a:t>m </a:t>
+            </a:r>
+            <a:r>
+              <a:rPr b="0" lang="en-US" sz="2400" spc="-1" strike="noStrike">
+                <a:solidFill>
+                  <a:srgbClr val="808080"/>
+                </a:solidFill>
+                <a:latin typeface="Arial"/>
+                <a:ea typeface="DejaVu Sans"/>
+              </a:rPr>
+              <a:t>an</a:t>
+            </a:r>
+            <a:r>
+              <a:rPr b="0" lang="en-US" sz="2400" spc="-1" strike="noStrike">
+                <a:solidFill>
+                  <a:srgbClr val="808080"/>
+                </a:solidFill>
+                <a:latin typeface="Arial"/>
+                <a:ea typeface="DejaVu Sans"/>
+              </a:rPr>
+              <a:t>d </a:t>
+            </a:r>
+            <a:r>
+              <a:rPr b="0" lang="en-US" sz="2400" spc="-1" strike="noStrike">
+                <a:solidFill>
+                  <a:srgbClr val="808080"/>
+                </a:solidFill>
+                <a:latin typeface="Arial"/>
+                <a:ea typeface="DejaVu Sans"/>
+              </a:rPr>
+              <a:t>etc</a:t>
+            </a:r>
+            <a:r>
+              <a:rPr b="0" lang="en-US" sz="2400" spc="-1" strike="noStrike">
+                <a:solidFill>
+                  <a:srgbClr val="808080"/>
+                </a:solidFill>
+                <a:latin typeface="Arial"/>
+                <a:ea typeface="DejaVu Sans"/>
+              </a:rPr>
+              <a:t>.     </a:t>
+            </a:r>
+            <a:r>
+              <a:rPr b="0" lang="en-US" sz="2400" spc="-1" strike="noStrike">
+                <a:solidFill>
+                  <a:srgbClr val="808080"/>
+                </a:solidFill>
+                <a:latin typeface="Arial"/>
+                <a:ea typeface="DejaVu Sans"/>
+              </a:rPr>
+              <a:t>      </a:t>
+            </a:r>
+            <a:r>
+              <a:rPr b="0" lang="en-US" sz="2400" spc="-1" strike="noStrike">
+                <a:solidFill>
+                  <a:srgbClr val="808080"/>
+                </a:solidFill>
+                <a:latin typeface="Arial"/>
+                <a:ea typeface="DejaVu Sans"/>
+              </a:rPr>
+              <a:t>      </a:t>
+            </a:r>
+            <a:r>
+              <a:rPr b="0" lang="en-US" sz="2400" spc="-1" strike="noStrike">
+                <a:solidFill>
+                  <a:srgbClr val="808080"/>
+                </a:solidFill>
+                <a:latin typeface="Arial"/>
+                <a:ea typeface="DejaVu Sans"/>
+              </a:rPr>
+              <a:t>      </a:t>
+            </a:r>
+            <a:endParaRPr b="0" lang="en-US" sz="2400" spc="-1" strike="noStrike">
+              <a:latin typeface="Arial"/>
+            </a:endParaRPr>
+          </a:p>
+          <a:p>
+            <a:pPr>
+              <a:lnSpc>
+                <a:spcPct val="100000"/>
+              </a:lnSpc>
+              <a:spcBef>
+                <a:spcPts val="1057"/>
+              </a:spcBef>
+            </a:pPr>
+            <a:endParaRPr b="0" lang="en-US" sz="2400" spc="-1" strike="noStrike">
+              <a:latin typeface="Arial"/>
+            </a:endParaRPr>
+          </a:p>
+          <a:p>
+            <a:pPr>
+              <a:lnSpc>
+                <a:spcPct val="100000"/>
+              </a:lnSpc>
+              <a:spcBef>
+                <a:spcPts val="1057"/>
+              </a:spcBef>
+            </a:pPr>
+            <a:r>
+              <a:rPr b="0" lang="en-US" sz="2400" spc="-1" strike="noStrike">
+                <a:solidFill>
+                  <a:srgbClr val="808080"/>
+                </a:solidFill>
+                <a:latin typeface="Arial"/>
+                <a:ea typeface="DejaVu Sans"/>
+              </a:rPr>
+              <a:t>     </a:t>
+            </a:r>
+            <a:endParaRPr b="0" lang="en-US" sz="2400" spc="-1" strike="noStrike">
+              <a:latin typeface="Arial"/>
+            </a:endParaRPr>
+          </a:p>
+        </p:txBody>
+      </p:sp>
+    </p:spTree>
+  </p:cSld>
+  <p:transition spd="med">
+    <p:wedge/>
+  </p:transition>
+  <p:timing>
+    <p:tnLst>
+      <p:par>
+        <p:cTn id="39" dur="indefinite" restart="never" nodeType="tmRoot">
+          <p:childTnLst>
+            <p:seq>
+              <p:cTn id="40" dur="indefinite" nodeType="mainSeq"/>
+              <p:prevCondLst>
+                <p:cond delay="0" evt="onPrev">
+                  <p:tgtEl>
+                    <p:sldTgt/>
+                  </p:tgtEl>
+                </p:cond>
+              </p:prevCondLst>
+              <p:nextCondLst>
+                <p:cond delay="0" evt="onNext">
+                  <p:tgtEl>
+                    <p:sldTgt/>
+                  </p:tgtEl>
+                </p:cond>
+              </p:nextCondLst>
+            </p:seq>
+          </p:childTnLst>
+        </p:cTn>
+      </p:par>
+    </p:tnLst>
+  </p:timing>
+</p:sld>
+</file>
+
+<file path=ppt/slides/slide21.xml><?xml version="1.0" encoding="utf-8"?>
+<p:sld xmlns:a="http://schemas.openxmlformats.org/drawingml/2006/main" xmlns:p="http://schemas.openxmlformats.org/presentationml/2006/main" xmlns:r="http://schemas.openxmlformats.org/officeDocument/2006/relationships" xmlns:p14="http://schemas.microsoft.com/office/powerpoint/2010/main" xmlns:p15="http://schemas.microsoft.com/office/powerpoint/2012/main" xmlns:mc="http://schemas.openxmlformats.org/markup-compatibility/2006">
+  <p:cSld>
+    <p:spTree>
+      <p:nvGrpSpPr>
+        <p:cNvPr id="1" name=""/>
+        <p:cNvGrpSpPr/>
+        <p:nvPr/>
+      </p:nvGrpSpPr>
+      <p:grpSpPr>
+        <a:xfrm>
+          <a:off x="0" y="0"/>
+          <a:ext cx="0" cy="0"/>
+          <a:chOff x="0" y="0"/>
+          <a:chExt cx="0" cy="0"/>
+        </a:xfrm>
+      </p:grpSpPr>
+      <p:sp>
+        <p:nvSpPr>
+          <p:cNvPr id="277" name="TextShape 1"/>
+          <p:cNvSpPr txBox="1"/>
+          <p:nvPr/>
+        </p:nvSpPr>
+        <p:spPr>
+          <a:xfrm>
+            <a:off x="529200" y="-73080"/>
+            <a:ext cx="9072000" cy="1261800"/>
+          </a:xfrm>
+          <a:prstGeom prst="rect">
+            <a:avLst/>
+          </a:prstGeom>
+          <a:noFill/>
+          <a:ln>
+            <a:noFill/>
+          </a:ln>
+        </p:spPr>
+        <p:txBody>
+          <a:bodyPr lIns="0" rIns="0" tIns="0" bIns="0" anchor="ctr"/>
+          <a:p>
+            <a:pPr algn="ctr"/>
+            <a:r>
+              <a:rPr b="0" lang="en-US" sz="4400" spc="-1" strike="noStrike">
+                <a:solidFill>
+                  <a:srgbClr val="666666"/>
+                </a:solidFill>
+                <a:latin typeface="Arial"/>
+              </a:rPr>
+              <a:t>Conclusion</a:t>
+            </a:r>
+            <a:endParaRPr b="0" lang="en-US" sz="4400" spc="-1" strike="noStrike">
+              <a:solidFill>
+                <a:srgbClr val="666666"/>
+              </a:solidFill>
+              <a:latin typeface="Arial"/>
+            </a:endParaRPr>
+          </a:p>
+        </p:txBody>
+      </p:sp>
+      <p:sp>
+        <p:nvSpPr>
+          <p:cNvPr id="278" name="TextShape 2"/>
+          <p:cNvSpPr txBox="1"/>
+          <p:nvPr/>
+        </p:nvSpPr>
+        <p:spPr>
+          <a:xfrm>
+            <a:off x="504000" y="1768680"/>
+            <a:ext cx="9072000" cy="4384080"/>
+          </a:xfrm>
+          <a:prstGeom prst="rect">
+            <a:avLst/>
+          </a:prstGeom>
+          <a:noFill/>
+          <a:ln>
+            <a:noFill/>
+          </a:ln>
+        </p:spPr>
+        <p:txBody>
+          <a:bodyPr lIns="0" rIns="0" tIns="0" bIns="0">
+            <a:normAutofit/>
+          </a:bodyPr>
+          <a:p>
+            <a:pPr marL="432000" indent="-324000">
+              <a:spcBef>
+                <a:spcPts val="1063"/>
+              </a:spcBef>
+              <a:buClr>
+                <a:srgbClr val="000000"/>
+              </a:buClr>
+              <a:buSzPct val="45000"/>
+              <a:buFont typeface="Wingdings" charset="2"/>
+              <a:buChar char=""/>
+            </a:pPr>
+            <a:r>
+              <a:rPr b="0" lang="en-US" sz="2400" spc="-1" strike="noStrike">
+                <a:solidFill>
+                  <a:srgbClr val="808080"/>
+                </a:solidFill>
+                <a:latin typeface="Arial"/>
+              </a:rPr>
+              <a:t>The advantages of this application are reduce waste of paper,student’s time,transportation cost.</a:t>
+            </a:r>
+            <a:endParaRPr b="0" lang="en-US" sz="2400" spc="-1" strike="noStrike">
+              <a:solidFill>
+                <a:srgbClr val="808080"/>
+              </a:solidFill>
+              <a:latin typeface="Arial"/>
+            </a:endParaRPr>
+          </a:p>
+          <a:p>
+            <a:pPr marL="432000" indent="-324000">
+              <a:spcBef>
+                <a:spcPts val="1063"/>
+              </a:spcBef>
+              <a:buClr>
+                <a:srgbClr val="000000"/>
+              </a:buClr>
+              <a:buSzPct val="45000"/>
+              <a:buFont typeface="Wingdings" charset="2"/>
+              <a:buChar char=""/>
+            </a:pPr>
+            <a:r>
+              <a:rPr b="0" lang="en-US" sz="2400" spc="-1" strike="noStrike">
+                <a:solidFill>
+                  <a:srgbClr val="808080"/>
+                </a:solidFill>
+                <a:latin typeface="Arial"/>
+              </a:rPr>
+              <a:t>Disadvantages of this application is hacker can be collect student personal data if system is not secure.</a:t>
+            </a:r>
+            <a:endParaRPr b="0" lang="en-US" sz="2400" spc="-1" strike="noStrike">
+              <a:solidFill>
+                <a:srgbClr val="808080"/>
+              </a:solidFill>
+              <a:latin typeface="Arial"/>
+            </a:endParaRPr>
+          </a:p>
+        </p:txBody>
+      </p:sp>
+    </p:spTree>
+  </p:cSld>
+  <p:transition spd="med">
+    <p:wedge/>
+  </p:transition>
+  <p:timing>
+    <p:tnLst>
+      <p:par>
+        <p:cTn id="41" dur="indefinite" restart="never" nodeType="tmRoot">
+          <p:childTnLst>
+            <p:seq>
+              <p:cTn id="42" dur="indefinite" nodeType="mainSeq"/>
+              <p:prevCondLst>
+                <p:cond delay="0" evt="onPrev">
+                  <p:tgtEl>
+                    <p:sldTgt/>
+                  </p:tgtEl>
+                </p:cond>
+              </p:prevCondLst>
+              <p:nextCondLst>
+                <p:cond delay="0" evt="onNext">
+                  <p:tgtEl>
+                    <p:sldTgt/>
+                  </p:tgtEl>
+                </p:cond>
+              </p:nextCondLst>
+            </p:seq>
+          </p:childTnLst>
+        </p:cTn>
+      </p:par>
+    </p:tnLst>
+  </p:timing>
+</p:sld>
+</file>
+
+<file path=ppt/slides/slide22.xml><?xml version="1.0" encoding="utf-8"?>
+<p:sld xmlns:a="http://schemas.openxmlformats.org/drawingml/2006/main" xmlns:p="http://schemas.openxmlformats.org/presentationml/2006/main" xmlns:r="http://schemas.openxmlformats.org/officeDocument/2006/relationships" xmlns:p14="http://schemas.microsoft.com/office/powerpoint/2010/main" xmlns:p15="http://schemas.microsoft.com/office/powerpoint/2012/main" xmlns:mc="http://schemas.openxmlformats.org/markup-compatibility/2006">
+  <p:cSld>
+    <p:spTree>
+      <p:nvGrpSpPr>
+        <p:cNvPr id="1" name=""/>
+        <p:cNvGrpSpPr/>
+        <p:nvPr/>
+      </p:nvGrpSpPr>
+      <p:grpSpPr>
+        <a:xfrm>
+          <a:off x="0" y="0"/>
+          <a:ext cx="0" cy="0"/>
+          <a:chOff x="0" y="0"/>
+          <a:chExt cx="0" cy="0"/>
+        </a:xfrm>
+      </p:grpSpPr>
+      <p:sp>
+        <p:nvSpPr>
+          <p:cNvPr id="279" name="CustomShape 1"/>
+          <p:cNvSpPr/>
+          <p:nvPr/>
+        </p:nvSpPr>
+        <p:spPr>
+          <a:xfrm>
+            <a:off x="504000" y="301320"/>
+            <a:ext cx="9069480" cy="635400"/>
+          </a:xfrm>
+          <a:prstGeom prst="rect">
+            <a:avLst/>
+          </a:prstGeom>
+          <a:noFill/>
+          <a:ln>
+            <a:noFill/>
+          </a:ln>
+        </p:spPr>
+        <p:style>
+          <a:lnRef idx="0"/>
+          <a:fillRef idx="0"/>
+          <a:effectRef idx="0"/>
+          <a:fontRef idx="minor"/>
+        </p:style>
+        <p:txBody>
+          <a:bodyPr lIns="0" rIns="0" tIns="0" bIns="0" anchor="ctr"/>
+          <a:p>
+            <a:pPr algn="ctr">
+              <a:lnSpc>
+                <a:spcPct val="100000"/>
+              </a:lnSpc>
+            </a:pPr>
+            <a:r>
+              <a:rPr b="0" lang="en-US" sz="4400" spc="-1" strike="noStrike">
+                <a:solidFill>
+                  <a:srgbClr val="666666"/>
+                </a:solidFill>
+                <a:latin typeface="Arial"/>
+                <a:ea typeface="DejaVu Sans"/>
+              </a:rPr>
+              <a:t>Sh</a:t>
+            </a:r>
+            <a:r>
+              <a:rPr b="0" lang="en-US" sz="4400" spc="-1" strike="noStrike">
+                <a:solidFill>
+                  <a:srgbClr val="666666"/>
+                </a:solidFill>
+                <a:latin typeface="Arial"/>
+                <a:ea typeface="DejaVu Sans"/>
+              </a:rPr>
+              <a:t>ari</a:t>
+            </a:r>
+            <a:r>
+              <a:rPr b="0" lang="en-US" sz="4400" spc="-1" strike="noStrike">
+                <a:solidFill>
+                  <a:srgbClr val="666666"/>
+                </a:solidFill>
+                <a:latin typeface="Arial"/>
+                <a:ea typeface="DejaVu Sans"/>
+              </a:rPr>
+              <a:t>ng</a:t>
+            </a:r>
+            <a:endParaRPr b="0" lang="en-US" sz="4400" spc="-1" strike="noStrike">
+              <a:latin typeface="Arial"/>
+            </a:endParaRPr>
+          </a:p>
+        </p:txBody>
+      </p:sp>
+      <p:sp>
+        <p:nvSpPr>
+          <p:cNvPr id="280" name="CustomShape 2"/>
+          <p:cNvSpPr/>
+          <p:nvPr/>
+        </p:nvSpPr>
+        <p:spPr>
+          <a:xfrm>
+            <a:off x="504000" y="1769040"/>
+            <a:ext cx="9069480" cy="4382280"/>
+          </a:xfrm>
+          <a:prstGeom prst="rect">
+            <a:avLst/>
+          </a:prstGeom>
+          <a:noFill/>
+          <a:ln>
+            <a:noFill/>
+          </a:ln>
+        </p:spPr>
+        <p:style>
+          <a:lnRef idx="0"/>
+          <a:fillRef idx="0"/>
+          <a:effectRef idx="0"/>
+          <a:fontRef idx="minor"/>
+        </p:style>
+        <p:txBody>
+          <a:bodyPr lIns="0" rIns="0" tIns="0" bIns="0">
+            <a:normAutofit/>
+          </a:bodyPr>
+          <a:p>
+            <a:pPr marL="432000" indent="-322560">
+              <a:lnSpc>
+                <a:spcPct val="100000"/>
+              </a:lnSpc>
+              <a:spcBef>
+                <a:spcPts val="1057"/>
+              </a:spcBef>
+              <a:buClr>
+                <a:srgbClr val="000000"/>
+              </a:buClr>
+              <a:buSzPct val="45000"/>
+              <a:buFont typeface="Wingdings" charset="2"/>
+              <a:buChar char=""/>
+            </a:pPr>
+            <a:r>
+              <a:rPr b="0" lang="en-US" sz="2400" spc="-1" strike="noStrike">
+                <a:solidFill>
+                  <a:srgbClr val="808080"/>
+                </a:solidFill>
+                <a:latin typeface="Arial"/>
+                <a:ea typeface="DejaVu Sans"/>
+              </a:rPr>
+              <a:t>So</a:t>
+            </a:r>
+            <a:r>
+              <a:rPr b="0" lang="en-US" sz="2400" spc="-1" strike="noStrike">
+                <a:solidFill>
+                  <a:srgbClr val="808080"/>
+                </a:solidFill>
+                <a:latin typeface="Arial"/>
+                <a:ea typeface="DejaVu Sans"/>
+              </a:rPr>
+              <a:t>urc</a:t>
+            </a:r>
+            <a:r>
+              <a:rPr b="0" lang="en-US" sz="2400" spc="-1" strike="noStrike">
+                <a:solidFill>
+                  <a:srgbClr val="808080"/>
+                </a:solidFill>
+                <a:latin typeface="Arial"/>
+                <a:ea typeface="DejaVu Sans"/>
+              </a:rPr>
+              <a:t>e-</a:t>
+            </a:r>
+            <a:r>
+              <a:rPr b="0" lang="en-US" sz="2400" spc="-1" strike="noStrike">
+                <a:solidFill>
+                  <a:srgbClr val="808080"/>
+                </a:solidFill>
+                <a:latin typeface="Arial"/>
+                <a:ea typeface="DejaVu Sans"/>
+              </a:rPr>
+              <a:t>(htt</a:t>
+            </a:r>
+            <a:r>
+              <a:rPr b="0" lang="en-US" sz="2400" spc="-1" strike="noStrike">
+                <a:solidFill>
+                  <a:srgbClr val="808080"/>
+                </a:solidFill>
+                <a:latin typeface="Arial"/>
+                <a:ea typeface="DejaVu Sans"/>
+              </a:rPr>
+              <a:t>ps:</a:t>
+            </a:r>
+            <a:r>
+              <a:rPr b="0" lang="en-US" sz="2400" spc="-1" strike="noStrike">
+                <a:solidFill>
+                  <a:srgbClr val="808080"/>
+                </a:solidFill>
+                <a:latin typeface="Arial"/>
+                <a:ea typeface="DejaVu Sans"/>
+              </a:rPr>
+              <a:t>//</a:t>
+            </a:r>
+            <a:r>
+              <a:rPr b="0" lang="en-US" sz="2400" spc="-1" strike="noStrike">
+                <a:solidFill>
+                  <a:srgbClr val="808080"/>
+                </a:solidFill>
+                <a:latin typeface="Arial"/>
+                <a:ea typeface="DejaVu Sans"/>
+              </a:rPr>
+              <a:t>git</a:t>
+            </a:r>
+            <a:r>
+              <a:rPr b="0" lang="en-US" sz="2400" spc="-1" strike="noStrike">
+                <a:solidFill>
+                  <a:srgbClr val="808080"/>
+                </a:solidFill>
+                <a:latin typeface="Arial"/>
+                <a:ea typeface="DejaVu Sans"/>
+              </a:rPr>
+              <a:t>hu</a:t>
+            </a:r>
+            <a:r>
+              <a:rPr b="0" lang="en-US" sz="2400" spc="-1" strike="noStrike">
+                <a:solidFill>
+                  <a:srgbClr val="808080"/>
+                </a:solidFill>
+                <a:latin typeface="Arial"/>
+                <a:ea typeface="DejaVu Sans"/>
+              </a:rPr>
+              <a:t>b.c</a:t>
+            </a:r>
+            <a:r>
+              <a:rPr b="0" lang="en-US" sz="2400" spc="-1" strike="noStrike">
+                <a:solidFill>
+                  <a:srgbClr val="808080"/>
+                </a:solidFill>
+                <a:latin typeface="Arial"/>
+                <a:ea typeface="DejaVu Sans"/>
+              </a:rPr>
+              <a:t>om</a:t>
+            </a:r>
+            <a:r>
+              <a:rPr b="0" lang="en-US" sz="2400" spc="-1" strike="noStrike">
+                <a:solidFill>
+                  <a:srgbClr val="808080"/>
+                </a:solidFill>
+                <a:latin typeface="Arial"/>
+                <a:ea typeface="DejaVu Sans"/>
+              </a:rPr>
+              <a:t>/</a:t>
+            </a:r>
+            <a:r>
+              <a:rPr b="0" lang="en-US" sz="2400" spc="-1" strike="noStrike">
+                <a:solidFill>
+                  <a:srgbClr val="808080"/>
+                </a:solidFill>
+                <a:latin typeface="Arial"/>
+                <a:ea typeface="DejaVu Sans"/>
+              </a:rPr>
+              <a:t>Ya</a:t>
+            </a:r>
+            <a:r>
+              <a:rPr b="0" lang="en-US" sz="2400" spc="-1" strike="noStrike">
+                <a:solidFill>
+                  <a:srgbClr val="808080"/>
+                </a:solidFill>
+                <a:latin typeface="Arial"/>
+                <a:ea typeface="DejaVu Sans"/>
+              </a:rPr>
+              <a:t>mi</a:t>
+            </a:r>
+            <a:r>
+              <a:rPr b="0" lang="en-US" sz="2400" spc="-1" strike="noStrike">
+                <a:solidFill>
+                  <a:srgbClr val="808080"/>
+                </a:solidFill>
+                <a:latin typeface="Arial"/>
+                <a:ea typeface="DejaVu Sans"/>
+              </a:rPr>
+              <a:t>nT</a:t>
+            </a:r>
+            <a:r>
+              <a:rPr b="0" lang="en-US" sz="2400" spc="-1" strike="noStrike">
+                <a:solidFill>
+                  <a:srgbClr val="808080"/>
+                </a:solidFill>
+                <a:latin typeface="Arial"/>
+                <a:ea typeface="DejaVu Sans"/>
+              </a:rPr>
+              <a:t>hw</a:t>
+            </a:r>
+            <a:r>
+              <a:rPr b="0" lang="en-US" sz="2400" spc="-1" strike="noStrike">
+                <a:solidFill>
+                  <a:srgbClr val="808080"/>
+                </a:solidFill>
+                <a:latin typeface="Arial"/>
+                <a:ea typeface="DejaVu Sans"/>
+              </a:rPr>
+              <a:t>e/</a:t>
+            </a:r>
+            <a:r>
+              <a:rPr b="0" lang="en-US" sz="2400" spc="-1" strike="noStrike">
+                <a:solidFill>
+                  <a:srgbClr val="808080"/>
+                </a:solidFill>
+                <a:latin typeface="Arial"/>
+                <a:ea typeface="DejaVu Sans"/>
+              </a:rPr>
+              <a:t>Uni</a:t>
+            </a:r>
+            <a:r>
+              <a:rPr b="0" lang="en-US" sz="2400" spc="-1" strike="noStrike">
+                <a:solidFill>
+                  <a:srgbClr val="808080"/>
+                </a:solidFill>
+                <a:latin typeface="Arial"/>
+                <a:ea typeface="DejaVu Sans"/>
+              </a:rPr>
+              <a:t>ver</a:t>
+            </a:r>
+            <a:r>
+              <a:rPr b="0" lang="en-US" sz="2400" spc="-1" strike="noStrike">
+                <a:solidFill>
+                  <a:srgbClr val="808080"/>
+                </a:solidFill>
+                <a:latin typeface="Arial"/>
+                <a:ea typeface="DejaVu Sans"/>
+              </a:rPr>
+              <a:t>sity</a:t>
+            </a:r>
+            <a:r>
+              <a:rPr b="0" lang="en-US" sz="2400" spc="-1" strike="noStrike">
+                <a:solidFill>
+                  <a:srgbClr val="808080"/>
+                </a:solidFill>
+                <a:latin typeface="Arial"/>
+                <a:ea typeface="DejaVu Sans"/>
+              </a:rPr>
+              <a:t>_St</a:t>
+            </a:r>
+            <a:r>
+              <a:rPr b="0" lang="en-US" sz="2400" spc="-1" strike="noStrike">
+                <a:solidFill>
+                  <a:srgbClr val="808080"/>
+                </a:solidFill>
+                <a:latin typeface="Arial"/>
+                <a:ea typeface="DejaVu Sans"/>
+              </a:rPr>
+              <a:t>ud</a:t>
+            </a:r>
+            <a:r>
+              <a:rPr b="0" lang="en-US" sz="2400" spc="-1" strike="noStrike">
+                <a:solidFill>
+                  <a:srgbClr val="808080"/>
+                </a:solidFill>
+                <a:latin typeface="Arial"/>
+                <a:ea typeface="DejaVu Sans"/>
+              </a:rPr>
+              <a:t>ent</a:t>
+            </a:r>
+            <a:r>
+              <a:rPr b="0" lang="en-US" sz="2400" spc="-1" strike="noStrike">
+                <a:solidFill>
+                  <a:srgbClr val="808080"/>
+                </a:solidFill>
+                <a:latin typeface="Arial"/>
+                <a:ea typeface="DejaVu Sans"/>
+              </a:rPr>
+              <a:t>_R</a:t>
+            </a:r>
+            <a:r>
+              <a:rPr b="0" lang="en-US" sz="2400" spc="-1" strike="noStrike">
+                <a:solidFill>
+                  <a:srgbClr val="808080"/>
+                </a:solidFill>
+                <a:latin typeface="Arial"/>
+                <a:ea typeface="DejaVu Sans"/>
+              </a:rPr>
+              <a:t>egi</a:t>
+            </a:r>
+            <a:r>
+              <a:rPr b="0" lang="en-US" sz="2400" spc="-1" strike="noStrike">
+                <a:solidFill>
+                  <a:srgbClr val="808080"/>
+                </a:solidFill>
+                <a:latin typeface="Arial"/>
+                <a:ea typeface="DejaVu Sans"/>
+              </a:rPr>
+              <a:t>str</a:t>
+            </a:r>
+            <a:r>
+              <a:rPr b="0" lang="en-US" sz="2400" spc="-1" strike="noStrike">
+                <a:solidFill>
+                  <a:srgbClr val="808080"/>
+                </a:solidFill>
+                <a:latin typeface="Arial"/>
+                <a:ea typeface="DejaVu Sans"/>
+              </a:rPr>
+              <a:t>ati</a:t>
+            </a:r>
+            <a:r>
+              <a:rPr b="0" lang="en-US" sz="2400" spc="-1" strike="noStrike">
+                <a:solidFill>
+                  <a:srgbClr val="808080"/>
+                </a:solidFill>
+                <a:latin typeface="Arial"/>
+                <a:ea typeface="DejaVu Sans"/>
+              </a:rPr>
+              <a:t>on</a:t>
+            </a:r>
+            <a:r>
+              <a:rPr b="0" lang="en-US" sz="2400" spc="-1" strike="noStrike">
+                <a:solidFill>
+                  <a:srgbClr val="808080"/>
+                </a:solidFill>
+                <a:latin typeface="Arial"/>
+                <a:ea typeface="DejaVu Sans"/>
+              </a:rPr>
+              <a:t>_S</a:t>
+            </a:r>
+            <a:r>
+              <a:rPr b="0" lang="en-US" sz="2400" spc="-1" strike="noStrike">
+                <a:solidFill>
+                  <a:srgbClr val="808080"/>
+                </a:solidFill>
+                <a:latin typeface="Arial"/>
+                <a:ea typeface="DejaVu Sans"/>
+              </a:rPr>
+              <a:t>yst</a:t>
+            </a:r>
+            <a:r>
+              <a:rPr b="0" lang="en-US" sz="2400" spc="-1" strike="noStrike">
+                <a:solidFill>
+                  <a:srgbClr val="808080"/>
+                </a:solidFill>
+                <a:latin typeface="Arial"/>
+                <a:ea typeface="DejaVu Sans"/>
+              </a:rPr>
+              <a:t>em</a:t>
+            </a:r>
+            <a:r>
+              <a:rPr b="0" lang="en-US" sz="2400" spc="-1" strike="noStrike">
+                <a:solidFill>
+                  <a:srgbClr val="808080"/>
+                </a:solidFill>
+                <a:latin typeface="Arial"/>
+                <a:ea typeface="DejaVu Sans"/>
+              </a:rPr>
+              <a:t>_A</a:t>
+            </a:r>
+            <a:r>
+              <a:rPr b="0" lang="en-US" sz="2400" spc="-1" strike="noStrike">
+                <a:solidFill>
+                  <a:srgbClr val="808080"/>
+                </a:solidFill>
+                <a:latin typeface="Arial"/>
+                <a:ea typeface="DejaVu Sans"/>
+              </a:rPr>
+              <a:t>dm</a:t>
+            </a:r>
+            <a:r>
+              <a:rPr b="0" lang="en-US" sz="2400" spc="-1" strike="noStrike">
+                <a:solidFill>
+                  <a:srgbClr val="808080"/>
+                </a:solidFill>
+                <a:latin typeface="Arial"/>
+                <a:ea typeface="DejaVu Sans"/>
+              </a:rPr>
+              <a:t>in?</a:t>
+            </a:r>
+            <a:r>
+              <a:rPr b="0" lang="en-US" sz="2400" spc="-1" strike="noStrike">
+                <a:solidFill>
+                  <a:srgbClr val="808080"/>
+                </a:solidFill>
+                <a:latin typeface="Arial"/>
+                <a:ea typeface="DejaVu Sans"/>
+              </a:rPr>
+              <a:t>fbc</a:t>
+            </a:r>
+            <a:r>
+              <a:rPr b="0" lang="en-US" sz="2400" spc="-1" strike="noStrike">
+                <a:solidFill>
+                  <a:srgbClr val="808080"/>
+                </a:solidFill>
+                <a:latin typeface="Arial"/>
+                <a:ea typeface="DejaVu Sans"/>
+              </a:rPr>
+              <a:t>lid</a:t>
+            </a:r>
+            <a:r>
+              <a:rPr b="0" lang="en-US" sz="2400" spc="-1" strike="noStrike">
+                <a:solidFill>
+                  <a:srgbClr val="808080"/>
+                </a:solidFill>
+                <a:latin typeface="Arial"/>
+                <a:ea typeface="DejaVu Sans"/>
+              </a:rPr>
+              <a:t>=I</a:t>
+            </a:r>
+            <a:r>
+              <a:rPr b="0" lang="en-US" sz="2400" spc="-1" strike="noStrike">
+                <a:solidFill>
+                  <a:srgbClr val="808080"/>
+                </a:solidFill>
+                <a:latin typeface="Arial"/>
+                <a:ea typeface="DejaVu Sans"/>
+              </a:rPr>
+              <a:t>wA</a:t>
+            </a:r>
+            <a:r>
+              <a:rPr b="0" lang="en-US" sz="2400" spc="-1" strike="noStrike">
+                <a:solidFill>
+                  <a:srgbClr val="808080"/>
+                </a:solidFill>
+                <a:latin typeface="Arial"/>
+                <a:ea typeface="DejaVu Sans"/>
+              </a:rPr>
+              <a:t>R2</a:t>
+            </a:r>
+            <a:r>
+              <a:rPr b="0" lang="en-US" sz="2400" spc="-1" strike="noStrike">
+                <a:solidFill>
+                  <a:srgbClr val="808080"/>
+                </a:solidFill>
+                <a:latin typeface="Arial"/>
+                <a:ea typeface="DejaVu Sans"/>
+              </a:rPr>
+              <a:t>H8</a:t>
+            </a:r>
+            <a:r>
+              <a:rPr b="0" lang="en-US" sz="2400" spc="-1" strike="noStrike">
+                <a:solidFill>
+                  <a:srgbClr val="808080"/>
+                </a:solidFill>
+                <a:latin typeface="Arial"/>
+                <a:ea typeface="DejaVu Sans"/>
+              </a:rPr>
+              <a:t>8a</a:t>
+            </a:r>
+            <a:r>
+              <a:rPr b="0" lang="en-US" sz="2400" spc="-1" strike="noStrike">
+                <a:solidFill>
+                  <a:srgbClr val="808080"/>
+                </a:solidFill>
+                <a:latin typeface="Arial"/>
+                <a:ea typeface="DejaVu Sans"/>
+              </a:rPr>
+              <a:t>Si</a:t>
+            </a:r>
+            <a:r>
+              <a:rPr b="0" lang="en-US" sz="2400" spc="-1" strike="noStrike">
+                <a:solidFill>
+                  <a:srgbClr val="808080"/>
+                </a:solidFill>
+                <a:latin typeface="Arial"/>
+                <a:ea typeface="DejaVu Sans"/>
+              </a:rPr>
+              <a:t>VS</a:t>
+            </a:r>
+            <a:r>
+              <a:rPr b="0" lang="en-US" sz="2400" spc="-1" strike="noStrike">
+                <a:solidFill>
+                  <a:srgbClr val="808080"/>
+                </a:solidFill>
+                <a:latin typeface="Arial"/>
+                <a:ea typeface="DejaVu Sans"/>
+              </a:rPr>
+              <a:t>S1</a:t>
+            </a:r>
+            <a:r>
+              <a:rPr b="0" lang="en-US" sz="2400" spc="-1" strike="noStrike">
+                <a:solidFill>
+                  <a:srgbClr val="808080"/>
+                </a:solidFill>
+                <a:latin typeface="Arial"/>
+                <a:ea typeface="DejaVu Sans"/>
+              </a:rPr>
+              <a:t>uk</a:t>
+            </a:r>
+            <a:r>
+              <a:rPr b="0" lang="en-US" sz="2400" spc="-1" strike="noStrike">
+                <a:solidFill>
+                  <a:srgbClr val="808080"/>
+                </a:solidFill>
+                <a:latin typeface="Arial"/>
+                <a:ea typeface="DejaVu Sans"/>
+              </a:rPr>
+              <a:t>D7i</a:t>
+            </a:r>
+            <a:r>
+              <a:rPr b="0" lang="en-US" sz="2400" spc="-1" strike="noStrike">
+                <a:solidFill>
+                  <a:srgbClr val="808080"/>
+                </a:solidFill>
+                <a:latin typeface="Arial"/>
+                <a:ea typeface="DejaVu Sans"/>
+              </a:rPr>
+              <a:t>Al</a:t>
+            </a:r>
+            <a:r>
+              <a:rPr b="0" lang="en-US" sz="2400" spc="-1" strike="noStrike">
+                <a:solidFill>
+                  <a:srgbClr val="808080"/>
+                </a:solidFill>
+                <a:latin typeface="Arial"/>
+                <a:ea typeface="DejaVu Sans"/>
+              </a:rPr>
+              <a:t>HU</a:t>
+            </a:r>
+            <a:r>
+              <a:rPr b="0" lang="en-US" sz="2400" spc="-1" strike="noStrike">
+                <a:solidFill>
+                  <a:srgbClr val="808080"/>
+                </a:solidFill>
+                <a:latin typeface="Arial"/>
+                <a:ea typeface="DejaVu Sans"/>
+              </a:rPr>
+              <a:t>fio</a:t>
+            </a:r>
+            <a:r>
+              <a:rPr b="0" lang="en-US" sz="2400" spc="-1" strike="noStrike">
+                <a:solidFill>
+                  <a:srgbClr val="808080"/>
+                </a:solidFill>
+                <a:latin typeface="Arial"/>
+                <a:ea typeface="DejaVu Sans"/>
+              </a:rPr>
+              <a:t>NB</a:t>
+            </a:r>
+            <a:r>
+              <a:rPr b="0" lang="en-US" sz="2400" spc="-1" strike="noStrike">
+                <a:solidFill>
+                  <a:srgbClr val="808080"/>
+                </a:solidFill>
+                <a:latin typeface="Arial"/>
+                <a:ea typeface="DejaVu Sans"/>
+              </a:rPr>
+              <a:t>eA</a:t>
+            </a:r>
+            <a:r>
+              <a:rPr b="0" lang="en-US" sz="2400" spc="-1" strike="noStrike">
+                <a:solidFill>
+                  <a:srgbClr val="808080"/>
+                </a:solidFill>
+                <a:latin typeface="Arial"/>
+                <a:ea typeface="DejaVu Sans"/>
+              </a:rPr>
+              <a:t>TF</a:t>
+            </a:r>
+            <a:r>
+              <a:rPr b="0" lang="en-US" sz="2400" spc="-1" strike="noStrike">
+                <a:solidFill>
+                  <a:srgbClr val="808080"/>
+                </a:solidFill>
+                <a:latin typeface="Arial"/>
+                <a:ea typeface="DejaVu Sans"/>
+              </a:rPr>
+              <a:t>Jlj0</a:t>
+            </a:r>
+            <a:r>
+              <a:rPr b="0" lang="en-US" sz="2400" spc="-1" strike="noStrike">
+                <a:solidFill>
+                  <a:srgbClr val="808080"/>
+                </a:solidFill>
+                <a:latin typeface="Arial"/>
+                <a:ea typeface="DejaVu Sans"/>
+              </a:rPr>
+              <a:t>L8</a:t>
+            </a:r>
+            <a:r>
+              <a:rPr b="0" lang="en-US" sz="2400" spc="-1" strike="noStrike">
+                <a:solidFill>
+                  <a:srgbClr val="808080"/>
+                </a:solidFill>
+                <a:latin typeface="Arial"/>
+                <a:ea typeface="DejaVu Sans"/>
+              </a:rPr>
+              <a:t>xU</a:t>
+            </a:r>
+            <a:r>
+              <a:rPr b="0" lang="en-US" sz="2400" spc="-1" strike="noStrike">
+                <a:solidFill>
+                  <a:srgbClr val="808080"/>
+                </a:solidFill>
+                <a:latin typeface="Arial"/>
+                <a:ea typeface="DejaVu Sans"/>
+              </a:rPr>
+              <a:t>XF</a:t>
+            </a:r>
+            <a:r>
+              <a:rPr b="0" lang="en-US" sz="2400" spc="-1" strike="noStrike">
+                <a:solidFill>
+                  <a:srgbClr val="808080"/>
+                </a:solidFill>
+                <a:latin typeface="Arial"/>
+                <a:ea typeface="DejaVu Sans"/>
+              </a:rPr>
+              <a:t>7r</a:t>
+            </a:r>
+            <a:r>
+              <a:rPr b="0" lang="en-US" sz="2400" spc="-1" strike="noStrike">
+                <a:solidFill>
+                  <a:srgbClr val="808080"/>
+                </a:solidFill>
+                <a:latin typeface="Arial"/>
+                <a:ea typeface="DejaVu Sans"/>
+              </a:rPr>
+              <a:t>m4</a:t>
+            </a:r>
+            <a:r>
+              <a:rPr b="0" lang="en-US" sz="2400" spc="-1" strike="noStrike">
+                <a:solidFill>
+                  <a:srgbClr val="808080"/>
+                </a:solidFill>
+                <a:latin typeface="Arial"/>
+                <a:ea typeface="DejaVu Sans"/>
+              </a:rPr>
+              <a:t>CK</a:t>
+            </a:r>
+            <a:r>
+              <a:rPr b="0" lang="en-US" sz="2400" spc="-1" strike="noStrike">
+                <a:solidFill>
+                  <a:srgbClr val="808080"/>
+                </a:solidFill>
+                <a:latin typeface="Arial"/>
+                <a:ea typeface="DejaVu Sans"/>
+              </a:rPr>
+              <a:t>g0</a:t>
+            </a:r>
+            <a:r>
+              <a:rPr b="0" lang="en-US" sz="2400" spc="-1" strike="noStrike">
+                <a:solidFill>
+                  <a:srgbClr val="808080"/>
+                </a:solidFill>
+                <a:latin typeface="Arial"/>
+                <a:ea typeface="DejaVu Sans"/>
+              </a:rPr>
+              <a:t>urt</a:t>
+            </a:r>
+            <a:r>
+              <a:rPr b="0" lang="en-US" sz="2400" spc="-1" strike="noStrike">
+                <a:solidFill>
+                  <a:srgbClr val="808080"/>
+                </a:solidFill>
+                <a:latin typeface="Arial"/>
+                <a:ea typeface="DejaVu Sans"/>
+              </a:rPr>
+              <a:t>xW</a:t>
+            </a:r>
+            <a:r>
+              <a:rPr b="0" lang="en-US" sz="2400" spc="-1" strike="noStrike">
+                <a:solidFill>
+                  <a:srgbClr val="808080"/>
+                </a:solidFill>
+                <a:latin typeface="Arial"/>
+                <a:ea typeface="DejaVu Sans"/>
+              </a:rPr>
+              <a:t>eH</a:t>
+            </a:r>
+            <a:r>
+              <a:rPr b="0" lang="en-US" sz="2400" spc="-1" strike="noStrike">
+                <a:solidFill>
+                  <a:srgbClr val="808080"/>
+                </a:solidFill>
+                <a:latin typeface="Arial"/>
+                <a:ea typeface="DejaVu Sans"/>
+              </a:rPr>
+              <a:t>ey</a:t>
+            </a:r>
+            <a:r>
+              <a:rPr b="0" lang="en-US" sz="2400" spc="-1" strike="noStrike">
+                <a:solidFill>
+                  <a:srgbClr val="808080"/>
+                </a:solidFill>
+                <a:latin typeface="Arial"/>
+                <a:ea typeface="DejaVu Sans"/>
+              </a:rPr>
+              <a:t>M)</a:t>
+            </a:r>
+            <a:endParaRPr b="0" lang="en-US" sz="2400" spc="-1" strike="noStrike">
+              <a:latin typeface="Arial"/>
+            </a:endParaRPr>
+          </a:p>
+        </p:txBody>
+      </p:sp>
+      <p:pic>
+        <p:nvPicPr>
+          <p:cNvPr id="281" name="" descr=""/>
+          <p:cNvPicPr/>
+          <p:nvPr/>
+        </p:nvPicPr>
+        <p:blipFill>
+          <a:blip r:embed="rId1"/>
+          <a:stretch/>
+        </p:blipFill>
+        <p:spPr>
+          <a:xfrm>
+            <a:off x="3291840" y="3383280"/>
+            <a:ext cx="3473280" cy="2768040"/>
+          </a:xfrm>
+          <a:prstGeom prst="rect">
+            <a:avLst/>
+          </a:prstGeom>
+          <a:ln>
+            <a:noFill/>
+          </a:ln>
+        </p:spPr>
+      </p:pic>
+      <p:pic>
+        <p:nvPicPr>
+          <p:cNvPr id="282" name="" descr=""/>
+          <p:cNvPicPr/>
+          <p:nvPr/>
+        </p:nvPicPr>
+        <p:blipFill>
+          <a:blip r:embed="rId2"/>
+          <a:stretch/>
+        </p:blipFill>
+        <p:spPr>
+          <a:xfrm>
+            <a:off x="8251920" y="3749040"/>
+            <a:ext cx="1827360" cy="1827360"/>
+          </a:xfrm>
+          <a:prstGeom prst="rect">
+            <a:avLst/>
+          </a:prstGeom>
+          <a:ln>
+            <a:noFill/>
+          </a:ln>
+        </p:spPr>
+      </p:pic>
+      <p:pic>
+        <p:nvPicPr>
+          <p:cNvPr id="283" name="" descr=""/>
+          <p:cNvPicPr/>
+          <p:nvPr/>
+        </p:nvPicPr>
+        <p:blipFill>
+          <a:blip r:embed="rId3"/>
+          <a:stretch/>
+        </p:blipFill>
+        <p:spPr>
+          <a:xfrm>
+            <a:off x="0" y="3840480"/>
+            <a:ext cx="1827360" cy="1827360"/>
+          </a:xfrm>
+          <a:prstGeom prst="rect">
+            <a:avLst/>
+          </a:prstGeom>
+          <a:ln>
+            <a:noFill/>
+          </a:ln>
+        </p:spPr>
+      </p:pic>
+    </p:spTree>
+  </p:cSld>
+  <p:transition spd="med">
+    <p:wedge/>
+  </p:transition>
+  <p:timing>
+    <p:tnLst>
+      <p:par>
+        <p:cTn id="43" dur="indefinite" restart="never" nodeType="tmRoot">
+          <p:childTnLst>
+            <p:seq>
+              <p:cTn id="44" dur="indefinite" nodeType="mainSeq"/>
+              <p:prevCondLst>
+                <p:cond delay="0" evt="onPrev">
+                  <p:tgtEl>
+                    <p:sldTgt/>
+                  </p:tgtEl>
+                </p:cond>
+              </p:prevCondLst>
+              <p:nextCondLst>
+                <p:cond delay="0" evt="onNext">
+                  <p:tgtEl>
+                    <p:sldTgt/>
+                  </p:tgtEl>
+                </p:cond>
+              </p:nextCondLst>
+            </p:seq>
+          </p:childTnLst>
+        </p:cTn>
+      </p:par>
+    </p:tnLst>
+  </p:timing>
+</p:sld>
+</file>
+
+<file path=ppt/slides/slide23.xml><?xml version="1.0" encoding="utf-8"?>
+<p:sld xmlns:a="http://schemas.openxmlformats.org/drawingml/2006/main" xmlns:p="http://schemas.openxmlformats.org/presentationml/2006/main" xmlns:r="http://schemas.openxmlformats.org/officeDocument/2006/relationships" xmlns:p14="http://schemas.microsoft.com/office/powerpoint/2010/main" xmlns:p15="http://schemas.microsoft.com/office/powerpoint/2012/main" xmlns:mc="http://schemas.openxmlformats.org/markup-compatibility/2006">
+  <p:cSld>
+    <p:spTree>
+      <p:nvGrpSpPr>
+        <p:cNvPr id="1" name=""/>
+        <p:cNvGrpSpPr/>
+        <p:nvPr/>
+      </p:nvGrpSpPr>
+      <p:grpSpPr>
+        <a:xfrm>
+          <a:off x="0" y="0"/>
+          <a:ext cx="0" cy="0"/>
+          <a:chOff x="0" y="0"/>
+          <a:chExt cx="0" cy="0"/>
+        </a:xfrm>
+      </p:grpSpPr>
+      <p:sp>
+        <p:nvSpPr>
+          <p:cNvPr id="284" name="CustomShape 1"/>
+          <p:cNvSpPr/>
+          <p:nvPr/>
+        </p:nvSpPr>
+        <p:spPr>
+          <a:xfrm>
+            <a:off x="504000" y="301320"/>
+            <a:ext cx="9069480" cy="635400"/>
+          </a:xfrm>
+          <a:prstGeom prst="rect">
+            <a:avLst/>
+          </a:prstGeom>
+          <a:noFill/>
+          <a:ln>
+            <a:noFill/>
+          </a:ln>
+        </p:spPr>
+        <p:style>
+          <a:lnRef idx="0"/>
+          <a:fillRef idx="0"/>
+          <a:effectRef idx="0"/>
+          <a:fontRef idx="minor"/>
+        </p:style>
+        <p:txBody>
+          <a:bodyPr lIns="0" rIns="0" tIns="0" bIns="0" anchor="ctr"/>
+          <a:p>
+            <a:pPr algn="ctr">
+              <a:lnSpc>
+                <a:spcPct val="100000"/>
+              </a:lnSpc>
+            </a:pPr>
+            <a:r>
+              <a:rPr b="0" lang="en-US" sz="4400" spc="-1" strike="noStrike">
+                <a:solidFill>
+                  <a:srgbClr val="666666"/>
+                </a:solidFill>
+                <a:latin typeface="Arial"/>
+                <a:ea typeface="DejaVu Sans"/>
+              </a:rPr>
+              <a:t>Th</a:t>
+            </a:r>
+            <a:r>
+              <a:rPr b="0" lang="en-US" sz="4400" spc="-1" strike="noStrike">
+                <a:solidFill>
+                  <a:srgbClr val="666666"/>
+                </a:solidFill>
+                <a:latin typeface="Arial"/>
+                <a:ea typeface="DejaVu Sans"/>
+              </a:rPr>
+              <a:t>an</a:t>
+            </a:r>
+            <a:r>
+              <a:rPr b="0" lang="en-US" sz="4400" spc="-1" strike="noStrike">
+                <a:solidFill>
+                  <a:srgbClr val="666666"/>
+                </a:solidFill>
+                <a:latin typeface="Arial"/>
+                <a:ea typeface="DejaVu Sans"/>
+              </a:rPr>
+              <a:t>ks </a:t>
+            </a:r>
+            <a:r>
+              <a:rPr b="0" lang="en-US" sz="4400" spc="-1" strike="noStrike">
+                <a:solidFill>
+                  <a:srgbClr val="666666"/>
+                </a:solidFill>
+                <a:latin typeface="Arial"/>
+                <a:ea typeface="DejaVu Sans"/>
+              </a:rPr>
+              <a:t>For </a:t>
+            </a:r>
+            <a:r>
+              <a:rPr b="0" lang="en-US" sz="4400" spc="-1" strike="noStrike">
+                <a:solidFill>
+                  <a:srgbClr val="666666"/>
+                </a:solidFill>
+                <a:latin typeface="Arial"/>
+                <a:ea typeface="DejaVu Sans"/>
+              </a:rPr>
+              <a:t>Yo</a:t>
+            </a:r>
+            <a:r>
+              <a:rPr b="0" lang="en-US" sz="4400" spc="-1" strike="noStrike">
+                <a:solidFill>
+                  <a:srgbClr val="666666"/>
+                </a:solidFill>
+                <a:latin typeface="Arial"/>
+                <a:ea typeface="DejaVu Sans"/>
+              </a:rPr>
+              <a:t>ur </a:t>
+            </a:r>
+            <a:r>
+              <a:rPr b="0" lang="en-US" sz="4400" spc="-1" strike="noStrike">
+                <a:solidFill>
+                  <a:srgbClr val="666666"/>
+                </a:solidFill>
+                <a:latin typeface="Arial"/>
+                <a:ea typeface="DejaVu Sans"/>
+              </a:rPr>
+              <a:t>Att</a:t>
+            </a:r>
+            <a:r>
+              <a:rPr b="0" lang="en-US" sz="4400" spc="-1" strike="noStrike">
+                <a:solidFill>
+                  <a:srgbClr val="666666"/>
+                </a:solidFill>
+                <a:latin typeface="Arial"/>
+                <a:ea typeface="DejaVu Sans"/>
+              </a:rPr>
+              <a:t>ent</a:t>
+            </a:r>
+            <a:r>
+              <a:rPr b="0" lang="en-US" sz="4400" spc="-1" strike="noStrike">
+                <a:solidFill>
+                  <a:srgbClr val="666666"/>
+                </a:solidFill>
+                <a:latin typeface="Arial"/>
+                <a:ea typeface="DejaVu Sans"/>
+              </a:rPr>
+              <a:t>ion </a:t>
+            </a:r>
+            <a:r>
+              <a:rPr b="0" lang="en-US" sz="4400" spc="-1" strike="noStrike">
+                <a:solidFill>
+                  <a:srgbClr val="666666"/>
+                </a:solidFill>
+                <a:latin typeface="Arial"/>
+                <a:ea typeface="DejaVu Sans"/>
+              </a:rPr>
+              <a:t>!</a:t>
+            </a:r>
+            <a:endParaRPr b="0" lang="en-US" sz="4400" spc="-1" strike="noStrike">
+              <a:latin typeface="Arial"/>
+            </a:endParaRPr>
+          </a:p>
+        </p:txBody>
+      </p:sp>
+      <p:pic>
+        <p:nvPicPr>
+          <p:cNvPr id="285" name="" descr=""/>
+          <p:cNvPicPr/>
+          <p:nvPr/>
+        </p:nvPicPr>
+        <p:blipFill>
+          <a:blip r:embed="rId1"/>
+          <a:stretch/>
+        </p:blipFill>
+        <p:spPr>
+          <a:xfrm>
+            <a:off x="0" y="938160"/>
+            <a:ext cx="10079280" cy="5735520"/>
+          </a:xfrm>
+          <a:prstGeom prst="rect">
+            <a:avLst/>
+          </a:prstGeom>
+          <a:ln>
+            <a:noFill/>
+          </a:ln>
+        </p:spPr>
+      </p:pic>
+      <p:pic>
+        <p:nvPicPr>
+          <p:cNvPr id="286" name="" descr=""/>
+          <p:cNvPicPr/>
+          <p:nvPr/>
+        </p:nvPicPr>
+        <p:blipFill>
+          <a:blip r:embed="rId2"/>
+          <a:stretch/>
+        </p:blipFill>
+        <p:spPr>
+          <a:xfrm>
+            <a:off x="2468880" y="1371600"/>
+            <a:ext cx="4875120" cy="4875120"/>
+          </a:xfrm>
+          <a:prstGeom prst="rect">
+            <a:avLst/>
+          </a:prstGeom>
+          <a:ln>
+            <a:noFill/>
+          </a:ln>
+        </p:spPr>
+      </p:pic>
+    </p:spTree>
+  </p:cSld>
+  <p:transition spd="med">
+    <p:wedge/>
+  </p:transition>
+  <p:timing>
+    <p:tnLst>
+      <p:par>
+        <p:cTn id="45" dur="indefinite" restart="never" nodeType="tmRoot">
+          <p:childTnLst>
+            <p:seq>
+              <p:cTn id="46" dur="indefinite" nodeType="mainSeq"/>
+              <p:prevCondLst>
+                <p:cond delay="0" evt="onPrev">
+                  <p:tgtEl>
+                    <p:sldTgt/>
+                  </p:tgtEl>
+                </p:cond>
+              </p:prevCondLst>
+              <p:nextCondLst>
+                <p:cond delay="0" evt="onNext">
+                  <p:tgtEl>
+                    <p:sldTgt/>
+                  </p:tgtEl>
+                </p:cond>
+              </p:nextCondLst>
+            </p:seq>
+          </p:childTnLst>
+        </p:cTn>
+      </p:par>
+    </p:tnLst>
+  </p:timing>
+</p:sld>
+</file>
+
 <file path=ppt/slides/slide3.xml><?xml version="1.0" encoding="utf-8"?>
 <p:sld xmlns:a="http://schemas.openxmlformats.org/drawingml/2006/main" xmlns:p="http://schemas.openxmlformats.org/presentationml/2006/main" xmlns:r="http://schemas.openxmlformats.org/officeDocument/2006/relationships" xmlns:p14="http://schemas.microsoft.com/office/powerpoint/2010/main" xmlns:p15="http://schemas.microsoft.com/office/powerpoint/2012/main" xmlns:mc="http://schemas.openxmlformats.org/markup-compatibility/2006">
   <p:cSld>
@@ -10677,14 +15933,14 @@
       </p:grpSpPr>
       <p:sp>
         <p:nvSpPr>
-          <p:cNvPr id="202" name="CustomShape 1"/>
-          <p:cNvSpPr/>
+          <p:cNvPr id="202" name="TextShape 1"/>
+          <p:cNvSpPr txBox="1"/>
           <p:nvPr/>
         </p:nvSpPr>
         <p:spPr>
           <a:xfrm>
-            <a:off x="504000" y="301320"/>
-            <a:ext cx="9069840" cy="635760"/>
+            <a:off x="365760" y="-91440"/>
+            <a:ext cx="9072000" cy="1261800"/>
           </a:xfrm>
           <a:prstGeom prst="rect">
             <a:avLst/>
@@ -10694,46 +15950,38 @@
             <a:noFill/>
           </a:ln>
         </p:spPr>
-        <p:style>
-          <a:lnRef idx="0"/>
-          <a:fillRef idx="0"/>
-          <a:effectRef idx="0"/>
-          <a:fontRef idx="minor"/>
-        </p:style>
         <p:txBody>
           <a:bodyPr lIns="0" rIns="0" tIns="0" bIns="0" anchor="ctr"/>
           <a:p>
-            <a:pPr algn="ctr">
-              <a:lnSpc>
-                <a:spcPct val="100000"/>
-              </a:lnSpc>
-            </a:pPr>
+            <a:pPr algn="ctr"/>
             <a:r>
               <a:rPr b="0" lang="en-US" sz="4400" spc="-1" strike="noStrike">
                 <a:solidFill>
                   <a:srgbClr val="666666"/>
                 </a:solidFill>
                 <a:latin typeface="Arial"/>
-                <a:ea typeface="DejaVu Sans"/>
-              </a:rPr>
-              <a:t>Introduction</a:t>
+              </a:rPr>
+              <a:t>Outline</a:t>
             </a:r>
             <a:endParaRPr b="0" lang="en-US" sz="4400" spc="-1" strike="noStrike">
-              <a:latin typeface="Arial"/>
-            </a:endParaRPr>
-          </a:p>
-        </p:txBody>
-      </p:sp>
-      <p:sp>
-        <p:nvSpPr>
-          <p:cNvPr id="203" name="CustomShape 2"/>
-          <p:cNvSpPr/>
+              <a:solidFill>
+                <a:srgbClr val="666666"/>
+              </a:solidFill>
+              <a:latin typeface="Arial"/>
+            </a:endParaRPr>
+          </a:p>
+        </p:txBody>
+      </p:sp>
+      <p:sp>
+        <p:nvSpPr>
+          <p:cNvPr id="203" name="TextShape 2"/>
+          <p:cNvSpPr txBox="1"/>
           <p:nvPr/>
         </p:nvSpPr>
         <p:spPr>
           <a:xfrm>
-            <a:off x="640080" y="2011680"/>
-            <a:ext cx="9069840" cy="4382640"/>
+            <a:off x="504000" y="1768680"/>
+            <a:ext cx="9072000" cy="4384080"/>
           </a:xfrm>
           <a:prstGeom prst="rect">
             <a:avLst/>
@@ -10743,49 +15991,14 @@
             <a:noFill/>
           </a:ln>
         </p:spPr>
-        <p:style>
-          <a:lnRef idx="0"/>
-          <a:fillRef idx="0"/>
-          <a:effectRef idx="0"/>
-          <a:fontRef idx="minor"/>
-        </p:style>
-      </p:sp>
-      <p:sp>
-        <p:nvSpPr>
-          <p:cNvPr id="204" name="CustomShape 3"/>
-          <p:cNvSpPr/>
-          <p:nvPr/>
-        </p:nvSpPr>
-        <p:spPr>
-          <a:xfrm>
-            <a:off x="504000" y="1804680"/>
-            <a:ext cx="9070920" cy="4383000"/>
-          </a:xfrm>
-          <a:prstGeom prst="rect">
-            <a:avLst/>
-          </a:prstGeom>
-          <a:noFill/>
-          <a:ln>
-            <a:noFill/>
-          </a:ln>
-        </p:spPr>
-        <p:style>
-          <a:lnRef idx="0"/>
-          <a:fillRef idx="0"/>
-          <a:effectRef idx="0"/>
-          <a:fontRef idx="minor"/>
-        </p:style>
         <p:txBody>
           <a:bodyPr lIns="0" rIns="0" tIns="0" bIns="0">
             <a:normAutofit/>
           </a:bodyPr>
           <a:p>
-            <a:pPr marL="432000" indent="-322920">
-              <a:lnSpc>
-                <a:spcPct val="100000"/>
-              </a:lnSpc>
+            <a:pPr marL="432000" indent="-324000">
               <a:spcBef>
-                <a:spcPts val="1060"/>
+                <a:spcPts val="1063"/>
               </a:spcBef>
               <a:buClr>
                 <a:srgbClr val="000000"/>
@@ -10800,21 +16013,20 @@
                   <a:srgbClr val="808080"/>
                 </a:solidFill>
                 <a:latin typeface="Arial"/>
-                <a:ea typeface="DejaVu Sans"/>
-              </a:rPr>
-              <a:t>Nowadays internet serves as an important role in our society.</a:t>
+              </a:rPr>
+              <a:t>Abstract</a:t>
             </a:r>
             <a:endParaRPr b="0" lang="en-US" sz="2400" spc="-1" strike="noStrike">
-              <a:latin typeface="Arial"/>
-            </a:endParaRPr>
-          </a:p>
-          <a:p>
-            <a:pPr marL="432000" indent="-322920">
-              <a:lnSpc>
-                <a:spcPct val="100000"/>
-              </a:lnSpc>
+              <a:solidFill>
+                <a:srgbClr val="808080"/>
+              </a:solidFill>
+              <a:latin typeface="Arial"/>
+            </a:endParaRPr>
+          </a:p>
+          <a:p>
+            <a:pPr marL="432000" indent="-324000">
               <a:spcBef>
-                <a:spcPts val="1060"/>
+                <a:spcPts val="1063"/>
               </a:spcBef>
               <a:buClr>
                 <a:srgbClr val="000000"/>
@@ -10829,21 +16041,20 @@
                   <a:srgbClr val="808080"/>
                 </a:solidFill>
                 <a:latin typeface="Arial"/>
-                <a:ea typeface="DejaVu Sans"/>
-              </a:rPr>
-              <a:t>As the technology develop,we are trying to create and use the software for some of the complex process of our life.</a:t>
+              </a:rPr>
+              <a:t>Introduction</a:t>
             </a:r>
             <a:endParaRPr b="0" lang="en-US" sz="2400" spc="-1" strike="noStrike">
-              <a:latin typeface="Arial"/>
-            </a:endParaRPr>
-          </a:p>
-          <a:p>
-            <a:pPr marL="432000" indent="-322920">
-              <a:lnSpc>
-                <a:spcPct val="100000"/>
-              </a:lnSpc>
+              <a:solidFill>
+                <a:srgbClr val="808080"/>
+              </a:solidFill>
+              <a:latin typeface="Arial"/>
+            </a:endParaRPr>
+          </a:p>
+          <a:p>
+            <a:pPr marL="432000" indent="-324000">
               <a:spcBef>
-                <a:spcPts val="1060"/>
+                <a:spcPts val="1063"/>
               </a:spcBef>
               <a:buClr>
                 <a:srgbClr val="000000"/>
@@ -10858,21 +16069,20 @@
                   <a:srgbClr val="808080"/>
                 </a:solidFill>
                 <a:latin typeface="Arial"/>
-                <a:ea typeface="DejaVu Sans"/>
-              </a:rPr>
-              <a:t>We think University enrollment system software will be indeed useful for us.</a:t>
+              </a:rPr>
+              <a:t>Aim</a:t>
             </a:r>
             <a:endParaRPr b="0" lang="en-US" sz="2400" spc="-1" strike="noStrike">
-              <a:latin typeface="Arial"/>
-            </a:endParaRPr>
-          </a:p>
-          <a:p>
-            <a:pPr marL="432000" indent="-322920">
-              <a:lnSpc>
-                <a:spcPct val="100000"/>
-              </a:lnSpc>
+              <a:solidFill>
+                <a:srgbClr val="808080"/>
+              </a:solidFill>
+              <a:latin typeface="Arial"/>
+            </a:endParaRPr>
+          </a:p>
+          <a:p>
+            <a:pPr marL="432000" indent="-324000">
               <a:spcBef>
-                <a:spcPts val="1060"/>
+                <a:spcPts val="1063"/>
               </a:spcBef>
               <a:buClr>
                 <a:srgbClr val="000000"/>
@@ -10887,11 +16097,153 @@
                   <a:srgbClr val="808080"/>
                 </a:solidFill>
                 <a:latin typeface="Arial"/>
-                <a:ea typeface="DejaVu Sans"/>
-              </a:rPr>
-              <a:t>We can know the activities of our university by this software.</a:t>
+              </a:rPr>
+              <a:t>Advantages</a:t>
             </a:r>
             <a:endParaRPr b="0" lang="en-US" sz="2400" spc="-1" strike="noStrike">
+              <a:solidFill>
+                <a:srgbClr val="808080"/>
+              </a:solidFill>
+              <a:latin typeface="Arial"/>
+            </a:endParaRPr>
+          </a:p>
+          <a:p>
+            <a:pPr marL="432000" indent="-324000">
+              <a:spcBef>
+                <a:spcPts val="1063"/>
+              </a:spcBef>
+              <a:buClr>
+                <a:srgbClr val="000000"/>
+              </a:buClr>
+              <a:buSzPct val="45000"/>
+              <a:buFont typeface="Wingdings" charset="2"/>
+              <a:buChar char=""/>
+            </a:pPr>
+            <a:r>
+              <a:rPr b="0" lang="en-US" sz="2400" spc="-1" strike="noStrike">
+                <a:solidFill>
+                  <a:srgbClr val="808080"/>
+                </a:solidFill>
+                <a:latin typeface="Arial"/>
+              </a:rPr>
+              <a:t>Software components</a:t>
+            </a:r>
+            <a:endParaRPr b="0" lang="en-US" sz="2400" spc="-1" strike="noStrike">
+              <a:solidFill>
+                <a:srgbClr val="808080"/>
+              </a:solidFill>
+              <a:latin typeface="Arial"/>
+            </a:endParaRPr>
+          </a:p>
+          <a:p>
+            <a:pPr marL="432000" indent="-324000">
+              <a:spcBef>
+                <a:spcPts val="1063"/>
+              </a:spcBef>
+              <a:buClr>
+                <a:srgbClr val="000000"/>
+              </a:buClr>
+              <a:buSzPct val="45000"/>
+              <a:buFont typeface="Wingdings" charset="2"/>
+              <a:buChar char=""/>
+            </a:pPr>
+            <a:r>
+              <a:rPr b="0" lang="en-US" sz="2400" spc="-1" strike="noStrike">
+                <a:solidFill>
+                  <a:srgbClr val="808080"/>
+                </a:solidFill>
+                <a:latin typeface="Arial"/>
+              </a:rPr>
+              <a:t>System flow</a:t>
+            </a:r>
+            <a:endParaRPr b="0" lang="en-US" sz="2400" spc="-1" strike="noStrike">
+              <a:solidFill>
+                <a:srgbClr val="808080"/>
+              </a:solidFill>
+              <a:latin typeface="Arial"/>
+            </a:endParaRPr>
+          </a:p>
+          <a:p>
+            <a:pPr marL="432000" indent="-324000">
+              <a:spcBef>
+                <a:spcPts val="1063"/>
+              </a:spcBef>
+              <a:buClr>
+                <a:srgbClr val="000000"/>
+              </a:buClr>
+              <a:buSzPct val="45000"/>
+              <a:buFont typeface="Wingdings" charset="2"/>
+              <a:buChar char=""/>
+            </a:pPr>
+            <a:r>
+              <a:rPr b="0" lang="en-US" sz="2400" spc="-1" strike="noStrike">
+                <a:solidFill>
+                  <a:srgbClr val="808080"/>
+                </a:solidFill>
+                <a:latin typeface="Arial"/>
+              </a:rPr>
+              <a:t>Application flow</a:t>
+            </a:r>
+            <a:endParaRPr b="0" lang="en-US" sz="2400" spc="-1" strike="noStrike">
+              <a:solidFill>
+                <a:srgbClr val="808080"/>
+              </a:solidFill>
+              <a:latin typeface="Arial"/>
+            </a:endParaRPr>
+          </a:p>
+          <a:p>
+            <a:pPr marL="432000" indent="-324000">
+              <a:spcBef>
+                <a:spcPts val="1063"/>
+              </a:spcBef>
+              <a:buClr>
+                <a:srgbClr val="000000"/>
+              </a:buClr>
+              <a:buSzPct val="45000"/>
+              <a:buFont typeface="Wingdings" charset="2"/>
+              <a:buChar char=""/>
+            </a:pPr>
+            <a:r>
+              <a:rPr b="0" lang="en-US" sz="2400" spc="-1" strike="noStrike">
+                <a:solidFill>
+                  <a:srgbClr val="808080"/>
+                </a:solidFill>
+                <a:latin typeface="Arial"/>
+              </a:rPr>
+              <a:t>Further Extension</a:t>
+            </a:r>
+            <a:endParaRPr b="0" lang="en-US" sz="2400" spc="-1" strike="noStrike">
+              <a:solidFill>
+                <a:srgbClr val="808080"/>
+              </a:solidFill>
+              <a:latin typeface="Arial"/>
+            </a:endParaRPr>
+          </a:p>
+          <a:p>
+            <a:pPr marL="432000" indent="-324000">
+              <a:spcBef>
+                <a:spcPts val="1063"/>
+              </a:spcBef>
+              <a:buClr>
+                <a:srgbClr val="000000"/>
+              </a:buClr>
+              <a:buSzPct val="45000"/>
+              <a:buFont typeface="Wingdings" charset="2"/>
+              <a:buChar char=""/>
+            </a:pPr>
+            <a:r>
+              <a:rPr b="0" lang="en-US" sz="2400" spc="-1" strike="noStrike">
+                <a:solidFill>
+                  <a:srgbClr val="808080"/>
+                </a:solidFill>
+                <a:latin typeface="Arial"/>
+              </a:rPr>
+              <a:t>Conclusion</a:t>
+            </a:r>
+            <a:endParaRPr b="0" lang="en-US" sz="2400" spc="-1" strike="noStrike">
+              <a:solidFill>
+                <a:srgbClr val="808080"/>
+              </a:solidFill>
               <a:latin typeface="Arial"/>
             </a:endParaRPr>
           </a:p>
@@ -10951,14 +16303,14 @@
       </p:grpSpPr>
       <p:sp>
         <p:nvSpPr>
-          <p:cNvPr id="205" name="CustomShape 1"/>
-          <p:cNvSpPr/>
+          <p:cNvPr id="204" name="TextShape 1"/>
+          <p:cNvSpPr txBox="1"/>
           <p:nvPr/>
         </p:nvSpPr>
         <p:spPr>
           <a:xfrm>
-            <a:off x="504000" y="301320"/>
-            <a:ext cx="9069840" cy="635760"/>
+            <a:off x="548640" y="-91440"/>
+            <a:ext cx="9072000" cy="1261800"/>
           </a:xfrm>
           <a:prstGeom prst="rect">
             <a:avLst/>
@@ -10968,46 +16320,38 @@
             <a:noFill/>
           </a:ln>
         </p:spPr>
-        <p:style>
-          <a:lnRef idx="0"/>
-          <a:fillRef idx="0"/>
-          <a:effectRef idx="0"/>
-          <a:fontRef idx="minor"/>
-        </p:style>
         <p:txBody>
           <a:bodyPr lIns="0" rIns="0" tIns="0" bIns="0" anchor="ctr"/>
           <a:p>
-            <a:pPr algn="ctr">
-              <a:lnSpc>
-                <a:spcPct val="100000"/>
-              </a:lnSpc>
-            </a:pPr>
+            <a:pPr algn="ctr"/>
             <a:r>
               <a:rPr b="0" lang="en-US" sz="4400" spc="-1" strike="noStrike">
                 <a:solidFill>
                   <a:srgbClr val="666666"/>
                 </a:solidFill>
                 <a:latin typeface="Arial"/>
-                <a:ea typeface="DejaVu Sans"/>
-              </a:rPr>
-              <a:t>Aim and Objectives</a:t>
+              </a:rPr>
+              <a:t>Abstract</a:t>
             </a:r>
             <a:endParaRPr b="0" lang="en-US" sz="4400" spc="-1" strike="noStrike">
-              <a:latin typeface="Arial"/>
-            </a:endParaRPr>
-          </a:p>
-        </p:txBody>
-      </p:sp>
-      <p:sp>
-        <p:nvSpPr>
-          <p:cNvPr id="206" name="CustomShape 2"/>
-          <p:cNvSpPr/>
+              <a:solidFill>
+                <a:srgbClr val="666666"/>
+              </a:solidFill>
+              <a:latin typeface="Arial"/>
+            </a:endParaRPr>
+          </a:p>
+        </p:txBody>
+      </p:sp>
+      <p:sp>
+        <p:nvSpPr>
+          <p:cNvPr id="205" name="TextShape 2"/>
+          <p:cNvSpPr txBox="1"/>
           <p:nvPr/>
         </p:nvSpPr>
         <p:spPr>
           <a:xfrm>
-            <a:off x="504000" y="1769040"/>
-            <a:ext cx="9069840" cy="4382640"/>
+            <a:off x="504000" y="1768680"/>
+            <a:ext cx="9072000" cy="4384080"/>
           </a:xfrm>
           <a:prstGeom prst="rect">
             <a:avLst/>
@@ -11017,21 +16361,14 @@
             <a:noFill/>
           </a:ln>
         </p:spPr>
-        <p:style>
-          <a:lnRef idx="0"/>
-          <a:fillRef idx="0"/>
-          <a:effectRef idx="0"/>
-          <a:fontRef idx="minor"/>
-        </p:style>
-        <p:txBody>
-          <a:bodyPr lIns="0" rIns="0" tIns="0" bIns="0"/>
-          <a:p>
-            <a:pPr marL="432000" indent="-322200">
-              <a:lnSpc>
-                <a:spcPct val="100000"/>
-              </a:lnSpc>
+        <p:txBody>
+          <a:bodyPr lIns="0" rIns="0" tIns="0" bIns="0">
+            <a:normAutofit/>
+          </a:bodyPr>
+          <a:p>
+            <a:pPr marL="432000" indent="-324000">
               <a:spcBef>
-                <a:spcPts val="1060"/>
+                <a:spcPts val="1063"/>
               </a:spcBef>
               <a:buClr>
                 <a:srgbClr val="000000"/>
@@ -11046,21 +16383,20 @@
                   <a:srgbClr val="808080"/>
                 </a:solidFill>
                 <a:latin typeface="Arial"/>
-                <a:ea typeface="DejaVu Sans"/>
-              </a:rPr>
-              <a:t>To enroll much easier and faster from anywhere at anytime.</a:t>
+              </a:rPr>
+              <a:t>Use Java,Xml and realtime database to create the android application: University Enrollment System</a:t>
             </a:r>
             <a:endParaRPr b="0" lang="en-US" sz="2400" spc="-1" strike="noStrike">
-              <a:latin typeface="Arial"/>
-            </a:endParaRPr>
-          </a:p>
-          <a:p>
-            <a:pPr marL="432000" indent="-322200">
-              <a:lnSpc>
-                <a:spcPct val="100000"/>
-              </a:lnSpc>
+              <a:solidFill>
+                <a:srgbClr val="808080"/>
+              </a:solidFill>
+              <a:latin typeface="Arial"/>
+            </a:endParaRPr>
+          </a:p>
+          <a:p>
+            <a:pPr marL="432000" indent="-324000">
               <a:spcBef>
-                <a:spcPts val="1060"/>
+                <a:spcPts val="1063"/>
               </a:spcBef>
               <a:buClr>
                 <a:srgbClr val="000000"/>
@@ -11075,21 +16411,20 @@
                   <a:srgbClr val="808080"/>
                 </a:solidFill>
                 <a:latin typeface="Arial"/>
-                <a:ea typeface="DejaVu Sans"/>
-              </a:rPr>
-              <a:t>To connect between student and activities of university.</a:t>
+              </a:rPr>
+              <a:t>This android application is developed for students who want to enroll the related classes from anywhere at anytime.</a:t>
             </a:r>
             <a:endParaRPr b="0" lang="en-US" sz="2400" spc="-1" strike="noStrike">
-              <a:latin typeface="Arial"/>
-            </a:endParaRPr>
-          </a:p>
-          <a:p>
-            <a:pPr marL="432000" indent="-322200">
-              <a:lnSpc>
-                <a:spcPct val="100000"/>
-              </a:lnSpc>
+              <a:solidFill>
+                <a:srgbClr val="808080"/>
+              </a:solidFill>
+              <a:latin typeface="Arial"/>
+            </a:endParaRPr>
+          </a:p>
+          <a:p>
+            <a:pPr marL="432000" indent="-324000">
               <a:spcBef>
-                <a:spcPts val="1060"/>
+                <a:spcPts val="1063"/>
               </a:spcBef>
               <a:buClr>
                 <a:srgbClr val="000000"/>
@@ -11104,11 +16439,69 @@
                   <a:srgbClr val="808080"/>
                 </a:solidFill>
                 <a:latin typeface="Arial"/>
-                <a:ea typeface="DejaVu Sans"/>
-              </a:rPr>
-              <a:t>To share the up to date information from this applications.</a:t>
+              </a:rPr>
+              <a:t>There are 2 application site:Admin and User</a:t>
             </a:r>
             <a:endParaRPr b="0" lang="en-US" sz="2400" spc="-1" strike="noStrike">
+              <a:solidFill>
+                <a:srgbClr val="808080"/>
+              </a:solidFill>
+              <a:latin typeface="Arial"/>
+            </a:endParaRPr>
+          </a:p>
+          <a:p>
+            <a:pPr marL="432000" indent="-324000">
+              <a:spcBef>
+                <a:spcPts val="1063"/>
+              </a:spcBef>
+              <a:buClr>
+                <a:srgbClr val="000000"/>
+              </a:buClr>
+              <a:buSzPct val="45000"/>
+              <a:buFont typeface="Wingdings" charset="2"/>
+              <a:buChar char=""/>
+            </a:pPr>
+            <a:r>
+              <a:rPr b="0" lang="en-US" sz="2400" spc="-1" strike="noStrike">
+                <a:solidFill>
+                  <a:srgbClr val="808080"/>
+                </a:solidFill>
+                <a:latin typeface="Arial"/>
+              </a:rPr>
+              <a:t>Application of User included two categories:Announcement and Enrollment.</a:t>
+            </a:r>
+            <a:endParaRPr b="0" lang="en-US" sz="2400" spc="-1" strike="noStrike">
+              <a:solidFill>
+                <a:srgbClr val="808080"/>
+              </a:solidFill>
+              <a:latin typeface="Arial"/>
+            </a:endParaRPr>
+          </a:p>
+          <a:p>
+            <a:pPr marL="432000" indent="-324000">
+              <a:spcBef>
+                <a:spcPts val="1063"/>
+              </a:spcBef>
+              <a:buClr>
+                <a:srgbClr val="000000"/>
+              </a:buClr>
+              <a:buSzPct val="45000"/>
+              <a:buFont typeface="Wingdings" charset="2"/>
+              <a:buChar char=""/>
+            </a:pPr>
+            <a:r>
+              <a:rPr b="0" lang="en-US" sz="2400" spc="-1" strike="noStrike">
+                <a:solidFill>
+                  <a:srgbClr val="808080"/>
+                </a:solidFill>
+                <a:latin typeface="Arial"/>
+              </a:rPr>
+              <a:t>In the Admin: </a:t>
+            </a:r>
+            <a:endParaRPr b="0" lang="en-US" sz="2400" spc="-1" strike="noStrike">
+              <a:solidFill>
+                <a:srgbClr val="808080"/>
+              </a:solidFill>
               <a:latin typeface="Arial"/>
             </a:endParaRPr>
           </a:p>
@@ -11168,14 +16561,14 @@
       </p:grpSpPr>
       <p:sp>
         <p:nvSpPr>
-          <p:cNvPr id="207" name="CustomShape 1"/>
+          <p:cNvPr id="206" name="CustomShape 1"/>
           <p:cNvSpPr/>
           <p:nvPr/>
         </p:nvSpPr>
         <p:spPr>
           <a:xfrm>
             <a:off x="504000" y="301320"/>
-            <a:ext cx="9069840" cy="635760"/>
+            <a:ext cx="9069480" cy="635400"/>
           </a:xfrm>
           <a:prstGeom prst="rect">
             <a:avLst/>
@@ -11207,7 +16600,7 @@
                 <a:latin typeface="Arial"/>
                 <a:ea typeface="DejaVu Sans"/>
               </a:rPr>
-              <a:t>Advantages</a:t>
+              <a:t>Introduction</a:t>
             </a:r>
             <a:endParaRPr b="0" lang="en-US" sz="4400" spc="-1" strike="noStrike">
               <a:latin typeface="Arial"/>
@@ -11217,14 +16610,14 @@
       </p:sp>
       <p:sp>
         <p:nvSpPr>
-          <p:cNvPr id="208" name="CustomShape 2"/>
+          <p:cNvPr id="207" name="CustomShape 2"/>
           <p:cNvSpPr/>
           <p:nvPr/>
         </p:nvSpPr>
         <p:spPr>
           <a:xfrm>
-            <a:off x="504000" y="1769040"/>
-            <a:ext cx="9069840" cy="4382640"/>
+            <a:off x="640080" y="2011680"/>
+            <a:ext cx="9069480" cy="4382280"/>
           </a:xfrm>
           <a:prstGeom prst="rect">
             <a:avLst/>
@@ -11240,10 +16633,38 @@
           <a:effectRef idx="0"/>
           <a:fontRef idx="minor"/>
         </p:style>
-        <p:txBody>
-          <a:bodyPr lIns="0" rIns="0" tIns="0" bIns="0"/>
-          <a:p>
-            <a:pPr marL="432000" indent="-322200">
+      </p:sp>
+      <p:sp>
+        <p:nvSpPr>
+          <p:cNvPr id="208" name="CustomShape 3"/>
+          <p:cNvSpPr/>
+          <p:nvPr/>
+        </p:nvSpPr>
+        <p:spPr>
+          <a:xfrm>
+            <a:off x="504000" y="1804680"/>
+            <a:ext cx="9070560" cy="4382640"/>
+          </a:xfrm>
+          <a:prstGeom prst="rect">
+            <a:avLst/>
+          </a:prstGeom>
+          <a:noFill/>
+          <a:ln>
+            <a:noFill/>
+          </a:ln>
+        </p:spPr>
+        <p:style>
+          <a:lnRef idx="0"/>
+          <a:fillRef idx="0"/>
+          <a:effectRef idx="0"/>
+          <a:fontRef idx="minor"/>
+        </p:style>
+        <p:txBody>
+          <a:bodyPr lIns="0" rIns="0" tIns="0" bIns="0">
+            <a:normAutofit/>
+          </a:bodyPr>
+          <a:p>
+            <a:pPr marL="432000" indent="-322560">
               <a:lnSpc>
                 <a:spcPct val="100000"/>
               </a:lnSpc>
@@ -11265,14 +16686,14 @@
                 <a:latin typeface="Arial"/>
                 <a:ea typeface="DejaVu Sans"/>
               </a:rPr>
-              <a:t>This is easy to use efficiently like an android application.</a:t>
+              <a:t>Nowadays internet serves as an important role in our society.</a:t>
             </a:r>
             <a:endParaRPr b="0" lang="en-US" sz="2400" spc="-1" strike="noStrike">
               <a:latin typeface="Arial"/>
             </a:endParaRPr>
           </a:p>
           <a:p>
-            <a:pPr marL="432000" indent="-322200">
+            <a:pPr marL="432000" indent="-322560">
               <a:lnSpc>
                 <a:spcPct val="100000"/>
               </a:lnSpc>
@@ -11294,14 +16715,14 @@
                 <a:latin typeface="Arial"/>
                 <a:ea typeface="DejaVu Sans"/>
               </a:rPr>
-              <a:t>This can reduce the waste of papers,student’s times and transportation cost.</a:t>
+              <a:t>As the technology develop,we are trying to create and use the software for some of the complex process of our life.</a:t>
             </a:r>
             <a:endParaRPr b="0" lang="en-US" sz="2400" spc="-1" strike="noStrike">
               <a:latin typeface="Arial"/>
             </a:endParaRPr>
           </a:p>
           <a:p>
-            <a:pPr marL="432000" indent="-322200">
+            <a:pPr marL="432000" indent="-322560">
               <a:lnSpc>
                 <a:spcPct val="100000"/>
               </a:lnSpc>
@@ -11323,14 +16744,14 @@
                 <a:latin typeface="Arial"/>
                 <a:ea typeface="DejaVu Sans"/>
               </a:rPr>
-              <a:t>This can inform students about various events and activities instead of sending them notices or letters.</a:t>
+              <a:t>University enrollment system software will be indeed useful for us.</a:t>
             </a:r>
             <a:endParaRPr b="0" lang="en-US" sz="2400" spc="-1" strike="noStrike">
               <a:latin typeface="Arial"/>
             </a:endParaRPr>
           </a:p>
           <a:p>
-            <a:pPr marL="432000" indent="-322200">
+            <a:pPr marL="432000" indent="-322560">
               <a:lnSpc>
                 <a:spcPct val="100000"/>
               </a:lnSpc>
@@ -11352,7 +16773,7 @@
                 <a:latin typeface="Arial"/>
                 <a:ea typeface="DejaVu Sans"/>
               </a:rPr>
-              <a:t>Additionally,parents looking into to enroll their children in university can do it proficiently from home by visiting the university online enrollment forms,as previously was the case.</a:t>
+              <a:t>Can know the activities of our university by this software.</a:t>
             </a:r>
             <a:endParaRPr b="0" lang="en-US" sz="2400" spc="-1" strike="noStrike">
               <a:latin typeface="Arial"/>
@@ -11421,7 +16842,7 @@
         <p:spPr>
           <a:xfrm>
             <a:off x="504000" y="301320"/>
-            <a:ext cx="9069840" cy="635760"/>
+            <a:ext cx="9069480" cy="635400"/>
           </a:xfrm>
           <a:prstGeom prst="rect">
             <a:avLst/>
@@ -11453,7 +16874,7 @@
                 <a:latin typeface="Arial"/>
                 <a:ea typeface="DejaVu Sans"/>
               </a:rPr>
-              <a:t>Software Component</a:t>
+              <a:t>Aim</a:t>
             </a:r>
             <a:endParaRPr b="0" lang="en-US" sz="4400" spc="-1" strike="noStrike">
               <a:latin typeface="Arial"/>
@@ -11461,53 +16882,122 @@
           </a:p>
         </p:txBody>
       </p:sp>
-      <p:pic>
-        <p:nvPicPr>
-          <p:cNvPr id="210" name="" descr=""/>
-          <p:cNvPicPr/>
+      <p:sp>
+        <p:nvSpPr>
+          <p:cNvPr id="210" name="CustomShape 2"/>
+          <p:cNvSpPr/>
           <p:nvPr/>
-        </p:nvPicPr>
-        <p:blipFill>
-          <a:blip r:embed="rId1"/>
-          <a:srcRect l="0" t="4266" r="2337" b="0"/>
-          <a:stretch/>
-        </p:blipFill>
-        <p:spPr>
-          <a:xfrm>
-            <a:off x="1097280" y="1920240"/>
-            <a:ext cx="3564720" cy="2833200"/>
-          </a:xfrm>
-          <a:prstGeom prst="rect">
-            <a:avLst/>
-          </a:prstGeom>
+        </p:nvSpPr>
+        <p:spPr>
+          <a:xfrm>
+            <a:off x="504000" y="1769040"/>
+            <a:ext cx="9069480" cy="4382280"/>
+          </a:xfrm>
+          <a:prstGeom prst="rect">
+            <a:avLst/>
+          </a:prstGeom>
+          <a:noFill/>
           <a:ln>
             <a:noFill/>
           </a:ln>
         </p:spPr>
-      </p:pic>
-      <p:pic>
-        <p:nvPicPr>
-          <p:cNvPr id="211" name="" descr=""/>
-          <p:cNvPicPr/>
-          <p:nvPr/>
-        </p:nvPicPr>
-        <p:blipFill>
-          <a:blip r:embed="rId2"/>
-          <a:stretch/>
-        </p:blipFill>
-        <p:spPr>
-          <a:xfrm>
-            <a:off x="5486400" y="1479600"/>
-            <a:ext cx="3510360" cy="3273840"/>
-          </a:xfrm>
-          <a:prstGeom prst="rect">
-            <a:avLst/>
-          </a:prstGeom>
-          <a:ln>
-            <a:noFill/>
-          </a:ln>
-        </p:spPr>
-      </p:pic>
+        <p:style>
+          <a:lnRef idx="0"/>
+          <a:fillRef idx="0"/>
+          <a:effectRef idx="0"/>
+          <a:fontRef idx="minor"/>
+        </p:style>
+        <p:txBody>
+          <a:bodyPr lIns="0" rIns="0" tIns="0" bIns="0"/>
+          <a:p>
+            <a:pPr marL="432000" indent="-321840">
+              <a:lnSpc>
+                <a:spcPct val="100000"/>
+              </a:lnSpc>
+              <a:spcBef>
+                <a:spcPts val="1060"/>
+              </a:spcBef>
+              <a:buClr>
+                <a:srgbClr val="000000"/>
+              </a:buClr>
+              <a:buSzPct val="45000"/>
+              <a:buFont typeface="Wingdings" charset="2"/>
+              <a:buChar char=""/>
+            </a:pPr>
+            <a:r>
+              <a:rPr b="0" lang="en-US" sz="2400" spc="-1" strike="noStrike">
+                <a:solidFill>
+                  <a:srgbClr val="808080"/>
+                </a:solidFill>
+                <a:latin typeface="Arial"/>
+                <a:ea typeface="DejaVu Sans"/>
+              </a:rPr>
+              <a:t>To enroll much easier and faster from anywhere at anytime.</a:t>
+            </a:r>
+            <a:endParaRPr b="0" lang="en-US" sz="2400" spc="-1" strike="noStrike">
+              <a:latin typeface="Arial"/>
+            </a:endParaRPr>
+          </a:p>
+          <a:p>
+            <a:pPr marL="432000" indent="-321840">
+              <a:lnSpc>
+                <a:spcPct val="100000"/>
+              </a:lnSpc>
+              <a:spcBef>
+                <a:spcPts val="1060"/>
+              </a:spcBef>
+              <a:buClr>
+                <a:srgbClr val="000000"/>
+              </a:buClr>
+              <a:buSzPct val="45000"/>
+              <a:buFont typeface="Wingdings" charset="2"/>
+              <a:buChar char=""/>
+            </a:pPr>
+            <a:r>
+              <a:rPr b="0" lang="en-US" sz="2400" spc="-1" strike="noStrike">
+                <a:solidFill>
+                  <a:srgbClr val="808080"/>
+                </a:solidFill>
+                <a:latin typeface="Arial"/>
+                <a:ea typeface="DejaVu Sans"/>
+              </a:rPr>
+              <a:t>To connect between student and activities of university.</a:t>
+            </a:r>
+            <a:endParaRPr b="0" lang="en-US" sz="2400" spc="-1" strike="noStrike">
+              <a:latin typeface="Arial"/>
+            </a:endParaRPr>
+          </a:p>
+          <a:p>
+            <a:pPr marL="432000" indent="-321840">
+              <a:lnSpc>
+                <a:spcPct val="100000"/>
+              </a:lnSpc>
+              <a:spcBef>
+                <a:spcPts val="1060"/>
+              </a:spcBef>
+              <a:buClr>
+                <a:srgbClr val="000000"/>
+              </a:buClr>
+              <a:buSzPct val="45000"/>
+              <a:buFont typeface="Wingdings" charset="2"/>
+              <a:buChar char=""/>
+            </a:pPr>
+            <a:r>
+              <a:rPr b="0" lang="en-US" sz="2400" spc="-1" strike="noStrike">
+                <a:solidFill>
+                  <a:srgbClr val="808080"/>
+                </a:solidFill>
+                <a:latin typeface="Arial"/>
+                <a:ea typeface="DejaVu Sans"/>
+              </a:rPr>
+              <a:t>To share the up to date information from this applications.</a:t>
+            </a:r>
+            <a:endParaRPr b="0" lang="en-US" sz="2400" spc="-1" strike="noStrike">
+              <a:latin typeface="Arial"/>
+            </a:endParaRPr>
+          </a:p>
+        </p:txBody>
+      </p:sp>
     </p:spTree>
   </p:cSld>
   <p:transition spd="med">
@@ -11562,14 +17052,14 @@
       </p:grpSpPr>
       <p:sp>
         <p:nvSpPr>
-          <p:cNvPr id="212" name="CustomShape 1"/>
+          <p:cNvPr id="211" name="CustomShape 1"/>
           <p:cNvSpPr/>
           <p:nvPr/>
         </p:nvSpPr>
         <p:spPr>
           <a:xfrm>
             <a:off x="504000" y="301320"/>
-            <a:ext cx="9069840" cy="635760"/>
+            <a:ext cx="9069480" cy="635400"/>
           </a:xfrm>
           <a:prstGeom prst="rect">
             <a:avLst/>
@@ -11601,7 +17091,7 @@
                 <a:latin typeface="Arial"/>
                 <a:ea typeface="DejaVu Sans"/>
               </a:rPr>
-              <a:t>Android Studio</a:t>
+              <a:t>Advantages</a:t>
             </a:r>
             <a:endParaRPr b="0" lang="en-US" sz="4400" spc="-1" strike="noStrike">
               <a:latin typeface="Arial"/>
@@ -11611,14 +17101,14 @@
       </p:sp>
       <p:sp>
         <p:nvSpPr>
-          <p:cNvPr id="213" name="CustomShape 2"/>
+          <p:cNvPr id="212" name="CustomShape 2"/>
           <p:cNvSpPr/>
           <p:nvPr/>
         </p:nvSpPr>
         <p:spPr>
           <a:xfrm>
             <a:off x="504000" y="1769040"/>
-            <a:ext cx="9069840" cy="4382640"/>
+            <a:ext cx="9069480" cy="4382280"/>
           </a:xfrm>
           <a:prstGeom prst="rect">
             <a:avLst/>
@@ -11635,11 +17125,9 @@
           <a:fontRef idx="minor"/>
         </p:style>
         <p:txBody>
-          <a:bodyPr lIns="0" rIns="0" tIns="0" bIns="0">
-            <a:normAutofit/>
-          </a:bodyPr>
-          <a:p>
-            <a:pPr marL="432000" indent="-322560">
+          <a:bodyPr lIns="0" rIns="0" tIns="0" bIns="0"/>
+          <a:p>
+            <a:pPr marL="432000" indent="-321840">
               <a:lnSpc>
                 <a:spcPct val="100000"/>
               </a:lnSpc>
@@ -11661,14 +17149,14 @@
                 <a:latin typeface="Arial"/>
                 <a:ea typeface="DejaVu Sans"/>
               </a:rPr>
-              <a:t>Official IDE for Google’s Android System</a:t>
+              <a:t>This is easy to use efficiently like an android application.</a:t>
             </a:r>
             <a:endParaRPr b="0" lang="en-US" sz="2400" spc="-1" strike="noStrike">
               <a:latin typeface="Arial"/>
             </a:endParaRPr>
           </a:p>
           <a:p>
-            <a:pPr marL="432000" indent="-322560">
+            <a:pPr marL="432000" indent="-321840">
               <a:lnSpc>
                 <a:spcPct val="100000"/>
               </a:lnSpc>
@@ -11690,14 +17178,14 @@
                 <a:latin typeface="Arial"/>
                 <a:ea typeface="DejaVu Sans"/>
               </a:rPr>
-              <a:t>Specially Designed for Android development</a:t>
+              <a:t>This application can reduce the waste of papers,student’s times and transportation cost.</a:t>
             </a:r>
             <a:endParaRPr b="0" lang="en-US" sz="2400" spc="-1" strike="noStrike">
               <a:latin typeface="Arial"/>
             </a:endParaRPr>
           </a:p>
           <a:p>
-            <a:pPr marL="432000" indent="-322560">
+            <a:pPr marL="432000" indent="-321840">
               <a:lnSpc>
                 <a:spcPct val="100000"/>
               </a:lnSpc>
@@ -11719,7 +17207,36 @@
                 <a:latin typeface="Arial"/>
                 <a:ea typeface="DejaVu Sans"/>
               </a:rPr>
-              <a:t>Java,Kotlin and C++ (+) XML</a:t>
+              <a:t>That can inform students about various events and activities instead of sending them notices or letters.</a:t>
+            </a:r>
+            <a:endParaRPr b="0" lang="en-US" sz="2400" spc="-1" strike="noStrike">
+              <a:latin typeface="Arial"/>
+            </a:endParaRPr>
+          </a:p>
+          <a:p>
+            <a:pPr marL="432000" indent="-321840">
+              <a:lnSpc>
+                <a:spcPct val="100000"/>
+              </a:lnSpc>
+              <a:spcBef>
+                <a:spcPts val="1060"/>
+              </a:spcBef>
+              <a:buClr>
+                <a:srgbClr val="000000"/>
+              </a:buClr>
+              <a:buSzPct val="45000"/>
+              <a:buFont typeface="Wingdings" charset="2"/>
+              <a:buChar char=""/>
+            </a:pPr>
+            <a:r>
+              <a:rPr b="0" lang="en-US" sz="2400" spc="-1" strike="noStrike">
+                <a:solidFill>
+                  <a:srgbClr val="808080"/>
+                </a:solidFill>
+                <a:latin typeface="Arial"/>
+                <a:ea typeface="DejaVu Sans"/>
+              </a:rPr>
+              <a:t>Additionally,parents looking into to enroll their children in university can do it proficiently from home by visiting the university online enrollment forms,as previously was the case.</a:t>
             </a:r>
             <a:endParaRPr b="0" lang="en-US" sz="2400" spc="-1" strike="noStrike">
               <a:latin typeface="Arial"/>
@@ -11781,14 +17298,14 @@
       </p:grpSpPr>
       <p:sp>
         <p:nvSpPr>
-          <p:cNvPr id="214" name="CustomShape 1"/>
+          <p:cNvPr id="213" name="CustomShape 1"/>
           <p:cNvSpPr/>
           <p:nvPr/>
         </p:nvSpPr>
         <p:spPr>
           <a:xfrm>
             <a:off x="504000" y="301320"/>
-            <a:ext cx="9069840" cy="635760"/>
+            <a:ext cx="9069480" cy="635400"/>
           </a:xfrm>
           <a:prstGeom prst="rect">
             <a:avLst/>
@@ -11820,7 +17337,7 @@
                 <a:latin typeface="Arial"/>
                 <a:ea typeface="DejaVu Sans"/>
               </a:rPr>
-              <a:t>Firebase</a:t>
+              <a:t>Software Component</a:t>
             </a:r>
             <a:endParaRPr b="0" lang="en-US" sz="4400" spc="-1" strike="noStrike">
               <a:latin typeface="Arial"/>
@@ -11828,95 +17345,53 @@
           </a:p>
         </p:txBody>
       </p:sp>
-      <p:sp>
-        <p:nvSpPr>
-          <p:cNvPr id="215" name="CustomShape 2"/>
-          <p:cNvSpPr/>
+      <p:pic>
+        <p:nvPicPr>
+          <p:cNvPr id="214" name="" descr=""/>
+          <p:cNvPicPr/>
           <p:nvPr/>
-        </p:nvSpPr>
-        <p:spPr>
-          <a:xfrm>
-            <a:off x="504000" y="1769040"/>
-            <a:ext cx="9069840" cy="4382640"/>
-          </a:xfrm>
-          <a:prstGeom prst="rect">
-            <a:avLst/>
-          </a:prstGeom>
-          <a:noFill/>
+        </p:nvPicPr>
+        <p:blipFill>
+          <a:blip r:embed="rId1"/>
+          <a:srcRect l="0" t="4266" r="2337" b="0"/>
+          <a:stretch/>
+        </p:blipFill>
+        <p:spPr>
+          <a:xfrm>
+            <a:off x="1097280" y="1920240"/>
+            <a:ext cx="3564360" cy="2832840"/>
+          </a:xfrm>
+          <a:prstGeom prst="rect">
+            <a:avLst/>
+          </a:prstGeom>
           <a:ln>
             <a:noFill/>
           </a:ln>
         </p:spPr>
-        <p:style>
-          <a:lnRef idx="0"/>
-          <a:fillRef idx="0"/>
-          <a:effectRef idx="0"/>
-          <a:fontRef idx="minor"/>
-        </p:style>
-        <p:txBody>
-          <a:bodyPr lIns="0" rIns="0" tIns="0" bIns="0">
-            <a:normAutofit/>
-          </a:bodyPr>
-          <a:p>
-            <a:pPr marL="432000" indent="-322560">
-              <a:lnSpc>
-                <a:spcPct val="100000"/>
-              </a:lnSpc>
-              <a:spcBef>
-                <a:spcPts val="1060"/>
-              </a:spcBef>
-              <a:buClr>
-                <a:srgbClr val="000000"/>
-              </a:buClr>
-              <a:buSzPct val="45000"/>
-              <a:buFont typeface="Wingdings" charset="2"/>
-              <a:buChar char=""/>
-            </a:pPr>
-            <a:r>
-              <a:rPr b="0" lang="en-US" sz="2400" spc="-1" strike="noStrike">
-                <a:solidFill>
-                  <a:srgbClr val="808080"/>
-                </a:solidFill>
-                <a:latin typeface="Arial"/>
-                <a:ea typeface="DejaVu Sans"/>
-              </a:rPr>
-              <a:t>Mobile and web application development platform</a:t>
-            </a:r>
-            <a:endParaRPr b="0" lang="en-US" sz="2400" spc="-1" strike="noStrike">
-              <a:latin typeface="Arial"/>
-            </a:endParaRPr>
-          </a:p>
-          <a:p>
-            <a:pPr marL="432000" indent="-322560">
-              <a:lnSpc>
-                <a:spcPct val="100000"/>
-              </a:lnSpc>
-              <a:spcBef>
-                <a:spcPts val="1060"/>
-              </a:spcBef>
-              <a:buClr>
-                <a:srgbClr val="000000"/>
-              </a:buClr>
-              <a:buSzPct val="45000"/>
-              <a:buFont typeface="Wingdings" charset="2"/>
-              <a:buChar char=""/>
-            </a:pPr>
-            <a:r>
-              <a:rPr b="0" lang="en-US" sz="2400" spc="-1" strike="noStrike">
-                <a:solidFill>
-                  <a:srgbClr val="808080"/>
-                </a:solidFill>
-                <a:latin typeface="Arial"/>
-                <a:ea typeface="DejaVu Sans"/>
-              </a:rPr>
-              <a:t>Cloud messaging,cloud storage,realtime database,authentication,hosting and many other services</a:t>
-            </a:r>
-            <a:endParaRPr b="0" lang="en-US" sz="2400" spc="-1" strike="noStrike">
-              <a:latin typeface="Arial"/>
-            </a:endParaRPr>
-          </a:p>
-        </p:txBody>
-      </p:sp>
+      </p:pic>
+      <p:pic>
+        <p:nvPicPr>
+          <p:cNvPr id="215" name="" descr=""/>
+          <p:cNvPicPr/>
+          <p:nvPr/>
+        </p:nvPicPr>
+        <p:blipFill>
+          <a:blip r:embed="rId2"/>
+          <a:stretch/>
+        </p:blipFill>
+        <p:spPr>
+          <a:xfrm>
+            <a:off x="5486400" y="1479600"/>
+            <a:ext cx="3510000" cy="3273480"/>
+          </a:xfrm>
+          <a:prstGeom prst="rect">
+            <a:avLst/>
+          </a:prstGeom>
+          <a:ln>
+            <a:noFill/>
+          </a:ln>
+        </p:spPr>
+      </p:pic>
     </p:spTree>
   </p:cSld>
   <p:transition spd="med">
@@ -11978,7 +17453,7 @@
         <p:spPr>
           <a:xfrm>
             <a:off x="504000" y="301320"/>
-            <a:ext cx="9069840" cy="635760"/>
+            <a:ext cx="9069480" cy="635400"/>
           </a:xfrm>
           <a:prstGeom prst="rect">
             <a:avLst/>
@@ -12010,7 +17485,7 @@
                 <a:latin typeface="Arial"/>
                 <a:ea typeface="DejaVu Sans"/>
               </a:rPr>
-              <a:t>Further Extension</a:t>
+              <a:t>Android Studio</a:t>
             </a:r>
             <a:endParaRPr b="0" lang="en-US" sz="4400" spc="-1" strike="noStrike">
               <a:latin typeface="Arial"/>
@@ -12027,7 +17502,7 @@
         <p:spPr>
           <a:xfrm>
             <a:off x="504000" y="1769040"/>
-            <a:ext cx="9069840" cy="4382640"/>
+            <a:ext cx="9069480" cy="4382280"/>
           </a:xfrm>
           <a:prstGeom prst="rect">
             <a:avLst/>
@@ -12048,12 +17523,12 @@
             <a:normAutofit/>
           </a:bodyPr>
           <a:p>
-            <a:pPr marL="432000" indent="-322920">
+            <a:pPr marL="432000" indent="-322200">
               <a:lnSpc>
                 <a:spcPct val="100000"/>
               </a:lnSpc>
               <a:spcBef>
-                <a:spcPts val="1057"/>
+                <a:spcPts val="1060"/>
               </a:spcBef>
               <a:buClr>
                 <a:srgbClr val="000000"/>
@@ -12070,19 +17545,19 @@
                 <a:latin typeface="Arial"/>
                 <a:ea typeface="DejaVu Sans"/>
               </a:rPr>
-              <a:t>Widely used in various university and college.</a:t>
+              <a:t>Official IDE for Google’s Android System</a:t>
             </a:r>
             <a:endParaRPr b="0" lang="en-US" sz="2400" spc="-1" strike="noStrike">
               <a:latin typeface="Arial"/>
             </a:endParaRPr>
           </a:p>
           <a:p>
-            <a:pPr marL="432000" indent="-322920">
+            <a:pPr marL="432000" indent="-322200">
               <a:lnSpc>
                 <a:spcPct val="100000"/>
               </a:lnSpc>
               <a:spcBef>
-                <a:spcPts val="1057"/>
+                <a:spcPts val="1060"/>
               </a:spcBef>
               <a:buClr>
                 <a:srgbClr val="000000"/>
@@ -12099,33 +17574,55 @@
                 <a:latin typeface="Arial"/>
                 <a:ea typeface="DejaVu Sans"/>
               </a:rPr>
-              <a:t>Can add other features – E library system,Canteen Ordering system,detail about Majors,Technology share and chat room and etc.                                   </a:t>
+              <a:t>Replacement for the Eclipse Android Development Tools(ADT)</a:t>
             </a:r>
             <a:endParaRPr b="0" lang="en-US" sz="2400" spc="-1" strike="noStrike">
               <a:latin typeface="Arial"/>
             </a:endParaRPr>
           </a:p>
           <a:p>
-            <a:pPr>
+            <a:pPr marL="432000" indent="-322200">
               <a:lnSpc>
                 <a:spcPct val="100000"/>
               </a:lnSpc>
               <a:spcBef>
-                <a:spcPts val="1057"/>
+                <a:spcPts val="1060"/>
               </a:spcBef>
+              <a:buClr>
+                <a:srgbClr val="000000"/>
+              </a:buClr>
+              <a:buSzPct val="45000"/>
+              <a:buFont typeface="Wingdings" charset="2"/>
+              <a:buChar char=""/>
             </a:pPr>
+            <a:r>
+              <a:rPr b="0" lang="en-US" sz="2400" spc="-1" strike="noStrike">
+                <a:solidFill>
+                  <a:srgbClr val="808080"/>
+                </a:solidFill>
+                <a:latin typeface="Arial"/>
+                <a:ea typeface="DejaVu Sans"/>
+              </a:rPr>
+              <a:t>Specially Designed for Android development</a:t>
+            </a:r>
             <a:endParaRPr b="0" lang="en-US" sz="2400" spc="-1" strike="noStrike">
               <a:latin typeface="Arial"/>
             </a:endParaRPr>
           </a:p>
           <a:p>
-            <a:pPr>
+            <a:pPr marL="432000" indent="-322200">
               <a:lnSpc>
                 <a:spcPct val="100000"/>
               </a:lnSpc>
               <a:spcBef>
-                <a:spcPts val="1057"/>
+                <a:spcPts val="1060"/>
               </a:spcBef>
+              <a:buClr>
+                <a:srgbClr val="000000"/>
+              </a:buClr>
+              <a:buSzPct val="45000"/>
+              <a:buFont typeface="Wingdings" charset="2"/>
+              <a:buChar char=""/>
             </a:pPr>
             <a:r>
               <a:rPr b="0" lang="en-US" sz="2400" spc="-1" strike="noStrike">
@@ -12135,7 +17632,36 @@
                 <a:latin typeface="Arial"/>
                 <a:ea typeface="DejaVu Sans"/>
               </a:rPr>
-              <a:t>     </a:t>
+              <a:t>Java,Kotlin and C++ (+) XML</a:t>
+            </a:r>
+            <a:endParaRPr b="0" lang="en-US" sz="2400" spc="-1" strike="noStrike">
+              <a:latin typeface="Arial"/>
+            </a:endParaRPr>
+          </a:p>
+          <a:p>
+            <a:pPr marL="432000" indent="-322200">
+              <a:lnSpc>
+                <a:spcPct val="100000"/>
+              </a:lnSpc>
+              <a:spcBef>
+                <a:spcPts val="1060"/>
+              </a:spcBef>
+              <a:buClr>
+                <a:srgbClr val="000000"/>
+              </a:buClr>
+              <a:buSzPct val="45000"/>
+              <a:buFont typeface="Wingdings" charset="2"/>
+              <a:buChar char=""/>
+            </a:pPr>
+            <a:r>
+              <a:rPr b="0" lang="en-US" sz="2400" spc="-1" strike="noStrike">
+                <a:solidFill>
+                  <a:srgbClr val="808080"/>
+                </a:solidFill>
+                <a:latin typeface="Arial"/>
+                <a:ea typeface="DejaVu Sans"/>
+              </a:rPr>
+              <a:t>Linux,macOS,Windows</a:t>
             </a:r>
             <a:endParaRPr b="0" lang="en-US" sz="2400" spc="-1" strike="noStrike">
               <a:latin typeface="Arial"/>

--- a/shout yay.pptx
+++ b/shout yay.pptx
@@ -32,6 +32,9 @@
     <p:sldId id="276" r:id="rId27"/>
     <p:sldId id="277" r:id="rId28"/>
     <p:sldId id="278" r:id="rId29"/>
+    <p:sldId id="279" r:id="rId30"/>
+    <p:sldId id="280" r:id="rId31"/>
+    <p:sldId id="281" r:id="rId32"/>
   </p:sldIdLst>
   <p:sldSz cx="10080625" cy="7559675"/>
   <p:notesSz cx="7772400" cy="10058400"/>
@@ -7639,61 +7642,73 @@
               <a:rPr b="0" lang="en-US" sz="4400" spc="-1" strike="noStrike">
                 <a:latin typeface="Arial"/>
               </a:rPr>
-              <a:t>di</a:t>
+              <a:t>d</a:t>
             </a:r>
             <a:r>
               <a:rPr b="0" lang="en-US" sz="4400" spc="-1" strike="noStrike">
                 <a:latin typeface="Arial"/>
               </a:rPr>
+              <a:t>it </a:t>
+            </a:r>
+            <a:r>
+              <a:rPr b="0" lang="en-US" sz="4400" spc="-1" strike="noStrike">
+                <a:latin typeface="Arial"/>
+              </a:rPr>
+              <a:t>t</a:t>
+            </a:r>
+            <a:r>
+              <a:rPr b="0" lang="en-US" sz="4400" spc="-1" strike="noStrike">
+                <a:latin typeface="Arial"/>
+              </a:rPr>
+              <a:t>h</a:t>
+            </a:r>
+            <a:r>
+              <a:rPr b="0" lang="en-US" sz="4400" spc="-1" strike="noStrike">
+                <a:latin typeface="Arial"/>
+              </a:rPr>
+              <a:t>e </a:t>
+            </a:r>
+            <a:r>
+              <a:rPr b="0" lang="en-US" sz="4400" spc="-1" strike="noStrike">
+                <a:latin typeface="Arial"/>
+              </a:rPr>
+              <a:t>ti</a:t>
+            </a:r>
+            <a:r>
+              <a:rPr b="0" lang="en-US" sz="4400" spc="-1" strike="noStrike">
+                <a:latin typeface="Arial"/>
+              </a:rPr>
+              <a:t>tl</a:t>
+            </a:r>
+            <a:r>
+              <a:rPr b="0" lang="en-US" sz="4400" spc="-1" strike="noStrike">
+                <a:latin typeface="Arial"/>
+              </a:rPr>
+              <a:t>e </a:t>
+            </a:r>
+            <a:r>
+              <a:rPr b="0" lang="en-US" sz="4400" spc="-1" strike="noStrike">
+                <a:latin typeface="Arial"/>
+              </a:rPr>
+              <a:t>t</a:t>
+            </a:r>
+            <a:r>
+              <a:rPr b="0" lang="en-US" sz="4400" spc="-1" strike="noStrike">
+                <a:latin typeface="Arial"/>
+              </a:rPr>
+              <a:t>e</a:t>
+            </a:r>
+            <a:r>
+              <a:rPr b="0" lang="en-US" sz="4400" spc="-1" strike="noStrike">
+                <a:latin typeface="Arial"/>
+              </a:rPr>
+              <a:t>x</a:t>
+            </a:r>
+            <a:r>
+              <a:rPr b="0" lang="en-US" sz="4400" spc="-1" strike="noStrike">
+                <a:latin typeface="Arial"/>
+              </a:rPr>
               <a:t>t </a:t>
-            </a:r>
-            <a:r>
-              <a:rPr b="0" lang="en-US" sz="4400" spc="-1" strike="noStrike">
-                <a:latin typeface="Arial"/>
-              </a:rPr>
-              <a:t>t</a:t>
-            </a:r>
-            <a:r>
-              <a:rPr b="0" lang="en-US" sz="4400" spc="-1" strike="noStrike">
-                <a:latin typeface="Arial"/>
-              </a:rPr>
-              <a:t>h</a:t>
-            </a:r>
-            <a:r>
-              <a:rPr b="0" lang="en-US" sz="4400" spc="-1" strike="noStrike">
-                <a:latin typeface="Arial"/>
-              </a:rPr>
-              <a:t>e </a:t>
-            </a:r>
-            <a:r>
-              <a:rPr b="0" lang="en-US" sz="4400" spc="-1" strike="noStrike">
-                <a:latin typeface="Arial"/>
-              </a:rPr>
-              <a:t>tit</a:t>
-            </a:r>
-            <a:r>
-              <a:rPr b="0" lang="en-US" sz="4400" spc="-1" strike="noStrike">
-                <a:latin typeface="Arial"/>
-              </a:rPr>
-              <a:t>le </a:t>
-            </a:r>
-            <a:r>
-              <a:rPr b="0" lang="en-US" sz="4400" spc="-1" strike="noStrike">
-                <a:latin typeface="Arial"/>
-              </a:rPr>
-              <a:t>t</a:t>
-            </a:r>
-            <a:r>
-              <a:rPr b="0" lang="en-US" sz="4400" spc="-1" strike="noStrike">
-                <a:latin typeface="Arial"/>
-              </a:rPr>
-              <a:t>e</a:t>
-            </a:r>
-            <a:r>
-              <a:rPr b="0" lang="en-US" sz="4400" spc="-1" strike="noStrike">
-                <a:latin typeface="Arial"/>
-              </a:rPr>
-              <a:t>xt </a:t>
             </a:r>
             <a:r>
               <a:rPr b="0" lang="en-US" sz="4400" spc="-1" strike="noStrike">
@@ -8444,7 +8459,7 @@
                 </a:solidFill>
                 <a:latin typeface="Arial"/>
               </a:rPr>
-              <a:t>Click </a:t>
+              <a:t>Cli</a:t>
             </a:r>
             <a:r>
               <a:rPr b="0" lang="en-US" sz="4400" spc="-1" strike="noStrike">
@@ -8453,6 +8468,15 @@
                 </a:solidFill>
                 <a:latin typeface="Arial"/>
               </a:rPr>
+              <a:t>ck </a:t>
+            </a:r>
+            <a:r>
+              <a:rPr b="0" lang="en-US" sz="4400" spc="-1" strike="noStrike">
+                <a:solidFill>
+                  <a:srgbClr val="666666"/>
+                </a:solidFill>
+                <a:latin typeface="Arial"/>
+              </a:rPr>
               <a:t>to </a:t>
             </a:r>
             <a:r>
@@ -8462,7 +8486,7 @@
                 </a:solidFill>
                 <a:latin typeface="Arial"/>
               </a:rPr>
-              <a:t>edit </a:t>
+              <a:t>edi</a:t>
             </a:r>
             <a:r>
               <a:rPr b="0" lang="en-US" sz="4400" spc="-1" strike="noStrike">
@@ -8471,6 +8495,15 @@
                 </a:solidFill>
                 <a:latin typeface="Arial"/>
               </a:rPr>
+              <a:t>t </a:t>
+            </a:r>
+            <a:r>
+              <a:rPr b="0" lang="en-US" sz="4400" spc="-1" strike="noStrike">
+                <a:solidFill>
+                  <a:srgbClr val="666666"/>
+                </a:solidFill>
+                <a:latin typeface="Arial"/>
+              </a:rPr>
               <a:t>the </a:t>
             </a:r>
             <a:r>
@@ -8489,7 +8522,7 @@
                 </a:solidFill>
                 <a:latin typeface="Arial"/>
               </a:rPr>
-              <a:t>text </a:t>
+              <a:t>tex</a:t>
             </a:r>
             <a:r>
               <a:rPr b="0" lang="en-US" sz="4400" spc="-1" strike="noStrike">
@@ -8498,7 +8531,7 @@
                 </a:solidFill>
                 <a:latin typeface="Arial"/>
               </a:rPr>
-              <a:t>form</a:t>
+              <a:t>t </a:t>
             </a:r>
             <a:r>
               <a:rPr b="0" lang="en-US" sz="4400" spc="-1" strike="noStrike">
@@ -8507,7 +8540,25 @@
                 </a:solidFill>
                 <a:latin typeface="Arial"/>
               </a:rPr>
-              <a:t>at</a:t>
+              <a:t>for</a:t>
+            </a:r>
+            <a:r>
+              <a:rPr b="0" lang="en-US" sz="4400" spc="-1" strike="noStrike">
+                <a:solidFill>
+                  <a:srgbClr val="666666"/>
+                </a:solidFill>
+                <a:latin typeface="Arial"/>
+              </a:rPr>
+              <a:t>ma</a:t>
+            </a:r>
+            <a:r>
+              <a:rPr b="0" lang="en-US" sz="4400" spc="-1" strike="noStrike">
+                <a:solidFill>
+                  <a:srgbClr val="666666"/>
+                </a:solidFill>
+                <a:latin typeface="Arial"/>
+              </a:rPr>
+              <a:t>t</a:t>
             </a:r>
             <a:endParaRPr b="0" lang="en-US" sz="4400" spc="-1" strike="noStrike">
               <a:solidFill>
@@ -13547,13 +13598,244 @@
       </p:grpSpPr>
       <p:sp>
         <p:nvSpPr>
-          <p:cNvPr id="275" name="CustomShape 1"/>
+          <p:cNvPr id="275" name="TextShape 1"/>
+          <p:cNvSpPr txBox="1"/>
+          <p:nvPr/>
+        </p:nvSpPr>
+        <p:spPr>
+          <a:xfrm>
+            <a:off x="457200" y="-73080"/>
+            <a:ext cx="9072000" cy="1261800"/>
+          </a:xfrm>
+          <a:prstGeom prst="rect">
+            <a:avLst/>
+          </a:prstGeom>
+          <a:noFill/>
+          <a:ln>
+            <a:noFill/>
+          </a:ln>
+        </p:spPr>
+        <p:txBody>
+          <a:bodyPr lIns="0" rIns="0" tIns="0" bIns="0" anchor="ctr"/>
+          <a:p>
+            <a:pPr algn="ctr"/>
+            <a:r>
+              <a:rPr b="0" lang="en-US" sz="4400" spc="-1" strike="noStrike">
+                <a:solidFill>
+                  <a:srgbClr val="666666"/>
+                </a:solidFill>
+                <a:latin typeface="Arial"/>
+              </a:rPr>
+              <a:t>Application Flow(Admin)</a:t>
+            </a:r>
+            <a:endParaRPr b="0" lang="en-US" sz="4400" spc="-1" strike="noStrike">
+              <a:solidFill>
+                <a:srgbClr val="666666"/>
+              </a:solidFill>
+              <a:latin typeface="Arial"/>
+            </a:endParaRPr>
+          </a:p>
+        </p:txBody>
+      </p:sp>
+      <p:pic>
+        <p:nvPicPr>
+          <p:cNvPr id="276" name="" descr=""/>
+          <p:cNvPicPr/>
+          <p:nvPr/>
+        </p:nvPicPr>
+        <p:blipFill>
+          <a:blip r:embed="rId1"/>
+          <a:stretch/>
+        </p:blipFill>
+        <p:spPr>
+          <a:xfrm>
+            <a:off x="3279240" y="1005840"/>
+            <a:ext cx="2572920" cy="5577840"/>
+          </a:xfrm>
+          <a:prstGeom prst="rect">
+            <a:avLst/>
+          </a:prstGeom>
+          <a:ln>
+            <a:noFill/>
+          </a:ln>
+        </p:spPr>
+      </p:pic>
+    </p:spTree>
+  </p:cSld>
+  <p:transition spd="med">
+    <p:wedge/>
+  </p:transition>
+</p:sld>
+</file>
+
+<file path=ppt/slides/slide21.xml><?xml version="1.0" encoding="utf-8"?>
+<p:sld xmlns:a="http://schemas.openxmlformats.org/drawingml/2006/main" xmlns:p="http://schemas.openxmlformats.org/presentationml/2006/main" xmlns:r="http://schemas.openxmlformats.org/officeDocument/2006/relationships" xmlns:p14="http://schemas.microsoft.com/office/powerpoint/2010/main" xmlns:p15="http://schemas.microsoft.com/office/powerpoint/2012/main" xmlns:mc="http://schemas.openxmlformats.org/markup-compatibility/2006">
+  <p:cSld>
+    <p:spTree>
+      <p:nvGrpSpPr>
+        <p:cNvPr id="1" name=""/>
+        <p:cNvGrpSpPr/>
+        <p:nvPr/>
+      </p:nvGrpSpPr>
+      <p:grpSpPr>
+        <a:xfrm>
+          <a:off x="0" y="0"/>
+          <a:ext cx="0" cy="0"/>
+          <a:chOff x="0" y="0"/>
+          <a:chExt cx="0" cy="0"/>
+        </a:xfrm>
+      </p:grpSpPr>
+      <p:pic>
+        <p:nvPicPr>
+          <p:cNvPr id="277" name="" descr=""/>
+          <p:cNvPicPr/>
+          <p:nvPr/>
+        </p:nvPicPr>
+        <p:blipFill>
+          <a:blip r:embed="rId1"/>
+          <a:stretch/>
+        </p:blipFill>
+        <p:spPr>
+          <a:xfrm>
+            <a:off x="1412640" y="914400"/>
+            <a:ext cx="2610720" cy="5659560"/>
+          </a:xfrm>
+          <a:prstGeom prst="rect">
+            <a:avLst/>
+          </a:prstGeom>
+          <a:ln>
+            <a:noFill/>
+          </a:ln>
+        </p:spPr>
+      </p:pic>
+      <p:pic>
+        <p:nvPicPr>
+          <p:cNvPr id="278" name="" descr=""/>
+          <p:cNvPicPr/>
+          <p:nvPr/>
+        </p:nvPicPr>
+        <p:blipFill>
+          <a:blip r:embed="rId2"/>
+          <a:stretch/>
+        </p:blipFill>
+        <p:spPr>
+          <a:xfrm>
+            <a:off x="6035040" y="914400"/>
+            <a:ext cx="2489040" cy="5394960"/>
+          </a:xfrm>
+          <a:prstGeom prst="rect">
+            <a:avLst/>
+          </a:prstGeom>
+          <a:ln>
+            <a:noFill/>
+          </a:ln>
+        </p:spPr>
+      </p:pic>
+    </p:spTree>
+  </p:cSld>
+  <p:transition spd="med">
+    <p:wedge/>
+  </p:transition>
+</p:sld>
+</file>
+
+<file path=ppt/slides/slide22.xml><?xml version="1.0" encoding="utf-8"?>
+<p:sld xmlns:a="http://schemas.openxmlformats.org/drawingml/2006/main" xmlns:p="http://schemas.openxmlformats.org/presentationml/2006/main" xmlns:r="http://schemas.openxmlformats.org/officeDocument/2006/relationships" xmlns:p14="http://schemas.microsoft.com/office/powerpoint/2010/main" xmlns:p15="http://schemas.microsoft.com/office/powerpoint/2012/main" xmlns:mc="http://schemas.openxmlformats.org/markup-compatibility/2006">
+  <p:cSld>
+    <p:spTree>
+      <p:nvGrpSpPr>
+        <p:cNvPr id="1" name=""/>
+        <p:cNvGrpSpPr/>
+        <p:nvPr/>
+      </p:nvGrpSpPr>
+      <p:grpSpPr>
+        <a:xfrm>
+          <a:off x="0" y="0"/>
+          <a:ext cx="0" cy="0"/>
+          <a:chOff x="0" y="0"/>
+          <a:chExt cx="0" cy="0"/>
+        </a:xfrm>
+      </p:grpSpPr>
+      <p:pic>
+        <p:nvPicPr>
+          <p:cNvPr id="279" name="" descr=""/>
+          <p:cNvPicPr/>
+          <p:nvPr/>
+        </p:nvPicPr>
+        <p:blipFill>
+          <a:blip r:embed="rId1"/>
+          <a:stretch/>
+        </p:blipFill>
+        <p:spPr>
+          <a:xfrm>
+            <a:off x="5760720" y="914400"/>
+            <a:ext cx="2615400" cy="5669280"/>
+          </a:xfrm>
+          <a:prstGeom prst="rect">
+            <a:avLst/>
+          </a:prstGeom>
+          <a:ln>
+            <a:noFill/>
+          </a:ln>
+        </p:spPr>
+      </p:pic>
+      <p:pic>
+        <p:nvPicPr>
+          <p:cNvPr id="280" name="" descr=""/>
+          <p:cNvPicPr/>
+          <p:nvPr/>
+        </p:nvPicPr>
+        <p:blipFill>
+          <a:blip r:embed="rId2"/>
+          <a:stretch/>
+        </p:blipFill>
+        <p:spPr>
+          <a:xfrm>
+            <a:off x="1792440" y="914400"/>
+            <a:ext cx="2573280" cy="5577840"/>
+          </a:xfrm>
+          <a:prstGeom prst="rect">
+            <a:avLst/>
+          </a:prstGeom>
+          <a:ln>
+            <a:noFill/>
+          </a:ln>
+        </p:spPr>
+      </p:pic>
+    </p:spTree>
+  </p:cSld>
+  <p:transition spd="med">
+    <p:wedge/>
+  </p:transition>
+</p:sld>
+</file>
+
+<file path=ppt/slides/slide23.xml><?xml version="1.0" encoding="utf-8"?>
+<p:sld xmlns:a="http://schemas.openxmlformats.org/drawingml/2006/main" xmlns:p="http://schemas.openxmlformats.org/presentationml/2006/main" xmlns:r="http://schemas.openxmlformats.org/officeDocument/2006/relationships" xmlns:p14="http://schemas.microsoft.com/office/powerpoint/2010/main" xmlns:p15="http://schemas.microsoft.com/office/powerpoint/2012/main" xmlns:mc="http://schemas.openxmlformats.org/markup-compatibility/2006">
+  <p:cSld>
+    <p:spTree>
+      <p:nvGrpSpPr>
+        <p:cNvPr id="1" name=""/>
+        <p:cNvGrpSpPr/>
+        <p:nvPr/>
+      </p:nvGrpSpPr>
+      <p:grpSpPr>
+        <a:xfrm>
+          <a:off x="0" y="0"/>
+          <a:ext cx="0" cy="0"/>
+          <a:chOff x="0" y="0"/>
+          <a:chExt cx="0" cy="0"/>
+        </a:xfrm>
+      </p:grpSpPr>
+      <p:sp>
+        <p:nvSpPr>
+          <p:cNvPr id="281" name="CustomShape 1"/>
           <p:cNvSpPr/>
           <p:nvPr/>
         </p:nvSpPr>
         <p:spPr>
           <a:xfrm>
-            <a:off x="504000" y="301320"/>
+            <a:off x="531720" y="187560"/>
             <a:ext cx="9069480" cy="635400"/>
           </a:xfrm>
           <a:prstGeom prst="rect">
@@ -13656,7 +13938,7 @@
       </p:sp>
       <p:sp>
         <p:nvSpPr>
-          <p:cNvPr id="276" name="CustomShape 2"/>
+          <p:cNvPr id="282" name="CustomShape 2"/>
           <p:cNvSpPr/>
           <p:nvPr/>
         </p:nvSpPr>
@@ -14623,7 +14905,7 @@
 </p:sld>
 </file>
 
-<file path=ppt/slides/slide21.xml><?xml version="1.0" encoding="utf-8"?>
+<file path=ppt/slides/slide24.xml><?xml version="1.0" encoding="utf-8"?>
 <p:sld xmlns:a="http://schemas.openxmlformats.org/drawingml/2006/main" xmlns:p="http://schemas.openxmlformats.org/presentationml/2006/main" xmlns:r="http://schemas.openxmlformats.org/officeDocument/2006/relationships" xmlns:p14="http://schemas.microsoft.com/office/powerpoint/2010/main" xmlns:p15="http://schemas.microsoft.com/office/powerpoint/2012/main" xmlns:mc="http://schemas.openxmlformats.org/markup-compatibility/2006">
   <p:cSld>
     <p:spTree>
@@ -14642,7 +14924,7 @@
       </p:grpSpPr>
       <p:sp>
         <p:nvSpPr>
-          <p:cNvPr id="277" name="TextShape 1"/>
+          <p:cNvPr id="283" name="TextShape 1"/>
           <p:cNvSpPr txBox="1"/>
           <p:nvPr/>
         </p:nvSpPr>
@@ -14683,7 +14965,7 @@
       </p:sp>
       <p:sp>
         <p:nvSpPr>
-          <p:cNvPr id="278" name="TextShape 2"/>
+          <p:cNvPr id="284" name="TextShape 2"/>
           <p:cNvSpPr txBox="1"/>
           <p:nvPr/>
         </p:nvSpPr>
@@ -14797,7 +15079,7 @@
 </p:sld>
 </file>
 
-<file path=ppt/slides/slide22.xml><?xml version="1.0" encoding="utf-8"?>
+<file path=ppt/slides/slide25.xml><?xml version="1.0" encoding="utf-8"?>
 <p:sld xmlns:a="http://schemas.openxmlformats.org/drawingml/2006/main" xmlns:p="http://schemas.openxmlformats.org/presentationml/2006/main" xmlns:r="http://schemas.openxmlformats.org/officeDocument/2006/relationships" xmlns:p14="http://schemas.microsoft.com/office/powerpoint/2010/main" xmlns:p15="http://schemas.microsoft.com/office/powerpoint/2012/main" xmlns:mc="http://schemas.openxmlformats.org/markup-compatibility/2006">
   <p:cSld>
     <p:spTree>
@@ -14816,13 +15098,13 @@
       </p:grpSpPr>
       <p:sp>
         <p:nvSpPr>
-          <p:cNvPr id="279" name="CustomShape 1"/>
+          <p:cNvPr id="285" name="CustomShape 1"/>
           <p:cNvSpPr/>
           <p:nvPr/>
         </p:nvSpPr>
         <p:spPr>
           <a:xfrm>
-            <a:off x="504000" y="301320"/>
+            <a:off x="470880" y="120600"/>
             <a:ext cx="9069480" cy="635400"/>
           </a:xfrm>
           <a:prstGeom prst="rect">
@@ -14885,7 +15167,7 @@
       </p:sp>
       <p:sp>
         <p:nvSpPr>
-          <p:cNvPr id="280" name="CustomShape 2"/>
+          <p:cNvPr id="286" name="CustomShape 2"/>
           <p:cNvSpPr/>
           <p:nvPr/>
         </p:nvSpPr>
@@ -15575,7 +15857,7 @@
       </p:sp>
       <p:pic>
         <p:nvPicPr>
-          <p:cNvPr id="281" name="" descr=""/>
+          <p:cNvPr id="287" name="" descr=""/>
           <p:cNvPicPr/>
           <p:nvPr/>
         </p:nvPicPr>
@@ -15598,7 +15880,7 @@
       </p:pic>
       <p:pic>
         <p:nvPicPr>
-          <p:cNvPr id="282" name="" descr=""/>
+          <p:cNvPr id="288" name="" descr=""/>
           <p:cNvPicPr/>
           <p:nvPr/>
         </p:nvPicPr>
@@ -15621,7 +15903,7 @@
       </p:pic>
       <p:pic>
         <p:nvPicPr>
-          <p:cNvPr id="283" name="" descr=""/>
+          <p:cNvPr id="289" name="" descr=""/>
           <p:cNvPicPr/>
           <p:nvPr/>
         </p:nvPicPr>
@@ -15677,7 +15959,7 @@
 </p:sld>
 </file>
 
-<file path=ppt/slides/slide23.xml><?xml version="1.0" encoding="utf-8"?>
+<file path=ppt/slides/slide26.xml><?xml version="1.0" encoding="utf-8"?>
 <p:sld xmlns:a="http://schemas.openxmlformats.org/drawingml/2006/main" xmlns:p="http://schemas.openxmlformats.org/presentationml/2006/main" xmlns:r="http://schemas.openxmlformats.org/officeDocument/2006/relationships" xmlns:p14="http://schemas.microsoft.com/office/powerpoint/2010/main" xmlns:p15="http://schemas.microsoft.com/office/powerpoint/2012/main" xmlns:mc="http://schemas.openxmlformats.org/markup-compatibility/2006">
   <p:cSld>
     <p:spTree>
@@ -15696,7 +15978,7 @@
       </p:grpSpPr>
       <p:sp>
         <p:nvSpPr>
-          <p:cNvPr id="284" name="CustomShape 1"/>
+          <p:cNvPr id="290" name="CustomShape 1"/>
           <p:cNvSpPr/>
           <p:nvPr/>
         </p:nvSpPr>
@@ -15835,7 +16117,7 @@
       </p:sp>
       <p:pic>
         <p:nvPicPr>
-          <p:cNvPr id="285" name="" descr=""/>
+          <p:cNvPr id="291" name="" descr=""/>
           <p:cNvPicPr/>
           <p:nvPr/>
         </p:nvPicPr>
@@ -15858,7 +16140,7 @@
       </p:pic>
       <p:pic>
         <p:nvPicPr>
-          <p:cNvPr id="286" name="" descr=""/>
+          <p:cNvPr id="292" name="" descr=""/>
           <p:cNvPicPr/>
           <p:nvPr/>
         </p:nvPicPr>
@@ -16496,7 +16778,7 @@
                 </a:solidFill>
                 <a:latin typeface="Arial"/>
               </a:rPr>
-              <a:t>In the Admin: </a:t>
+              <a:t>In the Admin:Major list,Register,Post,Select Major </a:t>
             </a:r>
             <a:endParaRPr b="0" lang="en-US" sz="2400" spc="-1" strike="noStrike">
               <a:solidFill>
